--- a/slides/pptx/3-entity-extraction.pptx
+++ b/slides/pptx/3-entity-extraction.pptx
@@ -5,7 +5,7 @@
     <p:sldMasterId id="2147483660" r:id="rId1"/>
   </p:sldMasterIdLst>
   <p:notesMasterIdLst>
-    <p:notesMasterId r:id="rId39"/>
+    <p:notesMasterId r:id="rId32"/>
   </p:notesMasterIdLst>
   <p:sldIdLst>
     <p:sldId id="365" r:id="rId2"/>
@@ -20,31 +20,24 @@
     <p:sldId id="321" r:id="rId11"/>
     <p:sldId id="328" r:id="rId12"/>
     <p:sldId id="330" r:id="rId13"/>
-    <p:sldId id="333" r:id="rId14"/>
-    <p:sldId id="334" r:id="rId15"/>
-    <p:sldId id="335" r:id="rId16"/>
-    <p:sldId id="336" r:id="rId17"/>
-    <p:sldId id="337" r:id="rId18"/>
-    <p:sldId id="338" r:id="rId19"/>
-    <p:sldId id="339" r:id="rId20"/>
-    <p:sldId id="347" r:id="rId21"/>
-    <p:sldId id="348" r:id="rId22"/>
-    <p:sldId id="349" r:id="rId23"/>
-    <p:sldId id="350" r:id="rId24"/>
-    <p:sldId id="351" r:id="rId25"/>
-    <p:sldId id="352" r:id="rId26"/>
-    <p:sldId id="353" r:id="rId27"/>
-    <p:sldId id="354" r:id="rId28"/>
-    <p:sldId id="355" r:id="rId29"/>
-    <p:sldId id="356" r:id="rId30"/>
-    <p:sldId id="357" r:id="rId31"/>
-    <p:sldId id="358" r:id="rId32"/>
-    <p:sldId id="359" r:id="rId33"/>
-    <p:sldId id="360" r:id="rId34"/>
-    <p:sldId id="361" r:id="rId35"/>
-    <p:sldId id="362" r:id="rId36"/>
-    <p:sldId id="363" r:id="rId37"/>
-    <p:sldId id="364" r:id="rId38"/>
+    <p:sldId id="347" r:id="rId14"/>
+    <p:sldId id="348" r:id="rId15"/>
+    <p:sldId id="349" r:id="rId16"/>
+    <p:sldId id="350" r:id="rId17"/>
+    <p:sldId id="351" r:id="rId18"/>
+    <p:sldId id="352" r:id="rId19"/>
+    <p:sldId id="353" r:id="rId20"/>
+    <p:sldId id="367" r:id="rId21"/>
+    <p:sldId id="354" r:id="rId22"/>
+    <p:sldId id="356" r:id="rId23"/>
+    <p:sldId id="357" r:id="rId24"/>
+    <p:sldId id="355" r:id="rId25"/>
+    <p:sldId id="358" r:id="rId26"/>
+    <p:sldId id="359" r:id="rId27"/>
+    <p:sldId id="360" r:id="rId28"/>
+    <p:sldId id="362" r:id="rId29"/>
+    <p:sldId id="363" r:id="rId30"/>
+    <p:sldId id="364" r:id="rId31"/>
   </p:sldIdLst>
   <p:sldSz cx="9144000" cy="6858000" type="screen4x3"/>
   <p:notesSz cx="6858000" cy="9144000"/>
@@ -233,7 +226,7 @@
           <a:p>
             <a:fld id="{BE1256C8-1BA4-4200-90F3-9413893DDEA5}" type="datetimeFigureOut">
               <a:rPr lang="en-US" smtClean="0"/>
-              <a:t>4/18/2018</a:t>
+              <a:t>4/18/18</a:t>
             </a:fld>
             <a:endParaRPr lang="en-US"/>
           </a:p>
@@ -498,6 +491,280 @@
     </a:lvl9pPr>
   </p:notesStyle>
 </p:notesMaster>
+</file>
+
+<file path=ppt/notesSlides/notesSlide1.xml><?xml version="1.0" encoding="utf-8"?>
+<p:notes xmlns:a="http://schemas.openxmlformats.org/drawingml/2006/main" xmlns:r="http://schemas.openxmlformats.org/officeDocument/2006/relationships" xmlns:p="http://schemas.openxmlformats.org/presentationml/2006/main">
+  <p:cSld>
+    <p:spTree>
+      <p:nvGrpSpPr>
+        <p:cNvPr id="1" name=""/>
+        <p:cNvGrpSpPr/>
+        <p:nvPr/>
+      </p:nvGrpSpPr>
+      <p:grpSpPr>
+        <a:xfrm>
+          <a:off x="0" y="0"/>
+          <a:ext cx="0" cy="0"/>
+          <a:chOff x="0" y="0"/>
+          <a:chExt cx="0" cy="0"/>
+        </a:xfrm>
+      </p:grpSpPr>
+      <p:sp>
+        <p:nvSpPr>
+          <p:cNvPr id="2" name="Slide Image Placeholder 1"/>
+          <p:cNvSpPr>
+            <a:spLocks noGrp="1" noRot="1" noChangeAspect="1"/>
+          </p:cNvSpPr>
+          <p:nvPr>
+            <p:ph type="sldImg"/>
+          </p:nvPr>
+        </p:nvSpPr>
+        <p:spPr/>
+      </p:sp>
+      <p:sp>
+        <p:nvSpPr>
+          <p:cNvPr id="3" name="Notes Placeholder 2"/>
+          <p:cNvSpPr>
+            <a:spLocks noGrp="1"/>
+          </p:cNvSpPr>
+          <p:nvPr>
+            <p:ph type="body" idx="1"/>
+          </p:nvPr>
+        </p:nvSpPr>
+        <p:spPr/>
+        <p:txBody>
+          <a:bodyPr/>
+          <a:lstStyle/>
+          <a:p>
+            <a:r>
+              <a:rPr lang="en-US"/>
+              <a:t>But more recently, packages</a:t>
+            </a:r>
+            <a:r>
+              <a:rPr lang="en-US" baseline="0"/>
+              <a:t> like spacy have made enormous progress in dealing with noisy data, given their ubiquity</a:t>
+            </a:r>
+            <a:endParaRPr lang="en-US"/>
+          </a:p>
+        </p:txBody>
+      </p:sp>
+      <p:sp>
+        <p:nvSpPr>
+          <p:cNvPr id="4" name="Slide Number Placeholder 3"/>
+          <p:cNvSpPr>
+            <a:spLocks noGrp="1"/>
+          </p:cNvSpPr>
+          <p:nvPr>
+            <p:ph type="sldNum" sz="quarter" idx="10"/>
+          </p:nvPr>
+        </p:nvSpPr>
+        <p:spPr/>
+        <p:txBody>
+          <a:bodyPr/>
+          <a:lstStyle/>
+          <a:p>
+            <a:fld id="{9D3E0FAC-92B7-4344-B8CE-D78B9752AB0B}" type="slidenum">
+              <a:rPr lang="en-US" smtClean="0"/>
+              <a:t>23</a:t>
+            </a:fld>
+            <a:endParaRPr lang="en-US"/>
+          </a:p>
+        </p:txBody>
+      </p:sp>
+    </p:spTree>
+    <p:extLst>
+      <p:ext uri="{BB962C8B-B14F-4D97-AF65-F5344CB8AC3E}">
+        <p14:creationId xmlns:p14="http://schemas.microsoft.com/office/powerpoint/2010/main" val="181938373"/>
+      </p:ext>
+    </p:extLst>
+  </p:cSld>
+  <p:clrMapOvr>
+    <a:masterClrMapping/>
+  </p:clrMapOvr>
+</p:notes>
+</file>
+
+<file path=ppt/notesSlides/notesSlide2.xml><?xml version="1.0" encoding="utf-8"?>
+<p:notes xmlns:a="http://schemas.openxmlformats.org/drawingml/2006/main" xmlns:r="http://schemas.openxmlformats.org/officeDocument/2006/relationships" xmlns:p="http://schemas.openxmlformats.org/presentationml/2006/main">
+  <p:cSld>
+    <p:spTree>
+      <p:nvGrpSpPr>
+        <p:cNvPr id="1" name=""/>
+        <p:cNvGrpSpPr/>
+        <p:nvPr/>
+      </p:nvGrpSpPr>
+      <p:grpSpPr>
+        <a:xfrm>
+          <a:off x="0" y="0"/>
+          <a:ext cx="0" cy="0"/>
+          <a:chOff x="0" y="0"/>
+          <a:chExt cx="0" cy="0"/>
+        </a:xfrm>
+      </p:grpSpPr>
+      <p:sp>
+        <p:nvSpPr>
+          <p:cNvPr id="2" name="Slide Image Placeholder 1"/>
+          <p:cNvSpPr>
+            <a:spLocks noGrp="1" noRot="1" noChangeAspect="1"/>
+          </p:cNvSpPr>
+          <p:nvPr>
+            <p:ph type="sldImg"/>
+          </p:nvPr>
+        </p:nvSpPr>
+        <p:spPr/>
+      </p:sp>
+      <p:sp>
+        <p:nvSpPr>
+          <p:cNvPr id="3" name="Notes Placeholder 2"/>
+          <p:cNvSpPr>
+            <a:spLocks noGrp="1"/>
+          </p:cNvSpPr>
+          <p:nvPr>
+            <p:ph type="body" idx="1"/>
+          </p:nvPr>
+        </p:nvSpPr>
+        <p:spPr/>
+        <p:txBody>
+          <a:bodyPr/>
+          <a:lstStyle/>
+          <a:p>
+            <a:r>
+              <a:rPr lang="en-US"/>
+              <a:t>However, the best performance still tends to be achieved by Twitter-specific NER</a:t>
+            </a:r>
+            <a:r>
+              <a:rPr lang="en-US" baseline="0"/>
+              <a:t> systems. These systems have some common themes, and we describe both a classic and a more recent example shortly. In the notebooks, a link and description is provided for TwitterNER, a recently developed system</a:t>
+            </a:r>
+            <a:r>
+              <a:rPr lang="en-US"/>
+              <a:t> </a:t>
+            </a:r>
+          </a:p>
+        </p:txBody>
+      </p:sp>
+      <p:sp>
+        <p:nvSpPr>
+          <p:cNvPr id="4" name="Slide Number Placeholder 3"/>
+          <p:cNvSpPr>
+            <a:spLocks noGrp="1"/>
+          </p:cNvSpPr>
+          <p:nvPr>
+            <p:ph type="sldNum" sz="quarter" idx="10"/>
+          </p:nvPr>
+        </p:nvSpPr>
+        <p:spPr/>
+        <p:txBody>
+          <a:bodyPr/>
+          <a:lstStyle/>
+          <a:p>
+            <a:fld id="{9D3E0FAC-92B7-4344-B8CE-D78B9752AB0B}" type="slidenum">
+              <a:rPr lang="en-US" smtClean="0"/>
+              <a:t>25</a:t>
+            </a:fld>
+            <a:endParaRPr lang="en-US"/>
+          </a:p>
+        </p:txBody>
+      </p:sp>
+    </p:spTree>
+    <p:extLst>
+      <p:ext uri="{BB962C8B-B14F-4D97-AF65-F5344CB8AC3E}">
+        <p14:creationId xmlns:p14="http://schemas.microsoft.com/office/powerpoint/2010/main" val="1129792705"/>
+      </p:ext>
+    </p:extLst>
+  </p:cSld>
+  <p:clrMapOvr>
+    <a:masterClrMapping/>
+  </p:clrMapOvr>
+</p:notes>
+</file>
+
+<file path=ppt/notesSlides/notesSlide3.xml><?xml version="1.0" encoding="utf-8"?>
+<p:notes xmlns:a="http://schemas.openxmlformats.org/drawingml/2006/main" xmlns:r="http://schemas.openxmlformats.org/officeDocument/2006/relationships" xmlns:p="http://schemas.openxmlformats.org/presentationml/2006/main">
+  <p:cSld>
+    <p:spTree>
+      <p:nvGrpSpPr>
+        <p:cNvPr id="1" name=""/>
+        <p:cNvGrpSpPr/>
+        <p:nvPr/>
+      </p:nvGrpSpPr>
+      <p:grpSpPr>
+        <a:xfrm>
+          <a:off x="0" y="0"/>
+          <a:ext cx="0" cy="0"/>
+          <a:chOff x="0" y="0"/>
+          <a:chExt cx="0" cy="0"/>
+        </a:xfrm>
+      </p:grpSpPr>
+      <p:sp>
+        <p:nvSpPr>
+          <p:cNvPr id="2" name="Slide Image Placeholder 1"/>
+          <p:cNvSpPr>
+            <a:spLocks noGrp="1" noRot="1" noChangeAspect="1"/>
+          </p:cNvSpPr>
+          <p:nvPr>
+            <p:ph type="sldImg"/>
+          </p:nvPr>
+        </p:nvSpPr>
+        <p:spPr/>
+      </p:sp>
+      <p:sp>
+        <p:nvSpPr>
+          <p:cNvPr id="3" name="Notes Placeholder 2"/>
+          <p:cNvSpPr>
+            <a:spLocks noGrp="1"/>
+          </p:cNvSpPr>
+          <p:nvPr>
+            <p:ph type="body" idx="1"/>
+          </p:nvPr>
+        </p:nvSpPr>
+        <p:spPr/>
+        <p:txBody>
+          <a:bodyPr/>
+          <a:lstStyle/>
+          <a:p>
+            <a:r>
+              <a:rPr lang="en-US"/>
+              <a:t>Show people the link to TwitterNER in the notebook, but we will not be doing the hands on in the tutorial</a:t>
+            </a:r>
+          </a:p>
+        </p:txBody>
+      </p:sp>
+      <p:sp>
+        <p:nvSpPr>
+          <p:cNvPr id="4" name="Slide Number Placeholder 3"/>
+          <p:cNvSpPr>
+            <a:spLocks noGrp="1"/>
+          </p:cNvSpPr>
+          <p:nvPr>
+            <p:ph type="sldNum" sz="quarter" idx="10"/>
+          </p:nvPr>
+        </p:nvSpPr>
+        <p:spPr/>
+        <p:txBody>
+          <a:bodyPr/>
+          <a:lstStyle/>
+          <a:p>
+            <a:fld id="{9D3E0FAC-92B7-4344-B8CE-D78B9752AB0B}" type="slidenum">
+              <a:rPr lang="en-US" smtClean="0"/>
+              <a:t>27</a:t>
+            </a:fld>
+            <a:endParaRPr lang="en-US"/>
+          </a:p>
+        </p:txBody>
+      </p:sp>
+    </p:spTree>
+    <p:extLst>
+      <p:ext uri="{BB962C8B-B14F-4D97-AF65-F5344CB8AC3E}">
+        <p14:creationId xmlns:p14="http://schemas.microsoft.com/office/powerpoint/2010/main" val="514608253"/>
+      </p:ext>
+    </p:extLst>
+  </p:cSld>
+  <p:clrMapOvr>
+    <a:masterClrMapping/>
+  </p:clrMapOvr>
+</p:notes>
 </file>
 
 <file path=ppt/slideLayouts/slideLayout1.xml><?xml version="1.0" encoding="utf-8"?>
@@ -8245,7 +8512,7 @@
           <p:cNvPr id="2" name="Title 1">
             <a:extLst>
               <a:ext uri="{FF2B5EF4-FFF2-40B4-BE49-F238E27FC236}">
-                <a16:creationId xmlns="" xmlns:a16="http://schemas.microsoft.com/office/drawing/2014/main" id="{47E09107-4194-4BB3-9118-E9B9EDF2C558}"/>
+                <a16:creationId xmlns:a16="http://schemas.microsoft.com/office/drawing/2014/main" xmlns="" id="{47E09107-4194-4BB3-9118-E9B9EDF2C558}"/>
               </a:ext>
             </a:extLst>
           </p:cNvPr>
@@ -8263,17 +8530,69 @@
           <a:p>
             <a:r>
               <a:rPr lang="en-US"/>
-              <a:t>Simple Motivating Example</a:t>
+              <a:t>Entity Extraction aka Named Entity Recognition (NER)</a:t>
+            </a:r>
+          </a:p>
+        </p:txBody>
+      </p:sp>
+      <p:sp>
+        <p:nvSpPr>
+          <p:cNvPr id="7" name="Content Placeholder 6">
+            <a:extLst>
+              <a:ext uri="{FF2B5EF4-FFF2-40B4-BE49-F238E27FC236}">
+                <a16:creationId xmlns:a16="http://schemas.microsoft.com/office/drawing/2014/main" xmlns="" id="{55AA5913-BC8F-49AE-83AD-A535765E7CC1}"/>
+              </a:ext>
+            </a:extLst>
+          </p:cNvPr>
+          <p:cNvSpPr>
+            <a:spLocks noGrp="1"/>
+          </p:cNvSpPr>
+          <p:nvPr>
+            <p:ph idx="1"/>
+          </p:nvPr>
+        </p:nvSpPr>
+        <p:spPr>
+          <a:xfrm>
+            <a:off x="628650" y="1825625"/>
+            <a:ext cx="8600694" cy="4351338"/>
+          </a:xfrm>
+        </p:spPr>
+        <p:txBody>
+          <a:bodyPr/>
+          <a:lstStyle/>
+          <a:p>
+            <a:r>
+              <a:rPr lang="en-US"/>
+              <a:t>NER is </a:t>
+            </a:r>
+            <a:r>
+              <a:rPr lang="en-US">
+                <a:solidFill>
+                  <a:srgbClr val="FF0000"/>
+                </a:solidFill>
+              </a:rPr>
+              <a:t>a classic problem </a:t>
+            </a:r>
+            <a:r>
+              <a:rPr lang="en-US"/>
+              <a:t>in the Natural Language Processing (NLP) literature</a:t>
+            </a:r>
+          </a:p>
+          <a:p>
+            <a:pPr lvl="1"/>
+            <a:r>
+              <a:rPr lang="en-US"/>
+              <a:t>Decades of research, with recent methods including deep learning and zero-shot learning</a:t>
             </a:r>
           </a:p>
         </p:txBody>
       </p:sp>
       <p:pic>
         <p:nvPicPr>
-          <p:cNvPr id="4" name="Picture 3">
+          <p:cNvPr id="3" name="Picture 2">
             <a:extLst>
               <a:ext uri="{FF2B5EF4-FFF2-40B4-BE49-F238E27FC236}">
-                <a16:creationId xmlns="" xmlns:a16="http://schemas.microsoft.com/office/drawing/2014/main" id="{A2CCD1F4-74E1-4EA7-93C2-50DD90CBF94E}"/>
+                <a16:creationId xmlns:a16="http://schemas.microsoft.com/office/drawing/2014/main" xmlns="" id="{890F1FE2-5119-40AB-8F6D-A56025346D75}"/>
               </a:ext>
             </a:extLst>
           </p:cNvPr>
@@ -8290,18 +8609,58 @@
         </p:blipFill>
         <p:spPr>
           <a:xfrm>
-            <a:off x="357869" y="1957388"/>
-            <a:ext cx="8532131" cy="3986212"/>
+            <a:off x="750570" y="3611879"/>
+            <a:ext cx="7088886" cy="3157136"/>
           </a:xfrm>
           <a:prstGeom prst="rect">
             <a:avLst/>
           </a:prstGeom>
         </p:spPr>
       </p:pic>
+      <p:sp>
+        <p:nvSpPr>
+          <p:cNvPr id="8" name="TextBox 7">
+            <a:extLst>
+              <a:ext uri="{FF2B5EF4-FFF2-40B4-BE49-F238E27FC236}">
+                <a16:creationId xmlns:a16="http://schemas.microsoft.com/office/drawing/2014/main" xmlns="" id="{138EE332-0527-44B9-8D26-43A95831B2A9}"/>
+              </a:ext>
+            </a:extLst>
+          </p:cNvPr>
+          <p:cNvSpPr txBox="1"/>
+          <p:nvPr/>
+        </p:nvSpPr>
+        <p:spPr>
+          <a:xfrm>
+            <a:off x="6047232" y="6484358"/>
+            <a:ext cx="3096768" cy="369332"/>
+          </a:xfrm>
+          <a:prstGeom prst="rect">
+            <a:avLst/>
+          </a:prstGeom>
+          <a:noFill/>
+        </p:spPr>
+        <p:txBody>
+          <a:bodyPr wrap="square" rtlCol="0">
+            <a:spAutoFit/>
+          </a:bodyPr>
+          <a:lstStyle/>
+          <a:p>
+            <a:pPr algn="r"/>
+            <a:r>
+              <a:rPr lang="en-US">
+                <a:solidFill>
+                  <a:srgbClr val="002060"/>
+                </a:solidFill>
+              </a:rPr>
+              <a:t>(Nadeau and Sakine, 2007)</a:t>
+            </a:r>
+          </a:p>
+        </p:txBody>
+      </p:sp>
     </p:spTree>
     <p:extLst>
       <p:ext uri="{BB962C8B-B14F-4D97-AF65-F5344CB8AC3E}">
-        <p14:creationId xmlns:p14="http://schemas.microsoft.com/office/powerpoint/2010/main" val="101288211"/>
+        <p14:creationId xmlns:p14="http://schemas.microsoft.com/office/powerpoint/2010/main" val="2065855944"/>
       </p:ext>
     </p:extLst>
   </p:cSld>
@@ -8337,7 +8696,13 @@
       </p:grpSpPr>
       <p:sp>
         <p:nvSpPr>
-          <p:cNvPr id="2" name="Title 1"/>
+          <p:cNvPr id="2" name="Title 1">
+            <a:extLst>
+              <a:ext uri="{FF2B5EF4-FFF2-40B4-BE49-F238E27FC236}">
+                <a16:creationId xmlns:a16="http://schemas.microsoft.com/office/drawing/2014/main" xmlns="" id="{47E09107-4194-4BB3-9118-E9B9EDF2C558}"/>
+              </a:ext>
+            </a:extLst>
+          </p:cNvPr>
           <p:cNvSpPr>
             <a:spLocks noGrp="1"/>
           </p:cNvSpPr>
@@ -8345,143 +8710,128 @@
             <p:ph type="title"/>
           </p:nvPr>
         </p:nvSpPr>
-        <p:spPr>
-          <a:xfrm>
-            <a:off x="400050" y="365126"/>
-            <a:ext cx="8515350" cy="1325563"/>
-          </a:xfrm>
-        </p:spPr>
+        <p:spPr/>
         <p:txBody>
           <a:bodyPr/>
           <a:lstStyle/>
           <a:p>
             <a:r>
               <a:rPr lang="en-US"/>
-              <a:t>(More Complex) Motivating Example</a:t>
-            </a:r>
-            <a:endParaRPr lang="en-US" dirty="0"/>
-          </a:p>
-        </p:txBody>
-      </p:sp>
-      <p:pic>
-        <p:nvPicPr>
-          <p:cNvPr id="4" name="Content Placeholder 3"/>
-          <p:cNvPicPr>
-            <a:picLocks noGrp="1" noChangeAspect="1"/>
-          </p:cNvPicPr>
+              <a:t>Entity Extraction aka Named Entity Recognition (NER)</a:t>
+            </a:r>
+          </a:p>
+        </p:txBody>
+      </p:sp>
+      <p:sp>
+        <p:nvSpPr>
+          <p:cNvPr id="7" name="Content Placeholder 6">
+            <a:extLst>
+              <a:ext uri="{FF2B5EF4-FFF2-40B4-BE49-F238E27FC236}">
+                <a16:creationId xmlns:a16="http://schemas.microsoft.com/office/drawing/2014/main" xmlns="" id="{55AA5913-BC8F-49AE-83AD-A535765E7CC1}"/>
+              </a:ext>
+            </a:extLst>
+          </p:cNvPr>
+          <p:cNvSpPr>
+            <a:spLocks noGrp="1"/>
+          </p:cNvSpPr>
           <p:nvPr>
             <p:ph idx="1"/>
           </p:nvPr>
+        </p:nvSpPr>
+        <p:spPr>
+          <a:xfrm>
+            <a:off x="628650" y="1825625"/>
+            <a:ext cx="8600694" cy="4351338"/>
+          </a:xfrm>
+        </p:spPr>
+        <p:txBody>
+          <a:bodyPr/>
+          <a:lstStyle/>
+          <a:p>
+            <a:r>
+              <a:rPr lang="en-US"/>
+              <a:t>NER is </a:t>
+            </a:r>
+            <a:r>
+              <a:rPr lang="en-US">
+                <a:solidFill>
+                  <a:srgbClr val="FF0000"/>
+                </a:solidFill>
+              </a:rPr>
+              <a:t>a classic problem </a:t>
+            </a:r>
+            <a:r>
+              <a:rPr lang="en-US"/>
+              <a:t>in the Natural Language Processing (NLP) literature</a:t>
+            </a:r>
+          </a:p>
+          <a:p>
+            <a:pPr lvl="1"/>
+            <a:r>
+              <a:rPr lang="en-US"/>
+              <a:t>Decades of research, with recent methods including deep learning and zero-shot learning</a:t>
+            </a:r>
+          </a:p>
+          <a:p>
+            <a:r>
+              <a:rPr lang="en-US">
+                <a:solidFill>
+                  <a:srgbClr val="FF0000"/>
+                </a:solidFill>
+              </a:rPr>
+              <a:t>Social media </a:t>
+            </a:r>
+            <a:r>
+              <a:rPr lang="en-US"/>
+              <a:t>involves some unique challenges for NER due to </a:t>
+            </a:r>
+            <a:r>
+              <a:rPr lang="en-US">
+                <a:solidFill>
+                  <a:srgbClr val="FF0000"/>
+                </a:solidFill>
+              </a:rPr>
+              <a:t>irregular text</a:t>
+            </a:r>
+          </a:p>
+        </p:txBody>
+      </p:sp>
+      <p:pic>
+        <p:nvPicPr>
+          <p:cNvPr id="9" name="Picture 8">
+            <a:extLst>
+              <a:ext uri="{FF2B5EF4-FFF2-40B4-BE49-F238E27FC236}">
+                <a16:creationId xmlns:a16="http://schemas.microsoft.com/office/drawing/2014/main" xmlns="" id="{E1DD3FFF-CBA4-4672-8CFC-76ADC6C35748}"/>
+              </a:ext>
+            </a:extLst>
+          </p:cNvPr>
+          <p:cNvPicPr>
+            <a:picLocks noChangeAspect="1"/>
+          </p:cNvPicPr>
+          <p:nvPr/>
         </p:nvPicPr>
         <p:blipFill>
-          <a:blip r:embed="rId2">
-            <a:extLst>
-              <a:ext uri="{28A0092B-C50C-407E-A947-70E740481C1C}">
-                <a14:useLocalDpi xmlns:a14="http://schemas.microsoft.com/office/drawing/2010/main" val="0"/>
-              </a:ext>
-            </a:extLst>
-          </a:blip>
+          <a:blip r:embed="rId2"/>
           <a:stretch>
             <a:fillRect/>
           </a:stretch>
         </p:blipFill>
         <p:spPr>
           <a:xfrm>
-            <a:off x="805383" y="3266958"/>
-            <a:ext cx="5064078" cy="1642404"/>
-          </a:xfrm>
+            <a:off x="2395465" y="4489704"/>
+            <a:ext cx="5096431" cy="2179320"/>
+          </a:xfrm>
+          <a:prstGeom prst="rect">
+            <a:avLst/>
+          </a:prstGeom>
         </p:spPr>
       </p:pic>
-      <p:cxnSp>
-        <p:nvCxnSpPr>
-          <p:cNvPr id="5" name="Straight Arrow Connector 4">
+      <p:sp>
+        <p:nvSpPr>
+          <p:cNvPr id="11" name="TextBox 10">
             <a:extLst>
               <a:ext uri="{FF2B5EF4-FFF2-40B4-BE49-F238E27FC236}">
-                <a16:creationId xmlns="" xmlns:a16="http://schemas.microsoft.com/office/drawing/2014/main" id="{F462F756-659C-4710-82DE-942B1B17E5B8}"/>
-              </a:ext>
-            </a:extLst>
-          </p:cNvPr>
-          <p:cNvCxnSpPr>
-            <a:cxnSpLocks/>
-            <a:stCxn id="9" idx="1"/>
-          </p:cNvCxnSpPr>
-          <p:nvPr/>
-        </p:nvCxnSpPr>
-        <p:spPr>
-          <a:xfrm flipH="1">
-            <a:off x="3214037" y="2880640"/>
-            <a:ext cx="3227858" cy="749274"/>
-          </a:xfrm>
-          <a:prstGeom prst="straightConnector1">
-            <a:avLst/>
-          </a:prstGeom>
-          <a:ln w="28575">
-            <a:tailEnd type="triangle"/>
-          </a:ln>
-        </p:spPr>
-        <p:style>
-          <a:lnRef idx="1">
-            <a:schemeClr val="accent1"/>
-          </a:lnRef>
-          <a:fillRef idx="0">
-            <a:schemeClr val="accent1"/>
-          </a:fillRef>
-          <a:effectRef idx="0">
-            <a:schemeClr val="accent1"/>
-          </a:effectRef>
-          <a:fontRef idx="minor">
-            <a:schemeClr val="tx1"/>
-          </a:fontRef>
-        </p:style>
-      </p:cxnSp>
-      <p:cxnSp>
-        <p:nvCxnSpPr>
-          <p:cNvPr id="6" name="Straight Arrow Connector 5">
-            <a:extLst>
-              <a:ext uri="{FF2B5EF4-FFF2-40B4-BE49-F238E27FC236}">
-                <a16:creationId xmlns="" xmlns:a16="http://schemas.microsoft.com/office/drawing/2014/main" id="{2EB44B3D-A1BD-41F6-A459-EE6FE6AAF2B4}"/>
-              </a:ext>
-            </a:extLst>
-          </p:cNvPr>
-          <p:cNvCxnSpPr>
-            <a:cxnSpLocks/>
-            <a:stCxn id="10" idx="1"/>
-          </p:cNvCxnSpPr>
-          <p:nvPr/>
-        </p:nvCxnSpPr>
-        <p:spPr>
-          <a:xfrm flipH="1" flipV="1">
-            <a:off x="3821919" y="4720103"/>
-            <a:ext cx="2376960" cy="447418"/>
-          </a:xfrm>
-          <a:prstGeom prst="straightConnector1">
-            <a:avLst/>
-          </a:prstGeom>
-          <a:ln>
-            <a:tailEnd type="triangle"/>
-          </a:ln>
-        </p:spPr>
-        <p:style>
-          <a:lnRef idx="1">
-            <a:schemeClr val="accent1"/>
-          </a:lnRef>
-          <a:fillRef idx="0">
-            <a:schemeClr val="accent1"/>
-          </a:fillRef>
-          <a:effectRef idx="0">
-            <a:schemeClr val="accent1"/>
-          </a:effectRef>
-          <a:fontRef idx="minor">
-            <a:schemeClr val="tx1"/>
-          </a:fontRef>
-        </p:style>
-      </p:cxnSp>
-      <p:sp>
-        <p:nvSpPr>
-          <p:cNvPr id="9" name="TextBox 8">
-            <a:extLst>
-              <a:ext uri="{FF2B5EF4-FFF2-40B4-BE49-F238E27FC236}">
-                <a16:creationId xmlns="" xmlns:a16="http://schemas.microsoft.com/office/drawing/2014/main" id="{4BC24041-891F-4770-8AA2-5EE9E1E12059}"/>
+                <a16:creationId xmlns:a16="http://schemas.microsoft.com/office/drawing/2014/main" xmlns="" id="{E85CB4B4-ABDB-482D-B80B-413EB31EB1B1}"/>
               </a:ext>
             </a:extLst>
           </p:cNvPr>
@@ -8490,8 +8840,8 @@
         </p:nvSpPr>
         <p:spPr>
           <a:xfrm>
-            <a:off x="6441895" y="2649807"/>
-            <a:ext cx="2043829" cy="461665"/>
+            <a:off x="6475476" y="6484358"/>
+            <a:ext cx="2668524" cy="369332"/>
           </a:xfrm>
           <a:prstGeom prst="rect">
             <a:avLst/>
@@ -8499,139 +8849,19 @@
           <a:noFill/>
         </p:spPr>
         <p:txBody>
-          <a:bodyPr wrap="none" rtlCol="0">
+          <a:bodyPr wrap="square" rtlCol="0">
             <a:spAutoFit/>
           </a:bodyPr>
           <a:lstStyle/>
           <a:p>
-            <a:r>
-              <a:rPr lang="en-US" sz="2400"/>
-              <a:t>Event 1 anchor</a:t>
-            </a:r>
-          </a:p>
-        </p:txBody>
-      </p:sp>
-      <p:sp>
-        <p:nvSpPr>
-          <p:cNvPr id="10" name="TextBox 9">
-            <a:extLst>
-              <a:ext uri="{FF2B5EF4-FFF2-40B4-BE49-F238E27FC236}">
-                <a16:creationId xmlns="" xmlns:a16="http://schemas.microsoft.com/office/drawing/2014/main" id="{A4884E0B-0E26-42F8-A8BC-8ABAE815804F}"/>
-              </a:ext>
-            </a:extLst>
-          </p:cNvPr>
-          <p:cNvSpPr txBox="1"/>
-          <p:nvPr/>
-        </p:nvSpPr>
-        <p:spPr>
-          <a:xfrm>
-            <a:off x="6198879" y="4936688"/>
-            <a:ext cx="2043829" cy="461665"/>
-          </a:xfrm>
-          <a:prstGeom prst="rect">
-            <a:avLst/>
-          </a:prstGeom>
-          <a:noFill/>
-        </p:spPr>
-        <p:txBody>
-          <a:bodyPr wrap="none" rtlCol="0">
-            <a:spAutoFit/>
-          </a:bodyPr>
-          <a:lstStyle/>
-          <a:p>
-            <a:r>
-              <a:rPr lang="en-US" sz="2400"/>
-              <a:t>Event 2 anchor</a:t>
-            </a:r>
-          </a:p>
-        </p:txBody>
-      </p:sp>
-      <p:sp>
-        <p:nvSpPr>
-          <p:cNvPr id="11" name="TextBox 10">
-            <a:extLst>
-              <a:ext uri="{FF2B5EF4-FFF2-40B4-BE49-F238E27FC236}">
-                <a16:creationId xmlns="" xmlns:a16="http://schemas.microsoft.com/office/drawing/2014/main" id="{DECCFEC6-9813-4E58-B12C-F055AF0312C0}"/>
-              </a:ext>
-            </a:extLst>
-          </p:cNvPr>
-          <p:cNvSpPr txBox="1"/>
-          <p:nvPr/>
-        </p:nvSpPr>
-        <p:spPr>
-          <a:xfrm>
-            <a:off x="1460501" y="5766088"/>
-            <a:ext cx="6162713" cy="584775"/>
-          </a:xfrm>
-          <a:prstGeom prst="rect">
-            <a:avLst/>
-          </a:prstGeom>
-          <a:noFill/>
-        </p:spPr>
-        <p:txBody>
-          <a:bodyPr wrap="none" rtlCol="0">
-            <a:spAutoFit/>
-          </a:bodyPr>
-          <a:lstStyle/>
-          <a:p>
-            <a:r>
-              <a:rPr lang="en-US" sz="3200">
+            <a:pPr algn="r"/>
+            <a:r>
+              <a:rPr lang="en-US">
                 <a:solidFill>
-                  <a:srgbClr val="7030A0"/>
+                  <a:srgbClr val="002060"/>
                 </a:solidFill>
               </a:rPr>
-              <a:t>Event 1 provides </a:t>
-            </a:r>
-            <a:r>
-              <a:rPr lang="en-US" sz="3200" b="1">
-                <a:solidFill>
-                  <a:srgbClr val="7030A0"/>
-                </a:solidFill>
-              </a:rPr>
-              <a:t>context</a:t>
-            </a:r>
-            <a:r>
-              <a:rPr lang="en-US" sz="3200">
-                <a:solidFill>
-                  <a:srgbClr val="7030A0"/>
-                </a:solidFill>
-              </a:rPr>
-              <a:t> for Event 2</a:t>
-            </a:r>
-          </a:p>
-        </p:txBody>
-      </p:sp>
-      <p:sp>
-        <p:nvSpPr>
-          <p:cNvPr id="15" name="TextBox 14">
-            <a:extLst>
-              <a:ext uri="{FF2B5EF4-FFF2-40B4-BE49-F238E27FC236}">
-                <a16:creationId xmlns="" xmlns:a16="http://schemas.microsoft.com/office/drawing/2014/main" id="{63849605-0246-411E-A2F1-308CC50FEB7C}"/>
-              </a:ext>
-            </a:extLst>
-          </p:cNvPr>
-          <p:cNvSpPr txBox="1"/>
-          <p:nvPr/>
-        </p:nvSpPr>
-        <p:spPr>
-          <a:xfrm>
-            <a:off x="1527215" y="2055362"/>
-            <a:ext cx="5911747" cy="461665"/>
-          </a:xfrm>
-          <a:prstGeom prst="rect">
-            <a:avLst/>
-          </a:prstGeom>
-          <a:noFill/>
-        </p:spPr>
-        <p:txBody>
-          <a:bodyPr wrap="none" rtlCol="0">
-            <a:spAutoFit/>
-          </a:bodyPr>
-          <a:lstStyle/>
-          <a:p>
-            <a:r>
-              <a:rPr lang="en-US" sz="2400" i="1"/>
-              <a:t>Entities and spatio-temporal info are italicized</a:t>
+              <a:t>(Ritter et al., 2011)</a:t>
             </a:r>
           </a:p>
         </p:txBody>
@@ -8639,7 +8869,7 @@
     </p:spTree>
     <p:extLst>
       <p:ext uri="{BB962C8B-B14F-4D97-AF65-F5344CB8AC3E}">
-        <p14:creationId xmlns:p14="http://schemas.microsoft.com/office/powerpoint/2010/main" val="628255729"/>
+        <p14:creationId xmlns:p14="http://schemas.microsoft.com/office/powerpoint/2010/main" val="2107494425"/>
       </p:ext>
     </p:extLst>
   </p:cSld>
@@ -8675,7 +8905,13 @@
       </p:grpSpPr>
       <p:sp>
         <p:nvSpPr>
-          <p:cNvPr id="2" name="Title 1"/>
+          <p:cNvPr id="2" name="Title 1">
+            <a:extLst>
+              <a:ext uri="{FF2B5EF4-FFF2-40B4-BE49-F238E27FC236}">
+                <a16:creationId xmlns:a16="http://schemas.microsoft.com/office/drawing/2014/main" xmlns="" id="{A686F44C-1A70-4DDC-B6C1-F78384CF90BF}"/>
+              </a:ext>
+            </a:extLst>
+          </p:cNvPr>
           <p:cNvSpPr>
             <a:spLocks noGrp="1"/>
           </p:cNvSpPr>
@@ -8690,15 +8926,20 @@
           <a:p>
             <a:r>
               <a:rPr lang="en-US"/>
-              <a:t>An Example Workflow</a:t>
-            </a:r>
-            <a:endParaRPr lang="en-US" dirty="0"/>
-          </a:p>
-        </p:txBody>
-      </p:sp>
-      <p:sp>
-        <p:nvSpPr>
-          <p:cNvPr id="3" name="Content Placeholder 2"/>
+              <a:t>Relevance to Crisis Informatics</a:t>
+            </a:r>
+          </a:p>
+        </p:txBody>
+      </p:sp>
+      <p:sp>
+        <p:nvSpPr>
+          <p:cNvPr id="3" name="Content Placeholder 2">
+            <a:extLst>
+              <a:ext uri="{FF2B5EF4-FFF2-40B4-BE49-F238E27FC236}">
+                <a16:creationId xmlns:a16="http://schemas.microsoft.com/office/drawing/2014/main" xmlns="" id="{0E3B6853-3F6F-4F58-A37E-45DAEC469477}"/>
+              </a:ext>
+            </a:extLst>
+          </p:cNvPr>
           <p:cNvSpPr>
             <a:spLocks noGrp="1"/>
           </p:cNvSpPr>
@@ -8711,16 +8952,23 @@
           <a:bodyPr/>
           <a:lstStyle/>
           <a:p>
+            <a:r>
+              <a:rPr lang="en-US"/>
+              <a:t>Many named entities mentioned in tweets and other social media</a:t>
+            </a:r>
+          </a:p>
+          <a:p>
+            <a:pPr lvl="1"/>
             <a:endParaRPr lang="en-US"/>
           </a:p>
         </p:txBody>
       </p:sp>
       <p:pic>
         <p:nvPicPr>
-          <p:cNvPr id="4" name="Picture 3">
+          <p:cNvPr id="5" name="Picture 4">
             <a:extLst>
               <a:ext uri="{FF2B5EF4-FFF2-40B4-BE49-F238E27FC236}">
-                <a16:creationId xmlns="" xmlns:a16="http://schemas.microsoft.com/office/drawing/2014/main" id="{A5FA5E3F-93A3-49D6-87CB-54DA033C241C}"/>
+                <a16:creationId xmlns:a16="http://schemas.microsoft.com/office/drawing/2014/main" xmlns="" id="{F6A73548-AD6F-4936-98C2-4C8F902EFAF3}"/>
               </a:ext>
             </a:extLst>
           </p:cNvPr>
@@ -8737,18 +8985,620 @@
         </p:blipFill>
         <p:spPr>
           <a:xfrm>
-            <a:off x="736600" y="1690689"/>
-            <a:ext cx="7505700" cy="4783985"/>
+            <a:off x="316230" y="2979420"/>
+            <a:ext cx="8628126" cy="1287780"/>
           </a:xfrm>
           <a:prstGeom prst="rect">
             <a:avLst/>
           </a:prstGeom>
         </p:spPr>
       </p:pic>
+      <p:pic>
+        <p:nvPicPr>
+          <p:cNvPr id="6" name="Picture 5">
+            <a:extLst>
+              <a:ext uri="{FF2B5EF4-FFF2-40B4-BE49-F238E27FC236}">
+                <a16:creationId xmlns:a16="http://schemas.microsoft.com/office/drawing/2014/main" xmlns="" id="{816EC7DE-502D-4D73-9E1E-0919F80BA181}"/>
+              </a:ext>
+            </a:extLst>
+          </p:cNvPr>
+          <p:cNvPicPr>
+            <a:picLocks noChangeAspect="1"/>
+          </p:cNvPicPr>
+          <p:nvPr/>
+        </p:nvPicPr>
+        <p:blipFill>
+          <a:blip r:embed="rId3"/>
+          <a:stretch>
+            <a:fillRect/>
+          </a:stretch>
+        </p:blipFill>
+        <p:spPr>
+          <a:xfrm>
+            <a:off x="565149" y="4801298"/>
+            <a:ext cx="8045451" cy="1034260"/>
+          </a:xfrm>
+          <a:prstGeom prst="rect">
+            <a:avLst/>
+          </a:prstGeom>
+        </p:spPr>
+      </p:pic>
+      <p:sp>
+        <p:nvSpPr>
+          <p:cNvPr id="7" name="Rectangle 6">
+            <a:extLst>
+              <a:ext uri="{FF2B5EF4-FFF2-40B4-BE49-F238E27FC236}">
+                <a16:creationId xmlns:a16="http://schemas.microsoft.com/office/drawing/2014/main" xmlns="" id="{D5E7CCDA-0121-422A-A1C4-E09689454311}"/>
+              </a:ext>
+            </a:extLst>
+          </p:cNvPr>
+          <p:cNvSpPr/>
+          <p:nvPr/>
+        </p:nvSpPr>
+        <p:spPr>
+          <a:xfrm>
+            <a:off x="97536" y="2730500"/>
+            <a:ext cx="639064" cy="3446463"/>
+          </a:xfrm>
+          <a:prstGeom prst="rect">
+            <a:avLst/>
+          </a:prstGeom>
+          <a:solidFill>
+            <a:schemeClr val="bg1"/>
+          </a:solidFill>
+          <a:ln>
+            <a:noFill/>
+          </a:ln>
+        </p:spPr>
+        <p:style>
+          <a:lnRef idx="2">
+            <a:schemeClr val="accent1">
+              <a:shade val="50000"/>
+            </a:schemeClr>
+          </a:lnRef>
+          <a:fillRef idx="1">
+            <a:schemeClr val="accent1"/>
+          </a:fillRef>
+          <a:effectRef idx="0">
+            <a:schemeClr val="accent1"/>
+          </a:effectRef>
+          <a:fontRef idx="minor">
+            <a:schemeClr val="lt1"/>
+          </a:fontRef>
+        </p:style>
+        <p:txBody>
+          <a:bodyPr rtlCol="0" anchor="ctr"/>
+          <a:lstStyle/>
+          <a:p>
+            <a:pPr algn="ctr"/>
+            <a:endParaRPr lang="en-US"/>
+          </a:p>
+        </p:txBody>
+      </p:sp>
+      <p:sp>
+        <p:nvSpPr>
+          <p:cNvPr id="8" name="Rectangle 7">
+            <a:extLst>
+              <a:ext uri="{FF2B5EF4-FFF2-40B4-BE49-F238E27FC236}">
+                <a16:creationId xmlns:a16="http://schemas.microsoft.com/office/drawing/2014/main" xmlns="" id="{5A1D2F74-D1A6-4348-BEE6-51AADC969511}"/>
+              </a:ext>
+            </a:extLst>
+          </p:cNvPr>
+          <p:cNvSpPr/>
+          <p:nvPr/>
+        </p:nvSpPr>
+        <p:spPr>
+          <a:xfrm>
+            <a:off x="8515350" y="2730500"/>
+            <a:ext cx="533400" cy="3446463"/>
+          </a:xfrm>
+          <a:prstGeom prst="rect">
+            <a:avLst/>
+          </a:prstGeom>
+          <a:solidFill>
+            <a:schemeClr val="bg1"/>
+          </a:solidFill>
+          <a:ln>
+            <a:noFill/>
+          </a:ln>
+        </p:spPr>
+        <p:style>
+          <a:lnRef idx="2">
+            <a:schemeClr val="accent1">
+              <a:shade val="50000"/>
+            </a:schemeClr>
+          </a:lnRef>
+          <a:fillRef idx="1">
+            <a:schemeClr val="accent1"/>
+          </a:fillRef>
+          <a:effectRef idx="0">
+            <a:schemeClr val="accent1"/>
+          </a:effectRef>
+          <a:fontRef idx="minor">
+            <a:schemeClr val="lt1"/>
+          </a:fontRef>
+        </p:style>
+        <p:txBody>
+          <a:bodyPr rtlCol="0" anchor="ctr"/>
+          <a:lstStyle/>
+          <a:p>
+            <a:pPr algn="ctr"/>
+            <a:endParaRPr lang="en-US"/>
+          </a:p>
+        </p:txBody>
+      </p:sp>
+      <p:sp>
+        <p:nvSpPr>
+          <p:cNvPr id="9" name="Rectangle 8">
+            <a:extLst>
+              <a:ext uri="{FF2B5EF4-FFF2-40B4-BE49-F238E27FC236}">
+                <a16:creationId xmlns:a16="http://schemas.microsoft.com/office/drawing/2014/main" xmlns="" id="{F3E9BCA7-2E67-459E-BD66-6F6B6967B217}"/>
+              </a:ext>
+            </a:extLst>
+          </p:cNvPr>
+          <p:cNvSpPr/>
+          <p:nvPr/>
+        </p:nvSpPr>
+        <p:spPr>
+          <a:xfrm rot="5400000">
+            <a:off x="4417830" y="-1267053"/>
+            <a:ext cx="362858" cy="8357967"/>
+          </a:xfrm>
+          <a:prstGeom prst="rect">
+            <a:avLst/>
+          </a:prstGeom>
+          <a:solidFill>
+            <a:schemeClr val="bg1"/>
+          </a:solidFill>
+          <a:ln>
+            <a:noFill/>
+          </a:ln>
+        </p:spPr>
+        <p:style>
+          <a:lnRef idx="2">
+            <a:schemeClr val="accent1">
+              <a:shade val="50000"/>
+            </a:schemeClr>
+          </a:lnRef>
+          <a:fillRef idx="1">
+            <a:schemeClr val="accent1"/>
+          </a:fillRef>
+          <a:effectRef idx="0">
+            <a:schemeClr val="accent1"/>
+          </a:effectRef>
+          <a:fontRef idx="minor">
+            <a:schemeClr val="lt1"/>
+          </a:fontRef>
+        </p:style>
+        <p:txBody>
+          <a:bodyPr rtlCol="0" anchor="ctr"/>
+          <a:lstStyle/>
+          <a:p>
+            <a:pPr algn="ctr"/>
+            <a:endParaRPr lang="en-US"/>
+          </a:p>
+        </p:txBody>
+      </p:sp>
+      <p:sp>
+        <p:nvSpPr>
+          <p:cNvPr id="10" name="Rectangle 9">
+            <a:extLst>
+              <a:ext uri="{FF2B5EF4-FFF2-40B4-BE49-F238E27FC236}">
+                <a16:creationId xmlns:a16="http://schemas.microsoft.com/office/drawing/2014/main" xmlns="" id="{D5A862B6-C16B-47F8-9F98-8F8A4A4AD4AC}"/>
+              </a:ext>
+            </a:extLst>
+          </p:cNvPr>
+          <p:cNvSpPr/>
+          <p:nvPr/>
+        </p:nvSpPr>
+        <p:spPr>
+          <a:xfrm>
+            <a:off x="5425440" y="3633216"/>
+            <a:ext cx="1914144" cy="274320"/>
+          </a:xfrm>
+          <a:prstGeom prst="rect">
+            <a:avLst/>
+          </a:prstGeom>
+          <a:noFill/>
+          <a:ln w="38100">
+            <a:solidFill>
+              <a:srgbClr val="FF0000"/>
+            </a:solidFill>
+          </a:ln>
+        </p:spPr>
+        <p:style>
+          <a:lnRef idx="2">
+            <a:schemeClr val="accent1">
+              <a:shade val="50000"/>
+            </a:schemeClr>
+          </a:lnRef>
+          <a:fillRef idx="1">
+            <a:schemeClr val="accent1"/>
+          </a:fillRef>
+          <a:effectRef idx="0">
+            <a:schemeClr val="accent1"/>
+          </a:effectRef>
+          <a:fontRef idx="minor">
+            <a:schemeClr val="lt1"/>
+          </a:fontRef>
+        </p:style>
+        <p:txBody>
+          <a:bodyPr rtlCol="0" anchor="ctr"/>
+          <a:lstStyle/>
+          <a:p>
+            <a:pPr algn="ctr"/>
+            <a:endParaRPr lang="en-US"/>
+          </a:p>
+        </p:txBody>
+      </p:sp>
+      <p:sp>
+        <p:nvSpPr>
+          <p:cNvPr id="11" name="Rectangle 10">
+            <a:extLst>
+              <a:ext uri="{FF2B5EF4-FFF2-40B4-BE49-F238E27FC236}">
+                <a16:creationId xmlns:a16="http://schemas.microsoft.com/office/drawing/2014/main" xmlns="" id="{FE63E471-40E4-41B6-978E-01DC7E7378BD}"/>
+              </a:ext>
+            </a:extLst>
+          </p:cNvPr>
+          <p:cNvSpPr/>
+          <p:nvPr/>
+        </p:nvSpPr>
+        <p:spPr>
+          <a:xfrm>
+            <a:off x="1932432" y="3907536"/>
+            <a:ext cx="1432560" cy="304800"/>
+          </a:xfrm>
+          <a:prstGeom prst="rect">
+            <a:avLst/>
+          </a:prstGeom>
+          <a:noFill/>
+          <a:ln w="38100">
+            <a:solidFill>
+              <a:srgbClr val="FF0000"/>
+            </a:solidFill>
+          </a:ln>
+        </p:spPr>
+        <p:style>
+          <a:lnRef idx="2">
+            <a:schemeClr val="accent1">
+              <a:shade val="50000"/>
+            </a:schemeClr>
+          </a:lnRef>
+          <a:fillRef idx="1">
+            <a:schemeClr val="accent1"/>
+          </a:fillRef>
+          <a:effectRef idx="0">
+            <a:schemeClr val="accent1"/>
+          </a:effectRef>
+          <a:fontRef idx="minor">
+            <a:schemeClr val="lt1"/>
+          </a:fontRef>
+        </p:style>
+        <p:txBody>
+          <a:bodyPr rtlCol="0" anchor="ctr"/>
+          <a:lstStyle/>
+          <a:p>
+            <a:pPr algn="ctr"/>
+            <a:endParaRPr lang="en-US"/>
+          </a:p>
+        </p:txBody>
+      </p:sp>
+      <p:sp>
+        <p:nvSpPr>
+          <p:cNvPr id="12" name="Rectangle 11">
+            <a:extLst>
+              <a:ext uri="{FF2B5EF4-FFF2-40B4-BE49-F238E27FC236}">
+                <a16:creationId xmlns:a16="http://schemas.microsoft.com/office/drawing/2014/main" xmlns="" id="{2D17F17B-A4FB-4D72-A311-593B770633CD}"/>
+              </a:ext>
+            </a:extLst>
+          </p:cNvPr>
+          <p:cNvSpPr/>
+          <p:nvPr/>
+        </p:nvSpPr>
+        <p:spPr>
+          <a:xfrm>
+            <a:off x="4279392" y="3895344"/>
+            <a:ext cx="573024" cy="304800"/>
+          </a:xfrm>
+          <a:prstGeom prst="rect">
+            <a:avLst/>
+          </a:prstGeom>
+          <a:noFill/>
+          <a:ln w="38100">
+            <a:solidFill>
+              <a:srgbClr val="FF0000"/>
+            </a:solidFill>
+          </a:ln>
+        </p:spPr>
+        <p:style>
+          <a:lnRef idx="2">
+            <a:schemeClr val="accent1">
+              <a:shade val="50000"/>
+            </a:schemeClr>
+          </a:lnRef>
+          <a:fillRef idx="1">
+            <a:schemeClr val="accent1"/>
+          </a:fillRef>
+          <a:effectRef idx="0">
+            <a:schemeClr val="accent1"/>
+          </a:effectRef>
+          <a:fontRef idx="minor">
+            <a:schemeClr val="lt1"/>
+          </a:fontRef>
+        </p:style>
+        <p:txBody>
+          <a:bodyPr rtlCol="0" anchor="ctr"/>
+          <a:lstStyle/>
+          <a:p>
+            <a:pPr algn="ctr"/>
+            <a:endParaRPr lang="en-US"/>
+          </a:p>
+        </p:txBody>
+      </p:sp>
+      <p:sp>
+        <p:nvSpPr>
+          <p:cNvPr id="13" name="Rectangle 12">
+            <a:extLst>
+              <a:ext uri="{FF2B5EF4-FFF2-40B4-BE49-F238E27FC236}">
+                <a16:creationId xmlns:a16="http://schemas.microsoft.com/office/drawing/2014/main" xmlns="" id="{124121EA-6AD7-4BA9-8A91-CD68E3806E19}"/>
+              </a:ext>
+            </a:extLst>
+          </p:cNvPr>
+          <p:cNvSpPr/>
+          <p:nvPr/>
+        </p:nvSpPr>
+        <p:spPr>
+          <a:xfrm>
+            <a:off x="4852416" y="3938016"/>
+            <a:ext cx="1341120" cy="262128"/>
+          </a:xfrm>
+          <a:prstGeom prst="rect">
+            <a:avLst/>
+          </a:prstGeom>
+          <a:noFill/>
+          <a:ln w="38100">
+            <a:solidFill>
+              <a:srgbClr val="FF0000"/>
+            </a:solidFill>
+          </a:ln>
+        </p:spPr>
+        <p:style>
+          <a:lnRef idx="2">
+            <a:schemeClr val="accent1">
+              <a:shade val="50000"/>
+            </a:schemeClr>
+          </a:lnRef>
+          <a:fillRef idx="1">
+            <a:schemeClr val="accent1"/>
+          </a:fillRef>
+          <a:effectRef idx="0">
+            <a:schemeClr val="accent1"/>
+          </a:effectRef>
+          <a:fontRef idx="minor">
+            <a:schemeClr val="lt1"/>
+          </a:fontRef>
+        </p:style>
+        <p:txBody>
+          <a:bodyPr rtlCol="0" anchor="ctr"/>
+          <a:lstStyle/>
+          <a:p>
+            <a:pPr algn="ctr"/>
+            <a:endParaRPr lang="en-US"/>
+          </a:p>
+        </p:txBody>
+      </p:sp>
+      <p:sp>
+        <p:nvSpPr>
+          <p:cNvPr id="14" name="Rectangle 13">
+            <a:extLst>
+              <a:ext uri="{FF2B5EF4-FFF2-40B4-BE49-F238E27FC236}">
+                <a16:creationId xmlns:a16="http://schemas.microsoft.com/office/drawing/2014/main" xmlns="" id="{47862579-EB7B-4D1D-BA56-6F323EDBA8AC}"/>
+              </a:ext>
+            </a:extLst>
+          </p:cNvPr>
+          <p:cNvSpPr/>
+          <p:nvPr/>
+        </p:nvSpPr>
+        <p:spPr>
+          <a:xfrm>
+            <a:off x="1499616" y="5181600"/>
+            <a:ext cx="1524000" cy="304800"/>
+          </a:xfrm>
+          <a:prstGeom prst="rect">
+            <a:avLst/>
+          </a:prstGeom>
+          <a:noFill/>
+          <a:ln w="38100">
+            <a:solidFill>
+              <a:srgbClr val="FF0000"/>
+            </a:solidFill>
+          </a:ln>
+        </p:spPr>
+        <p:style>
+          <a:lnRef idx="2">
+            <a:schemeClr val="accent1">
+              <a:shade val="50000"/>
+            </a:schemeClr>
+          </a:lnRef>
+          <a:fillRef idx="1">
+            <a:schemeClr val="accent1"/>
+          </a:fillRef>
+          <a:effectRef idx="0">
+            <a:schemeClr val="accent1"/>
+          </a:effectRef>
+          <a:fontRef idx="minor">
+            <a:schemeClr val="lt1"/>
+          </a:fontRef>
+        </p:style>
+        <p:txBody>
+          <a:bodyPr rtlCol="0" anchor="ctr"/>
+          <a:lstStyle/>
+          <a:p>
+            <a:pPr algn="ctr"/>
+            <a:endParaRPr lang="en-US"/>
+          </a:p>
+        </p:txBody>
+      </p:sp>
+      <p:sp>
+        <p:nvSpPr>
+          <p:cNvPr id="15" name="Rectangle 14">
+            <a:extLst>
+              <a:ext uri="{FF2B5EF4-FFF2-40B4-BE49-F238E27FC236}">
+                <a16:creationId xmlns:a16="http://schemas.microsoft.com/office/drawing/2014/main" xmlns="" id="{22BFF930-DFB6-4A85-A24D-4531F112F1E0}"/>
+              </a:ext>
+            </a:extLst>
+          </p:cNvPr>
+          <p:cNvSpPr/>
+          <p:nvPr/>
+        </p:nvSpPr>
+        <p:spPr>
+          <a:xfrm>
+            <a:off x="4419600" y="5468112"/>
+            <a:ext cx="1773936" cy="304800"/>
+          </a:xfrm>
+          <a:prstGeom prst="rect">
+            <a:avLst/>
+          </a:prstGeom>
+          <a:noFill/>
+          <a:ln w="38100">
+            <a:solidFill>
+              <a:srgbClr val="FF0000"/>
+            </a:solidFill>
+          </a:ln>
+        </p:spPr>
+        <p:style>
+          <a:lnRef idx="2">
+            <a:schemeClr val="accent1">
+              <a:shade val="50000"/>
+            </a:schemeClr>
+          </a:lnRef>
+          <a:fillRef idx="1">
+            <a:schemeClr val="accent1"/>
+          </a:fillRef>
+          <a:effectRef idx="0">
+            <a:schemeClr val="accent1"/>
+          </a:effectRef>
+          <a:fontRef idx="minor">
+            <a:schemeClr val="lt1"/>
+          </a:fontRef>
+        </p:style>
+        <p:txBody>
+          <a:bodyPr rtlCol="0" anchor="ctr"/>
+          <a:lstStyle/>
+          <a:p>
+            <a:pPr algn="ctr"/>
+            <a:endParaRPr lang="en-US"/>
+          </a:p>
+        </p:txBody>
+      </p:sp>
+      <p:sp>
+        <p:nvSpPr>
+          <p:cNvPr id="16" name="Rectangle 15">
+            <a:extLst>
+              <a:ext uri="{FF2B5EF4-FFF2-40B4-BE49-F238E27FC236}">
+                <a16:creationId xmlns:a16="http://schemas.microsoft.com/office/drawing/2014/main" xmlns="" id="{B91AD430-A92C-40AB-8EF1-E27C29877604}"/>
+              </a:ext>
+            </a:extLst>
+          </p:cNvPr>
+          <p:cNvSpPr/>
+          <p:nvPr/>
+        </p:nvSpPr>
+        <p:spPr>
+          <a:xfrm>
+            <a:off x="4538472" y="5181600"/>
+            <a:ext cx="1935480" cy="286512"/>
+          </a:xfrm>
+          <a:prstGeom prst="rect">
+            <a:avLst/>
+          </a:prstGeom>
+          <a:noFill/>
+          <a:ln w="38100">
+            <a:solidFill>
+              <a:srgbClr val="FF0000"/>
+            </a:solidFill>
+          </a:ln>
+        </p:spPr>
+        <p:style>
+          <a:lnRef idx="2">
+            <a:schemeClr val="accent1">
+              <a:shade val="50000"/>
+            </a:schemeClr>
+          </a:lnRef>
+          <a:fillRef idx="1">
+            <a:schemeClr val="accent1"/>
+          </a:fillRef>
+          <a:effectRef idx="0">
+            <a:schemeClr val="accent1"/>
+          </a:effectRef>
+          <a:fontRef idx="minor">
+            <a:schemeClr val="lt1"/>
+          </a:fontRef>
+        </p:style>
+        <p:txBody>
+          <a:bodyPr rtlCol="0" anchor="ctr"/>
+          <a:lstStyle/>
+          <a:p>
+            <a:pPr algn="ctr"/>
+            <a:endParaRPr lang="en-US"/>
+          </a:p>
+        </p:txBody>
+      </p:sp>
+      <p:sp>
+        <p:nvSpPr>
+          <p:cNvPr id="17" name="Rectangle 16">
+            <a:extLst>
+              <a:ext uri="{FF2B5EF4-FFF2-40B4-BE49-F238E27FC236}">
+                <a16:creationId xmlns:a16="http://schemas.microsoft.com/office/drawing/2014/main" xmlns="" id="{830C085B-1FAB-49A8-9D06-919097FB53D1}"/>
+              </a:ext>
+            </a:extLst>
+          </p:cNvPr>
+          <p:cNvSpPr/>
+          <p:nvPr/>
+        </p:nvSpPr>
+        <p:spPr>
+          <a:xfrm>
+            <a:off x="7113270" y="5199888"/>
+            <a:ext cx="1402080" cy="286512"/>
+          </a:xfrm>
+          <a:prstGeom prst="rect">
+            <a:avLst/>
+          </a:prstGeom>
+          <a:noFill/>
+          <a:ln w="38100">
+            <a:solidFill>
+              <a:srgbClr val="FF0000"/>
+            </a:solidFill>
+          </a:ln>
+        </p:spPr>
+        <p:style>
+          <a:lnRef idx="2">
+            <a:schemeClr val="accent1">
+              <a:shade val="50000"/>
+            </a:schemeClr>
+          </a:lnRef>
+          <a:fillRef idx="1">
+            <a:schemeClr val="accent1"/>
+          </a:fillRef>
+          <a:effectRef idx="0">
+            <a:schemeClr val="accent1"/>
+          </a:effectRef>
+          <a:fontRef idx="minor">
+            <a:schemeClr val="lt1"/>
+          </a:fontRef>
+        </p:style>
+        <p:txBody>
+          <a:bodyPr rtlCol="0" anchor="ctr"/>
+          <a:lstStyle/>
+          <a:p>
+            <a:pPr algn="ctr"/>
+            <a:endParaRPr lang="en-US"/>
+          </a:p>
+        </p:txBody>
+      </p:sp>
     </p:spTree>
     <p:extLst>
       <p:ext uri="{BB962C8B-B14F-4D97-AF65-F5344CB8AC3E}">
-        <p14:creationId xmlns:p14="http://schemas.microsoft.com/office/powerpoint/2010/main" val="569283612"/>
+        <p14:creationId xmlns:p14="http://schemas.microsoft.com/office/powerpoint/2010/main" val="3888360834"/>
       </p:ext>
     </p:extLst>
   </p:cSld>
@@ -8787,7 +9637,7 @@
           <p:cNvPr id="2" name="Title 1">
             <a:extLst>
               <a:ext uri="{FF2B5EF4-FFF2-40B4-BE49-F238E27FC236}">
-                <a16:creationId xmlns="" xmlns:a16="http://schemas.microsoft.com/office/drawing/2014/main" id="{B4CF79A2-9503-4AD1-9E75-1E1A5C90BD69}"/>
+                <a16:creationId xmlns:a16="http://schemas.microsoft.com/office/drawing/2014/main" xmlns="" id="{A686F44C-1A70-4DDC-B6C1-F78384CF90BF}"/>
               </a:ext>
             </a:extLst>
           </p:cNvPr>
@@ -8805,45 +9655,115 @@
           <a:p>
             <a:r>
               <a:rPr lang="en-US"/>
-              <a:t>A Second Workflow</a:t>
-            </a:r>
-          </a:p>
-        </p:txBody>
-      </p:sp>
-      <p:pic>
-        <p:nvPicPr>
-          <p:cNvPr id="5" name="Picture 4">
+              <a:t>Relevance to Crisis Informatics</a:t>
+            </a:r>
+          </a:p>
+        </p:txBody>
+      </p:sp>
+      <p:sp>
+        <p:nvSpPr>
+          <p:cNvPr id="3" name="Content Placeholder 2">
             <a:extLst>
               <a:ext uri="{FF2B5EF4-FFF2-40B4-BE49-F238E27FC236}">
-                <a16:creationId xmlns="" xmlns:a16="http://schemas.microsoft.com/office/drawing/2014/main" id="{0FC4BCA5-E0C5-4BB0-88EE-29E619BEB388}"/>
+                <a16:creationId xmlns:a16="http://schemas.microsoft.com/office/drawing/2014/main" xmlns="" id="{0E3B6853-3F6F-4F58-A37E-45DAEC469477}"/>
               </a:ext>
             </a:extLst>
           </p:cNvPr>
-          <p:cNvPicPr>
-            <a:picLocks noChangeAspect="1"/>
-          </p:cNvPicPr>
-          <p:nvPr/>
-        </p:nvPicPr>
-        <p:blipFill>
-          <a:blip r:embed="rId2"/>
-          <a:stretch>
-            <a:fillRect/>
-          </a:stretch>
-        </p:blipFill>
-        <p:spPr>
-          <a:xfrm>
-            <a:off x="628650" y="1817689"/>
-            <a:ext cx="7547943" cy="4735511"/>
-          </a:xfrm>
-          <a:prstGeom prst="rect">
-            <a:avLst/>
-          </a:prstGeom>
-        </p:spPr>
-      </p:pic>
+          <p:cNvSpPr>
+            <a:spLocks noGrp="1"/>
+          </p:cNvSpPr>
+          <p:nvPr>
+            <p:ph idx="1"/>
+          </p:nvPr>
+        </p:nvSpPr>
+        <p:spPr/>
+        <p:txBody>
+          <a:bodyPr/>
+          <a:lstStyle/>
+          <a:p>
+            <a:r>
+              <a:rPr lang="en-US"/>
+              <a:t>Many named entities mentioned in tweets and other social media</a:t>
+            </a:r>
+          </a:p>
+          <a:p>
+            <a:r>
+              <a:rPr lang="en-US"/>
+              <a:t>Extracting such entities (and also relations) enables us to pose interesting queries</a:t>
+            </a:r>
+          </a:p>
+          <a:p>
+            <a:pPr lvl="1"/>
+            <a:r>
+              <a:rPr lang="en-US"/>
+              <a:t>What </a:t>
+            </a:r>
+            <a:r>
+              <a:rPr lang="en-US">
+                <a:solidFill>
+                  <a:srgbClr val="FF0000"/>
+                </a:solidFill>
+              </a:rPr>
+              <a:t>locations</a:t>
+            </a:r>
+            <a:r>
+              <a:rPr lang="en-US"/>
+              <a:t> have received ‘Storm Surge Warnings’ from the </a:t>
+            </a:r>
+            <a:r>
+              <a:rPr lang="en-US">
+                <a:solidFill>
+                  <a:srgbClr val="FF0000"/>
+                </a:solidFill>
+              </a:rPr>
+              <a:t>NHC</a:t>
+            </a:r>
+            <a:r>
+              <a:rPr lang="en-US"/>
+              <a:t> in the last 10 days?</a:t>
+            </a:r>
+          </a:p>
+          <a:p>
+            <a:pPr lvl="1"/>
+            <a:r>
+              <a:rPr lang="en-US"/>
+              <a:t>What </a:t>
+            </a:r>
+            <a:r>
+              <a:rPr lang="en-US">
+                <a:solidFill>
+                  <a:srgbClr val="FF0000"/>
+                </a:solidFill>
+              </a:rPr>
+              <a:t>organizations</a:t>
+            </a:r>
+            <a:r>
+              <a:rPr lang="en-US"/>
+              <a:t> were involved in relief efforts for </a:t>
+            </a:r>
+            <a:r>
+              <a:rPr lang="en-US">
+                <a:solidFill>
+                  <a:srgbClr val="FF0000"/>
+                </a:solidFill>
+              </a:rPr>
+              <a:t>Hurricane Irma</a:t>
+            </a:r>
+            <a:r>
+              <a:rPr lang="en-US"/>
+              <a:t>?</a:t>
+            </a:r>
+          </a:p>
+          <a:p>
+            <a:pPr lvl="1"/>
+            <a:endParaRPr lang="en-US"/>
+          </a:p>
+        </p:txBody>
+      </p:sp>
     </p:spTree>
     <p:extLst>
       <p:ext uri="{BB962C8B-B14F-4D97-AF65-F5344CB8AC3E}">
-        <p14:creationId xmlns:p14="http://schemas.microsoft.com/office/powerpoint/2010/main" val="3673727299"/>
+        <p14:creationId xmlns:p14="http://schemas.microsoft.com/office/powerpoint/2010/main" val="1842263554"/>
       </p:ext>
     </p:extLst>
   </p:cSld>
@@ -8882,7 +9802,7 @@
           <p:cNvPr id="2" name="Title 1">
             <a:extLst>
               <a:ext uri="{FF2B5EF4-FFF2-40B4-BE49-F238E27FC236}">
-                <a16:creationId xmlns="" xmlns:a16="http://schemas.microsoft.com/office/drawing/2014/main" id="{D6B083CC-4209-47D3-8AFB-A755190E41BB}"/>
+                <a16:creationId xmlns:a16="http://schemas.microsoft.com/office/drawing/2014/main" xmlns="" id="{A686F44C-1A70-4DDC-B6C1-F78384CF90BF}"/>
               </a:ext>
             </a:extLst>
           </p:cNvPr>
@@ -8900,7 +9820,7 @@
           <a:p>
             <a:r>
               <a:rPr lang="en-US"/>
-              <a:t>Classification of Techniques</a:t>
+              <a:t>Relevance to Crisis Informatics</a:t>
             </a:r>
           </a:p>
         </p:txBody>
@@ -8910,7 +9830,7 @@
           <p:cNvPr id="3" name="Content Placeholder 2">
             <a:extLst>
               <a:ext uri="{FF2B5EF4-FFF2-40B4-BE49-F238E27FC236}">
-                <a16:creationId xmlns="" xmlns:a16="http://schemas.microsoft.com/office/drawing/2014/main" id="{21A045AF-1B0C-473F-B2BD-16CC029381CC}"/>
+                <a16:creationId xmlns:a16="http://schemas.microsoft.com/office/drawing/2014/main" xmlns="" id="{0E3B6853-3F6F-4F58-A37E-45DAEC469477}"/>
               </a:ext>
             </a:extLst>
           </p:cNvPr>
@@ -8921,294 +9841,78 @@
             <p:ph idx="1"/>
           </p:nvPr>
         </p:nvSpPr>
-        <p:spPr>
-          <a:xfrm>
-            <a:off x="444501" y="1857557"/>
-            <a:ext cx="3924299" cy="2239748"/>
-          </a:xfrm>
-        </p:spPr>
-        <p:txBody>
-          <a:bodyPr>
-            <a:normAutofit fontScale="92500" lnSpcReduction="20000"/>
-          </a:bodyPr>
+        <p:spPr/>
+        <p:txBody>
+          <a:bodyPr/>
           <a:lstStyle/>
           <a:p>
             <a:r>
               <a:rPr lang="en-US"/>
-              <a:t>Data-driven event extraction</a:t>
+              <a:t>Many named entities mentioned in tweets and other social media</a:t>
+            </a:r>
+          </a:p>
+          <a:p>
+            <a:r>
+              <a:rPr lang="en-US"/>
+              <a:t>Extracting such entities (and also relations) enables us to pose interesting queries</a:t>
+            </a:r>
+          </a:p>
+          <a:p>
+            <a:r>
+              <a:rPr lang="en-US"/>
+              <a:t>Interesting research question: what </a:t>
+            </a:r>
+            <a:r>
+              <a:rPr lang="en-US" i="1"/>
+              <a:t>is</a:t>
+            </a:r>
+            <a:r>
+              <a:rPr lang="en-US"/>
+              <a:t> an entity?</a:t>
             </a:r>
           </a:p>
           <a:p>
             <a:pPr lvl="1"/>
-            <a:r>
-              <a:rPr lang="en-US"/>
-              <a:t>Supervised machine learning models</a:t>
-            </a:r>
-          </a:p>
-          <a:p>
-            <a:pPr lvl="1"/>
-            <a:r>
-              <a:rPr lang="en-US"/>
-              <a:t>Clustering</a:t>
-            </a:r>
-          </a:p>
-          <a:p>
-            <a:pPr lvl="1"/>
-            <a:r>
-              <a:rPr lang="en-US"/>
-              <a:t>Inference models</a:t>
-            </a:r>
-          </a:p>
-          <a:p>
-            <a:pPr lvl="1"/>
-            <a:r>
-              <a:rPr lang="en-US">
-                <a:solidFill>
-                  <a:srgbClr val="FF0000"/>
-                </a:solidFill>
-              </a:rPr>
-              <a:t>Drawbacks?</a:t>
-            </a:r>
-          </a:p>
-        </p:txBody>
-      </p:sp>
-      <p:sp>
-        <p:nvSpPr>
-          <p:cNvPr id="4" name="Content Placeholder 2">
+            <a:endParaRPr lang="en-US"/>
+          </a:p>
+        </p:txBody>
+      </p:sp>
+      <p:pic>
+        <p:nvPicPr>
+          <p:cNvPr id="4" name="Picture 3">
             <a:extLst>
               <a:ext uri="{FF2B5EF4-FFF2-40B4-BE49-F238E27FC236}">
-                <a16:creationId xmlns="" xmlns:a16="http://schemas.microsoft.com/office/drawing/2014/main" id="{560166D7-7B6D-4B68-B8AE-1C1CC6E70202}"/>
+                <a16:creationId xmlns:a16="http://schemas.microsoft.com/office/drawing/2014/main" xmlns="" id="{D8CFBEAF-7F86-415F-A421-630C06315EF5}"/>
               </a:ext>
             </a:extLst>
           </p:cNvPr>
-          <p:cNvSpPr txBox="1">
-            <a:spLocks/>
-          </p:cNvSpPr>
+          <p:cNvPicPr>
+            <a:picLocks noChangeAspect="1"/>
+          </p:cNvPicPr>
           <p:nvPr/>
-        </p:nvSpPr>
-        <p:spPr>
-          <a:xfrm>
-            <a:off x="4947852" y="1776197"/>
-            <a:ext cx="3681798" cy="2239748"/>
+        </p:nvPicPr>
+        <p:blipFill>
+          <a:blip r:embed="rId2"/>
+          <a:stretch>
+            <a:fillRect/>
+          </a:stretch>
+        </p:blipFill>
+        <p:spPr>
+          <a:xfrm>
+            <a:off x="206502" y="4613148"/>
+            <a:ext cx="8628126" cy="1287780"/>
           </a:xfrm>
           <a:prstGeom prst="rect">
             <a:avLst/>
           </a:prstGeom>
         </p:spPr>
-        <p:txBody>
-          <a:bodyPr vert="horz" lIns="91440" tIns="45720" rIns="91440" bIns="45720" rtlCol="0">
-            <a:normAutofit fontScale="92500" lnSpcReduction="10000"/>
-          </a:bodyPr>
-          <a:lstStyle>
-            <a:lvl1pPr marL="228600" indent="-228600" algn="l" defTabSz="914400" rtl="0" eaLnBrk="1" latinLnBrk="0" hangingPunct="1">
-              <a:lnSpc>
-                <a:spcPct val="90000"/>
-              </a:lnSpc>
-              <a:spcBef>
-                <a:spcPts val="1000"/>
-              </a:spcBef>
-              <a:buFont typeface="Arial"/>
-              <a:buChar char="•"/>
-              <a:defRPr sz="2800" kern="1200">
-                <a:solidFill>
-                  <a:schemeClr val="tx1"/>
-                </a:solidFill>
-                <a:latin typeface="+mn-lt"/>
-                <a:ea typeface="+mn-ea"/>
-                <a:cs typeface="+mn-cs"/>
-              </a:defRPr>
-            </a:lvl1pPr>
-            <a:lvl2pPr marL="685800" indent="-228600" algn="l" defTabSz="914400" rtl="0" eaLnBrk="1" latinLnBrk="0" hangingPunct="1">
-              <a:lnSpc>
-                <a:spcPct val="90000"/>
-              </a:lnSpc>
-              <a:spcBef>
-                <a:spcPts val="500"/>
-              </a:spcBef>
-              <a:buFont typeface="Arial"/>
-              <a:buChar char="•"/>
-              <a:defRPr sz="2400" kern="1200">
-                <a:solidFill>
-                  <a:schemeClr val="tx1"/>
-                </a:solidFill>
-                <a:latin typeface="+mn-lt"/>
-                <a:ea typeface="+mn-ea"/>
-                <a:cs typeface="+mn-cs"/>
-              </a:defRPr>
-            </a:lvl2pPr>
-            <a:lvl3pPr marL="1143000" indent="-228600" algn="l" defTabSz="914400" rtl="0" eaLnBrk="1" latinLnBrk="0" hangingPunct="1">
-              <a:lnSpc>
-                <a:spcPct val="90000"/>
-              </a:lnSpc>
-              <a:spcBef>
-                <a:spcPts val="500"/>
-              </a:spcBef>
-              <a:buFont typeface="Arial"/>
-              <a:buChar char="•"/>
-              <a:defRPr sz="2000" kern="1200">
-                <a:solidFill>
-                  <a:schemeClr val="tx1"/>
-                </a:solidFill>
-                <a:latin typeface="+mn-lt"/>
-                <a:ea typeface="+mn-ea"/>
-                <a:cs typeface="+mn-cs"/>
-              </a:defRPr>
-            </a:lvl3pPr>
-            <a:lvl4pPr marL="1600200" indent="-228600" algn="l" defTabSz="914400" rtl="0" eaLnBrk="1" latinLnBrk="0" hangingPunct="1">
-              <a:lnSpc>
-                <a:spcPct val="90000"/>
-              </a:lnSpc>
-              <a:spcBef>
-                <a:spcPts val="500"/>
-              </a:spcBef>
-              <a:buFont typeface="Arial"/>
-              <a:buChar char="•"/>
-              <a:defRPr sz="1800" kern="1200">
-                <a:solidFill>
-                  <a:schemeClr val="tx1"/>
-                </a:solidFill>
-                <a:latin typeface="+mn-lt"/>
-                <a:ea typeface="+mn-ea"/>
-                <a:cs typeface="+mn-cs"/>
-              </a:defRPr>
-            </a:lvl4pPr>
-            <a:lvl5pPr marL="2057400" indent="-228600" algn="l" defTabSz="914400" rtl="0" eaLnBrk="1" latinLnBrk="0" hangingPunct="1">
-              <a:lnSpc>
-                <a:spcPct val="90000"/>
-              </a:lnSpc>
-              <a:spcBef>
-                <a:spcPts val="500"/>
-              </a:spcBef>
-              <a:buFont typeface="Arial"/>
-              <a:buChar char="•"/>
-              <a:defRPr sz="1800" kern="1200">
-                <a:solidFill>
-                  <a:schemeClr val="tx1"/>
-                </a:solidFill>
-                <a:latin typeface="+mn-lt"/>
-                <a:ea typeface="+mn-ea"/>
-                <a:cs typeface="+mn-cs"/>
-              </a:defRPr>
-            </a:lvl5pPr>
-            <a:lvl6pPr marL="2514600" indent="-228600" algn="l" defTabSz="914400" rtl="0" eaLnBrk="1" latinLnBrk="0" hangingPunct="1">
-              <a:lnSpc>
-                <a:spcPct val="90000"/>
-              </a:lnSpc>
-              <a:spcBef>
-                <a:spcPts val="500"/>
-              </a:spcBef>
-              <a:buFont typeface="Arial"/>
-              <a:buChar char="•"/>
-              <a:defRPr sz="1800" kern="1200">
-                <a:solidFill>
-                  <a:schemeClr val="tx1"/>
-                </a:solidFill>
-                <a:latin typeface="+mn-lt"/>
-                <a:ea typeface="+mn-ea"/>
-                <a:cs typeface="+mn-cs"/>
-              </a:defRPr>
-            </a:lvl6pPr>
-            <a:lvl7pPr marL="2971800" indent="-228600" algn="l" defTabSz="914400" rtl="0" eaLnBrk="1" latinLnBrk="0" hangingPunct="1">
-              <a:lnSpc>
-                <a:spcPct val="90000"/>
-              </a:lnSpc>
-              <a:spcBef>
-                <a:spcPts val="500"/>
-              </a:spcBef>
-              <a:buFont typeface="Arial"/>
-              <a:buChar char="•"/>
-              <a:defRPr sz="1800" kern="1200">
-                <a:solidFill>
-                  <a:schemeClr val="tx1"/>
-                </a:solidFill>
-                <a:latin typeface="+mn-lt"/>
-                <a:ea typeface="+mn-ea"/>
-                <a:cs typeface="+mn-cs"/>
-              </a:defRPr>
-            </a:lvl7pPr>
-            <a:lvl8pPr marL="3429000" indent="-228600" algn="l" defTabSz="914400" rtl="0" eaLnBrk="1" latinLnBrk="0" hangingPunct="1">
-              <a:lnSpc>
-                <a:spcPct val="90000"/>
-              </a:lnSpc>
-              <a:spcBef>
-                <a:spcPts val="500"/>
-              </a:spcBef>
-              <a:buFont typeface="Arial"/>
-              <a:buChar char="•"/>
-              <a:defRPr sz="1800" kern="1200">
-                <a:solidFill>
-                  <a:schemeClr val="tx1"/>
-                </a:solidFill>
-                <a:latin typeface="+mn-lt"/>
-                <a:ea typeface="+mn-ea"/>
-                <a:cs typeface="+mn-cs"/>
-              </a:defRPr>
-            </a:lvl8pPr>
-            <a:lvl9pPr marL="3886200" indent="-228600" algn="l" defTabSz="914400" rtl="0" eaLnBrk="1" latinLnBrk="0" hangingPunct="1">
-              <a:lnSpc>
-                <a:spcPct val="90000"/>
-              </a:lnSpc>
-              <a:spcBef>
-                <a:spcPts val="500"/>
-              </a:spcBef>
-              <a:buFont typeface="Arial"/>
-              <a:buChar char="•"/>
-              <a:defRPr sz="1800" kern="1200">
-                <a:solidFill>
-                  <a:schemeClr val="tx1"/>
-                </a:solidFill>
-                <a:latin typeface="+mn-lt"/>
-                <a:ea typeface="+mn-ea"/>
-                <a:cs typeface="+mn-cs"/>
-              </a:defRPr>
-            </a:lvl9pPr>
-          </a:lstStyle>
-          <a:p>
-            <a:r>
-              <a:rPr lang="en-US"/>
-              <a:t>Knowledge-driven event extraction</a:t>
-            </a:r>
-          </a:p>
-          <a:p>
-            <a:pPr lvl="1"/>
-            <a:r>
-              <a:rPr lang="en-US"/>
-              <a:t>Lexico-syntactic patterns</a:t>
-            </a:r>
-          </a:p>
-          <a:p>
-            <a:pPr lvl="1"/>
-            <a:r>
-              <a:rPr lang="en-US"/>
-              <a:t>Domain expertise</a:t>
-            </a:r>
-          </a:p>
-          <a:p>
-            <a:pPr lvl="1"/>
-            <a:r>
-              <a:rPr lang="en-US"/>
-              <a:t>Knowledge bases</a:t>
-            </a:r>
-          </a:p>
-          <a:p>
-            <a:pPr lvl="1"/>
-            <a:r>
-              <a:rPr lang="en-US">
-                <a:solidFill>
-                  <a:srgbClr val="FF0000"/>
-                </a:solidFill>
-              </a:rPr>
-              <a:t>Drawbacks?</a:t>
-            </a:r>
-          </a:p>
-        </p:txBody>
-      </p:sp>
-      <p:sp>
-        <p:nvSpPr>
-          <p:cNvPr id="5" name="Arrow: Right 4">
+      </p:pic>
+      <p:sp>
+        <p:nvSpPr>
+          <p:cNvPr id="5" name="Rectangle 4">
             <a:extLst>
               <a:ext uri="{FF2B5EF4-FFF2-40B4-BE49-F238E27FC236}">
-                <a16:creationId xmlns="" xmlns:a16="http://schemas.microsoft.com/office/drawing/2014/main" id="{D1E8C985-9E37-43C2-AD20-259A38EF2B2D}"/>
+                <a16:creationId xmlns:a16="http://schemas.microsoft.com/office/drawing/2014/main" xmlns="" id="{3A3D486C-EB90-481F-A0F5-6971C9707494}"/>
               </a:ext>
             </a:extLst>
           </p:cNvPr>
@@ -9216,13 +9920,19 @@
           <p:nvPr/>
         </p:nvSpPr>
         <p:spPr>
-          <a:xfrm rot="1980029">
-            <a:off x="1504940" y="4589115"/>
-            <a:ext cx="2168491" cy="215191"/>
-          </a:xfrm>
-          <a:prstGeom prst="rightArrow">
+          <a:xfrm>
+            <a:off x="1719072" y="5254752"/>
+            <a:ext cx="1780032" cy="304800"/>
+          </a:xfrm>
+          <a:prstGeom prst="rect">
             <a:avLst/>
           </a:prstGeom>
+          <a:noFill/>
+          <a:ln w="38100">
+            <a:solidFill>
+              <a:srgbClr val="FF0000"/>
+            </a:solidFill>
+          </a:ln>
         </p:spPr>
         <p:style>
           <a:lnRef idx="2">
@@ -9241,12 +9951,7 @@
           </a:fontRef>
         </p:style>
         <p:txBody>
-          <a:bodyPr rot="0" spcFirstLastPara="0" vertOverflow="overflow" horzOverflow="overflow" vert="horz" wrap="square" lIns="91440" tIns="45720" rIns="91440" bIns="45720" numCol="1" spcCol="0" rtlCol="0" fromWordArt="0" anchor="ctr" anchorCtr="0" forceAA="0" compatLnSpc="1">
-            <a:prstTxWarp prst="textNoShape">
-              <a:avLst/>
-            </a:prstTxWarp>
-            <a:noAutofit/>
-          </a:bodyPr>
+          <a:bodyPr rtlCol="0" anchor="ctr"/>
           <a:lstStyle/>
           <a:p>
             <a:pPr algn="ctr"/>
@@ -9254,268 +9959,53 @@
           </a:p>
         </p:txBody>
       </p:sp>
-      <p:sp>
-        <p:nvSpPr>
-          <p:cNvPr id="7" name="Content Placeholder 2">
+      <p:cxnSp>
+        <p:nvCxnSpPr>
+          <p:cNvPr id="7" name="Straight Arrow Connector 6">
             <a:extLst>
               <a:ext uri="{FF2B5EF4-FFF2-40B4-BE49-F238E27FC236}">
-                <a16:creationId xmlns="" xmlns:a16="http://schemas.microsoft.com/office/drawing/2014/main" id="{5DE865FC-39D0-4B3E-808A-72F7CCD94CD8}"/>
+                <a16:creationId xmlns:a16="http://schemas.microsoft.com/office/drawing/2014/main" xmlns="" id="{6B5C1F01-6FC6-41B6-986B-614A7417DC21}"/>
               </a:ext>
             </a:extLst>
           </p:cNvPr>
-          <p:cNvSpPr txBox="1">
-            <a:spLocks/>
-          </p:cNvSpPr>
+          <p:cNvCxnSpPr/>
           <p:nvPr/>
-        </p:nvSpPr>
-        <p:spPr>
-          <a:xfrm>
-            <a:off x="3366608" y="5407229"/>
-            <a:ext cx="3182481" cy="762119"/>
-          </a:xfrm>
-          <a:prstGeom prst="rect">
+        </p:nvCxnSpPr>
+        <p:spPr>
+          <a:xfrm flipH="1">
+            <a:off x="2816352" y="3962400"/>
+            <a:ext cx="3377184" cy="1292352"/>
+          </a:xfrm>
+          <a:prstGeom prst="straightConnector1">
             <a:avLst/>
           </a:prstGeom>
-        </p:spPr>
-        <p:txBody>
-          <a:bodyPr vert="horz" lIns="91440" tIns="45720" rIns="91440" bIns="45720" rtlCol="0">
-            <a:normAutofit/>
-          </a:bodyPr>
-          <a:lstStyle>
-            <a:lvl1pPr marL="228600" indent="-228600" algn="l" defTabSz="914400" rtl="0" eaLnBrk="1" latinLnBrk="0" hangingPunct="1">
-              <a:lnSpc>
-                <a:spcPct val="90000"/>
-              </a:lnSpc>
-              <a:spcBef>
-                <a:spcPts val="1000"/>
-              </a:spcBef>
-              <a:buFont typeface="Arial"/>
-              <a:buChar char="•"/>
-              <a:defRPr sz="2800" kern="1200">
-                <a:solidFill>
-                  <a:schemeClr val="tx1"/>
-                </a:solidFill>
-                <a:latin typeface="+mn-lt"/>
-                <a:ea typeface="+mn-ea"/>
-                <a:cs typeface="+mn-cs"/>
-              </a:defRPr>
-            </a:lvl1pPr>
-            <a:lvl2pPr marL="685800" indent="-228600" algn="l" defTabSz="914400" rtl="0" eaLnBrk="1" latinLnBrk="0" hangingPunct="1">
-              <a:lnSpc>
-                <a:spcPct val="90000"/>
-              </a:lnSpc>
-              <a:spcBef>
-                <a:spcPts val="500"/>
-              </a:spcBef>
-              <a:buFont typeface="Arial"/>
-              <a:buChar char="•"/>
-              <a:defRPr sz="2400" kern="1200">
-                <a:solidFill>
-                  <a:schemeClr val="tx1"/>
-                </a:solidFill>
-                <a:latin typeface="+mn-lt"/>
-                <a:ea typeface="+mn-ea"/>
-                <a:cs typeface="+mn-cs"/>
-              </a:defRPr>
-            </a:lvl2pPr>
-            <a:lvl3pPr marL="1143000" indent="-228600" algn="l" defTabSz="914400" rtl="0" eaLnBrk="1" latinLnBrk="0" hangingPunct="1">
-              <a:lnSpc>
-                <a:spcPct val="90000"/>
-              </a:lnSpc>
-              <a:spcBef>
-                <a:spcPts val="500"/>
-              </a:spcBef>
-              <a:buFont typeface="Arial"/>
-              <a:buChar char="•"/>
-              <a:defRPr sz="2000" kern="1200">
-                <a:solidFill>
-                  <a:schemeClr val="tx1"/>
-                </a:solidFill>
-                <a:latin typeface="+mn-lt"/>
-                <a:ea typeface="+mn-ea"/>
-                <a:cs typeface="+mn-cs"/>
-              </a:defRPr>
-            </a:lvl3pPr>
-            <a:lvl4pPr marL="1600200" indent="-228600" algn="l" defTabSz="914400" rtl="0" eaLnBrk="1" latinLnBrk="0" hangingPunct="1">
-              <a:lnSpc>
-                <a:spcPct val="90000"/>
-              </a:lnSpc>
-              <a:spcBef>
-                <a:spcPts val="500"/>
-              </a:spcBef>
-              <a:buFont typeface="Arial"/>
-              <a:buChar char="•"/>
-              <a:defRPr sz="1800" kern="1200">
-                <a:solidFill>
-                  <a:schemeClr val="tx1"/>
-                </a:solidFill>
-                <a:latin typeface="+mn-lt"/>
-                <a:ea typeface="+mn-ea"/>
-                <a:cs typeface="+mn-cs"/>
-              </a:defRPr>
-            </a:lvl4pPr>
-            <a:lvl5pPr marL="2057400" indent="-228600" algn="l" defTabSz="914400" rtl="0" eaLnBrk="1" latinLnBrk="0" hangingPunct="1">
-              <a:lnSpc>
-                <a:spcPct val="90000"/>
-              </a:lnSpc>
-              <a:spcBef>
-                <a:spcPts val="500"/>
-              </a:spcBef>
-              <a:buFont typeface="Arial"/>
-              <a:buChar char="•"/>
-              <a:defRPr sz="1800" kern="1200">
-                <a:solidFill>
-                  <a:schemeClr val="tx1"/>
-                </a:solidFill>
-                <a:latin typeface="+mn-lt"/>
-                <a:ea typeface="+mn-ea"/>
-                <a:cs typeface="+mn-cs"/>
-              </a:defRPr>
-            </a:lvl5pPr>
-            <a:lvl6pPr marL="2514600" indent="-228600" algn="l" defTabSz="914400" rtl="0" eaLnBrk="1" latinLnBrk="0" hangingPunct="1">
-              <a:lnSpc>
-                <a:spcPct val="90000"/>
-              </a:lnSpc>
-              <a:spcBef>
-                <a:spcPts val="500"/>
-              </a:spcBef>
-              <a:buFont typeface="Arial"/>
-              <a:buChar char="•"/>
-              <a:defRPr sz="1800" kern="1200">
-                <a:solidFill>
-                  <a:schemeClr val="tx1"/>
-                </a:solidFill>
-                <a:latin typeface="+mn-lt"/>
-                <a:ea typeface="+mn-ea"/>
-                <a:cs typeface="+mn-cs"/>
-              </a:defRPr>
-            </a:lvl6pPr>
-            <a:lvl7pPr marL="2971800" indent="-228600" algn="l" defTabSz="914400" rtl="0" eaLnBrk="1" latinLnBrk="0" hangingPunct="1">
-              <a:lnSpc>
-                <a:spcPct val="90000"/>
-              </a:lnSpc>
-              <a:spcBef>
-                <a:spcPts val="500"/>
-              </a:spcBef>
-              <a:buFont typeface="Arial"/>
-              <a:buChar char="•"/>
-              <a:defRPr sz="1800" kern="1200">
-                <a:solidFill>
-                  <a:schemeClr val="tx1"/>
-                </a:solidFill>
-                <a:latin typeface="+mn-lt"/>
-                <a:ea typeface="+mn-ea"/>
-                <a:cs typeface="+mn-cs"/>
-              </a:defRPr>
-            </a:lvl7pPr>
-            <a:lvl8pPr marL="3429000" indent="-228600" algn="l" defTabSz="914400" rtl="0" eaLnBrk="1" latinLnBrk="0" hangingPunct="1">
-              <a:lnSpc>
-                <a:spcPct val="90000"/>
-              </a:lnSpc>
-              <a:spcBef>
-                <a:spcPts val="500"/>
-              </a:spcBef>
-              <a:buFont typeface="Arial"/>
-              <a:buChar char="•"/>
-              <a:defRPr sz="1800" kern="1200">
-                <a:solidFill>
-                  <a:schemeClr val="tx1"/>
-                </a:solidFill>
-                <a:latin typeface="+mn-lt"/>
-                <a:ea typeface="+mn-ea"/>
-                <a:cs typeface="+mn-cs"/>
-              </a:defRPr>
-            </a:lvl8pPr>
-            <a:lvl9pPr marL="3886200" indent="-228600" algn="l" defTabSz="914400" rtl="0" eaLnBrk="1" latinLnBrk="0" hangingPunct="1">
-              <a:lnSpc>
-                <a:spcPct val="90000"/>
-              </a:lnSpc>
-              <a:spcBef>
-                <a:spcPts val="500"/>
-              </a:spcBef>
-              <a:buFont typeface="Arial"/>
-              <a:buChar char="•"/>
-              <a:defRPr sz="1800" kern="1200">
-                <a:solidFill>
-                  <a:schemeClr val="tx1"/>
-                </a:solidFill>
-                <a:latin typeface="+mn-lt"/>
-                <a:ea typeface="+mn-ea"/>
-                <a:cs typeface="+mn-cs"/>
-              </a:defRPr>
-            </a:lvl9pPr>
-          </a:lstStyle>
-          <a:p>
-            <a:pPr marL="0" indent="0">
-              <a:buNone/>
-            </a:pPr>
-            <a:r>
-              <a:rPr lang="en-US"/>
-              <a:t>Hybrid systems</a:t>
-            </a:r>
-            <a:endParaRPr lang="en-US">
-              <a:solidFill>
-                <a:srgbClr val="FF0000"/>
-              </a:solidFill>
-            </a:endParaRPr>
-          </a:p>
-        </p:txBody>
-      </p:sp>
-      <p:sp>
-        <p:nvSpPr>
-          <p:cNvPr id="8" name="Arrow: Right 7">
-            <a:extLst>
-              <a:ext uri="{FF2B5EF4-FFF2-40B4-BE49-F238E27FC236}">
-                <a16:creationId xmlns="" xmlns:a16="http://schemas.microsoft.com/office/drawing/2014/main" id="{3AB65389-B784-4AB6-BC15-A38C68139767}"/>
-              </a:ext>
-            </a:extLst>
-          </p:cNvPr>
-          <p:cNvSpPr/>
-          <p:nvPr/>
-        </p:nvSpPr>
-        <p:spPr>
-          <a:xfrm rot="8666486">
-            <a:off x="5012476" y="4626407"/>
-            <a:ext cx="2168491" cy="215191"/>
-          </a:xfrm>
-          <a:prstGeom prst="rightArrow">
-            <a:avLst/>
-          </a:prstGeom>
+          <a:ln w="28575">
+            <a:solidFill>
+              <a:srgbClr val="FF0000"/>
+            </a:solidFill>
+            <a:prstDash val="dash"/>
+            <a:tailEnd type="triangle"/>
+          </a:ln>
         </p:spPr>
         <p:style>
-          <a:lnRef idx="2">
-            <a:schemeClr val="accent1">
-              <a:shade val="50000"/>
-            </a:schemeClr>
+          <a:lnRef idx="1">
+            <a:schemeClr val="accent1"/>
           </a:lnRef>
-          <a:fillRef idx="1">
+          <a:fillRef idx="0">
             <a:schemeClr val="accent1"/>
           </a:fillRef>
           <a:effectRef idx="0">
             <a:schemeClr val="accent1"/>
           </a:effectRef>
           <a:fontRef idx="minor">
-            <a:schemeClr val="lt1"/>
+            <a:schemeClr val="tx1"/>
           </a:fontRef>
         </p:style>
-        <p:txBody>
-          <a:bodyPr rot="0" spcFirstLastPara="0" vertOverflow="overflow" horzOverflow="overflow" vert="horz" wrap="square" lIns="91440" tIns="45720" rIns="91440" bIns="45720" numCol="1" spcCol="0" rtlCol="0" fromWordArt="0" anchor="ctr" anchorCtr="0" forceAA="0" compatLnSpc="1">
-            <a:prstTxWarp prst="textNoShape">
-              <a:avLst/>
-            </a:prstTxWarp>
-            <a:noAutofit/>
-          </a:bodyPr>
-          <a:lstStyle/>
-          <a:p>
-            <a:pPr algn="ctr"/>
-            <a:endParaRPr lang="en-US"/>
-          </a:p>
-        </p:txBody>
-      </p:sp>
+      </p:cxnSp>
     </p:spTree>
     <p:extLst>
       <p:ext uri="{BB962C8B-B14F-4D97-AF65-F5344CB8AC3E}">
-        <p14:creationId xmlns:p14="http://schemas.microsoft.com/office/powerpoint/2010/main" val="446995910"/>
+        <p14:creationId xmlns:p14="http://schemas.microsoft.com/office/powerpoint/2010/main" val="2324715996"/>
       </p:ext>
     </p:extLst>
   </p:cSld>
@@ -9556,39 +10046,143 @@
             <a:spLocks noGrp="1"/>
           </p:cNvSpPr>
           <p:nvPr>
-            <p:ph type="ctrTitle"/>
+            <p:ph type="title"/>
           </p:nvPr>
         </p:nvSpPr>
-        <p:spPr/>
+        <p:spPr>
+          <a:xfrm>
+            <a:off x="400050" y="365126"/>
+            <a:ext cx="8515350" cy="1325563"/>
+          </a:xfrm>
+        </p:spPr>
         <p:txBody>
           <a:bodyPr/>
           <a:lstStyle/>
           <a:p>
             <a:r>
-              <a:rPr lang="en-US" dirty="0"/>
-              <a:t>Hands-on</a:t>
-            </a:r>
-          </a:p>
-        </p:txBody>
-      </p:sp>
-      <p:sp>
-        <p:nvSpPr>
-          <p:cNvPr id="3" name="Content Placeholder 2"/>
+              <a:rPr lang="en-US"/>
+              <a:t>Typical NER Approach</a:t>
+            </a:r>
+            <a:endParaRPr lang="en-US" dirty="0"/>
+          </a:p>
+        </p:txBody>
+      </p:sp>
+      <p:sp>
+        <p:nvSpPr>
+          <p:cNvPr id="7" name="Content Placeholder 6">
+            <a:extLst>
+              <a:ext uri="{FF2B5EF4-FFF2-40B4-BE49-F238E27FC236}">
+                <a16:creationId xmlns:a16="http://schemas.microsoft.com/office/drawing/2014/main" xmlns="" id="{13D3C029-F9AA-4E5C-8627-46A9ED1284E6}"/>
+              </a:ext>
+            </a:extLst>
+          </p:cNvPr>
           <p:cNvSpPr>
             <a:spLocks noGrp="1"/>
           </p:cNvSpPr>
           <p:nvPr>
-            <p:ph type="subTitle" idx="1"/>
+            <p:ph idx="1"/>
           </p:nvPr>
         </p:nvSpPr>
-        <p:spPr/>
+        <p:spPr>
+          <a:xfrm>
+            <a:off x="494538" y="1690689"/>
+            <a:ext cx="8198358" cy="4351338"/>
+          </a:xfrm>
+        </p:spPr>
         <p:txBody>
           <a:bodyPr/>
           <a:lstStyle/>
           <a:p>
             <a:r>
-              <a:rPr lang="en-US" dirty="0"/>
-              <a:t>(Presently, could change) Yang and Mitchell’s work on joint event-entity extraction</a:t>
+              <a:rPr lang="en-US"/>
+              <a:t>Till recently, most models framed the problem as ‘sequence labeling’ using techniques like Conditional Random Fields and (earlier) Hidden Markov Models</a:t>
+            </a:r>
+          </a:p>
+        </p:txBody>
+      </p:sp>
+      <p:pic>
+        <p:nvPicPr>
+          <p:cNvPr id="1026" name="Picture 2" descr="Related image">
+            <a:extLst>
+              <a:ext uri="{FF2B5EF4-FFF2-40B4-BE49-F238E27FC236}">
+                <a16:creationId xmlns:a16="http://schemas.microsoft.com/office/drawing/2014/main" xmlns="" id="{10228010-65D9-4664-9A19-50D2A115129D}"/>
+              </a:ext>
+            </a:extLst>
+          </p:cNvPr>
+          <p:cNvPicPr>
+            <a:picLocks noChangeAspect="1" noChangeArrowheads="1"/>
+          </p:cNvPicPr>
+          <p:nvPr/>
+        </p:nvPicPr>
+        <p:blipFill>
+          <a:blip r:embed="rId2">
+            <a:extLst>
+              <a:ext uri="{28A0092B-C50C-407E-A947-70E740481C1C}">
+                <a14:useLocalDpi xmlns:a14="http://schemas.microsoft.com/office/drawing/2010/main" val="0"/>
+              </a:ext>
+            </a:extLst>
+          </a:blip>
+          <a:srcRect/>
+          <a:stretch>
+            <a:fillRect/>
+          </a:stretch>
+        </p:blipFill>
+        <p:spPr bwMode="auto">
+          <a:xfrm>
+            <a:off x="741426" y="3013939"/>
+            <a:ext cx="8058912" cy="3506186"/>
+          </a:xfrm>
+          <a:prstGeom prst="rect">
+            <a:avLst/>
+          </a:prstGeom>
+          <a:noFill/>
+          <a:extLst>
+            <a:ext uri="{909E8E84-426E-40DD-AFC4-6F175D3DCCD1}">
+              <a14:hiddenFill xmlns:a14="http://schemas.microsoft.com/office/drawing/2010/main">
+                <a:solidFill>
+                  <a:srgbClr val="FFFFFF"/>
+                </a:solidFill>
+              </a14:hiddenFill>
+            </a:ext>
+          </a:extLst>
+        </p:spPr>
+      </p:pic>
+      <p:sp>
+        <p:nvSpPr>
+          <p:cNvPr id="14" name="TextBox 13">
+            <a:extLst>
+              <a:ext uri="{FF2B5EF4-FFF2-40B4-BE49-F238E27FC236}">
+                <a16:creationId xmlns:a16="http://schemas.microsoft.com/office/drawing/2014/main" xmlns="" id="{6DFB3C83-0C7A-4535-96AA-E84D929A4E6A}"/>
+              </a:ext>
+            </a:extLst>
+          </p:cNvPr>
+          <p:cNvSpPr txBox="1"/>
+          <p:nvPr/>
+        </p:nvSpPr>
+        <p:spPr>
+          <a:xfrm>
+            <a:off x="6475476" y="6484358"/>
+            <a:ext cx="2668524" cy="369332"/>
+          </a:xfrm>
+          <a:prstGeom prst="rect">
+            <a:avLst/>
+          </a:prstGeom>
+          <a:noFill/>
+        </p:spPr>
+        <p:txBody>
+          <a:bodyPr wrap="square" rtlCol="0">
+            <a:spAutoFit/>
+          </a:bodyPr>
+          <a:lstStyle/>
+          <a:p>
+            <a:pPr algn="r"/>
+            <a:r>
+              <a:rPr lang="en-US">
+                <a:solidFill>
+                  <a:srgbClr val="002060"/>
+                </a:solidFill>
+              </a:rPr>
+              <a:t>(Lafferty et al., 2001)</a:t>
             </a:r>
           </a:p>
         </p:txBody>
@@ -9596,7 +10190,7 @@
     </p:spTree>
     <p:extLst>
       <p:ext uri="{BB962C8B-B14F-4D97-AF65-F5344CB8AC3E}">
-        <p14:creationId xmlns:p14="http://schemas.microsoft.com/office/powerpoint/2010/main" val="785958564"/>
+        <p14:creationId xmlns:p14="http://schemas.microsoft.com/office/powerpoint/2010/main" val="4233008521"/>
       </p:ext>
     </p:extLst>
   </p:cSld>
@@ -9635,7 +10229,7 @@
           <p:cNvPr id="2" name="Title 1">
             <a:extLst>
               <a:ext uri="{FF2B5EF4-FFF2-40B4-BE49-F238E27FC236}">
-                <a16:creationId xmlns="" xmlns:a16="http://schemas.microsoft.com/office/drawing/2014/main" id="{8537C631-3420-40A0-B136-850967FD898E}"/>
+                <a16:creationId xmlns:a16="http://schemas.microsoft.com/office/drawing/2014/main" xmlns="" id="{5F44972C-1277-45AF-857F-5C44DCAA94E2}"/>
               </a:ext>
             </a:extLst>
           </p:cNvPr>
@@ -9653,7 +10247,7 @@
           <a:p>
             <a:r>
               <a:rPr lang="en-US"/>
-              <a:t>Open Research Issues</a:t>
+              <a:t>Embedding-based Models</a:t>
             </a:r>
           </a:p>
         </p:txBody>
@@ -9663,7 +10257,7 @@
           <p:cNvPr id="3" name="Content Placeholder 2">
             <a:extLst>
               <a:ext uri="{FF2B5EF4-FFF2-40B4-BE49-F238E27FC236}">
-                <a16:creationId xmlns="" xmlns:a16="http://schemas.microsoft.com/office/drawing/2014/main" id="{F1CD4C0B-C44A-44A7-B3C4-2460C4A5D01B}"/>
+                <a16:creationId xmlns:a16="http://schemas.microsoft.com/office/drawing/2014/main" xmlns="" id="{AD4D6E95-FB39-4A81-BE0C-47FCB77127E2}"/>
               </a:ext>
             </a:extLst>
           </p:cNvPr>
@@ -9674,58 +10268,277 @@
             <p:ph idx="1"/>
           </p:nvPr>
         </p:nvSpPr>
-        <p:spPr/>
-        <p:txBody>
-          <a:bodyPr>
-            <a:normAutofit fontScale="92500" lnSpcReduction="10000"/>
-          </a:bodyPr>
+        <p:spPr>
+          <a:xfrm>
+            <a:off x="4949952" y="1825625"/>
+            <a:ext cx="3565398" cy="4351338"/>
+          </a:xfrm>
+        </p:spPr>
+        <p:txBody>
+          <a:bodyPr/>
           <a:lstStyle/>
           <a:p>
             <a:r>
               <a:rPr lang="en-US"/>
-              <a:t>Context-based advantages of data-driven, knowledge-driven or hybrid approaches</a:t>
+              <a:t>Feature engineering was an impediment to training robust and powerful CRFs</a:t>
             </a:r>
           </a:p>
           <a:p>
             <a:r>
               <a:rPr lang="en-US"/>
-              <a:t>Understanding the limitations of specific event extraction techniques</a:t>
-            </a:r>
-          </a:p>
-          <a:p>
-            <a:r>
-              <a:rPr lang="en-US"/>
-              <a:t>The domain-dependency of event extraction procedures, affecting both their flexibility and effectiveness</a:t>
-            </a:r>
-          </a:p>
-          <a:p>
-            <a:r>
-              <a:rPr lang="en-US"/>
-              <a:t>The scalability of event extraction approaches when dealing with Big Data</a:t>
-            </a:r>
-          </a:p>
-          <a:p>
-            <a:r>
-              <a:rPr lang="en-US"/>
-              <a:t>The complexity of extracted events</a:t>
-            </a:r>
-          </a:p>
-          <a:p>
+              <a:t>Recently, word embeddings (and more complex </a:t>
+            </a:r>
             <a:r>
               <a:rPr lang="en-US">
                 <a:solidFill>
-                  <a:srgbClr val="7030A0"/>
+                  <a:srgbClr val="FF0000"/>
                 </a:solidFill>
               </a:rPr>
-              <a:t>Extraction from noisy sources like Twitter</a:t>
-            </a:r>
-          </a:p>
-        </p:txBody>
-      </p:sp>
+              <a:t>sense-awar</a:t>
+            </a:r>
+            <a:r>
+              <a:rPr lang="en-US"/>
+              <a:t>e variants) have been used to address the problem</a:t>
+            </a:r>
+          </a:p>
+        </p:txBody>
+      </p:sp>
+      <p:pic>
+        <p:nvPicPr>
+          <p:cNvPr id="5" name="Picture 4">
+            <a:extLst>
+              <a:ext uri="{FF2B5EF4-FFF2-40B4-BE49-F238E27FC236}">
+                <a16:creationId xmlns:a16="http://schemas.microsoft.com/office/drawing/2014/main" xmlns="" id="{E31F759C-413A-4273-876B-1CA3A9286686}"/>
+              </a:ext>
+            </a:extLst>
+          </p:cNvPr>
+          <p:cNvPicPr>
+            <a:picLocks noChangeAspect="1"/>
+          </p:cNvPicPr>
+          <p:nvPr/>
+        </p:nvPicPr>
+        <p:blipFill>
+          <a:blip r:embed="rId2"/>
+          <a:stretch>
+            <a:fillRect/>
+          </a:stretch>
+        </p:blipFill>
+        <p:spPr>
+          <a:xfrm>
+            <a:off x="987932" y="1945005"/>
+            <a:ext cx="1682115" cy="1437444"/>
+          </a:xfrm>
+          <a:prstGeom prst="rect">
+            <a:avLst/>
+          </a:prstGeom>
+        </p:spPr>
+      </p:pic>
+      <p:cxnSp>
+        <p:nvCxnSpPr>
+          <p:cNvPr id="7" name="Straight Arrow Connector 6">
+            <a:extLst>
+              <a:ext uri="{FF2B5EF4-FFF2-40B4-BE49-F238E27FC236}">
+                <a16:creationId xmlns:a16="http://schemas.microsoft.com/office/drawing/2014/main" xmlns="" id="{482D490B-F863-49BB-82B1-21ED41AC47F8}"/>
+              </a:ext>
+            </a:extLst>
+          </p:cNvPr>
+          <p:cNvCxnSpPr>
+            <a:cxnSpLocks/>
+          </p:cNvCxnSpPr>
+          <p:nvPr/>
+        </p:nvCxnSpPr>
+        <p:spPr>
+          <a:xfrm flipV="1">
+            <a:off x="628650" y="1566669"/>
+            <a:ext cx="0" cy="4231956"/>
+          </a:xfrm>
+          <a:prstGeom prst="straightConnector1">
+            <a:avLst/>
+          </a:prstGeom>
+          <a:ln>
+            <a:tailEnd type="triangle"/>
+          </a:ln>
+        </p:spPr>
+        <p:style>
+          <a:lnRef idx="1">
+            <a:schemeClr val="accent1"/>
+          </a:lnRef>
+          <a:fillRef idx="0">
+            <a:schemeClr val="accent1"/>
+          </a:fillRef>
+          <a:effectRef idx="0">
+            <a:schemeClr val="accent1"/>
+          </a:effectRef>
+          <a:fontRef idx="minor">
+            <a:schemeClr val="tx1"/>
+          </a:fontRef>
+        </p:style>
+      </p:cxnSp>
+      <p:cxnSp>
+        <p:nvCxnSpPr>
+          <p:cNvPr id="9" name="Straight Arrow Connector 8">
+            <a:extLst>
+              <a:ext uri="{FF2B5EF4-FFF2-40B4-BE49-F238E27FC236}">
+                <a16:creationId xmlns:a16="http://schemas.microsoft.com/office/drawing/2014/main" xmlns="" id="{188D38CF-57BF-4AE7-A5CD-D7AB3F163338}"/>
+              </a:ext>
+            </a:extLst>
+          </p:cNvPr>
+          <p:cNvCxnSpPr>
+            <a:cxnSpLocks/>
+          </p:cNvCxnSpPr>
+          <p:nvPr/>
+        </p:nvCxnSpPr>
+        <p:spPr>
+          <a:xfrm>
+            <a:off x="628650" y="5796785"/>
+            <a:ext cx="4321302" cy="0"/>
+          </a:xfrm>
+          <a:prstGeom prst="straightConnector1">
+            <a:avLst/>
+          </a:prstGeom>
+          <a:ln>
+            <a:tailEnd type="triangle"/>
+          </a:ln>
+        </p:spPr>
+        <p:style>
+          <a:lnRef idx="1">
+            <a:schemeClr val="accent1"/>
+          </a:lnRef>
+          <a:fillRef idx="0">
+            <a:schemeClr val="accent1"/>
+          </a:fillRef>
+          <a:effectRef idx="0">
+            <a:schemeClr val="accent1"/>
+          </a:effectRef>
+          <a:fontRef idx="minor">
+            <a:schemeClr val="tx1"/>
+          </a:fontRef>
+        </p:style>
+      </p:cxnSp>
+      <p:pic>
+        <p:nvPicPr>
+          <p:cNvPr id="19" name="Picture 18">
+            <a:extLst>
+              <a:ext uri="{FF2B5EF4-FFF2-40B4-BE49-F238E27FC236}">
+                <a16:creationId xmlns:a16="http://schemas.microsoft.com/office/drawing/2014/main" xmlns="" id="{0D7BFADC-AEDA-4227-BD9E-21855850E785}"/>
+              </a:ext>
+            </a:extLst>
+          </p:cNvPr>
+          <p:cNvPicPr>
+            <a:picLocks noChangeAspect="1"/>
+          </p:cNvPicPr>
+          <p:nvPr/>
+        </p:nvPicPr>
+        <p:blipFill>
+          <a:blip r:embed="rId3"/>
+          <a:stretch>
+            <a:fillRect/>
+          </a:stretch>
+        </p:blipFill>
+        <p:spPr>
+          <a:xfrm>
+            <a:off x="2665297" y="2386678"/>
+            <a:ext cx="2284655" cy="1557719"/>
+          </a:xfrm>
+          <a:prstGeom prst="rect">
+            <a:avLst/>
+          </a:prstGeom>
+        </p:spPr>
+      </p:pic>
+      <p:pic>
+        <p:nvPicPr>
+          <p:cNvPr id="18" name="Picture 17">
+            <a:extLst>
+              <a:ext uri="{FF2B5EF4-FFF2-40B4-BE49-F238E27FC236}">
+                <a16:creationId xmlns:a16="http://schemas.microsoft.com/office/drawing/2014/main" xmlns="" id="{F17571D6-AE91-4354-BED2-D90B6DFEE185}"/>
+              </a:ext>
+            </a:extLst>
+          </p:cNvPr>
+          <p:cNvPicPr>
+            <a:picLocks noChangeAspect="1"/>
+          </p:cNvPicPr>
+          <p:nvPr/>
+        </p:nvPicPr>
+        <p:blipFill>
+          <a:blip r:embed="rId4"/>
+          <a:stretch>
+            <a:fillRect/>
+          </a:stretch>
+        </p:blipFill>
+        <p:spPr>
+          <a:xfrm>
+            <a:off x="2401823" y="3876670"/>
+            <a:ext cx="2109217" cy="1920115"/>
+          </a:xfrm>
+          <a:prstGeom prst="rect">
+            <a:avLst/>
+          </a:prstGeom>
+        </p:spPr>
+      </p:pic>
+      <p:pic>
+        <p:nvPicPr>
+          <p:cNvPr id="20" name="Picture 19">
+            <a:extLst>
+              <a:ext uri="{FF2B5EF4-FFF2-40B4-BE49-F238E27FC236}">
+                <a16:creationId xmlns:a16="http://schemas.microsoft.com/office/drawing/2014/main" xmlns="" id="{6CFE4D04-D2D0-40F7-BA00-7F0C0CCD624D}"/>
+              </a:ext>
+            </a:extLst>
+          </p:cNvPr>
+          <p:cNvPicPr>
+            <a:picLocks noChangeAspect="1"/>
+          </p:cNvPicPr>
+          <p:nvPr/>
+        </p:nvPicPr>
+        <p:blipFill>
+          <a:blip r:embed="rId5"/>
+          <a:stretch>
+            <a:fillRect/>
+          </a:stretch>
+        </p:blipFill>
+        <p:spPr>
+          <a:xfrm>
+            <a:off x="987932" y="4246037"/>
+            <a:ext cx="1502474" cy="918989"/>
+          </a:xfrm>
+          <a:prstGeom prst="rect">
+            <a:avLst/>
+          </a:prstGeom>
+        </p:spPr>
+      </p:pic>
+      <p:pic>
+        <p:nvPicPr>
+          <p:cNvPr id="21" name="Picture 20">
+            <a:extLst>
+              <a:ext uri="{FF2B5EF4-FFF2-40B4-BE49-F238E27FC236}">
+                <a16:creationId xmlns:a16="http://schemas.microsoft.com/office/drawing/2014/main" xmlns="" id="{189FF996-CE2C-4DDA-95B7-85B9DFD7CBED}"/>
+              </a:ext>
+            </a:extLst>
+          </p:cNvPr>
+          <p:cNvPicPr>
+            <a:picLocks noChangeAspect="1"/>
+          </p:cNvPicPr>
+          <p:nvPr/>
+        </p:nvPicPr>
+        <p:blipFill>
+          <a:blip r:embed="rId6"/>
+          <a:stretch>
+            <a:fillRect/>
+          </a:stretch>
+        </p:blipFill>
+        <p:spPr>
+          <a:xfrm>
+            <a:off x="784922" y="3165538"/>
+            <a:ext cx="2056739" cy="869628"/>
+          </a:xfrm>
+          <a:prstGeom prst="rect">
+            <a:avLst/>
+          </a:prstGeom>
+        </p:spPr>
+      </p:pic>
     </p:spTree>
     <p:extLst>
       <p:ext uri="{BB962C8B-B14F-4D97-AF65-F5344CB8AC3E}">
-        <p14:creationId xmlns:p14="http://schemas.microsoft.com/office/powerpoint/2010/main" val="874142107"/>
+        <p14:creationId xmlns:p14="http://schemas.microsoft.com/office/powerpoint/2010/main" val="3764569061"/>
       </p:ext>
     </p:extLst>
   </p:cSld>
@@ -9981,7 +10794,7 @@
           <p:cNvPr id="2" name="Title 1">
             <a:extLst>
               <a:ext uri="{FF2B5EF4-FFF2-40B4-BE49-F238E27FC236}">
-                <a16:creationId xmlns="" xmlns:a16="http://schemas.microsoft.com/office/drawing/2014/main" id="{47E09107-4194-4BB3-9118-E9B9EDF2C558}"/>
+                <a16:creationId xmlns:a16="http://schemas.microsoft.com/office/drawing/2014/main" xmlns="" id="{5F44972C-1277-45AF-857F-5C44DCAA94E2}"/>
               </a:ext>
             </a:extLst>
           </p:cNvPr>
@@ -9999,17 +10812,17 @@
           <a:p>
             <a:r>
               <a:rPr lang="en-US"/>
-              <a:t>Entity Extraction aka Named Entity Recognition (NER)</a:t>
-            </a:r>
-          </a:p>
-        </p:txBody>
-      </p:sp>
-      <p:sp>
-        <p:nvSpPr>
-          <p:cNvPr id="7" name="Content Placeholder 6">
+              <a:t>Embedding-based Models</a:t>
+            </a:r>
+          </a:p>
+        </p:txBody>
+      </p:sp>
+      <p:sp>
+        <p:nvSpPr>
+          <p:cNvPr id="3" name="Content Placeholder 2">
             <a:extLst>
               <a:ext uri="{FF2B5EF4-FFF2-40B4-BE49-F238E27FC236}">
-                <a16:creationId xmlns="" xmlns:a16="http://schemas.microsoft.com/office/drawing/2014/main" id="{55AA5913-BC8F-49AE-83AD-A535765E7CC1}"/>
+                <a16:creationId xmlns:a16="http://schemas.microsoft.com/office/drawing/2014/main" xmlns="" id="{AD4D6E95-FB39-4A81-BE0C-47FCB77127E2}"/>
               </a:ext>
             </a:extLst>
           </p:cNvPr>
@@ -10022,8 +10835,8 @@
         </p:nvSpPr>
         <p:spPr>
           <a:xfrm>
-            <a:off x="628650" y="1825625"/>
-            <a:ext cx="8600694" cy="4351338"/>
+            <a:off x="4949952" y="1825625"/>
+            <a:ext cx="3565398" cy="4351338"/>
           </a:xfrm>
         </p:spPr>
         <p:txBody>
@@ -10032,7 +10845,13 @@
           <a:p>
             <a:r>
               <a:rPr lang="en-US"/>
-              <a:t>NER is </a:t>
+              <a:t>Feature engineering was an impediment to training robust and powerful CRFs</a:t>
+            </a:r>
+          </a:p>
+          <a:p>
+            <a:r>
+              <a:rPr lang="en-US"/>
+              <a:t>Recently, word embeddings (and more complex </a:t>
             </a:r>
             <a:r>
               <a:rPr lang="en-US">
@@ -10040,28 +10859,21 @@
                   <a:srgbClr val="FF0000"/>
                 </a:solidFill>
               </a:rPr>
-              <a:t>a classic problem </a:t>
+              <a:t>sense-awar</a:t>
             </a:r>
             <a:r>
               <a:rPr lang="en-US"/>
-              <a:t>in the Natural Language Processing (NLP) literature</a:t>
-            </a:r>
-          </a:p>
-          <a:p>
-            <a:pPr lvl="1"/>
-            <a:r>
-              <a:rPr lang="en-US"/>
-              <a:t>Decades of research, with recent methods including deep learning and zero-shot learning</a:t>
+              <a:t>e variants) have been used to address the problem</a:t>
             </a:r>
           </a:p>
         </p:txBody>
       </p:sp>
       <p:pic>
         <p:nvPicPr>
-          <p:cNvPr id="3" name="Picture 2">
+          <p:cNvPr id="5" name="Picture 4">
             <a:extLst>
               <a:ext uri="{FF2B5EF4-FFF2-40B4-BE49-F238E27FC236}">
-                <a16:creationId xmlns="" xmlns:a16="http://schemas.microsoft.com/office/drawing/2014/main" id="{890F1FE2-5119-40AB-8F6D-A56025346D75}"/>
+                <a16:creationId xmlns:a16="http://schemas.microsoft.com/office/drawing/2014/main" xmlns="" id="{E31F759C-413A-4273-876B-1CA3A9286686}"/>
               </a:ext>
             </a:extLst>
           </p:cNvPr>
@@ -10078,58 +10890,339 @@
         </p:blipFill>
         <p:spPr>
           <a:xfrm>
-            <a:off x="750570" y="3611879"/>
-            <a:ext cx="7088886" cy="3157136"/>
+            <a:off x="987932" y="1945005"/>
+            <a:ext cx="1682115" cy="1437444"/>
           </a:xfrm>
           <a:prstGeom prst="rect">
             <a:avLst/>
           </a:prstGeom>
         </p:spPr>
       </p:pic>
-      <p:sp>
-        <p:nvSpPr>
-          <p:cNvPr id="8" name="TextBox 7">
+      <p:cxnSp>
+        <p:nvCxnSpPr>
+          <p:cNvPr id="7" name="Straight Arrow Connector 6">
             <a:extLst>
               <a:ext uri="{FF2B5EF4-FFF2-40B4-BE49-F238E27FC236}">
-                <a16:creationId xmlns="" xmlns:a16="http://schemas.microsoft.com/office/drawing/2014/main" id="{138EE332-0527-44B9-8D26-43A95831B2A9}"/>
+                <a16:creationId xmlns:a16="http://schemas.microsoft.com/office/drawing/2014/main" xmlns="" id="{482D490B-F863-49BB-82B1-21ED41AC47F8}"/>
               </a:ext>
             </a:extLst>
           </p:cNvPr>
-          <p:cNvSpPr txBox="1"/>
+          <p:cNvCxnSpPr>
+            <a:cxnSpLocks/>
+          </p:cNvCxnSpPr>
           <p:nvPr/>
-        </p:nvSpPr>
-        <p:spPr>
-          <a:xfrm>
-            <a:off x="6047232" y="6484358"/>
-            <a:ext cx="3096768" cy="369332"/>
+        </p:nvCxnSpPr>
+        <p:spPr>
+          <a:xfrm flipV="1">
+            <a:off x="628650" y="1566669"/>
+            <a:ext cx="0" cy="4231956"/>
+          </a:xfrm>
+          <a:prstGeom prst="straightConnector1">
+            <a:avLst/>
+          </a:prstGeom>
+          <a:ln>
+            <a:tailEnd type="triangle"/>
+          </a:ln>
+        </p:spPr>
+        <p:style>
+          <a:lnRef idx="1">
+            <a:schemeClr val="accent1"/>
+          </a:lnRef>
+          <a:fillRef idx="0">
+            <a:schemeClr val="accent1"/>
+          </a:fillRef>
+          <a:effectRef idx="0">
+            <a:schemeClr val="accent1"/>
+          </a:effectRef>
+          <a:fontRef idx="minor">
+            <a:schemeClr val="tx1"/>
+          </a:fontRef>
+        </p:style>
+      </p:cxnSp>
+      <p:cxnSp>
+        <p:nvCxnSpPr>
+          <p:cNvPr id="9" name="Straight Arrow Connector 8">
+            <a:extLst>
+              <a:ext uri="{FF2B5EF4-FFF2-40B4-BE49-F238E27FC236}">
+                <a16:creationId xmlns:a16="http://schemas.microsoft.com/office/drawing/2014/main" xmlns="" id="{188D38CF-57BF-4AE7-A5CD-D7AB3F163338}"/>
+              </a:ext>
+            </a:extLst>
+          </p:cNvPr>
+          <p:cNvCxnSpPr>
+            <a:cxnSpLocks/>
+          </p:cNvCxnSpPr>
+          <p:nvPr/>
+        </p:nvCxnSpPr>
+        <p:spPr>
+          <a:xfrm>
+            <a:off x="628650" y="5796785"/>
+            <a:ext cx="4321302" cy="0"/>
+          </a:xfrm>
+          <a:prstGeom prst="straightConnector1">
+            <a:avLst/>
+          </a:prstGeom>
+          <a:ln>
+            <a:tailEnd type="triangle"/>
+          </a:ln>
+        </p:spPr>
+        <p:style>
+          <a:lnRef idx="1">
+            <a:schemeClr val="accent1"/>
+          </a:lnRef>
+          <a:fillRef idx="0">
+            <a:schemeClr val="accent1"/>
+          </a:fillRef>
+          <a:effectRef idx="0">
+            <a:schemeClr val="accent1"/>
+          </a:effectRef>
+          <a:fontRef idx="minor">
+            <a:schemeClr val="tx1"/>
+          </a:fontRef>
+        </p:style>
+      </p:cxnSp>
+      <p:pic>
+        <p:nvPicPr>
+          <p:cNvPr id="19" name="Picture 18">
+            <a:extLst>
+              <a:ext uri="{FF2B5EF4-FFF2-40B4-BE49-F238E27FC236}">
+                <a16:creationId xmlns:a16="http://schemas.microsoft.com/office/drawing/2014/main" xmlns="" id="{0D7BFADC-AEDA-4227-BD9E-21855850E785}"/>
+              </a:ext>
+            </a:extLst>
+          </p:cNvPr>
+          <p:cNvPicPr>
+            <a:picLocks noChangeAspect="1"/>
+          </p:cNvPicPr>
+          <p:nvPr/>
+        </p:nvPicPr>
+        <p:blipFill>
+          <a:blip r:embed="rId3"/>
+          <a:stretch>
+            <a:fillRect/>
+          </a:stretch>
+        </p:blipFill>
+        <p:spPr>
+          <a:xfrm>
+            <a:off x="2665297" y="2386678"/>
+            <a:ext cx="2284655" cy="1557719"/>
           </a:xfrm>
           <a:prstGeom prst="rect">
             <a:avLst/>
           </a:prstGeom>
-          <a:noFill/>
-        </p:spPr>
-        <p:txBody>
-          <a:bodyPr wrap="square" rtlCol="0">
-            <a:spAutoFit/>
+        </p:spPr>
+      </p:pic>
+      <p:pic>
+        <p:nvPicPr>
+          <p:cNvPr id="18" name="Picture 17">
+            <a:extLst>
+              <a:ext uri="{FF2B5EF4-FFF2-40B4-BE49-F238E27FC236}">
+                <a16:creationId xmlns:a16="http://schemas.microsoft.com/office/drawing/2014/main" xmlns="" id="{F17571D6-AE91-4354-BED2-D90B6DFEE185}"/>
+              </a:ext>
+            </a:extLst>
+          </p:cNvPr>
+          <p:cNvPicPr>
+            <a:picLocks noChangeAspect="1"/>
+          </p:cNvPicPr>
+          <p:nvPr/>
+        </p:nvPicPr>
+        <p:blipFill>
+          <a:blip r:embed="rId4"/>
+          <a:stretch>
+            <a:fillRect/>
+          </a:stretch>
+        </p:blipFill>
+        <p:spPr>
+          <a:xfrm>
+            <a:off x="2401823" y="3876670"/>
+            <a:ext cx="2109217" cy="1920115"/>
+          </a:xfrm>
+          <a:prstGeom prst="rect">
+            <a:avLst/>
+          </a:prstGeom>
+        </p:spPr>
+      </p:pic>
+      <p:pic>
+        <p:nvPicPr>
+          <p:cNvPr id="20" name="Picture 19">
+            <a:extLst>
+              <a:ext uri="{FF2B5EF4-FFF2-40B4-BE49-F238E27FC236}">
+                <a16:creationId xmlns:a16="http://schemas.microsoft.com/office/drawing/2014/main" xmlns="" id="{6CFE4D04-D2D0-40F7-BA00-7F0C0CCD624D}"/>
+              </a:ext>
+            </a:extLst>
+          </p:cNvPr>
+          <p:cNvPicPr>
+            <a:picLocks noChangeAspect="1"/>
+          </p:cNvPicPr>
+          <p:nvPr/>
+        </p:nvPicPr>
+        <p:blipFill>
+          <a:blip r:embed="rId5"/>
+          <a:stretch>
+            <a:fillRect/>
+          </a:stretch>
+        </p:blipFill>
+        <p:spPr>
+          <a:xfrm>
+            <a:off x="987932" y="4246037"/>
+            <a:ext cx="1502474" cy="918989"/>
+          </a:xfrm>
+          <a:prstGeom prst="rect">
+            <a:avLst/>
+          </a:prstGeom>
+        </p:spPr>
+      </p:pic>
+      <p:pic>
+        <p:nvPicPr>
+          <p:cNvPr id="21" name="Picture 20">
+            <a:extLst>
+              <a:ext uri="{FF2B5EF4-FFF2-40B4-BE49-F238E27FC236}">
+                <a16:creationId xmlns:a16="http://schemas.microsoft.com/office/drawing/2014/main" xmlns="" id="{189FF996-CE2C-4DDA-95B7-85B9DFD7CBED}"/>
+              </a:ext>
+            </a:extLst>
+          </p:cNvPr>
+          <p:cNvPicPr>
+            <a:picLocks noChangeAspect="1"/>
+          </p:cNvPicPr>
+          <p:nvPr/>
+        </p:nvPicPr>
+        <p:blipFill>
+          <a:blip r:embed="rId6"/>
+          <a:stretch>
+            <a:fillRect/>
+          </a:stretch>
+        </p:blipFill>
+        <p:spPr>
+          <a:xfrm>
+            <a:off x="784922" y="3165538"/>
+            <a:ext cx="2056739" cy="869628"/>
+          </a:xfrm>
+          <a:prstGeom prst="rect">
+            <a:avLst/>
+          </a:prstGeom>
+        </p:spPr>
+      </p:pic>
+      <p:sp>
+        <p:nvSpPr>
+          <p:cNvPr id="11" name="Rectangle 10">
+            <a:extLst>
+              <a:ext uri="{FF2B5EF4-FFF2-40B4-BE49-F238E27FC236}">
+                <a16:creationId xmlns:a16="http://schemas.microsoft.com/office/drawing/2014/main" xmlns="" id="{30DBC704-3387-4A5D-A8E1-6CA6EEB5ADF6}"/>
+              </a:ext>
+            </a:extLst>
+          </p:cNvPr>
+          <p:cNvSpPr/>
+          <p:nvPr/>
+        </p:nvSpPr>
+        <p:spPr>
+          <a:xfrm>
+            <a:off x="182880" y="1450849"/>
+            <a:ext cx="8827008" cy="5035296"/>
+          </a:xfrm>
+          <a:prstGeom prst="rect">
+            <a:avLst/>
+          </a:prstGeom>
+          <a:solidFill>
+            <a:schemeClr val="accent6">
+              <a:lumMod val="40000"/>
+              <a:lumOff val="60000"/>
+              <a:alpha val="93000"/>
+            </a:schemeClr>
+          </a:solidFill>
+          <a:ln>
+            <a:noFill/>
+          </a:ln>
+        </p:spPr>
+        <p:style>
+          <a:lnRef idx="2">
+            <a:schemeClr val="accent1">
+              <a:shade val="50000"/>
+            </a:schemeClr>
+          </a:lnRef>
+          <a:fillRef idx="1">
+            <a:schemeClr val="accent1"/>
+          </a:fillRef>
+          <a:effectRef idx="0">
+            <a:schemeClr val="accent1"/>
+          </a:effectRef>
+          <a:fontRef idx="minor">
+            <a:schemeClr val="lt1"/>
+          </a:fontRef>
+        </p:style>
+        <p:txBody>
+          <a:bodyPr rtlCol="0" anchor="ctr"/>
+          <a:lstStyle/>
+          <a:p>
+            <a:pPr algn="ctr"/>
+            <a:endParaRPr lang="en-US"/>
+          </a:p>
+        </p:txBody>
+      </p:sp>
+      <p:sp>
+        <p:nvSpPr>
+          <p:cNvPr id="12" name="Title 1">
+            <a:extLst>
+              <a:ext uri="{FF2B5EF4-FFF2-40B4-BE49-F238E27FC236}">
+                <a16:creationId xmlns:a16="http://schemas.microsoft.com/office/drawing/2014/main" xmlns="" id="{95A38355-5A7F-4B61-8049-EB7D4C4B3DC5}"/>
+              </a:ext>
+            </a:extLst>
+          </p:cNvPr>
+          <p:cNvSpPr txBox="1">
+            <a:spLocks/>
+          </p:cNvSpPr>
+          <p:nvPr/>
+        </p:nvSpPr>
+        <p:spPr>
+          <a:xfrm>
+            <a:off x="1914144" y="3281046"/>
+            <a:ext cx="5669280" cy="2387600"/>
+          </a:xfrm>
+          <a:prstGeom prst="rect">
+            <a:avLst/>
+          </a:prstGeom>
+        </p:spPr>
+        <p:txBody>
+          <a:bodyPr vert="horz" lIns="91440" tIns="45720" rIns="91440" bIns="45720" rtlCol="0" anchor="ctr">
+            <a:normAutofit lnSpcReduction="10000"/>
           </a:bodyPr>
-          <a:lstStyle/>
-          <a:p>
-            <a:pPr algn="r"/>
-            <a:r>
-              <a:rPr lang="en-US">
+          <a:lstStyle>
+            <a:lvl1pPr algn="l" defTabSz="914400" rtl="0" eaLnBrk="1" latinLnBrk="0" hangingPunct="1">
+              <a:lnSpc>
+                <a:spcPct val="90000"/>
+              </a:lnSpc>
+              <a:spcBef>
+                <a:spcPct val="0"/>
+              </a:spcBef>
+              <a:buNone/>
+              <a:defRPr sz="4400" kern="1200">
+                <a:solidFill>
+                  <a:schemeClr val="tx1"/>
+                </a:solidFill>
+                <a:latin typeface="+mj-lt"/>
+                <a:ea typeface="+mj-ea"/>
+                <a:cs typeface="+mj-cs"/>
+              </a:defRPr>
+            </a:lvl1pPr>
+          </a:lstStyle>
+          <a:p>
+            <a:r>
+              <a:rPr lang="en-US" b="1">
                 <a:solidFill>
                   <a:srgbClr val="002060"/>
                 </a:solidFill>
               </a:rPr>
-              <a:t>(Nadeau and Sakine, 2007)</a:t>
-            </a:r>
+              <a:t>Demonstration of fastText (bag-of-tricks) word embeddings over Twitter data</a:t>
+            </a:r>
+            <a:endParaRPr lang="en-US" b="1" dirty="0">
+              <a:solidFill>
+                <a:srgbClr val="002060"/>
+              </a:solidFill>
+            </a:endParaRPr>
           </a:p>
         </p:txBody>
       </p:sp>
     </p:spTree>
     <p:extLst>
       <p:ext uri="{BB962C8B-B14F-4D97-AF65-F5344CB8AC3E}">
-        <p14:creationId xmlns:p14="http://schemas.microsoft.com/office/powerpoint/2010/main" val="2065855944"/>
+        <p14:creationId xmlns:p14="http://schemas.microsoft.com/office/powerpoint/2010/main" val="772323711"/>
       </p:ext>
     </p:extLst>
   </p:cSld>
@@ -10168,7 +11261,7 @@
           <p:cNvPr id="2" name="Title 1">
             <a:extLst>
               <a:ext uri="{FF2B5EF4-FFF2-40B4-BE49-F238E27FC236}">
-                <a16:creationId xmlns="" xmlns:a16="http://schemas.microsoft.com/office/drawing/2014/main" id="{47E09107-4194-4BB3-9118-E9B9EDF2C558}"/>
+                <a16:creationId xmlns:a16="http://schemas.microsoft.com/office/drawing/2014/main" xmlns="" id="{FECCCB1F-69D0-45C7-9A40-FAC731823900}"/>
               </a:ext>
             </a:extLst>
           </p:cNvPr>
@@ -10179,98 +11272,76 @@
             <p:ph type="title"/>
           </p:nvPr>
         </p:nvSpPr>
-        <p:spPr/>
+        <p:spPr>
+          <a:xfrm>
+            <a:off x="238506" y="365126"/>
+            <a:ext cx="8771382" cy="1325563"/>
+          </a:xfrm>
+        </p:spPr>
         <p:txBody>
           <a:bodyPr/>
           <a:lstStyle/>
           <a:p>
             <a:r>
               <a:rPr lang="en-US"/>
-              <a:t>Entity Extraction aka Named Entity Recognition (NER)</a:t>
-            </a:r>
-          </a:p>
-        </p:txBody>
-      </p:sp>
-      <p:sp>
-        <p:nvSpPr>
-          <p:cNvPr id="7" name="Content Placeholder 6">
+              <a:t>Powerful Tools and Packages Available</a:t>
+            </a:r>
+          </a:p>
+        </p:txBody>
+      </p:sp>
+      <p:pic>
+        <p:nvPicPr>
+          <p:cNvPr id="2050" name="Picture 2" descr="Image result for spacy ner">
             <a:extLst>
               <a:ext uri="{FF2B5EF4-FFF2-40B4-BE49-F238E27FC236}">
-                <a16:creationId xmlns="" xmlns:a16="http://schemas.microsoft.com/office/drawing/2014/main" id="{55AA5913-BC8F-49AE-83AD-A535765E7CC1}"/>
+                <a16:creationId xmlns:a16="http://schemas.microsoft.com/office/drawing/2014/main" xmlns="" id="{BF8CE563-B98B-4D8B-85DB-9319C6BB3BD6}"/>
               </a:ext>
             </a:extLst>
           </p:cNvPr>
-          <p:cNvSpPr>
-            <a:spLocks noGrp="1"/>
-          </p:cNvSpPr>
-          <p:nvPr>
-            <p:ph idx="1"/>
-          </p:nvPr>
-        </p:nvSpPr>
-        <p:spPr>
-          <a:xfrm>
-            <a:off x="628650" y="1825625"/>
-            <a:ext cx="8600694" cy="4351338"/>
-          </a:xfrm>
-        </p:spPr>
-        <p:txBody>
-          <a:bodyPr/>
-          <a:lstStyle/>
-          <a:p>
-            <a:r>
-              <a:rPr lang="en-US"/>
-              <a:t>NER is </a:t>
-            </a:r>
-            <a:r>
-              <a:rPr lang="en-US">
+          <p:cNvPicPr>
+            <a:picLocks noChangeAspect="1" noChangeArrowheads="1"/>
+          </p:cNvPicPr>
+          <p:nvPr/>
+        </p:nvPicPr>
+        <p:blipFill>
+          <a:blip r:embed="rId2">
+            <a:extLst>
+              <a:ext uri="{28A0092B-C50C-407E-A947-70E740481C1C}">
+                <a14:useLocalDpi xmlns:a14="http://schemas.microsoft.com/office/drawing/2010/main" val="0"/>
+              </a:ext>
+            </a:extLst>
+          </a:blip>
+          <a:srcRect/>
+          <a:stretch>
+            <a:fillRect/>
+          </a:stretch>
+        </p:blipFill>
+        <p:spPr bwMode="auto">
+          <a:xfrm>
+            <a:off x="829056" y="2029447"/>
+            <a:ext cx="3962400" cy="2066330"/>
+          </a:xfrm>
+          <a:prstGeom prst="rect">
+            <a:avLst/>
+          </a:prstGeom>
+          <a:noFill/>
+          <a:extLst>
+            <a:ext uri="{909E8E84-426E-40DD-AFC4-6F175D3DCCD1}">
+              <a14:hiddenFill xmlns:a14="http://schemas.microsoft.com/office/drawing/2010/main">
                 <a:solidFill>
-                  <a:srgbClr val="FF0000"/>
+                  <a:srgbClr val="FFFFFF"/>
                 </a:solidFill>
-              </a:rPr>
-              <a:t>a classic problem </a:t>
-            </a:r>
-            <a:r>
-              <a:rPr lang="en-US"/>
-              <a:t>in the Natural Language Processing (NLP) literature</a:t>
-            </a:r>
-          </a:p>
-          <a:p>
-            <a:pPr lvl="1"/>
-            <a:r>
-              <a:rPr lang="en-US"/>
-              <a:t>Decades of research, with recent methods including deep learning and zero-shot learning</a:t>
-            </a:r>
-          </a:p>
-          <a:p>
-            <a:r>
-              <a:rPr lang="en-US">
-                <a:solidFill>
-                  <a:srgbClr val="FF0000"/>
-                </a:solidFill>
-              </a:rPr>
-              <a:t>Social media </a:t>
-            </a:r>
-            <a:r>
-              <a:rPr lang="en-US"/>
-              <a:t>involves some unique challenges for NER due to </a:t>
-            </a:r>
-            <a:r>
-              <a:rPr lang="en-US">
-                <a:solidFill>
-                  <a:srgbClr val="FF0000"/>
-                </a:solidFill>
-              </a:rPr>
-              <a:t>irregular text</a:t>
-            </a:r>
-          </a:p>
-        </p:txBody>
-      </p:sp>
+              </a14:hiddenFill>
+            </a:ext>
+          </a:extLst>
+        </p:spPr>
+      </p:pic>
       <p:pic>
         <p:nvPicPr>
-          <p:cNvPr id="9" name="Picture 8">
+          <p:cNvPr id="7" name="Picture 6">
             <a:extLst>
               <a:ext uri="{FF2B5EF4-FFF2-40B4-BE49-F238E27FC236}">
-                <a16:creationId xmlns="" xmlns:a16="http://schemas.microsoft.com/office/drawing/2014/main" id="{E1DD3FFF-CBA4-4672-8CFC-76ADC6C35748}"/>
+                <a16:creationId xmlns:a16="http://schemas.microsoft.com/office/drawing/2014/main" xmlns="" id="{C9D1664F-3E2D-44D1-869B-2D54C62EACC8}"/>
               </a:ext>
             </a:extLst>
           </p:cNvPr>
@@ -10280,65 +11351,145 @@
           <p:nvPr/>
         </p:nvPicPr>
         <p:blipFill>
-          <a:blip r:embed="rId2"/>
+          <a:blip r:embed="rId3"/>
           <a:stretch>
             <a:fillRect/>
           </a:stretch>
         </p:blipFill>
         <p:spPr>
           <a:xfrm>
-            <a:off x="2395465" y="4489704"/>
-            <a:ext cx="5096431" cy="2179320"/>
+            <a:off x="4005262" y="4565120"/>
+            <a:ext cx="4090226" cy="2130600"/>
           </a:xfrm>
           <a:prstGeom prst="rect">
             <a:avLst/>
           </a:prstGeom>
         </p:spPr>
       </p:pic>
-      <p:sp>
-        <p:nvSpPr>
-          <p:cNvPr id="11" name="TextBox 10">
+      <p:pic>
+        <p:nvPicPr>
+          <p:cNvPr id="8" name="Picture 7">
             <a:extLst>
               <a:ext uri="{FF2B5EF4-FFF2-40B4-BE49-F238E27FC236}">
-                <a16:creationId xmlns="" xmlns:a16="http://schemas.microsoft.com/office/drawing/2014/main" id="{E85CB4B4-ABDB-482D-B80B-413EB31EB1B1}"/>
+                <a16:creationId xmlns:a16="http://schemas.microsoft.com/office/drawing/2014/main" xmlns="" id="{7DEDEEDD-DFDA-43E7-BDEF-132D6284F67E}"/>
               </a:ext>
             </a:extLst>
           </p:cNvPr>
-          <p:cNvSpPr txBox="1"/>
+          <p:cNvPicPr>
+            <a:picLocks noChangeAspect="1"/>
+          </p:cNvPicPr>
           <p:nvPr/>
-        </p:nvSpPr>
-        <p:spPr>
-          <a:xfrm>
-            <a:off x="6475476" y="6484358"/>
-            <a:ext cx="2668524" cy="369332"/>
+        </p:nvPicPr>
+        <p:blipFill>
+          <a:blip r:embed="rId4"/>
+          <a:stretch>
+            <a:fillRect/>
+          </a:stretch>
+        </p:blipFill>
+        <p:spPr>
+          <a:xfrm>
+            <a:off x="505968" y="3730017"/>
+            <a:ext cx="3284692" cy="2463519"/>
           </a:xfrm>
           <a:prstGeom prst="rect">
             <a:avLst/>
           </a:prstGeom>
-          <a:noFill/>
-        </p:spPr>
-        <p:txBody>
-          <a:bodyPr wrap="square" rtlCol="0">
-            <a:spAutoFit/>
-          </a:bodyPr>
-          <a:lstStyle/>
-          <a:p>
-            <a:pPr algn="r"/>
-            <a:r>
-              <a:rPr lang="en-US">
-                <a:solidFill>
-                  <a:srgbClr val="002060"/>
-                </a:solidFill>
-              </a:rPr>
-              <a:t>(Ritter et al., 2011)</a:t>
-            </a:r>
-          </a:p>
-        </p:txBody>
-      </p:sp>
+        </p:spPr>
+      </p:pic>
+      <p:pic>
+        <p:nvPicPr>
+          <p:cNvPr id="9" name="Picture 8">
+            <a:extLst>
+              <a:ext uri="{FF2B5EF4-FFF2-40B4-BE49-F238E27FC236}">
+                <a16:creationId xmlns:a16="http://schemas.microsoft.com/office/drawing/2014/main" xmlns="" id="{5BF4D1C3-2098-4FA9-9AE9-B6310FFD0382}"/>
+              </a:ext>
+            </a:extLst>
+          </p:cNvPr>
+          <p:cNvPicPr>
+            <a:picLocks noChangeAspect="1"/>
+          </p:cNvPicPr>
+          <p:nvPr/>
+        </p:nvPicPr>
+        <p:blipFill>
+          <a:blip r:embed="rId5"/>
+          <a:stretch>
+            <a:fillRect/>
+          </a:stretch>
+        </p:blipFill>
+        <p:spPr>
+          <a:xfrm>
+            <a:off x="4274112" y="2602471"/>
+            <a:ext cx="1757118" cy="1757118"/>
+          </a:xfrm>
+          <a:prstGeom prst="rect">
+            <a:avLst/>
+          </a:prstGeom>
+        </p:spPr>
+      </p:pic>
+      <p:pic>
+        <p:nvPicPr>
+          <p:cNvPr id="10" name="Picture 9">
+            <a:extLst>
+              <a:ext uri="{FF2B5EF4-FFF2-40B4-BE49-F238E27FC236}">
+                <a16:creationId xmlns:a16="http://schemas.microsoft.com/office/drawing/2014/main" xmlns="" id="{F6D94560-CDCC-433E-9834-5916B450239B}"/>
+              </a:ext>
+            </a:extLst>
+          </p:cNvPr>
+          <p:cNvPicPr>
+            <a:picLocks noChangeAspect="1"/>
+          </p:cNvPicPr>
+          <p:nvPr/>
+        </p:nvPicPr>
+        <p:blipFill>
+          <a:blip r:embed="rId6"/>
+          <a:stretch>
+            <a:fillRect/>
+          </a:stretch>
+        </p:blipFill>
+        <p:spPr>
+          <a:xfrm>
+            <a:off x="6567678" y="3299670"/>
+            <a:ext cx="2442210" cy="1059919"/>
+          </a:xfrm>
+          <a:prstGeom prst="rect">
+            <a:avLst/>
+          </a:prstGeom>
+        </p:spPr>
+      </p:pic>
+      <p:pic>
+        <p:nvPicPr>
+          <p:cNvPr id="11" name="Picture 10">
+            <a:extLst>
+              <a:ext uri="{FF2B5EF4-FFF2-40B4-BE49-F238E27FC236}">
+                <a16:creationId xmlns:a16="http://schemas.microsoft.com/office/drawing/2014/main" xmlns="" id="{CBF3A1EB-BA6B-484A-AA20-176F12D326FF}"/>
+              </a:ext>
+            </a:extLst>
+          </p:cNvPr>
+          <p:cNvPicPr>
+            <a:picLocks noChangeAspect="1"/>
+          </p:cNvPicPr>
+          <p:nvPr/>
+        </p:nvPicPr>
+        <p:blipFill>
+          <a:blip r:embed="rId7"/>
+          <a:stretch>
+            <a:fillRect/>
+          </a:stretch>
+        </p:blipFill>
+        <p:spPr>
+          <a:xfrm>
+            <a:off x="5903770" y="1342696"/>
+            <a:ext cx="3106118" cy="1619960"/>
+          </a:xfrm>
+          <a:prstGeom prst="rect">
+            <a:avLst/>
+          </a:prstGeom>
+        </p:spPr>
+      </p:pic>
     </p:spTree>
     <p:extLst>
       <p:ext uri="{BB962C8B-B14F-4D97-AF65-F5344CB8AC3E}">
-        <p14:creationId xmlns:p14="http://schemas.microsoft.com/office/powerpoint/2010/main" val="2107494425"/>
+        <p14:creationId xmlns:p14="http://schemas.microsoft.com/office/powerpoint/2010/main" val="3794578787"/>
       </p:ext>
     </p:extLst>
   </p:cSld>
@@ -10377,7 +11528,7 @@
           <p:cNvPr id="2" name="Title 1">
             <a:extLst>
               <a:ext uri="{FF2B5EF4-FFF2-40B4-BE49-F238E27FC236}">
-                <a16:creationId xmlns="" xmlns:a16="http://schemas.microsoft.com/office/drawing/2014/main" id="{A686F44C-1A70-4DDC-B6C1-F78384CF90BF}"/>
+                <a16:creationId xmlns:a16="http://schemas.microsoft.com/office/drawing/2014/main" xmlns="" id="{D6B083CC-4209-47D3-8AFB-A755190E41BB}"/>
               </a:ext>
             </a:extLst>
           </p:cNvPr>
@@ -10390,22 +11541,24 @@
         </p:nvSpPr>
         <p:spPr/>
         <p:txBody>
-          <a:bodyPr/>
+          <a:bodyPr>
+            <a:normAutofit/>
+          </a:bodyPr>
           <a:lstStyle/>
           <a:p>
             <a:r>
               <a:rPr lang="en-US"/>
-              <a:t>Relevance to Crisis Informatics</a:t>
-            </a:r>
-          </a:p>
-        </p:txBody>
-      </p:sp>
-      <p:sp>
-        <p:nvSpPr>
-          <p:cNvPr id="3" name="Content Placeholder 2">
+              <a:t>Observation: Off-the-shelf NER is Inadequate for Social Media</a:t>
+            </a:r>
+          </a:p>
+        </p:txBody>
+      </p:sp>
+      <p:sp>
+        <p:nvSpPr>
+          <p:cNvPr id="9" name="Content Placeholder 8">
             <a:extLst>
               <a:ext uri="{FF2B5EF4-FFF2-40B4-BE49-F238E27FC236}">
-                <a16:creationId xmlns="" xmlns:a16="http://schemas.microsoft.com/office/drawing/2014/main" id="{0E3B6853-3F6F-4F58-A37E-45DAEC469477}"/>
+                <a16:creationId xmlns:a16="http://schemas.microsoft.com/office/drawing/2014/main" xmlns="" id="{B1ED2A46-1714-4043-8859-0515A435A3E5}"/>
               </a:ext>
             </a:extLst>
           </p:cNvPr>
@@ -10416,28 +11569,75 @@
             <p:ph idx="1"/>
           </p:nvPr>
         </p:nvSpPr>
-        <p:spPr/>
+        <p:spPr>
+          <a:xfrm>
+            <a:off x="609600" y="1825625"/>
+            <a:ext cx="7886700" cy="4351338"/>
+          </a:xfrm>
+        </p:spPr>
         <p:txBody>
           <a:bodyPr/>
           <a:lstStyle/>
           <a:p>
             <a:r>
               <a:rPr lang="en-US"/>
-              <a:t>Many named entities mentioned in tweets and other social media</a:t>
-            </a:r>
-          </a:p>
-          <a:p>
-            <a:pPr lvl="1"/>
-            <a:endParaRPr lang="en-US"/>
+              <a:t>Example: Stanford NER (off-the-shelf) vs. T-SEG (a Twitter-specific NER tool)</a:t>
+            </a:r>
+          </a:p>
+          <a:p>
+            <a:r>
+              <a:rPr lang="en-US"/>
+              <a:t>P, R and F1 below stand for Precision, Recall and F1-Measure resp. </a:t>
+            </a:r>
+          </a:p>
+        </p:txBody>
+      </p:sp>
+      <p:sp>
+        <p:nvSpPr>
+          <p:cNvPr id="10" name="TextBox 9">
+            <a:extLst>
+              <a:ext uri="{FF2B5EF4-FFF2-40B4-BE49-F238E27FC236}">
+                <a16:creationId xmlns:a16="http://schemas.microsoft.com/office/drawing/2014/main" xmlns="" id="{56F30D90-CBA2-46EA-91F2-0573C998920B}"/>
+              </a:ext>
+            </a:extLst>
+          </p:cNvPr>
+          <p:cNvSpPr txBox="1"/>
+          <p:nvPr/>
+        </p:nvSpPr>
+        <p:spPr>
+          <a:xfrm>
+            <a:off x="6400800" y="6361629"/>
+            <a:ext cx="2668524" cy="369332"/>
+          </a:xfrm>
+          <a:prstGeom prst="rect">
+            <a:avLst/>
+          </a:prstGeom>
+          <a:noFill/>
+        </p:spPr>
+        <p:txBody>
+          <a:bodyPr wrap="square" rtlCol="0">
+            <a:spAutoFit/>
+          </a:bodyPr>
+          <a:lstStyle/>
+          <a:p>
+            <a:pPr algn="r"/>
+            <a:r>
+              <a:rPr lang="en-US">
+                <a:solidFill>
+                  <a:srgbClr val="002060"/>
+                </a:solidFill>
+              </a:rPr>
+              <a:t>(Ritter et al., 2011)</a:t>
+            </a:r>
           </a:p>
         </p:txBody>
       </p:sp>
       <p:pic>
         <p:nvPicPr>
-          <p:cNvPr id="5" name="Picture 4">
+          <p:cNvPr id="11" name="Picture 10">
             <a:extLst>
               <a:ext uri="{FF2B5EF4-FFF2-40B4-BE49-F238E27FC236}">
-                <a16:creationId xmlns="" xmlns:a16="http://schemas.microsoft.com/office/drawing/2014/main" id="{F6A73548-AD6F-4936-98C2-4C8F902EFAF3}"/>
+                <a16:creationId xmlns:a16="http://schemas.microsoft.com/office/drawing/2014/main" xmlns="" id="{139CD10C-D795-43F9-9BE2-0158C5C25AF2}"/>
               </a:ext>
             </a:extLst>
           </p:cNvPr>
@@ -10454,620 +11654,18 @@
         </p:blipFill>
         <p:spPr>
           <a:xfrm>
-            <a:off x="316230" y="2979420"/>
-            <a:ext cx="8628126" cy="1287780"/>
+            <a:off x="1006602" y="3473196"/>
+            <a:ext cx="7090456" cy="2435543"/>
           </a:xfrm>
           <a:prstGeom prst="rect">
             <a:avLst/>
           </a:prstGeom>
         </p:spPr>
       </p:pic>
-      <p:pic>
-        <p:nvPicPr>
-          <p:cNvPr id="6" name="Picture 5">
-            <a:extLst>
-              <a:ext uri="{FF2B5EF4-FFF2-40B4-BE49-F238E27FC236}">
-                <a16:creationId xmlns="" xmlns:a16="http://schemas.microsoft.com/office/drawing/2014/main" id="{816EC7DE-502D-4D73-9E1E-0919F80BA181}"/>
-              </a:ext>
-            </a:extLst>
-          </p:cNvPr>
-          <p:cNvPicPr>
-            <a:picLocks noChangeAspect="1"/>
-          </p:cNvPicPr>
-          <p:nvPr/>
-        </p:nvPicPr>
-        <p:blipFill>
-          <a:blip r:embed="rId3"/>
-          <a:stretch>
-            <a:fillRect/>
-          </a:stretch>
-        </p:blipFill>
-        <p:spPr>
-          <a:xfrm>
-            <a:off x="565149" y="4801298"/>
-            <a:ext cx="8045451" cy="1034260"/>
-          </a:xfrm>
-          <a:prstGeom prst="rect">
-            <a:avLst/>
-          </a:prstGeom>
-        </p:spPr>
-      </p:pic>
-      <p:sp>
-        <p:nvSpPr>
-          <p:cNvPr id="7" name="Rectangle 6">
-            <a:extLst>
-              <a:ext uri="{FF2B5EF4-FFF2-40B4-BE49-F238E27FC236}">
-                <a16:creationId xmlns="" xmlns:a16="http://schemas.microsoft.com/office/drawing/2014/main" id="{D5E7CCDA-0121-422A-A1C4-E09689454311}"/>
-              </a:ext>
-            </a:extLst>
-          </p:cNvPr>
-          <p:cNvSpPr/>
-          <p:nvPr/>
-        </p:nvSpPr>
-        <p:spPr>
-          <a:xfrm>
-            <a:off x="97536" y="2730500"/>
-            <a:ext cx="639064" cy="3446463"/>
-          </a:xfrm>
-          <a:prstGeom prst="rect">
-            <a:avLst/>
-          </a:prstGeom>
-          <a:solidFill>
-            <a:schemeClr val="bg1"/>
-          </a:solidFill>
-          <a:ln>
-            <a:noFill/>
-          </a:ln>
-        </p:spPr>
-        <p:style>
-          <a:lnRef idx="2">
-            <a:schemeClr val="accent1">
-              <a:shade val="50000"/>
-            </a:schemeClr>
-          </a:lnRef>
-          <a:fillRef idx="1">
-            <a:schemeClr val="accent1"/>
-          </a:fillRef>
-          <a:effectRef idx="0">
-            <a:schemeClr val="accent1"/>
-          </a:effectRef>
-          <a:fontRef idx="minor">
-            <a:schemeClr val="lt1"/>
-          </a:fontRef>
-        </p:style>
-        <p:txBody>
-          <a:bodyPr rtlCol="0" anchor="ctr"/>
-          <a:lstStyle/>
-          <a:p>
-            <a:pPr algn="ctr"/>
-            <a:endParaRPr lang="en-US"/>
-          </a:p>
-        </p:txBody>
-      </p:sp>
-      <p:sp>
-        <p:nvSpPr>
-          <p:cNvPr id="8" name="Rectangle 7">
-            <a:extLst>
-              <a:ext uri="{FF2B5EF4-FFF2-40B4-BE49-F238E27FC236}">
-                <a16:creationId xmlns="" xmlns:a16="http://schemas.microsoft.com/office/drawing/2014/main" id="{5A1D2F74-D1A6-4348-BEE6-51AADC969511}"/>
-              </a:ext>
-            </a:extLst>
-          </p:cNvPr>
-          <p:cNvSpPr/>
-          <p:nvPr/>
-        </p:nvSpPr>
-        <p:spPr>
-          <a:xfrm>
-            <a:off x="8515350" y="2730500"/>
-            <a:ext cx="533400" cy="3446463"/>
-          </a:xfrm>
-          <a:prstGeom prst="rect">
-            <a:avLst/>
-          </a:prstGeom>
-          <a:solidFill>
-            <a:schemeClr val="bg1"/>
-          </a:solidFill>
-          <a:ln>
-            <a:noFill/>
-          </a:ln>
-        </p:spPr>
-        <p:style>
-          <a:lnRef idx="2">
-            <a:schemeClr val="accent1">
-              <a:shade val="50000"/>
-            </a:schemeClr>
-          </a:lnRef>
-          <a:fillRef idx="1">
-            <a:schemeClr val="accent1"/>
-          </a:fillRef>
-          <a:effectRef idx="0">
-            <a:schemeClr val="accent1"/>
-          </a:effectRef>
-          <a:fontRef idx="minor">
-            <a:schemeClr val="lt1"/>
-          </a:fontRef>
-        </p:style>
-        <p:txBody>
-          <a:bodyPr rtlCol="0" anchor="ctr"/>
-          <a:lstStyle/>
-          <a:p>
-            <a:pPr algn="ctr"/>
-            <a:endParaRPr lang="en-US"/>
-          </a:p>
-        </p:txBody>
-      </p:sp>
-      <p:sp>
-        <p:nvSpPr>
-          <p:cNvPr id="9" name="Rectangle 8">
-            <a:extLst>
-              <a:ext uri="{FF2B5EF4-FFF2-40B4-BE49-F238E27FC236}">
-                <a16:creationId xmlns="" xmlns:a16="http://schemas.microsoft.com/office/drawing/2014/main" id="{F3E9BCA7-2E67-459E-BD66-6F6B6967B217}"/>
-              </a:ext>
-            </a:extLst>
-          </p:cNvPr>
-          <p:cNvSpPr/>
-          <p:nvPr/>
-        </p:nvSpPr>
-        <p:spPr>
-          <a:xfrm rot="5400000">
-            <a:off x="4417830" y="-1267053"/>
-            <a:ext cx="362858" cy="8357967"/>
-          </a:xfrm>
-          <a:prstGeom prst="rect">
-            <a:avLst/>
-          </a:prstGeom>
-          <a:solidFill>
-            <a:schemeClr val="bg1"/>
-          </a:solidFill>
-          <a:ln>
-            <a:noFill/>
-          </a:ln>
-        </p:spPr>
-        <p:style>
-          <a:lnRef idx="2">
-            <a:schemeClr val="accent1">
-              <a:shade val="50000"/>
-            </a:schemeClr>
-          </a:lnRef>
-          <a:fillRef idx="1">
-            <a:schemeClr val="accent1"/>
-          </a:fillRef>
-          <a:effectRef idx="0">
-            <a:schemeClr val="accent1"/>
-          </a:effectRef>
-          <a:fontRef idx="minor">
-            <a:schemeClr val="lt1"/>
-          </a:fontRef>
-        </p:style>
-        <p:txBody>
-          <a:bodyPr rtlCol="0" anchor="ctr"/>
-          <a:lstStyle/>
-          <a:p>
-            <a:pPr algn="ctr"/>
-            <a:endParaRPr lang="en-US"/>
-          </a:p>
-        </p:txBody>
-      </p:sp>
-      <p:sp>
-        <p:nvSpPr>
-          <p:cNvPr id="10" name="Rectangle 9">
-            <a:extLst>
-              <a:ext uri="{FF2B5EF4-FFF2-40B4-BE49-F238E27FC236}">
-                <a16:creationId xmlns="" xmlns:a16="http://schemas.microsoft.com/office/drawing/2014/main" id="{D5A862B6-C16B-47F8-9F98-8F8A4A4AD4AC}"/>
-              </a:ext>
-            </a:extLst>
-          </p:cNvPr>
-          <p:cNvSpPr/>
-          <p:nvPr/>
-        </p:nvSpPr>
-        <p:spPr>
-          <a:xfrm>
-            <a:off x="5425440" y="3633216"/>
-            <a:ext cx="1914144" cy="274320"/>
-          </a:xfrm>
-          <a:prstGeom prst="rect">
-            <a:avLst/>
-          </a:prstGeom>
-          <a:noFill/>
-          <a:ln w="38100">
-            <a:solidFill>
-              <a:srgbClr val="FF0000"/>
-            </a:solidFill>
-          </a:ln>
-        </p:spPr>
-        <p:style>
-          <a:lnRef idx="2">
-            <a:schemeClr val="accent1">
-              <a:shade val="50000"/>
-            </a:schemeClr>
-          </a:lnRef>
-          <a:fillRef idx="1">
-            <a:schemeClr val="accent1"/>
-          </a:fillRef>
-          <a:effectRef idx="0">
-            <a:schemeClr val="accent1"/>
-          </a:effectRef>
-          <a:fontRef idx="minor">
-            <a:schemeClr val="lt1"/>
-          </a:fontRef>
-        </p:style>
-        <p:txBody>
-          <a:bodyPr rtlCol="0" anchor="ctr"/>
-          <a:lstStyle/>
-          <a:p>
-            <a:pPr algn="ctr"/>
-            <a:endParaRPr lang="en-US"/>
-          </a:p>
-        </p:txBody>
-      </p:sp>
-      <p:sp>
-        <p:nvSpPr>
-          <p:cNvPr id="11" name="Rectangle 10">
-            <a:extLst>
-              <a:ext uri="{FF2B5EF4-FFF2-40B4-BE49-F238E27FC236}">
-                <a16:creationId xmlns="" xmlns:a16="http://schemas.microsoft.com/office/drawing/2014/main" id="{FE63E471-40E4-41B6-978E-01DC7E7378BD}"/>
-              </a:ext>
-            </a:extLst>
-          </p:cNvPr>
-          <p:cNvSpPr/>
-          <p:nvPr/>
-        </p:nvSpPr>
-        <p:spPr>
-          <a:xfrm>
-            <a:off x="1932432" y="3907536"/>
-            <a:ext cx="1432560" cy="304800"/>
-          </a:xfrm>
-          <a:prstGeom prst="rect">
-            <a:avLst/>
-          </a:prstGeom>
-          <a:noFill/>
-          <a:ln w="38100">
-            <a:solidFill>
-              <a:srgbClr val="FF0000"/>
-            </a:solidFill>
-          </a:ln>
-        </p:spPr>
-        <p:style>
-          <a:lnRef idx="2">
-            <a:schemeClr val="accent1">
-              <a:shade val="50000"/>
-            </a:schemeClr>
-          </a:lnRef>
-          <a:fillRef idx="1">
-            <a:schemeClr val="accent1"/>
-          </a:fillRef>
-          <a:effectRef idx="0">
-            <a:schemeClr val="accent1"/>
-          </a:effectRef>
-          <a:fontRef idx="minor">
-            <a:schemeClr val="lt1"/>
-          </a:fontRef>
-        </p:style>
-        <p:txBody>
-          <a:bodyPr rtlCol="0" anchor="ctr"/>
-          <a:lstStyle/>
-          <a:p>
-            <a:pPr algn="ctr"/>
-            <a:endParaRPr lang="en-US"/>
-          </a:p>
-        </p:txBody>
-      </p:sp>
-      <p:sp>
-        <p:nvSpPr>
-          <p:cNvPr id="12" name="Rectangle 11">
-            <a:extLst>
-              <a:ext uri="{FF2B5EF4-FFF2-40B4-BE49-F238E27FC236}">
-                <a16:creationId xmlns="" xmlns:a16="http://schemas.microsoft.com/office/drawing/2014/main" id="{2D17F17B-A4FB-4D72-A311-593B770633CD}"/>
-              </a:ext>
-            </a:extLst>
-          </p:cNvPr>
-          <p:cNvSpPr/>
-          <p:nvPr/>
-        </p:nvSpPr>
-        <p:spPr>
-          <a:xfrm>
-            <a:off x="4279392" y="3895344"/>
-            <a:ext cx="573024" cy="304800"/>
-          </a:xfrm>
-          <a:prstGeom prst="rect">
-            <a:avLst/>
-          </a:prstGeom>
-          <a:noFill/>
-          <a:ln w="38100">
-            <a:solidFill>
-              <a:srgbClr val="FF0000"/>
-            </a:solidFill>
-          </a:ln>
-        </p:spPr>
-        <p:style>
-          <a:lnRef idx="2">
-            <a:schemeClr val="accent1">
-              <a:shade val="50000"/>
-            </a:schemeClr>
-          </a:lnRef>
-          <a:fillRef idx="1">
-            <a:schemeClr val="accent1"/>
-          </a:fillRef>
-          <a:effectRef idx="0">
-            <a:schemeClr val="accent1"/>
-          </a:effectRef>
-          <a:fontRef idx="minor">
-            <a:schemeClr val="lt1"/>
-          </a:fontRef>
-        </p:style>
-        <p:txBody>
-          <a:bodyPr rtlCol="0" anchor="ctr"/>
-          <a:lstStyle/>
-          <a:p>
-            <a:pPr algn="ctr"/>
-            <a:endParaRPr lang="en-US"/>
-          </a:p>
-        </p:txBody>
-      </p:sp>
-      <p:sp>
-        <p:nvSpPr>
-          <p:cNvPr id="13" name="Rectangle 12">
-            <a:extLst>
-              <a:ext uri="{FF2B5EF4-FFF2-40B4-BE49-F238E27FC236}">
-                <a16:creationId xmlns="" xmlns:a16="http://schemas.microsoft.com/office/drawing/2014/main" id="{124121EA-6AD7-4BA9-8A91-CD68E3806E19}"/>
-              </a:ext>
-            </a:extLst>
-          </p:cNvPr>
-          <p:cNvSpPr/>
-          <p:nvPr/>
-        </p:nvSpPr>
-        <p:spPr>
-          <a:xfrm>
-            <a:off x="4852416" y="3938016"/>
-            <a:ext cx="1341120" cy="262128"/>
-          </a:xfrm>
-          <a:prstGeom prst="rect">
-            <a:avLst/>
-          </a:prstGeom>
-          <a:noFill/>
-          <a:ln w="38100">
-            <a:solidFill>
-              <a:srgbClr val="FF0000"/>
-            </a:solidFill>
-          </a:ln>
-        </p:spPr>
-        <p:style>
-          <a:lnRef idx="2">
-            <a:schemeClr val="accent1">
-              <a:shade val="50000"/>
-            </a:schemeClr>
-          </a:lnRef>
-          <a:fillRef idx="1">
-            <a:schemeClr val="accent1"/>
-          </a:fillRef>
-          <a:effectRef idx="0">
-            <a:schemeClr val="accent1"/>
-          </a:effectRef>
-          <a:fontRef idx="minor">
-            <a:schemeClr val="lt1"/>
-          </a:fontRef>
-        </p:style>
-        <p:txBody>
-          <a:bodyPr rtlCol="0" anchor="ctr"/>
-          <a:lstStyle/>
-          <a:p>
-            <a:pPr algn="ctr"/>
-            <a:endParaRPr lang="en-US"/>
-          </a:p>
-        </p:txBody>
-      </p:sp>
-      <p:sp>
-        <p:nvSpPr>
-          <p:cNvPr id="14" name="Rectangle 13">
-            <a:extLst>
-              <a:ext uri="{FF2B5EF4-FFF2-40B4-BE49-F238E27FC236}">
-                <a16:creationId xmlns="" xmlns:a16="http://schemas.microsoft.com/office/drawing/2014/main" id="{47862579-EB7B-4D1D-BA56-6F323EDBA8AC}"/>
-              </a:ext>
-            </a:extLst>
-          </p:cNvPr>
-          <p:cNvSpPr/>
-          <p:nvPr/>
-        </p:nvSpPr>
-        <p:spPr>
-          <a:xfrm>
-            <a:off x="1499616" y="5181600"/>
-            <a:ext cx="1524000" cy="304800"/>
-          </a:xfrm>
-          <a:prstGeom prst="rect">
-            <a:avLst/>
-          </a:prstGeom>
-          <a:noFill/>
-          <a:ln w="38100">
-            <a:solidFill>
-              <a:srgbClr val="FF0000"/>
-            </a:solidFill>
-          </a:ln>
-        </p:spPr>
-        <p:style>
-          <a:lnRef idx="2">
-            <a:schemeClr val="accent1">
-              <a:shade val="50000"/>
-            </a:schemeClr>
-          </a:lnRef>
-          <a:fillRef idx="1">
-            <a:schemeClr val="accent1"/>
-          </a:fillRef>
-          <a:effectRef idx="0">
-            <a:schemeClr val="accent1"/>
-          </a:effectRef>
-          <a:fontRef idx="minor">
-            <a:schemeClr val="lt1"/>
-          </a:fontRef>
-        </p:style>
-        <p:txBody>
-          <a:bodyPr rtlCol="0" anchor="ctr"/>
-          <a:lstStyle/>
-          <a:p>
-            <a:pPr algn="ctr"/>
-            <a:endParaRPr lang="en-US"/>
-          </a:p>
-        </p:txBody>
-      </p:sp>
-      <p:sp>
-        <p:nvSpPr>
-          <p:cNvPr id="15" name="Rectangle 14">
-            <a:extLst>
-              <a:ext uri="{FF2B5EF4-FFF2-40B4-BE49-F238E27FC236}">
-                <a16:creationId xmlns="" xmlns:a16="http://schemas.microsoft.com/office/drawing/2014/main" id="{22BFF930-DFB6-4A85-A24D-4531F112F1E0}"/>
-              </a:ext>
-            </a:extLst>
-          </p:cNvPr>
-          <p:cNvSpPr/>
-          <p:nvPr/>
-        </p:nvSpPr>
-        <p:spPr>
-          <a:xfrm>
-            <a:off x="4419600" y="5468112"/>
-            <a:ext cx="1773936" cy="304800"/>
-          </a:xfrm>
-          <a:prstGeom prst="rect">
-            <a:avLst/>
-          </a:prstGeom>
-          <a:noFill/>
-          <a:ln w="38100">
-            <a:solidFill>
-              <a:srgbClr val="FF0000"/>
-            </a:solidFill>
-          </a:ln>
-        </p:spPr>
-        <p:style>
-          <a:lnRef idx="2">
-            <a:schemeClr val="accent1">
-              <a:shade val="50000"/>
-            </a:schemeClr>
-          </a:lnRef>
-          <a:fillRef idx="1">
-            <a:schemeClr val="accent1"/>
-          </a:fillRef>
-          <a:effectRef idx="0">
-            <a:schemeClr val="accent1"/>
-          </a:effectRef>
-          <a:fontRef idx="minor">
-            <a:schemeClr val="lt1"/>
-          </a:fontRef>
-        </p:style>
-        <p:txBody>
-          <a:bodyPr rtlCol="0" anchor="ctr"/>
-          <a:lstStyle/>
-          <a:p>
-            <a:pPr algn="ctr"/>
-            <a:endParaRPr lang="en-US"/>
-          </a:p>
-        </p:txBody>
-      </p:sp>
-      <p:sp>
-        <p:nvSpPr>
-          <p:cNvPr id="16" name="Rectangle 15">
-            <a:extLst>
-              <a:ext uri="{FF2B5EF4-FFF2-40B4-BE49-F238E27FC236}">
-                <a16:creationId xmlns="" xmlns:a16="http://schemas.microsoft.com/office/drawing/2014/main" id="{B91AD430-A92C-40AB-8EF1-E27C29877604}"/>
-              </a:ext>
-            </a:extLst>
-          </p:cNvPr>
-          <p:cNvSpPr/>
-          <p:nvPr/>
-        </p:nvSpPr>
-        <p:spPr>
-          <a:xfrm>
-            <a:off x="4538472" y="5181600"/>
-            <a:ext cx="1935480" cy="286512"/>
-          </a:xfrm>
-          <a:prstGeom prst="rect">
-            <a:avLst/>
-          </a:prstGeom>
-          <a:noFill/>
-          <a:ln w="38100">
-            <a:solidFill>
-              <a:srgbClr val="FF0000"/>
-            </a:solidFill>
-          </a:ln>
-        </p:spPr>
-        <p:style>
-          <a:lnRef idx="2">
-            <a:schemeClr val="accent1">
-              <a:shade val="50000"/>
-            </a:schemeClr>
-          </a:lnRef>
-          <a:fillRef idx="1">
-            <a:schemeClr val="accent1"/>
-          </a:fillRef>
-          <a:effectRef idx="0">
-            <a:schemeClr val="accent1"/>
-          </a:effectRef>
-          <a:fontRef idx="minor">
-            <a:schemeClr val="lt1"/>
-          </a:fontRef>
-        </p:style>
-        <p:txBody>
-          <a:bodyPr rtlCol="0" anchor="ctr"/>
-          <a:lstStyle/>
-          <a:p>
-            <a:pPr algn="ctr"/>
-            <a:endParaRPr lang="en-US"/>
-          </a:p>
-        </p:txBody>
-      </p:sp>
-      <p:sp>
-        <p:nvSpPr>
-          <p:cNvPr id="17" name="Rectangle 16">
-            <a:extLst>
-              <a:ext uri="{FF2B5EF4-FFF2-40B4-BE49-F238E27FC236}">
-                <a16:creationId xmlns="" xmlns:a16="http://schemas.microsoft.com/office/drawing/2014/main" id="{830C085B-1FAB-49A8-9D06-919097FB53D1}"/>
-              </a:ext>
-            </a:extLst>
-          </p:cNvPr>
-          <p:cNvSpPr/>
-          <p:nvPr/>
-        </p:nvSpPr>
-        <p:spPr>
-          <a:xfrm>
-            <a:off x="7113270" y="5199888"/>
-            <a:ext cx="1402080" cy="286512"/>
-          </a:xfrm>
-          <a:prstGeom prst="rect">
-            <a:avLst/>
-          </a:prstGeom>
-          <a:noFill/>
-          <a:ln w="38100">
-            <a:solidFill>
-              <a:srgbClr val="FF0000"/>
-            </a:solidFill>
-          </a:ln>
-        </p:spPr>
-        <p:style>
-          <a:lnRef idx="2">
-            <a:schemeClr val="accent1">
-              <a:shade val="50000"/>
-            </a:schemeClr>
-          </a:lnRef>
-          <a:fillRef idx="1">
-            <a:schemeClr val="accent1"/>
-          </a:fillRef>
-          <a:effectRef idx="0">
-            <a:schemeClr val="accent1"/>
-          </a:effectRef>
-          <a:fontRef idx="minor">
-            <a:schemeClr val="lt1"/>
-          </a:fontRef>
-        </p:style>
-        <p:txBody>
-          <a:bodyPr rtlCol="0" anchor="ctr"/>
-          <a:lstStyle/>
-          <a:p>
-            <a:pPr algn="ctr"/>
-            <a:endParaRPr lang="en-US"/>
-          </a:p>
-        </p:txBody>
-      </p:sp>
     </p:spTree>
     <p:extLst>
       <p:ext uri="{BB962C8B-B14F-4D97-AF65-F5344CB8AC3E}">
-        <p14:creationId xmlns:p14="http://schemas.microsoft.com/office/powerpoint/2010/main" val="3888360834"/>
+        <p14:creationId xmlns:p14="http://schemas.microsoft.com/office/powerpoint/2010/main" val="1753429276"/>
       </p:ext>
     </p:extLst>
   </p:cSld>
@@ -11106,7 +11704,7 @@
           <p:cNvPr id="2" name="Title 1">
             <a:extLst>
               <a:ext uri="{FF2B5EF4-FFF2-40B4-BE49-F238E27FC236}">
-                <a16:creationId xmlns="" xmlns:a16="http://schemas.microsoft.com/office/drawing/2014/main" id="{A686F44C-1A70-4DDC-B6C1-F78384CF90BF}"/>
+                <a16:creationId xmlns:a16="http://schemas.microsoft.com/office/drawing/2014/main" xmlns="" id="{D6B083CC-4209-47D3-8AFB-A755190E41BB}"/>
               </a:ext>
             </a:extLst>
           </p:cNvPr>
@@ -11119,22 +11717,24 @@
         </p:nvSpPr>
         <p:spPr/>
         <p:txBody>
-          <a:bodyPr/>
+          <a:bodyPr>
+            <a:normAutofit/>
+          </a:bodyPr>
           <a:lstStyle/>
           <a:p>
             <a:r>
               <a:rPr lang="en-US"/>
-              <a:t>Relevance to Crisis Informatics</a:t>
-            </a:r>
-          </a:p>
-        </p:txBody>
-      </p:sp>
-      <p:sp>
-        <p:nvSpPr>
-          <p:cNvPr id="3" name="Content Placeholder 2">
+              <a:t>Observation: Off-the-shelf NER is Inadequate for Social Media</a:t>
+            </a:r>
+          </a:p>
+        </p:txBody>
+      </p:sp>
+      <p:sp>
+        <p:nvSpPr>
+          <p:cNvPr id="9" name="Content Placeholder 8">
             <a:extLst>
               <a:ext uri="{FF2B5EF4-FFF2-40B4-BE49-F238E27FC236}">
-                <a16:creationId xmlns="" xmlns:a16="http://schemas.microsoft.com/office/drawing/2014/main" id="{0E3B6853-3F6F-4F58-A37E-45DAEC469477}"/>
+                <a16:creationId xmlns:a16="http://schemas.microsoft.com/office/drawing/2014/main" xmlns="" id="{B1ED2A46-1714-4043-8859-0515A435A3E5}"/>
               </a:ext>
             </a:extLst>
           </p:cNvPr>
@@ -11145,94 +11745,293 @@
             <p:ph idx="1"/>
           </p:nvPr>
         </p:nvSpPr>
-        <p:spPr/>
+        <p:spPr>
+          <a:xfrm>
+            <a:off x="609600" y="1825625"/>
+            <a:ext cx="7886700" cy="4351338"/>
+          </a:xfrm>
+        </p:spPr>
         <p:txBody>
           <a:bodyPr/>
           <a:lstStyle/>
           <a:p>
             <a:r>
               <a:rPr lang="en-US"/>
-              <a:t>Many named entities mentioned in tweets and other social media</a:t>
+              <a:t>Example: Stanford NER (off-the-shelf) vs. T-SEG (a Twitter-specific NER tool)</a:t>
             </a:r>
           </a:p>
           <a:p>
             <a:r>
               <a:rPr lang="en-US"/>
-              <a:t>Extracting such entities (and also relations) enables us to pose interesting queries</a:t>
-            </a:r>
-          </a:p>
-          <a:p>
-            <a:pPr lvl="1"/>
-            <a:r>
-              <a:rPr lang="en-US"/>
-              <a:t>What </a:t>
-            </a:r>
-            <a:r>
-              <a:rPr lang="en-US">
+              <a:t>P, R and F1 below stand for Precision, Recall and F1-Measure resp. </a:t>
+            </a:r>
+          </a:p>
+        </p:txBody>
+      </p:sp>
+      <p:pic>
+        <p:nvPicPr>
+          <p:cNvPr id="11" name="Picture 10">
+            <a:extLst>
+              <a:ext uri="{FF2B5EF4-FFF2-40B4-BE49-F238E27FC236}">
+                <a16:creationId xmlns:a16="http://schemas.microsoft.com/office/drawing/2014/main" xmlns="" id="{139CD10C-D795-43F9-9BE2-0158C5C25AF2}"/>
+              </a:ext>
+            </a:extLst>
+          </p:cNvPr>
+          <p:cNvPicPr>
+            <a:picLocks noChangeAspect="1"/>
+          </p:cNvPicPr>
+          <p:nvPr/>
+        </p:nvPicPr>
+        <p:blipFill>
+          <a:blip r:embed="rId3"/>
+          <a:stretch>
+            <a:fillRect/>
+          </a:stretch>
+        </p:blipFill>
+        <p:spPr>
+          <a:xfrm>
+            <a:off x="1006602" y="3473196"/>
+            <a:ext cx="7090456" cy="2435543"/>
+          </a:xfrm>
+          <a:prstGeom prst="rect">
+            <a:avLst/>
+          </a:prstGeom>
+        </p:spPr>
+      </p:pic>
+      <p:sp>
+        <p:nvSpPr>
+          <p:cNvPr id="8" name="Rectangle 7">
+            <a:extLst>
+              <a:ext uri="{FF2B5EF4-FFF2-40B4-BE49-F238E27FC236}">
+                <a16:creationId xmlns:a16="http://schemas.microsoft.com/office/drawing/2014/main" xmlns="" id="{99016647-0CBA-4CDC-A66E-8FCBED8E4481}"/>
+              </a:ext>
+            </a:extLst>
+          </p:cNvPr>
+          <p:cNvSpPr/>
+          <p:nvPr/>
+        </p:nvSpPr>
+        <p:spPr>
+          <a:xfrm>
+            <a:off x="304800" y="1690689"/>
+            <a:ext cx="8595360" cy="1930335"/>
+          </a:xfrm>
+          <a:prstGeom prst="rect">
+            <a:avLst/>
+          </a:prstGeom>
+          <a:solidFill>
+            <a:schemeClr val="accent6">
+              <a:lumMod val="40000"/>
+              <a:lumOff val="60000"/>
+              <a:alpha val="93000"/>
+            </a:schemeClr>
+          </a:solidFill>
+          <a:ln>
+            <a:noFill/>
+          </a:ln>
+        </p:spPr>
+        <p:style>
+          <a:lnRef idx="2">
+            <a:schemeClr val="accent1">
+              <a:shade val="50000"/>
+            </a:schemeClr>
+          </a:lnRef>
+          <a:fillRef idx="1">
+            <a:schemeClr val="accent1"/>
+          </a:fillRef>
+          <a:effectRef idx="0">
+            <a:schemeClr val="accent1"/>
+          </a:effectRef>
+          <a:fontRef idx="minor">
+            <a:schemeClr val="lt1"/>
+          </a:fontRef>
+        </p:style>
+        <p:txBody>
+          <a:bodyPr rtlCol="0" anchor="ctr"/>
+          <a:lstStyle/>
+          <a:p>
+            <a:pPr algn="ctr"/>
+            <a:endParaRPr lang="en-US"/>
+          </a:p>
+        </p:txBody>
+      </p:sp>
+      <p:sp>
+        <p:nvSpPr>
+          <p:cNvPr id="4" name="TextBox 3">
+            <a:extLst>
+              <a:ext uri="{FF2B5EF4-FFF2-40B4-BE49-F238E27FC236}">
+                <a16:creationId xmlns:a16="http://schemas.microsoft.com/office/drawing/2014/main" xmlns="" id="{4B33F1C3-6003-4D94-915E-6A63B46DBE1C}"/>
+              </a:ext>
+            </a:extLst>
+          </p:cNvPr>
+          <p:cNvSpPr txBox="1"/>
+          <p:nvPr/>
+        </p:nvSpPr>
+        <p:spPr>
+          <a:xfrm>
+            <a:off x="900685" y="2042602"/>
+            <a:ext cx="7595615" cy="1569660"/>
+          </a:xfrm>
+          <a:prstGeom prst="rect">
+            <a:avLst/>
+          </a:prstGeom>
+          <a:noFill/>
+        </p:spPr>
+        <p:txBody>
+          <a:bodyPr wrap="square" rtlCol="0">
+            <a:spAutoFit/>
+          </a:bodyPr>
+          <a:lstStyle/>
+          <a:p>
+            <a:pPr algn="ctr"/>
+            <a:r>
+              <a:rPr lang="en-US" sz="3200">
                 <a:solidFill>
                   <a:srgbClr val="FF0000"/>
                 </a:solidFill>
               </a:rPr>
-              <a:t>locations</a:t>
-            </a:r>
-            <a:r>
-              <a:rPr lang="en-US"/>
-              <a:t> have received ‘Storm Surge Warnings’ from the </a:t>
-            </a:r>
+              <a:t>Training Twitter-specific models and using Twitter-specific features offers significant performance advantages</a:t>
+            </a:r>
+          </a:p>
+        </p:txBody>
+      </p:sp>
+      <p:sp>
+        <p:nvSpPr>
+          <p:cNvPr id="3" name="Oval 2">
+            <a:extLst>
+              <a:ext uri="{FF2B5EF4-FFF2-40B4-BE49-F238E27FC236}">
+                <a16:creationId xmlns:a16="http://schemas.microsoft.com/office/drawing/2014/main" xmlns="" id="{A6AA111D-A7A9-4A20-AA18-6ABD3344B561}"/>
+              </a:ext>
+            </a:extLst>
+          </p:cNvPr>
+          <p:cNvSpPr/>
+          <p:nvPr/>
+        </p:nvSpPr>
+        <p:spPr>
+          <a:xfrm>
+            <a:off x="6693408" y="3473196"/>
+            <a:ext cx="1281730" cy="2574036"/>
+          </a:xfrm>
+          <a:prstGeom prst="ellipse">
+            <a:avLst/>
+          </a:prstGeom>
+          <a:noFill/>
+          <a:ln w="38100">
+            <a:solidFill>
+              <a:srgbClr val="FF0000"/>
+            </a:solidFill>
+          </a:ln>
+        </p:spPr>
+        <p:style>
+          <a:lnRef idx="2">
+            <a:schemeClr val="accent1">
+              <a:shade val="50000"/>
+            </a:schemeClr>
+          </a:lnRef>
+          <a:fillRef idx="1">
+            <a:schemeClr val="accent1"/>
+          </a:fillRef>
+          <a:effectRef idx="0">
+            <a:schemeClr val="accent1"/>
+          </a:effectRef>
+          <a:fontRef idx="minor">
+            <a:schemeClr val="lt1"/>
+          </a:fontRef>
+        </p:style>
+        <p:txBody>
+          <a:bodyPr rtlCol="0" anchor="ctr"/>
+          <a:lstStyle/>
+          <a:p>
+            <a:pPr algn="ctr"/>
+            <a:endParaRPr lang="en-US"/>
+          </a:p>
+        </p:txBody>
+      </p:sp>
+      <p:cxnSp>
+        <p:nvCxnSpPr>
+          <p:cNvPr id="6" name="Straight Arrow Connector 5">
+            <a:extLst>
+              <a:ext uri="{FF2B5EF4-FFF2-40B4-BE49-F238E27FC236}">
+                <a16:creationId xmlns:a16="http://schemas.microsoft.com/office/drawing/2014/main" xmlns="" id="{61BDA680-BA2B-49A7-BB1B-55390EF54BAA}"/>
+              </a:ext>
+            </a:extLst>
+          </p:cNvPr>
+          <p:cNvCxnSpPr/>
+          <p:nvPr/>
+        </p:nvCxnSpPr>
+        <p:spPr>
+          <a:xfrm>
+            <a:off x="4645152" y="3473196"/>
+            <a:ext cx="2170176" cy="428244"/>
+          </a:xfrm>
+          <a:prstGeom prst="straightConnector1">
+            <a:avLst/>
+          </a:prstGeom>
+          <a:ln>
+            <a:solidFill>
+              <a:srgbClr val="FF0000"/>
+            </a:solidFill>
+            <a:tailEnd type="triangle"/>
+          </a:ln>
+        </p:spPr>
+        <p:style>
+          <a:lnRef idx="1">
+            <a:schemeClr val="accent1"/>
+          </a:lnRef>
+          <a:fillRef idx="0">
+            <a:schemeClr val="accent1"/>
+          </a:fillRef>
+          <a:effectRef idx="0">
+            <a:schemeClr val="accent1"/>
+          </a:effectRef>
+          <a:fontRef idx="minor">
+            <a:schemeClr val="tx1"/>
+          </a:fontRef>
+        </p:style>
+      </p:cxnSp>
+      <p:sp>
+        <p:nvSpPr>
+          <p:cNvPr id="12" name="TextBox 11">
+            <a:extLst>
+              <a:ext uri="{FF2B5EF4-FFF2-40B4-BE49-F238E27FC236}">
+                <a16:creationId xmlns:a16="http://schemas.microsoft.com/office/drawing/2014/main" xmlns="" id="{A9662CE1-4096-4132-B041-42E280DDC82E}"/>
+              </a:ext>
+            </a:extLst>
+          </p:cNvPr>
+          <p:cNvSpPr txBox="1"/>
+          <p:nvPr/>
+        </p:nvSpPr>
+        <p:spPr>
+          <a:xfrm>
+            <a:off x="6400800" y="6361629"/>
+            <a:ext cx="2668524" cy="369332"/>
+          </a:xfrm>
+          <a:prstGeom prst="rect">
+            <a:avLst/>
+          </a:prstGeom>
+          <a:noFill/>
+        </p:spPr>
+        <p:txBody>
+          <a:bodyPr wrap="square" rtlCol="0">
+            <a:spAutoFit/>
+          </a:bodyPr>
+          <a:lstStyle/>
+          <a:p>
+            <a:pPr algn="r"/>
             <a:r>
               <a:rPr lang="en-US">
                 <a:solidFill>
-                  <a:srgbClr val="FF0000"/>
+                  <a:srgbClr val="002060"/>
                 </a:solidFill>
               </a:rPr>
-              <a:t>NHC</a:t>
-            </a:r>
-            <a:r>
-              <a:rPr lang="en-US"/>
-              <a:t> in the last 10 days?</a:t>
-            </a:r>
-          </a:p>
-          <a:p>
-            <a:pPr lvl="1"/>
-            <a:r>
-              <a:rPr lang="en-US"/>
-              <a:t>What </a:t>
-            </a:r>
-            <a:r>
-              <a:rPr lang="en-US">
-                <a:solidFill>
-                  <a:srgbClr val="FF0000"/>
-                </a:solidFill>
-              </a:rPr>
-              <a:t>organizations</a:t>
-            </a:r>
-            <a:r>
-              <a:rPr lang="en-US"/>
-              <a:t> were involved in relief efforts for </a:t>
-            </a:r>
-            <a:r>
-              <a:rPr lang="en-US">
-                <a:solidFill>
-                  <a:srgbClr val="FF0000"/>
-                </a:solidFill>
-              </a:rPr>
-              <a:t>Hurricane Irma</a:t>
-            </a:r>
-            <a:r>
-              <a:rPr lang="en-US"/>
-              <a:t>?</a:t>
-            </a:r>
-          </a:p>
-          <a:p>
-            <a:pPr lvl="1"/>
-            <a:endParaRPr lang="en-US"/>
+              <a:t>(Ritter et al., 2011)</a:t>
+            </a:r>
           </a:p>
         </p:txBody>
       </p:sp>
     </p:spTree>
     <p:extLst>
       <p:ext uri="{BB962C8B-B14F-4D97-AF65-F5344CB8AC3E}">
-        <p14:creationId xmlns:p14="http://schemas.microsoft.com/office/powerpoint/2010/main" val="1842263554"/>
+        <p14:creationId xmlns:p14="http://schemas.microsoft.com/office/powerpoint/2010/main" val="155772102"/>
       </p:ext>
     </p:extLst>
   </p:cSld>
@@ -11271,7 +12070,7 @@
           <p:cNvPr id="2" name="Title 1">
             <a:extLst>
               <a:ext uri="{FF2B5EF4-FFF2-40B4-BE49-F238E27FC236}">
-                <a16:creationId xmlns="" xmlns:a16="http://schemas.microsoft.com/office/drawing/2014/main" id="{A686F44C-1A70-4DDC-B6C1-F78384CF90BF}"/>
+                <a16:creationId xmlns:a16="http://schemas.microsoft.com/office/drawing/2014/main" xmlns="" id="{FECCCB1F-69D0-45C7-9A40-FAC731823900}"/>
               </a:ext>
             </a:extLst>
           </p:cNvPr>
@@ -11282,76 +12081,76 @@
             <p:ph type="title"/>
           </p:nvPr>
         </p:nvSpPr>
-        <p:spPr/>
+        <p:spPr>
+          <a:xfrm>
+            <a:off x="238506" y="365126"/>
+            <a:ext cx="8771382" cy="1325563"/>
+          </a:xfrm>
+        </p:spPr>
         <p:txBody>
           <a:bodyPr/>
           <a:lstStyle/>
           <a:p>
             <a:r>
               <a:rPr lang="en-US"/>
-              <a:t>Relevance to Crisis Informatics</a:t>
-            </a:r>
-          </a:p>
-        </p:txBody>
-      </p:sp>
-      <p:sp>
-        <p:nvSpPr>
-          <p:cNvPr id="3" name="Content Placeholder 2">
+              <a:t>Powerful Tools and Packages Available</a:t>
+            </a:r>
+          </a:p>
+        </p:txBody>
+      </p:sp>
+      <p:pic>
+        <p:nvPicPr>
+          <p:cNvPr id="2050" name="Picture 2" descr="Image result for spacy ner">
             <a:extLst>
               <a:ext uri="{FF2B5EF4-FFF2-40B4-BE49-F238E27FC236}">
-                <a16:creationId xmlns="" xmlns:a16="http://schemas.microsoft.com/office/drawing/2014/main" id="{0E3B6853-3F6F-4F58-A37E-45DAEC469477}"/>
+                <a16:creationId xmlns:a16="http://schemas.microsoft.com/office/drawing/2014/main" xmlns="" id="{BF8CE563-B98B-4D8B-85DB-9319C6BB3BD6}"/>
               </a:ext>
             </a:extLst>
           </p:cNvPr>
-          <p:cNvSpPr>
-            <a:spLocks noGrp="1"/>
-          </p:cNvSpPr>
-          <p:nvPr>
-            <p:ph idx="1"/>
-          </p:nvPr>
-        </p:nvSpPr>
-        <p:spPr/>
-        <p:txBody>
-          <a:bodyPr/>
-          <a:lstStyle/>
-          <a:p>
-            <a:r>
-              <a:rPr lang="en-US"/>
-              <a:t>Many named entities mentioned in tweets and other social media</a:t>
-            </a:r>
-          </a:p>
-          <a:p>
-            <a:r>
-              <a:rPr lang="en-US"/>
-              <a:t>Extracting such entities (and also relations) enables us to pose interesting queries</a:t>
-            </a:r>
-          </a:p>
-          <a:p>
-            <a:r>
-              <a:rPr lang="en-US"/>
-              <a:t>Interesting research question: what </a:t>
-            </a:r>
-            <a:r>
-              <a:rPr lang="en-US" i="1"/>
-              <a:t>is</a:t>
-            </a:r>
-            <a:r>
-              <a:rPr lang="en-US"/>
-              <a:t> an entity?</a:t>
-            </a:r>
-          </a:p>
-          <a:p>
-            <a:pPr lvl="1"/>
-            <a:endParaRPr lang="en-US"/>
-          </a:p>
-        </p:txBody>
-      </p:sp>
+          <p:cNvPicPr>
+            <a:picLocks noChangeAspect="1" noChangeArrowheads="1"/>
+          </p:cNvPicPr>
+          <p:nvPr/>
+        </p:nvPicPr>
+        <p:blipFill>
+          <a:blip r:embed="rId2">
+            <a:extLst>
+              <a:ext uri="{28A0092B-C50C-407E-A947-70E740481C1C}">
+                <a14:useLocalDpi xmlns:a14="http://schemas.microsoft.com/office/drawing/2010/main" val="0"/>
+              </a:ext>
+            </a:extLst>
+          </a:blip>
+          <a:srcRect/>
+          <a:stretch>
+            <a:fillRect/>
+          </a:stretch>
+        </p:blipFill>
+        <p:spPr bwMode="auto">
+          <a:xfrm>
+            <a:off x="829056" y="2029447"/>
+            <a:ext cx="3962400" cy="2066330"/>
+          </a:xfrm>
+          <a:prstGeom prst="rect">
+            <a:avLst/>
+          </a:prstGeom>
+          <a:noFill/>
+          <a:extLst>
+            <a:ext uri="{909E8E84-426E-40DD-AFC4-6F175D3DCCD1}">
+              <a14:hiddenFill xmlns:a14="http://schemas.microsoft.com/office/drawing/2010/main">
+                <a:solidFill>
+                  <a:srgbClr val="FFFFFF"/>
+                </a:solidFill>
+              </a14:hiddenFill>
+            </a:ext>
+          </a:extLst>
+        </p:spPr>
+      </p:pic>
       <p:pic>
         <p:nvPicPr>
-          <p:cNvPr id="4" name="Picture 3">
+          <p:cNvPr id="7" name="Picture 6">
             <a:extLst>
               <a:ext uri="{FF2B5EF4-FFF2-40B4-BE49-F238E27FC236}">
-                <a16:creationId xmlns="" xmlns:a16="http://schemas.microsoft.com/office/drawing/2014/main" id="{D8CFBEAF-7F86-415F-A421-630C06315EF5}"/>
+                <a16:creationId xmlns:a16="http://schemas.microsoft.com/office/drawing/2014/main" xmlns="" id="{C9D1664F-3E2D-44D1-869B-2D54C62EACC8}"/>
               </a:ext>
             </a:extLst>
           </p:cNvPr>
@@ -11361,27 +12160,147 @@
           <p:nvPr/>
         </p:nvPicPr>
         <p:blipFill>
-          <a:blip r:embed="rId2"/>
+          <a:blip r:embed="rId3"/>
           <a:stretch>
             <a:fillRect/>
           </a:stretch>
         </p:blipFill>
         <p:spPr>
           <a:xfrm>
-            <a:off x="206502" y="4613148"/>
-            <a:ext cx="8628126" cy="1287780"/>
+            <a:off x="4005262" y="4565120"/>
+            <a:ext cx="4090226" cy="2130600"/>
           </a:xfrm>
           <a:prstGeom prst="rect">
             <a:avLst/>
           </a:prstGeom>
         </p:spPr>
       </p:pic>
-      <p:sp>
-        <p:nvSpPr>
-          <p:cNvPr id="5" name="Rectangle 4">
+      <p:pic>
+        <p:nvPicPr>
+          <p:cNvPr id="8" name="Picture 7">
             <a:extLst>
               <a:ext uri="{FF2B5EF4-FFF2-40B4-BE49-F238E27FC236}">
-                <a16:creationId xmlns="" xmlns:a16="http://schemas.microsoft.com/office/drawing/2014/main" id="{3A3D486C-EB90-481F-A0F5-6971C9707494}"/>
+                <a16:creationId xmlns:a16="http://schemas.microsoft.com/office/drawing/2014/main" xmlns="" id="{7DEDEEDD-DFDA-43E7-BDEF-132D6284F67E}"/>
+              </a:ext>
+            </a:extLst>
+          </p:cNvPr>
+          <p:cNvPicPr>
+            <a:picLocks noChangeAspect="1"/>
+          </p:cNvPicPr>
+          <p:nvPr/>
+        </p:nvPicPr>
+        <p:blipFill>
+          <a:blip r:embed="rId4"/>
+          <a:stretch>
+            <a:fillRect/>
+          </a:stretch>
+        </p:blipFill>
+        <p:spPr>
+          <a:xfrm>
+            <a:off x="505968" y="3730017"/>
+            <a:ext cx="3284692" cy="2463519"/>
+          </a:xfrm>
+          <a:prstGeom prst="rect">
+            <a:avLst/>
+          </a:prstGeom>
+        </p:spPr>
+      </p:pic>
+      <p:pic>
+        <p:nvPicPr>
+          <p:cNvPr id="9" name="Picture 8">
+            <a:extLst>
+              <a:ext uri="{FF2B5EF4-FFF2-40B4-BE49-F238E27FC236}">
+                <a16:creationId xmlns:a16="http://schemas.microsoft.com/office/drawing/2014/main" xmlns="" id="{5BF4D1C3-2098-4FA9-9AE9-B6310FFD0382}"/>
+              </a:ext>
+            </a:extLst>
+          </p:cNvPr>
+          <p:cNvPicPr>
+            <a:picLocks noChangeAspect="1"/>
+          </p:cNvPicPr>
+          <p:nvPr/>
+        </p:nvPicPr>
+        <p:blipFill>
+          <a:blip r:embed="rId5"/>
+          <a:stretch>
+            <a:fillRect/>
+          </a:stretch>
+        </p:blipFill>
+        <p:spPr>
+          <a:xfrm>
+            <a:off x="4274112" y="2602471"/>
+            <a:ext cx="1757118" cy="1757118"/>
+          </a:xfrm>
+          <a:prstGeom prst="rect">
+            <a:avLst/>
+          </a:prstGeom>
+        </p:spPr>
+      </p:pic>
+      <p:pic>
+        <p:nvPicPr>
+          <p:cNvPr id="10" name="Picture 9">
+            <a:extLst>
+              <a:ext uri="{FF2B5EF4-FFF2-40B4-BE49-F238E27FC236}">
+                <a16:creationId xmlns:a16="http://schemas.microsoft.com/office/drawing/2014/main" xmlns="" id="{F6D94560-CDCC-433E-9834-5916B450239B}"/>
+              </a:ext>
+            </a:extLst>
+          </p:cNvPr>
+          <p:cNvPicPr>
+            <a:picLocks noChangeAspect="1"/>
+          </p:cNvPicPr>
+          <p:nvPr/>
+        </p:nvPicPr>
+        <p:blipFill>
+          <a:blip r:embed="rId6"/>
+          <a:stretch>
+            <a:fillRect/>
+          </a:stretch>
+        </p:blipFill>
+        <p:spPr>
+          <a:xfrm>
+            <a:off x="6567678" y="3299670"/>
+            <a:ext cx="2442210" cy="1059919"/>
+          </a:xfrm>
+          <a:prstGeom prst="rect">
+            <a:avLst/>
+          </a:prstGeom>
+        </p:spPr>
+      </p:pic>
+      <p:pic>
+        <p:nvPicPr>
+          <p:cNvPr id="11" name="Picture 10">
+            <a:extLst>
+              <a:ext uri="{FF2B5EF4-FFF2-40B4-BE49-F238E27FC236}">
+                <a16:creationId xmlns:a16="http://schemas.microsoft.com/office/drawing/2014/main" xmlns="" id="{CBF3A1EB-BA6B-484A-AA20-176F12D326FF}"/>
+              </a:ext>
+            </a:extLst>
+          </p:cNvPr>
+          <p:cNvPicPr>
+            <a:picLocks noChangeAspect="1"/>
+          </p:cNvPicPr>
+          <p:nvPr/>
+        </p:nvPicPr>
+        <p:blipFill>
+          <a:blip r:embed="rId7"/>
+          <a:stretch>
+            <a:fillRect/>
+          </a:stretch>
+        </p:blipFill>
+        <p:spPr>
+          <a:xfrm>
+            <a:off x="5903770" y="1342696"/>
+            <a:ext cx="3106118" cy="1619960"/>
+          </a:xfrm>
+          <a:prstGeom prst="rect">
+            <a:avLst/>
+          </a:prstGeom>
+        </p:spPr>
+      </p:pic>
+      <p:sp>
+        <p:nvSpPr>
+          <p:cNvPr id="12" name="Rectangle 11">
+            <a:extLst>
+              <a:ext uri="{FF2B5EF4-FFF2-40B4-BE49-F238E27FC236}">
+                <a16:creationId xmlns:a16="http://schemas.microsoft.com/office/drawing/2014/main" xmlns="" id="{30DBC704-3387-4A5D-A8E1-6CA6EEB5ADF6}"/>
               </a:ext>
             </a:extLst>
           </p:cNvPr>
@@ -11390,17 +12309,21 @@
         </p:nvSpPr>
         <p:spPr>
           <a:xfrm>
-            <a:off x="1719072" y="5254752"/>
-            <a:ext cx="1780032" cy="304800"/>
+            <a:off x="182880" y="1450849"/>
+            <a:ext cx="8827008" cy="5035296"/>
           </a:xfrm>
           <a:prstGeom prst="rect">
             <a:avLst/>
           </a:prstGeom>
-          <a:noFill/>
-          <a:ln w="38100">
-            <a:solidFill>
-              <a:srgbClr val="FF0000"/>
-            </a:solidFill>
+          <a:solidFill>
+            <a:schemeClr val="accent6">
+              <a:lumMod val="40000"/>
+              <a:lumOff val="60000"/>
+              <a:alpha val="93000"/>
+            </a:schemeClr>
+          </a:solidFill>
+          <a:ln>
+            <a:noFill/>
           </a:ln>
         </p:spPr>
         <p:style>
@@ -11428,53 +12351,73 @@
           </a:p>
         </p:txBody>
       </p:sp>
-      <p:cxnSp>
-        <p:nvCxnSpPr>
-          <p:cNvPr id="7" name="Straight Arrow Connector 6">
+      <p:sp>
+        <p:nvSpPr>
+          <p:cNvPr id="13" name="Title 1">
             <a:extLst>
               <a:ext uri="{FF2B5EF4-FFF2-40B4-BE49-F238E27FC236}">
-                <a16:creationId xmlns="" xmlns:a16="http://schemas.microsoft.com/office/drawing/2014/main" id="{6B5C1F01-6FC6-41B6-986B-614A7417DC21}"/>
+                <a16:creationId xmlns:a16="http://schemas.microsoft.com/office/drawing/2014/main" xmlns="" id="{95A38355-5A7F-4B61-8049-EB7D4C4B3DC5}"/>
               </a:ext>
             </a:extLst>
           </p:cNvPr>
-          <p:cNvCxnSpPr/>
+          <p:cNvSpPr txBox="1">
+            <a:spLocks/>
+          </p:cNvSpPr>
           <p:nvPr/>
-        </p:nvCxnSpPr>
-        <p:spPr>
-          <a:xfrm flipH="1">
-            <a:off x="2816352" y="3962400"/>
-            <a:ext cx="3377184" cy="1292352"/>
-          </a:xfrm>
-          <a:prstGeom prst="straightConnector1">
+        </p:nvSpPr>
+        <p:spPr>
+          <a:xfrm>
+            <a:off x="1914144" y="3281046"/>
+            <a:ext cx="5669280" cy="2387600"/>
+          </a:xfrm>
+          <a:prstGeom prst="rect">
             <a:avLst/>
           </a:prstGeom>
-          <a:ln w="28575">
-            <a:solidFill>
-              <a:srgbClr val="FF0000"/>
-            </a:solidFill>
-            <a:prstDash val="dash"/>
-            <a:tailEnd type="triangle"/>
-          </a:ln>
-        </p:spPr>
-        <p:style>
-          <a:lnRef idx="1">
-            <a:schemeClr val="accent1"/>
-          </a:lnRef>
-          <a:fillRef idx="0">
-            <a:schemeClr val="accent1"/>
-          </a:fillRef>
-          <a:effectRef idx="0">
-            <a:schemeClr val="accent1"/>
-          </a:effectRef>
-          <a:fontRef idx="minor">
-            <a:schemeClr val="tx1"/>
-          </a:fontRef>
-        </p:style>
-      </p:cxnSp>
+        </p:spPr>
+        <p:txBody>
+          <a:bodyPr vert="horz" lIns="91440" tIns="45720" rIns="91440" bIns="45720" rtlCol="0" anchor="ctr">
+            <a:normAutofit/>
+          </a:bodyPr>
+          <a:lstStyle>
+            <a:lvl1pPr algn="l" defTabSz="914400" rtl="0" eaLnBrk="1" latinLnBrk="0" hangingPunct="1">
+              <a:lnSpc>
+                <a:spcPct val="90000"/>
+              </a:lnSpc>
+              <a:spcBef>
+                <a:spcPct val="0"/>
+              </a:spcBef>
+              <a:buNone/>
+              <a:defRPr sz="4400" kern="1200">
+                <a:solidFill>
+                  <a:schemeClr val="tx1"/>
+                </a:solidFill>
+                <a:latin typeface="+mj-lt"/>
+                <a:ea typeface="+mj-ea"/>
+                <a:cs typeface="+mj-cs"/>
+              </a:defRPr>
+            </a:lvl1pPr>
+          </a:lstStyle>
+          <a:p>
+            <a:r>
+              <a:rPr lang="en-US" b="1">
+                <a:solidFill>
+                  <a:srgbClr val="002060"/>
+                </a:solidFill>
+              </a:rPr>
+              <a:t>Demonstration of SpaCy</a:t>
+            </a:r>
+            <a:endParaRPr lang="en-US" b="1" dirty="0">
+              <a:solidFill>
+                <a:srgbClr val="002060"/>
+              </a:solidFill>
+            </a:endParaRPr>
+          </a:p>
+        </p:txBody>
+      </p:sp>
     </p:spTree>
     <p:extLst>
       <p:ext uri="{BB962C8B-B14F-4D97-AF65-F5344CB8AC3E}">
-        <p14:creationId xmlns:p14="http://schemas.microsoft.com/office/powerpoint/2010/main" val="2324715996"/>
+        <p14:creationId xmlns:p14="http://schemas.microsoft.com/office/powerpoint/2010/main" val="454712633"/>
       </p:ext>
     </p:extLst>
   </p:cSld>
@@ -11510,7 +12453,13 @@
       </p:grpSpPr>
       <p:sp>
         <p:nvSpPr>
-          <p:cNvPr id="2" name="Title 1"/>
+          <p:cNvPr id="2" name="Title 1">
+            <a:extLst>
+              <a:ext uri="{FF2B5EF4-FFF2-40B4-BE49-F238E27FC236}">
+                <a16:creationId xmlns:a16="http://schemas.microsoft.com/office/drawing/2014/main" xmlns="" id="{98EED3C8-49EA-4FD6-AA72-3757D4559438}"/>
+              </a:ext>
+            </a:extLst>
+          </p:cNvPr>
           <p:cNvSpPr>
             <a:spLocks noGrp="1"/>
           </p:cNvSpPr>
@@ -11518,30 +12467,24 @@
             <p:ph type="title"/>
           </p:nvPr>
         </p:nvSpPr>
-        <p:spPr>
-          <a:xfrm>
-            <a:off x="400050" y="365126"/>
-            <a:ext cx="8515350" cy="1325563"/>
-          </a:xfrm>
-        </p:spPr>
+        <p:spPr/>
         <p:txBody>
           <a:bodyPr/>
           <a:lstStyle/>
           <a:p>
             <a:r>
               <a:rPr lang="en-US"/>
-              <a:t>Typical NER Approach</a:t>
-            </a:r>
-            <a:endParaRPr lang="en-US" dirty="0"/>
-          </a:p>
-        </p:txBody>
-      </p:sp>
-      <p:sp>
-        <p:nvSpPr>
-          <p:cNvPr id="7" name="Content Placeholder 6">
+              <a:t>Twitter-specific NER Systems</a:t>
+            </a:r>
+          </a:p>
+        </p:txBody>
+      </p:sp>
+      <p:sp>
+        <p:nvSpPr>
+          <p:cNvPr id="3" name="Content Placeholder 2">
             <a:extLst>
               <a:ext uri="{FF2B5EF4-FFF2-40B4-BE49-F238E27FC236}">
-                <a16:creationId xmlns="" xmlns:a16="http://schemas.microsoft.com/office/drawing/2014/main" id="{13D3C029-F9AA-4E5C-8627-46A9ED1284E6}"/>
+                <a16:creationId xmlns:a16="http://schemas.microsoft.com/office/drawing/2014/main" xmlns="" id="{CAB91084-3E46-400D-BE22-90BD771E168C}"/>
               </a:ext>
             </a:extLst>
           </p:cNvPr>
@@ -11554,1355 +12497,10 @@
         </p:nvSpPr>
         <p:spPr>
           <a:xfrm>
-            <a:off x="494538" y="1690689"/>
-            <a:ext cx="8198358" cy="4351338"/>
-          </a:xfrm>
-        </p:spPr>
-        <p:txBody>
-          <a:bodyPr/>
-          <a:lstStyle/>
-          <a:p>
-            <a:r>
-              <a:rPr lang="en-US"/>
-              <a:t>Till recently, most models framed the problem as ‘sequence labeling’ using techniques like Conditional Random Fields and (earlier) Hidden Markov Models</a:t>
-            </a:r>
-          </a:p>
-        </p:txBody>
-      </p:sp>
-      <p:pic>
-        <p:nvPicPr>
-          <p:cNvPr id="1026" name="Picture 2" descr="Related image">
-            <a:extLst>
-              <a:ext uri="{FF2B5EF4-FFF2-40B4-BE49-F238E27FC236}">
-                <a16:creationId xmlns="" xmlns:a16="http://schemas.microsoft.com/office/drawing/2014/main" id="{10228010-65D9-4664-9A19-50D2A115129D}"/>
-              </a:ext>
-            </a:extLst>
-          </p:cNvPr>
-          <p:cNvPicPr>
-            <a:picLocks noChangeAspect="1" noChangeArrowheads="1"/>
-          </p:cNvPicPr>
-          <p:nvPr/>
-        </p:nvPicPr>
-        <p:blipFill>
-          <a:blip r:embed="rId2">
-            <a:extLst>
-              <a:ext uri="{28A0092B-C50C-407E-A947-70E740481C1C}">
-                <a14:useLocalDpi xmlns:a14="http://schemas.microsoft.com/office/drawing/2010/main" val="0"/>
-              </a:ext>
-            </a:extLst>
-          </a:blip>
-          <a:srcRect/>
-          <a:stretch>
-            <a:fillRect/>
-          </a:stretch>
-        </p:blipFill>
-        <p:spPr bwMode="auto">
-          <a:xfrm>
-            <a:off x="741426" y="3013939"/>
-            <a:ext cx="8058912" cy="3506186"/>
-          </a:xfrm>
-          <a:prstGeom prst="rect">
-            <a:avLst/>
-          </a:prstGeom>
-          <a:noFill/>
-          <a:extLst>
-            <a:ext uri="{909E8E84-426E-40DD-AFC4-6F175D3DCCD1}">
-              <a14:hiddenFill xmlns:a14="http://schemas.microsoft.com/office/drawing/2010/main">
-                <a:solidFill>
-                  <a:srgbClr val="FFFFFF"/>
-                </a:solidFill>
-              </a14:hiddenFill>
-            </a:ext>
-          </a:extLst>
-        </p:spPr>
-      </p:pic>
-      <p:sp>
-        <p:nvSpPr>
-          <p:cNvPr id="14" name="TextBox 13">
-            <a:extLst>
-              <a:ext uri="{FF2B5EF4-FFF2-40B4-BE49-F238E27FC236}">
-                <a16:creationId xmlns="" xmlns:a16="http://schemas.microsoft.com/office/drawing/2014/main" id="{6DFB3C83-0C7A-4535-96AA-E84D929A4E6A}"/>
-              </a:ext>
-            </a:extLst>
-          </p:cNvPr>
-          <p:cNvSpPr txBox="1"/>
-          <p:nvPr/>
-        </p:nvSpPr>
-        <p:spPr>
-          <a:xfrm>
-            <a:off x="6475476" y="6484358"/>
-            <a:ext cx="2668524" cy="369332"/>
-          </a:xfrm>
-          <a:prstGeom prst="rect">
-            <a:avLst/>
-          </a:prstGeom>
-          <a:noFill/>
-        </p:spPr>
-        <p:txBody>
-          <a:bodyPr wrap="square" rtlCol="0">
-            <a:spAutoFit/>
-          </a:bodyPr>
-          <a:lstStyle/>
-          <a:p>
-            <a:pPr algn="r"/>
-            <a:r>
-              <a:rPr lang="en-US">
-                <a:solidFill>
-                  <a:srgbClr val="002060"/>
-                </a:solidFill>
-              </a:rPr>
-              <a:t>(Lafferty et al., 2001)</a:t>
-            </a:r>
-          </a:p>
-        </p:txBody>
-      </p:sp>
-    </p:spTree>
-    <p:extLst>
-      <p:ext uri="{BB962C8B-B14F-4D97-AF65-F5344CB8AC3E}">
-        <p14:creationId xmlns:p14="http://schemas.microsoft.com/office/powerpoint/2010/main" val="4233008521"/>
-      </p:ext>
-    </p:extLst>
-  </p:cSld>
-  <p:clrMapOvr>
-    <a:masterClrMapping/>
-  </p:clrMapOvr>
-  <p:timing>
-    <p:tnLst>
-      <p:par>
-        <p:cTn id="1" dur="indefinite" restart="never" nodeType="tmRoot"/>
-      </p:par>
-    </p:tnLst>
-  </p:timing>
-</p:sld>
-</file>
-
-<file path=ppt/slides/slide26.xml><?xml version="1.0" encoding="utf-8"?>
-<p:sld xmlns:a="http://schemas.openxmlformats.org/drawingml/2006/main" xmlns:r="http://schemas.openxmlformats.org/officeDocument/2006/relationships" xmlns:p="http://schemas.openxmlformats.org/presentationml/2006/main">
-  <p:cSld>
-    <p:spTree>
-      <p:nvGrpSpPr>
-        <p:cNvPr id="1" name=""/>
-        <p:cNvGrpSpPr/>
-        <p:nvPr/>
-      </p:nvGrpSpPr>
-      <p:grpSpPr>
-        <a:xfrm>
-          <a:off x="0" y="0"/>
-          <a:ext cx="0" cy="0"/>
-          <a:chOff x="0" y="0"/>
-          <a:chExt cx="0" cy="0"/>
-        </a:xfrm>
-      </p:grpSpPr>
-      <p:sp>
-        <p:nvSpPr>
-          <p:cNvPr id="2" name="Title 1">
-            <a:extLst>
-              <a:ext uri="{FF2B5EF4-FFF2-40B4-BE49-F238E27FC236}">
-                <a16:creationId xmlns="" xmlns:a16="http://schemas.microsoft.com/office/drawing/2014/main" id="{5F44972C-1277-45AF-857F-5C44DCAA94E2}"/>
-              </a:ext>
-            </a:extLst>
-          </p:cNvPr>
-          <p:cNvSpPr>
-            <a:spLocks noGrp="1"/>
-          </p:cNvSpPr>
-          <p:nvPr>
-            <p:ph type="title"/>
-          </p:nvPr>
-        </p:nvSpPr>
-        <p:spPr/>
-        <p:txBody>
-          <a:bodyPr/>
-          <a:lstStyle/>
-          <a:p>
-            <a:r>
-              <a:rPr lang="en-US"/>
-              <a:t>Embedding-based Models</a:t>
-            </a:r>
-          </a:p>
-        </p:txBody>
-      </p:sp>
-      <p:sp>
-        <p:nvSpPr>
-          <p:cNvPr id="3" name="Content Placeholder 2">
-            <a:extLst>
-              <a:ext uri="{FF2B5EF4-FFF2-40B4-BE49-F238E27FC236}">
-                <a16:creationId xmlns="" xmlns:a16="http://schemas.microsoft.com/office/drawing/2014/main" id="{AD4D6E95-FB39-4A81-BE0C-47FCB77127E2}"/>
-              </a:ext>
-            </a:extLst>
-          </p:cNvPr>
-          <p:cNvSpPr>
-            <a:spLocks noGrp="1"/>
-          </p:cNvSpPr>
-          <p:nvPr>
-            <p:ph idx="1"/>
-          </p:nvPr>
-        </p:nvSpPr>
-        <p:spPr>
-          <a:xfrm>
-            <a:off x="4949952" y="1825625"/>
-            <a:ext cx="3565398" cy="4351338"/>
-          </a:xfrm>
-        </p:spPr>
-        <p:txBody>
-          <a:bodyPr/>
-          <a:lstStyle/>
-          <a:p>
-            <a:r>
-              <a:rPr lang="en-US"/>
-              <a:t>Feature engineering was an impediment to training robust and powerful CRFs</a:t>
-            </a:r>
-          </a:p>
-          <a:p>
-            <a:r>
-              <a:rPr lang="en-US"/>
-              <a:t>Recently, word embeddings (and more complex </a:t>
-            </a:r>
-            <a:r>
-              <a:rPr lang="en-US">
-                <a:solidFill>
-                  <a:srgbClr val="FF0000"/>
-                </a:solidFill>
-              </a:rPr>
-              <a:t>sense-awar</a:t>
-            </a:r>
-            <a:r>
-              <a:rPr lang="en-US"/>
-              <a:t>e variants) have been used to address the problem</a:t>
-            </a:r>
-          </a:p>
-        </p:txBody>
-      </p:sp>
-      <p:pic>
-        <p:nvPicPr>
-          <p:cNvPr id="5" name="Picture 4">
-            <a:extLst>
-              <a:ext uri="{FF2B5EF4-FFF2-40B4-BE49-F238E27FC236}">
-                <a16:creationId xmlns="" xmlns:a16="http://schemas.microsoft.com/office/drawing/2014/main" id="{E31F759C-413A-4273-876B-1CA3A9286686}"/>
-              </a:ext>
-            </a:extLst>
-          </p:cNvPr>
-          <p:cNvPicPr>
-            <a:picLocks noChangeAspect="1"/>
-          </p:cNvPicPr>
-          <p:nvPr/>
-        </p:nvPicPr>
-        <p:blipFill>
-          <a:blip r:embed="rId2"/>
-          <a:stretch>
-            <a:fillRect/>
-          </a:stretch>
-        </p:blipFill>
-        <p:spPr>
-          <a:xfrm>
-            <a:off x="987932" y="1945005"/>
-            <a:ext cx="1682115" cy="1437444"/>
-          </a:xfrm>
-          <a:prstGeom prst="rect">
-            <a:avLst/>
-          </a:prstGeom>
-        </p:spPr>
-      </p:pic>
-      <p:cxnSp>
-        <p:nvCxnSpPr>
-          <p:cNvPr id="7" name="Straight Arrow Connector 6">
-            <a:extLst>
-              <a:ext uri="{FF2B5EF4-FFF2-40B4-BE49-F238E27FC236}">
-                <a16:creationId xmlns="" xmlns:a16="http://schemas.microsoft.com/office/drawing/2014/main" id="{482D490B-F863-49BB-82B1-21ED41AC47F8}"/>
-              </a:ext>
-            </a:extLst>
-          </p:cNvPr>
-          <p:cNvCxnSpPr>
-            <a:cxnSpLocks/>
-          </p:cNvCxnSpPr>
-          <p:nvPr/>
-        </p:nvCxnSpPr>
-        <p:spPr>
-          <a:xfrm flipV="1">
-            <a:off x="628650" y="1566669"/>
-            <a:ext cx="0" cy="4231956"/>
-          </a:xfrm>
-          <a:prstGeom prst="straightConnector1">
-            <a:avLst/>
-          </a:prstGeom>
-          <a:ln>
-            <a:tailEnd type="triangle"/>
-          </a:ln>
-        </p:spPr>
-        <p:style>
-          <a:lnRef idx="1">
-            <a:schemeClr val="accent1"/>
-          </a:lnRef>
-          <a:fillRef idx="0">
-            <a:schemeClr val="accent1"/>
-          </a:fillRef>
-          <a:effectRef idx="0">
-            <a:schemeClr val="accent1"/>
-          </a:effectRef>
-          <a:fontRef idx="minor">
-            <a:schemeClr val="tx1"/>
-          </a:fontRef>
-        </p:style>
-      </p:cxnSp>
-      <p:cxnSp>
-        <p:nvCxnSpPr>
-          <p:cNvPr id="9" name="Straight Arrow Connector 8">
-            <a:extLst>
-              <a:ext uri="{FF2B5EF4-FFF2-40B4-BE49-F238E27FC236}">
-                <a16:creationId xmlns="" xmlns:a16="http://schemas.microsoft.com/office/drawing/2014/main" id="{188D38CF-57BF-4AE7-A5CD-D7AB3F163338}"/>
-              </a:ext>
-            </a:extLst>
-          </p:cNvPr>
-          <p:cNvCxnSpPr>
-            <a:cxnSpLocks/>
-          </p:cNvCxnSpPr>
-          <p:nvPr/>
-        </p:nvCxnSpPr>
-        <p:spPr>
-          <a:xfrm>
-            <a:off x="628650" y="5796785"/>
-            <a:ext cx="4321302" cy="0"/>
-          </a:xfrm>
-          <a:prstGeom prst="straightConnector1">
-            <a:avLst/>
-          </a:prstGeom>
-          <a:ln>
-            <a:tailEnd type="triangle"/>
-          </a:ln>
-        </p:spPr>
-        <p:style>
-          <a:lnRef idx="1">
-            <a:schemeClr val="accent1"/>
-          </a:lnRef>
-          <a:fillRef idx="0">
-            <a:schemeClr val="accent1"/>
-          </a:fillRef>
-          <a:effectRef idx="0">
-            <a:schemeClr val="accent1"/>
-          </a:effectRef>
-          <a:fontRef idx="minor">
-            <a:schemeClr val="tx1"/>
-          </a:fontRef>
-        </p:style>
-      </p:cxnSp>
-      <p:pic>
-        <p:nvPicPr>
-          <p:cNvPr id="19" name="Picture 18">
-            <a:extLst>
-              <a:ext uri="{FF2B5EF4-FFF2-40B4-BE49-F238E27FC236}">
-                <a16:creationId xmlns="" xmlns:a16="http://schemas.microsoft.com/office/drawing/2014/main" id="{0D7BFADC-AEDA-4227-BD9E-21855850E785}"/>
-              </a:ext>
-            </a:extLst>
-          </p:cNvPr>
-          <p:cNvPicPr>
-            <a:picLocks noChangeAspect="1"/>
-          </p:cNvPicPr>
-          <p:nvPr/>
-        </p:nvPicPr>
-        <p:blipFill>
-          <a:blip r:embed="rId3"/>
-          <a:stretch>
-            <a:fillRect/>
-          </a:stretch>
-        </p:blipFill>
-        <p:spPr>
-          <a:xfrm>
-            <a:off x="2665297" y="2386678"/>
-            <a:ext cx="2284655" cy="1557719"/>
-          </a:xfrm>
-          <a:prstGeom prst="rect">
-            <a:avLst/>
-          </a:prstGeom>
-        </p:spPr>
-      </p:pic>
-      <p:pic>
-        <p:nvPicPr>
-          <p:cNvPr id="18" name="Picture 17">
-            <a:extLst>
-              <a:ext uri="{FF2B5EF4-FFF2-40B4-BE49-F238E27FC236}">
-                <a16:creationId xmlns="" xmlns:a16="http://schemas.microsoft.com/office/drawing/2014/main" id="{F17571D6-AE91-4354-BED2-D90B6DFEE185}"/>
-              </a:ext>
-            </a:extLst>
-          </p:cNvPr>
-          <p:cNvPicPr>
-            <a:picLocks noChangeAspect="1"/>
-          </p:cNvPicPr>
-          <p:nvPr/>
-        </p:nvPicPr>
-        <p:blipFill>
-          <a:blip r:embed="rId4"/>
-          <a:stretch>
-            <a:fillRect/>
-          </a:stretch>
-        </p:blipFill>
-        <p:spPr>
-          <a:xfrm>
-            <a:off x="2401823" y="3876670"/>
-            <a:ext cx="2109217" cy="1920115"/>
-          </a:xfrm>
-          <a:prstGeom prst="rect">
-            <a:avLst/>
-          </a:prstGeom>
-        </p:spPr>
-      </p:pic>
-      <p:pic>
-        <p:nvPicPr>
-          <p:cNvPr id="20" name="Picture 19">
-            <a:extLst>
-              <a:ext uri="{FF2B5EF4-FFF2-40B4-BE49-F238E27FC236}">
-                <a16:creationId xmlns="" xmlns:a16="http://schemas.microsoft.com/office/drawing/2014/main" id="{6CFE4D04-D2D0-40F7-BA00-7F0C0CCD624D}"/>
-              </a:ext>
-            </a:extLst>
-          </p:cNvPr>
-          <p:cNvPicPr>
-            <a:picLocks noChangeAspect="1"/>
-          </p:cNvPicPr>
-          <p:nvPr/>
-        </p:nvPicPr>
-        <p:blipFill>
-          <a:blip r:embed="rId5"/>
-          <a:stretch>
-            <a:fillRect/>
-          </a:stretch>
-        </p:blipFill>
-        <p:spPr>
-          <a:xfrm>
-            <a:off x="987932" y="4246037"/>
-            <a:ext cx="1502474" cy="918989"/>
-          </a:xfrm>
-          <a:prstGeom prst="rect">
-            <a:avLst/>
-          </a:prstGeom>
-        </p:spPr>
-      </p:pic>
-      <p:pic>
-        <p:nvPicPr>
-          <p:cNvPr id="21" name="Picture 20">
-            <a:extLst>
-              <a:ext uri="{FF2B5EF4-FFF2-40B4-BE49-F238E27FC236}">
-                <a16:creationId xmlns="" xmlns:a16="http://schemas.microsoft.com/office/drawing/2014/main" id="{189FF996-CE2C-4DDA-95B7-85B9DFD7CBED}"/>
-              </a:ext>
-            </a:extLst>
-          </p:cNvPr>
-          <p:cNvPicPr>
-            <a:picLocks noChangeAspect="1"/>
-          </p:cNvPicPr>
-          <p:nvPr/>
-        </p:nvPicPr>
-        <p:blipFill>
-          <a:blip r:embed="rId6"/>
-          <a:stretch>
-            <a:fillRect/>
-          </a:stretch>
-        </p:blipFill>
-        <p:spPr>
-          <a:xfrm>
-            <a:off x="784922" y="3165538"/>
-            <a:ext cx="2056739" cy="869628"/>
-          </a:xfrm>
-          <a:prstGeom prst="rect">
-            <a:avLst/>
-          </a:prstGeom>
-        </p:spPr>
-      </p:pic>
-    </p:spTree>
-    <p:extLst>
-      <p:ext uri="{BB962C8B-B14F-4D97-AF65-F5344CB8AC3E}">
-        <p14:creationId xmlns:p14="http://schemas.microsoft.com/office/powerpoint/2010/main" val="3764569061"/>
-      </p:ext>
-    </p:extLst>
-  </p:cSld>
-  <p:clrMapOvr>
-    <a:masterClrMapping/>
-  </p:clrMapOvr>
-  <p:timing>
-    <p:tnLst>
-      <p:par>
-        <p:cTn id="1" dur="indefinite" restart="never" nodeType="tmRoot"/>
-      </p:par>
-    </p:tnLst>
-  </p:timing>
-</p:sld>
-</file>
-
-<file path=ppt/slides/slide27.xml><?xml version="1.0" encoding="utf-8"?>
-<p:sld xmlns:a="http://schemas.openxmlformats.org/drawingml/2006/main" xmlns:r="http://schemas.openxmlformats.org/officeDocument/2006/relationships" xmlns:p="http://schemas.openxmlformats.org/presentationml/2006/main">
-  <p:cSld>
-    <p:spTree>
-      <p:nvGrpSpPr>
-        <p:cNvPr id="1" name=""/>
-        <p:cNvGrpSpPr/>
-        <p:nvPr/>
-      </p:nvGrpSpPr>
-      <p:grpSpPr>
-        <a:xfrm>
-          <a:off x="0" y="0"/>
-          <a:ext cx="0" cy="0"/>
-          <a:chOff x="0" y="0"/>
-          <a:chExt cx="0" cy="0"/>
-        </a:xfrm>
-      </p:grpSpPr>
-      <p:sp>
-        <p:nvSpPr>
-          <p:cNvPr id="2" name="Title 1">
-            <a:extLst>
-              <a:ext uri="{FF2B5EF4-FFF2-40B4-BE49-F238E27FC236}">
-                <a16:creationId xmlns="" xmlns:a16="http://schemas.microsoft.com/office/drawing/2014/main" id="{FECCCB1F-69D0-45C7-9A40-FAC731823900}"/>
-              </a:ext>
-            </a:extLst>
-          </p:cNvPr>
-          <p:cNvSpPr>
-            <a:spLocks noGrp="1"/>
-          </p:cNvSpPr>
-          <p:nvPr>
-            <p:ph type="title"/>
-          </p:nvPr>
-        </p:nvSpPr>
-        <p:spPr>
-          <a:xfrm>
-            <a:off x="238506" y="365126"/>
-            <a:ext cx="8771382" cy="1325563"/>
-          </a:xfrm>
-        </p:spPr>
-        <p:txBody>
-          <a:bodyPr/>
-          <a:lstStyle/>
-          <a:p>
-            <a:r>
-              <a:rPr lang="en-US"/>
-              <a:t>Powerful Tools and Packages Available</a:t>
-            </a:r>
-          </a:p>
-        </p:txBody>
-      </p:sp>
-      <p:pic>
-        <p:nvPicPr>
-          <p:cNvPr id="2050" name="Picture 2" descr="Image result for spacy ner">
-            <a:extLst>
-              <a:ext uri="{FF2B5EF4-FFF2-40B4-BE49-F238E27FC236}">
-                <a16:creationId xmlns="" xmlns:a16="http://schemas.microsoft.com/office/drawing/2014/main" id="{BF8CE563-B98B-4D8B-85DB-9319C6BB3BD6}"/>
-              </a:ext>
-            </a:extLst>
-          </p:cNvPr>
-          <p:cNvPicPr>
-            <a:picLocks noChangeAspect="1" noChangeArrowheads="1"/>
-          </p:cNvPicPr>
-          <p:nvPr/>
-        </p:nvPicPr>
-        <p:blipFill>
-          <a:blip r:embed="rId2">
-            <a:extLst>
-              <a:ext uri="{28A0092B-C50C-407E-A947-70E740481C1C}">
-                <a14:useLocalDpi xmlns:a14="http://schemas.microsoft.com/office/drawing/2010/main" val="0"/>
-              </a:ext>
-            </a:extLst>
-          </a:blip>
-          <a:srcRect/>
-          <a:stretch>
-            <a:fillRect/>
-          </a:stretch>
-        </p:blipFill>
-        <p:spPr bwMode="auto">
-          <a:xfrm>
-            <a:off x="829056" y="2029447"/>
-            <a:ext cx="3962400" cy="2066330"/>
-          </a:xfrm>
-          <a:prstGeom prst="rect">
-            <a:avLst/>
-          </a:prstGeom>
-          <a:noFill/>
-          <a:extLst>
-            <a:ext uri="{909E8E84-426E-40DD-AFC4-6F175D3DCCD1}">
-              <a14:hiddenFill xmlns:a14="http://schemas.microsoft.com/office/drawing/2010/main">
-                <a:solidFill>
-                  <a:srgbClr val="FFFFFF"/>
-                </a:solidFill>
-              </a14:hiddenFill>
-            </a:ext>
-          </a:extLst>
-        </p:spPr>
-      </p:pic>
-      <p:pic>
-        <p:nvPicPr>
-          <p:cNvPr id="7" name="Picture 6">
-            <a:extLst>
-              <a:ext uri="{FF2B5EF4-FFF2-40B4-BE49-F238E27FC236}">
-                <a16:creationId xmlns="" xmlns:a16="http://schemas.microsoft.com/office/drawing/2014/main" id="{C9D1664F-3E2D-44D1-869B-2D54C62EACC8}"/>
-              </a:ext>
-            </a:extLst>
-          </p:cNvPr>
-          <p:cNvPicPr>
-            <a:picLocks noChangeAspect="1"/>
-          </p:cNvPicPr>
-          <p:nvPr/>
-        </p:nvPicPr>
-        <p:blipFill>
-          <a:blip r:embed="rId3"/>
-          <a:stretch>
-            <a:fillRect/>
-          </a:stretch>
-        </p:blipFill>
-        <p:spPr>
-          <a:xfrm>
-            <a:off x="4005262" y="4565120"/>
-            <a:ext cx="4090226" cy="2130600"/>
-          </a:xfrm>
-          <a:prstGeom prst="rect">
-            <a:avLst/>
-          </a:prstGeom>
-        </p:spPr>
-      </p:pic>
-      <p:pic>
-        <p:nvPicPr>
-          <p:cNvPr id="8" name="Picture 7">
-            <a:extLst>
-              <a:ext uri="{FF2B5EF4-FFF2-40B4-BE49-F238E27FC236}">
-                <a16:creationId xmlns="" xmlns:a16="http://schemas.microsoft.com/office/drawing/2014/main" id="{7DEDEEDD-DFDA-43E7-BDEF-132D6284F67E}"/>
-              </a:ext>
-            </a:extLst>
-          </p:cNvPr>
-          <p:cNvPicPr>
-            <a:picLocks noChangeAspect="1"/>
-          </p:cNvPicPr>
-          <p:nvPr/>
-        </p:nvPicPr>
-        <p:blipFill>
-          <a:blip r:embed="rId4"/>
-          <a:stretch>
-            <a:fillRect/>
-          </a:stretch>
-        </p:blipFill>
-        <p:spPr>
-          <a:xfrm>
-            <a:off x="505968" y="3730017"/>
-            <a:ext cx="3284692" cy="2463519"/>
-          </a:xfrm>
-          <a:prstGeom prst="rect">
-            <a:avLst/>
-          </a:prstGeom>
-        </p:spPr>
-      </p:pic>
-      <p:pic>
-        <p:nvPicPr>
-          <p:cNvPr id="9" name="Picture 8">
-            <a:extLst>
-              <a:ext uri="{FF2B5EF4-FFF2-40B4-BE49-F238E27FC236}">
-                <a16:creationId xmlns="" xmlns:a16="http://schemas.microsoft.com/office/drawing/2014/main" id="{5BF4D1C3-2098-4FA9-9AE9-B6310FFD0382}"/>
-              </a:ext>
-            </a:extLst>
-          </p:cNvPr>
-          <p:cNvPicPr>
-            <a:picLocks noChangeAspect="1"/>
-          </p:cNvPicPr>
-          <p:nvPr/>
-        </p:nvPicPr>
-        <p:blipFill>
-          <a:blip r:embed="rId5"/>
-          <a:stretch>
-            <a:fillRect/>
-          </a:stretch>
-        </p:blipFill>
-        <p:spPr>
-          <a:xfrm>
-            <a:off x="4274112" y="2602471"/>
-            <a:ext cx="1757118" cy="1757118"/>
-          </a:xfrm>
-          <a:prstGeom prst="rect">
-            <a:avLst/>
-          </a:prstGeom>
-        </p:spPr>
-      </p:pic>
-      <p:pic>
-        <p:nvPicPr>
-          <p:cNvPr id="10" name="Picture 9">
-            <a:extLst>
-              <a:ext uri="{FF2B5EF4-FFF2-40B4-BE49-F238E27FC236}">
-                <a16:creationId xmlns="" xmlns:a16="http://schemas.microsoft.com/office/drawing/2014/main" id="{F6D94560-CDCC-433E-9834-5916B450239B}"/>
-              </a:ext>
-            </a:extLst>
-          </p:cNvPr>
-          <p:cNvPicPr>
-            <a:picLocks noChangeAspect="1"/>
-          </p:cNvPicPr>
-          <p:nvPr/>
-        </p:nvPicPr>
-        <p:blipFill>
-          <a:blip r:embed="rId6"/>
-          <a:stretch>
-            <a:fillRect/>
-          </a:stretch>
-        </p:blipFill>
-        <p:spPr>
-          <a:xfrm>
-            <a:off x="6567678" y="3299670"/>
-            <a:ext cx="2442210" cy="1059919"/>
-          </a:xfrm>
-          <a:prstGeom prst="rect">
-            <a:avLst/>
-          </a:prstGeom>
-        </p:spPr>
-      </p:pic>
-      <p:pic>
-        <p:nvPicPr>
-          <p:cNvPr id="11" name="Picture 10">
-            <a:extLst>
-              <a:ext uri="{FF2B5EF4-FFF2-40B4-BE49-F238E27FC236}">
-                <a16:creationId xmlns="" xmlns:a16="http://schemas.microsoft.com/office/drawing/2014/main" id="{CBF3A1EB-BA6B-484A-AA20-176F12D326FF}"/>
-              </a:ext>
-            </a:extLst>
-          </p:cNvPr>
-          <p:cNvPicPr>
-            <a:picLocks noChangeAspect="1"/>
-          </p:cNvPicPr>
-          <p:nvPr/>
-        </p:nvPicPr>
-        <p:blipFill>
-          <a:blip r:embed="rId7"/>
-          <a:stretch>
-            <a:fillRect/>
-          </a:stretch>
-        </p:blipFill>
-        <p:spPr>
-          <a:xfrm>
-            <a:off x="5903770" y="1342696"/>
-            <a:ext cx="3106118" cy="1619960"/>
-          </a:xfrm>
-          <a:prstGeom prst="rect">
-            <a:avLst/>
-          </a:prstGeom>
-        </p:spPr>
-      </p:pic>
-    </p:spTree>
-    <p:extLst>
-      <p:ext uri="{BB962C8B-B14F-4D97-AF65-F5344CB8AC3E}">
-        <p14:creationId xmlns:p14="http://schemas.microsoft.com/office/powerpoint/2010/main" val="3794578787"/>
-      </p:ext>
-    </p:extLst>
-  </p:cSld>
-  <p:clrMapOvr>
-    <a:masterClrMapping/>
-  </p:clrMapOvr>
-  <p:timing>
-    <p:tnLst>
-      <p:par>
-        <p:cTn id="1" dur="indefinite" restart="never" nodeType="tmRoot"/>
-      </p:par>
-    </p:tnLst>
-  </p:timing>
-</p:sld>
-</file>
-
-<file path=ppt/slides/slide28.xml><?xml version="1.0" encoding="utf-8"?>
-<p:sld xmlns:a="http://schemas.openxmlformats.org/drawingml/2006/main" xmlns:r="http://schemas.openxmlformats.org/officeDocument/2006/relationships" xmlns:p="http://schemas.openxmlformats.org/presentationml/2006/main">
-  <p:cSld>
-    <p:spTree>
-      <p:nvGrpSpPr>
-        <p:cNvPr id="1" name=""/>
-        <p:cNvGrpSpPr/>
-        <p:nvPr/>
-      </p:nvGrpSpPr>
-      <p:grpSpPr>
-        <a:xfrm>
-          <a:off x="0" y="0"/>
-          <a:ext cx="0" cy="0"/>
-          <a:chOff x="0" y="0"/>
-          <a:chExt cx="0" cy="0"/>
-        </a:xfrm>
-      </p:grpSpPr>
-      <p:sp>
-        <p:nvSpPr>
-          <p:cNvPr id="2" name="Title 1">
-            <a:extLst>
-              <a:ext uri="{FF2B5EF4-FFF2-40B4-BE49-F238E27FC236}">
-                <a16:creationId xmlns="" xmlns:a16="http://schemas.microsoft.com/office/drawing/2014/main" id="{FECCCB1F-69D0-45C7-9A40-FAC731823900}"/>
-              </a:ext>
-            </a:extLst>
-          </p:cNvPr>
-          <p:cNvSpPr>
-            <a:spLocks noGrp="1"/>
-          </p:cNvSpPr>
-          <p:nvPr>
-            <p:ph type="title"/>
-          </p:nvPr>
-        </p:nvSpPr>
-        <p:spPr>
-          <a:xfrm>
-            <a:off x="238506" y="365126"/>
-            <a:ext cx="8771382" cy="1325563"/>
-          </a:xfrm>
-        </p:spPr>
-        <p:txBody>
-          <a:bodyPr/>
-          <a:lstStyle/>
-          <a:p>
-            <a:r>
-              <a:rPr lang="en-US"/>
-              <a:t>Powerful Tools and Packages Available</a:t>
-            </a:r>
-          </a:p>
-        </p:txBody>
-      </p:sp>
-      <p:pic>
-        <p:nvPicPr>
-          <p:cNvPr id="2050" name="Picture 2" descr="Image result for spacy ner">
-            <a:extLst>
-              <a:ext uri="{FF2B5EF4-FFF2-40B4-BE49-F238E27FC236}">
-                <a16:creationId xmlns="" xmlns:a16="http://schemas.microsoft.com/office/drawing/2014/main" id="{BF8CE563-B98B-4D8B-85DB-9319C6BB3BD6}"/>
-              </a:ext>
-            </a:extLst>
-          </p:cNvPr>
-          <p:cNvPicPr>
-            <a:picLocks noChangeAspect="1" noChangeArrowheads="1"/>
-          </p:cNvPicPr>
-          <p:nvPr/>
-        </p:nvPicPr>
-        <p:blipFill>
-          <a:blip r:embed="rId2">
-            <a:extLst>
-              <a:ext uri="{28A0092B-C50C-407E-A947-70E740481C1C}">
-                <a14:useLocalDpi xmlns:a14="http://schemas.microsoft.com/office/drawing/2010/main" val="0"/>
-              </a:ext>
-            </a:extLst>
-          </a:blip>
-          <a:srcRect/>
-          <a:stretch>
-            <a:fillRect/>
-          </a:stretch>
-        </p:blipFill>
-        <p:spPr bwMode="auto">
-          <a:xfrm>
-            <a:off x="829056" y="2029447"/>
-            <a:ext cx="3962400" cy="2066330"/>
-          </a:xfrm>
-          <a:prstGeom prst="rect">
-            <a:avLst/>
-          </a:prstGeom>
-          <a:noFill/>
-          <a:extLst>
-            <a:ext uri="{909E8E84-426E-40DD-AFC4-6F175D3DCCD1}">
-              <a14:hiddenFill xmlns:a14="http://schemas.microsoft.com/office/drawing/2010/main">
-                <a:solidFill>
-                  <a:srgbClr val="FFFFFF"/>
-                </a:solidFill>
-              </a14:hiddenFill>
-            </a:ext>
-          </a:extLst>
-        </p:spPr>
-      </p:pic>
-      <p:pic>
-        <p:nvPicPr>
-          <p:cNvPr id="7" name="Picture 6">
-            <a:extLst>
-              <a:ext uri="{FF2B5EF4-FFF2-40B4-BE49-F238E27FC236}">
-                <a16:creationId xmlns="" xmlns:a16="http://schemas.microsoft.com/office/drawing/2014/main" id="{C9D1664F-3E2D-44D1-869B-2D54C62EACC8}"/>
-              </a:ext>
-            </a:extLst>
-          </p:cNvPr>
-          <p:cNvPicPr>
-            <a:picLocks noChangeAspect="1"/>
-          </p:cNvPicPr>
-          <p:nvPr/>
-        </p:nvPicPr>
-        <p:blipFill>
-          <a:blip r:embed="rId3"/>
-          <a:stretch>
-            <a:fillRect/>
-          </a:stretch>
-        </p:blipFill>
-        <p:spPr>
-          <a:xfrm>
-            <a:off x="4005262" y="4565120"/>
-            <a:ext cx="4090226" cy="2130600"/>
-          </a:xfrm>
-          <a:prstGeom prst="rect">
-            <a:avLst/>
-          </a:prstGeom>
-        </p:spPr>
-      </p:pic>
-      <p:pic>
-        <p:nvPicPr>
-          <p:cNvPr id="8" name="Picture 7">
-            <a:extLst>
-              <a:ext uri="{FF2B5EF4-FFF2-40B4-BE49-F238E27FC236}">
-                <a16:creationId xmlns="" xmlns:a16="http://schemas.microsoft.com/office/drawing/2014/main" id="{7DEDEEDD-DFDA-43E7-BDEF-132D6284F67E}"/>
-              </a:ext>
-            </a:extLst>
-          </p:cNvPr>
-          <p:cNvPicPr>
-            <a:picLocks noChangeAspect="1"/>
-          </p:cNvPicPr>
-          <p:nvPr/>
-        </p:nvPicPr>
-        <p:blipFill>
-          <a:blip r:embed="rId4"/>
-          <a:stretch>
-            <a:fillRect/>
-          </a:stretch>
-        </p:blipFill>
-        <p:spPr>
-          <a:xfrm>
-            <a:off x="505968" y="3730017"/>
-            <a:ext cx="3284692" cy="2463519"/>
-          </a:xfrm>
-          <a:prstGeom prst="rect">
-            <a:avLst/>
-          </a:prstGeom>
-        </p:spPr>
-      </p:pic>
-      <p:pic>
-        <p:nvPicPr>
-          <p:cNvPr id="9" name="Picture 8">
-            <a:extLst>
-              <a:ext uri="{FF2B5EF4-FFF2-40B4-BE49-F238E27FC236}">
-                <a16:creationId xmlns="" xmlns:a16="http://schemas.microsoft.com/office/drawing/2014/main" id="{5BF4D1C3-2098-4FA9-9AE9-B6310FFD0382}"/>
-              </a:ext>
-            </a:extLst>
-          </p:cNvPr>
-          <p:cNvPicPr>
-            <a:picLocks noChangeAspect="1"/>
-          </p:cNvPicPr>
-          <p:nvPr/>
-        </p:nvPicPr>
-        <p:blipFill>
-          <a:blip r:embed="rId5"/>
-          <a:stretch>
-            <a:fillRect/>
-          </a:stretch>
-        </p:blipFill>
-        <p:spPr>
-          <a:xfrm>
-            <a:off x="4274112" y="2602471"/>
-            <a:ext cx="1757118" cy="1757118"/>
-          </a:xfrm>
-          <a:prstGeom prst="rect">
-            <a:avLst/>
-          </a:prstGeom>
-        </p:spPr>
-      </p:pic>
-      <p:pic>
-        <p:nvPicPr>
-          <p:cNvPr id="10" name="Picture 9">
-            <a:extLst>
-              <a:ext uri="{FF2B5EF4-FFF2-40B4-BE49-F238E27FC236}">
-                <a16:creationId xmlns="" xmlns:a16="http://schemas.microsoft.com/office/drawing/2014/main" id="{F6D94560-CDCC-433E-9834-5916B450239B}"/>
-              </a:ext>
-            </a:extLst>
-          </p:cNvPr>
-          <p:cNvPicPr>
-            <a:picLocks noChangeAspect="1"/>
-          </p:cNvPicPr>
-          <p:nvPr/>
-        </p:nvPicPr>
-        <p:blipFill>
-          <a:blip r:embed="rId6"/>
-          <a:stretch>
-            <a:fillRect/>
-          </a:stretch>
-        </p:blipFill>
-        <p:spPr>
-          <a:xfrm>
-            <a:off x="6567678" y="3299670"/>
-            <a:ext cx="2442210" cy="1059919"/>
-          </a:xfrm>
-          <a:prstGeom prst="rect">
-            <a:avLst/>
-          </a:prstGeom>
-        </p:spPr>
-      </p:pic>
-      <p:pic>
-        <p:nvPicPr>
-          <p:cNvPr id="11" name="Picture 10">
-            <a:extLst>
-              <a:ext uri="{FF2B5EF4-FFF2-40B4-BE49-F238E27FC236}">
-                <a16:creationId xmlns="" xmlns:a16="http://schemas.microsoft.com/office/drawing/2014/main" id="{CBF3A1EB-BA6B-484A-AA20-176F12D326FF}"/>
-              </a:ext>
-            </a:extLst>
-          </p:cNvPr>
-          <p:cNvPicPr>
-            <a:picLocks noChangeAspect="1"/>
-          </p:cNvPicPr>
-          <p:nvPr/>
-        </p:nvPicPr>
-        <p:blipFill>
-          <a:blip r:embed="rId7"/>
-          <a:stretch>
-            <a:fillRect/>
-          </a:stretch>
-        </p:blipFill>
-        <p:spPr>
-          <a:xfrm>
-            <a:off x="5903770" y="1342696"/>
-            <a:ext cx="3106118" cy="1619960"/>
-          </a:xfrm>
-          <a:prstGeom prst="rect">
-            <a:avLst/>
-          </a:prstGeom>
-        </p:spPr>
-      </p:pic>
-      <p:sp>
-        <p:nvSpPr>
-          <p:cNvPr id="12" name="Rectangle 11">
-            <a:extLst>
-              <a:ext uri="{FF2B5EF4-FFF2-40B4-BE49-F238E27FC236}">
-                <a16:creationId xmlns="" xmlns:a16="http://schemas.microsoft.com/office/drawing/2014/main" id="{30DBC704-3387-4A5D-A8E1-6CA6EEB5ADF6}"/>
-              </a:ext>
-            </a:extLst>
-          </p:cNvPr>
-          <p:cNvSpPr/>
-          <p:nvPr/>
-        </p:nvSpPr>
-        <p:spPr>
-          <a:xfrm>
-            <a:off x="182880" y="1450849"/>
-            <a:ext cx="8827008" cy="5035296"/>
-          </a:xfrm>
-          <a:prstGeom prst="rect">
-            <a:avLst/>
-          </a:prstGeom>
-          <a:solidFill>
-            <a:schemeClr val="accent6">
-              <a:lumMod val="40000"/>
-              <a:lumOff val="60000"/>
-              <a:alpha val="93000"/>
-            </a:schemeClr>
-          </a:solidFill>
-          <a:ln>
-            <a:noFill/>
-          </a:ln>
-        </p:spPr>
-        <p:style>
-          <a:lnRef idx="2">
-            <a:schemeClr val="accent1">
-              <a:shade val="50000"/>
-            </a:schemeClr>
-          </a:lnRef>
-          <a:fillRef idx="1">
-            <a:schemeClr val="accent1"/>
-          </a:fillRef>
-          <a:effectRef idx="0">
-            <a:schemeClr val="accent1"/>
-          </a:effectRef>
-          <a:fontRef idx="minor">
-            <a:schemeClr val="lt1"/>
-          </a:fontRef>
-        </p:style>
-        <p:txBody>
-          <a:bodyPr rtlCol="0" anchor="ctr"/>
-          <a:lstStyle/>
-          <a:p>
-            <a:pPr algn="ctr"/>
-            <a:endParaRPr lang="en-US"/>
-          </a:p>
-        </p:txBody>
-      </p:sp>
-      <p:sp>
-        <p:nvSpPr>
-          <p:cNvPr id="13" name="Title 1">
-            <a:extLst>
-              <a:ext uri="{FF2B5EF4-FFF2-40B4-BE49-F238E27FC236}">
-                <a16:creationId xmlns="" xmlns:a16="http://schemas.microsoft.com/office/drawing/2014/main" id="{95A38355-5A7F-4B61-8049-EB7D4C4B3DC5}"/>
-              </a:ext>
-            </a:extLst>
-          </p:cNvPr>
-          <p:cNvSpPr txBox="1">
-            <a:spLocks/>
-          </p:cNvSpPr>
-          <p:nvPr/>
-        </p:nvSpPr>
-        <p:spPr>
-          <a:xfrm>
-            <a:off x="1914144" y="3281046"/>
-            <a:ext cx="5669280" cy="2387600"/>
-          </a:xfrm>
-          <a:prstGeom prst="rect">
-            <a:avLst/>
-          </a:prstGeom>
-        </p:spPr>
-        <p:txBody>
-          <a:bodyPr vert="horz" lIns="91440" tIns="45720" rIns="91440" bIns="45720" rtlCol="0" anchor="ctr">
-            <a:normAutofit/>
-          </a:bodyPr>
-          <a:lstStyle>
-            <a:lvl1pPr algn="l" defTabSz="914400" rtl="0" eaLnBrk="1" latinLnBrk="0" hangingPunct="1">
-              <a:lnSpc>
-                <a:spcPct val="90000"/>
-              </a:lnSpc>
-              <a:spcBef>
-                <a:spcPct val="0"/>
-              </a:spcBef>
-              <a:buNone/>
-              <a:defRPr sz="4400" kern="1200">
-                <a:solidFill>
-                  <a:schemeClr val="tx1"/>
-                </a:solidFill>
-                <a:latin typeface="+mj-lt"/>
-                <a:ea typeface="+mj-ea"/>
-                <a:cs typeface="+mj-cs"/>
-              </a:defRPr>
-            </a:lvl1pPr>
-          </a:lstStyle>
-          <a:p>
-            <a:r>
-              <a:rPr lang="en-US" b="1">
-                <a:solidFill>
-                  <a:srgbClr val="002060"/>
-                </a:solidFill>
-              </a:rPr>
-              <a:t>Demonstration of SpaCy</a:t>
-            </a:r>
-            <a:endParaRPr lang="en-US" b="1" dirty="0">
-              <a:solidFill>
-                <a:srgbClr val="002060"/>
-              </a:solidFill>
-            </a:endParaRPr>
-          </a:p>
-        </p:txBody>
-      </p:sp>
-    </p:spTree>
-    <p:extLst>
-      <p:ext uri="{BB962C8B-B14F-4D97-AF65-F5344CB8AC3E}">
-        <p14:creationId xmlns:p14="http://schemas.microsoft.com/office/powerpoint/2010/main" val="454712633"/>
-      </p:ext>
-    </p:extLst>
-  </p:cSld>
-  <p:clrMapOvr>
-    <a:masterClrMapping/>
-  </p:clrMapOvr>
-  <p:timing>
-    <p:tnLst>
-      <p:par>
-        <p:cTn id="1" dur="indefinite" restart="never" nodeType="tmRoot"/>
-      </p:par>
-    </p:tnLst>
-  </p:timing>
-</p:sld>
-</file>
-
-<file path=ppt/slides/slide29.xml><?xml version="1.0" encoding="utf-8"?>
-<p:sld xmlns:a="http://schemas.openxmlformats.org/drawingml/2006/main" xmlns:r="http://schemas.openxmlformats.org/officeDocument/2006/relationships" xmlns:p="http://schemas.openxmlformats.org/presentationml/2006/main">
-  <p:cSld>
-    <p:spTree>
-      <p:nvGrpSpPr>
-        <p:cNvPr id="1" name=""/>
-        <p:cNvGrpSpPr/>
-        <p:nvPr/>
-      </p:nvGrpSpPr>
-      <p:grpSpPr>
-        <a:xfrm>
-          <a:off x="0" y="0"/>
-          <a:ext cx="0" cy="0"/>
-          <a:chOff x="0" y="0"/>
-          <a:chExt cx="0" cy="0"/>
-        </a:xfrm>
-      </p:grpSpPr>
-      <p:sp>
-        <p:nvSpPr>
-          <p:cNvPr id="2" name="Title 1">
-            <a:extLst>
-              <a:ext uri="{FF2B5EF4-FFF2-40B4-BE49-F238E27FC236}">
-                <a16:creationId xmlns="" xmlns:a16="http://schemas.microsoft.com/office/drawing/2014/main" id="{D6B083CC-4209-47D3-8AFB-A755190E41BB}"/>
-              </a:ext>
-            </a:extLst>
-          </p:cNvPr>
-          <p:cNvSpPr>
-            <a:spLocks noGrp="1"/>
-          </p:cNvSpPr>
-          <p:nvPr>
-            <p:ph type="title"/>
-          </p:nvPr>
-        </p:nvSpPr>
-        <p:spPr/>
-        <p:txBody>
-          <a:bodyPr>
-            <a:normAutofit/>
-          </a:bodyPr>
-          <a:lstStyle/>
-          <a:p>
-            <a:r>
-              <a:rPr lang="en-US"/>
-              <a:t>Observation: Off-the-shelf NER is Inadequate for Social Media</a:t>
-            </a:r>
-          </a:p>
-        </p:txBody>
-      </p:sp>
-      <p:sp>
-        <p:nvSpPr>
-          <p:cNvPr id="9" name="Content Placeholder 8">
-            <a:extLst>
-              <a:ext uri="{FF2B5EF4-FFF2-40B4-BE49-F238E27FC236}">
-                <a16:creationId xmlns="" xmlns:a16="http://schemas.microsoft.com/office/drawing/2014/main" id="{B1ED2A46-1714-4043-8859-0515A435A3E5}"/>
-              </a:ext>
-            </a:extLst>
-          </p:cNvPr>
-          <p:cNvSpPr>
-            <a:spLocks noGrp="1"/>
-          </p:cNvSpPr>
-          <p:nvPr>
-            <p:ph idx="1"/>
-          </p:nvPr>
-        </p:nvSpPr>
-        <p:spPr>
-          <a:xfrm>
-            <a:off x="609600" y="1825625"/>
-            <a:ext cx="7886700" cy="4351338"/>
-          </a:xfrm>
-        </p:spPr>
-        <p:txBody>
-          <a:bodyPr/>
-          <a:lstStyle/>
-          <a:p>
-            <a:r>
-              <a:rPr lang="en-US"/>
-              <a:t>Example: Stanford NER (off-the-shelf) vs. T-SEG (a Twitter-specific NER tool)</a:t>
-            </a:r>
-          </a:p>
-          <a:p>
-            <a:r>
-              <a:rPr lang="en-US"/>
-              <a:t>P, R and F1 below stand for Precision, Recall and F1-Measure resp. </a:t>
-            </a:r>
-          </a:p>
-        </p:txBody>
-      </p:sp>
-      <p:sp>
-        <p:nvSpPr>
-          <p:cNvPr id="10" name="TextBox 9">
-            <a:extLst>
-              <a:ext uri="{FF2B5EF4-FFF2-40B4-BE49-F238E27FC236}">
-                <a16:creationId xmlns="" xmlns:a16="http://schemas.microsoft.com/office/drawing/2014/main" id="{56F30D90-CBA2-46EA-91F2-0573C998920B}"/>
-              </a:ext>
-            </a:extLst>
-          </p:cNvPr>
-          <p:cNvSpPr txBox="1"/>
-          <p:nvPr/>
-        </p:nvSpPr>
-        <p:spPr>
-          <a:xfrm>
-            <a:off x="6400800" y="6361629"/>
-            <a:ext cx="2668524" cy="369332"/>
-          </a:xfrm>
-          <a:prstGeom prst="rect">
-            <a:avLst/>
-          </a:prstGeom>
-          <a:noFill/>
-        </p:spPr>
-        <p:txBody>
-          <a:bodyPr wrap="square" rtlCol="0">
-            <a:spAutoFit/>
-          </a:bodyPr>
-          <a:lstStyle/>
-          <a:p>
-            <a:pPr algn="r"/>
-            <a:r>
-              <a:rPr lang="en-US">
-                <a:solidFill>
-                  <a:srgbClr val="002060"/>
-                </a:solidFill>
-              </a:rPr>
-              <a:t>(Ritter et al., 2011)</a:t>
-            </a:r>
-          </a:p>
-        </p:txBody>
-      </p:sp>
-      <p:pic>
-        <p:nvPicPr>
-          <p:cNvPr id="11" name="Picture 10">
-            <a:extLst>
-              <a:ext uri="{FF2B5EF4-FFF2-40B4-BE49-F238E27FC236}">
-                <a16:creationId xmlns="" xmlns:a16="http://schemas.microsoft.com/office/drawing/2014/main" id="{139CD10C-D795-43F9-9BE2-0158C5C25AF2}"/>
-              </a:ext>
-            </a:extLst>
-          </p:cNvPr>
-          <p:cNvPicPr>
-            <a:picLocks noChangeAspect="1"/>
-          </p:cNvPicPr>
-          <p:nvPr/>
-        </p:nvPicPr>
-        <p:blipFill>
-          <a:blip r:embed="rId2"/>
-          <a:stretch>
-            <a:fillRect/>
-          </a:stretch>
-        </p:blipFill>
-        <p:spPr>
-          <a:xfrm>
-            <a:off x="1006602" y="3473196"/>
-            <a:ext cx="7090456" cy="2435543"/>
-          </a:xfrm>
-          <a:prstGeom prst="rect">
-            <a:avLst/>
-          </a:prstGeom>
-        </p:spPr>
-      </p:pic>
-    </p:spTree>
-    <p:extLst>
-      <p:ext uri="{BB962C8B-B14F-4D97-AF65-F5344CB8AC3E}">
-        <p14:creationId xmlns:p14="http://schemas.microsoft.com/office/powerpoint/2010/main" val="1753429276"/>
-      </p:ext>
-    </p:extLst>
-  </p:cSld>
-  <p:clrMapOvr>
-    <a:masterClrMapping/>
-  </p:clrMapOvr>
-  <p:timing>
-    <p:tnLst>
-      <p:par>
-        <p:cTn id="1" dur="indefinite" restart="never" nodeType="tmRoot"/>
-      </p:par>
-    </p:tnLst>
-  </p:timing>
-</p:sld>
-</file>
-
-<file path=ppt/slides/slide3.xml><?xml version="1.0" encoding="utf-8"?>
-<p:sld xmlns:a="http://schemas.openxmlformats.org/drawingml/2006/main" xmlns:r="http://schemas.openxmlformats.org/officeDocument/2006/relationships" xmlns:p="http://schemas.openxmlformats.org/presentationml/2006/main">
-  <p:cSld>
-    <p:spTree>
-      <p:nvGrpSpPr>
-        <p:cNvPr id="1" name=""/>
-        <p:cNvGrpSpPr/>
-        <p:nvPr/>
-      </p:nvGrpSpPr>
-      <p:grpSpPr>
-        <a:xfrm>
-          <a:off x="0" y="0"/>
-          <a:ext cx="0" cy="0"/>
-          <a:chOff x="0" y="0"/>
-          <a:chExt cx="0" cy="0"/>
-        </a:xfrm>
-      </p:grpSpPr>
-      <p:sp>
-        <p:nvSpPr>
-          <p:cNvPr id="2" name="Title 1"/>
-          <p:cNvSpPr>
-            <a:spLocks noGrp="1"/>
-          </p:cNvSpPr>
-          <p:nvPr>
-            <p:ph type="title"/>
-          </p:nvPr>
-        </p:nvSpPr>
-        <p:spPr/>
-        <p:txBody>
-          <a:bodyPr/>
-          <a:lstStyle/>
-          <a:p>
-            <a:r>
-              <a:rPr lang="en-US" dirty="0"/>
-              <a:t>n-Tuple form</a:t>
-            </a:r>
-          </a:p>
-        </p:txBody>
-      </p:sp>
-      <p:sp>
-        <p:nvSpPr>
-          <p:cNvPr id="3" name="Content Placeholder 2"/>
-          <p:cNvSpPr>
-            <a:spLocks noGrp="1"/>
-          </p:cNvSpPr>
-          <p:nvPr>
-            <p:ph idx="1"/>
-          </p:nvPr>
-        </p:nvSpPr>
-        <p:spPr/>
+            <a:off x="177546" y="2313304"/>
+            <a:ext cx="4065270" cy="4351338"/>
+          </a:xfrm>
+        </p:spPr>
         <p:txBody>
           <a:bodyPr>
             <a:normAutofit lnSpcReduction="10000"/>
@@ -12910,523 +12508,6 @@
           <a:lstStyle/>
           <a:p>
             <a:r>
-              <a:rPr lang="en-US" dirty="0"/>
-              <a:t>{Tweet, Flood, Canada}</a:t>
-            </a:r>
-          </a:p>
-          <a:p>
-            <a:r>
-              <a:rPr lang="en-US" dirty="0"/>
-              <a:t>{Tweet, Flood, Alberta}</a:t>
-            </a:r>
-          </a:p>
-          <a:p>
-            <a:r>
-              <a:rPr lang="en-US" dirty="0"/>
-              <a:t>{Tweet, Flood, Lost, Person}</a:t>
-            </a:r>
-          </a:p>
-          <a:p>
-            <a:r>
-              <a:rPr lang="en-US" dirty="0"/>
-              <a:t>{Tweet, Lost, Person, Natural Hazard}</a:t>
-            </a:r>
-          </a:p>
-          <a:p>
-            <a:pPr marL="0" indent="0">
-              <a:buNone/>
-            </a:pPr>
-            <a:endParaRPr lang="en-US" dirty="0"/>
-          </a:p>
-          <a:p>
-            <a:pPr marL="0" indent="0">
-              <a:buNone/>
-            </a:pPr>
-            <a:r>
-              <a:rPr lang="en-US" dirty="0"/>
-              <a:t>A tweet can be associated with multiple n-tuples. </a:t>
-            </a:r>
-          </a:p>
-          <a:p>
-            <a:pPr marL="0" indent="0">
-              <a:buNone/>
-            </a:pPr>
-            <a:endParaRPr lang="en-US" dirty="0"/>
-          </a:p>
-          <a:p>
-            <a:r>
-              <a:rPr lang="en-US" dirty="0"/>
-              <a:t>- Schema : {Tweet, event type, location, participating entity}</a:t>
-            </a:r>
-          </a:p>
-          <a:p>
-            <a:endParaRPr lang="en-US" dirty="0"/>
-          </a:p>
-          <a:p>
-            <a:endParaRPr lang="en-US" dirty="0"/>
-          </a:p>
-        </p:txBody>
-      </p:sp>
-    </p:spTree>
-    <p:extLst>
-      <p:ext uri="{BB962C8B-B14F-4D97-AF65-F5344CB8AC3E}">
-        <p14:creationId xmlns:p14="http://schemas.microsoft.com/office/powerpoint/2010/main" val="2034135271"/>
-      </p:ext>
-    </p:extLst>
-  </p:cSld>
-  <p:clrMapOvr>
-    <a:masterClrMapping/>
-  </p:clrMapOvr>
-  <p:timing>
-    <p:tnLst>
-      <p:par>
-        <p:cTn id="1" dur="indefinite" restart="never" nodeType="tmRoot"/>
-      </p:par>
-    </p:tnLst>
-  </p:timing>
-</p:sld>
-</file>
-
-<file path=ppt/slides/slide30.xml><?xml version="1.0" encoding="utf-8"?>
-<p:sld xmlns:a="http://schemas.openxmlformats.org/drawingml/2006/main" xmlns:r="http://schemas.openxmlformats.org/officeDocument/2006/relationships" xmlns:p="http://schemas.openxmlformats.org/presentationml/2006/main">
-  <p:cSld>
-    <p:spTree>
-      <p:nvGrpSpPr>
-        <p:cNvPr id="1" name=""/>
-        <p:cNvGrpSpPr/>
-        <p:nvPr/>
-      </p:nvGrpSpPr>
-      <p:grpSpPr>
-        <a:xfrm>
-          <a:off x="0" y="0"/>
-          <a:ext cx="0" cy="0"/>
-          <a:chOff x="0" y="0"/>
-          <a:chExt cx="0" cy="0"/>
-        </a:xfrm>
-      </p:grpSpPr>
-      <p:sp>
-        <p:nvSpPr>
-          <p:cNvPr id="2" name="Title 1">
-            <a:extLst>
-              <a:ext uri="{FF2B5EF4-FFF2-40B4-BE49-F238E27FC236}">
-                <a16:creationId xmlns="" xmlns:a16="http://schemas.microsoft.com/office/drawing/2014/main" id="{D6B083CC-4209-47D3-8AFB-A755190E41BB}"/>
-              </a:ext>
-            </a:extLst>
-          </p:cNvPr>
-          <p:cNvSpPr>
-            <a:spLocks noGrp="1"/>
-          </p:cNvSpPr>
-          <p:nvPr>
-            <p:ph type="title"/>
-          </p:nvPr>
-        </p:nvSpPr>
-        <p:spPr/>
-        <p:txBody>
-          <a:bodyPr>
-            <a:normAutofit/>
-          </a:bodyPr>
-          <a:lstStyle/>
-          <a:p>
-            <a:r>
-              <a:rPr lang="en-US"/>
-              <a:t>Observation: Off-the-shelf NER is Inadequate for Social Media</a:t>
-            </a:r>
-          </a:p>
-        </p:txBody>
-      </p:sp>
-      <p:sp>
-        <p:nvSpPr>
-          <p:cNvPr id="9" name="Content Placeholder 8">
-            <a:extLst>
-              <a:ext uri="{FF2B5EF4-FFF2-40B4-BE49-F238E27FC236}">
-                <a16:creationId xmlns="" xmlns:a16="http://schemas.microsoft.com/office/drawing/2014/main" id="{B1ED2A46-1714-4043-8859-0515A435A3E5}"/>
-              </a:ext>
-            </a:extLst>
-          </p:cNvPr>
-          <p:cNvSpPr>
-            <a:spLocks noGrp="1"/>
-          </p:cNvSpPr>
-          <p:nvPr>
-            <p:ph idx="1"/>
-          </p:nvPr>
-        </p:nvSpPr>
-        <p:spPr>
-          <a:xfrm>
-            <a:off x="609600" y="1825625"/>
-            <a:ext cx="7886700" cy="4351338"/>
-          </a:xfrm>
-        </p:spPr>
-        <p:txBody>
-          <a:bodyPr/>
-          <a:lstStyle/>
-          <a:p>
-            <a:r>
-              <a:rPr lang="en-US"/>
-              <a:t>Example: Stanford NER (off-the-shelf) vs. T-SEG (a Twitter-specific NER tool)</a:t>
-            </a:r>
-          </a:p>
-          <a:p>
-            <a:r>
-              <a:rPr lang="en-US"/>
-              <a:t>P, R and F1 below stand for Precision, Recall and F1-Measure resp. </a:t>
-            </a:r>
-          </a:p>
-        </p:txBody>
-      </p:sp>
-      <p:pic>
-        <p:nvPicPr>
-          <p:cNvPr id="11" name="Picture 10">
-            <a:extLst>
-              <a:ext uri="{FF2B5EF4-FFF2-40B4-BE49-F238E27FC236}">
-                <a16:creationId xmlns="" xmlns:a16="http://schemas.microsoft.com/office/drawing/2014/main" id="{139CD10C-D795-43F9-9BE2-0158C5C25AF2}"/>
-              </a:ext>
-            </a:extLst>
-          </p:cNvPr>
-          <p:cNvPicPr>
-            <a:picLocks noChangeAspect="1"/>
-          </p:cNvPicPr>
-          <p:nvPr/>
-        </p:nvPicPr>
-        <p:blipFill>
-          <a:blip r:embed="rId2"/>
-          <a:stretch>
-            <a:fillRect/>
-          </a:stretch>
-        </p:blipFill>
-        <p:spPr>
-          <a:xfrm>
-            <a:off x="1006602" y="3473196"/>
-            <a:ext cx="7090456" cy="2435543"/>
-          </a:xfrm>
-          <a:prstGeom prst="rect">
-            <a:avLst/>
-          </a:prstGeom>
-        </p:spPr>
-      </p:pic>
-      <p:sp>
-        <p:nvSpPr>
-          <p:cNvPr id="8" name="Rectangle 7">
-            <a:extLst>
-              <a:ext uri="{FF2B5EF4-FFF2-40B4-BE49-F238E27FC236}">
-                <a16:creationId xmlns="" xmlns:a16="http://schemas.microsoft.com/office/drawing/2014/main" id="{99016647-0CBA-4CDC-A66E-8FCBED8E4481}"/>
-              </a:ext>
-            </a:extLst>
-          </p:cNvPr>
-          <p:cNvSpPr/>
-          <p:nvPr/>
-        </p:nvSpPr>
-        <p:spPr>
-          <a:xfrm>
-            <a:off x="304800" y="1690689"/>
-            <a:ext cx="8595360" cy="1930335"/>
-          </a:xfrm>
-          <a:prstGeom prst="rect">
-            <a:avLst/>
-          </a:prstGeom>
-          <a:solidFill>
-            <a:schemeClr val="accent6">
-              <a:lumMod val="40000"/>
-              <a:lumOff val="60000"/>
-              <a:alpha val="93000"/>
-            </a:schemeClr>
-          </a:solidFill>
-          <a:ln>
-            <a:noFill/>
-          </a:ln>
-        </p:spPr>
-        <p:style>
-          <a:lnRef idx="2">
-            <a:schemeClr val="accent1">
-              <a:shade val="50000"/>
-            </a:schemeClr>
-          </a:lnRef>
-          <a:fillRef idx="1">
-            <a:schemeClr val="accent1"/>
-          </a:fillRef>
-          <a:effectRef idx="0">
-            <a:schemeClr val="accent1"/>
-          </a:effectRef>
-          <a:fontRef idx="minor">
-            <a:schemeClr val="lt1"/>
-          </a:fontRef>
-        </p:style>
-        <p:txBody>
-          <a:bodyPr rtlCol="0" anchor="ctr"/>
-          <a:lstStyle/>
-          <a:p>
-            <a:pPr algn="ctr"/>
-            <a:endParaRPr lang="en-US"/>
-          </a:p>
-        </p:txBody>
-      </p:sp>
-      <p:sp>
-        <p:nvSpPr>
-          <p:cNvPr id="4" name="TextBox 3">
-            <a:extLst>
-              <a:ext uri="{FF2B5EF4-FFF2-40B4-BE49-F238E27FC236}">
-                <a16:creationId xmlns="" xmlns:a16="http://schemas.microsoft.com/office/drawing/2014/main" id="{4B33F1C3-6003-4D94-915E-6A63B46DBE1C}"/>
-              </a:ext>
-            </a:extLst>
-          </p:cNvPr>
-          <p:cNvSpPr txBox="1"/>
-          <p:nvPr/>
-        </p:nvSpPr>
-        <p:spPr>
-          <a:xfrm>
-            <a:off x="900685" y="2042602"/>
-            <a:ext cx="7595615" cy="1569660"/>
-          </a:xfrm>
-          <a:prstGeom prst="rect">
-            <a:avLst/>
-          </a:prstGeom>
-          <a:noFill/>
-        </p:spPr>
-        <p:txBody>
-          <a:bodyPr wrap="square" rtlCol="0">
-            <a:spAutoFit/>
-          </a:bodyPr>
-          <a:lstStyle/>
-          <a:p>
-            <a:pPr algn="ctr"/>
-            <a:r>
-              <a:rPr lang="en-US" sz="3200">
-                <a:solidFill>
-                  <a:srgbClr val="FF0000"/>
-                </a:solidFill>
-              </a:rPr>
-              <a:t>Training Twitter-specific models and using Twitter-specific features offers significant performance advantages</a:t>
-            </a:r>
-          </a:p>
-        </p:txBody>
-      </p:sp>
-      <p:sp>
-        <p:nvSpPr>
-          <p:cNvPr id="3" name="Oval 2">
-            <a:extLst>
-              <a:ext uri="{FF2B5EF4-FFF2-40B4-BE49-F238E27FC236}">
-                <a16:creationId xmlns="" xmlns:a16="http://schemas.microsoft.com/office/drawing/2014/main" id="{A6AA111D-A7A9-4A20-AA18-6ABD3344B561}"/>
-              </a:ext>
-            </a:extLst>
-          </p:cNvPr>
-          <p:cNvSpPr/>
-          <p:nvPr/>
-        </p:nvSpPr>
-        <p:spPr>
-          <a:xfrm>
-            <a:off x="6693408" y="3473196"/>
-            <a:ext cx="1281730" cy="2574036"/>
-          </a:xfrm>
-          <a:prstGeom prst="ellipse">
-            <a:avLst/>
-          </a:prstGeom>
-          <a:noFill/>
-          <a:ln w="38100">
-            <a:solidFill>
-              <a:srgbClr val="FF0000"/>
-            </a:solidFill>
-          </a:ln>
-        </p:spPr>
-        <p:style>
-          <a:lnRef idx="2">
-            <a:schemeClr val="accent1">
-              <a:shade val="50000"/>
-            </a:schemeClr>
-          </a:lnRef>
-          <a:fillRef idx="1">
-            <a:schemeClr val="accent1"/>
-          </a:fillRef>
-          <a:effectRef idx="0">
-            <a:schemeClr val="accent1"/>
-          </a:effectRef>
-          <a:fontRef idx="minor">
-            <a:schemeClr val="lt1"/>
-          </a:fontRef>
-        </p:style>
-        <p:txBody>
-          <a:bodyPr rtlCol="0" anchor="ctr"/>
-          <a:lstStyle/>
-          <a:p>
-            <a:pPr algn="ctr"/>
-            <a:endParaRPr lang="en-US"/>
-          </a:p>
-        </p:txBody>
-      </p:sp>
-      <p:cxnSp>
-        <p:nvCxnSpPr>
-          <p:cNvPr id="6" name="Straight Arrow Connector 5">
-            <a:extLst>
-              <a:ext uri="{FF2B5EF4-FFF2-40B4-BE49-F238E27FC236}">
-                <a16:creationId xmlns="" xmlns:a16="http://schemas.microsoft.com/office/drawing/2014/main" id="{61BDA680-BA2B-49A7-BB1B-55390EF54BAA}"/>
-              </a:ext>
-            </a:extLst>
-          </p:cNvPr>
-          <p:cNvCxnSpPr/>
-          <p:nvPr/>
-        </p:nvCxnSpPr>
-        <p:spPr>
-          <a:xfrm>
-            <a:off x="4645152" y="3473196"/>
-            <a:ext cx="2170176" cy="428244"/>
-          </a:xfrm>
-          <a:prstGeom prst="straightConnector1">
-            <a:avLst/>
-          </a:prstGeom>
-          <a:ln>
-            <a:solidFill>
-              <a:srgbClr val="FF0000"/>
-            </a:solidFill>
-            <a:tailEnd type="triangle"/>
-          </a:ln>
-        </p:spPr>
-        <p:style>
-          <a:lnRef idx="1">
-            <a:schemeClr val="accent1"/>
-          </a:lnRef>
-          <a:fillRef idx="0">
-            <a:schemeClr val="accent1"/>
-          </a:fillRef>
-          <a:effectRef idx="0">
-            <a:schemeClr val="accent1"/>
-          </a:effectRef>
-          <a:fontRef idx="minor">
-            <a:schemeClr val="tx1"/>
-          </a:fontRef>
-        </p:style>
-      </p:cxnSp>
-      <p:sp>
-        <p:nvSpPr>
-          <p:cNvPr id="12" name="TextBox 11">
-            <a:extLst>
-              <a:ext uri="{FF2B5EF4-FFF2-40B4-BE49-F238E27FC236}">
-                <a16:creationId xmlns="" xmlns:a16="http://schemas.microsoft.com/office/drawing/2014/main" id="{A9662CE1-4096-4132-B041-42E280DDC82E}"/>
-              </a:ext>
-            </a:extLst>
-          </p:cNvPr>
-          <p:cNvSpPr txBox="1"/>
-          <p:nvPr/>
-        </p:nvSpPr>
-        <p:spPr>
-          <a:xfrm>
-            <a:off x="6400800" y="6361629"/>
-            <a:ext cx="2668524" cy="369332"/>
-          </a:xfrm>
-          <a:prstGeom prst="rect">
-            <a:avLst/>
-          </a:prstGeom>
-          <a:noFill/>
-        </p:spPr>
-        <p:txBody>
-          <a:bodyPr wrap="square" rtlCol="0">
-            <a:spAutoFit/>
-          </a:bodyPr>
-          <a:lstStyle/>
-          <a:p>
-            <a:pPr algn="r"/>
-            <a:r>
-              <a:rPr lang="en-US">
-                <a:solidFill>
-                  <a:srgbClr val="002060"/>
-                </a:solidFill>
-              </a:rPr>
-              <a:t>(Ritter et al., 2011)</a:t>
-            </a:r>
-          </a:p>
-        </p:txBody>
-      </p:sp>
-    </p:spTree>
-    <p:extLst>
-      <p:ext uri="{BB962C8B-B14F-4D97-AF65-F5344CB8AC3E}">
-        <p14:creationId xmlns:p14="http://schemas.microsoft.com/office/powerpoint/2010/main" val="155772102"/>
-      </p:ext>
-    </p:extLst>
-  </p:cSld>
-  <p:clrMapOvr>
-    <a:masterClrMapping/>
-  </p:clrMapOvr>
-  <p:timing>
-    <p:tnLst>
-      <p:par>
-        <p:cTn id="1" dur="indefinite" restart="never" nodeType="tmRoot"/>
-      </p:par>
-    </p:tnLst>
-  </p:timing>
-</p:sld>
-</file>
-
-<file path=ppt/slides/slide31.xml><?xml version="1.0" encoding="utf-8"?>
-<p:sld xmlns:a="http://schemas.openxmlformats.org/drawingml/2006/main" xmlns:r="http://schemas.openxmlformats.org/officeDocument/2006/relationships" xmlns:p="http://schemas.openxmlformats.org/presentationml/2006/main">
-  <p:cSld>
-    <p:spTree>
-      <p:nvGrpSpPr>
-        <p:cNvPr id="1" name=""/>
-        <p:cNvGrpSpPr/>
-        <p:nvPr/>
-      </p:nvGrpSpPr>
-      <p:grpSpPr>
-        <a:xfrm>
-          <a:off x="0" y="0"/>
-          <a:ext cx="0" cy="0"/>
-          <a:chOff x="0" y="0"/>
-          <a:chExt cx="0" cy="0"/>
-        </a:xfrm>
-      </p:grpSpPr>
-      <p:sp>
-        <p:nvSpPr>
-          <p:cNvPr id="2" name="Title 1">
-            <a:extLst>
-              <a:ext uri="{FF2B5EF4-FFF2-40B4-BE49-F238E27FC236}">
-                <a16:creationId xmlns="" xmlns:a16="http://schemas.microsoft.com/office/drawing/2014/main" id="{98EED3C8-49EA-4FD6-AA72-3757D4559438}"/>
-              </a:ext>
-            </a:extLst>
-          </p:cNvPr>
-          <p:cNvSpPr>
-            <a:spLocks noGrp="1"/>
-          </p:cNvSpPr>
-          <p:nvPr>
-            <p:ph type="title"/>
-          </p:nvPr>
-        </p:nvSpPr>
-        <p:spPr/>
-        <p:txBody>
-          <a:bodyPr/>
-          <a:lstStyle/>
-          <a:p>
-            <a:r>
-              <a:rPr lang="en-US"/>
-              <a:t>Twitter-specific NER Systems</a:t>
-            </a:r>
-          </a:p>
-        </p:txBody>
-      </p:sp>
-      <p:sp>
-        <p:nvSpPr>
-          <p:cNvPr id="3" name="Content Placeholder 2">
-            <a:extLst>
-              <a:ext uri="{FF2B5EF4-FFF2-40B4-BE49-F238E27FC236}">
-                <a16:creationId xmlns="" xmlns:a16="http://schemas.microsoft.com/office/drawing/2014/main" id="{CAB91084-3E46-400D-BE22-90BD771E168C}"/>
-              </a:ext>
-            </a:extLst>
-          </p:cNvPr>
-          <p:cNvSpPr>
-            <a:spLocks noGrp="1"/>
-          </p:cNvSpPr>
-          <p:nvPr>
-            <p:ph idx="1"/>
-          </p:nvPr>
-        </p:nvSpPr>
-        <p:spPr>
-          <a:xfrm>
-            <a:off x="177546" y="2313304"/>
-            <a:ext cx="4065270" cy="4351338"/>
-          </a:xfrm>
-        </p:spPr>
-        <p:txBody>
-          <a:bodyPr>
-            <a:normAutofit lnSpcReduction="10000"/>
-          </a:bodyPr>
-          <a:lstStyle/>
-          <a:p>
-            <a:r>
               <a:rPr lang="en-US" sz="2400"/>
               <a:t>Best systems maximize ‘signal’ by leveraging joint contexts, distributional similarity, word embeddings and even URLs</a:t>
             </a:r>
@@ -13456,7 +12537,7 @@
           <p:cNvPr id="5" name="Content Placeholder 2">
             <a:extLst>
               <a:ext uri="{FF2B5EF4-FFF2-40B4-BE49-F238E27FC236}">
-                <a16:creationId xmlns="" xmlns:a16="http://schemas.microsoft.com/office/drawing/2014/main" id="{C4304FCA-E1F7-4952-AD14-0BCA8C5AD477}"/>
+                <a16:creationId xmlns:a16="http://schemas.microsoft.com/office/drawing/2014/main" xmlns="" id="{C4304FCA-E1F7-4952-AD14-0BCA8C5AD477}"/>
               </a:ext>
             </a:extLst>
           </p:cNvPr>
@@ -13670,7 +12751,7 @@
           <p:cNvPr id="6" name="TextBox 5">
             <a:extLst>
               <a:ext uri="{FF2B5EF4-FFF2-40B4-BE49-F238E27FC236}">
-                <a16:creationId xmlns="" xmlns:a16="http://schemas.microsoft.com/office/drawing/2014/main" id="{AC508DBB-8D56-4255-A54A-976A80CEAE97}"/>
+                <a16:creationId xmlns:a16="http://schemas.microsoft.com/office/drawing/2014/main" xmlns="" id="{AC508DBB-8D56-4255-A54A-976A80CEAE97}"/>
               </a:ext>
             </a:extLst>
           </p:cNvPr>
@@ -13709,7 +12790,7 @@
           <p:cNvPr id="7" name="TextBox 6">
             <a:extLst>
               <a:ext uri="{FF2B5EF4-FFF2-40B4-BE49-F238E27FC236}">
-                <a16:creationId xmlns="" xmlns:a16="http://schemas.microsoft.com/office/drawing/2014/main" id="{0DD8D7F7-ADAC-4080-A271-18B84408AA8B}"/>
+                <a16:creationId xmlns:a16="http://schemas.microsoft.com/office/drawing/2014/main" xmlns="" id="{0DD8D7F7-ADAC-4080-A271-18B84408AA8B}"/>
               </a:ext>
             </a:extLst>
           </p:cNvPr>
@@ -13763,7 +12844,7 @@
 </p:sld>
 </file>
 
-<file path=ppt/slides/slide32.xml><?xml version="1.0" encoding="utf-8"?>
+<file path=ppt/slides/slide26.xml><?xml version="1.0" encoding="utf-8"?>
 <p:sld xmlns:a="http://schemas.openxmlformats.org/drawingml/2006/main" xmlns:r="http://schemas.openxmlformats.org/officeDocument/2006/relationships" xmlns:p="http://schemas.openxmlformats.org/presentationml/2006/main">
   <p:cSld>
     <p:spTree>
@@ -13785,7 +12866,7 @@
           <p:cNvPr id="2" name="Title 1">
             <a:extLst>
               <a:ext uri="{FF2B5EF4-FFF2-40B4-BE49-F238E27FC236}">
-                <a16:creationId xmlns="" xmlns:a16="http://schemas.microsoft.com/office/drawing/2014/main" id="{6EA66CEF-80A3-4CFD-A9BB-1C66D281398B}"/>
+                <a16:creationId xmlns:a16="http://schemas.microsoft.com/office/drawing/2014/main" xmlns="" id="{6EA66CEF-80A3-4CFD-A9BB-1C66D281398B}"/>
               </a:ext>
             </a:extLst>
           </p:cNvPr>
@@ -13813,7 +12894,7 @@
           <p:cNvPr id="3" name="Content Placeholder 2">
             <a:extLst>
               <a:ext uri="{FF2B5EF4-FFF2-40B4-BE49-F238E27FC236}">
-                <a16:creationId xmlns="" xmlns:a16="http://schemas.microsoft.com/office/drawing/2014/main" id="{BB485482-83E4-4D7B-BC28-ED9C8462CEA9}"/>
+                <a16:creationId xmlns:a16="http://schemas.microsoft.com/office/drawing/2014/main" xmlns="" id="{BB485482-83E4-4D7B-BC28-ED9C8462CEA9}"/>
               </a:ext>
             </a:extLst>
           </p:cNvPr>
@@ -13894,7 +12975,7 @@
           <p:cNvPr id="5" name="TextBox 4">
             <a:extLst>
               <a:ext uri="{FF2B5EF4-FFF2-40B4-BE49-F238E27FC236}">
-                <a16:creationId xmlns="" xmlns:a16="http://schemas.microsoft.com/office/drawing/2014/main" id="{6170541E-0039-47AC-8A76-8ED40D7DA676}"/>
+                <a16:creationId xmlns:a16="http://schemas.microsoft.com/office/drawing/2014/main" xmlns="" id="{6170541E-0039-47AC-8A76-8ED40D7DA676}"/>
               </a:ext>
             </a:extLst>
           </p:cNvPr>
@@ -13949,7 +13030,7 @@
 </p:sld>
 </file>
 
-<file path=ppt/slides/slide33.xml><?xml version="1.0" encoding="utf-8"?>
+<file path=ppt/slides/slide27.xml><?xml version="1.0" encoding="utf-8"?>
 <p:sld xmlns:a="http://schemas.openxmlformats.org/drawingml/2006/main" xmlns:r="http://schemas.openxmlformats.org/officeDocument/2006/relationships" xmlns:p="http://schemas.openxmlformats.org/presentationml/2006/main">
   <p:cSld>
     <p:spTree>
@@ -13971,7 +13052,7 @@
           <p:cNvPr id="2" name="Title 1">
             <a:extLst>
               <a:ext uri="{FF2B5EF4-FFF2-40B4-BE49-F238E27FC236}">
-                <a16:creationId xmlns="" xmlns:a16="http://schemas.microsoft.com/office/drawing/2014/main" id="{6EA66CEF-80A3-4CFD-A9BB-1C66D281398B}"/>
+                <a16:creationId xmlns:a16="http://schemas.microsoft.com/office/drawing/2014/main" xmlns="" id="{6EA66CEF-80A3-4CFD-A9BB-1C66D281398B}"/>
               </a:ext>
             </a:extLst>
           </p:cNvPr>
@@ -13999,7 +13080,7 @@
           <p:cNvPr id="3" name="Content Placeholder 2">
             <a:extLst>
               <a:ext uri="{FF2B5EF4-FFF2-40B4-BE49-F238E27FC236}">
-                <a16:creationId xmlns="" xmlns:a16="http://schemas.microsoft.com/office/drawing/2014/main" id="{BB485482-83E4-4D7B-BC28-ED9C8462CEA9}"/>
+                <a16:creationId xmlns:a16="http://schemas.microsoft.com/office/drawing/2014/main" xmlns="" id="{BB485482-83E4-4D7B-BC28-ED9C8462CEA9}"/>
               </a:ext>
             </a:extLst>
           </p:cNvPr>
@@ -14024,7 +13105,7 @@
           <p:cNvPr id="5" name="TextBox 4">
             <a:extLst>
               <a:ext uri="{FF2B5EF4-FFF2-40B4-BE49-F238E27FC236}">
-                <a16:creationId xmlns="" xmlns:a16="http://schemas.microsoft.com/office/drawing/2014/main" id="{D6BBBBCF-B341-4F96-8E03-7D7F78D47761}"/>
+                <a16:creationId xmlns:a16="http://schemas.microsoft.com/office/drawing/2014/main" xmlns="" id="{D6BBBBCF-B341-4F96-8E03-7D7F78D47761}"/>
               </a:ext>
             </a:extLst>
           </p:cNvPr>
@@ -14064,7 +13145,7 @@
           <p:cNvPr id="6" name="Picture 5">
             <a:extLst>
               <a:ext uri="{FF2B5EF4-FFF2-40B4-BE49-F238E27FC236}">
-                <a16:creationId xmlns="" xmlns:a16="http://schemas.microsoft.com/office/drawing/2014/main" id="{B2C808EF-D515-4A45-9CCD-07E40B1F20D9}"/>
+                <a16:creationId xmlns:a16="http://schemas.microsoft.com/office/drawing/2014/main" xmlns="" id="{B2C808EF-D515-4A45-9CCD-07E40B1F20D9}"/>
               </a:ext>
             </a:extLst>
           </p:cNvPr>
@@ -14074,7 +13155,7 @@
           <p:nvPr/>
         </p:nvPicPr>
         <p:blipFill>
-          <a:blip r:embed="rId2"/>
+          <a:blip r:embed="rId3"/>
           <a:stretch>
             <a:fillRect/>
           </a:stretch>
@@ -14109,7 +13190,7 @@
 </p:sld>
 </file>
 
-<file path=ppt/slides/slide34.xml><?xml version="1.0" encoding="utf-8"?>
+<file path=ppt/slides/slide28.xml><?xml version="1.0" encoding="utf-8"?>
 <p:sld xmlns:a="http://schemas.openxmlformats.org/drawingml/2006/main" xmlns:r="http://schemas.openxmlformats.org/officeDocument/2006/relationships" xmlns:p="http://schemas.openxmlformats.org/presentationml/2006/main">
   <p:cSld>
     <p:spTree>
@@ -14131,7 +13212,7 @@
           <p:cNvPr id="2" name="Title 1">
             <a:extLst>
               <a:ext uri="{FF2B5EF4-FFF2-40B4-BE49-F238E27FC236}">
-                <a16:creationId xmlns="" xmlns:a16="http://schemas.microsoft.com/office/drawing/2014/main" id="{1D342013-5FF6-40E3-B359-14CB42E4831A}"/>
+                <a16:creationId xmlns:a16="http://schemas.microsoft.com/office/drawing/2014/main" xmlns="" id="{F1EF15B1-1873-4C36-A684-2B8B25594A85}"/>
               </a:ext>
             </a:extLst>
           </p:cNvPr>
@@ -14149,7 +13230,7 @@
           <a:p>
             <a:r>
               <a:rPr lang="en-US"/>
-              <a:t>ArkNLP</a:t>
+              <a:t>How to improve performance even further?</a:t>
             </a:r>
           </a:p>
         </p:txBody>
@@ -14159,7 +13240,7 @@
           <p:cNvPr id="3" name="Content Placeholder 2">
             <a:extLst>
               <a:ext uri="{FF2B5EF4-FFF2-40B4-BE49-F238E27FC236}">
-                <a16:creationId xmlns="" xmlns:a16="http://schemas.microsoft.com/office/drawing/2014/main" id="{D361F80C-785B-40AA-BE08-6CE4D6FD6E2F}"/>
+                <a16:creationId xmlns:a16="http://schemas.microsoft.com/office/drawing/2014/main" xmlns="" id="{2FA6422C-9FED-4D43-9DE4-F348D1C7DD04}"/>
               </a:ext>
             </a:extLst>
           </p:cNvPr>
@@ -14170,239 +13251,6 @@
             <p:ph idx="1"/>
           </p:nvPr>
         </p:nvSpPr>
-        <p:spPr/>
-        <p:txBody>
-          <a:bodyPr/>
-          <a:lstStyle/>
-          <a:p>
-            <a:r>
-              <a:rPr lang="en-US"/>
-              <a:t>Social-media specific NLP packages have emerged e.g., ArkNLP</a:t>
-            </a:r>
-          </a:p>
-          <a:p>
-            <a:r>
-              <a:rPr lang="en-US"/>
-              <a:t>Lots of research into how to parse irregular text, NLP methods have arguably become more robust as a result</a:t>
-            </a:r>
-          </a:p>
-          <a:p>
-            <a:r>
-              <a:rPr lang="en-US"/>
-              <a:t>Spurred research on joint models, cross-domain entity linking</a:t>
-            </a:r>
-          </a:p>
-          <a:p>
-            <a:r>
-              <a:rPr lang="en-US"/>
-              <a:t>Performance is improving slowly, albeit still far from performance on traditional inputs like newswire </a:t>
-            </a:r>
-          </a:p>
-          <a:p>
-            <a:endParaRPr lang="en-US"/>
-          </a:p>
-        </p:txBody>
-      </p:sp>
-      <p:sp>
-        <p:nvSpPr>
-          <p:cNvPr id="4" name="Rectangle 3">
-            <a:extLst>
-              <a:ext uri="{FF2B5EF4-FFF2-40B4-BE49-F238E27FC236}">
-                <a16:creationId xmlns="" xmlns:a16="http://schemas.microsoft.com/office/drawing/2014/main" id="{68292180-5527-4197-B49E-6498711C7566}"/>
-              </a:ext>
-            </a:extLst>
-          </p:cNvPr>
-          <p:cNvSpPr/>
-          <p:nvPr/>
-        </p:nvSpPr>
-        <p:spPr>
-          <a:xfrm>
-            <a:off x="182880" y="1450849"/>
-            <a:ext cx="8827008" cy="5035296"/>
-          </a:xfrm>
-          <a:prstGeom prst="rect">
-            <a:avLst/>
-          </a:prstGeom>
-          <a:solidFill>
-            <a:schemeClr val="accent6">
-              <a:lumMod val="40000"/>
-              <a:lumOff val="60000"/>
-              <a:alpha val="93000"/>
-            </a:schemeClr>
-          </a:solidFill>
-          <a:ln>
-            <a:noFill/>
-          </a:ln>
-        </p:spPr>
-        <p:style>
-          <a:lnRef idx="2">
-            <a:schemeClr val="accent1">
-              <a:shade val="50000"/>
-            </a:schemeClr>
-          </a:lnRef>
-          <a:fillRef idx="1">
-            <a:schemeClr val="accent1"/>
-          </a:fillRef>
-          <a:effectRef idx="0">
-            <a:schemeClr val="accent1"/>
-          </a:effectRef>
-          <a:fontRef idx="minor">
-            <a:schemeClr val="lt1"/>
-          </a:fontRef>
-        </p:style>
-        <p:txBody>
-          <a:bodyPr rtlCol="0" anchor="ctr"/>
-          <a:lstStyle/>
-          <a:p>
-            <a:pPr algn="ctr"/>
-            <a:endParaRPr lang="en-US"/>
-          </a:p>
-        </p:txBody>
-      </p:sp>
-      <p:sp>
-        <p:nvSpPr>
-          <p:cNvPr id="5" name="Title 1">
-            <a:extLst>
-              <a:ext uri="{FF2B5EF4-FFF2-40B4-BE49-F238E27FC236}">
-                <a16:creationId xmlns="" xmlns:a16="http://schemas.microsoft.com/office/drawing/2014/main" id="{D618EA0B-F9A8-4264-9D91-4140A73CF33C}"/>
-              </a:ext>
-            </a:extLst>
-          </p:cNvPr>
-          <p:cNvSpPr txBox="1">
-            <a:spLocks/>
-          </p:cNvSpPr>
-          <p:nvPr/>
-        </p:nvSpPr>
-        <p:spPr>
-          <a:xfrm>
-            <a:off x="1267968" y="3281046"/>
-            <a:ext cx="6851904" cy="2387600"/>
-          </a:xfrm>
-          <a:prstGeom prst="rect">
-            <a:avLst/>
-          </a:prstGeom>
-        </p:spPr>
-        <p:txBody>
-          <a:bodyPr vert="horz" lIns="91440" tIns="45720" rIns="91440" bIns="45720" rtlCol="0" anchor="ctr">
-            <a:normAutofit/>
-          </a:bodyPr>
-          <a:lstStyle>
-            <a:lvl1pPr algn="l" defTabSz="914400" rtl="0" eaLnBrk="1" latinLnBrk="0" hangingPunct="1">
-              <a:lnSpc>
-                <a:spcPct val="90000"/>
-              </a:lnSpc>
-              <a:spcBef>
-                <a:spcPct val="0"/>
-              </a:spcBef>
-              <a:buNone/>
-              <a:defRPr sz="4400" kern="1200">
-                <a:solidFill>
-                  <a:schemeClr val="tx1"/>
-                </a:solidFill>
-                <a:latin typeface="+mj-lt"/>
-                <a:ea typeface="+mj-ea"/>
-                <a:cs typeface="+mj-cs"/>
-              </a:defRPr>
-            </a:lvl1pPr>
-          </a:lstStyle>
-          <a:p>
-            <a:r>
-              <a:rPr lang="en-US" b="1">
-                <a:solidFill>
-                  <a:srgbClr val="002060"/>
-                </a:solidFill>
-              </a:rPr>
-              <a:t>Demonstration of TwitterNER</a:t>
-            </a:r>
-            <a:endParaRPr lang="en-US" b="1" dirty="0">
-              <a:solidFill>
-                <a:srgbClr val="002060"/>
-              </a:solidFill>
-            </a:endParaRPr>
-          </a:p>
-        </p:txBody>
-      </p:sp>
-    </p:spTree>
-    <p:extLst>
-      <p:ext uri="{BB962C8B-B14F-4D97-AF65-F5344CB8AC3E}">
-        <p14:creationId xmlns:p14="http://schemas.microsoft.com/office/powerpoint/2010/main" val="394488241"/>
-      </p:ext>
-    </p:extLst>
-  </p:cSld>
-  <p:clrMapOvr>
-    <a:masterClrMapping/>
-  </p:clrMapOvr>
-  <p:timing>
-    <p:tnLst>
-      <p:par>
-        <p:cTn id="1" dur="indefinite" restart="never" nodeType="tmRoot"/>
-      </p:par>
-    </p:tnLst>
-  </p:timing>
-</p:sld>
-</file>
-
-<file path=ppt/slides/slide35.xml><?xml version="1.0" encoding="utf-8"?>
-<p:sld xmlns:a="http://schemas.openxmlformats.org/drawingml/2006/main" xmlns:r="http://schemas.openxmlformats.org/officeDocument/2006/relationships" xmlns:p="http://schemas.openxmlformats.org/presentationml/2006/main">
-  <p:cSld>
-    <p:spTree>
-      <p:nvGrpSpPr>
-        <p:cNvPr id="1" name=""/>
-        <p:cNvGrpSpPr/>
-        <p:nvPr/>
-      </p:nvGrpSpPr>
-      <p:grpSpPr>
-        <a:xfrm>
-          <a:off x="0" y="0"/>
-          <a:ext cx="0" cy="0"/>
-          <a:chOff x="0" y="0"/>
-          <a:chExt cx="0" cy="0"/>
-        </a:xfrm>
-      </p:grpSpPr>
-      <p:sp>
-        <p:nvSpPr>
-          <p:cNvPr id="2" name="Title 1">
-            <a:extLst>
-              <a:ext uri="{FF2B5EF4-FFF2-40B4-BE49-F238E27FC236}">
-                <a16:creationId xmlns="" xmlns:a16="http://schemas.microsoft.com/office/drawing/2014/main" id="{F1EF15B1-1873-4C36-A684-2B8B25594A85}"/>
-              </a:ext>
-            </a:extLst>
-          </p:cNvPr>
-          <p:cNvSpPr>
-            <a:spLocks noGrp="1"/>
-          </p:cNvSpPr>
-          <p:nvPr>
-            <p:ph type="title"/>
-          </p:nvPr>
-        </p:nvSpPr>
-        <p:spPr/>
-        <p:txBody>
-          <a:bodyPr/>
-          <a:lstStyle/>
-          <a:p>
-            <a:r>
-              <a:rPr lang="en-US"/>
-              <a:t>How to improve performance even further?</a:t>
-            </a:r>
-          </a:p>
-        </p:txBody>
-      </p:sp>
-      <p:sp>
-        <p:nvSpPr>
-          <p:cNvPr id="3" name="Content Placeholder 2">
-            <a:extLst>
-              <a:ext uri="{FF2B5EF4-FFF2-40B4-BE49-F238E27FC236}">
-                <a16:creationId xmlns="" xmlns:a16="http://schemas.microsoft.com/office/drawing/2014/main" id="{2FA6422C-9FED-4D43-9DE4-F348D1C7DD04}"/>
-              </a:ext>
-            </a:extLst>
-          </p:cNvPr>
-          <p:cNvSpPr>
-            <a:spLocks noGrp="1"/>
-          </p:cNvSpPr>
-          <p:nvPr>
-            <p:ph idx="1"/>
-          </p:nvPr>
-        </p:nvSpPr>
         <p:spPr>
           <a:xfrm>
             <a:off x="628650" y="1699707"/>
@@ -14433,7 +13281,7 @@
           <p:cNvPr id="5" name="Picture 4">
             <a:extLst>
               <a:ext uri="{FF2B5EF4-FFF2-40B4-BE49-F238E27FC236}">
-                <a16:creationId xmlns="" xmlns:a16="http://schemas.microsoft.com/office/drawing/2014/main" id="{81838BC7-3CD4-4E62-A18A-AA14B5C72AA1}"/>
+                <a16:creationId xmlns:a16="http://schemas.microsoft.com/office/drawing/2014/main" xmlns="" id="{81838BC7-3CD4-4E62-A18A-AA14B5C72AA1}"/>
               </a:ext>
             </a:extLst>
           </p:cNvPr>
@@ -14463,7 +13311,7 @@
           <p:cNvPr id="7" name="TextBox 6">
             <a:extLst>
               <a:ext uri="{FF2B5EF4-FFF2-40B4-BE49-F238E27FC236}">
-                <a16:creationId xmlns="" xmlns:a16="http://schemas.microsoft.com/office/drawing/2014/main" id="{B68477D6-868B-4AB9-912E-B6282710D329}"/>
+                <a16:creationId xmlns:a16="http://schemas.microsoft.com/office/drawing/2014/main" xmlns="" id="{B68477D6-868B-4AB9-912E-B6282710D329}"/>
               </a:ext>
             </a:extLst>
           </p:cNvPr>
@@ -14518,7 +13366,7 @@
 </p:sld>
 </file>
 
-<file path=ppt/slides/slide36.xml><?xml version="1.0" encoding="utf-8"?>
+<file path=ppt/slides/slide29.xml><?xml version="1.0" encoding="utf-8"?>
 <p:sld xmlns:a="http://schemas.openxmlformats.org/drawingml/2006/main" xmlns:r="http://schemas.openxmlformats.org/officeDocument/2006/relationships" xmlns:p="http://schemas.openxmlformats.org/presentationml/2006/main">
   <p:cSld>
     <p:spTree>
@@ -14540,7 +13388,7 @@
           <p:cNvPr id="2" name="Title 1">
             <a:extLst>
               <a:ext uri="{FF2B5EF4-FFF2-40B4-BE49-F238E27FC236}">
-                <a16:creationId xmlns="" xmlns:a16="http://schemas.microsoft.com/office/drawing/2014/main" id="{4B9D2582-8475-4CBA-99BF-EE1B12182165}"/>
+                <a16:creationId xmlns:a16="http://schemas.microsoft.com/office/drawing/2014/main" xmlns="" id="{4B9D2582-8475-4CBA-99BF-EE1B12182165}"/>
               </a:ext>
             </a:extLst>
           </p:cNvPr>
@@ -14573,7 +13421,7 @@
           <p:cNvPr id="4" name="Picture 3">
             <a:extLst>
               <a:ext uri="{FF2B5EF4-FFF2-40B4-BE49-F238E27FC236}">
-                <a16:creationId xmlns="" xmlns:a16="http://schemas.microsoft.com/office/drawing/2014/main" id="{CE3B137C-E58F-4AC3-8CEF-EC596ECE28A3}"/>
+                <a16:creationId xmlns:a16="http://schemas.microsoft.com/office/drawing/2014/main" xmlns="" id="{CE3B137C-E58F-4AC3-8CEF-EC596ECE28A3}"/>
               </a:ext>
             </a:extLst>
           </p:cNvPr>
@@ -14603,7 +13451,7 @@
           <p:cNvPr id="5" name="TextBox 4">
             <a:extLst>
               <a:ext uri="{FF2B5EF4-FFF2-40B4-BE49-F238E27FC236}">
-                <a16:creationId xmlns="" xmlns:a16="http://schemas.microsoft.com/office/drawing/2014/main" id="{A33B7534-065D-4816-A9F0-9CCA32AC6182}"/>
+                <a16:creationId xmlns:a16="http://schemas.microsoft.com/office/drawing/2014/main" xmlns="" id="{A33B7534-065D-4816-A9F0-9CCA32AC6182}"/>
               </a:ext>
             </a:extLst>
           </p:cNvPr>
@@ -14642,7 +13490,7 @@
           <p:cNvPr id="7" name="Straight Arrow Connector 6">
             <a:extLst>
               <a:ext uri="{FF2B5EF4-FFF2-40B4-BE49-F238E27FC236}">
-                <a16:creationId xmlns="" xmlns:a16="http://schemas.microsoft.com/office/drawing/2014/main" id="{3129CEA3-A89E-4E57-A178-B5D793065B35}"/>
+                <a16:creationId xmlns:a16="http://schemas.microsoft.com/office/drawing/2014/main" xmlns="" id="{3129CEA3-A89E-4E57-A178-B5D793065B35}"/>
               </a:ext>
             </a:extLst>
           </p:cNvPr>
@@ -14687,7 +13535,7 @@
           <p:cNvPr id="8" name="Straight Arrow Connector 7">
             <a:extLst>
               <a:ext uri="{FF2B5EF4-FFF2-40B4-BE49-F238E27FC236}">
-                <a16:creationId xmlns="" xmlns:a16="http://schemas.microsoft.com/office/drawing/2014/main" id="{DC6E134F-64B3-46A4-B49E-8DB2D3E500AE}"/>
+                <a16:creationId xmlns:a16="http://schemas.microsoft.com/office/drawing/2014/main" xmlns="" id="{DC6E134F-64B3-46A4-B49E-8DB2D3E500AE}"/>
               </a:ext>
             </a:extLst>
           </p:cNvPr>
@@ -14732,7 +13580,7 @@
           <p:cNvPr id="12" name="Straight Arrow Connector 11">
             <a:extLst>
               <a:ext uri="{FF2B5EF4-FFF2-40B4-BE49-F238E27FC236}">
-                <a16:creationId xmlns="" xmlns:a16="http://schemas.microsoft.com/office/drawing/2014/main" id="{B67DF206-C4E3-46B7-ABF9-506862DBEA57}"/>
+                <a16:creationId xmlns:a16="http://schemas.microsoft.com/office/drawing/2014/main" xmlns="" id="{B67DF206-C4E3-46B7-ABF9-506862DBEA57}"/>
               </a:ext>
             </a:extLst>
           </p:cNvPr>
@@ -14777,7 +13625,7 @@
           <p:cNvPr id="14" name="TextBox 13">
             <a:extLst>
               <a:ext uri="{FF2B5EF4-FFF2-40B4-BE49-F238E27FC236}">
-                <a16:creationId xmlns="" xmlns:a16="http://schemas.microsoft.com/office/drawing/2014/main" id="{0B615D40-23A7-416E-9244-6D7350CAE14D}"/>
+                <a16:creationId xmlns:a16="http://schemas.microsoft.com/office/drawing/2014/main" xmlns="" id="{0B615D40-23A7-416E-9244-6D7350CAE14D}"/>
               </a:ext>
             </a:extLst>
           </p:cNvPr>
@@ -14827,7 +13675,7 @@
 </p:sld>
 </file>
 
-<file path=ppt/slides/slide37.xml><?xml version="1.0" encoding="utf-8"?>
+<file path=ppt/slides/slide3.xml><?xml version="1.0" encoding="utf-8"?>
 <p:sld xmlns:a="http://schemas.openxmlformats.org/drawingml/2006/main" xmlns:r="http://schemas.openxmlformats.org/officeDocument/2006/relationships" xmlns:p="http://schemas.openxmlformats.org/presentationml/2006/main">
   <p:cSld>
     <p:spTree>
@@ -14846,10 +13694,144 @@
       </p:grpSpPr>
       <p:sp>
         <p:nvSpPr>
+          <p:cNvPr id="2" name="Title 1"/>
+          <p:cNvSpPr>
+            <a:spLocks noGrp="1"/>
+          </p:cNvSpPr>
+          <p:nvPr>
+            <p:ph type="title"/>
+          </p:nvPr>
+        </p:nvSpPr>
+        <p:spPr/>
+        <p:txBody>
+          <a:bodyPr/>
+          <a:lstStyle/>
+          <a:p>
+            <a:r>
+              <a:rPr lang="en-US" dirty="0"/>
+              <a:t>n-Tuple form</a:t>
+            </a:r>
+          </a:p>
+        </p:txBody>
+      </p:sp>
+      <p:sp>
+        <p:nvSpPr>
+          <p:cNvPr id="3" name="Content Placeholder 2"/>
+          <p:cNvSpPr>
+            <a:spLocks noGrp="1"/>
+          </p:cNvSpPr>
+          <p:nvPr>
+            <p:ph idx="1"/>
+          </p:nvPr>
+        </p:nvSpPr>
+        <p:spPr/>
+        <p:txBody>
+          <a:bodyPr>
+            <a:normAutofit lnSpcReduction="10000"/>
+          </a:bodyPr>
+          <a:lstStyle/>
+          <a:p>
+            <a:r>
+              <a:rPr lang="en-US" dirty="0"/>
+              <a:t>{Tweet, Flood, Canada}</a:t>
+            </a:r>
+          </a:p>
+          <a:p>
+            <a:r>
+              <a:rPr lang="en-US" dirty="0"/>
+              <a:t>{Tweet, Flood, Alberta}</a:t>
+            </a:r>
+          </a:p>
+          <a:p>
+            <a:r>
+              <a:rPr lang="en-US" dirty="0"/>
+              <a:t>{Tweet, Flood, Lost, Person}</a:t>
+            </a:r>
+          </a:p>
+          <a:p>
+            <a:r>
+              <a:rPr lang="en-US" dirty="0"/>
+              <a:t>{Tweet, Lost, Person, Natural Hazard}</a:t>
+            </a:r>
+          </a:p>
+          <a:p>
+            <a:pPr marL="0" indent="0">
+              <a:buNone/>
+            </a:pPr>
+            <a:endParaRPr lang="en-US" dirty="0"/>
+          </a:p>
+          <a:p>
+            <a:pPr marL="0" indent="0">
+              <a:buNone/>
+            </a:pPr>
+            <a:r>
+              <a:rPr lang="en-US" dirty="0"/>
+              <a:t>A tweet can be associated with multiple n-tuples. </a:t>
+            </a:r>
+          </a:p>
+          <a:p>
+            <a:pPr marL="0" indent="0">
+              <a:buNone/>
+            </a:pPr>
+            <a:endParaRPr lang="en-US" dirty="0"/>
+          </a:p>
+          <a:p>
+            <a:r>
+              <a:rPr lang="en-US" dirty="0"/>
+              <a:t>- Schema : {Tweet, event type, location, participating entity}</a:t>
+            </a:r>
+          </a:p>
+          <a:p>
+            <a:endParaRPr lang="en-US" dirty="0"/>
+          </a:p>
+          <a:p>
+            <a:endParaRPr lang="en-US" dirty="0"/>
+          </a:p>
+        </p:txBody>
+      </p:sp>
+    </p:spTree>
+    <p:extLst>
+      <p:ext uri="{BB962C8B-B14F-4D97-AF65-F5344CB8AC3E}">
+        <p14:creationId xmlns:p14="http://schemas.microsoft.com/office/powerpoint/2010/main" val="2034135271"/>
+      </p:ext>
+    </p:extLst>
+  </p:cSld>
+  <p:clrMapOvr>
+    <a:masterClrMapping/>
+  </p:clrMapOvr>
+  <p:timing>
+    <p:tnLst>
+      <p:par>
+        <p:cTn id="1" dur="indefinite" restart="never" nodeType="tmRoot"/>
+      </p:par>
+    </p:tnLst>
+  </p:timing>
+</p:sld>
+</file>
+
+<file path=ppt/slides/slide30.xml><?xml version="1.0" encoding="utf-8"?>
+<p:sld xmlns:a="http://schemas.openxmlformats.org/drawingml/2006/main" xmlns:r="http://schemas.openxmlformats.org/officeDocument/2006/relationships" xmlns:p="http://schemas.openxmlformats.org/presentationml/2006/main">
+  <p:cSld>
+    <p:spTree>
+      <p:nvGrpSpPr>
+        <p:cNvPr id="1" name=""/>
+        <p:cNvGrpSpPr/>
+        <p:nvPr/>
+      </p:nvGrpSpPr>
+      <p:grpSpPr>
+        <a:xfrm>
+          <a:off x="0" y="0"/>
+          <a:ext cx="0" cy="0"/>
+          <a:chOff x="0" y="0"/>
+          <a:chExt cx="0" cy="0"/>
+        </a:xfrm>
+      </p:grpSpPr>
+      <p:sp>
+        <p:nvSpPr>
           <p:cNvPr id="2" name="Title 1">
             <a:extLst>
               <a:ext uri="{FF2B5EF4-FFF2-40B4-BE49-F238E27FC236}">
-                <a16:creationId xmlns="" xmlns:a16="http://schemas.microsoft.com/office/drawing/2014/main" id="{E1C3A720-E34E-4BB6-B515-B3C2EF039BC8}"/>
+                <a16:creationId xmlns:a16="http://schemas.microsoft.com/office/drawing/2014/main" xmlns="" id="{E1C3A720-E34E-4BB6-B515-B3C2EF039BC8}"/>
               </a:ext>
             </a:extLst>
           </p:cNvPr>
@@ -14877,7 +13859,7 @@
           <p:cNvPr id="3" name="Content Placeholder 2">
             <a:extLst>
               <a:ext uri="{FF2B5EF4-FFF2-40B4-BE49-F238E27FC236}">
-                <a16:creationId xmlns="" xmlns:a16="http://schemas.microsoft.com/office/drawing/2014/main" id="{D16B1CA5-8025-464F-80E9-9942274912F8}"/>
+                <a16:creationId xmlns:a16="http://schemas.microsoft.com/office/drawing/2014/main" xmlns="" id="{D16B1CA5-8025-464F-80E9-9942274912F8}"/>
               </a:ext>
             </a:extLst>
           </p:cNvPr>

--- a/slides/pptx/3-entity-extraction.pptx
+++ b/slides/pptx/3-entity-extraction.pptx
@@ -5,7 +5,7 @@
     <p:sldMasterId id="2147483660" r:id="rId1"/>
   </p:sldMasterIdLst>
   <p:notesMasterIdLst>
-    <p:notesMasterId r:id="rId32"/>
+    <p:notesMasterId r:id="rId34"/>
   </p:notesMasterIdLst>
   <p:sldIdLst>
     <p:sldId id="365" r:id="rId2"/>
@@ -29,15 +29,17 @@
     <p:sldId id="353" r:id="rId20"/>
     <p:sldId id="367" r:id="rId21"/>
     <p:sldId id="354" r:id="rId22"/>
-    <p:sldId id="356" r:id="rId23"/>
-    <p:sldId id="357" r:id="rId24"/>
-    <p:sldId id="355" r:id="rId25"/>
-    <p:sldId id="358" r:id="rId26"/>
-    <p:sldId id="359" r:id="rId27"/>
-    <p:sldId id="360" r:id="rId28"/>
-    <p:sldId id="362" r:id="rId29"/>
-    <p:sldId id="363" r:id="rId30"/>
-    <p:sldId id="364" r:id="rId31"/>
+    <p:sldId id="355" r:id="rId23"/>
+    <p:sldId id="368" r:id="rId24"/>
+    <p:sldId id="356" r:id="rId25"/>
+    <p:sldId id="357" r:id="rId26"/>
+    <p:sldId id="358" r:id="rId27"/>
+    <p:sldId id="359" r:id="rId28"/>
+    <p:sldId id="360" r:id="rId29"/>
+    <p:sldId id="362" r:id="rId30"/>
+    <p:sldId id="363" r:id="rId31"/>
+    <p:sldId id="364" r:id="rId32"/>
+    <p:sldId id="369" r:id="rId33"/>
   </p:sldIdLst>
   <p:sldSz cx="9144000" cy="6858000" type="screen4x3"/>
   <p:notesSz cx="6858000" cy="9144000"/>
@@ -566,7 +568,7 @@
           <a:p>
             <a:fld id="{9D3E0FAC-92B7-4344-B8CE-D78B9752AB0B}" type="slidenum">
               <a:rPr lang="en-US" smtClean="0"/>
-              <a:t>23</a:t>
+              <a:t>25</a:t>
             </a:fld>
             <a:endParaRPr lang="en-US"/>
           </a:p>
@@ -661,7 +663,7 @@
           <a:p>
             <a:fld id="{9D3E0FAC-92B7-4344-B8CE-D78B9752AB0B}" type="slidenum">
               <a:rPr lang="en-US" smtClean="0"/>
-              <a:t>25</a:t>
+              <a:t>26</a:t>
             </a:fld>
             <a:endParaRPr lang="en-US"/>
           </a:p>
@@ -748,7 +750,7 @@
           <a:p>
             <a:fld id="{9D3E0FAC-92B7-4344-B8CE-D78B9752AB0B}" type="slidenum">
               <a:rPr lang="en-US" smtClean="0"/>
-              <a:t>27</a:t>
+              <a:t>28</a:t>
             </a:fld>
             <a:endParaRPr lang="en-US"/>
           </a:p>
@@ -8512,7 +8514,7 @@
           <p:cNvPr id="2" name="Title 1">
             <a:extLst>
               <a:ext uri="{FF2B5EF4-FFF2-40B4-BE49-F238E27FC236}">
-                <a16:creationId xmlns:a16="http://schemas.microsoft.com/office/drawing/2014/main" xmlns="" id="{47E09107-4194-4BB3-9118-E9B9EDF2C558}"/>
+                <a16:creationId xmlns="" xmlns:a16="http://schemas.microsoft.com/office/drawing/2014/main" id="{47E09107-4194-4BB3-9118-E9B9EDF2C558}"/>
               </a:ext>
             </a:extLst>
           </p:cNvPr>
@@ -8530,7 +8532,7 @@
           <a:p>
             <a:r>
               <a:rPr lang="en-US"/>
-              <a:t>Entity Extraction aka Named Entity Recognition (NER)</a:t>
+              <a:t>Entity Extraction</a:t>
             </a:r>
           </a:p>
         </p:txBody>
@@ -8540,7 +8542,7 @@
           <p:cNvPr id="7" name="Content Placeholder 6">
             <a:extLst>
               <a:ext uri="{FF2B5EF4-FFF2-40B4-BE49-F238E27FC236}">
-                <a16:creationId xmlns:a16="http://schemas.microsoft.com/office/drawing/2014/main" xmlns="" id="{55AA5913-BC8F-49AE-83AD-A535765E7CC1}"/>
+                <a16:creationId xmlns="" xmlns:a16="http://schemas.microsoft.com/office/drawing/2014/main" id="{55AA5913-BC8F-49AE-83AD-A535765E7CC1}"/>
               </a:ext>
             </a:extLst>
           </p:cNvPr>
@@ -8554,35 +8556,32 @@
         <p:spPr>
           <a:xfrm>
             <a:off x="628650" y="1825625"/>
-            <a:ext cx="8600694" cy="4351338"/>
-          </a:xfrm>
-        </p:spPr>
-        <p:txBody>
-          <a:bodyPr/>
-          <a:lstStyle/>
-          <a:p>
-            <a:r>
-              <a:rPr lang="en-US"/>
-              <a:t>NER is </a:t>
-            </a:r>
-            <a:r>
-              <a:rPr lang="en-US">
-                <a:solidFill>
-                  <a:srgbClr val="FF0000"/>
-                </a:solidFill>
-              </a:rPr>
-              <a:t>a classic problem </a:t>
-            </a:r>
-            <a:r>
-              <a:rPr lang="en-US"/>
-              <a:t>in the Natural Language Processing (NLP) literature</a:t>
+            <a:ext cx="8337550" cy="4351338"/>
+          </a:xfrm>
+        </p:spPr>
+        <p:txBody>
+          <a:bodyPr>
+            <a:normAutofit/>
+          </a:bodyPr>
+          <a:lstStyle/>
+          <a:p>
+            <a:r>
+              <a:rPr lang="en-US" sz="2400"/>
+              <a:t>More technically known as Named Entity Recognition (NER)</a:t>
+            </a:r>
+            <a:endParaRPr lang="en-US" sz="2400"/>
+          </a:p>
+          <a:p>
+            <a:r>
+              <a:rPr lang="en-US" sz="2400"/>
+              <a:t>NER is a classic problem in the NLP literature</a:t>
             </a:r>
           </a:p>
           <a:p>
             <a:pPr lvl="1"/>
             <a:r>
-              <a:rPr lang="en-US"/>
-              <a:t>Decades of research, with recent methods including deep learning and zero-shot learning</a:t>
+              <a:rPr lang="en-US" sz="2000"/>
+              <a:t>Decades of research, with recent methods including deep learning</a:t>
             </a:r>
           </a:p>
         </p:txBody>
@@ -8592,7 +8591,7 @@
           <p:cNvPr id="3" name="Picture 2">
             <a:extLst>
               <a:ext uri="{FF2B5EF4-FFF2-40B4-BE49-F238E27FC236}">
-                <a16:creationId xmlns:a16="http://schemas.microsoft.com/office/drawing/2014/main" xmlns="" id="{890F1FE2-5119-40AB-8F6D-A56025346D75}"/>
+                <a16:creationId xmlns="" xmlns:a16="http://schemas.microsoft.com/office/drawing/2014/main" id="{890F1FE2-5119-40AB-8F6D-A56025346D75}"/>
               </a:ext>
             </a:extLst>
           </p:cNvPr>
@@ -8609,8 +8608,8 @@
         </p:blipFill>
         <p:spPr>
           <a:xfrm>
-            <a:off x="750570" y="3611879"/>
-            <a:ext cx="7088886" cy="3157136"/>
+            <a:off x="919904" y="3392019"/>
+            <a:ext cx="6556163" cy="2919880"/>
           </a:xfrm>
           <a:prstGeom prst="rect">
             <a:avLst/>
@@ -8622,7 +8621,7 @@
           <p:cNvPr id="8" name="TextBox 7">
             <a:extLst>
               <a:ext uri="{FF2B5EF4-FFF2-40B4-BE49-F238E27FC236}">
-                <a16:creationId xmlns:a16="http://schemas.microsoft.com/office/drawing/2014/main" xmlns="" id="{138EE332-0527-44B9-8D26-43A95831B2A9}"/>
+                <a16:creationId xmlns="" xmlns:a16="http://schemas.microsoft.com/office/drawing/2014/main" id="{138EE332-0527-44B9-8D26-43A95831B2A9}"/>
               </a:ext>
             </a:extLst>
           </p:cNvPr>
@@ -8631,8 +8630,8 @@
         </p:nvSpPr>
         <p:spPr>
           <a:xfrm>
-            <a:off x="6047232" y="6484358"/>
-            <a:ext cx="3096768" cy="369332"/>
+            <a:off x="6570132" y="6484358"/>
+            <a:ext cx="2573867" cy="307777"/>
           </a:xfrm>
           <a:prstGeom prst="rect">
             <a:avLst/>
@@ -8647,7 +8646,7 @@
           <a:p>
             <a:pPr algn="r"/>
             <a:r>
-              <a:rPr lang="en-US">
+              <a:rPr lang="en-US" sz="1400">
                 <a:solidFill>
                   <a:srgbClr val="002060"/>
                 </a:solidFill>
@@ -8699,7 +8698,7 @@
           <p:cNvPr id="2" name="Title 1">
             <a:extLst>
               <a:ext uri="{FF2B5EF4-FFF2-40B4-BE49-F238E27FC236}">
-                <a16:creationId xmlns:a16="http://schemas.microsoft.com/office/drawing/2014/main" xmlns="" id="{47E09107-4194-4BB3-9118-E9B9EDF2C558}"/>
+                <a16:creationId xmlns="" xmlns:a16="http://schemas.microsoft.com/office/drawing/2014/main" id="{47E09107-4194-4BB3-9118-E9B9EDF2C558}"/>
               </a:ext>
             </a:extLst>
           </p:cNvPr>
@@ -8717,7 +8716,7 @@
           <a:p>
             <a:r>
               <a:rPr lang="en-US"/>
-              <a:t>Entity Extraction aka Named Entity Recognition (NER)</a:t>
+              <a:t>Named Entity Recognition (NER)</a:t>
             </a:r>
           </a:p>
         </p:txBody>
@@ -8727,7 +8726,7 @@
           <p:cNvPr id="7" name="Content Placeholder 6">
             <a:extLst>
               <a:ext uri="{FF2B5EF4-FFF2-40B4-BE49-F238E27FC236}">
-                <a16:creationId xmlns:a16="http://schemas.microsoft.com/office/drawing/2014/main" xmlns="" id="{55AA5913-BC8F-49AE-83AD-A535765E7CC1}"/>
+                <a16:creationId xmlns="" xmlns:a16="http://schemas.microsoft.com/office/drawing/2014/main" id="{55AA5913-BC8F-49AE-83AD-A535765E7CC1}"/>
               </a:ext>
             </a:extLst>
           </p:cNvPr>
@@ -8745,53 +8744,27 @@
           </a:xfrm>
         </p:spPr>
         <p:txBody>
-          <a:bodyPr/>
-          <a:lstStyle/>
-          <a:p>
-            <a:r>
-              <a:rPr lang="en-US"/>
-              <a:t>NER is </a:t>
-            </a:r>
-            <a:r>
-              <a:rPr lang="en-US">
-                <a:solidFill>
-                  <a:srgbClr val="FF0000"/>
-                </a:solidFill>
-              </a:rPr>
-              <a:t>a classic problem </a:t>
-            </a:r>
-            <a:r>
-              <a:rPr lang="en-US"/>
-              <a:t>in the Natural Language Processing (NLP) literature</a:t>
+          <a:bodyPr>
+            <a:normAutofit/>
+          </a:bodyPr>
+          <a:lstStyle/>
+          <a:p>
+            <a:r>
+              <a:rPr lang="en-US" sz="2400"/>
+              <a:t>NER is a classic problem in the NLP literature</a:t>
             </a:r>
           </a:p>
           <a:p>
             <a:pPr lvl="1"/>
             <a:r>
-              <a:rPr lang="en-US"/>
-              <a:t>Decades of research, with recent methods including deep learning and zero-shot learning</a:t>
-            </a:r>
-          </a:p>
-          <a:p>
-            <a:r>
-              <a:rPr lang="en-US">
-                <a:solidFill>
-                  <a:srgbClr val="FF0000"/>
-                </a:solidFill>
-              </a:rPr>
-              <a:t>Social media </a:t>
-            </a:r>
-            <a:r>
-              <a:rPr lang="en-US"/>
-              <a:t>involves some unique challenges for NER due to </a:t>
-            </a:r>
-            <a:r>
-              <a:rPr lang="en-US">
-                <a:solidFill>
-                  <a:srgbClr val="FF0000"/>
-                </a:solidFill>
-              </a:rPr>
-              <a:t>irregular text</a:t>
+              <a:rPr lang="en-US" sz="2000"/>
+              <a:t>Decades of research, with recent methods including deep </a:t>
+            </a:r>
+          </a:p>
+          <a:p>
+            <a:r>
+              <a:rPr lang="en-US" sz="2400"/>
+              <a:t>Social media involves unique NER challenges due to irregular text</a:t>
             </a:r>
           </a:p>
         </p:txBody>
@@ -8801,7 +8774,7 @@
           <p:cNvPr id="9" name="Picture 8">
             <a:extLst>
               <a:ext uri="{FF2B5EF4-FFF2-40B4-BE49-F238E27FC236}">
-                <a16:creationId xmlns:a16="http://schemas.microsoft.com/office/drawing/2014/main" xmlns="" id="{E1DD3FFF-CBA4-4672-8CFC-76ADC6C35748}"/>
+                <a16:creationId xmlns="" xmlns:a16="http://schemas.microsoft.com/office/drawing/2014/main" id="{E1DD3FFF-CBA4-4672-8CFC-76ADC6C35748}"/>
               </a:ext>
             </a:extLst>
           </p:cNvPr>
@@ -8818,8 +8791,8 @@
         </p:blipFill>
         <p:spPr>
           <a:xfrm>
-            <a:off x="2395465" y="4489704"/>
-            <a:ext cx="5096431" cy="2179320"/>
+            <a:off x="1548378" y="3355169"/>
+            <a:ext cx="5529755" cy="2364617"/>
           </a:xfrm>
           <a:prstGeom prst="rect">
             <a:avLst/>
@@ -8831,7 +8804,7 @@
           <p:cNvPr id="11" name="TextBox 10">
             <a:extLst>
               <a:ext uri="{FF2B5EF4-FFF2-40B4-BE49-F238E27FC236}">
-                <a16:creationId xmlns:a16="http://schemas.microsoft.com/office/drawing/2014/main" xmlns="" id="{E85CB4B4-ABDB-482D-B80B-413EB31EB1B1}"/>
+                <a16:creationId xmlns="" xmlns:a16="http://schemas.microsoft.com/office/drawing/2014/main" id="{E85CB4B4-ABDB-482D-B80B-413EB31EB1B1}"/>
               </a:ext>
             </a:extLst>
           </p:cNvPr>
@@ -8841,7 +8814,7 @@
         <p:spPr>
           <a:xfrm>
             <a:off x="6475476" y="6484358"/>
-            <a:ext cx="2668524" cy="369332"/>
+            <a:ext cx="2668524" cy="307777"/>
           </a:xfrm>
           <a:prstGeom prst="rect">
             <a:avLst/>
@@ -8856,7 +8829,7 @@
           <a:p>
             <a:pPr algn="r"/>
             <a:r>
-              <a:rPr lang="en-US">
+              <a:rPr lang="en-US" sz="1400">
                 <a:solidFill>
                   <a:srgbClr val="002060"/>
                 </a:solidFill>
@@ -8908,7 +8881,7 @@
           <p:cNvPr id="2" name="Title 1">
             <a:extLst>
               <a:ext uri="{FF2B5EF4-FFF2-40B4-BE49-F238E27FC236}">
-                <a16:creationId xmlns:a16="http://schemas.microsoft.com/office/drawing/2014/main" xmlns="" id="{A686F44C-1A70-4DDC-B6C1-F78384CF90BF}"/>
+                <a16:creationId xmlns="" xmlns:a16="http://schemas.microsoft.com/office/drawing/2014/main" id="{A686F44C-1A70-4DDC-B6C1-F78384CF90BF}"/>
               </a:ext>
             </a:extLst>
           </p:cNvPr>
@@ -8926,7 +8899,7 @@
           <a:p>
             <a:r>
               <a:rPr lang="en-US"/>
-              <a:t>Relevance to Crisis Informatics</a:t>
+              <a:t>Motivation for NER</a:t>
             </a:r>
           </a:p>
         </p:txBody>
@@ -8936,7 +8909,7 @@
           <p:cNvPr id="3" name="Content Placeholder 2">
             <a:extLst>
               <a:ext uri="{FF2B5EF4-FFF2-40B4-BE49-F238E27FC236}">
-                <a16:creationId xmlns:a16="http://schemas.microsoft.com/office/drawing/2014/main" xmlns="" id="{0E3B6853-3F6F-4F58-A37E-45DAEC469477}"/>
+                <a16:creationId xmlns="" xmlns:a16="http://schemas.microsoft.com/office/drawing/2014/main" id="{0E3B6853-3F6F-4F58-A37E-45DAEC469477}"/>
               </a:ext>
             </a:extLst>
           </p:cNvPr>
@@ -8954,7 +8927,7 @@
           <a:p>
             <a:r>
               <a:rPr lang="en-US"/>
-              <a:t>Many named entities mentioned in tweets and other social media</a:t>
+              <a:t>Many named entities in tweets and social media</a:t>
             </a:r>
           </a:p>
           <a:p>
@@ -8968,7 +8941,7 @@
           <p:cNvPr id="5" name="Picture 4">
             <a:extLst>
               <a:ext uri="{FF2B5EF4-FFF2-40B4-BE49-F238E27FC236}">
-                <a16:creationId xmlns:a16="http://schemas.microsoft.com/office/drawing/2014/main" xmlns="" id="{F6A73548-AD6F-4936-98C2-4C8F902EFAF3}"/>
+                <a16:creationId xmlns="" xmlns:a16="http://schemas.microsoft.com/office/drawing/2014/main" id="{F6A73548-AD6F-4936-98C2-4C8F902EFAF3}"/>
               </a:ext>
             </a:extLst>
           </p:cNvPr>
@@ -8998,7 +8971,7 @@
           <p:cNvPr id="6" name="Picture 5">
             <a:extLst>
               <a:ext uri="{FF2B5EF4-FFF2-40B4-BE49-F238E27FC236}">
-                <a16:creationId xmlns:a16="http://schemas.microsoft.com/office/drawing/2014/main" xmlns="" id="{816EC7DE-502D-4D73-9E1E-0919F80BA181}"/>
+                <a16:creationId xmlns="" xmlns:a16="http://schemas.microsoft.com/office/drawing/2014/main" id="{816EC7DE-502D-4D73-9E1E-0919F80BA181}"/>
               </a:ext>
             </a:extLst>
           </p:cNvPr>
@@ -9028,7 +9001,7 @@
           <p:cNvPr id="7" name="Rectangle 6">
             <a:extLst>
               <a:ext uri="{FF2B5EF4-FFF2-40B4-BE49-F238E27FC236}">
-                <a16:creationId xmlns:a16="http://schemas.microsoft.com/office/drawing/2014/main" xmlns="" id="{D5E7CCDA-0121-422A-A1C4-E09689454311}"/>
+                <a16:creationId xmlns="" xmlns:a16="http://schemas.microsoft.com/office/drawing/2014/main" id="{D5E7CCDA-0121-422A-A1C4-E09689454311}"/>
               </a:ext>
             </a:extLst>
           </p:cNvPr>
@@ -9080,7 +9053,7 @@
           <p:cNvPr id="8" name="Rectangle 7">
             <a:extLst>
               <a:ext uri="{FF2B5EF4-FFF2-40B4-BE49-F238E27FC236}">
-                <a16:creationId xmlns:a16="http://schemas.microsoft.com/office/drawing/2014/main" xmlns="" id="{5A1D2F74-D1A6-4348-BEE6-51AADC969511}"/>
+                <a16:creationId xmlns="" xmlns:a16="http://schemas.microsoft.com/office/drawing/2014/main" id="{5A1D2F74-D1A6-4348-BEE6-51AADC969511}"/>
               </a:ext>
             </a:extLst>
           </p:cNvPr>
@@ -9132,7 +9105,7 @@
           <p:cNvPr id="9" name="Rectangle 8">
             <a:extLst>
               <a:ext uri="{FF2B5EF4-FFF2-40B4-BE49-F238E27FC236}">
-                <a16:creationId xmlns:a16="http://schemas.microsoft.com/office/drawing/2014/main" xmlns="" id="{F3E9BCA7-2E67-459E-BD66-6F6B6967B217}"/>
+                <a16:creationId xmlns="" xmlns:a16="http://schemas.microsoft.com/office/drawing/2014/main" id="{F3E9BCA7-2E67-459E-BD66-6F6B6967B217}"/>
               </a:ext>
             </a:extLst>
           </p:cNvPr>
@@ -9184,7 +9157,7 @@
           <p:cNvPr id="10" name="Rectangle 9">
             <a:extLst>
               <a:ext uri="{FF2B5EF4-FFF2-40B4-BE49-F238E27FC236}">
-                <a16:creationId xmlns:a16="http://schemas.microsoft.com/office/drawing/2014/main" xmlns="" id="{D5A862B6-C16B-47F8-9F98-8F8A4A4AD4AC}"/>
+                <a16:creationId xmlns="" xmlns:a16="http://schemas.microsoft.com/office/drawing/2014/main" id="{D5A862B6-C16B-47F8-9F98-8F8A4A4AD4AC}"/>
               </a:ext>
             </a:extLst>
           </p:cNvPr>
@@ -9236,7 +9209,7 @@
           <p:cNvPr id="11" name="Rectangle 10">
             <a:extLst>
               <a:ext uri="{FF2B5EF4-FFF2-40B4-BE49-F238E27FC236}">
-                <a16:creationId xmlns:a16="http://schemas.microsoft.com/office/drawing/2014/main" xmlns="" id="{FE63E471-40E4-41B6-978E-01DC7E7378BD}"/>
+                <a16:creationId xmlns="" xmlns:a16="http://schemas.microsoft.com/office/drawing/2014/main" id="{FE63E471-40E4-41B6-978E-01DC7E7378BD}"/>
               </a:ext>
             </a:extLst>
           </p:cNvPr>
@@ -9288,7 +9261,7 @@
           <p:cNvPr id="12" name="Rectangle 11">
             <a:extLst>
               <a:ext uri="{FF2B5EF4-FFF2-40B4-BE49-F238E27FC236}">
-                <a16:creationId xmlns:a16="http://schemas.microsoft.com/office/drawing/2014/main" xmlns="" id="{2D17F17B-A4FB-4D72-A311-593B770633CD}"/>
+                <a16:creationId xmlns="" xmlns:a16="http://schemas.microsoft.com/office/drawing/2014/main" id="{2D17F17B-A4FB-4D72-A311-593B770633CD}"/>
               </a:ext>
             </a:extLst>
           </p:cNvPr>
@@ -9340,7 +9313,7 @@
           <p:cNvPr id="13" name="Rectangle 12">
             <a:extLst>
               <a:ext uri="{FF2B5EF4-FFF2-40B4-BE49-F238E27FC236}">
-                <a16:creationId xmlns:a16="http://schemas.microsoft.com/office/drawing/2014/main" xmlns="" id="{124121EA-6AD7-4BA9-8A91-CD68E3806E19}"/>
+                <a16:creationId xmlns="" xmlns:a16="http://schemas.microsoft.com/office/drawing/2014/main" id="{124121EA-6AD7-4BA9-8A91-CD68E3806E19}"/>
               </a:ext>
             </a:extLst>
           </p:cNvPr>
@@ -9392,7 +9365,7 @@
           <p:cNvPr id="14" name="Rectangle 13">
             <a:extLst>
               <a:ext uri="{FF2B5EF4-FFF2-40B4-BE49-F238E27FC236}">
-                <a16:creationId xmlns:a16="http://schemas.microsoft.com/office/drawing/2014/main" xmlns="" id="{47862579-EB7B-4D1D-BA56-6F323EDBA8AC}"/>
+                <a16:creationId xmlns="" xmlns:a16="http://schemas.microsoft.com/office/drawing/2014/main" id="{47862579-EB7B-4D1D-BA56-6F323EDBA8AC}"/>
               </a:ext>
             </a:extLst>
           </p:cNvPr>
@@ -9444,7 +9417,7 @@
           <p:cNvPr id="15" name="Rectangle 14">
             <a:extLst>
               <a:ext uri="{FF2B5EF4-FFF2-40B4-BE49-F238E27FC236}">
-                <a16:creationId xmlns:a16="http://schemas.microsoft.com/office/drawing/2014/main" xmlns="" id="{22BFF930-DFB6-4A85-A24D-4531F112F1E0}"/>
+                <a16:creationId xmlns="" xmlns:a16="http://schemas.microsoft.com/office/drawing/2014/main" id="{22BFF930-DFB6-4A85-A24D-4531F112F1E0}"/>
               </a:ext>
             </a:extLst>
           </p:cNvPr>
@@ -9496,7 +9469,7 @@
           <p:cNvPr id="16" name="Rectangle 15">
             <a:extLst>
               <a:ext uri="{FF2B5EF4-FFF2-40B4-BE49-F238E27FC236}">
-                <a16:creationId xmlns:a16="http://schemas.microsoft.com/office/drawing/2014/main" xmlns="" id="{B91AD430-A92C-40AB-8EF1-E27C29877604}"/>
+                <a16:creationId xmlns="" xmlns:a16="http://schemas.microsoft.com/office/drawing/2014/main" id="{B91AD430-A92C-40AB-8EF1-E27C29877604}"/>
               </a:ext>
             </a:extLst>
           </p:cNvPr>
@@ -9548,7 +9521,7 @@
           <p:cNvPr id="17" name="Rectangle 16">
             <a:extLst>
               <a:ext uri="{FF2B5EF4-FFF2-40B4-BE49-F238E27FC236}">
-                <a16:creationId xmlns:a16="http://schemas.microsoft.com/office/drawing/2014/main" xmlns="" id="{830C085B-1FAB-49A8-9D06-919097FB53D1}"/>
+                <a16:creationId xmlns="" xmlns:a16="http://schemas.microsoft.com/office/drawing/2014/main" id="{830C085B-1FAB-49A8-9D06-919097FB53D1}"/>
               </a:ext>
             </a:extLst>
           </p:cNvPr>
@@ -9637,7 +9610,7 @@
           <p:cNvPr id="2" name="Title 1">
             <a:extLst>
               <a:ext uri="{FF2B5EF4-FFF2-40B4-BE49-F238E27FC236}">
-                <a16:creationId xmlns:a16="http://schemas.microsoft.com/office/drawing/2014/main" xmlns="" id="{A686F44C-1A70-4DDC-B6C1-F78384CF90BF}"/>
+                <a16:creationId xmlns="" xmlns:a16="http://schemas.microsoft.com/office/drawing/2014/main" id="{A686F44C-1A70-4DDC-B6C1-F78384CF90BF}"/>
               </a:ext>
             </a:extLst>
           </p:cNvPr>
@@ -9655,7 +9628,7 @@
           <a:p>
             <a:r>
               <a:rPr lang="en-US"/>
-              <a:t>Relevance to Crisis Informatics</a:t>
+              <a:t>Motivation for NER</a:t>
             </a:r>
           </a:p>
         </p:txBody>
@@ -9665,7 +9638,7 @@
           <p:cNvPr id="3" name="Content Placeholder 2">
             <a:extLst>
               <a:ext uri="{FF2B5EF4-FFF2-40B4-BE49-F238E27FC236}">
-                <a16:creationId xmlns:a16="http://schemas.microsoft.com/office/drawing/2014/main" xmlns="" id="{0E3B6853-3F6F-4F58-A37E-45DAEC469477}"/>
+                <a16:creationId xmlns="" xmlns:a16="http://schemas.microsoft.com/office/drawing/2014/main" id="{0E3B6853-3F6F-4F58-A37E-45DAEC469477}"/>
               </a:ext>
             </a:extLst>
           </p:cNvPr>
@@ -9696,62 +9669,14 @@
             <a:pPr lvl="1"/>
             <a:r>
               <a:rPr lang="en-US"/>
-              <a:t>What </a:t>
-            </a:r>
-            <a:r>
-              <a:rPr lang="en-US">
-                <a:solidFill>
-                  <a:srgbClr val="FF0000"/>
-                </a:solidFill>
-              </a:rPr>
-              <a:t>locations</a:t>
-            </a:r>
+              <a:t>What locations have received ‘Storm Surge Warnings’ from the NHC in the last 10 days?</a:t>
+            </a:r>
+          </a:p>
+          <a:p>
+            <a:pPr lvl="1"/>
             <a:r>
               <a:rPr lang="en-US"/>
-              <a:t> have received ‘Storm Surge Warnings’ from the </a:t>
-            </a:r>
-            <a:r>
-              <a:rPr lang="en-US">
-                <a:solidFill>
-                  <a:srgbClr val="FF0000"/>
-                </a:solidFill>
-              </a:rPr>
-              <a:t>NHC</a:t>
-            </a:r>
-            <a:r>
-              <a:rPr lang="en-US"/>
-              <a:t> in the last 10 days?</a:t>
-            </a:r>
-          </a:p>
-          <a:p>
-            <a:pPr lvl="1"/>
-            <a:r>
-              <a:rPr lang="en-US"/>
-              <a:t>What </a:t>
-            </a:r>
-            <a:r>
-              <a:rPr lang="en-US">
-                <a:solidFill>
-                  <a:srgbClr val="FF0000"/>
-                </a:solidFill>
-              </a:rPr>
-              <a:t>organizations</a:t>
-            </a:r>
-            <a:r>
-              <a:rPr lang="en-US"/>
-              <a:t> were involved in relief efforts for </a:t>
-            </a:r>
-            <a:r>
-              <a:rPr lang="en-US">
-                <a:solidFill>
-                  <a:srgbClr val="FF0000"/>
-                </a:solidFill>
-              </a:rPr>
-              <a:t>Hurricane Irma</a:t>
-            </a:r>
-            <a:r>
-              <a:rPr lang="en-US"/>
-              <a:t>?</a:t>
+              <a:t>What organizations were involved in relief efforts for Hurricane Irma?</a:t>
             </a:r>
           </a:p>
           <a:p>
@@ -9802,7 +9727,7 @@
           <p:cNvPr id="2" name="Title 1">
             <a:extLst>
               <a:ext uri="{FF2B5EF4-FFF2-40B4-BE49-F238E27FC236}">
-                <a16:creationId xmlns:a16="http://schemas.microsoft.com/office/drawing/2014/main" xmlns="" id="{A686F44C-1A70-4DDC-B6C1-F78384CF90BF}"/>
+                <a16:creationId xmlns="" xmlns:a16="http://schemas.microsoft.com/office/drawing/2014/main" id="{A686F44C-1A70-4DDC-B6C1-F78384CF90BF}"/>
               </a:ext>
             </a:extLst>
           </p:cNvPr>
@@ -9820,8 +9745,9 @@
           <a:p>
             <a:r>
               <a:rPr lang="en-US"/>
-              <a:t>Relevance to Crisis Informatics</a:t>
-            </a:r>
+              <a:t>Motivation for NER</a:t>
+            </a:r>
+            <a:endParaRPr lang="en-US"/>
           </a:p>
         </p:txBody>
       </p:sp>
@@ -9830,7 +9756,7 @@
           <p:cNvPr id="3" name="Content Placeholder 2">
             <a:extLst>
               <a:ext uri="{FF2B5EF4-FFF2-40B4-BE49-F238E27FC236}">
-                <a16:creationId xmlns:a16="http://schemas.microsoft.com/office/drawing/2014/main" xmlns="" id="{0E3B6853-3F6F-4F58-A37E-45DAEC469477}"/>
+                <a16:creationId xmlns="" xmlns:a16="http://schemas.microsoft.com/office/drawing/2014/main" id="{0E3B6853-3F6F-4F58-A37E-45DAEC469477}"/>
               </a:ext>
             </a:extLst>
           </p:cNvPr>
@@ -9882,7 +9808,7 @@
           <p:cNvPr id="4" name="Picture 3">
             <a:extLst>
               <a:ext uri="{FF2B5EF4-FFF2-40B4-BE49-F238E27FC236}">
-                <a16:creationId xmlns:a16="http://schemas.microsoft.com/office/drawing/2014/main" xmlns="" id="{D8CFBEAF-7F86-415F-A421-630C06315EF5}"/>
+                <a16:creationId xmlns="" xmlns:a16="http://schemas.microsoft.com/office/drawing/2014/main" id="{D8CFBEAF-7F86-415F-A421-630C06315EF5}"/>
               </a:ext>
             </a:extLst>
           </p:cNvPr>
@@ -9912,7 +9838,7 @@
           <p:cNvPr id="5" name="Rectangle 4">
             <a:extLst>
               <a:ext uri="{FF2B5EF4-FFF2-40B4-BE49-F238E27FC236}">
-                <a16:creationId xmlns:a16="http://schemas.microsoft.com/office/drawing/2014/main" xmlns="" id="{3A3D486C-EB90-481F-A0F5-6971C9707494}"/>
+                <a16:creationId xmlns="" xmlns:a16="http://schemas.microsoft.com/office/drawing/2014/main" id="{3A3D486C-EB90-481F-A0F5-6971C9707494}"/>
               </a:ext>
             </a:extLst>
           </p:cNvPr>
@@ -9964,7 +9890,7 @@
           <p:cNvPr id="7" name="Straight Arrow Connector 6">
             <a:extLst>
               <a:ext uri="{FF2B5EF4-FFF2-40B4-BE49-F238E27FC236}">
-                <a16:creationId xmlns:a16="http://schemas.microsoft.com/office/drawing/2014/main" xmlns="" id="{6B5C1F01-6FC6-41B6-986B-614A7417DC21}"/>
+                <a16:creationId xmlns="" xmlns:a16="http://schemas.microsoft.com/office/drawing/2014/main" id="{6B5C1F01-6FC6-41B6-986B-614A7417DC21}"/>
               </a:ext>
             </a:extLst>
           </p:cNvPr>
@@ -10061,7 +9987,7 @@
           <a:p>
             <a:r>
               <a:rPr lang="en-US"/>
-              <a:t>Typical NER Approach</a:t>
+              <a:t>Classic NER Approach</a:t>
             </a:r>
             <a:endParaRPr lang="en-US" dirty="0"/>
           </a:p>
@@ -10072,7 +9998,7 @@
           <p:cNvPr id="7" name="Content Placeholder 6">
             <a:extLst>
               <a:ext uri="{FF2B5EF4-FFF2-40B4-BE49-F238E27FC236}">
-                <a16:creationId xmlns:a16="http://schemas.microsoft.com/office/drawing/2014/main" xmlns="" id="{13D3C029-F9AA-4E5C-8627-46A9ED1284E6}"/>
+                <a16:creationId xmlns="" xmlns:a16="http://schemas.microsoft.com/office/drawing/2014/main" id="{13D3C029-F9AA-4E5C-8627-46A9ED1284E6}"/>
               </a:ext>
             </a:extLst>
           </p:cNvPr>
@@ -10095,7 +10021,7 @@
           <a:p>
             <a:r>
               <a:rPr lang="en-US"/>
-              <a:t>Till recently, most models framed the problem as ‘sequence labeling’ using techniques like Conditional Random Fields and (earlier) Hidden Markov Models</a:t>
+              <a:t>Till recently, most models framed the problem as ‘sequence labeling’ using techniques like Conditional Random Fields or (earlier) Hidden Markov Models</a:t>
             </a:r>
           </a:p>
         </p:txBody>
@@ -10105,7 +10031,7 @@
           <p:cNvPr id="1026" name="Picture 2" descr="Related image">
             <a:extLst>
               <a:ext uri="{FF2B5EF4-FFF2-40B4-BE49-F238E27FC236}">
-                <a16:creationId xmlns:a16="http://schemas.microsoft.com/office/drawing/2014/main" xmlns="" id="{10228010-65D9-4664-9A19-50D2A115129D}"/>
+                <a16:creationId xmlns="" xmlns:a16="http://schemas.microsoft.com/office/drawing/2014/main" id="{10228010-65D9-4664-9A19-50D2A115129D}"/>
               </a:ext>
             </a:extLst>
           </p:cNvPr>
@@ -10152,7 +10078,7 @@
           <p:cNvPr id="14" name="TextBox 13">
             <a:extLst>
               <a:ext uri="{FF2B5EF4-FFF2-40B4-BE49-F238E27FC236}">
-                <a16:creationId xmlns:a16="http://schemas.microsoft.com/office/drawing/2014/main" xmlns="" id="{6DFB3C83-0C7A-4535-96AA-E84D929A4E6A}"/>
+                <a16:creationId xmlns="" xmlns:a16="http://schemas.microsoft.com/office/drawing/2014/main" id="{6DFB3C83-0C7A-4535-96AA-E84D929A4E6A}"/>
               </a:ext>
             </a:extLst>
           </p:cNvPr>
@@ -10229,7 +10155,7 @@
           <p:cNvPr id="2" name="Title 1">
             <a:extLst>
               <a:ext uri="{FF2B5EF4-FFF2-40B4-BE49-F238E27FC236}">
-                <a16:creationId xmlns:a16="http://schemas.microsoft.com/office/drawing/2014/main" xmlns="" id="{5F44972C-1277-45AF-857F-5C44DCAA94E2}"/>
+                <a16:creationId xmlns="" xmlns:a16="http://schemas.microsoft.com/office/drawing/2014/main" id="{5F44972C-1277-45AF-857F-5C44DCAA94E2}"/>
               </a:ext>
             </a:extLst>
           </p:cNvPr>
@@ -10257,7 +10183,7 @@
           <p:cNvPr id="3" name="Content Placeholder 2">
             <a:extLst>
               <a:ext uri="{FF2B5EF4-FFF2-40B4-BE49-F238E27FC236}">
-                <a16:creationId xmlns:a16="http://schemas.microsoft.com/office/drawing/2014/main" xmlns="" id="{AD4D6E95-FB39-4A81-BE0C-47FCB77127E2}"/>
+                <a16:creationId xmlns="" xmlns:a16="http://schemas.microsoft.com/office/drawing/2014/main" id="{AD4D6E95-FB39-4A81-BE0C-47FCB77127E2}"/>
               </a:ext>
             </a:extLst>
           </p:cNvPr>
@@ -10286,19 +10212,7 @@
           <a:p>
             <a:r>
               <a:rPr lang="en-US"/>
-              <a:t>Recently, word embeddings (and more complex </a:t>
-            </a:r>
-            <a:r>
-              <a:rPr lang="en-US">
-                <a:solidFill>
-                  <a:srgbClr val="FF0000"/>
-                </a:solidFill>
-              </a:rPr>
-              <a:t>sense-awar</a:t>
-            </a:r>
-            <a:r>
-              <a:rPr lang="en-US"/>
-              <a:t>e variants) have been used to address the problem</a:t>
+              <a:t>Recently, word embeddings (and more complex sense-aware variants) have been used to address the problem</a:t>
             </a:r>
           </a:p>
         </p:txBody>
@@ -10308,7 +10222,7 @@
           <p:cNvPr id="5" name="Picture 4">
             <a:extLst>
               <a:ext uri="{FF2B5EF4-FFF2-40B4-BE49-F238E27FC236}">
-                <a16:creationId xmlns:a16="http://schemas.microsoft.com/office/drawing/2014/main" xmlns="" id="{E31F759C-413A-4273-876B-1CA3A9286686}"/>
+                <a16:creationId xmlns="" xmlns:a16="http://schemas.microsoft.com/office/drawing/2014/main" id="{E31F759C-413A-4273-876B-1CA3A9286686}"/>
               </a:ext>
             </a:extLst>
           </p:cNvPr>
@@ -10338,7 +10252,7 @@
           <p:cNvPr id="7" name="Straight Arrow Connector 6">
             <a:extLst>
               <a:ext uri="{FF2B5EF4-FFF2-40B4-BE49-F238E27FC236}">
-                <a16:creationId xmlns:a16="http://schemas.microsoft.com/office/drawing/2014/main" xmlns="" id="{482D490B-F863-49BB-82B1-21ED41AC47F8}"/>
+                <a16:creationId xmlns="" xmlns:a16="http://schemas.microsoft.com/office/drawing/2014/main" id="{482D490B-F863-49BB-82B1-21ED41AC47F8}"/>
               </a:ext>
             </a:extLst>
           </p:cNvPr>
@@ -10379,7 +10293,7 @@
           <p:cNvPr id="9" name="Straight Arrow Connector 8">
             <a:extLst>
               <a:ext uri="{FF2B5EF4-FFF2-40B4-BE49-F238E27FC236}">
-                <a16:creationId xmlns:a16="http://schemas.microsoft.com/office/drawing/2014/main" xmlns="" id="{188D38CF-57BF-4AE7-A5CD-D7AB3F163338}"/>
+                <a16:creationId xmlns="" xmlns:a16="http://schemas.microsoft.com/office/drawing/2014/main" id="{188D38CF-57BF-4AE7-A5CD-D7AB3F163338}"/>
               </a:ext>
             </a:extLst>
           </p:cNvPr>
@@ -10420,7 +10334,7 @@
           <p:cNvPr id="19" name="Picture 18">
             <a:extLst>
               <a:ext uri="{FF2B5EF4-FFF2-40B4-BE49-F238E27FC236}">
-                <a16:creationId xmlns:a16="http://schemas.microsoft.com/office/drawing/2014/main" xmlns="" id="{0D7BFADC-AEDA-4227-BD9E-21855850E785}"/>
+                <a16:creationId xmlns="" xmlns:a16="http://schemas.microsoft.com/office/drawing/2014/main" id="{0D7BFADC-AEDA-4227-BD9E-21855850E785}"/>
               </a:ext>
             </a:extLst>
           </p:cNvPr>
@@ -10450,7 +10364,7 @@
           <p:cNvPr id="18" name="Picture 17">
             <a:extLst>
               <a:ext uri="{FF2B5EF4-FFF2-40B4-BE49-F238E27FC236}">
-                <a16:creationId xmlns:a16="http://schemas.microsoft.com/office/drawing/2014/main" xmlns="" id="{F17571D6-AE91-4354-BED2-D90B6DFEE185}"/>
+                <a16:creationId xmlns="" xmlns:a16="http://schemas.microsoft.com/office/drawing/2014/main" id="{F17571D6-AE91-4354-BED2-D90B6DFEE185}"/>
               </a:ext>
             </a:extLst>
           </p:cNvPr>
@@ -10480,7 +10394,7 @@
           <p:cNvPr id="20" name="Picture 19">
             <a:extLst>
               <a:ext uri="{FF2B5EF4-FFF2-40B4-BE49-F238E27FC236}">
-                <a16:creationId xmlns:a16="http://schemas.microsoft.com/office/drawing/2014/main" xmlns="" id="{6CFE4D04-D2D0-40F7-BA00-7F0C0CCD624D}"/>
+                <a16:creationId xmlns="" xmlns:a16="http://schemas.microsoft.com/office/drawing/2014/main" id="{6CFE4D04-D2D0-40F7-BA00-7F0C0CCD624D}"/>
               </a:ext>
             </a:extLst>
           </p:cNvPr>
@@ -10510,7 +10424,7 @@
           <p:cNvPr id="21" name="Picture 20">
             <a:extLst>
               <a:ext uri="{FF2B5EF4-FFF2-40B4-BE49-F238E27FC236}">
-                <a16:creationId xmlns:a16="http://schemas.microsoft.com/office/drawing/2014/main" xmlns="" id="{189FF996-CE2C-4DDA-95B7-85B9DFD7CBED}"/>
+                <a16:creationId xmlns="" xmlns:a16="http://schemas.microsoft.com/office/drawing/2014/main" id="{189FF996-CE2C-4DDA-95B7-85B9DFD7CBED}"/>
               </a:ext>
             </a:extLst>
           </p:cNvPr>
@@ -10794,7 +10708,7 @@
           <p:cNvPr id="2" name="Title 1">
             <a:extLst>
               <a:ext uri="{FF2B5EF4-FFF2-40B4-BE49-F238E27FC236}">
-                <a16:creationId xmlns:a16="http://schemas.microsoft.com/office/drawing/2014/main" xmlns="" id="{5F44972C-1277-45AF-857F-5C44DCAA94E2}"/>
+                <a16:creationId xmlns="" xmlns:a16="http://schemas.microsoft.com/office/drawing/2014/main" id="{5F44972C-1277-45AF-857F-5C44DCAA94E2}"/>
               </a:ext>
             </a:extLst>
           </p:cNvPr>
@@ -10822,7 +10736,7 @@
           <p:cNvPr id="3" name="Content Placeholder 2">
             <a:extLst>
               <a:ext uri="{FF2B5EF4-FFF2-40B4-BE49-F238E27FC236}">
-                <a16:creationId xmlns:a16="http://schemas.microsoft.com/office/drawing/2014/main" xmlns="" id="{AD4D6E95-FB39-4A81-BE0C-47FCB77127E2}"/>
+                <a16:creationId xmlns="" xmlns:a16="http://schemas.microsoft.com/office/drawing/2014/main" id="{AD4D6E95-FB39-4A81-BE0C-47FCB77127E2}"/>
               </a:ext>
             </a:extLst>
           </p:cNvPr>
@@ -10873,7 +10787,7 @@
           <p:cNvPr id="5" name="Picture 4">
             <a:extLst>
               <a:ext uri="{FF2B5EF4-FFF2-40B4-BE49-F238E27FC236}">
-                <a16:creationId xmlns:a16="http://schemas.microsoft.com/office/drawing/2014/main" xmlns="" id="{E31F759C-413A-4273-876B-1CA3A9286686}"/>
+                <a16:creationId xmlns="" xmlns:a16="http://schemas.microsoft.com/office/drawing/2014/main" id="{E31F759C-413A-4273-876B-1CA3A9286686}"/>
               </a:ext>
             </a:extLst>
           </p:cNvPr>
@@ -10903,7 +10817,7 @@
           <p:cNvPr id="7" name="Straight Arrow Connector 6">
             <a:extLst>
               <a:ext uri="{FF2B5EF4-FFF2-40B4-BE49-F238E27FC236}">
-                <a16:creationId xmlns:a16="http://schemas.microsoft.com/office/drawing/2014/main" xmlns="" id="{482D490B-F863-49BB-82B1-21ED41AC47F8}"/>
+                <a16:creationId xmlns="" xmlns:a16="http://schemas.microsoft.com/office/drawing/2014/main" id="{482D490B-F863-49BB-82B1-21ED41AC47F8}"/>
               </a:ext>
             </a:extLst>
           </p:cNvPr>
@@ -10944,7 +10858,7 @@
           <p:cNvPr id="9" name="Straight Arrow Connector 8">
             <a:extLst>
               <a:ext uri="{FF2B5EF4-FFF2-40B4-BE49-F238E27FC236}">
-                <a16:creationId xmlns:a16="http://schemas.microsoft.com/office/drawing/2014/main" xmlns="" id="{188D38CF-57BF-4AE7-A5CD-D7AB3F163338}"/>
+                <a16:creationId xmlns="" xmlns:a16="http://schemas.microsoft.com/office/drawing/2014/main" id="{188D38CF-57BF-4AE7-A5CD-D7AB3F163338}"/>
               </a:ext>
             </a:extLst>
           </p:cNvPr>
@@ -10985,7 +10899,7 @@
           <p:cNvPr id="19" name="Picture 18">
             <a:extLst>
               <a:ext uri="{FF2B5EF4-FFF2-40B4-BE49-F238E27FC236}">
-                <a16:creationId xmlns:a16="http://schemas.microsoft.com/office/drawing/2014/main" xmlns="" id="{0D7BFADC-AEDA-4227-BD9E-21855850E785}"/>
+                <a16:creationId xmlns="" xmlns:a16="http://schemas.microsoft.com/office/drawing/2014/main" id="{0D7BFADC-AEDA-4227-BD9E-21855850E785}"/>
               </a:ext>
             </a:extLst>
           </p:cNvPr>
@@ -11015,7 +10929,7 @@
           <p:cNvPr id="18" name="Picture 17">
             <a:extLst>
               <a:ext uri="{FF2B5EF4-FFF2-40B4-BE49-F238E27FC236}">
-                <a16:creationId xmlns:a16="http://schemas.microsoft.com/office/drawing/2014/main" xmlns="" id="{F17571D6-AE91-4354-BED2-D90B6DFEE185}"/>
+                <a16:creationId xmlns="" xmlns:a16="http://schemas.microsoft.com/office/drawing/2014/main" id="{F17571D6-AE91-4354-BED2-D90B6DFEE185}"/>
               </a:ext>
             </a:extLst>
           </p:cNvPr>
@@ -11045,7 +10959,7 @@
           <p:cNvPr id="20" name="Picture 19">
             <a:extLst>
               <a:ext uri="{FF2B5EF4-FFF2-40B4-BE49-F238E27FC236}">
-                <a16:creationId xmlns:a16="http://schemas.microsoft.com/office/drawing/2014/main" xmlns="" id="{6CFE4D04-D2D0-40F7-BA00-7F0C0CCD624D}"/>
+                <a16:creationId xmlns="" xmlns:a16="http://schemas.microsoft.com/office/drawing/2014/main" id="{6CFE4D04-D2D0-40F7-BA00-7F0C0CCD624D}"/>
               </a:ext>
             </a:extLst>
           </p:cNvPr>
@@ -11075,7 +10989,7 @@
           <p:cNvPr id="21" name="Picture 20">
             <a:extLst>
               <a:ext uri="{FF2B5EF4-FFF2-40B4-BE49-F238E27FC236}">
-                <a16:creationId xmlns:a16="http://schemas.microsoft.com/office/drawing/2014/main" xmlns="" id="{189FF996-CE2C-4DDA-95B7-85B9DFD7CBED}"/>
+                <a16:creationId xmlns="" xmlns:a16="http://schemas.microsoft.com/office/drawing/2014/main" id="{189FF996-CE2C-4DDA-95B7-85B9DFD7CBED}"/>
               </a:ext>
             </a:extLst>
           </p:cNvPr>
@@ -11105,7 +11019,7 @@
           <p:cNvPr id="11" name="Rectangle 10">
             <a:extLst>
               <a:ext uri="{FF2B5EF4-FFF2-40B4-BE49-F238E27FC236}">
-                <a16:creationId xmlns:a16="http://schemas.microsoft.com/office/drawing/2014/main" xmlns="" id="{30DBC704-3387-4A5D-A8E1-6CA6EEB5ADF6}"/>
+                <a16:creationId xmlns="" xmlns:a16="http://schemas.microsoft.com/office/drawing/2014/main" id="{30DBC704-3387-4A5D-A8E1-6CA6EEB5ADF6}"/>
               </a:ext>
             </a:extLst>
           </p:cNvPr>
@@ -11161,7 +11075,7 @@
           <p:cNvPr id="12" name="Title 1">
             <a:extLst>
               <a:ext uri="{FF2B5EF4-FFF2-40B4-BE49-F238E27FC236}">
-                <a16:creationId xmlns:a16="http://schemas.microsoft.com/office/drawing/2014/main" xmlns="" id="{95A38355-5A7F-4B61-8049-EB7D4C4B3DC5}"/>
+                <a16:creationId xmlns="" xmlns:a16="http://schemas.microsoft.com/office/drawing/2014/main" id="{95A38355-5A7F-4B61-8049-EB7D4C4B3DC5}"/>
               </a:ext>
             </a:extLst>
           </p:cNvPr>
@@ -11172,8 +11086,8 @@
         </p:nvSpPr>
         <p:spPr>
           <a:xfrm>
-            <a:off x="1914144" y="3281046"/>
-            <a:ext cx="5669280" cy="2387600"/>
+            <a:off x="1154811" y="2640948"/>
+            <a:ext cx="6601206" cy="2387600"/>
           </a:xfrm>
           <a:prstGeom prst="rect">
             <a:avLst/>
@@ -11181,7 +11095,7 @@
         </p:spPr>
         <p:txBody>
           <a:bodyPr vert="horz" lIns="91440" tIns="45720" rIns="91440" bIns="45720" rtlCol="0" anchor="ctr">
-            <a:normAutofit lnSpcReduction="10000"/>
+            <a:normAutofit/>
           </a:bodyPr>
           <a:lstStyle>
             <a:lvl1pPr algn="l" defTabSz="914400" rtl="0" eaLnBrk="1" latinLnBrk="0" hangingPunct="1">
@@ -11203,13 +11117,14 @@
             </a:lvl1pPr>
           </a:lstStyle>
           <a:p>
+            <a:pPr algn="ctr"/>
             <a:r>
               <a:rPr lang="en-US" b="1">
                 <a:solidFill>
                   <a:srgbClr val="002060"/>
                 </a:solidFill>
               </a:rPr>
-              <a:t>Demonstration of fastText (bag-of-tricks) word embeddings over Twitter data</a:t>
+              <a:t>Demonstration of fastText over Twitter data</a:t>
             </a:r>
             <a:endParaRPr lang="en-US" b="1" dirty="0">
               <a:solidFill>
@@ -11261,7 +11176,7 @@
           <p:cNvPr id="2" name="Title 1">
             <a:extLst>
               <a:ext uri="{FF2B5EF4-FFF2-40B4-BE49-F238E27FC236}">
-                <a16:creationId xmlns:a16="http://schemas.microsoft.com/office/drawing/2014/main" xmlns="" id="{FECCCB1F-69D0-45C7-9A40-FAC731823900}"/>
+                <a16:creationId xmlns="" xmlns:a16="http://schemas.microsoft.com/office/drawing/2014/main" id="{FECCCB1F-69D0-45C7-9A40-FAC731823900}"/>
               </a:ext>
             </a:extLst>
           </p:cNvPr>
@@ -11284,7 +11199,7 @@
           <a:p>
             <a:r>
               <a:rPr lang="en-US"/>
-              <a:t>Powerful Tools and Packages Available</a:t>
+              <a:t>Powerful Tools Available</a:t>
             </a:r>
           </a:p>
         </p:txBody>
@@ -11294,7 +11209,7 @@
           <p:cNvPr id="2050" name="Picture 2" descr="Image result for spacy ner">
             <a:extLst>
               <a:ext uri="{FF2B5EF4-FFF2-40B4-BE49-F238E27FC236}">
-                <a16:creationId xmlns:a16="http://schemas.microsoft.com/office/drawing/2014/main" xmlns="" id="{BF8CE563-B98B-4D8B-85DB-9319C6BB3BD6}"/>
+                <a16:creationId xmlns="" xmlns:a16="http://schemas.microsoft.com/office/drawing/2014/main" id="{BF8CE563-B98B-4D8B-85DB-9319C6BB3BD6}"/>
               </a:ext>
             </a:extLst>
           </p:cNvPr>
@@ -11341,7 +11256,7 @@
           <p:cNvPr id="7" name="Picture 6">
             <a:extLst>
               <a:ext uri="{FF2B5EF4-FFF2-40B4-BE49-F238E27FC236}">
-                <a16:creationId xmlns:a16="http://schemas.microsoft.com/office/drawing/2014/main" xmlns="" id="{C9D1664F-3E2D-44D1-869B-2D54C62EACC8}"/>
+                <a16:creationId xmlns="" xmlns:a16="http://schemas.microsoft.com/office/drawing/2014/main" id="{C9D1664F-3E2D-44D1-869B-2D54C62EACC8}"/>
               </a:ext>
             </a:extLst>
           </p:cNvPr>
@@ -11371,7 +11286,7 @@
           <p:cNvPr id="8" name="Picture 7">
             <a:extLst>
               <a:ext uri="{FF2B5EF4-FFF2-40B4-BE49-F238E27FC236}">
-                <a16:creationId xmlns:a16="http://schemas.microsoft.com/office/drawing/2014/main" xmlns="" id="{7DEDEEDD-DFDA-43E7-BDEF-132D6284F67E}"/>
+                <a16:creationId xmlns="" xmlns:a16="http://schemas.microsoft.com/office/drawing/2014/main" id="{7DEDEEDD-DFDA-43E7-BDEF-132D6284F67E}"/>
               </a:ext>
             </a:extLst>
           </p:cNvPr>
@@ -11401,7 +11316,7 @@
           <p:cNvPr id="9" name="Picture 8">
             <a:extLst>
               <a:ext uri="{FF2B5EF4-FFF2-40B4-BE49-F238E27FC236}">
-                <a16:creationId xmlns:a16="http://schemas.microsoft.com/office/drawing/2014/main" xmlns="" id="{5BF4D1C3-2098-4FA9-9AE9-B6310FFD0382}"/>
+                <a16:creationId xmlns="" xmlns:a16="http://schemas.microsoft.com/office/drawing/2014/main" id="{5BF4D1C3-2098-4FA9-9AE9-B6310FFD0382}"/>
               </a:ext>
             </a:extLst>
           </p:cNvPr>
@@ -11431,7 +11346,7 @@
           <p:cNvPr id="10" name="Picture 9">
             <a:extLst>
               <a:ext uri="{FF2B5EF4-FFF2-40B4-BE49-F238E27FC236}">
-                <a16:creationId xmlns:a16="http://schemas.microsoft.com/office/drawing/2014/main" xmlns="" id="{F6D94560-CDCC-433E-9834-5916B450239B}"/>
+                <a16:creationId xmlns="" xmlns:a16="http://schemas.microsoft.com/office/drawing/2014/main" id="{F6D94560-CDCC-433E-9834-5916B450239B}"/>
               </a:ext>
             </a:extLst>
           </p:cNvPr>
@@ -11461,7 +11376,7 @@
           <p:cNvPr id="11" name="Picture 10">
             <a:extLst>
               <a:ext uri="{FF2B5EF4-FFF2-40B4-BE49-F238E27FC236}">
-                <a16:creationId xmlns:a16="http://schemas.microsoft.com/office/drawing/2014/main" xmlns="" id="{CBF3A1EB-BA6B-484A-AA20-176F12D326FF}"/>
+                <a16:creationId xmlns="" xmlns:a16="http://schemas.microsoft.com/office/drawing/2014/main" id="{CBF3A1EB-BA6B-484A-AA20-176F12D326FF}"/>
               </a:ext>
             </a:extLst>
           </p:cNvPr>
@@ -11528,7 +11443,7 @@
           <p:cNvPr id="2" name="Title 1">
             <a:extLst>
               <a:ext uri="{FF2B5EF4-FFF2-40B4-BE49-F238E27FC236}">
-                <a16:creationId xmlns:a16="http://schemas.microsoft.com/office/drawing/2014/main" xmlns="" id="{D6B083CC-4209-47D3-8AFB-A755190E41BB}"/>
+                <a16:creationId xmlns="" xmlns:a16="http://schemas.microsoft.com/office/drawing/2014/main" id="{FECCCB1F-69D0-45C7-9A40-FAC731823900}"/>
               </a:ext>
             </a:extLst>
           </p:cNvPr>
@@ -11539,105 +11454,76 @@
             <p:ph type="title"/>
           </p:nvPr>
         </p:nvSpPr>
-        <p:spPr/>
-        <p:txBody>
-          <a:bodyPr>
-            <a:normAutofit/>
-          </a:bodyPr>
+        <p:spPr>
+          <a:xfrm>
+            <a:off x="238506" y="365126"/>
+            <a:ext cx="8771382" cy="1325563"/>
+          </a:xfrm>
+        </p:spPr>
+        <p:txBody>
+          <a:bodyPr/>
           <a:lstStyle/>
           <a:p>
             <a:r>
               <a:rPr lang="en-US"/>
-              <a:t>Observation: Off-the-shelf NER is Inadequate for Social Media</a:t>
-            </a:r>
-          </a:p>
-        </p:txBody>
-      </p:sp>
-      <p:sp>
-        <p:nvSpPr>
-          <p:cNvPr id="9" name="Content Placeholder 8">
+              <a:t>Powerful Tools Available</a:t>
+            </a:r>
+          </a:p>
+        </p:txBody>
+      </p:sp>
+      <p:pic>
+        <p:nvPicPr>
+          <p:cNvPr id="2050" name="Picture 2" descr="Image result for spacy ner">
             <a:extLst>
               <a:ext uri="{FF2B5EF4-FFF2-40B4-BE49-F238E27FC236}">
-                <a16:creationId xmlns:a16="http://schemas.microsoft.com/office/drawing/2014/main" xmlns="" id="{B1ED2A46-1714-4043-8859-0515A435A3E5}"/>
+                <a16:creationId xmlns="" xmlns:a16="http://schemas.microsoft.com/office/drawing/2014/main" id="{BF8CE563-B98B-4D8B-85DB-9319C6BB3BD6}"/>
               </a:ext>
             </a:extLst>
           </p:cNvPr>
-          <p:cNvSpPr>
-            <a:spLocks noGrp="1"/>
-          </p:cNvSpPr>
-          <p:nvPr>
-            <p:ph idx="1"/>
-          </p:nvPr>
-        </p:nvSpPr>
-        <p:spPr>
-          <a:xfrm>
-            <a:off x="609600" y="1825625"/>
-            <a:ext cx="7886700" cy="4351338"/>
-          </a:xfrm>
-        </p:spPr>
-        <p:txBody>
-          <a:bodyPr/>
-          <a:lstStyle/>
-          <a:p>
-            <a:r>
-              <a:rPr lang="en-US"/>
-              <a:t>Example: Stanford NER (off-the-shelf) vs. T-SEG (a Twitter-specific NER tool)</a:t>
-            </a:r>
-          </a:p>
-          <a:p>
-            <a:r>
-              <a:rPr lang="en-US"/>
-              <a:t>P, R and F1 below stand for Precision, Recall and F1-Measure resp. </a:t>
-            </a:r>
-          </a:p>
-        </p:txBody>
-      </p:sp>
-      <p:sp>
-        <p:nvSpPr>
-          <p:cNvPr id="10" name="TextBox 9">
+          <p:cNvPicPr>
+            <a:picLocks noChangeAspect="1" noChangeArrowheads="1"/>
+          </p:cNvPicPr>
+          <p:nvPr/>
+        </p:nvPicPr>
+        <p:blipFill>
+          <a:blip r:embed="rId2">
             <a:extLst>
-              <a:ext uri="{FF2B5EF4-FFF2-40B4-BE49-F238E27FC236}">
-                <a16:creationId xmlns:a16="http://schemas.microsoft.com/office/drawing/2014/main" xmlns="" id="{56F30D90-CBA2-46EA-91F2-0573C998920B}"/>
+              <a:ext uri="{28A0092B-C50C-407E-A947-70E740481C1C}">
+                <a14:useLocalDpi xmlns:a14="http://schemas.microsoft.com/office/drawing/2010/main" val="0"/>
               </a:ext>
             </a:extLst>
-          </p:cNvPr>
-          <p:cNvSpPr txBox="1"/>
-          <p:nvPr/>
-        </p:nvSpPr>
-        <p:spPr>
-          <a:xfrm>
-            <a:off x="6400800" y="6361629"/>
-            <a:ext cx="2668524" cy="369332"/>
+          </a:blip>
+          <a:srcRect/>
+          <a:stretch>
+            <a:fillRect/>
+          </a:stretch>
+        </p:blipFill>
+        <p:spPr bwMode="auto">
+          <a:xfrm>
+            <a:off x="829056" y="2029447"/>
+            <a:ext cx="3962400" cy="2066330"/>
           </a:xfrm>
           <a:prstGeom prst="rect">
             <a:avLst/>
           </a:prstGeom>
           <a:noFill/>
-        </p:spPr>
-        <p:txBody>
-          <a:bodyPr wrap="square" rtlCol="0">
-            <a:spAutoFit/>
-          </a:bodyPr>
-          <a:lstStyle/>
-          <a:p>
-            <a:pPr algn="r"/>
-            <a:r>
-              <a:rPr lang="en-US">
+          <a:extLst>
+            <a:ext uri="{909E8E84-426E-40DD-AFC4-6F175D3DCCD1}">
+              <a14:hiddenFill xmlns:a14="http://schemas.microsoft.com/office/drawing/2010/main">
                 <a:solidFill>
-                  <a:srgbClr val="002060"/>
+                  <a:srgbClr val="FFFFFF"/>
                 </a:solidFill>
-              </a:rPr>
-              <a:t>(Ritter et al., 2011)</a:t>
-            </a:r>
-          </a:p>
-        </p:txBody>
-      </p:sp>
+              </a14:hiddenFill>
+            </a:ext>
+          </a:extLst>
+        </p:spPr>
+      </p:pic>
       <p:pic>
         <p:nvPicPr>
-          <p:cNvPr id="11" name="Picture 10">
+          <p:cNvPr id="7" name="Picture 6">
             <a:extLst>
               <a:ext uri="{FF2B5EF4-FFF2-40B4-BE49-F238E27FC236}">
-                <a16:creationId xmlns:a16="http://schemas.microsoft.com/office/drawing/2014/main" xmlns="" id="{139CD10C-D795-43F9-9BE2-0158C5C25AF2}"/>
+                <a16:creationId xmlns="" xmlns:a16="http://schemas.microsoft.com/office/drawing/2014/main" id="{C9D1664F-3E2D-44D1-869B-2D54C62EACC8}"/>
               </a:ext>
             </a:extLst>
           </p:cNvPr>
@@ -11647,25 +11533,264 @@
           <p:nvPr/>
         </p:nvPicPr>
         <p:blipFill>
-          <a:blip r:embed="rId2"/>
+          <a:blip r:embed="rId3"/>
           <a:stretch>
             <a:fillRect/>
           </a:stretch>
         </p:blipFill>
         <p:spPr>
           <a:xfrm>
-            <a:off x="1006602" y="3473196"/>
-            <a:ext cx="7090456" cy="2435543"/>
+            <a:off x="4005262" y="4565120"/>
+            <a:ext cx="4090226" cy="2130600"/>
           </a:xfrm>
           <a:prstGeom prst="rect">
             <a:avLst/>
           </a:prstGeom>
         </p:spPr>
       </p:pic>
+      <p:pic>
+        <p:nvPicPr>
+          <p:cNvPr id="8" name="Picture 7">
+            <a:extLst>
+              <a:ext uri="{FF2B5EF4-FFF2-40B4-BE49-F238E27FC236}">
+                <a16:creationId xmlns="" xmlns:a16="http://schemas.microsoft.com/office/drawing/2014/main" id="{7DEDEEDD-DFDA-43E7-BDEF-132D6284F67E}"/>
+              </a:ext>
+            </a:extLst>
+          </p:cNvPr>
+          <p:cNvPicPr>
+            <a:picLocks noChangeAspect="1"/>
+          </p:cNvPicPr>
+          <p:nvPr/>
+        </p:nvPicPr>
+        <p:blipFill>
+          <a:blip r:embed="rId4"/>
+          <a:stretch>
+            <a:fillRect/>
+          </a:stretch>
+        </p:blipFill>
+        <p:spPr>
+          <a:xfrm>
+            <a:off x="505968" y="3730017"/>
+            <a:ext cx="3284692" cy="2463519"/>
+          </a:xfrm>
+          <a:prstGeom prst="rect">
+            <a:avLst/>
+          </a:prstGeom>
+        </p:spPr>
+      </p:pic>
+      <p:pic>
+        <p:nvPicPr>
+          <p:cNvPr id="9" name="Picture 8">
+            <a:extLst>
+              <a:ext uri="{FF2B5EF4-FFF2-40B4-BE49-F238E27FC236}">
+                <a16:creationId xmlns="" xmlns:a16="http://schemas.microsoft.com/office/drawing/2014/main" id="{5BF4D1C3-2098-4FA9-9AE9-B6310FFD0382}"/>
+              </a:ext>
+            </a:extLst>
+          </p:cNvPr>
+          <p:cNvPicPr>
+            <a:picLocks noChangeAspect="1"/>
+          </p:cNvPicPr>
+          <p:nvPr/>
+        </p:nvPicPr>
+        <p:blipFill>
+          <a:blip r:embed="rId5"/>
+          <a:stretch>
+            <a:fillRect/>
+          </a:stretch>
+        </p:blipFill>
+        <p:spPr>
+          <a:xfrm>
+            <a:off x="4274112" y="2602471"/>
+            <a:ext cx="1757118" cy="1757118"/>
+          </a:xfrm>
+          <a:prstGeom prst="rect">
+            <a:avLst/>
+          </a:prstGeom>
+        </p:spPr>
+      </p:pic>
+      <p:pic>
+        <p:nvPicPr>
+          <p:cNvPr id="10" name="Picture 9">
+            <a:extLst>
+              <a:ext uri="{FF2B5EF4-FFF2-40B4-BE49-F238E27FC236}">
+                <a16:creationId xmlns="" xmlns:a16="http://schemas.microsoft.com/office/drawing/2014/main" id="{F6D94560-CDCC-433E-9834-5916B450239B}"/>
+              </a:ext>
+            </a:extLst>
+          </p:cNvPr>
+          <p:cNvPicPr>
+            <a:picLocks noChangeAspect="1"/>
+          </p:cNvPicPr>
+          <p:nvPr/>
+        </p:nvPicPr>
+        <p:blipFill>
+          <a:blip r:embed="rId6"/>
+          <a:stretch>
+            <a:fillRect/>
+          </a:stretch>
+        </p:blipFill>
+        <p:spPr>
+          <a:xfrm>
+            <a:off x="6567678" y="3299670"/>
+            <a:ext cx="2442210" cy="1059919"/>
+          </a:xfrm>
+          <a:prstGeom prst="rect">
+            <a:avLst/>
+          </a:prstGeom>
+        </p:spPr>
+      </p:pic>
+      <p:pic>
+        <p:nvPicPr>
+          <p:cNvPr id="11" name="Picture 10">
+            <a:extLst>
+              <a:ext uri="{FF2B5EF4-FFF2-40B4-BE49-F238E27FC236}">
+                <a16:creationId xmlns="" xmlns:a16="http://schemas.microsoft.com/office/drawing/2014/main" id="{CBF3A1EB-BA6B-484A-AA20-176F12D326FF}"/>
+              </a:ext>
+            </a:extLst>
+          </p:cNvPr>
+          <p:cNvPicPr>
+            <a:picLocks noChangeAspect="1"/>
+          </p:cNvPicPr>
+          <p:nvPr/>
+        </p:nvPicPr>
+        <p:blipFill>
+          <a:blip r:embed="rId7"/>
+          <a:stretch>
+            <a:fillRect/>
+          </a:stretch>
+        </p:blipFill>
+        <p:spPr>
+          <a:xfrm>
+            <a:off x="5903770" y="1342696"/>
+            <a:ext cx="3106118" cy="1619960"/>
+          </a:xfrm>
+          <a:prstGeom prst="rect">
+            <a:avLst/>
+          </a:prstGeom>
+        </p:spPr>
+      </p:pic>
+      <p:sp>
+        <p:nvSpPr>
+          <p:cNvPr id="12" name="Rectangle 11">
+            <a:extLst>
+              <a:ext uri="{FF2B5EF4-FFF2-40B4-BE49-F238E27FC236}">
+                <a16:creationId xmlns="" xmlns:a16="http://schemas.microsoft.com/office/drawing/2014/main" id="{30DBC704-3387-4A5D-A8E1-6CA6EEB5ADF6}"/>
+              </a:ext>
+            </a:extLst>
+          </p:cNvPr>
+          <p:cNvSpPr/>
+          <p:nvPr/>
+        </p:nvSpPr>
+        <p:spPr>
+          <a:xfrm>
+            <a:off x="182880" y="1450849"/>
+            <a:ext cx="8827008" cy="5035296"/>
+          </a:xfrm>
+          <a:prstGeom prst="rect">
+            <a:avLst/>
+          </a:prstGeom>
+          <a:solidFill>
+            <a:schemeClr val="accent6">
+              <a:lumMod val="40000"/>
+              <a:lumOff val="60000"/>
+              <a:alpha val="93000"/>
+            </a:schemeClr>
+          </a:solidFill>
+          <a:ln>
+            <a:noFill/>
+          </a:ln>
+        </p:spPr>
+        <p:style>
+          <a:lnRef idx="2">
+            <a:schemeClr val="accent1">
+              <a:shade val="50000"/>
+            </a:schemeClr>
+          </a:lnRef>
+          <a:fillRef idx="1">
+            <a:schemeClr val="accent1"/>
+          </a:fillRef>
+          <a:effectRef idx="0">
+            <a:schemeClr val="accent1"/>
+          </a:effectRef>
+          <a:fontRef idx="minor">
+            <a:schemeClr val="lt1"/>
+          </a:fontRef>
+        </p:style>
+        <p:txBody>
+          <a:bodyPr rtlCol="0" anchor="ctr"/>
+          <a:lstStyle/>
+          <a:p>
+            <a:pPr algn="ctr"/>
+            <a:endParaRPr lang="en-US"/>
+          </a:p>
+        </p:txBody>
+      </p:sp>
+      <p:sp>
+        <p:nvSpPr>
+          <p:cNvPr id="13" name="Title 1">
+            <a:extLst>
+              <a:ext uri="{FF2B5EF4-FFF2-40B4-BE49-F238E27FC236}">
+                <a16:creationId xmlns="" xmlns:a16="http://schemas.microsoft.com/office/drawing/2014/main" id="{95A38355-5A7F-4B61-8049-EB7D4C4B3DC5}"/>
+              </a:ext>
+            </a:extLst>
+          </p:cNvPr>
+          <p:cNvSpPr txBox="1">
+            <a:spLocks/>
+          </p:cNvSpPr>
+          <p:nvPr/>
+        </p:nvSpPr>
+        <p:spPr>
+          <a:xfrm>
+            <a:off x="660399" y="3281046"/>
+            <a:ext cx="7509933" cy="2387600"/>
+          </a:xfrm>
+          <a:prstGeom prst="rect">
+            <a:avLst/>
+          </a:prstGeom>
+        </p:spPr>
+        <p:txBody>
+          <a:bodyPr vert="horz" lIns="91440" tIns="45720" rIns="91440" bIns="45720" rtlCol="0" anchor="ctr">
+            <a:normAutofit/>
+          </a:bodyPr>
+          <a:lstStyle>
+            <a:lvl1pPr algn="l" defTabSz="914400" rtl="0" eaLnBrk="1" latinLnBrk="0" hangingPunct="1">
+              <a:lnSpc>
+                <a:spcPct val="90000"/>
+              </a:lnSpc>
+              <a:spcBef>
+                <a:spcPct val="0"/>
+              </a:spcBef>
+              <a:buNone/>
+              <a:defRPr sz="4400" kern="1200">
+                <a:solidFill>
+                  <a:schemeClr val="tx1"/>
+                </a:solidFill>
+                <a:latin typeface="+mj-lt"/>
+                <a:ea typeface="+mj-ea"/>
+                <a:cs typeface="+mj-cs"/>
+              </a:defRPr>
+            </a:lvl1pPr>
+          </a:lstStyle>
+          <a:p>
+            <a:r>
+              <a:rPr lang="en-US" sz="4000" b="1">
+                <a:solidFill>
+                  <a:srgbClr val="002060"/>
+                </a:solidFill>
+              </a:rPr>
+              <a:t>Tools like SpaCy and Stanford NER can work directly with embeddings</a:t>
+            </a:r>
+            <a:endParaRPr lang="en-US" sz="4000" b="1" dirty="0">
+              <a:solidFill>
+                <a:srgbClr val="002060"/>
+              </a:solidFill>
+            </a:endParaRPr>
+          </a:p>
+        </p:txBody>
+      </p:sp>
     </p:spTree>
     <p:extLst>
       <p:ext uri="{BB962C8B-B14F-4D97-AF65-F5344CB8AC3E}">
-        <p14:creationId xmlns:p14="http://schemas.microsoft.com/office/powerpoint/2010/main" val="1753429276"/>
+        <p14:creationId xmlns:p14="http://schemas.microsoft.com/office/powerpoint/2010/main" val="454712633"/>
       </p:ext>
     </p:extLst>
   </p:cSld>
@@ -11704,7 +11829,7 @@
           <p:cNvPr id="2" name="Title 1">
             <a:extLst>
               <a:ext uri="{FF2B5EF4-FFF2-40B4-BE49-F238E27FC236}">
-                <a16:creationId xmlns:a16="http://schemas.microsoft.com/office/drawing/2014/main" xmlns="" id="{D6B083CC-4209-47D3-8AFB-A755190E41BB}"/>
+                <a16:creationId xmlns="" xmlns:a16="http://schemas.microsoft.com/office/drawing/2014/main" id="{FECCCB1F-69D0-45C7-9A40-FAC731823900}"/>
               </a:ext>
             </a:extLst>
           </p:cNvPr>
@@ -11715,65 +11840,76 @@
             <p:ph type="title"/>
           </p:nvPr>
         </p:nvSpPr>
-        <p:spPr/>
-        <p:txBody>
-          <a:bodyPr>
-            <a:normAutofit/>
-          </a:bodyPr>
+        <p:spPr>
+          <a:xfrm>
+            <a:off x="238506" y="365126"/>
+            <a:ext cx="8771382" cy="1325563"/>
+          </a:xfrm>
+        </p:spPr>
+        <p:txBody>
+          <a:bodyPr/>
           <a:lstStyle/>
           <a:p>
             <a:r>
               <a:rPr lang="en-US"/>
-              <a:t>Observation: Off-the-shelf NER is Inadequate for Social Media</a:t>
-            </a:r>
-          </a:p>
-        </p:txBody>
-      </p:sp>
-      <p:sp>
-        <p:nvSpPr>
-          <p:cNvPr id="9" name="Content Placeholder 8">
+              <a:t>Powerful Tools Available</a:t>
+            </a:r>
+          </a:p>
+        </p:txBody>
+      </p:sp>
+      <p:pic>
+        <p:nvPicPr>
+          <p:cNvPr id="2050" name="Picture 2" descr="Image result for spacy ner">
             <a:extLst>
               <a:ext uri="{FF2B5EF4-FFF2-40B4-BE49-F238E27FC236}">
-                <a16:creationId xmlns:a16="http://schemas.microsoft.com/office/drawing/2014/main" xmlns="" id="{B1ED2A46-1714-4043-8859-0515A435A3E5}"/>
+                <a16:creationId xmlns="" xmlns:a16="http://schemas.microsoft.com/office/drawing/2014/main" id="{BF8CE563-B98B-4D8B-85DB-9319C6BB3BD6}"/>
               </a:ext>
             </a:extLst>
           </p:cNvPr>
-          <p:cNvSpPr>
-            <a:spLocks noGrp="1"/>
-          </p:cNvSpPr>
-          <p:nvPr>
-            <p:ph idx="1"/>
-          </p:nvPr>
-        </p:nvSpPr>
-        <p:spPr>
-          <a:xfrm>
-            <a:off x="609600" y="1825625"/>
-            <a:ext cx="7886700" cy="4351338"/>
-          </a:xfrm>
-        </p:spPr>
-        <p:txBody>
-          <a:bodyPr/>
-          <a:lstStyle/>
-          <a:p>
-            <a:r>
-              <a:rPr lang="en-US"/>
-              <a:t>Example: Stanford NER (off-the-shelf) vs. T-SEG (a Twitter-specific NER tool)</a:t>
-            </a:r>
-          </a:p>
-          <a:p>
-            <a:r>
-              <a:rPr lang="en-US"/>
-              <a:t>P, R and F1 below stand for Precision, Recall and F1-Measure resp. </a:t>
-            </a:r>
-          </a:p>
-        </p:txBody>
-      </p:sp>
+          <p:cNvPicPr>
+            <a:picLocks noChangeAspect="1" noChangeArrowheads="1"/>
+          </p:cNvPicPr>
+          <p:nvPr/>
+        </p:nvPicPr>
+        <p:blipFill>
+          <a:blip r:embed="rId2">
+            <a:extLst>
+              <a:ext uri="{28A0092B-C50C-407E-A947-70E740481C1C}">
+                <a14:useLocalDpi xmlns:a14="http://schemas.microsoft.com/office/drawing/2010/main" val="0"/>
+              </a:ext>
+            </a:extLst>
+          </a:blip>
+          <a:srcRect/>
+          <a:stretch>
+            <a:fillRect/>
+          </a:stretch>
+        </p:blipFill>
+        <p:spPr bwMode="auto">
+          <a:xfrm>
+            <a:off x="829056" y="2029447"/>
+            <a:ext cx="3962400" cy="2066330"/>
+          </a:xfrm>
+          <a:prstGeom prst="rect">
+            <a:avLst/>
+          </a:prstGeom>
+          <a:noFill/>
+          <a:extLst>
+            <a:ext uri="{909E8E84-426E-40DD-AFC4-6F175D3DCCD1}">
+              <a14:hiddenFill xmlns:a14="http://schemas.microsoft.com/office/drawing/2010/main">
+                <a:solidFill>
+                  <a:srgbClr val="FFFFFF"/>
+                </a:solidFill>
+              </a14:hiddenFill>
+            </a:ext>
+          </a:extLst>
+        </p:spPr>
+      </p:pic>
       <p:pic>
         <p:nvPicPr>
-          <p:cNvPr id="11" name="Picture 10">
+          <p:cNvPr id="7" name="Picture 6">
             <a:extLst>
               <a:ext uri="{FF2B5EF4-FFF2-40B4-BE49-F238E27FC236}">
-                <a16:creationId xmlns:a16="http://schemas.microsoft.com/office/drawing/2014/main" xmlns="" id="{139CD10C-D795-43F9-9BE2-0158C5C25AF2}"/>
+                <a16:creationId xmlns="" xmlns:a16="http://schemas.microsoft.com/office/drawing/2014/main" id="{C9D1664F-3E2D-44D1-869B-2D54C62EACC8}"/>
               </a:ext>
             </a:extLst>
           </p:cNvPr>
@@ -11790,20 +11926,140 @@
         </p:blipFill>
         <p:spPr>
           <a:xfrm>
-            <a:off x="1006602" y="3473196"/>
-            <a:ext cx="7090456" cy="2435543"/>
+            <a:off x="4005262" y="4565120"/>
+            <a:ext cx="4090226" cy="2130600"/>
           </a:xfrm>
           <a:prstGeom prst="rect">
             <a:avLst/>
           </a:prstGeom>
         </p:spPr>
       </p:pic>
-      <p:sp>
-        <p:nvSpPr>
-          <p:cNvPr id="8" name="Rectangle 7">
+      <p:pic>
+        <p:nvPicPr>
+          <p:cNvPr id="8" name="Picture 7">
             <a:extLst>
               <a:ext uri="{FF2B5EF4-FFF2-40B4-BE49-F238E27FC236}">
-                <a16:creationId xmlns:a16="http://schemas.microsoft.com/office/drawing/2014/main" xmlns="" id="{99016647-0CBA-4CDC-A66E-8FCBED8E4481}"/>
+                <a16:creationId xmlns="" xmlns:a16="http://schemas.microsoft.com/office/drawing/2014/main" id="{7DEDEEDD-DFDA-43E7-BDEF-132D6284F67E}"/>
+              </a:ext>
+            </a:extLst>
+          </p:cNvPr>
+          <p:cNvPicPr>
+            <a:picLocks noChangeAspect="1"/>
+          </p:cNvPicPr>
+          <p:nvPr/>
+        </p:nvPicPr>
+        <p:blipFill>
+          <a:blip r:embed="rId4"/>
+          <a:stretch>
+            <a:fillRect/>
+          </a:stretch>
+        </p:blipFill>
+        <p:spPr>
+          <a:xfrm>
+            <a:off x="505968" y="3730017"/>
+            <a:ext cx="3284692" cy="2463519"/>
+          </a:xfrm>
+          <a:prstGeom prst="rect">
+            <a:avLst/>
+          </a:prstGeom>
+        </p:spPr>
+      </p:pic>
+      <p:pic>
+        <p:nvPicPr>
+          <p:cNvPr id="9" name="Picture 8">
+            <a:extLst>
+              <a:ext uri="{FF2B5EF4-FFF2-40B4-BE49-F238E27FC236}">
+                <a16:creationId xmlns="" xmlns:a16="http://schemas.microsoft.com/office/drawing/2014/main" id="{5BF4D1C3-2098-4FA9-9AE9-B6310FFD0382}"/>
+              </a:ext>
+            </a:extLst>
+          </p:cNvPr>
+          <p:cNvPicPr>
+            <a:picLocks noChangeAspect="1"/>
+          </p:cNvPicPr>
+          <p:nvPr/>
+        </p:nvPicPr>
+        <p:blipFill>
+          <a:blip r:embed="rId5"/>
+          <a:stretch>
+            <a:fillRect/>
+          </a:stretch>
+        </p:blipFill>
+        <p:spPr>
+          <a:xfrm>
+            <a:off x="4274112" y="2602471"/>
+            <a:ext cx="1757118" cy="1757118"/>
+          </a:xfrm>
+          <a:prstGeom prst="rect">
+            <a:avLst/>
+          </a:prstGeom>
+        </p:spPr>
+      </p:pic>
+      <p:pic>
+        <p:nvPicPr>
+          <p:cNvPr id="10" name="Picture 9">
+            <a:extLst>
+              <a:ext uri="{FF2B5EF4-FFF2-40B4-BE49-F238E27FC236}">
+                <a16:creationId xmlns="" xmlns:a16="http://schemas.microsoft.com/office/drawing/2014/main" id="{F6D94560-CDCC-433E-9834-5916B450239B}"/>
+              </a:ext>
+            </a:extLst>
+          </p:cNvPr>
+          <p:cNvPicPr>
+            <a:picLocks noChangeAspect="1"/>
+          </p:cNvPicPr>
+          <p:nvPr/>
+        </p:nvPicPr>
+        <p:blipFill>
+          <a:blip r:embed="rId6"/>
+          <a:stretch>
+            <a:fillRect/>
+          </a:stretch>
+        </p:blipFill>
+        <p:spPr>
+          <a:xfrm>
+            <a:off x="6567678" y="3299670"/>
+            <a:ext cx="2442210" cy="1059919"/>
+          </a:xfrm>
+          <a:prstGeom prst="rect">
+            <a:avLst/>
+          </a:prstGeom>
+        </p:spPr>
+      </p:pic>
+      <p:pic>
+        <p:nvPicPr>
+          <p:cNvPr id="11" name="Picture 10">
+            <a:extLst>
+              <a:ext uri="{FF2B5EF4-FFF2-40B4-BE49-F238E27FC236}">
+                <a16:creationId xmlns="" xmlns:a16="http://schemas.microsoft.com/office/drawing/2014/main" id="{CBF3A1EB-BA6B-484A-AA20-176F12D326FF}"/>
+              </a:ext>
+            </a:extLst>
+          </p:cNvPr>
+          <p:cNvPicPr>
+            <a:picLocks noChangeAspect="1"/>
+          </p:cNvPicPr>
+          <p:nvPr/>
+        </p:nvPicPr>
+        <p:blipFill>
+          <a:blip r:embed="rId7"/>
+          <a:stretch>
+            <a:fillRect/>
+          </a:stretch>
+        </p:blipFill>
+        <p:spPr>
+          <a:xfrm>
+            <a:off x="5903770" y="1342696"/>
+            <a:ext cx="3106118" cy="1619960"/>
+          </a:xfrm>
+          <a:prstGeom prst="rect">
+            <a:avLst/>
+          </a:prstGeom>
+        </p:spPr>
+      </p:pic>
+      <p:sp>
+        <p:nvSpPr>
+          <p:cNvPr id="12" name="Rectangle 11">
+            <a:extLst>
+              <a:ext uri="{FF2B5EF4-FFF2-40B4-BE49-F238E27FC236}">
+                <a16:creationId xmlns="" xmlns:a16="http://schemas.microsoft.com/office/drawing/2014/main" id="{30DBC704-3387-4A5D-A8E1-6CA6EEB5ADF6}"/>
               </a:ext>
             </a:extLst>
           </p:cNvPr>
@@ -11812,8 +12068,8 @@
         </p:nvSpPr>
         <p:spPr>
           <a:xfrm>
-            <a:off x="304800" y="1690689"/>
-            <a:ext cx="8595360" cy="1930335"/>
+            <a:off x="182880" y="1450849"/>
+            <a:ext cx="8827008" cy="5035296"/>
           </a:xfrm>
           <a:prstGeom prst="rect">
             <a:avLst/>
@@ -11856,182 +12112,71 @@
       </p:sp>
       <p:sp>
         <p:nvSpPr>
-          <p:cNvPr id="4" name="TextBox 3">
+          <p:cNvPr id="13" name="Title 1">
             <a:extLst>
               <a:ext uri="{FF2B5EF4-FFF2-40B4-BE49-F238E27FC236}">
-                <a16:creationId xmlns:a16="http://schemas.microsoft.com/office/drawing/2014/main" xmlns="" id="{4B33F1C3-6003-4D94-915E-6A63B46DBE1C}"/>
+                <a16:creationId xmlns="" xmlns:a16="http://schemas.microsoft.com/office/drawing/2014/main" id="{95A38355-5A7F-4B61-8049-EB7D4C4B3DC5}"/>
               </a:ext>
             </a:extLst>
           </p:cNvPr>
-          <p:cNvSpPr txBox="1"/>
+          <p:cNvSpPr txBox="1">
+            <a:spLocks/>
+          </p:cNvSpPr>
           <p:nvPr/>
         </p:nvSpPr>
         <p:spPr>
           <a:xfrm>
-            <a:off x="900685" y="2042602"/>
-            <a:ext cx="7595615" cy="1569660"/>
+            <a:off x="1914144" y="3281046"/>
+            <a:ext cx="5669280" cy="2387600"/>
           </a:xfrm>
           <a:prstGeom prst="rect">
             <a:avLst/>
           </a:prstGeom>
-          <a:noFill/>
-        </p:spPr>
-        <p:txBody>
-          <a:bodyPr wrap="square" rtlCol="0">
-            <a:spAutoFit/>
+        </p:spPr>
+        <p:txBody>
+          <a:bodyPr vert="horz" lIns="91440" tIns="45720" rIns="91440" bIns="45720" rtlCol="0" anchor="ctr">
+            <a:normAutofit/>
           </a:bodyPr>
-          <a:lstStyle/>
-          <a:p>
-            <a:pPr algn="ctr"/>
-            <a:r>
-              <a:rPr lang="en-US" sz="3200">
+          <a:lstStyle>
+            <a:lvl1pPr algn="l" defTabSz="914400" rtl="0" eaLnBrk="1" latinLnBrk="0" hangingPunct="1">
+              <a:lnSpc>
+                <a:spcPct val="90000"/>
+              </a:lnSpc>
+              <a:spcBef>
+                <a:spcPct val="0"/>
+              </a:spcBef>
+              <a:buNone/>
+              <a:defRPr sz="4400" kern="1200">
                 <a:solidFill>
-                  <a:srgbClr val="FF0000"/>
+                  <a:schemeClr val="tx1"/>
                 </a:solidFill>
-              </a:rPr>
-              <a:t>Training Twitter-specific models and using Twitter-specific features offers significant performance advantages</a:t>
-            </a:r>
-          </a:p>
-        </p:txBody>
-      </p:sp>
-      <p:sp>
-        <p:nvSpPr>
-          <p:cNvPr id="3" name="Oval 2">
-            <a:extLst>
-              <a:ext uri="{FF2B5EF4-FFF2-40B4-BE49-F238E27FC236}">
-                <a16:creationId xmlns:a16="http://schemas.microsoft.com/office/drawing/2014/main" xmlns="" id="{A6AA111D-A7A9-4A20-AA18-6ABD3344B561}"/>
-              </a:ext>
-            </a:extLst>
-          </p:cNvPr>
-          <p:cNvSpPr/>
-          <p:nvPr/>
-        </p:nvSpPr>
-        <p:spPr>
-          <a:xfrm>
-            <a:off x="6693408" y="3473196"/>
-            <a:ext cx="1281730" cy="2574036"/>
-          </a:xfrm>
-          <a:prstGeom prst="ellipse">
-            <a:avLst/>
-          </a:prstGeom>
-          <a:noFill/>
-          <a:ln w="38100">
-            <a:solidFill>
-              <a:srgbClr val="FF0000"/>
-            </a:solidFill>
-          </a:ln>
-        </p:spPr>
-        <p:style>
-          <a:lnRef idx="2">
-            <a:schemeClr val="accent1">
-              <a:shade val="50000"/>
-            </a:schemeClr>
-          </a:lnRef>
-          <a:fillRef idx="1">
-            <a:schemeClr val="accent1"/>
-          </a:fillRef>
-          <a:effectRef idx="0">
-            <a:schemeClr val="accent1"/>
-          </a:effectRef>
-          <a:fontRef idx="minor">
-            <a:schemeClr val="lt1"/>
-          </a:fontRef>
-        </p:style>
-        <p:txBody>
-          <a:bodyPr rtlCol="0" anchor="ctr"/>
-          <a:lstStyle/>
-          <a:p>
-            <a:pPr algn="ctr"/>
-            <a:endParaRPr lang="en-US"/>
-          </a:p>
-        </p:txBody>
-      </p:sp>
-      <p:cxnSp>
-        <p:nvCxnSpPr>
-          <p:cNvPr id="6" name="Straight Arrow Connector 5">
-            <a:extLst>
-              <a:ext uri="{FF2B5EF4-FFF2-40B4-BE49-F238E27FC236}">
-                <a16:creationId xmlns:a16="http://schemas.microsoft.com/office/drawing/2014/main" xmlns="" id="{61BDA680-BA2B-49A7-BB1B-55390EF54BAA}"/>
-              </a:ext>
-            </a:extLst>
-          </p:cNvPr>
-          <p:cNvCxnSpPr/>
-          <p:nvPr/>
-        </p:nvCxnSpPr>
-        <p:spPr>
-          <a:xfrm>
-            <a:off x="4645152" y="3473196"/>
-            <a:ext cx="2170176" cy="428244"/>
-          </a:xfrm>
-          <a:prstGeom prst="straightConnector1">
-            <a:avLst/>
-          </a:prstGeom>
-          <a:ln>
-            <a:solidFill>
-              <a:srgbClr val="FF0000"/>
-            </a:solidFill>
-            <a:tailEnd type="triangle"/>
-          </a:ln>
-        </p:spPr>
-        <p:style>
-          <a:lnRef idx="1">
-            <a:schemeClr val="accent1"/>
-          </a:lnRef>
-          <a:fillRef idx="0">
-            <a:schemeClr val="accent1"/>
-          </a:fillRef>
-          <a:effectRef idx="0">
-            <a:schemeClr val="accent1"/>
-          </a:effectRef>
-          <a:fontRef idx="minor">
-            <a:schemeClr val="tx1"/>
-          </a:fontRef>
-        </p:style>
-      </p:cxnSp>
-      <p:sp>
-        <p:nvSpPr>
-          <p:cNvPr id="12" name="TextBox 11">
-            <a:extLst>
-              <a:ext uri="{FF2B5EF4-FFF2-40B4-BE49-F238E27FC236}">
-                <a16:creationId xmlns:a16="http://schemas.microsoft.com/office/drawing/2014/main" xmlns="" id="{A9662CE1-4096-4132-B041-42E280DDC82E}"/>
-              </a:ext>
-            </a:extLst>
-          </p:cNvPr>
-          <p:cNvSpPr txBox="1"/>
-          <p:nvPr/>
-        </p:nvSpPr>
-        <p:spPr>
-          <a:xfrm>
-            <a:off x="6400800" y="6361629"/>
-            <a:ext cx="2668524" cy="369332"/>
-          </a:xfrm>
-          <a:prstGeom prst="rect">
-            <a:avLst/>
-          </a:prstGeom>
-          <a:noFill/>
-        </p:spPr>
-        <p:txBody>
-          <a:bodyPr wrap="square" rtlCol="0">
-            <a:spAutoFit/>
-          </a:bodyPr>
-          <a:lstStyle/>
-          <a:p>
-            <a:pPr algn="r"/>
-            <a:r>
-              <a:rPr lang="en-US">
+                <a:latin typeface="+mj-lt"/>
+                <a:ea typeface="+mj-ea"/>
+                <a:cs typeface="+mj-cs"/>
+              </a:defRPr>
+            </a:lvl1pPr>
+          </a:lstStyle>
+          <a:p>
+            <a:r>
+              <a:rPr lang="en-US" b="1">
                 <a:solidFill>
                   <a:srgbClr val="002060"/>
                 </a:solidFill>
               </a:rPr>
-              <a:t>(Ritter et al., 2011)</a:t>
-            </a:r>
+              <a:t>Demonstration of SpaCy</a:t>
+            </a:r>
+            <a:endParaRPr lang="en-US" b="1" dirty="0">
+              <a:solidFill>
+                <a:srgbClr val="002060"/>
+              </a:solidFill>
+            </a:endParaRPr>
           </a:p>
         </p:txBody>
       </p:sp>
     </p:spTree>
     <p:extLst>
       <p:ext uri="{BB962C8B-B14F-4D97-AF65-F5344CB8AC3E}">
-        <p14:creationId xmlns:p14="http://schemas.microsoft.com/office/powerpoint/2010/main" val="155772102"/>
+        <p14:creationId xmlns:p14="http://schemas.microsoft.com/office/powerpoint/2010/main" val="21837528"/>
       </p:ext>
     </p:extLst>
   </p:cSld>
@@ -12067,10 +12212,10 @@
       </p:grpSpPr>
       <p:sp>
         <p:nvSpPr>
-          <p:cNvPr id="2" name="Title 1">
+          <p:cNvPr id="9" name="Content Placeholder 8">
             <a:extLst>
               <a:ext uri="{FF2B5EF4-FFF2-40B4-BE49-F238E27FC236}">
-                <a16:creationId xmlns:a16="http://schemas.microsoft.com/office/drawing/2014/main" xmlns="" id="{FECCCB1F-69D0-45C7-9A40-FAC731823900}"/>
+                <a16:creationId xmlns="" xmlns:a16="http://schemas.microsoft.com/office/drawing/2014/main" id="{B1ED2A46-1714-4043-8859-0515A435A3E5}"/>
               </a:ext>
             </a:extLst>
           </p:cNvPr>
@@ -12078,13 +12223,13 @@
             <a:spLocks noGrp="1"/>
           </p:cNvSpPr>
           <p:nvPr>
-            <p:ph type="title"/>
+            <p:ph idx="1"/>
           </p:nvPr>
         </p:nvSpPr>
         <p:spPr>
           <a:xfrm>
-            <a:off x="238506" y="365126"/>
-            <a:ext cx="8771382" cy="1325563"/>
+            <a:off x="609600" y="1825625"/>
+            <a:ext cx="7886700" cy="4351338"/>
           </a:xfrm>
         </p:spPr>
         <p:txBody>
@@ -12092,65 +12237,68 @@
           <a:lstStyle/>
           <a:p>
             <a:r>
+              <a:rPr lang="en-US" b="1"/>
+              <a:t>Example:</a:t>
+            </a:r>
+            <a:r>
               <a:rPr lang="en-US"/>
-              <a:t>Powerful Tools and Packages Available</a:t>
-            </a:r>
-          </a:p>
-        </p:txBody>
-      </p:sp>
-      <p:pic>
-        <p:nvPicPr>
-          <p:cNvPr id="2050" name="Picture 2" descr="Image result for spacy ner">
+              <a:t> Stanford NER (off-the-shelf) vs. T-SEG (a Twitter-specific NER tool)</a:t>
+            </a:r>
+          </a:p>
+          <a:p>
+            <a:r>
+              <a:rPr lang="en-US"/>
+              <a:t>P, R and F1 below stand for Precision, Recall and F1-Measure resp. </a:t>
+            </a:r>
+          </a:p>
+        </p:txBody>
+      </p:sp>
+      <p:sp>
+        <p:nvSpPr>
+          <p:cNvPr id="10" name="TextBox 9">
             <a:extLst>
               <a:ext uri="{FF2B5EF4-FFF2-40B4-BE49-F238E27FC236}">
-                <a16:creationId xmlns:a16="http://schemas.microsoft.com/office/drawing/2014/main" xmlns="" id="{BF8CE563-B98B-4D8B-85DB-9319C6BB3BD6}"/>
+                <a16:creationId xmlns="" xmlns:a16="http://schemas.microsoft.com/office/drawing/2014/main" id="{56F30D90-CBA2-46EA-91F2-0573C998920B}"/>
               </a:ext>
             </a:extLst>
           </p:cNvPr>
-          <p:cNvPicPr>
-            <a:picLocks noChangeAspect="1" noChangeArrowheads="1"/>
-          </p:cNvPicPr>
+          <p:cNvSpPr txBox="1"/>
           <p:nvPr/>
-        </p:nvPicPr>
-        <p:blipFill>
-          <a:blip r:embed="rId2">
-            <a:extLst>
-              <a:ext uri="{28A0092B-C50C-407E-A947-70E740481C1C}">
-                <a14:useLocalDpi xmlns:a14="http://schemas.microsoft.com/office/drawing/2010/main" val="0"/>
-              </a:ext>
-            </a:extLst>
-          </a:blip>
-          <a:srcRect/>
-          <a:stretch>
-            <a:fillRect/>
-          </a:stretch>
-        </p:blipFill>
-        <p:spPr bwMode="auto">
-          <a:xfrm>
-            <a:off x="829056" y="2029447"/>
-            <a:ext cx="3962400" cy="2066330"/>
+        </p:nvSpPr>
+        <p:spPr>
+          <a:xfrm>
+            <a:off x="6400800" y="6361629"/>
+            <a:ext cx="2668524" cy="369332"/>
           </a:xfrm>
           <a:prstGeom prst="rect">
             <a:avLst/>
           </a:prstGeom>
           <a:noFill/>
-          <a:extLst>
-            <a:ext uri="{909E8E84-426E-40DD-AFC4-6F175D3DCCD1}">
-              <a14:hiddenFill xmlns:a14="http://schemas.microsoft.com/office/drawing/2010/main">
+        </p:spPr>
+        <p:txBody>
+          <a:bodyPr wrap="square" rtlCol="0">
+            <a:spAutoFit/>
+          </a:bodyPr>
+          <a:lstStyle/>
+          <a:p>
+            <a:pPr algn="r"/>
+            <a:r>
+              <a:rPr lang="en-US">
                 <a:solidFill>
-                  <a:srgbClr val="FFFFFF"/>
+                  <a:srgbClr val="002060"/>
                 </a:solidFill>
-              </a14:hiddenFill>
-            </a:ext>
-          </a:extLst>
-        </p:spPr>
-      </p:pic>
+              </a:rPr>
+              <a:t>(Ritter et al., 2011)</a:t>
+            </a:r>
+          </a:p>
+        </p:txBody>
+      </p:sp>
       <p:pic>
         <p:nvPicPr>
-          <p:cNvPr id="7" name="Picture 6">
+          <p:cNvPr id="11" name="Picture 10">
             <a:extLst>
               <a:ext uri="{FF2B5EF4-FFF2-40B4-BE49-F238E27FC236}">
-                <a16:creationId xmlns:a16="http://schemas.microsoft.com/office/drawing/2014/main" xmlns="" id="{C9D1664F-3E2D-44D1-869B-2D54C62EACC8}"/>
+                <a16:creationId xmlns="" xmlns:a16="http://schemas.microsoft.com/office/drawing/2014/main" id="{139CD10C-D795-43F9-9BE2-0158C5C25AF2}"/>
               </a:ext>
             </a:extLst>
           </p:cNvPr>
@@ -12160,203 +12308,27 @@
           <p:nvPr/>
         </p:nvPicPr>
         <p:blipFill>
-          <a:blip r:embed="rId3"/>
+          <a:blip r:embed="rId2"/>
           <a:stretch>
             <a:fillRect/>
           </a:stretch>
         </p:blipFill>
         <p:spPr>
           <a:xfrm>
-            <a:off x="4005262" y="4565120"/>
-            <a:ext cx="4090226" cy="2130600"/>
+            <a:off x="1523068" y="3761064"/>
+            <a:ext cx="5910665" cy="2030290"/>
           </a:xfrm>
           <a:prstGeom prst="rect">
             <a:avLst/>
           </a:prstGeom>
         </p:spPr>
       </p:pic>
-      <p:pic>
-        <p:nvPicPr>
-          <p:cNvPr id="8" name="Picture 7">
+      <p:sp>
+        <p:nvSpPr>
+          <p:cNvPr id="7" name="Title 1">
             <a:extLst>
               <a:ext uri="{FF2B5EF4-FFF2-40B4-BE49-F238E27FC236}">
-                <a16:creationId xmlns:a16="http://schemas.microsoft.com/office/drawing/2014/main" xmlns="" id="{7DEDEEDD-DFDA-43E7-BDEF-132D6284F67E}"/>
-              </a:ext>
-            </a:extLst>
-          </p:cNvPr>
-          <p:cNvPicPr>
-            <a:picLocks noChangeAspect="1"/>
-          </p:cNvPicPr>
-          <p:nvPr/>
-        </p:nvPicPr>
-        <p:blipFill>
-          <a:blip r:embed="rId4"/>
-          <a:stretch>
-            <a:fillRect/>
-          </a:stretch>
-        </p:blipFill>
-        <p:spPr>
-          <a:xfrm>
-            <a:off x="505968" y="3730017"/>
-            <a:ext cx="3284692" cy="2463519"/>
-          </a:xfrm>
-          <a:prstGeom prst="rect">
-            <a:avLst/>
-          </a:prstGeom>
-        </p:spPr>
-      </p:pic>
-      <p:pic>
-        <p:nvPicPr>
-          <p:cNvPr id="9" name="Picture 8">
-            <a:extLst>
-              <a:ext uri="{FF2B5EF4-FFF2-40B4-BE49-F238E27FC236}">
-                <a16:creationId xmlns:a16="http://schemas.microsoft.com/office/drawing/2014/main" xmlns="" id="{5BF4D1C3-2098-4FA9-9AE9-B6310FFD0382}"/>
-              </a:ext>
-            </a:extLst>
-          </p:cNvPr>
-          <p:cNvPicPr>
-            <a:picLocks noChangeAspect="1"/>
-          </p:cNvPicPr>
-          <p:nvPr/>
-        </p:nvPicPr>
-        <p:blipFill>
-          <a:blip r:embed="rId5"/>
-          <a:stretch>
-            <a:fillRect/>
-          </a:stretch>
-        </p:blipFill>
-        <p:spPr>
-          <a:xfrm>
-            <a:off x="4274112" y="2602471"/>
-            <a:ext cx="1757118" cy="1757118"/>
-          </a:xfrm>
-          <a:prstGeom prst="rect">
-            <a:avLst/>
-          </a:prstGeom>
-        </p:spPr>
-      </p:pic>
-      <p:pic>
-        <p:nvPicPr>
-          <p:cNvPr id="10" name="Picture 9">
-            <a:extLst>
-              <a:ext uri="{FF2B5EF4-FFF2-40B4-BE49-F238E27FC236}">
-                <a16:creationId xmlns:a16="http://schemas.microsoft.com/office/drawing/2014/main" xmlns="" id="{F6D94560-CDCC-433E-9834-5916B450239B}"/>
-              </a:ext>
-            </a:extLst>
-          </p:cNvPr>
-          <p:cNvPicPr>
-            <a:picLocks noChangeAspect="1"/>
-          </p:cNvPicPr>
-          <p:nvPr/>
-        </p:nvPicPr>
-        <p:blipFill>
-          <a:blip r:embed="rId6"/>
-          <a:stretch>
-            <a:fillRect/>
-          </a:stretch>
-        </p:blipFill>
-        <p:spPr>
-          <a:xfrm>
-            <a:off x="6567678" y="3299670"/>
-            <a:ext cx="2442210" cy="1059919"/>
-          </a:xfrm>
-          <a:prstGeom prst="rect">
-            <a:avLst/>
-          </a:prstGeom>
-        </p:spPr>
-      </p:pic>
-      <p:pic>
-        <p:nvPicPr>
-          <p:cNvPr id="11" name="Picture 10">
-            <a:extLst>
-              <a:ext uri="{FF2B5EF4-FFF2-40B4-BE49-F238E27FC236}">
-                <a16:creationId xmlns:a16="http://schemas.microsoft.com/office/drawing/2014/main" xmlns="" id="{CBF3A1EB-BA6B-484A-AA20-176F12D326FF}"/>
-              </a:ext>
-            </a:extLst>
-          </p:cNvPr>
-          <p:cNvPicPr>
-            <a:picLocks noChangeAspect="1"/>
-          </p:cNvPicPr>
-          <p:nvPr/>
-        </p:nvPicPr>
-        <p:blipFill>
-          <a:blip r:embed="rId7"/>
-          <a:stretch>
-            <a:fillRect/>
-          </a:stretch>
-        </p:blipFill>
-        <p:spPr>
-          <a:xfrm>
-            <a:off x="5903770" y="1342696"/>
-            <a:ext cx="3106118" cy="1619960"/>
-          </a:xfrm>
-          <a:prstGeom prst="rect">
-            <a:avLst/>
-          </a:prstGeom>
-        </p:spPr>
-      </p:pic>
-      <p:sp>
-        <p:nvSpPr>
-          <p:cNvPr id="12" name="Rectangle 11">
-            <a:extLst>
-              <a:ext uri="{FF2B5EF4-FFF2-40B4-BE49-F238E27FC236}">
-                <a16:creationId xmlns:a16="http://schemas.microsoft.com/office/drawing/2014/main" xmlns="" id="{30DBC704-3387-4A5D-A8E1-6CA6EEB5ADF6}"/>
-              </a:ext>
-            </a:extLst>
-          </p:cNvPr>
-          <p:cNvSpPr/>
-          <p:nvPr/>
-        </p:nvSpPr>
-        <p:spPr>
-          <a:xfrm>
-            <a:off x="182880" y="1450849"/>
-            <a:ext cx="8827008" cy="5035296"/>
-          </a:xfrm>
-          <a:prstGeom prst="rect">
-            <a:avLst/>
-          </a:prstGeom>
-          <a:solidFill>
-            <a:schemeClr val="accent6">
-              <a:lumMod val="40000"/>
-              <a:lumOff val="60000"/>
-              <a:alpha val="93000"/>
-            </a:schemeClr>
-          </a:solidFill>
-          <a:ln>
-            <a:noFill/>
-          </a:ln>
-        </p:spPr>
-        <p:style>
-          <a:lnRef idx="2">
-            <a:schemeClr val="accent1">
-              <a:shade val="50000"/>
-            </a:schemeClr>
-          </a:lnRef>
-          <a:fillRef idx="1">
-            <a:schemeClr val="accent1"/>
-          </a:fillRef>
-          <a:effectRef idx="0">
-            <a:schemeClr val="accent1"/>
-          </a:effectRef>
-          <a:fontRef idx="minor">
-            <a:schemeClr val="lt1"/>
-          </a:fontRef>
-        </p:style>
-        <p:txBody>
-          <a:bodyPr rtlCol="0" anchor="ctr"/>
-          <a:lstStyle/>
-          <a:p>
-            <a:pPr algn="ctr"/>
-            <a:endParaRPr lang="en-US"/>
-          </a:p>
-        </p:txBody>
-      </p:sp>
-      <p:sp>
-        <p:nvSpPr>
-          <p:cNvPr id="13" name="Title 1">
-            <a:extLst>
-              <a:ext uri="{FF2B5EF4-FFF2-40B4-BE49-F238E27FC236}">
-                <a16:creationId xmlns:a16="http://schemas.microsoft.com/office/drawing/2014/main" xmlns="" id="{95A38355-5A7F-4B61-8049-EB7D4C4B3DC5}"/>
+                <a16:creationId xmlns="" xmlns:a16="http://schemas.microsoft.com/office/drawing/2014/main" id="{D6B083CC-4209-47D3-8AFB-A755190E41BB}"/>
               </a:ext>
             </a:extLst>
           </p:cNvPr>
@@ -12367,8 +12339,8 @@
         </p:nvSpPr>
         <p:spPr>
           <a:xfrm>
-            <a:off x="1914144" y="3281046"/>
-            <a:ext cx="5669280" cy="2387600"/>
+            <a:off x="781050" y="517526"/>
+            <a:ext cx="7886700" cy="1325563"/>
           </a:xfrm>
           <a:prstGeom prst="rect">
             <a:avLst/>
@@ -12399,25 +12371,16 @@
           </a:lstStyle>
           <a:p>
             <a:r>
-              <a:rPr lang="en-US" b="1">
-                <a:solidFill>
-                  <a:srgbClr val="002060"/>
-                </a:solidFill>
-              </a:rPr>
-              <a:t>Demonstration of SpaCy</a:t>
-            </a:r>
-            <a:endParaRPr lang="en-US" b="1" dirty="0">
-              <a:solidFill>
-                <a:srgbClr val="002060"/>
-              </a:solidFill>
-            </a:endParaRPr>
+              <a:rPr lang="en-US" sz="4000"/>
+              <a:t>Are Off-the-shelf Tools Good Enough?</a:t>
+            </a:r>
           </a:p>
         </p:txBody>
       </p:sp>
     </p:spTree>
     <p:extLst>
       <p:ext uri="{BB962C8B-B14F-4D97-AF65-F5344CB8AC3E}">
-        <p14:creationId xmlns:p14="http://schemas.microsoft.com/office/powerpoint/2010/main" val="454712633"/>
+        <p14:creationId xmlns:p14="http://schemas.microsoft.com/office/powerpoint/2010/main" val="1753429276"/>
       </p:ext>
     </p:extLst>
   </p:cSld>
@@ -12456,7 +12419,7 @@
           <p:cNvPr id="2" name="Title 1">
             <a:extLst>
               <a:ext uri="{FF2B5EF4-FFF2-40B4-BE49-F238E27FC236}">
-                <a16:creationId xmlns:a16="http://schemas.microsoft.com/office/drawing/2014/main" xmlns="" id="{98EED3C8-49EA-4FD6-AA72-3757D4559438}"/>
+                <a16:creationId xmlns="" xmlns:a16="http://schemas.microsoft.com/office/drawing/2014/main" id="{D6B083CC-4209-47D3-8AFB-A755190E41BB}"/>
               </a:ext>
             </a:extLst>
           </p:cNvPr>
@@ -12469,22 +12432,24 @@
         </p:nvSpPr>
         <p:spPr/>
         <p:txBody>
-          <a:bodyPr/>
-          <a:lstStyle/>
-          <a:p>
-            <a:r>
-              <a:rPr lang="en-US"/>
-              <a:t>Twitter-specific NER Systems</a:t>
-            </a:r>
-          </a:p>
-        </p:txBody>
-      </p:sp>
-      <p:sp>
-        <p:nvSpPr>
-          <p:cNvPr id="3" name="Content Placeholder 2">
+          <a:bodyPr>
+            <a:normAutofit/>
+          </a:bodyPr>
+          <a:lstStyle/>
+          <a:p>
+            <a:r>
+              <a:rPr lang="en-US" sz="4000"/>
+              <a:t>Are Off-the-shelf Tools Good Enough?</a:t>
+            </a:r>
+          </a:p>
+        </p:txBody>
+      </p:sp>
+      <p:sp>
+        <p:nvSpPr>
+          <p:cNvPr id="9" name="Content Placeholder 8">
             <a:extLst>
               <a:ext uri="{FF2B5EF4-FFF2-40B4-BE49-F238E27FC236}">
-                <a16:creationId xmlns:a16="http://schemas.microsoft.com/office/drawing/2014/main" xmlns="" id="{CAB91084-3E46-400D-BE22-90BD771E168C}"/>
+                <a16:creationId xmlns="" xmlns:a16="http://schemas.microsoft.com/office/drawing/2014/main" id="{B1ED2A46-1714-4043-8859-0515A435A3E5}"/>
               </a:ext>
             </a:extLst>
           </p:cNvPr>
@@ -12497,6 +12462,366 @@
         </p:nvSpPr>
         <p:spPr>
           <a:xfrm>
+            <a:off x="609600" y="1825625"/>
+            <a:ext cx="7886700" cy="4351338"/>
+          </a:xfrm>
+        </p:spPr>
+        <p:txBody>
+          <a:bodyPr/>
+          <a:lstStyle/>
+          <a:p>
+            <a:r>
+              <a:rPr lang="en-US"/>
+              <a:t>Example: Stanford NER (off-the-shelf) vs. T-SEG (a Twitter-specific NER tool)</a:t>
+            </a:r>
+          </a:p>
+          <a:p>
+            <a:r>
+              <a:rPr lang="en-US"/>
+              <a:t>P, R and F1 below stand for Precision, Recall and F1-Measure resp. </a:t>
+            </a:r>
+          </a:p>
+        </p:txBody>
+      </p:sp>
+      <p:pic>
+        <p:nvPicPr>
+          <p:cNvPr id="11" name="Picture 10">
+            <a:extLst>
+              <a:ext uri="{FF2B5EF4-FFF2-40B4-BE49-F238E27FC236}">
+                <a16:creationId xmlns="" xmlns:a16="http://schemas.microsoft.com/office/drawing/2014/main" id="{139CD10C-D795-43F9-9BE2-0158C5C25AF2}"/>
+              </a:ext>
+            </a:extLst>
+          </p:cNvPr>
+          <p:cNvPicPr>
+            <a:picLocks noChangeAspect="1"/>
+          </p:cNvPicPr>
+          <p:nvPr/>
+        </p:nvPicPr>
+        <p:blipFill>
+          <a:blip r:embed="rId3"/>
+          <a:stretch>
+            <a:fillRect/>
+          </a:stretch>
+        </p:blipFill>
+        <p:spPr>
+          <a:xfrm>
+            <a:off x="1006602" y="3473196"/>
+            <a:ext cx="7090456" cy="2435543"/>
+          </a:xfrm>
+          <a:prstGeom prst="rect">
+            <a:avLst/>
+          </a:prstGeom>
+        </p:spPr>
+      </p:pic>
+      <p:sp>
+        <p:nvSpPr>
+          <p:cNvPr id="8" name="Rectangle 7">
+            <a:extLst>
+              <a:ext uri="{FF2B5EF4-FFF2-40B4-BE49-F238E27FC236}">
+                <a16:creationId xmlns="" xmlns:a16="http://schemas.microsoft.com/office/drawing/2014/main" id="{99016647-0CBA-4CDC-A66E-8FCBED8E4481}"/>
+              </a:ext>
+            </a:extLst>
+          </p:cNvPr>
+          <p:cNvSpPr/>
+          <p:nvPr/>
+        </p:nvSpPr>
+        <p:spPr>
+          <a:xfrm>
+            <a:off x="304800" y="1690689"/>
+            <a:ext cx="8595360" cy="1930335"/>
+          </a:xfrm>
+          <a:prstGeom prst="rect">
+            <a:avLst/>
+          </a:prstGeom>
+          <a:solidFill>
+            <a:schemeClr val="accent6">
+              <a:lumMod val="40000"/>
+              <a:lumOff val="60000"/>
+              <a:alpha val="93000"/>
+            </a:schemeClr>
+          </a:solidFill>
+          <a:ln>
+            <a:noFill/>
+          </a:ln>
+        </p:spPr>
+        <p:style>
+          <a:lnRef idx="2">
+            <a:schemeClr val="accent1">
+              <a:shade val="50000"/>
+            </a:schemeClr>
+          </a:lnRef>
+          <a:fillRef idx="1">
+            <a:schemeClr val="accent1"/>
+          </a:fillRef>
+          <a:effectRef idx="0">
+            <a:schemeClr val="accent1"/>
+          </a:effectRef>
+          <a:fontRef idx="minor">
+            <a:schemeClr val="lt1"/>
+          </a:fontRef>
+        </p:style>
+        <p:txBody>
+          <a:bodyPr rtlCol="0" anchor="ctr"/>
+          <a:lstStyle/>
+          <a:p>
+            <a:pPr algn="ctr"/>
+            <a:endParaRPr lang="en-US"/>
+          </a:p>
+        </p:txBody>
+      </p:sp>
+      <p:sp>
+        <p:nvSpPr>
+          <p:cNvPr id="4" name="TextBox 3">
+            <a:extLst>
+              <a:ext uri="{FF2B5EF4-FFF2-40B4-BE49-F238E27FC236}">
+                <a16:creationId xmlns="" xmlns:a16="http://schemas.microsoft.com/office/drawing/2014/main" id="{4B33F1C3-6003-4D94-915E-6A63B46DBE1C}"/>
+              </a:ext>
+            </a:extLst>
+          </p:cNvPr>
+          <p:cNvSpPr txBox="1"/>
+          <p:nvPr/>
+        </p:nvSpPr>
+        <p:spPr>
+          <a:xfrm>
+            <a:off x="900685" y="2042602"/>
+            <a:ext cx="7595615" cy="1569660"/>
+          </a:xfrm>
+          <a:prstGeom prst="rect">
+            <a:avLst/>
+          </a:prstGeom>
+          <a:noFill/>
+        </p:spPr>
+        <p:txBody>
+          <a:bodyPr wrap="square" rtlCol="0">
+            <a:spAutoFit/>
+          </a:bodyPr>
+          <a:lstStyle/>
+          <a:p>
+            <a:pPr algn="ctr"/>
+            <a:r>
+              <a:rPr lang="en-US" sz="3200"/>
+              <a:t>Training Twitter-specific models and using Twitter-specific features offers significant performance advantages</a:t>
+            </a:r>
+          </a:p>
+        </p:txBody>
+      </p:sp>
+      <p:sp>
+        <p:nvSpPr>
+          <p:cNvPr id="3" name="Oval 2">
+            <a:extLst>
+              <a:ext uri="{FF2B5EF4-FFF2-40B4-BE49-F238E27FC236}">
+                <a16:creationId xmlns="" xmlns:a16="http://schemas.microsoft.com/office/drawing/2014/main" id="{A6AA111D-A7A9-4A20-AA18-6ABD3344B561}"/>
+              </a:ext>
+            </a:extLst>
+          </p:cNvPr>
+          <p:cNvSpPr/>
+          <p:nvPr/>
+        </p:nvSpPr>
+        <p:spPr>
+          <a:xfrm>
+            <a:off x="6693408" y="3473196"/>
+            <a:ext cx="1281730" cy="2574036"/>
+          </a:xfrm>
+          <a:prstGeom prst="ellipse">
+            <a:avLst/>
+          </a:prstGeom>
+          <a:noFill/>
+          <a:ln w="38100">
+            <a:solidFill>
+              <a:srgbClr val="FF0000"/>
+            </a:solidFill>
+          </a:ln>
+        </p:spPr>
+        <p:style>
+          <a:lnRef idx="2">
+            <a:schemeClr val="accent1">
+              <a:shade val="50000"/>
+            </a:schemeClr>
+          </a:lnRef>
+          <a:fillRef idx="1">
+            <a:schemeClr val="accent1"/>
+          </a:fillRef>
+          <a:effectRef idx="0">
+            <a:schemeClr val="accent1"/>
+          </a:effectRef>
+          <a:fontRef idx="minor">
+            <a:schemeClr val="lt1"/>
+          </a:fontRef>
+        </p:style>
+        <p:txBody>
+          <a:bodyPr rtlCol="0" anchor="ctr"/>
+          <a:lstStyle/>
+          <a:p>
+            <a:pPr algn="ctr"/>
+            <a:endParaRPr lang="en-US"/>
+          </a:p>
+        </p:txBody>
+      </p:sp>
+      <p:cxnSp>
+        <p:nvCxnSpPr>
+          <p:cNvPr id="6" name="Straight Arrow Connector 5">
+            <a:extLst>
+              <a:ext uri="{FF2B5EF4-FFF2-40B4-BE49-F238E27FC236}">
+                <a16:creationId xmlns="" xmlns:a16="http://schemas.microsoft.com/office/drawing/2014/main" id="{61BDA680-BA2B-49A7-BB1B-55390EF54BAA}"/>
+              </a:ext>
+            </a:extLst>
+          </p:cNvPr>
+          <p:cNvCxnSpPr/>
+          <p:nvPr/>
+        </p:nvCxnSpPr>
+        <p:spPr>
+          <a:xfrm>
+            <a:off x="4645152" y="3473196"/>
+            <a:ext cx="2170176" cy="428244"/>
+          </a:xfrm>
+          <a:prstGeom prst="straightConnector1">
+            <a:avLst/>
+          </a:prstGeom>
+          <a:ln>
+            <a:solidFill>
+              <a:srgbClr val="FF0000"/>
+            </a:solidFill>
+            <a:tailEnd type="triangle"/>
+          </a:ln>
+        </p:spPr>
+        <p:style>
+          <a:lnRef idx="1">
+            <a:schemeClr val="accent1"/>
+          </a:lnRef>
+          <a:fillRef idx="0">
+            <a:schemeClr val="accent1"/>
+          </a:fillRef>
+          <a:effectRef idx="0">
+            <a:schemeClr val="accent1"/>
+          </a:effectRef>
+          <a:fontRef idx="minor">
+            <a:schemeClr val="tx1"/>
+          </a:fontRef>
+        </p:style>
+      </p:cxnSp>
+      <p:sp>
+        <p:nvSpPr>
+          <p:cNvPr id="12" name="TextBox 11">
+            <a:extLst>
+              <a:ext uri="{FF2B5EF4-FFF2-40B4-BE49-F238E27FC236}">
+                <a16:creationId xmlns="" xmlns:a16="http://schemas.microsoft.com/office/drawing/2014/main" id="{A9662CE1-4096-4132-B041-42E280DDC82E}"/>
+              </a:ext>
+            </a:extLst>
+          </p:cNvPr>
+          <p:cNvSpPr txBox="1"/>
+          <p:nvPr/>
+        </p:nvSpPr>
+        <p:spPr>
+          <a:xfrm>
+            <a:off x="6400800" y="6361629"/>
+            <a:ext cx="2668524" cy="369332"/>
+          </a:xfrm>
+          <a:prstGeom prst="rect">
+            <a:avLst/>
+          </a:prstGeom>
+          <a:noFill/>
+        </p:spPr>
+        <p:txBody>
+          <a:bodyPr wrap="square" rtlCol="0">
+            <a:spAutoFit/>
+          </a:bodyPr>
+          <a:lstStyle/>
+          <a:p>
+            <a:pPr algn="r"/>
+            <a:r>
+              <a:rPr lang="en-US">
+                <a:solidFill>
+                  <a:srgbClr val="002060"/>
+                </a:solidFill>
+              </a:rPr>
+              <a:t>(Ritter et al., 2011)</a:t>
+            </a:r>
+          </a:p>
+        </p:txBody>
+      </p:sp>
+    </p:spTree>
+    <p:extLst>
+      <p:ext uri="{BB962C8B-B14F-4D97-AF65-F5344CB8AC3E}">
+        <p14:creationId xmlns:p14="http://schemas.microsoft.com/office/powerpoint/2010/main" val="155772102"/>
+      </p:ext>
+    </p:extLst>
+  </p:cSld>
+  <p:clrMapOvr>
+    <a:masterClrMapping/>
+  </p:clrMapOvr>
+  <p:timing>
+    <p:tnLst>
+      <p:par>
+        <p:cTn id="1" dur="indefinite" restart="never" nodeType="tmRoot"/>
+      </p:par>
+    </p:tnLst>
+  </p:timing>
+</p:sld>
+</file>
+
+<file path=ppt/slides/slide26.xml><?xml version="1.0" encoding="utf-8"?>
+<p:sld xmlns:a="http://schemas.openxmlformats.org/drawingml/2006/main" xmlns:r="http://schemas.openxmlformats.org/officeDocument/2006/relationships" xmlns:p="http://schemas.openxmlformats.org/presentationml/2006/main">
+  <p:cSld>
+    <p:spTree>
+      <p:nvGrpSpPr>
+        <p:cNvPr id="1" name=""/>
+        <p:cNvGrpSpPr/>
+        <p:nvPr/>
+      </p:nvGrpSpPr>
+      <p:grpSpPr>
+        <a:xfrm>
+          <a:off x="0" y="0"/>
+          <a:ext cx="0" cy="0"/>
+          <a:chOff x="0" y="0"/>
+          <a:chExt cx="0" cy="0"/>
+        </a:xfrm>
+      </p:grpSpPr>
+      <p:sp>
+        <p:nvSpPr>
+          <p:cNvPr id="2" name="Title 1">
+            <a:extLst>
+              <a:ext uri="{FF2B5EF4-FFF2-40B4-BE49-F238E27FC236}">
+                <a16:creationId xmlns="" xmlns:a16="http://schemas.microsoft.com/office/drawing/2014/main" id="{98EED3C8-49EA-4FD6-AA72-3757D4559438}"/>
+              </a:ext>
+            </a:extLst>
+          </p:cNvPr>
+          <p:cNvSpPr>
+            <a:spLocks noGrp="1"/>
+          </p:cNvSpPr>
+          <p:nvPr>
+            <p:ph type="title"/>
+          </p:nvPr>
+        </p:nvSpPr>
+        <p:spPr/>
+        <p:txBody>
+          <a:bodyPr/>
+          <a:lstStyle/>
+          <a:p>
+            <a:r>
+              <a:rPr lang="en-US"/>
+              <a:t>Twitter-specific NER Systems</a:t>
+            </a:r>
+          </a:p>
+        </p:txBody>
+      </p:sp>
+      <p:sp>
+        <p:nvSpPr>
+          <p:cNvPr id="3" name="Content Placeholder 2">
+            <a:extLst>
+              <a:ext uri="{FF2B5EF4-FFF2-40B4-BE49-F238E27FC236}">
+                <a16:creationId xmlns="" xmlns:a16="http://schemas.microsoft.com/office/drawing/2014/main" id="{CAB91084-3E46-400D-BE22-90BD771E168C}"/>
+              </a:ext>
+            </a:extLst>
+          </p:cNvPr>
+          <p:cNvSpPr>
+            <a:spLocks noGrp="1"/>
+          </p:cNvSpPr>
+          <p:nvPr>
+            <p:ph idx="1"/>
+          </p:nvPr>
+        </p:nvSpPr>
+        <p:spPr>
+          <a:xfrm>
             <a:off x="177546" y="2313304"/>
             <a:ext cx="4065270" cy="4351338"/>
           </a:xfrm>
@@ -12537,7 +12862,7 @@
           <p:cNvPr id="5" name="Content Placeholder 2">
             <a:extLst>
               <a:ext uri="{FF2B5EF4-FFF2-40B4-BE49-F238E27FC236}">
-                <a16:creationId xmlns:a16="http://schemas.microsoft.com/office/drawing/2014/main" xmlns="" id="{C4304FCA-E1F7-4952-AD14-0BCA8C5AD477}"/>
+                <a16:creationId xmlns="" xmlns:a16="http://schemas.microsoft.com/office/drawing/2014/main" id="{C4304FCA-E1F7-4952-AD14-0BCA8C5AD477}"/>
               </a:ext>
             </a:extLst>
           </p:cNvPr>
@@ -12751,7 +13076,7 @@
           <p:cNvPr id="6" name="TextBox 5">
             <a:extLst>
               <a:ext uri="{FF2B5EF4-FFF2-40B4-BE49-F238E27FC236}">
-                <a16:creationId xmlns:a16="http://schemas.microsoft.com/office/drawing/2014/main" xmlns="" id="{AC508DBB-8D56-4255-A54A-976A80CEAE97}"/>
+                <a16:creationId xmlns="" xmlns:a16="http://schemas.microsoft.com/office/drawing/2014/main" id="{AC508DBB-8D56-4255-A54A-976A80CEAE97}"/>
               </a:ext>
             </a:extLst>
           </p:cNvPr>
@@ -12790,7 +13115,7 @@
           <p:cNvPr id="7" name="TextBox 6">
             <a:extLst>
               <a:ext uri="{FF2B5EF4-FFF2-40B4-BE49-F238E27FC236}">
-                <a16:creationId xmlns:a16="http://schemas.microsoft.com/office/drawing/2014/main" xmlns="" id="{0DD8D7F7-ADAC-4080-A271-18B84408AA8B}"/>
+                <a16:creationId xmlns="" xmlns:a16="http://schemas.microsoft.com/office/drawing/2014/main" id="{0DD8D7F7-ADAC-4080-A271-18B84408AA8B}"/>
               </a:ext>
             </a:extLst>
           </p:cNvPr>
@@ -12828,192 +13153,6 @@
     <p:extLst>
       <p:ext uri="{BB962C8B-B14F-4D97-AF65-F5344CB8AC3E}">
         <p14:creationId xmlns:p14="http://schemas.microsoft.com/office/powerpoint/2010/main" val="1866214922"/>
-      </p:ext>
-    </p:extLst>
-  </p:cSld>
-  <p:clrMapOvr>
-    <a:masterClrMapping/>
-  </p:clrMapOvr>
-  <p:timing>
-    <p:tnLst>
-      <p:par>
-        <p:cTn id="1" dur="indefinite" restart="never" nodeType="tmRoot"/>
-      </p:par>
-    </p:tnLst>
-  </p:timing>
-</p:sld>
-</file>
-
-<file path=ppt/slides/slide26.xml><?xml version="1.0" encoding="utf-8"?>
-<p:sld xmlns:a="http://schemas.openxmlformats.org/drawingml/2006/main" xmlns:r="http://schemas.openxmlformats.org/officeDocument/2006/relationships" xmlns:p="http://schemas.openxmlformats.org/presentationml/2006/main">
-  <p:cSld>
-    <p:spTree>
-      <p:nvGrpSpPr>
-        <p:cNvPr id="1" name=""/>
-        <p:cNvGrpSpPr/>
-        <p:nvPr/>
-      </p:nvGrpSpPr>
-      <p:grpSpPr>
-        <a:xfrm>
-          <a:off x="0" y="0"/>
-          <a:ext cx="0" cy="0"/>
-          <a:chOff x="0" y="0"/>
-          <a:chExt cx="0" cy="0"/>
-        </a:xfrm>
-      </p:grpSpPr>
-      <p:sp>
-        <p:nvSpPr>
-          <p:cNvPr id="2" name="Title 1">
-            <a:extLst>
-              <a:ext uri="{FF2B5EF4-FFF2-40B4-BE49-F238E27FC236}">
-                <a16:creationId xmlns:a16="http://schemas.microsoft.com/office/drawing/2014/main" xmlns="" id="{6EA66CEF-80A3-4CFD-A9BB-1C66D281398B}"/>
-              </a:ext>
-            </a:extLst>
-          </p:cNvPr>
-          <p:cNvSpPr>
-            <a:spLocks noGrp="1"/>
-          </p:cNvSpPr>
-          <p:nvPr>
-            <p:ph type="title"/>
-          </p:nvPr>
-        </p:nvSpPr>
-        <p:spPr/>
-        <p:txBody>
-          <a:bodyPr/>
-          <a:lstStyle/>
-          <a:p>
-            <a:r>
-              <a:rPr lang="en-US"/>
-              <a:t>Classic System: T-SEG</a:t>
-            </a:r>
-          </a:p>
-        </p:txBody>
-      </p:sp>
-      <p:sp>
-        <p:nvSpPr>
-          <p:cNvPr id="3" name="Content Placeholder 2">
-            <a:extLst>
-              <a:ext uri="{FF2B5EF4-FFF2-40B4-BE49-F238E27FC236}">
-                <a16:creationId xmlns:a16="http://schemas.microsoft.com/office/drawing/2014/main" xmlns="" id="{BB485482-83E4-4D7B-BC28-ED9C8462CEA9}"/>
-              </a:ext>
-            </a:extLst>
-          </p:cNvPr>
-          <p:cNvSpPr>
-            <a:spLocks noGrp="1"/>
-          </p:cNvSpPr>
-          <p:nvPr>
-            <p:ph idx="1"/>
-          </p:nvPr>
-        </p:nvSpPr>
-        <p:spPr>
-          <a:xfrm>
-            <a:off x="268224" y="1825624"/>
-            <a:ext cx="8825484" cy="4721479"/>
-          </a:xfrm>
-        </p:spPr>
-        <p:txBody>
-          <a:bodyPr>
-            <a:normAutofit fontScale="92500" lnSpcReduction="10000"/>
-          </a:bodyPr>
-          <a:lstStyle/>
-          <a:p>
-            <a:r>
-              <a:rPr lang="en-US"/>
-              <a:t>First system to (arguably) show that Twitter-specific NER far outperforms off-the-shelf state-of-the-art NERs </a:t>
-            </a:r>
-          </a:p>
-          <a:p>
-            <a:r>
-              <a:rPr lang="en-US"/>
-              <a:t>Standard features (e.g., POS tags), with some optimized for Twitter</a:t>
-            </a:r>
-          </a:p>
-          <a:p>
-            <a:pPr lvl="1"/>
-            <a:r>
-              <a:rPr lang="en-US"/>
-              <a:t>Twitter-specific features include new tags for hashtags, retweets etc.</a:t>
-            </a:r>
-          </a:p>
-          <a:p>
-            <a:pPr lvl="1"/>
-            <a:r>
-              <a:rPr lang="en-US"/>
-              <a:t>Showed results earlier</a:t>
-            </a:r>
-          </a:p>
-          <a:p>
-            <a:r>
-              <a:rPr lang="en-US"/>
-              <a:t>In-domain training data (i.e. actual tweets)</a:t>
-            </a:r>
-          </a:p>
-          <a:p>
-            <a:pPr lvl="1"/>
-            <a:r>
-              <a:rPr lang="en-US"/>
-              <a:t>Also used IRC chat data to supplement small training data</a:t>
-            </a:r>
-          </a:p>
-          <a:p>
-            <a:r>
-              <a:rPr lang="en-US"/>
-              <a:t>Used distributional similarity to account for spelling variations, predated similar ‘word embedding’ techniques like fastText by many years (conceptually)!</a:t>
-            </a:r>
-          </a:p>
-          <a:p>
-            <a:pPr lvl="1"/>
-            <a:r>
-              <a:rPr lang="en-US"/>
-              <a:t>Clusters words like ‘tomarrow’, ‘tomm’, ‘tommarow’, ‘tommarrow’</a:t>
-            </a:r>
-          </a:p>
-        </p:txBody>
-      </p:sp>
-      <p:sp>
-        <p:nvSpPr>
-          <p:cNvPr id="5" name="TextBox 4">
-            <a:extLst>
-              <a:ext uri="{FF2B5EF4-FFF2-40B4-BE49-F238E27FC236}">
-                <a16:creationId xmlns:a16="http://schemas.microsoft.com/office/drawing/2014/main" xmlns="" id="{6170541E-0039-47AC-8A76-8ED40D7DA676}"/>
-              </a:ext>
-            </a:extLst>
-          </p:cNvPr>
-          <p:cNvSpPr txBox="1"/>
-          <p:nvPr/>
-        </p:nvSpPr>
-        <p:spPr>
-          <a:xfrm>
-            <a:off x="6425184" y="6370249"/>
-            <a:ext cx="2668524" cy="369332"/>
-          </a:xfrm>
-          <a:prstGeom prst="rect">
-            <a:avLst/>
-          </a:prstGeom>
-          <a:noFill/>
-        </p:spPr>
-        <p:txBody>
-          <a:bodyPr wrap="square" rtlCol="0">
-            <a:spAutoFit/>
-          </a:bodyPr>
-          <a:lstStyle/>
-          <a:p>
-            <a:pPr algn="r"/>
-            <a:r>
-              <a:rPr lang="en-US">
-                <a:solidFill>
-                  <a:srgbClr val="002060"/>
-                </a:solidFill>
-              </a:rPr>
-              <a:t>(Ritter et al., 2011)</a:t>
-            </a:r>
-          </a:p>
-        </p:txBody>
-      </p:sp>
-    </p:spTree>
-    <p:extLst>
-      <p:ext uri="{BB962C8B-B14F-4D97-AF65-F5344CB8AC3E}">
-        <p14:creationId xmlns:p14="http://schemas.microsoft.com/office/powerpoint/2010/main" val="1010299184"/>
       </p:ext>
     </p:extLst>
   </p:cSld>
@@ -13052,7 +13191,7 @@
           <p:cNvPr id="2" name="Title 1">
             <a:extLst>
               <a:ext uri="{FF2B5EF4-FFF2-40B4-BE49-F238E27FC236}">
-                <a16:creationId xmlns:a16="http://schemas.microsoft.com/office/drawing/2014/main" xmlns="" id="{6EA66CEF-80A3-4CFD-A9BB-1C66D281398B}"/>
+                <a16:creationId xmlns="" xmlns:a16="http://schemas.microsoft.com/office/drawing/2014/main" id="{6EA66CEF-80A3-4CFD-A9BB-1C66D281398B}"/>
               </a:ext>
             </a:extLst>
           </p:cNvPr>
@@ -13070,7 +13209,7 @@
           <a:p>
             <a:r>
               <a:rPr lang="en-US"/>
-              <a:t>More Recent: TwitterNER</a:t>
+              <a:t>Classic System: T-SEG</a:t>
             </a:r>
           </a:p>
         </p:txBody>
@@ -13080,7 +13219,7 @@
           <p:cNvPr id="3" name="Content Placeholder 2">
             <a:extLst>
               <a:ext uri="{FF2B5EF4-FFF2-40B4-BE49-F238E27FC236}">
-                <a16:creationId xmlns:a16="http://schemas.microsoft.com/office/drawing/2014/main" xmlns="" id="{BB485482-83E4-4D7B-BC28-ED9C8462CEA9}"/>
+                <a16:creationId xmlns="" xmlns:a16="http://schemas.microsoft.com/office/drawing/2014/main" id="{BB485482-83E4-4D7B-BC28-ED9C8462CEA9}"/>
               </a:ext>
             </a:extLst>
           </p:cNvPr>
@@ -13091,12 +13230,83 @@
             <p:ph idx="1"/>
           </p:nvPr>
         </p:nvSpPr>
-        <p:spPr/>
-        <p:txBody>
-          <a:bodyPr/>
-          <a:lstStyle/>
-          <a:p>
-            <a:endParaRPr lang="en-US"/>
+        <p:spPr>
+          <a:xfrm>
+            <a:off x="268224" y="1825624"/>
+            <a:ext cx="8825484" cy="4721479"/>
+          </a:xfrm>
+        </p:spPr>
+        <p:txBody>
+          <a:bodyPr>
+            <a:normAutofit fontScale="92500" lnSpcReduction="10000"/>
+          </a:bodyPr>
+          <a:lstStyle/>
+          <a:p>
+            <a:r>
+              <a:rPr lang="en-US"/>
+              <a:t>First system to (arguably) show that Twitter-specific NER far outperforms off-the-shelf state-of-the-art NERs </a:t>
+            </a:r>
+          </a:p>
+          <a:p>
+            <a:r>
+              <a:rPr lang="en-US"/>
+              <a:t>Standard features e.g., POS tags, with some optimized for Twitter</a:t>
+            </a:r>
+          </a:p>
+          <a:p>
+            <a:pPr lvl="1"/>
+            <a:r>
+              <a:rPr lang="en-US"/>
+              <a:t>Twitter-specific features include new tags for hashtags, retweets etc.</a:t>
+            </a:r>
+          </a:p>
+          <a:p>
+            <a:pPr lvl="1"/>
+            <a:r>
+              <a:rPr lang="en-US"/>
+              <a:t>Showed results earlier</a:t>
+            </a:r>
+          </a:p>
+          <a:p>
+            <a:r>
+              <a:rPr lang="en-US"/>
+              <a:t>In-domain training data i.e. </a:t>
+            </a:r>
+            <a:r>
+              <a:rPr lang="en-US" i="1"/>
+              <a:t>actual tweets</a:t>
+            </a:r>
+          </a:p>
+          <a:p>
+            <a:pPr lvl="1"/>
+            <a:r>
+              <a:rPr lang="en-US"/>
+              <a:t>Also used IRC chat data to supplement small training data</a:t>
+            </a:r>
+          </a:p>
+          <a:p>
+            <a:r>
+              <a:rPr lang="en-US"/>
+              <a:t>Used distributional similarity to account for spelling variations, </a:t>
+            </a:r>
+          </a:p>
+          <a:p>
+            <a:pPr lvl="1"/>
+            <a:r>
+              <a:rPr lang="en-US"/>
+              <a:t>P</a:t>
+            </a:r>
+            <a:r>
+              <a:rPr lang="en-US"/>
+              <a:t>redated similar ‘word embedding’ techniques like fastText by many years (conceptually)!</a:t>
+            </a:r>
+          </a:p>
+          <a:p>
+            <a:pPr lvl="1"/>
+            <a:r>
+              <a:rPr lang="en-US"/>
+              <a:t>Clusters words like ‘tomarrow’, ‘tomm’, ‘tommarow’, ‘tommarrow’</a:t>
+            </a:r>
           </a:p>
         </p:txBody>
       </p:sp>
@@ -13105,7 +13315,7 @@
           <p:cNvPr id="5" name="TextBox 4">
             <a:extLst>
               <a:ext uri="{FF2B5EF4-FFF2-40B4-BE49-F238E27FC236}">
-                <a16:creationId xmlns:a16="http://schemas.microsoft.com/office/drawing/2014/main" xmlns="" id="{D6BBBBCF-B341-4F96-8E03-7D7F78D47761}"/>
+                <a16:creationId xmlns="" xmlns:a16="http://schemas.microsoft.com/office/drawing/2014/main" id="{6170541E-0039-47AC-8A76-8ED40D7DA676}"/>
               </a:ext>
             </a:extLst>
           </p:cNvPr>
@@ -13114,8 +13324,8 @@
         </p:nvSpPr>
         <p:spPr>
           <a:xfrm>
-            <a:off x="6132576" y="6370249"/>
-            <a:ext cx="2961132" cy="369332"/>
+            <a:off x="6425184" y="6468882"/>
+            <a:ext cx="2668524" cy="307777"/>
           </a:xfrm>
           <a:prstGeom prst="rect">
             <a:avLst/>
@@ -13130,50 +13340,20 @@
           <a:p>
             <a:pPr algn="r"/>
             <a:r>
-              <a:rPr lang="en-US">
+              <a:rPr lang="en-US" sz="1400">
                 <a:solidFill>
                   <a:srgbClr val="002060"/>
                 </a:solidFill>
               </a:rPr>
-              <a:t>(Mishra and Diesner, 2013)</a:t>
-            </a:r>
-          </a:p>
-        </p:txBody>
-      </p:sp>
-      <p:pic>
-        <p:nvPicPr>
-          <p:cNvPr id="6" name="Picture 5">
-            <a:extLst>
-              <a:ext uri="{FF2B5EF4-FFF2-40B4-BE49-F238E27FC236}">
-                <a16:creationId xmlns:a16="http://schemas.microsoft.com/office/drawing/2014/main" xmlns="" id="{B2C808EF-D515-4A45-9CCD-07E40B1F20D9}"/>
-              </a:ext>
-            </a:extLst>
-          </p:cNvPr>
-          <p:cNvPicPr>
-            <a:picLocks noChangeAspect="1"/>
-          </p:cNvPicPr>
-          <p:nvPr/>
-        </p:nvPicPr>
-        <p:blipFill>
-          <a:blip r:embed="rId3"/>
-          <a:stretch>
-            <a:fillRect/>
-          </a:stretch>
-        </p:blipFill>
-        <p:spPr>
-          <a:xfrm>
-            <a:off x="304800" y="1588770"/>
-            <a:ext cx="8327136" cy="4684014"/>
-          </a:xfrm>
-          <a:prstGeom prst="rect">
-            <a:avLst/>
-          </a:prstGeom>
-        </p:spPr>
-      </p:pic>
+              <a:t>(Ritter et al., 2011)</a:t>
+            </a:r>
+          </a:p>
+        </p:txBody>
+      </p:sp>
     </p:spTree>
     <p:extLst>
       <p:ext uri="{BB962C8B-B14F-4D97-AF65-F5344CB8AC3E}">
-        <p14:creationId xmlns:p14="http://schemas.microsoft.com/office/powerpoint/2010/main" val="3725798188"/>
+        <p14:creationId xmlns:p14="http://schemas.microsoft.com/office/powerpoint/2010/main" val="1010299184"/>
       </p:ext>
     </p:extLst>
   </p:cSld>
@@ -13212,7 +13392,7 @@
           <p:cNvPr id="2" name="Title 1">
             <a:extLst>
               <a:ext uri="{FF2B5EF4-FFF2-40B4-BE49-F238E27FC236}">
-                <a16:creationId xmlns:a16="http://schemas.microsoft.com/office/drawing/2014/main" xmlns="" id="{F1EF15B1-1873-4C36-A684-2B8B25594A85}"/>
+                <a16:creationId xmlns="" xmlns:a16="http://schemas.microsoft.com/office/drawing/2014/main" id="{6EA66CEF-80A3-4CFD-A9BB-1C66D281398B}"/>
               </a:ext>
             </a:extLst>
           </p:cNvPr>
@@ -13230,7 +13410,7 @@
           <a:p>
             <a:r>
               <a:rPr lang="en-US"/>
-              <a:t>How to improve performance even further?</a:t>
+              <a:t>More Recent System: TwitterNER</a:t>
             </a:r>
           </a:p>
         </p:txBody>
@@ -13240,7 +13420,7 @@
           <p:cNvPr id="3" name="Content Placeholder 2">
             <a:extLst>
               <a:ext uri="{FF2B5EF4-FFF2-40B4-BE49-F238E27FC236}">
-                <a16:creationId xmlns:a16="http://schemas.microsoft.com/office/drawing/2014/main" xmlns="" id="{2FA6422C-9FED-4D43-9DE4-F348D1C7DD04}"/>
+                <a16:creationId xmlns="" xmlns:a16="http://schemas.microsoft.com/office/drawing/2014/main" id="{BB485482-83E4-4D7B-BC28-ED9C8462CEA9}"/>
               </a:ext>
             </a:extLst>
           </p:cNvPr>
@@ -13251,37 +13431,61 @@
             <p:ph idx="1"/>
           </p:nvPr>
         </p:nvSpPr>
-        <p:spPr>
-          <a:xfrm>
-            <a:off x="628650" y="1699707"/>
-            <a:ext cx="7886700" cy="1250758"/>
-          </a:xfrm>
-        </p:spPr>
-        <p:txBody>
-          <a:bodyPr>
-            <a:normAutofit lnSpcReduction="10000"/>
+        <p:spPr/>
+        <p:txBody>
+          <a:bodyPr/>
+          <a:lstStyle/>
+          <a:p>
+            <a:endParaRPr lang="en-US"/>
+          </a:p>
+        </p:txBody>
+      </p:sp>
+      <p:sp>
+        <p:nvSpPr>
+          <p:cNvPr id="5" name="TextBox 4">
+            <a:extLst>
+              <a:ext uri="{FF2B5EF4-FFF2-40B4-BE49-F238E27FC236}">
+                <a16:creationId xmlns="" xmlns:a16="http://schemas.microsoft.com/office/drawing/2014/main" id="{D6BBBBCF-B341-4F96-8E03-7D7F78D47761}"/>
+              </a:ext>
+            </a:extLst>
+          </p:cNvPr>
+          <p:cNvSpPr txBox="1"/>
+          <p:nvPr/>
+        </p:nvSpPr>
+        <p:spPr>
+          <a:xfrm>
+            <a:off x="6107176" y="6471849"/>
+            <a:ext cx="2961132" cy="307777"/>
+          </a:xfrm>
+          <a:prstGeom prst="rect">
+            <a:avLst/>
+          </a:prstGeom>
+          <a:noFill/>
+        </p:spPr>
+        <p:txBody>
+          <a:bodyPr wrap="square" rtlCol="0">
+            <a:spAutoFit/>
           </a:bodyPr>
           <a:lstStyle/>
           <a:p>
-            <a:r>
-              <a:rPr lang="en-US" sz="2000"/>
-              <a:t>Models can be made more precise by treating each entity type (such as locations) individually i.e. train type-specific models</a:t>
-            </a:r>
-          </a:p>
-          <a:p>
-            <a:r>
-              <a:rPr lang="en-US" sz="2000"/>
-              <a:t>In some instances, entities can be ‘extracted’ despite not being explicitly present in the text (e.g., geotagging)</a:t>
+            <a:pPr algn="r"/>
+            <a:r>
+              <a:rPr lang="en-US" sz="1400">
+                <a:solidFill>
+                  <a:srgbClr val="002060"/>
+                </a:solidFill>
+              </a:rPr>
+              <a:t>(Mishra and Diesner, 2013)</a:t>
             </a:r>
           </a:p>
         </p:txBody>
       </p:sp>
       <p:pic>
         <p:nvPicPr>
-          <p:cNvPr id="5" name="Picture 4">
+          <p:cNvPr id="6" name="Picture 5">
             <a:extLst>
               <a:ext uri="{FF2B5EF4-FFF2-40B4-BE49-F238E27FC236}">
-                <a16:creationId xmlns:a16="http://schemas.microsoft.com/office/drawing/2014/main" xmlns="" id="{81838BC7-3CD4-4E62-A18A-AA14B5C72AA1}"/>
+                <a16:creationId xmlns="" xmlns:a16="http://schemas.microsoft.com/office/drawing/2014/main" id="{B2C808EF-D515-4A45-9CCD-07E40B1F20D9}"/>
               </a:ext>
             </a:extLst>
           </p:cNvPr>
@@ -13291,65 +13495,25 @@
           <p:nvPr/>
         </p:nvPicPr>
         <p:blipFill>
-          <a:blip r:embed="rId2"/>
+          <a:blip r:embed="rId3"/>
           <a:stretch>
             <a:fillRect/>
           </a:stretch>
         </p:blipFill>
         <p:spPr>
           <a:xfrm>
-            <a:off x="238506" y="2957467"/>
-            <a:ext cx="6973824" cy="3812884"/>
+            <a:off x="304800" y="1588770"/>
+            <a:ext cx="8327136" cy="4684014"/>
           </a:xfrm>
           <a:prstGeom prst="rect">
             <a:avLst/>
           </a:prstGeom>
         </p:spPr>
       </p:pic>
-      <p:sp>
-        <p:nvSpPr>
-          <p:cNvPr id="7" name="TextBox 6">
-            <a:extLst>
-              <a:ext uri="{FF2B5EF4-FFF2-40B4-BE49-F238E27FC236}">
-                <a16:creationId xmlns:a16="http://schemas.microsoft.com/office/drawing/2014/main" xmlns="" id="{B68477D6-868B-4AB9-912E-B6282710D329}"/>
-              </a:ext>
-            </a:extLst>
-          </p:cNvPr>
-          <p:cNvSpPr txBox="1"/>
-          <p:nvPr/>
-        </p:nvSpPr>
-        <p:spPr>
-          <a:xfrm>
-            <a:off x="5071872" y="6462574"/>
-            <a:ext cx="4072128" cy="307777"/>
-          </a:xfrm>
-          <a:prstGeom prst="rect">
-            <a:avLst/>
-          </a:prstGeom>
-          <a:noFill/>
-        </p:spPr>
-        <p:txBody>
-          <a:bodyPr wrap="square" rtlCol="0">
-            <a:spAutoFit/>
-          </a:bodyPr>
-          <a:lstStyle/>
-          <a:p>
-            <a:pPr algn="r"/>
-            <a:r>
-              <a:rPr lang="en-US" sz="1400">
-                <a:solidFill>
-                  <a:srgbClr val="002060"/>
-                </a:solidFill>
-              </a:rPr>
-              <a:t>(Middleton, Middleton and Modafferi, 2014)</a:t>
-            </a:r>
-          </a:p>
-        </p:txBody>
-      </p:sp>
     </p:spTree>
     <p:extLst>
       <p:ext uri="{BB962C8B-B14F-4D97-AF65-F5344CB8AC3E}">
-        <p14:creationId xmlns:p14="http://schemas.microsoft.com/office/powerpoint/2010/main" val="4100392418"/>
+        <p14:creationId xmlns:p14="http://schemas.microsoft.com/office/powerpoint/2010/main" val="3725798188"/>
       </p:ext>
     </p:extLst>
   </p:cSld>
@@ -13388,7 +13552,7 @@
           <p:cNvPr id="2" name="Title 1">
             <a:extLst>
               <a:ext uri="{FF2B5EF4-FFF2-40B4-BE49-F238E27FC236}">
-                <a16:creationId xmlns:a16="http://schemas.microsoft.com/office/drawing/2014/main" xmlns="" id="{4B9D2582-8475-4CBA-99BF-EE1B12182165}"/>
+                <a16:creationId xmlns="" xmlns:a16="http://schemas.microsoft.com/office/drawing/2014/main" id="{F1EF15B1-1873-4C36-A684-2B8B25594A85}"/>
               </a:ext>
             </a:extLst>
           </p:cNvPr>
@@ -13399,29 +13563,65 @@
             <p:ph type="title"/>
           </p:nvPr>
         </p:nvSpPr>
-        <p:spPr>
-          <a:xfrm>
-            <a:off x="628650" y="194438"/>
-            <a:ext cx="7886700" cy="1325563"/>
-          </a:xfrm>
-        </p:spPr>
+        <p:spPr/>
         <p:txBody>
           <a:bodyPr/>
           <a:lstStyle/>
           <a:p>
             <a:r>
               <a:rPr lang="en-US"/>
-              <a:t>Example of crisis domain-specific geotagging system</a:t>
+              <a:t>How to Further Improve?</a:t>
+            </a:r>
+          </a:p>
+        </p:txBody>
+      </p:sp>
+      <p:sp>
+        <p:nvSpPr>
+          <p:cNvPr id="3" name="Content Placeholder 2">
+            <a:extLst>
+              <a:ext uri="{FF2B5EF4-FFF2-40B4-BE49-F238E27FC236}">
+                <a16:creationId xmlns="" xmlns:a16="http://schemas.microsoft.com/office/drawing/2014/main" id="{2FA6422C-9FED-4D43-9DE4-F348D1C7DD04}"/>
+              </a:ext>
+            </a:extLst>
+          </p:cNvPr>
+          <p:cNvSpPr>
+            <a:spLocks noGrp="1"/>
+          </p:cNvSpPr>
+          <p:nvPr>
+            <p:ph idx="1"/>
+          </p:nvPr>
+        </p:nvSpPr>
+        <p:spPr>
+          <a:xfrm>
+            <a:off x="628650" y="1699707"/>
+            <a:ext cx="7886700" cy="1250758"/>
+          </a:xfrm>
+        </p:spPr>
+        <p:txBody>
+          <a:bodyPr>
+            <a:normAutofit lnSpcReduction="10000"/>
+          </a:bodyPr>
+          <a:lstStyle/>
+          <a:p>
+            <a:r>
+              <a:rPr lang="en-US" sz="2000"/>
+              <a:t>Models can be made more precise by treating each entity type (such as locations) individually i.e. train type-specific models</a:t>
+            </a:r>
+          </a:p>
+          <a:p>
+            <a:r>
+              <a:rPr lang="en-US" sz="2000"/>
+              <a:t>In some instances, entities can be ‘extracted’ despite not being explicitly present in the text (e.g., geotagging)</a:t>
             </a:r>
           </a:p>
         </p:txBody>
       </p:sp>
       <p:pic>
         <p:nvPicPr>
-          <p:cNvPr id="4" name="Picture 3">
+          <p:cNvPr id="5" name="Picture 4">
             <a:extLst>
               <a:ext uri="{FF2B5EF4-FFF2-40B4-BE49-F238E27FC236}">
-                <a16:creationId xmlns:a16="http://schemas.microsoft.com/office/drawing/2014/main" xmlns="" id="{CE3B137C-E58F-4AC3-8CEF-EC596ECE28A3}"/>
+                <a16:creationId xmlns="" xmlns:a16="http://schemas.microsoft.com/office/drawing/2014/main" id="{81838BC7-3CD4-4E62-A18A-AA14B5C72AA1}"/>
               </a:ext>
             </a:extLst>
           </p:cNvPr>
@@ -13438,8 +13638,8 @@
         </p:blipFill>
         <p:spPr>
           <a:xfrm>
-            <a:off x="146304" y="1589056"/>
-            <a:ext cx="5059174" cy="5039295"/>
+            <a:off x="238506" y="2957467"/>
+            <a:ext cx="6973824" cy="3812884"/>
           </a:xfrm>
           <a:prstGeom prst="rect">
             <a:avLst/>
@@ -13448,10 +13648,10 @@
       </p:pic>
       <p:sp>
         <p:nvSpPr>
-          <p:cNvPr id="5" name="TextBox 4">
+          <p:cNvPr id="7" name="TextBox 6">
             <a:extLst>
               <a:ext uri="{FF2B5EF4-FFF2-40B4-BE49-F238E27FC236}">
-                <a16:creationId xmlns:a16="http://schemas.microsoft.com/office/drawing/2014/main" xmlns="" id="{A33B7534-065D-4816-A9F0-9CCA32AC6182}"/>
+                <a16:creationId xmlns="" xmlns:a16="http://schemas.microsoft.com/office/drawing/2014/main" id="{B68477D6-868B-4AB9-912E-B6282710D329}"/>
               </a:ext>
             </a:extLst>
           </p:cNvPr>
@@ -13460,8 +13660,8 @@
         </p:nvSpPr>
         <p:spPr>
           <a:xfrm>
-            <a:off x="5071872" y="6432186"/>
-            <a:ext cx="4072128" cy="338554"/>
+            <a:off x="5071872" y="6462574"/>
+            <a:ext cx="4072128" cy="307777"/>
           </a:xfrm>
           <a:prstGeom prst="rect">
             <a:avLst/>
@@ -13474,8 +13674,9 @@
           </a:bodyPr>
           <a:lstStyle/>
           <a:p>
-            <a:r>
-              <a:rPr lang="en-US" sz="1600">
+            <a:pPr algn="r"/>
+            <a:r>
+              <a:rPr lang="en-US" sz="1400">
                 <a:solidFill>
                   <a:srgbClr val="002060"/>
                 </a:solidFill>
@@ -13485,180 +13686,10 @@
           </a:p>
         </p:txBody>
       </p:sp>
-      <p:cxnSp>
-        <p:nvCxnSpPr>
-          <p:cNvPr id="7" name="Straight Arrow Connector 6">
-            <a:extLst>
-              <a:ext uri="{FF2B5EF4-FFF2-40B4-BE49-F238E27FC236}">
-                <a16:creationId xmlns:a16="http://schemas.microsoft.com/office/drawing/2014/main" xmlns="" id="{3129CEA3-A89E-4E57-A178-B5D793065B35}"/>
-              </a:ext>
-            </a:extLst>
-          </p:cNvPr>
-          <p:cNvCxnSpPr>
-            <a:cxnSpLocks/>
-          </p:cNvCxnSpPr>
-          <p:nvPr/>
-        </p:nvCxnSpPr>
-        <p:spPr>
-          <a:xfrm flipH="1">
-            <a:off x="1670304" y="2962656"/>
-            <a:ext cx="4523232" cy="1146048"/>
-          </a:xfrm>
-          <a:prstGeom prst="straightConnector1">
-            <a:avLst/>
-          </a:prstGeom>
-          <a:ln>
-            <a:solidFill>
-              <a:srgbClr val="FF0000"/>
-            </a:solidFill>
-            <a:prstDash val="dash"/>
-            <a:tailEnd type="triangle"/>
-          </a:ln>
-        </p:spPr>
-        <p:style>
-          <a:lnRef idx="1">
-            <a:schemeClr val="accent1"/>
-          </a:lnRef>
-          <a:fillRef idx="0">
-            <a:schemeClr val="accent1"/>
-          </a:fillRef>
-          <a:effectRef idx="0">
-            <a:schemeClr val="accent1"/>
-          </a:effectRef>
-          <a:fontRef idx="minor">
-            <a:schemeClr val="tx1"/>
-          </a:fontRef>
-        </p:style>
-      </p:cxnSp>
-      <p:cxnSp>
-        <p:nvCxnSpPr>
-          <p:cNvPr id="8" name="Straight Arrow Connector 7">
-            <a:extLst>
-              <a:ext uri="{FF2B5EF4-FFF2-40B4-BE49-F238E27FC236}">
-                <a16:creationId xmlns:a16="http://schemas.microsoft.com/office/drawing/2014/main" xmlns="" id="{DC6E134F-64B3-46A4-B49E-8DB2D3E500AE}"/>
-              </a:ext>
-            </a:extLst>
-          </p:cNvPr>
-          <p:cNvCxnSpPr>
-            <a:cxnSpLocks/>
-          </p:cNvCxnSpPr>
-          <p:nvPr/>
-        </p:nvCxnSpPr>
-        <p:spPr>
-          <a:xfrm flipH="1">
-            <a:off x="3974592" y="3157728"/>
-            <a:ext cx="2218944" cy="950976"/>
-          </a:xfrm>
-          <a:prstGeom prst="straightConnector1">
-            <a:avLst/>
-          </a:prstGeom>
-          <a:ln>
-            <a:solidFill>
-              <a:srgbClr val="FF0000"/>
-            </a:solidFill>
-            <a:prstDash val="dash"/>
-            <a:tailEnd type="triangle"/>
-          </a:ln>
-        </p:spPr>
-        <p:style>
-          <a:lnRef idx="1">
-            <a:schemeClr val="accent1"/>
-          </a:lnRef>
-          <a:fillRef idx="0">
-            <a:schemeClr val="accent1"/>
-          </a:fillRef>
-          <a:effectRef idx="0">
-            <a:schemeClr val="accent1"/>
-          </a:effectRef>
-          <a:fontRef idx="minor">
-            <a:schemeClr val="tx1"/>
-          </a:fontRef>
-        </p:style>
-      </p:cxnSp>
-      <p:cxnSp>
-        <p:nvCxnSpPr>
-          <p:cNvPr id="12" name="Straight Arrow Connector 11">
-            <a:extLst>
-              <a:ext uri="{FF2B5EF4-FFF2-40B4-BE49-F238E27FC236}">
-                <a16:creationId xmlns:a16="http://schemas.microsoft.com/office/drawing/2014/main" xmlns="" id="{B67DF206-C4E3-46B7-ABF9-506862DBEA57}"/>
-              </a:ext>
-            </a:extLst>
-          </p:cNvPr>
-          <p:cNvCxnSpPr>
-            <a:cxnSpLocks/>
-          </p:cNvCxnSpPr>
-          <p:nvPr/>
-        </p:nvCxnSpPr>
-        <p:spPr>
-          <a:xfrm flipH="1">
-            <a:off x="4096006" y="3352800"/>
-            <a:ext cx="2097530" cy="2212848"/>
-          </a:xfrm>
-          <a:prstGeom prst="straightConnector1">
-            <a:avLst/>
-          </a:prstGeom>
-          <a:ln>
-            <a:solidFill>
-              <a:srgbClr val="FF0000"/>
-            </a:solidFill>
-            <a:prstDash val="dash"/>
-            <a:tailEnd type="triangle"/>
-          </a:ln>
-        </p:spPr>
-        <p:style>
-          <a:lnRef idx="1">
-            <a:schemeClr val="accent1"/>
-          </a:lnRef>
-          <a:fillRef idx="0">
-            <a:schemeClr val="accent1"/>
-          </a:fillRef>
-          <a:effectRef idx="0">
-            <a:schemeClr val="accent1"/>
-          </a:effectRef>
-          <a:fontRef idx="minor">
-            <a:schemeClr val="tx1"/>
-          </a:fontRef>
-        </p:style>
-      </p:cxnSp>
-      <p:sp>
-        <p:nvSpPr>
-          <p:cNvPr id="14" name="TextBox 13">
-            <a:extLst>
-              <a:ext uri="{FF2B5EF4-FFF2-40B4-BE49-F238E27FC236}">
-                <a16:creationId xmlns:a16="http://schemas.microsoft.com/office/drawing/2014/main" xmlns="" id="{0B615D40-23A7-416E-9244-6D7350CAE14D}"/>
-              </a:ext>
-            </a:extLst>
-          </p:cNvPr>
-          <p:cNvSpPr txBox="1"/>
-          <p:nvPr/>
-        </p:nvSpPr>
-        <p:spPr>
-          <a:xfrm>
-            <a:off x="6193536" y="2639490"/>
-            <a:ext cx="2426208" cy="1200329"/>
-          </a:xfrm>
-          <a:prstGeom prst="rect">
-            <a:avLst/>
-          </a:prstGeom>
-          <a:noFill/>
-        </p:spPr>
-        <p:txBody>
-          <a:bodyPr wrap="square" rtlCol="0">
-            <a:spAutoFit/>
-          </a:bodyPr>
-          <a:lstStyle/>
-          <a:p>
-            <a:r>
-              <a:rPr lang="en-US" sz="2400"/>
-              <a:t>Examples of domain-specific components</a:t>
-            </a:r>
-          </a:p>
-        </p:txBody>
-      </p:sp>
     </p:spTree>
     <p:extLst>
       <p:ext uri="{BB962C8B-B14F-4D97-AF65-F5344CB8AC3E}">
-        <p14:creationId xmlns:p14="http://schemas.microsoft.com/office/powerpoint/2010/main" val="2192816161"/>
+        <p14:creationId xmlns:p14="http://schemas.microsoft.com/office/powerpoint/2010/main" val="4100392418"/>
       </p:ext>
     </p:extLst>
   </p:cSld>
@@ -13831,7 +13862,7 @@
           <p:cNvPr id="2" name="Title 1">
             <a:extLst>
               <a:ext uri="{FF2B5EF4-FFF2-40B4-BE49-F238E27FC236}">
-                <a16:creationId xmlns:a16="http://schemas.microsoft.com/office/drawing/2014/main" xmlns="" id="{E1C3A720-E34E-4BB6-B515-B3C2EF039BC8}"/>
+                <a16:creationId xmlns="" xmlns:a16="http://schemas.microsoft.com/office/drawing/2014/main" id="{4B9D2582-8475-4CBA-99BF-EE1B12182165}"/>
               </a:ext>
             </a:extLst>
           </p:cNvPr>
@@ -13842,6 +13873,315 @@
             <p:ph type="title"/>
           </p:nvPr>
         </p:nvSpPr>
+        <p:spPr>
+          <a:xfrm>
+            <a:off x="628650" y="194438"/>
+            <a:ext cx="7886700" cy="1325563"/>
+          </a:xfrm>
+        </p:spPr>
+        <p:txBody>
+          <a:bodyPr/>
+          <a:lstStyle/>
+          <a:p>
+            <a:r>
+              <a:rPr lang="en-US"/>
+              <a:t>Example of crisis domain-specific geotagging system</a:t>
+            </a:r>
+          </a:p>
+        </p:txBody>
+      </p:sp>
+      <p:pic>
+        <p:nvPicPr>
+          <p:cNvPr id="4" name="Picture 3">
+            <a:extLst>
+              <a:ext uri="{FF2B5EF4-FFF2-40B4-BE49-F238E27FC236}">
+                <a16:creationId xmlns="" xmlns:a16="http://schemas.microsoft.com/office/drawing/2014/main" id="{CE3B137C-E58F-4AC3-8CEF-EC596ECE28A3}"/>
+              </a:ext>
+            </a:extLst>
+          </p:cNvPr>
+          <p:cNvPicPr>
+            <a:picLocks noChangeAspect="1"/>
+          </p:cNvPicPr>
+          <p:nvPr/>
+        </p:nvPicPr>
+        <p:blipFill>
+          <a:blip r:embed="rId2"/>
+          <a:stretch>
+            <a:fillRect/>
+          </a:stretch>
+        </p:blipFill>
+        <p:spPr>
+          <a:xfrm>
+            <a:off x="146304" y="1589056"/>
+            <a:ext cx="5059174" cy="5039295"/>
+          </a:xfrm>
+          <a:prstGeom prst="rect">
+            <a:avLst/>
+          </a:prstGeom>
+        </p:spPr>
+      </p:pic>
+      <p:sp>
+        <p:nvSpPr>
+          <p:cNvPr id="5" name="TextBox 4">
+            <a:extLst>
+              <a:ext uri="{FF2B5EF4-FFF2-40B4-BE49-F238E27FC236}">
+                <a16:creationId xmlns="" xmlns:a16="http://schemas.microsoft.com/office/drawing/2014/main" id="{A33B7534-065D-4816-A9F0-9CCA32AC6182}"/>
+              </a:ext>
+            </a:extLst>
+          </p:cNvPr>
+          <p:cNvSpPr txBox="1"/>
+          <p:nvPr/>
+        </p:nvSpPr>
+        <p:spPr>
+          <a:xfrm>
+            <a:off x="5700613" y="6474462"/>
+            <a:ext cx="3412053" cy="307777"/>
+          </a:xfrm>
+          <a:prstGeom prst="rect">
+            <a:avLst/>
+          </a:prstGeom>
+          <a:noFill/>
+        </p:spPr>
+        <p:txBody>
+          <a:bodyPr wrap="square" rtlCol="0">
+            <a:spAutoFit/>
+          </a:bodyPr>
+          <a:lstStyle/>
+          <a:p>
+            <a:r>
+              <a:rPr lang="en-US" sz="1400">
+                <a:solidFill>
+                  <a:srgbClr val="002060"/>
+                </a:solidFill>
+              </a:rPr>
+              <a:t>(Middleton, Middleton and Modafferi, 2014)</a:t>
+            </a:r>
+          </a:p>
+        </p:txBody>
+      </p:sp>
+      <p:cxnSp>
+        <p:nvCxnSpPr>
+          <p:cNvPr id="7" name="Straight Arrow Connector 6">
+            <a:extLst>
+              <a:ext uri="{FF2B5EF4-FFF2-40B4-BE49-F238E27FC236}">
+                <a16:creationId xmlns="" xmlns:a16="http://schemas.microsoft.com/office/drawing/2014/main" id="{3129CEA3-A89E-4E57-A178-B5D793065B35}"/>
+              </a:ext>
+            </a:extLst>
+          </p:cNvPr>
+          <p:cNvCxnSpPr>
+            <a:cxnSpLocks/>
+          </p:cNvCxnSpPr>
+          <p:nvPr/>
+        </p:nvCxnSpPr>
+        <p:spPr>
+          <a:xfrm flipH="1">
+            <a:off x="1670304" y="2962656"/>
+            <a:ext cx="4523232" cy="1146048"/>
+          </a:xfrm>
+          <a:prstGeom prst="straightConnector1">
+            <a:avLst/>
+          </a:prstGeom>
+          <a:ln>
+            <a:solidFill>
+              <a:srgbClr val="FF0000"/>
+            </a:solidFill>
+            <a:prstDash val="dash"/>
+            <a:tailEnd type="triangle"/>
+          </a:ln>
+        </p:spPr>
+        <p:style>
+          <a:lnRef idx="1">
+            <a:schemeClr val="accent1"/>
+          </a:lnRef>
+          <a:fillRef idx="0">
+            <a:schemeClr val="accent1"/>
+          </a:fillRef>
+          <a:effectRef idx="0">
+            <a:schemeClr val="accent1"/>
+          </a:effectRef>
+          <a:fontRef idx="minor">
+            <a:schemeClr val="tx1"/>
+          </a:fontRef>
+        </p:style>
+      </p:cxnSp>
+      <p:cxnSp>
+        <p:nvCxnSpPr>
+          <p:cNvPr id="8" name="Straight Arrow Connector 7">
+            <a:extLst>
+              <a:ext uri="{FF2B5EF4-FFF2-40B4-BE49-F238E27FC236}">
+                <a16:creationId xmlns="" xmlns:a16="http://schemas.microsoft.com/office/drawing/2014/main" id="{DC6E134F-64B3-46A4-B49E-8DB2D3E500AE}"/>
+              </a:ext>
+            </a:extLst>
+          </p:cNvPr>
+          <p:cNvCxnSpPr>
+            <a:cxnSpLocks/>
+          </p:cNvCxnSpPr>
+          <p:nvPr/>
+        </p:nvCxnSpPr>
+        <p:spPr>
+          <a:xfrm flipH="1">
+            <a:off x="3974592" y="3157728"/>
+            <a:ext cx="2218944" cy="950976"/>
+          </a:xfrm>
+          <a:prstGeom prst="straightConnector1">
+            <a:avLst/>
+          </a:prstGeom>
+          <a:ln>
+            <a:solidFill>
+              <a:srgbClr val="FF0000"/>
+            </a:solidFill>
+            <a:prstDash val="dash"/>
+            <a:tailEnd type="triangle"/>
+          </a:ln>
+        </p:spPr>
+        <p:style>
+          <a:lnRef idx="1">
+            <a:schemeClr val="accent1"/>
+          </a:lnRef>
+          <a:fillRef idx="0">
+            <a:schemeClr val="accent1"/>
+          </a:fillRef>
+          <a:effectRef idx="0">
+            <a:schemeClr val="accent1"/>
+          </a:effectRef>
+          <a:fontRef idx="minor">
+            <a:schemeClr val="tx1"/>
+          </a:fontRef>
+        </p:style>
+      </p:cxnSp>
+      <p:cxnSp>
+        <p:nvCxnSpPr>
+          <p:cNvPr id="12" name="Straight Arrow Connector 11">
+            <a:extLst>
+              <a:ext uri="{FF2B5EF4-FFF2-40B4-BE49-F238E27FC236}">
+                <a16:creationId xmlns="" xmlns:a16="http://schemas.microsoft.com/office/drawing/2014/main" id="{B67DF206-C4E3-46B7-ABF9-506862DBEA57}"/>
+              </a:ext>
+            </a:extLst>
+          </p:cNvPr>
+          <p:cNvCxnSpPr>
+            <a:cxnSpLocks/>
+          </p:cNvCxnSpPr>
+          <p:nvPr/>
+        </p:nvCxnSpPr>
+        <p:spPr>
+          <a:xfrm flipH="1">
+            <a:off x="4096006" y="3352800"/>
+            <a:ext cx="2097530" cy="2212848"/>
+          </a:xfrm>
+          <a:prstGeom prst="straightConnector1">
+            <a:avLst/>
+          </a:prstGeom>
+          <a:ln>
+            <a:solidFill>
+              <a:srgbClr val="FF0000"/>
+            </a:solidFill>
+            <a:prstDash val="dash"/>
+            <a:tailEnd type="triangle"/>
+          </a:ln>
+        </p:spPr>
+        <p:style>
+          <a:lnRef idx="1">
+            <a:schemeClr val="accent1"/>
+          </a:lnRef>
+          <a:fillRef idx="0">
+            <a:schemeClr val="accent1"/>
+          </a:fillRef>
+          <a:effectRef idx="0">
+            <a:schemeClr val="accent1"/>
+          </a:effectRef>
+          <a:fontRef idx="minor">
+            <a:schemeClr val="tx1"/>
+          </a:fontRef>
+        </p:style>
+      </p:cxnSp>
+      <p:sp>
+        <p:nvSpPr>
+          <p:cNvPr id="14" name="TextBox 13">
+            <a:extLst>
+              <a:ext uri="{FF2B5EF4-FFF2-40B4-BE49-F238E27FC236}">
+                <a16:creationId xmlns="" xmlns:a16="http://schemas.microsoft.com/office/drawing/2014/main" id="{0B615D40-23A7-416E-9244-6D7350CAE14D}"/>
+              </a:ext>
+            </a:extLst>
+          </p:cNvPr>
+          <p:cNvSpPr txBox="1"/>
+          <p:nvPr/>
+        </p:nvSpPr>
+        <p:spPr>
+          <a:xfrm>
+            <a:off x="6193536" y="2639490"/>
+            <a:ext cx="2426208" cy="1200329"/>
+          </a:xfrm>
+          <a:prstGeom prst="rect">
+            <a:avLst/>
+          </a:prstGeom>
+          <a:noFill/>
+        </p:spPr>
+        <p:txBody>
+          <a:bodyPr wrap="square" rtlCol="0">
+            <a:spAutoFit/>
+          </a:bodyPr>
+          <a:lstStyle/>
+          <a:p>
+            <a:r>
+              <a:rPr lang="en-US" sz="2400"/>
+              <a:t>Examples of domain-specific components</a:t>
+            </a:r>
+          </a:p>
+        </p:txBody>
+      </p:sp>
+    </p:spTree>
+    <p:extLst>
+      <p:ext uri="{BB962C8B-B14F-4D97-AF65-F5344CB8AC3E}">
+        <p14:creationId xmlns:p14="http://schemas.microsoft.com/office/powerpoint/2010/main" val="2192816161"/>
+      </p:ext>
+    </p:extLst>
+  </p:cSld>
+  <p:clrMapOvr>
+    <a:masterClrMapping/>
+  </p:clrMapOvr>
+  <p:timing>
+    <p:tnLst>
+      <p:par>
+        <p:cTn id="1" dur="indefinite" restart="never" nodeType="tmRoot"/>
+      </p:par>
+    </p:tnLst>
+  </p:timing>
+</p:sld>
+</file>
+
+<file path=ppt/slides/slide31.xml><?xml version="1.0" encoding="utf-8"?>
+<p:sld xmlns:a="http://schemas.openxmlformats.org/drawingml/2006/main" xmlns:r="http://schemas.openxmlformats.org/officeDocument/2006/relationships" xmlns:p="http://schemas.openxmlformats.org/presentationml/2006/main">
+  <p:cSld>
+    <p:spTree>
+      <p:nvGrpSpPr>
+        <p:cNvPr id="1" name=""/>
+        <p:cNvGrpSpPr/>
+        <p:nvPr/>
+      </p:nvGrpSpPr>
+      <p:grpSpPr>
+        <a:xfrm>
+          <a:off x="0" y="0"/>
+          <a:ext cx="0" cy="0"/>
+          <a:chOff x="0" y="0"/>
+          <a:chExt cx="0" cy="0"/>
+        </a:xfrm>
+      </p:grpSpPr>
+      <p:sp>
+        <p:nvSpPr>
+          <p:cNvPr id="2" name="Title 1">
+            <a:extLst>
+              <a:ext uri="{FF2B5EF4-FFF2-40B4-BE49-F238E27FC236}">
+                <a16:creationId xmlns="" xmlns:a16="http://schemas.microsoft.com/office/drawing/2014/main" id="{E1C3A720-E34E-4BB6-B515-B3C2EF039BC8}"/>
+              </a:ext>
+            </a:extLst>
+          </p:cNvPr>
+          <p:cNvSpPr>
+            <a:spLocks noGrp="1"/>
+          </p:cNvSpPr>
+          <p:nvPr>
+            <p:ph type="title"/>
+          </p:nvPr>
+        </p:nvSpPr>
         <p:spPr/>
         <p:txBody>
           <a:bodyPr/>
@@ -13859,7 +14199,7 @@
           <p:cNvPr id="3" name="Content Placeholder 2">
             <a:extLst>
               <a:ext uri="{FF2B5EF4-FFF2-40B4-BE49-F238E27FC236}">
-                <a16:creationId xmlns:a16="http://schemas.microsoft.com/office/drawing/2014/main" xmlns="" id="{D16B1CA5-8025-464F-80E9-9942274912F8}"/>
+                <a16:creationId xmlns="" xmlns:a16="http://schemas.microsoft.com/office/drawing/2014/main" id="{D16B1CA5-8025-464F-80E9-9942274912F8}"/>
               </a:ext>
             </a:extLst>
           </p:cNvPr>
@@ -13878,13 +14218,24 @@
         </p:spPr>
         <p:txBody>
           <a:bodyPr>
-            <a:normAutofit fontScale="85000" lnSpcReduction="20000"/>
+            <a:normAutofit/>
           </a:bodyPr>
           <a:lstStyle/>
           <a:p>
             <a:r>
               <a:rPr lang="en-US"/>
-              <a:t>Accuracy still low for social media (SM) NER, how to improve performance without increasing training annotations?</a:t>
+              <a:t>Accuracy still low for social media (SM) NER</a:t>
+            </a:r>
+          </a:p>
+          <a:p>
+            <a:pPr lvl="1"/>
+            <a:r>
+              <a:rPr lang="en-US"/>
+              <a:t>H</a:t>
+            </a:r>
+            <a:r>
+              <a:rPr lang="en-US"/>
+              <a:t>ow to improve performance without increasing training annotations?</a:t>
             </a:r>
           </a:p>
           <a:p>
@@ -13904,38 +14255,6 @@
             <a:r>
               <a:rPr lang="en-US"/>
               <a:t>Chinese social media (He and Sun, AAAI’17)</a:t>
-            </a:r>
-          </a:p>
-          <a:p>
-            <a:r>
-              <a:rPr lang="en-US"/>
-              <a:t>How to leverage external contexts such as URLs in tweets, images, multi-modal signals, entity linking to sources like DBpedia...?</a:t>
-            </a:r>
-          </a:p>
-          <a:p>
-            <a:pPr lvl="1"/>
-            <a:r>
-              <a:rPr lang="en-US"/>
-              <a:t>Can significantly enhance the ‘signal’ in the data e.g., see (Gattani et al., VLDB’13)</a:t>
-            </a:r>
-          </a:p>
-          <a:p>
-            <a:r>
-              <a:rPr lang="en-US"/>
-              <a:t>How to combine NER and event identification/extraction models by leveraging joint context?</a:t>
-            </a:r>
-          </a:p>
-          <a:p>
-            <a:pPr lvl="1"/>
-            <a:r>
-              <a:rPr lang="en-US"/>
-              <a:t>Promising work in this area e.g., (Vavliakis et al., DKE, 13)</a:t>
-            </a:r>
-          </a:p>
-          <a:p>
-            <a:r>
-              <a:rPr lang="en-US"/>
-              <a:t>Novel applications and interfaces for crisis informatics pipelines</a:t>
             </a:r>
           </a:p>
         </p:txBody>
@@ -13944,6 +14263,132 @@
     <p:extLst>
       <p:ext uri="{BB962C8B-B14F-4D97-AF65-F5344CB8AC3E}">
         <p14:creationId xmlns:p14="http://schemas.microsoft.com/office/powerpoint/2010/main" val="3352456993"/>
+      </p:ext>
+    </p:extLst>
+  </p:cSld>
+  <p:clrMapOvr>
+    <a:masterClrMapping/>
+  </p:clrMapOvr>
+  <p:timing>
+    <p:tnLst>
+      <p:par>
+        <p:cTn id="1" dur="indefinite" restart="never" nodeType="tmRoot"/>
+      </p:par>
+    </p:tnLst>
+  </p:timing>
+</p:sld>
+</file>
+
+<file path=ppt/slides/slide32.xml><?xml version="1.0" encoding="utf-8"?>
+<p:sld xmlns:a="http://schemas.openxmlformats.org/drawingml/2006/main" xmlns:r="http://schemas.openxmlformats.org/officeDocument/2006/relationships" xmlns:p="http://schemas.openxmlformats.org/presentationml/2006/main">
+  <p:cSld>
+    <p:spTree>
+      <p:nvGrpSpPr>
+        <p:cNvPr id="1" name=""/>
+        <p:cNvGrpSpPr/>
+        <p:nvPr/>
+      </p:nvGrpSpPr>
+      <p:grpSpPr>
+        <a:xfrm>
+          <a:off x="0" y="0"/>
+          <a:ext cx="0" cy="0"/>
+          <a:chOff x="0" y="0"/>
+          <a:chExt cx="0" cy="0"/>
+        </a:xfrm>
+      </p:grpSpPr>
+      <p:sp>
+        <p:nvSpPr>
+          <p:cNvPr id="2" name="Title 1">
+            <a:extLst>
+              <a:ext uri="{FF2B5EF4-FFF2-40B4-BE49-F238E27FC236}">
+                <a16:creationId xmlns="" xmlns:a16="http://schemas.microsoft.com/office/drawing/2014/main" id="{E1C3A720-E34E-4BB6-B515-B3C2EF039BC8}"/>
+              </a:ext>
+            </a:extLst>
+          </p:cNvPr>
+          <p:cNvSpPr>
+            <a:spLocks noGrp="1"/>
+          </p:cNvSpPr>
+          <p:nvPr>
+            <p:ph type="title"/>
+          </p:nvPr>
+        </p:nvSpPr>
+        <p:spPr/>
+        <p:txBody>
+          <a:bodyPr/>
+          <a:lstStyle/>
+          <a:p>
+            <a:r>
+              <a:rPr lang="en-US"/>
+              <a:t>Open Research Issues</a:t>
+            </a:r>
+          </a:p>
+        </p:txBody>
+      </p:sp>
+      <p:sp>
+        <p:nvSpPr>
+          <p:cNvPr id="3" name="Content Placeholder 2">
+            <a:extLst>
+              <a:ext uri="{FF2B5EF4-FFF2-40B4-BE49-F238E27FC236}">
+                <a16:creationId xmlns="" xmlns:a16="http://schemas.microsoft.com/office/drawing/2014/main" id="{D16B1CA5-8025-464F-80E9-9942274912F8}"/>
+              </a:ext>
+            </a:extLst>
+          </p:cNvPr>
+          <p:cNvSpPr>
+            <a:spLocks noGrp="1"/>
+          </p:cNvSpPr>
+          <p:nvPr>
+            <p:ph idx="1"/>
+          </p:nvPr>
+        </p:nvSpPr>
+        <p:spPr>
+          <a:xfrm>
+            <a:off x="292608" y="1487424"/>
+            <a:ext cx="8222742" cy="5181600"/>
+          </a:xfrm>
+        </p:spPr>
+        <p:txBody>
+          <a:bodyPr>
+            <a:normAutofit/>
+          </a:bodyPr>
+          <a:lstStyle/>
+          <a:p>
+            <a:r>
+              <a:rPr lang="en-US"/>
+              <a:t>How to leverage external contexts such as URLs in tweets, images, multi-modal signals, entity linking to sources like DBpedia...?</a:t>
+            </a:r>
+          </a:p>
+          <a:p>
+            <a:pPr lvl="1"/>
+            <a:r>
+              <a:rPr lang="en-US"/>
+              <a:t>Can significantly enhance the ‘signal’ in the data e.g., see (Gattani et al., VLDB’13)</a:t>
+            </a:r>
+          </a:p>
+          <a:p>
+            <a:r>
+              <a:rPr lang="en-US"/>
+              <a:t>How to combine NER and event identification/extraction models by leveraging joint context?</a:t>
+            </a:r>
+          </a:p>
+          <a:p>
+            <a:pPr lvl="1"/>
+            <a:r>
+              <a:rPr lang="en-US"/>
+              <a:t>Promising work in this area e.g., (Vavliakis et al., DKE, 13)</a:t>
+            </a:r>
+          </a:p>
+          <a:p>
+            <a:r>
+              <a:rPr lang="en-US"/>
+              <a:t>Novel applications and interfaces for crisis informatics pipelines</a:t>
+            </a:r>
+          </a:p>
+        </p:txBody>
+      </p:sp>
+    </p:spTree>
+    <p:extLst>
+      <p:ext uri="{BB962C8B-B14F-4D97-AF65-F5344CB8AC3E}">
+        <p14:creationId xmlns:p14="http://schemas.microsoft.com/office/powerpoint/2010/main" val="615786252"/>
       </p:ext>
     </p:extLst>
   </p:cSld>

--- a/slides/pptx/3-entity-extraction.pptx
+++ b/slides/pptx/3-entity-extraction.pptx
@@ -5,34 +5,36 @@
     <p:sldMasterId id="2147483660" r:id="rId1"/>
   </p:sldMasterIdLst>
   <p:notesMasterIdLst>
-    <p:notesMasterId r:id="rId27"/>
+    <p:notesMasterId r:id="rId29"/>
   </p:notesMasterIdLst>
   <p:sldIdLst>
     <p:sldId id="365" r:id="rId2"/>
     <p:sldId id="347" r:id="rId3"/>
     <p:sldId id="348" r:id="rId4"/>
-    <p:sldId id="371" r:id="rId5"/>
-    <p:sldId id="349" r:id="rId6"/>
-    <p:sldId id="350" r:id="rId7"/>
-    <p:sldId id="351" r:id="rId8"/>
-    <p:sldId id="352" r:id="rId9"/>
-    <p:sldId id="353" r:id="rId10"/>
-    <p:sldId id="367" r:id="rId11"/>
-    <p:sldId id="354" r:id="rId12"/>
-    <p:sldId id="355" r:id="rId13"/>
-    <p:sldId id="368" r:id="rId14"/>
-    <p:sldId id="356" r:id="rId15"/>
-    <p:sldId id="357" r:id="rId16"/>
-    <p:sldId id="358" r:id="rId17"/>
-    <p:sldId id="359" r:id="rId18"/>
-    <p:sldId id="360" r:id="rId19"/>
-    <p:sldId id="362" r:id="rId20"/>
-    <p:sldId id="363" r:id="rId21"/>
-    <p:sldId id="372" r:id="rId22"/>
-    <p:sldId id="314" r:id="rId23"/>
-    <p:sldId id="364" r:id="rId24"/>
-    <p:sldId id="369" r:id="rId25"/>
-    <p:sldId id="370" r:id="rId26"/>
+    <p:sldId id="373" r:id="rId5"/>
+    <p:sldId id="371" r:id="rId6"/>
+    <p:sldId id="349" r:id="rId7"/>
+    <p:sldId id="350" r:id="rId8"/>
+    <p:sldId id="351" r:id="rId9"/>
+    <p:sldId id="374" r:id="rId10"/>
+    <p:sldId id="352" r:id="rId11"/>
+    <p:sldId id="353" r:id="rId12"/>
+    <p:sldId id="367" r:id="rId13"/>
+    <p:sldId id="354" r:id="rId14"/>
+    <p:sldId id="355" r:id="rId15"/>
+    <p:sldId id="368" r:id="rId16"/>
+    <p:sldId id="356" r:id="rId17"/>
+    <p:sldId id="357" r:id="rId18"/>
+    <p:sldId id="358" r:id="rId19"/>
+    <p:sldId id="359" r:id="rId20"/>
+    <p:sldId id="360" r:id="rId21"/>
+    <p:sldId id="362" r:id="rId22"/>
+    <p:sldId id="363" r:id="rId23"/>
+    <p:sldId id="372" r:id="rId24"/>
+    <p:sldId id="314" r:id="rId25"/>
+    <p:sldId id="364" r:id="rId26"/>
+    <p:sldId id="369" r:id="rId27"/>
+    <p:sldId id="370" r:id="rId28"/>
   </p:sldIdLst>
   <p:sldSz cx="9144000" cy="6858000" type="screen4x3"/>
   <p:notesSz cx="6858000" cy="9144000"/>
@@ -221,7 +223,7 @@
           <a:p>
             <a:fld id="{BE1256C8-1BA4-4200-90F3-9413893DDEA5}" type="datetimeFigureOut">
               <a:rPr lang="en-US" smtClean="0"/>
-              <a:t>4/18/2018</a:t>
+              <a:t>4/19/18</a:t>
             </a:fld>
             <a:endParaRPr lang="en-US"/>
           </a:p>
@@ -532,14 +534,6 @@
           <a:bodyPr/>
           <a:lstStyle/>
           <a:p>
-            <a:r>
-              <a:rPr lang="en-US"/>
-              <a:t>But more recently, packages</a:t>
-            </a:r>
-            <a:r>
-              <a:rPr lang="en-US" baseline="0"/>
-              <a:t> like spacy have made enormous progress in dealing with noisy data, given their ubiquity</a:t>
-            </a:r>
             <a:endParaRPr lang="en-US"/>
           </a:p>
         </p:txBody>
@@ -561,7 +555,7 @@
           <a:p>
             <a:fld id="{9D3E0FAC-92B7-4344-B8CE-D78B9752AB0B}" type="slidenum">
               <a:rPr lang="en-US" smtClean="0"/>
-              <a:t>15</a:t>
+              <a:t>1</a:t>
             </a:fld>
             <a:endParaRPr lang="en-US"/>
           </a:p>
@@ -570,7 +564,7 @@
     </p:spTree>
     <p:extLst>
       <p:ext uri="{BB962C8B-B14F-4D97-AF65-F5344CB8AC3E}">
-        <p14:creationId xmlns:p14="http://schemas.microsoft.com/office/powerpoint/2010/main" val="181938373"/>
+        <p14:creationId xmlns:p14="http://schemas.microsoft.com/office/powerpoint/2010/main" val="144216118"/>
       </p:ext>
     </p:extLst>
   </p:cSld>
@@ -626,16 +620,13 @@
           <a:p>
             <a:r>
               <a:rPr lang="en-US"/>
-              <a:t>However, the best performance still tends to be achieved by Twitter-specific NER</a:t>
+              <a:t>But more recently, packages</a:t>
             </a:r>
             <a:r>
               <a:rPr lang="en-US" baseline="0"/>
-              <a:t> systems. These systems have some common themes, and we describe both a classic and a more recent example shortly. In the notebooks, a link and description is provided for TwitterNER, a recently developed system</a:t>
-            </a:r>
-            <a:r>
-              <a:rPr lang="en-US"/>
-              <a:t> </a:t>
-            </a:r>
+              <a:t> like spacy have made enormous progress in dealing with noisy data, given their ubiquity</a:t>
+            </a:r>
+            <a:endParaRPr lang="en-US"/>
           </a:p>
         </p:txBody>
       </p:sp>
@@ -656,7 +647,7 @@
           <a:p>
             <a:fld id="{9D3E0FAC-92B7-4344-B8CE-D78B9752AB0B}" type="slidenum">
               <a:rPr lang="en-US" smtClean="0"/>
-              <a:t>16</a:t>
+              <a:t>17</a:t>
             </a:fld>
             <a:endParaRPr lang="en-US"/>
           </a:p>
@@ -665,7 +656,7 @@
     </p:spTree>
     <p:extLst>
       <p:ext uri="{BB962C8B-B14F-4D97-AF65-F5344CB8AC3E}">
-        <p14:creationId xmlns:p14="http://schemas.microsoft.com/office/powerpoint/2010/main" val="1129792705"/>
+        <p14:creationId xmlns:p14="http://schemas.microsoft.com/office/powerpoint/2010/main" val="181938373"/>
       </p:ext>
     </p:extLst>
   </p:cSld>
@@ -721,7 +712,15 @@
           <a:p>
             <a:r>
               <a:rPr lang="en-US"/>
-              <a:t>Show people the link to TwitterNER in the notebook, but we will not be doing the hands on in the tutorial</a:t>
+              <a:t>However, the best performance still tends to be achieved by Twitter-specific NER</a:t>
+            </a:r>
+            <a:r>
+              <a:rPr lang="en-US" baseline="0"/>
+              <a:t> systems. These systems have some common themes, and we describe both a classic and a more recent example shortly. In the notebooks, a link and description is provided for TwitterNER, a recently developed system</a:t>
+            </a:r>
+            <a:r>
+              <a:rPr lang="en-US"/>
+              <a:t> </a:t>
             </a:r>
           </a:p>
         </p:txBody>
@@ -752,7 +751,7 @@
     </p:spTree>
     <p:extLst>
       <p:ext uri="{BB962C8B-B14F-4D97-AF65-F5344CB8AC3E}">
-        <p14:creationId xmlns:p14="http://schemas.microsoft.com/office/powerpoint/2010/main" val="514608253"/>
+        <p14:creationId xmlns:p14="http://schemas.microsoft.com/office/powerpoint/2010/main" val="1129792705"/>
       </p:ext>
     </p:extLst>
   </p:cSld>
@@ -808,7 +807,7 @@
           <a:p>
             <a:r>
               <a:rPr lang="en-US"/>
-              <a:t>This problem is known as co-reference resolution and is very difficult</a:t>
+              <a:t>Show people the link to TwitterNER in the notebook, but we will not be doing the hands on in the tutorial</a:t>
             </a:r>
           </a:p>
         </p:txBody>
@@ -830,7 +829,7 @@
           <a:p>
             <a:fld id="{9D3E0FAC-92B7-4344-B8CE-D78B9752AB0B}" type="slidenum">
               <a:rPr lang="en-US" smtClean="0"/>
-              <a:t>21</a:t>
+              <a:t>20</a:t>
             </a:fld>
             <a:endParaRPr lang="en-US"/>
           </a:p>
@@ -839,7 +838,7 @@
     </p:spTree>
     <p:extLst>
       <p:ext uri="{BB962C8B-B14F-4D97-AF65-F5344CB8AC3E}">
-        <p14:creationId xmlns:p14="http://schemas.microsoft.com/office/powerpoint/2010/main" val="4253958634"/>
+        <p14:creationId xmlns:p14="http://schemas.microsoft.com/office/powerpoint/2010/main" val="514608253"/>
       </p:ext>
     </p:extLst>
   </p:cSld>
@@ -895,7 +894,7 @@
           <a:p>
             <a:r>
               <a:rPr lang="en-US"/>
-              <a:t>In the NLP community one tries to link the entity extractions to a canonical knowledge base like Dbpedia. Other communities pursue the same problem in slightly different ways (e.g., record linkage)</a:t>
+              <a:t>This problem is known as co-reference resolution and is very difficult</a:t>
             </a:r>
           </a:p>
         </p:txBody>
@@ -917,7 +916,94 @@
           <a:p>
             <a:fld id="{9D3E0FAC-92B7-4344-B8CE-D78B9752AB0B}" type="slidenum">
               <a:rPr lang="en-US" smtClean="0"/>
-              <a:t>22</a:t>
+              <a:t>23</a:t>
+            </a:fld>
+            <a:endParaRPr lang="en-US"/>
+          </a:p>
+        </p:txBody>
+      </p:sp>
+    </p:spTree>
+    <p:extLst>
+      <p:ext uri="{BB962C8B-B14F-4D97-AF65-F5344CB8AC3E}">
+        <p14:creationId xmlns:p14="http://schemas.microsoft.com/office/powerpoint/2010/main" val="4253958634"/>
+      </p:ext>
+    </p:extLst>
+  </p:cSld>
+  <p:clrMapOvr>
+    <a:masterClrMapping/>
+  </p:clrMapOvr>
+</p:notes>
+</file>
+
+<file path=ppt/notesSlides/notesSlide6.xml><?xml version="1.0" encoding="utf-8"?>
+<p:notes xmlns:a="http://schemas.openxmlformats.org/drawingml/2006/main" xmlns:r="http://schemas.openxmlformats.org/officeDocument/2006/relationships" xmlns:p="http://schemas.openxmlformats.org/presentationml/2006/main">
+  <p:cSld>
+    <p:spTree>
+      <p:nvGrpSpPr>
+        <p:cNvPr id="1" name=""/>
+        <p:cNvGrpSpPr/>
+        <p:nvPr/>
+      </p:nvGrpSpPr>
+      <p:grpSpPr>
+        <a:xfrm>
+          <a:off x="0" y="0"/>
+          <a:ext cx="0" cy="0"/>
+          <a:chOff x="0" y="0"/>
+          <a:chExt cx="0" cy="0"/>
+        </a:xfrm>
+      </p:grpSpPr>
+      <p:sp>
+        <p:nvSpPr>
+          <p:cNvPr id="2" name="Slide Image Placeholder 1"/>
+          <p:cNvSpPr>
+            <a:spLocks noGrp="1" noRot="1" noChangeAspect="1"/>
+          </p:cNvSpPr>
+          <p:nvPr>
+            <p:ph type="sldImg"/>
+          </p:nvPr>
+        </p:nvSpPr>
+        <p:spPr/>
+      </p:sp>
+      <p:sp>
+        <p:nvSpPr>
+          <p:cNvPr id="3" name="Notes Placeholder 2"/>
+          <p:cNvSpPr>
+            <a:spLocks noGrp="1"/>
+          </p:cNvSpPr>
+          <p:nvPr>
+            <p:ph type="body" idx="1"/>
+          </p:nvPr>
+        </p:nvSpPr>
+        <p:spPr/>
+        <p:txBody>
+          <a:bodyPr/>
+          <a:lstStyle/>
+          <a:p>
+            <a:r>
+              <a:rPr lang="en-US"/>
+              <a:t>In the NLP community one tries to link the entity extractions to a canonical knowledge base like Dbpedia. Other communities pursue the same problem in slightly different ways (e.g., record linkage)</a:t>
+            </a:r>
+          </a:p>
+        </p:txBody>
+      </p:sp>
+      <p:sp>
+        <p:nvSpPr>
+          <p:cNvPr id="4" name="Slide Number Placeholder 3"/>
+          <p:cNvSpPr>
+            <a:spLocks noGrp="1"/>
+          </p:cNvSpPr>
+          <p:nvPr>
+            <p:ph type="sldNum" sz="quarter" idx="10"/>
+          </p:nvPr>
+        </p:nvSpPr>
+        <p:spPr/>
+        <p:txBody>
+          <a:bodyPr/>
+          <a:lstStyle/>
+          <a:p>
+            <a:fld id="{9D3E0FAC-92B7-4344-B8CE-D78B9752AB0B}" type="slidenum">
+              <a:rPr lang="en-US" smtClean="0"/>
+              <a:t>24</a:t>
             </a:fld>
             <a:endParaRPr lang="en-US"/>
           </a:p>
@@ -1067,7 +1153,7 @@
           <a:p>
             <a:fld id="{7CC7A2F6-2F19-4AE6-AE33-E09CFF174DCA}" type="datetimeFigureOut">
               <a:rPr lang="en-GB" smtClean="0"/>
-              <a:t>18/04/2018</a:t>
+              <a:t>19/04/2018</a:t>
             </a:fld>
             <a:endParaRPr lang="en-GB"/>
           </a:p>
@@ -1237,7 +1323,7 @@
           <a:p>
             <a:fld id="{7CC7A2F6-2F19-4AE6-AE33-E09CFF174DCA}" type="datetimeFigureOut">
               <a:rPr lang="en-GB" smtClean="0"/>
-              <a:t>18/04/2018</a:t>
+              <a:t>19/04/2018</a:t>
             </a:fld>
             <a:endParaRPr lang="en-GB"/>
           </a:p>
@@ -1417,7 +1503,7 @@
           <a:p>
             <a:fld id="{7CC7A2F6-2F19-4AE6-AE33-E09CFF174DCA}" type="datetimeFigureOut">
               <a:rPr lang="en-GB" smtClean="0"/>
-              <a:t>18/04/2018</a:t>
+              <a:t>19/04/2018</a:t>
             </a:fld>
             <a:endParaRPr lang="en-GB"/>
           </a:p>
@@ -1587,7 +1673,7 @@
           <a:p>
             <a:fld id="{7CC7A2F6-2F19-4AE6-AE33-E09CFF174DCA}" type="datetimeFigureOut">
               <a:rPr lang="en-GB" smtClean="0"/>
-              <a:t>18/04/2018</a:t>
+              <a:t>19/04/2018</a:t>
             </a:fld>
             <a:endParaRPr lang="en-GB"/>
           </a:p>
@@ -1831,7 +1917,7 @@
           <a:p>
             <a:fld id="{7CC7A2F6-2F19-4AE6-AE33-E09CFF174DCA}" type="datetimeFigureOut">
               <a:rPr lang="en-GB" smtClean="0"/>
-              <a:t>18/04/2018</a:t>
+              <a:t>19/04/2018</a:t>
             </a:fld>
             <a:endParaRPr lang="en-GB"/>
           </a:p>
@@ -2063,7 +2149,7 @@
           <a:p>
             <a:fld id="{7CC7A2F6-2F19-4AE6-AE33-E09CFF174DCA}" type="datetimeFigureOut">
               <a:rPr lang="en-GB" smtClean="0"/>
-              <a:t>18/04/2018</a:t>
+              <a:t>19/04/2018</a:t>
             </a:fld>
             <a:endParaRPr lang="en-GB"/>
           </a:p>
@@ -2430,7 +2516,7 @@
           <a:p>
             <a:fld id="{7CC7A2F6-2F19-4AE6-AE33-E09CFF174DCA}" type="datetimeFigureOut">
               <a:rPr lang="en-GB" smtClean="0"/>
-              <a:t>18/04/2018</a:t>
+              <a:t>19/04/2018</a:t>
             </a:fld>
             <a:endParaRPr lang="en-GB"/>
           </a:p>
@@ -2548,7 +2634,7 @@
           <a:p>
             <a:fld id="{7CC7A2F6-2F19-4AE6-AE33-E09CFF174DCA}" type="datetimeFigureOut">
               <a:rPr lang="en-GB" smtClean="0"/>
-              <a:t>18/04/2018</a:t>
+              <a:t>19/04/2018</a:t>
             </a:fld>
             <a:endParaRPr lang="en-GB"/>
           </a:p>
@@ -2643,7 +2729,7 @@
           <a:p>
             <a:fld id="{7CC7A2F6-2F19-4AE6-AE33-E09CFF174DCA}" type="datetimeFigureOut">
               <a:rPr lang="en-GB" smtClean="0"/>
-              <a:t>18/04/2018</a:t>
+              <a:t>19/04/2018</a:t>
             </a:fld>
             <a:endParaRPr lang="en-GB"/>
           </a:p>
@@ -2920,7 +3006,7 @@
           <a:p>
             <a:fld id="{7CC7A2F6-2F19-4AE6-AE33-E09CFF174DCA}" type="datetimeFigureOut">
               <a:rPr lang="en-GB" smtClean="0"/>
-              <a:t>18/04/2018</a:t>
+              <a:t>19/04/2018</a:t>
             </a:fld>
             <a:endParaRPr lang="en-GB"/>
           </a:p>
@@ -3177,7 +3263,7 @@
           <a:p>
             <a:fld id="{7CC7A2F6-2F19-4AE6-AE33-E09CFF174DCA}" type="datetimeFigureOut">
               <a:rPr lang="en-GB" smtClean="0"/>
-              <a:t>18/04/2018</a:t>
+              <a:t>19/04/2018</a:t>
             </a:fld>
             <a:endParaRPr lang="en-GB"/>
           </a:p>
@@ -3390,7 +3476,7 @@
           <a:p>
             <a:fld id="{7CC7A2F6-2F19-4AE6-AE33-E09CFF174DCA}" type="datetimeFigureOut">
               <a:rPr lang="en-GB" smtClean="0"/>
-              <a:t>18/04/2018</a:t>
+              <a:t>19/04/2018</a:t>
             </a:fld>
             <a:endParaRPr lang="en-GB"/>
           </a:p>
@@ -3812,7 +3898,7 @@
           <a:p>
             <a:r>
               <a:rPr lang="en-US"/>
-              <a:t>Entity Extraction</a:t>
+              <a:t>Entity Extraction/Named Entity Recognition (NER)</a:t>
             </a:r>
             <a:endParaRPr lang="en-US" dirty="0"/>
           </a:p>
@@ -4751,13 +4837,7 @@
       </p:grpSpPr>
       <p:sp>
         <p:nvSpPr>
-          <p:cNvPr id="2" name="Title 1">
-            <a:extLst>
-              <a:ext uri="{FF2B5EF4-FFF2-40B4-BE49-F238E27FC236}">
-                <a16:creationId xmlns:a16="http://schemas.microsoft.com/office/drawing/2014/main" id="{5F44972C-1277-45AF-857F-5C44DCAA94E2}"/>
-              </a:ext>
-            </a:extLst>
-          </p:cNvPr>
+          <p:cNvPr id="2" name="Title 1"/>
           <p:cNvSpPr>
             <a:spLocks noGrp="1"/>
           </p:cNvSpPr>
@@ -4765,24 +4845,30 @@
             <p:ph type="title"/>
           </p:nvPr>
         </p:nvSpPr>
-        <p:spPr/>
+        <p:spPr>
+          <a:xfrm>
+            <a:off x="400050" y="365126"/>
+            <a:ext cx="8515350" cy="1325563"/>
+          </a:xfrm>
+        </p:spPr>
         <p:txBody>
           <a:bodyPr/>
           <a:lstStyle/>
           <a:p>
             <a:r>
               <a:rPr lang="en-US"/>
-              <a:t>Embedding-based Models</a:t>
-            </a:r>
-          </a:p>
-        </p:txBody>
-      </p:sp>
-      <p:sp>
-        <p:nvSpPr>
-          <p:cNvPr id="3" name="Content Placeholder 2">
-            <a:extLst>
-              <a:ext uri="{FF2B5EF4-FFF2-40B4-BE49-F238E27FC236}">
-                <a16:creationId xmlns:a16="http://schemas.microsoft.com/office/drawing/2014/main" id="{AD4D6E95-FB39-4A81-BE0C-47FCB77127E2}"/>
+              <a:t>Classic NER Approach</a:t>
+            </a:r>
+            <a:endParaRPr lang="en-US" dirty="0"/>
+          </a:p>
+        </p:txBody>
+      </p:sp>
+      <p:sp>
+        <p:nvSpPr>
+          <p:cNvPr id="7" name="Content Placeholder 6">
+            <a:extLst>
+              <a:ext uri="{FF2B5EF4-FFF2-40B4-BE49-F238E27FC236}">
+                <a16:creationId xmlns:a16="http://schemas.microsoft.com/office/drawing/2014/main" xmlns="" id="{13D3C029-F9AA-4E5C-8627-46A9ED1284E6}"/>
               </a:ext>
             </a:extLst>
           </p:cNvPr>
@@ -4795,8 +4881,8 @@
         </p:nvSpPr>
         <p:spPr>
           <a:xfrm>
-            <a:off x="4949952" y="1825625"/>
-            <a:ext cx="3565398" cy="4351338"/>
+            <a:off x="494538" y="1690689"/>
+            <a:ext cx="8198358" cy="4351338"/>
           </a:xfrm>
         </p:spPr>
         <p:txBody>
@@ -4805,385 +4891,102 @@
           <a:p>
             <a:r>
               <a:rPr lang="en-US"/>
-              <a:t>Feature engineering was an impediment to training robust and powerful CRFs</a:t>
-            </a:r>
-          </a:p>
-          <a:p>
-            <a:r>
-              <a:rPr lang="en-US"/>
-              <a:t>Recently, word embeddings (and more complex </a:t>
-            </a:r>
-            <a:r>
-              <a:rPr lang="en-US">
-                <a:solidFill>
-                  <a:srgbClr val="FF0000"/>
-                </a:solidFill>
-              </a:rPr>
-              <a:t>sense-awar</a:t>
-            </a:r>
-            <a:r>
-              <a:rPr lang="en-US"/>
-              <a:t>e variants) have been used to address the problem</a:t>
+              <a:t>Till recently, most models framed the problem as ‘sequence labeling’ using techniques like Conditional Random Fields or (earlier) Hidden Markov Models</a:t>
             </a:r>
           </a:p>
         </p:txBody>
       </p:sp>
       <p:pic>
         <p:nvPicPr>
-          <p:cNvPr id="5" name="Picture 4">
-            <a:extLst>
-              <a:ext uri="{FF2B5EF4-FFF2-40B4-BE49-F238E27FC236}">
-                <a16:creationId xmlns:a16="http://schemas.microsoft.com/office/drawing/2014/main" id="{E31F759C-413A-4273-876B-1CA3A9286686}"/>
+          <p:cNvPr id="1026" name="Picture 2" descr="Related image">
+            <a:extLst>
+              <a:ext uri="{FF2B5EF4-FFF2-40B4-BE49-F238E27FC236}">
+                <a16:creationId xmlns:a16="http://schemas.microsoft.com/office/drawing/2014/main" xmlns="" id="{10228010-65D9-4664-9A19-50D2A115129D}"/>
               </a:ext>
             </a:extLst>
           </p:cNvPr>
           <p:cNvPicPr>
-            <a:picLocks noChangeAspect="1"/>
+            <a:picLocks noChangeAspect="1" noChangeArrowheads="1"/>
           </p:cNvPicPr>
           <p:nvPr/>
         </p:nvPicPr>
         <p:blipFill>
-          <a:blip r:embed="rId2"/>
+          <a:blip r:embed="rId2">
+            <a:extLst>
+              <a:ext uri="{28A0092B-C50C-407E-A947-70E740481C1C}">
+                <a14:useLocalDpi xmlns:a14="http://schemas.microsoft.com/office/drawing/2010/main" val="0"/>
+              </a:ext>
+            </a:extLst>
+          </a:blip>
+          <a:srcRect/>
           <a:stretch>
             <a:fillRect/>
           </a:stretch>
         </p:blipFill>
-        <p:spPr>
-          <a:xfrm>
-            <a:off x="987932" y="1945005"/>
-            <a:ext cx="1682115" cy="1437444"/>
+        <p:spPr bwMode="auto">
+          <a:xfrm>
+            <a:off x="741426" y="3013939"/>
+            <a:ext cx="8058912" cy="3506186"/>
           </a:xfrm>
           <a:prstGeom prst="rect">
             <a:avLst/>
           </a:prstGeom>
+          <a:noFill/>
+          <a:extLst>
+            <a:ext uri="{909E8E84-426E-40DD-AFC4-6F175D3DCCD1}">
+              <a14:hiddenFill xmlns:a14="http://schemas.microsoft.com/office/drawing/2010/main">
+                <a:solidFill>
+                  <a:srgbClr val="FFFFFF"/>
+                </a:solidFill>
+              </a14:hiddenFill>
+            </a:ext>
+          </a:extLst>
         </p:spPr>
       </p:pic>
-      <p:cxnSp>
-        <p:nvCxnSpPr>
-          <p:cNvPr id="7" name="Straight Arrow Connector 6">
-            <a:extLst>
-              <a:ext uri="{FF2B5EF4-FFF2-40B4-BE49-F238E27FC236}">
-                <a16:creationId xmlns:a16="http://schemas.microsoft.com/office/drawing/2014/main" id="{482D490B-F863-49BB-82B1-21ED41AC47F8}"/>
-              </a:ext>
-            </a:extLst>
-          </p:cNvPr>
-          <p:cNvCxnSpPr>
-            <a:cxnSpLocks/>
-          </p:cNvCxnSpPr>
+      <p:sp>
+        <p:nvSpPr>
+          <p:cNvPr id="14" name="TextBox 13">
+            <a:extLst>
+              <a:ext uri="{FF2B5EF4-FFF2-40B4-BE49-F238E27FC236}">
+                <a16:creationId xmlns:a16="http://schemas.microsoft.com/office/drawing/2014/main" xmlns="" id="{6DFB3C83-0C7A-4535-96AA-E84D929A4E6A}"/>
+              </a:ext>
+            </a:extLst>
+          </p:cNvPr>
+          <p:cNvSpPr txBox="1"/>
           <p:nvPr/>
-        </p:nvCxnSpPr>
-        <p:spPr>
-          <a:xfrm flipV="1">
-            <a:off x="628650" y="1566669"/>
-            <a:ext cx="0" cy="4231956"/>
-          </a:xfrm>
-          <a:prstGeom prst="straightConnector1">
-            <a:avLst/>
-          </a:prstGeom>
-          <a:ln>
-            <a:tailEnd type="triangle"/>
-          </a:ln>
-        </p:spPr>
-        <p:style>
-          <a:lnRef idx="1">
-            <a:schemeClr val="accent1"/>
-          </a:lnRef>
-          <a:fillRef idx="0">
-            <a:schemeClr val="accent1"/>
-          </a:fillRef>
-          <a:effectRef idx="0">
-            <a:schemeClr val="accent1"/>
-          </a:effectRef>
-          <a:fontRef idx="minor">
-            <a:schemeClr val="tx1"/>
-          </a:fontRef>
-        </p:style>
-      </p:cxnSp>
-      <p:cxnSp>
-        <p:nvCxnSpPr>
-          <p:cNvPr id="9" name="Straight Arrow Connector 8">
-            <a:extLst>
-              <a:ext uri="{FF2B5EF4-FFF2-40B4-BE49-F238E27FC236}">
-                <a16:creationId xmlns:a16="http://schemas.microsoft.com/office/drawing/2014/main" id="{188D38CF-57BF-4AE7-A5CD-D7AB3F163338}"/>
-              </a:ext>
-            </a:extLst>
-          </p:cNvPr>
-          <p:cNvCxnSpPr>
-            <a:cxnSpLocks/>
-          </p:cNvCxnSpPr>
-          <p:nvPr/>
-        </p:nvCxnSpPr>
-        <p:spPr>
-          <a:xfrm>
-            <a:off x="628650" y="5796785"/>
-            <a:ext cx="4321302" cy="0"/>
-          </a:xfrm>
-          <a:prstGeom prst="straightConnector1">
-            <a:avLst/>
-          </a:prstGeom>
-          <a:ln>
-            <a:tailEnd type="triangle"/>
-          </a:ln>
-        </p:spPr>
-        <p:style>
-          <a:lnRef idx="1">
-            <a:schemeClr val="accent1"/>
-          </a:lnRef>
-          <a:fillRef idx="0">
-            <a:schemeClr val="accent1"/>
-          </a:fillRef>
-          <a:effectRef idx="0">
-            <a:schemeClr val="accent1"/>
-          </a:effectRef>
-          <a:fontRef idx="minor">
-            <a:schemeClr val="tx1"/>
-          </a:fontRef>
-        </p:style>
-      </p:cxnSp>
-      <p:pic>
-        <p:nvPicPr>
-          <p:cNvPr id="19" name="Picture 18">
-            <a:extLst>
-              <a:ext uri="{FF2B5EF4-FFF2-40B4-BE49-F238E27FC236}">
-                <a16:creationId xmlns:a16="http://schemas.microsoft.com/office/drawing/2014/main" id="{0D7BFADC-AEDA-4227-BD9E-21855850E785}"/>
-              </a:ext>
-            </a:extLst>
-          </p:cNvPr>
-          <p:cNvPicPr>
-            <a:picLocks noChangeAspect="1"/>
-          </p:cNvPicPr>
-          <p:nvPr/>
-        </p:nvPicPr>
-        <p:blipFill>
-          <a:blip r:embed="rId3"/>
-          <a:stretch>
-            <a:fillRect/>
-          </a:stretch>
-        </p:blipFill>
-        <p:spPr>
-          <a:xfrm>
-            <a:off x="2665297" y="2386678"/>
-            <a:ext cx="2284655" cy="1557719"/>
+        </p:nvSpPr>
+        <p:spPr>
+          <a:xfrm>
+            <a:off x="6475476" y="6484358"/>
+            <a:ext cx="2668524" cy="369332"/>
           </a:xfrm>
           <a:prstGeom prst="rect">
             <a:avLst/>
           </a:prstGeom>
-        </p:spPr>
-      </p:pic>
-      <p:pic>
-        <p:nvPicPr>
-          <p:cNvPr id="18" name="Picture 17">
-            <a:extLst>
-              <a:ext uri="{FF2B5EF4-FFF2-40B4-BE49-F238E27FC236}">
-                <a16:creationId xmlns:a16="http://schemas.microsoft.com/office/drawing/2014/main" id="{F17571D6-AE91-4354-BED2-D90B6DFEE185}"/>
-              </a:ext>
-            </a:extLst>
-          </p:cNvPr>
-          <p:cNvPicPr>
-            <a:picLocks noChangeAspect="1"/>
-          </p:cNvPicPr>
-          <p:nvPr/>
-        </p:nvPicPr>
-        <p:blipFill>
-          <a:blip r:embed="rId4"/>
-          <a:stretch>
-            <a:fillRect/>
-          </a:stretch>
-        </p:blipFill>
-        <p:spPr>
-          <a:xfrm>
-            <a:off x="2401823" y="3876670"/>
-            <a:ext cx="2109217" cy="1920115"/>
-          </a:xfrm>
-          <a:prstGeom prst="rect">
-            <a:avLst/>
-          </a:prstGeom>
-        </p:spPr>
-      </p:pic>
-      <p:pic>
-        <p:nvPicPr>
-          <p:cNvPr id="20" name="Picture 19">
-            <a:extLst>
-              <a:ext uri="{FF2B5EF4-FFF2-40B4-BE49-F238E27FC236}">
-                <a16:creationId xmlns:a16="http://schemas.microsoft.com/office/drawing/2014/main" id="{6CFE4D04-D2D0-40F7-BA00-7F0C0CCD624D}"/>
-              </a:ext>
-            </a:extLst>
-          </p:cNvPr>
-          <p:cNvPicPr>
-            <a:picLocks noChangeAspect="1"/>
-          </p:cNvPicPr>
-          <p:nvPr/>
-        </p:nvPicPr>
-        <p:blipFill>
-          <a:blip r:embed="rId5"/>
-          <a:stretch>
-            <a:fillRect/>
-          </a:stretch>
-        </p:blipFill>
-        <p:spPr>
-          <a:xfrm>
-            <a:off x="987932" y="4246037"/>
-            <a:ext cx="1502474" cy="918989"/>
-          </a:xfrm>
-          <a:prstGeom prst="rect">
-            <a:avLst/>
-          </a:prstGeom>
-        </p:spPr>
-      </p:pic>
-      <p:pic>
-        <p:nvPicPr>
-          <p:cNvPr id="21" name="Picture 20">
-            <a:extLst>
-              <a:ext uri="{FF2B5EF4-FFF2-40B4-BE49-F238E27FC236}">
-                <a16:creationId xmlns:a16="http://schemas.microsoft.com/office/drawing/2014/main" id="{189FF996-CE2C-4DDA-95B7-85B9DFD7CBED}"/>
-              </a:ext>
-            </a:extLst>
-          </p:cNvPr>
-          <p:cNvPicPr>
-            <a:picLocks noChangeAspect="1"/>
-          </p:cNvPicPr>
-          <p:nvPr/>
-        </p:nvPicPr>
-        <p:blipFill>
-          <a:blip r:embed="rId6"/>
-          <a:stretch>
-            <a:fillRect/>
-          </a:stretch>
-        </p:blipFill>
-        <p:spPr>
-          <a:xfrm>
-            <a:off x="784922" y="3165538"/>
-            <a:ext cx="2056739" cy="869628"/>
-          </a:xfrm>
-          <a:prstGeom prst="rect">
-            <a:avLst/>
-          </a:prstGeom>
-        </p:spPr>
-      </p:pic>
-      <p:sp>
-        <p:nvSpPr>
-          <p:cNvPr id="11" name="Rectangle 10">
-            <a:extLst>
-              <a:ext uri="{FF2B5EF4-FFF2-40B4-BE49-F238E27FC236}">
-                <a16:creationId xmlns:a16="http://schemas.microsoft.com/office/drawing/2014/main" id="{30DBC704-3387-4A5D-A8E1-6CA6EEB5ADF6}"/>
-              </a:ext>
-            </a:extLst>
-          </p:cNvPr>
-          <p:cNvSpPr/>
-          <p:nvPr/>
-        </p:nvSpPr>
-        <p:spPr>
-          <a:xfrm>
-            <a:off x="182880" y="1450849"/>
-            <a:ext cx="8827008" cy="5035296"/>
-          </a:xfrm>
-          <a:prstGeom prst="rect">
-            <a:avLst/>
-          </a:prstGeom>
-          <a:solidFill>
-            <a:schemeClr val="accent6">
-              <a:lumMod val="40000"/>
-              <a:lumOff val="60000"/>
-              <a:alpha val="93000"/>
-            </a:schemeClr>
-          </a:solidFill>
-          <a:ln>
-            <a:noFill/>
-          </a:ln>
-        </p:spPr>
-        <p:style>
-          <a:lnRef idx="2">
-            <a:schemeClr val="accent1">
-              <a:shade val="50000"/>
-            </a:schemeClr>
-          </a:lnRef>
-          <a:fillRef idx="1">
-            <a:schemeClr val="accent1"/>
-          </a:fillRef>
-          <a:effectRef idx="0">
-            <a:schemeClr val="accent1"/>
-          </a:effectRef>
-          <a:fontRef idx="minor">
-            <a:schemeClr val="lt1"/>
-          </a:fontRef>
-        </p:style>
-        <p:txBody>
-          <a:bodyPr rtlCol="0" anchor="ctr"/>
-          <a:lstStyle/>
-          <a:p>
-            <a:pPr algn="ctr"/>
-            <a:endParaRPr lang="en-US"/>
-          </a:p>
-        </p:txBody>
-      </p:sp>
-      <p:sp>
-        <p:nvSpPr>
-          <p:cNvPr id="12" name="Title 1">
-            <a:extLst>
-              <a:ext uri="{FF2B5EF4-FFF2-40B4-BE49-F238E27FC236}">
-                <a16:creationId xmlns:a16="http://schemas.microsoft.com/office/drawing/2014/main" id="{95A38355-5A7F-4B61-8049-EB7D4C4B3DC5}"/>
-              </a:ext>
-            </a:extLst>
-          </p:cNvPr>
-          <p:cNvSpPr txBox="1">
-            <a:spLocks/>
-          </p:cNvSpPr>
-          <p:nvPr/>
-        </p:nvSpPr>
-        <p:spPr>
-          <a:xfrm>
-            <a:off x="1154811" y="2640948"/>
-            <a:ext cx="6601206" cy="2387600"/>
-          </a:xfrm>
-          <a:prstGeom prst="rect">
-            <a:avLst/>
-          </a:prstGeom>
-        </p:spPr>
-        <p:txBody>
-          <a:bodyPr vert="horz" lIns="91440" tIns="45720" rIns="91440" bIns="45720" rtlCol="0" anchor="ctr">
-            <a:normAutofit/>
+          <a:noFill/>
+        </p:spPr>
+        <p:txBody>
+          <a:bodyPr wrap="square" rtlCol="0">
+            <a:spAutoFit/>
           </a:bodyPr>
-          <a:lstStyle>
-            <a:lvl1pPr algn="l" defTabSz="914400" rtl="0" eaLnBrk="1" latinLnBrk="0" hangingPunct="1">
-              <a:lnSpc>
-                <a:spcPct val="90000"/>
-              </a:lnSpc>
-              <a:spcBef>
-                <a:spcPct val="0"/>
-              </a:spcBef>
-              <a:buNone/>
-              <a:defRPr sz="4400" kern="1200">
-                <a:solidFill>
-                  <a:schemeClr val="tx1"/>
-                </a:solidFill>
-                <a:latin typeface="+mj-lt"/>
-                <a:ea typeface="+mj-ea"/>
-                <a:cs typeface="+mj-cs"/>
-              </a:defRPr>
-            </a:lvl1pPr>
-          </a:lstStyle>
-          <a:p>
-            <a:pPr algn="ctr"/>
-            <a:r>
-              <a:rPr lang="en-US" b="1">
+          <a:lstStyle/>
+          <a:p>
+            <a:pPr algn="r"/>
+            <a:r>
+              <a:rPr lang="en-US">
                 <a:solidFill>
                   <a:srgbClr val="002060"/>
                 </a:solidFill>
               </a:rPr>
-              <a:t>Demonstration of fastText over Twitter data</a:t>
-            </a:r>
-            <a:endParaRPr lang="en-US" b="1" dirty="0">
-              <a:solidFill>
-                <a:srgbClr val="002060"/>
-              </a:solidFill>
-            </a:endParaRPr>
+              <a:t>(Lafferty et al., 2001)</a:t>
+            </a:r>
           </a:p>
         </p:txBody>
       </p:sp>
     </p:spTree>
     <p:extLst>
       <p:ext uri="{BB962C8B-B14F-4D97-AF65-F5344CB8AC3E}">
-        <p14:creationId xmlns:p14="http://schemas.microsoft.com/office/powerpoint/2010/main" val="772323711"/>
+        <p14:creationId xmlns:p14="http://schemas.microsoft.com/office/powerpoint/2010/main" val="4233008521"/>
       </p:ext>
     </p:extLst>
   </p:cSld>
@@ -5215,7 +5018,7 @@
           <p:cNvPr id="2" name="Title 1">
             <a:extLst>
               <a:ext uri="{FF2B5EF4-FFF2-40B4-BE49-F238E27FC236}">
-                <a16:creationId xmlns:a16="http://schemas.microsoft.com/office/drawing/2014/main" id="{FECCCB1F-69D0-45C7-9A40-FAC731823900}"/>
+                <a16:creationId xmlns:a16="http://schemas.microsoft.com/office/drawing/2014/main" xmlns="" id="{5F44972C-1277-45AF-857F-5C44DCAA94E2}"/>
               </a:ext>
             </a:extLst>
           </p:cNvPr>
@@ -5226,214 +5029,115 @@
             <p:ph type="title"/>
           </p:nvPr>
         </p:nvSpPr>
-        <p:spPr>
-          <a:xfrm>
-            <a:off x="238506" y="365126"/>
-            <a:ext cx="8771382" cy="1325563"/>
-          </a:xfrm>
-        </p:spPr>
+        <p:spPr/>
         <p:txBody>
           <a:bodyPr/>
           <a:lstStyle/>
           <a:p>
             <a:r>
               <a:rPr lang="en-US"/>
-              <a:t>Powerful Tools Available</a:t>
-            </a:r>
-          </a:p>
-        </p:txBody>
-      </p:sp>
-      <p:pic>
-        <p:nvPicPr>
-          <p:cNvPr id="2050" name="Picture 2" descr="Image result for spacy ner">
-            <a:extLst>
-              <a:ext uri="{FF2B5EF4-FFF2-40B4-BE49-F238E27FC236}">
-                <a16:creationId xmlns:a16="http://schemas.microsoft.com/office/drawing/2014/main" id="{BF8CE563-B98B-4D8B-85DB-9319C6BB3BD6}"/>
-              </a:ext>
-            </a:extLst>
-          </p:cNvPr>
-          <p:cNvPicPr>
-            <a:picLocks noChangeAspect="1" noChangeArrowheads="1"/>
-          </p:cNvPicPr>
+              <a:t>Embedding-based Models</a:t>
+            </a:r>
+          </a:p>
+        </p:txBody>
+      </p:sp>
+      <p:sp>
+        <p:nvSpPr>
+          <p:cNvPr id="3" name="Content Placeholder 2">
+            <a:extLst>
+              <a:ext uri="{FF2B5EF4-FFF2-40B4-BE49-F238E27FC236}">
+                <a16:creationId xmlns:a16="http://schemas.microsoft.com/office/drawing/2014/main" xmlns="" id="{AD4D6E95-FB39-4A81-BE0C-47FCB77127E2}"/>
+              </a:ext>
+            </a:extLst>
+          </p:cNvPr>
+          <p:cNvSpPr>
+            <a:spLocks noGrp="1"/>
+          </p:cNvSpPr>
+          <p:nvPr>
+            <p:ph idx="1"/>
+          </p:nvPr>
+        </p:nvSpPr>
+        <p:spPr>
+          <a:xfrm>
+            <a:off x="4949952" y="1825625"/>
+            <a:ext cx="3565398" cy="4351338"/>
+          </a:xfrm>
+        </p:spPr>
+        <p:txBody>
+          <a:bodyPr/>
+          <a:lstStyle/>
+          <a:p>
+            <a:r>
+              <a:rPr lang="en-US"/>
+              <a:t>Feature engineering was an impediment to training robust and powerful CRFs</a:t>
+            </a:r>
+          </a:p>
+          <a:p>
+            <a:r>
+              <a:rPr lang="en-US"/>
+              <a:t>Recently, word embeddings (and more complex sense-aware variants) have been used to address the problem</a:t>
+            </a:r>
+          </a:p>
+        </p:txBody>
+      </p:sp>
+      <p:sp>
+        <p:nvSpPr>
+          <p:cNvPr id="11" name="TextBox 10">
+            <a:extLst>
+              <a:ext uri="{FF2B5EF4-FFF2-40B4-BE49-F238E27FC236}">
+                <a16:creationId xmlns:a16="http://schemas.microsoft.com/office/drawing/2014/main" xmlns="" id="{035C8D01-6480-45BB-8A5C-D4D82BEB4E5E}"/>
+              </a:ext>
+            </a:extLst>
+          </p:cNvPr>
+          <p:cNvSpPr txBox="1"/>
           <p:nvPr/>
-        </p:nvPicPr>
-        <p:blipFill>
-          <a:blip r:embed="rId2">
-            <a:extLst>
-              <a:ext uri="{28A0092B-C50C-407E-A947-70E740481C1C}">
-                <a14:useLocalDpi xmlns:a14="http://schemas.microsoft.com/office/drawing/2010/main" val="0"/>
-              </a:ext>
-            </a:extLst>
-          </a:blip>
-          <a:srcRect/>
-          <a:stretch>
-            <a:fillRect/>
-          </a:stretch>
-        </p:blipFill>
-        <p:spPr bwMode="auto">
-          <a:xfrm>
-            <a:off x="829056" y="2029447"/>
-            <a:ext cx="3962400" cy="2066330"/>
+        </p:nvSpPr>
+        <p:spPr>
+          <a:xfrm>
+            <a:off x="6475476" y="6484358"/>
+            <a:ext cx="2668524" cy="369332"/>
           </a:xfrm>
           <a:prstGeom prst="rect">
             <a:avLst/>
           </a:prstGeom>
           <a:noFill/>
-          <a:extLst>
-            <a:ext uri="{909E8E84-426E-40DD-AFC4-6F175D3DCCD1}">
-              <a14:hiddenFill xmlns:a14="http://schemas.microsoft.com/office/drawing/2010/main">
+        </p:spPr>
+        <p:txBody>
+          <a:bodyPr wrap="square" rtlCol="0">
+            <a:spAutoFit/>
+          </a:bodyPr>
+          <a:lstStyle/>
+          <a:p>
+            <a:pPr algn="r"/>
+            <a:r>
+              <a:rPr lang="en-US">
                 <a:solidFill>
-                  <a:srgbClr val="FFFFFF"/>
+                  <a:srgbClr val="002060"/>
                 </a:solidFill>
-              </a14:hiddenFill>
-            </a:ext>
-          </a:extLst>
-        </p:spPr>
-      </p:pic>
+              </a:rPr>
+              <a:t>(Mikolov et al., 2013)</a:t>
+            </a:r>
+          </a:p>
+        </p:txBody>
+      </p:sp>
       <p:pic>
         <p:nvPicPr>
-          <p:cNvPr id="7" name="Picture 6">
-            <a:extLst>
-              <a:ext uri="{FF2B5EF4-FFF2-40B4-BE49-F238E27FC236}">
-                <a16:creationId xmlns:a16="http://schemas.microsoft.com/office/drawing/2014/main" id="{C9D1664F-3E2D-44D1-869B-2D54C62EACC8}"/>
-              </a:ext>
-            </a:extLst>
-          </p:cNvPr>
+          <p:cNvPr id="4" name="Picture 3"/>
           <p:cNvPicPr>
             <a:picLocks noChangeAspect="1"/>
           </p:cNvPicPr>
           <p:nvPr/>
         </p:nvPicPr>
         <p:blipFill>
-          <a:blip r:embed="rId3"/>
+          <a:blip r:embed="rId2"/>
           <a:stretch>
             <a:fillRect/>
           </a:stretch>
         </p:blipFill>
         <p:spPr>
           <a:xfrm>
-            <a:off x="4005262" y="4565120"/>
-            <a:ext cx="4090226" cy="2130600"/>
-          </a:xfrm>
-          <a:prstGeom prst="rect">
-            <a:avLst/>
-          </a:prstGeom>
-        </p:spPr>
-      </p:pic>
-      <p:pic>
-        <p:nvPicPr>
-          <p:cNvPr id="8" name="Picture 7">
-            <a:extLst>
-              <a:ext uri="{FF2B5EF4-FFF2-40B4-BE49-F238E27FC236}">
-                <a16:creationId xmlns:a16="http://schemas.microsoft.com/office/drawing/2014/main" id="{7DEDEEDD-DFDA-43E7-BDEF-132D6284F67E}"/>
-              </a:ext>
-            </a:extLst>
-          </p:cNvPr>
-          <p:cNvPicPr>
-            <a:picLocks noChangeAspect="1"/>
-          </p:cNvPicPr>
-          <p:nvPr/>
-        </p:nvPicPr>
-        <p:blipFill>
-          <a:blip r:embed="rId4"/>
-          <a:stretch>
-            <a:fillRect/>
-          </a:stretch>
-        </p:blipFill>
-        <p:spPr>
-          <a:xfrm>
-            <a:off x="505968" y="3730017"/>
-            <a:ext cx="3284692" cy="2463519"/>
-          </a:xfrm>
-          <a:prstGeom prst="rect">
-            <a:avLst/>
-          </a:prstGeom>
-        </p:spPr>
-      </p:pic>
-      <p:pic>
-        <p:nvPicPr>
-          <p:cNvPr id="9" name="Picture 8">
-            <a:extLst>
-              <a:ext uri="{FF2B5EF4-FFF2-40B4-BE49-F238E27FC236}">
-                <a16:creationId xmlns:a16="http://schemas.microsoft.com/office/drawing/2014/main" id="{5BF4D1C3-2098-4FA9-9AE9-B6310FFD0382}"/>
-              </a:ext>
-            </a:extLst>
-          </p:cNvPr>
-          <p:cNvPicPr>
-            <a:picLocks noChangeAspect="1"/>
-          </p:cNvPicPr>
-          <p:nvPr/>
-        </p:nvPicPr>
-        <p:blipFill>
-          <a:blip r:embed="rId5"/>
-          <a:stretch>
-            <a:fillRect/>
-          </a:stretch>
-        </p:blipFill>
-        <p:spPr>
-          <a:xfrm>
-            <a:off x="4274112" y="2602471"/>
-            <a:ext cx="1757118" cy="1757118"/>
-          </a:xfrm>
-          <a:prstGeom prst="rect">
-            <a:avLst/>
-          </a:prstGeom>
-        </p:spPr>
-      </p:pic>
-      <p:pic>
-        <p:nvPicPr>
-          <p:cNvPr id="10" name="Picture 9">
-            <a:extLst>
-              <a:ext uri="{FF2B5EF4-FFF2-40B4-BE49-F238E27FC236}">
-                <a16:creationId xmlns:a16="http://schemas.microsoft.com/office/drawing/2014/main" id="{F6D94560-CDCC-433E-9834-5916B450239B}"/>
-              </a:ext>
-            </a:extLst>
-          </p:cNvPr>
-          <p:cNvPicPr>
-            <a:picLocks noChangeAspect="1"/>
-          </p:cNvPicPr>
-          <p:nvPr/>
-        </p:nvPicPr>
-        <p:blipFill>
-          <a:blip r:embed="rId6"/>
-          <a:stretch>
-            <a:fillRect/>
-          </a:stretch>
-        </p:blipFill>
-        <p:spPr>
-          <a:xfrm>
-            <a:off x="6567678" y="3299670"/>
-            <a:ext cx="2442210" cy="1059919"/>
-          </a:xfrm>
-          <a:prstGeom prst="rect">
-            <a:avLst/>
-          </a:prstGeom>
-        </p:spPr>
-      </p:pic>
-      <p:pic>
-        <p:nvPicPr>
-          <p:cNvPr id="11" name="Picture 10">
-            <a:extLst>
-              <a:ext uri="{FF2B5EF4-FFF2-40B4-BE49-F238E27FC236}">
-                <a16:creationId xmlns:a16="http://schemas.microsoft.com/office/drawing/2014/main" id="{CBF3A1EB-BA6B-484A-AA20-176F12D326FF}"/>
-              </a:ext>
-            </a:extLst>
-          </p:cNvPr>
-          <p:cNvPicPr>
-            <a:picLocks noChangeAspect="1"/>
-          </p:cNvPicPr>
-          <p:nvPr/>
-        </p:nvPicPr>
-        <p:blipFill>
-          <a:blip r:embed="rId7"/>
-          <a:stretch>
-            <a:fillRect/>
-          </a:stretch>
-        </p:blipFill>
-        <p:spPr>
-          <a:xfrm>
-            <a:off x="5903770" y="1342696"/>
-            <a:ext cx="3106118" cy="1619960"/>
+            <a:off x="97579" y="1825625"/>
+            <a:ext cx="4979856" cy="4525718"/>
           </a:xfrm>
           <a:prstGeom prst="rect">
             <a:avLst/>
@@ -5443,7 +5147,7 @@
     </p:spTree>
     <p:extLst>
       <p:ext uri="{BB962C8B-B14F-4D97-AF65-F5344CB8AC3E}">
-        <p14:creationId xmlns:p14="http://schemas.microsoft.com/office/powerpoint/2010/main" val="3794578787"/>
+        <p14:creationId xmlns:p14="http://schemas.microsoft.com/office/powerpoint/2010/main" val="3764569061"/>
       </p:ext>
     </p:extLst>
   </p:cSld>
@@ -5475,7 +5179,7 @@
           <p:cNvPr id="2" name="Title 1">
             <a:extLst>
               <a:ext uri="{FF2B5EF4-FFF2-40B4-BE49-F238E27FC236}">
-                <a16:creationId xmlns:a16="http://schemas.microsoft.com/office/drawing/2014/main" id="{FECCCB1F-69D0-45C7-9A40-FAC731823900}"/>
+                <a16:creationId xmlns:a16="http://schemas.microsoft.com/office/drawing/2014/main" xmlns="" id="{5F44972C-1277-45AF-857F-5C44DCAA94E2}"/>
               </a:ext>
             </a:extLst>
           </p:cNvPr>
@@ -5486,76 +5190,187 @@
             <p:ph type="title"/>
           </p:nvPr>
         </p:nvSpPr>
-        <p:spPr>
-          <a:xfrm>
-            <a:off x="238506" y="365126"/>
-            <a:ext cx="8771382" cy="1325563"/>
-          </a:xfrm>
-        </p:spPr>
+        <p:spPr/>
         <p:txBody>
           <a:bodyPr/>
           <a:lstStyle/>
           <a:p>
             <a:r>
               <a:rPr lang="en-US"/>
-              <a:t>Powerful Tools Available</a:t>
+              <a:t>Embedding-based Models</a:t>
+            </a:r>
+          </a:p>
+        </p:txBody>
+      </p:sp>
+      <p:sp>
+        <p:nvSpPr>
+          <p:cNvPr id="3" name="Content Placeholder 2">
+            <a:extLst>
+              <a:ext uri="{FF2B5EF4-FFF2-40B4-BE49-F238E27FC236}">
+                <a16:creationId xmlns:a16="http://schemas.microsoft.com/office/drawing/2014/main" xmlns="" id="{AD4D6E95-FB39-4A81-BE0C-47FCB77127E2}"/>
+              </a:ext>
+            </a:extLst>
+          </p:cNvPr>
+          <p:cNvSpPr>
+            <a:spLocks noGrp="1"/>
+          </p:cNvSpPr>
+          <p:nvPr>
+            <p:ph idx="1"/>
+          </p:nvPr>
+        </p:nvSpPr>
+        <p:spPr>
+          <a:xfrm>
+            <a:off x="4949952" y="1825625"/>
+            <a:ext cx="3565398" cy="4351338"/>
+          </a:xfrm>
+        </p:spPr>
+        <p:txBody>
+          <a:bodyPr/>
+          <a:lstStyle/>
+          <a:p>
+            <a:r>
+              <a:rPr lang="en-US"/>
+              <a:t>Feature engineering was an impediment to training robust and powerful CRFs</a:t>
+            </a:r>
+          </a:p>
+          <a:p>
+            <a:r>
+              <a:rPr lang="en-US"/>
+              <a:t>Recently, word embeddings (and more complex </a:t>
+            </a:r>
+            <a:r>
+              <a:rPr lang="en-US">
+                <a:solidFill>
+                  <a:srgbClr val="FF0000"/>
+                </a:solidFill>
+              </a:rPr>
+              <a:t>sense-awar</a:t>
+            </a:r>
+            <a:r>
+              <a:rPr lang="en-US"/>
+              <a:t>e variants) have been used to address the problem</a:t>
             </a:r>
           </a:p>
         </p:txBody>
       </p:sp>
       <p:pic>
         <p:nvPicPr>
-          <p:cNvPr id="2050" name="Picture 2" descr="Image result for spacy ner">
-            <a:extLst>
-              <a:ext uri="{FF2B5EF4-FFF2-40B4-BE49-F238E27FC236}">
-                <a16:creationId xmlns:a16="http://schemas.microsoft.com/office/drawing/2014/main" id="{BF8CE563-B98B-4D8B-85DB-9319C6BB3BD6}"/>
+          <p:cNvPr id="5" name="Picture 4">
+            <a:extLst>
+              <a:ext uri="{FF2B5EF4-FFF2-40B4-BE49-F238E27FC236}">
+                <a16:creationId xmlns:a16="http://schemas.microsoft.com/office/drawing/2014/main" xmlns="" id="{E31F759C-413A-4273-876B-1CA3A9286686}"/>
               </a:ext>
             </a:extLst>
           </p:cNvPr>
           <p:cNvPicPr>
-            <a:picLocks noChangeAspect="1" noChangeArrowheads="1"/>
+            <a:picLocks noChangeAspect="1"/>
           </p:cNvPicPr>
           <p:nvPr/>
         </p:nvPicPr>
         <p:blipFill>
-          <a:blip r:embed="rId2">
-            <a:extLst>
-              <a:ext uri="{28A0092B-C50C-407E-A947-70E740481C1C}">
-                <a14:useLocalDpi xmlns:a14="http://schemas.microsoft.com/office/drawing/2010/main" val="0"/>
-              </a:ext>
-            </a:extLst>
-          </a:blip>
-          <a:srcRect/>
+          <a:blip r:embed="rId2"/>
           <a:stretch>
             <a:fillRect/>
           </a:stretch>
         </p:blipFill>
-        <p:spPr bwMode="auto">
-          <a:xfrm>
-            <a:off x="829056" y="2029447"/>
-            <a:ext cx="3962400" cy="2066330"/>
+        <p:spPr>
+          <a:xfrm>
+            <a:off x="987932" y="1945005"/>
+            <a:ext cx="1682115" cy="1437444"/>
           </a:xfrm>
           <a:prstGeom prst="rect">
             <a:avLst/>
           </a:prstGeom>
-          <a:noFill/>
-          <a:extLst>
-            <a:ext uri="{909E8E84-426E-40DD-AFC4-6F175D3DCCD1}">
-              <a14:hiddenFill xmlns:a14="http://schemas.microsoft.com/office/drawing/2010/main">
-                <a:solidFill>
-                  <a:srgbClr val="FFFFFF"/>
-                </a:solidFill>
-              </a14:hiddenFill>
-            </a:ext>
-          </a:extLst>
         </p:spPr>
       </p:pic>
+      <p:cxnSp>
+        <p:nvCxnSpPr>
+          <p:cNvPr id="7" name="Straight Arrow Connector 6">
+            <a:extLst>
+              <a:ext uri="{FF2B5EF4-FFF2-40B4-BE49-F238E27FC236}">
+                <a16:creationId xmlns:a16="http://schemas.microsoft.com/office/drawing/2014/main" xmlns="" id="{482D490B-F863-49BB-82B1-21ED41AC47F8}"/>
+              </a:ext>
+            </a:extLst>
+          </p:cNvPr>
+          <p:cNvCxnSpPr>
+            <a:cxnSpLocks/>
+          </p:cNvCxnSpPr>
+          <p:nvPr/>
+        </p:nvCxnSpPr>
+        <p:spPr>
+          <a:xfrm flipV="1">
+            <a:off x="628650" y="1566669"/>
+            <a:ext cx="0" cy="4231956"/>
+          </a:xfrm>
+          <a:prstGeom prst="straightConnector1">
+            <a:avLst/>
+          </a:prstGeom>
+          <a:ln>
+            <a:tailEnd type="triangle"/>
+          </a:ln>
+        </p:spPr>
+        <p:style>
+          <a:lnRef idx="1">
+            <a:schemeClr val="accent1"/>
+          </a:lnRef>
+          <a:fillRef idx="0">
+            <a:schemeClr val="accent1"/>
+          </a:fillRef>
+          <a:effectRef idx="0">
+            <a:schemeClr val="accent1"/>
+          </a:effectRef>
+          <a:fontRef idx="minor">
+            <a:schemeClr val="tx1"/>
+          </a:fontRef>
+        </p:style>
+      </p:cxnSp>
+      <p:cxnSp>
+        <p:nvCxnSpPr>
+          <p:cNvPr id="9" name="Straight Arrow Connector 8">
+            <a:extLst>
+              <a:ext uri="{FF2B5EF4-FFF2-40B4-BE49-F238E27FC236}">
+                <a16:creationId xmlns:a16="http://schemas.microsoft.com/office/drawing/2014/main" xmlns="" id="{188D38CF-57BF-4AE7-A5CD-D7AB3F163338}"/>
+              </a:ext>
+            </a:extLst>
+          </p:cNvPr>
+          <p:cNvCxnSpPr>
+            <a:cxnSpLocks/>
+          </p:cNvCxnSpPr>
+          <p:nvPr/>
+        </p:nvCxnSpPr>
+        <p:spPr>
+          <a:xfrm>
+            <a:off x="628650" y="5796785"/>
+            <a:ext cx="4321302" cy="0"/>
+          </a:xfrm>
+          <a:prstGeom prst="straightConnector1">
+            <a:avLst/>
+          </a:prstGeom>
+          <a:ln>
+            <a:tailEnd type="triangle"/>
+          </a:ln>
+        </p:spPr>
+        <p:style>
+          <a:lnRef idx="1">
+            <a:schemeClr val="accent1"/>
+          </a:lnRef>
+          <a:fillRef idx="0">
+            <a:schemeClr val="accent1"/>
+          </a:fillRef>
+          <a:effectRef idx="0">
+            <a:schemeClr val="accent1"/>
+          </a:effectRef>
+          <a:fontRef idx="minor">
+            <a:schemeClr val="tx1"/>
+          </a:fontRef>
+        </p:style>
+      </p:cxnSp>
       <p:pic>
         <p:nvPicPr>
-          <p:cNvPr id="7" name="Picture 6">
-            <a:extLst>
-              <a:ext uri="{FF2B5EF4-FFF2-40B4-BE49-F238E27FC236}">
-                <a16:creationId xmlns:a16="http://schemas.microsoft.com/office/drawing/2014/main" id="{C9D1664F-3E2D-44D1-869B-2D54C62EACC8}"/>
+          <p:cNvPr id="19" name="Picture 18">
+            <a:extLst>
+              <a:ext uri="{FF2B5EF4-FFF2-40B4-BE49-F238E27FC236}">
+                <a16:creationId xmlns:a16="http://schemas.microsoft.com/office/drawing/2014/main" xmlns="" id="{0D7BFADC-AEDA-4227-BD9E-21855850E785}"/>
               </a:ext>
             </a:extLst>
           </p:cNvPr>
@@ -5572,8 +5387,8 @@
         </p:blipFill>
         <p:spPr>
           <a:xfrm>
-            <a:off x="4005262" y="4565120"/>
-            <a:ext cx="4090226" cy="2130600"/>
+            <a:off x="2665297" y="2386678"/>
+            <a:ext cx="2284655" cy="1557719"/>
           </a:xfrm>
           <a:prstGeom prst="rect">
             <a:avLst/>
@@ -5582,10 +5397,10 @@
       </p:pic>
       <p:pic>
         <p:nvPicPr>
-          <p:cNvPr id="8" name="Picture 7">
-            <a:extLst>
-              <a:ext uri="{FF2B5EF4-FFF2-40B4-BE49-F238E27FC236}">
-                <a16:creationId xmlns:a16="http://schemas.microsoft.com/office/drawing/2014/main" id="{7DEDEEDD-DFDA-43E7-BDEF-132D6284F67E}"/>
+          <p:cNvPr id="18" name="Picture 17">
+            <a:extLst>
+              <a:ext uri="{FF2B5EF4-FFF2-40B4-BE49-F238E27FC236}">
+                <a16:creationId xmlns:a16="http://schemas.microsoft.com/office/drawing/2014/main" xmlns="" id="{F17571D6-AE91-4354-BED2-D90B6DFEE185}"/>
               </a:ext>
             </a:extLst>
           </p:cNvPr>
@@ -5602,8 +5417,8 @@
         </p:blipFill>
         <p:spPr>
           <a:xfrm>
-            <a:off x="505968" y="3730017"/>
-            <a:ext cx="3284692" cy="2463519"/>
+            <a:off x="2401823" y="3876670"/>
+            <a:ext cx="2109217" cy="1920115"/>
           </a:xfrm>
           <a:prstGeom prst="rect">
             <a:avLst/>
@@ -5612,10 +5427,10 @@
       </p:pic>
       <p:pic>
         <p:nvPicPr>
-          <p:cNvPr id="9" name="Picture 8">
-            <a:extLst>
-              <a:ext uri="{FF2B5EF4-FFF2-40B4-BE49-F238E27FC236}">
-                <a16:creationId xmlns:a16="http://schemas.microsoft.com/office/drawing/2014/main" id="{5BF4D1C3-2098-4FA9-9AE9-B6310FFD0382}"/>
+          <p:cNvPr id="20" name="Picture 19">
+            <a:extLst>
+              <a:ext uri="{FF2B5EF4-FFF2-40B4-BE49-F238E27FC236}">
+                <a16:creationId xmlns:a16="http://schemas.microsoft.com/office/drawing/2014/main" xmlns="" id="{6CFE4D04-D2D0-40F7-BA00-7F0C0CCD624D}"/>
               </a:ext>
             </a:extLst>
           </p:cNvPr>
@@ -5632,8 +5447,8 @@
         </p:blipFill>
         <p:spPr>
           <a:xfrm>
-            <a:off x="4274112" y="2602471"/>
-            <a:ext cx="1757118" cy="1757118"/>
+            <a:off x="987932" y="4246037"/>
+            <a:ext cx="1502474" cy="918989"/>
           </a:xfrm>
           <a:prstGeom prst="rect">
             <a:avLst/>
@@ -5642,10 +5457,10 @@
       </p:pic>
       <p:pic>
         <p:nvPicPr>
-          <p:cNvPr id="10" name="Picture 9">
-            <a:extLst>
-              <a:ext uri="{FF2B5EF4-FFF2-40B4-BE49-F238E27FC236}">
-                <a16:creationId xmlns:a16="http://schemas.microsoft.com/office/drawing/2014/main" id="{F6D94560-CDCC-433E-9834-5916B450239B}"/>
+          <p:cNvPr id="21" name="Picture 20">
+            <a:extLst>
+              <a:ext uri="{FF2B5EF4-FFF2-40B4-BE49-F238E27FC236}">
+                <a16:creationId xmlns:a16="http://schemas.microsoft.com/office/drawing/2014/main" xmlns="" id="{189FF996-CE2C-4DDA-95B7-85B9DFD7CBED}"/>
               </a:ext>
             </a:extLst>
           </p:cNvPr>
@@ -5662,50 +5477,20 @@
         </p:blipFill>
         <p:spPr>
           <a:xfrm>
-            <a:off x="6567678" y="3299670"/>
-            <a:ext cx="2442210" cy="1059919"/>
+            <a:off x="784922" y="3165538"/>
+            <a:ext cx="2056739" cy="869628"/>
           </a:xfrm>
           <a:prstGeom prst="rect">
             <a:avLst/>
           </a:prstGeom>
         </p:spPr>
       </p:pic>
-      <p:pic>
-        <p:nvPicPr>
-          <p:cNvPr id="11" name="Picture 10">
-            <a:extLst>
-              <a:ext uri="{FF2B5EF4-FFF2-40B4-BE49-F238E27FC236}">
-                <a16:creationId xmlns:a16="http://schemas.microsoft.com/office/drawing/2014/main" id="{CBF3A1EB-BA6B-484A-AA20-176F12D326FF}"/>
-              </a:ext>
-            </a:extLst>
-          </p:cNvPr>
-          <p:cNvPicPr>
-            <a:picLocks noChangeAspect="1"/>
-          </p:cNvPicPr>
-          <p:nvPr/>
-        </p:nvPicPr>
-        <p:blipFill>
-          <a:blip r:embed="rId7"/>
-          <a:stretch>
-            <a:fillRect/>
-          </a:stretch>
-        </p:blipFill>
-        <p:spPr>
-          <a:xfrm>
-            <a:off x="5903770" y="1342696"/>
-            <a:ext cx="3106118" cy="1619960"/>
-          </a:xfrm>
-          <a:prstGeom prst="rect">
-            <a:avLst/>
-          </a:prstGeom>
-        </p:spPr>
-      </p:pic>
-      <p:sp>
-        <p:nvSpPr>
-          <p:cNvPr id="12" name="Rectangle 11">
-            <a:extLst>
-              <a:ext uri="{FF2B5EF4-FFF2-40B4-BE49-F238E27FC236}">
-                <a16:creationId xmlns:a16="http://schemas.microsoft.com/office/drawing/2014/main" id="{30DBC704-3387-4A5D-A8E1-6CA6EEB5ADF6}"/>
+      <p:sp>
+        <p:nvSpPr>
+          <p:cNvPr id="11" name="Rectangle 10">
+            <a:extLst>
+              <a:ext uri="{FF2B5EF4-FFF2-40B4-BE49-F238E27FC236}">
+                <a16:creationId xmlns:a16="http://schemas.microsoft.com/office/drawing/2014/main" xmlns="" id="{30DBC704-3387-4A5D-A8E1-6CA6EEB5ADF6}"/>
               </a:ext>
             </a:extLst>
           </p:cNvPr>
@@ -5758,10 +5543,10 @@
       </p:sp>
       <p:sp>
         <p:nvSpPr>
-          <p:cNvPr id="13" name="Title 1">
-            <a:extLst>
-              <a:ext uri="{FF2B5EF4-FFF2-40B4-BE49-F238E27FC236}">
-                <a16:creationId xmlns:a16="http://schemas.microsoft.com/office/drawing/2014/main" id="{95A38355-5A7F-4B61-8049-EB7D4C4B3DC5}"/>
+          <p:cNvPr id="12" name="Title 1">
+            <a:extLst>
+              <a:ext uri="{FF2B5EF4-FFF2-40B4-BE49-F238E27FC236}">
+                <a16:creationId xmlns:a16="http://schemas.microsoft.com/office/drawing/2014/main" xmlns="" id="{95A38355-5A7F-4B61-8049-EB7D4C4B3DC5}"/>
               </a:ext>
             </a:extLst>
           </p:cNvPr>
@@ -5772,8 +5557,8 @@
         </p:nvSpPr>
         <p:spPr>
           <a:xfrm>
-            <a:off x="660399" y="3281046"/>
-            <a:ext cx="7509933" cy="2387600"/>
+            <a:off x="1154811" y="2640948"/>
+            <a:ext cx="6601206" cy="2387600"/>
           </a:xfrm>
           <a:prstGeom prst="rect">
             <a:avLst/>
@@ -5803,15 +5588,16 @@
             </a:lvl1pPr>
           </a:lstStyle>
           <a:p>
-            <a:r>
-              <a:rPr lang="en-US" sz="4000" b="1">
+            <a:pPr algn="ctr"/>
+            <a:r>
+              <a:rPr lang="en-US" b="1">
                 <a:solidFill>
                   <a:srgbClr val="002060"/>
                 </a:solidFill>
               </a:rPr>
-              <a:t>Tools like SpaCy and Stanford NER can work directly with embeddings</a:t>
-            </a:r>
-            <a:endParaRPr lang="en-US" sz="4000" b="1" dirty="0">
+              <a:t>Demonstration of fastText over Twitter data</a:t>
+            </a:r>
+            <a:endParaRPr lang="en-US" b="1" dirty="0">
               <a:solidFill>
                 <a:srgbClr val="002060"/>
               </a:solidFill>
@@ -5822,7 +5608,7 @@
     </p:spTree>
     <p:extLst>
       <p:ext uri="{BB962C8B-B14F-4D97-AF65-F5344CB8AC3E}">
-        <p14:creationId xmlns:p14="http://schemas.microsoft.com/office/powerpoint/2010/main" val="454712633"/>
+        <p14:creationId xmlns:p14="http://schemas.microsoft.com/office/powerpoint/2010/main" val="772323711"/>
       </p:ext>
     </p:extLst>
   </p:cSld>
@@ -5854,7 +5640,7 @@
           <p:cNvPr id="2" name="Title 1">
             <a:extLst>
               <a:ext uri="{FF2B5EF4-FFF2-40B4-BE49-F238E27FC236}">
-                <a16:creationId xmlns:a16="http://schemas.microsoft.com/office/drawing/2014/main" id="{FECCCB1F-69D0-45C7-9A40-FAC731823900}"/>
+                <a16:creationId xmlns:a16="http://schemas.microsoft.com/office/drawing/2014/main" xmlns="" id="{FECCCB1F-69D0-45C7-9A40-FAC731823900}"/>
               </a:ext>
             </a:extLst>
           </p:cNvPr>
@@ -5887,7 +5673,7 @@
           <p:cNvPr id="2050" name="Picture 2" descr="Image result for spacy ner">
             <a:extLst>
               <a:ext uri="{FF2B5EF4-FFF2-40B4-BE49-F238E27FC236}">
-                <a16:creationId xmlns:a16="http://schemas.microsoft.com/office/drawing/2014/main" id="{BF8CE563-B98B-4D8B-85DB-9319C6BB3BD6}"/>
+                <a16:creationId xmlns:a16="http://schemas.microsoft.com/office/drawing/2014/main" xmlns="" id="{BF8CE563-B98B-4D8B-85DB-9319C6BB3BD6}"/>
               </a:ext>
             </a:extLst>
           </p:cNvPr>
@@ -5934,7 +5720,7 @@
           <p:cNvPr id="7" name="Picture 6">
             <a:extLst>
               <a:ext uri="{FF2B5EF4-FFF2-40B4-BE49-F238E27FC236}">
-                <a16:creationId xmlns:a16="http://schemas.microsoft.com/office/drawing/2014/main" id="{C9D1664F-3E2D-44D1-869B-2D54C62EACC8}"/>
+                <a16:creationId xmlns:a16="http://schemas.microsoft.com/office/drawing/2014/main" xmlns="" id="{C9D1664F-3E2D-44D1-869B-2D54C62EACC8}"/>
               </a:ext>
             </a:extLst>
           </p:cNvPr>
@@ -5964,7 +5750,7 @@
           <p:cNvPr id="8" name="Picture 7">
             <a:extLst>
               <a:ext uri="{FF2B5EF4-FFF2-40B4-BE49-F238E27FC236}">
-                <a16:creationId xmlns:a16="http://schemas.microsoft.com/office/drawing/2014/main" id="{7DEDEEDD-DFDA-43E7-BDEF-132D6284F67E}"/>
+                <a16:creationId xmlns:a16="http://schemas.microsoft.com/office/drawing/2014/main" xmlns="" id="{7DEDEEDD-DFDA-43E7-BDEF-132D6284F67E}"/>
               </a:ext>
             </a:extLst>
           </p:cNvPr>
@@ -5994,7 +5780,7 @@
           <p:cNvPr id="9" name="Picture 8">
             <a:extLst>
               <a:ext uri="{FF2B5EF4-FFF2-40B4-BE49-F238E27FC236}">
-                <a16:creationId xmlns:a16="http://schemas.microsoft.com/office/drawing/2014/main" id="{5BF4D1C3-2098-4FA9-9AE9-B6310FFD0382}"/>
+                <a16:creationId xmlns:a16="http://schemas.microsoft.com/office/drawing/2014/main" xmlns="" id="{5BF4D1C3-2098-4FA9-9AE9-B6310FFD0382}"/>
               </a:ext>
             </a:extLst>
           </p:cNvPr>
@@ -6024,7 +5810,7 @@
           <p:cNvPr id="10" name="Picture 9">
             <a:extLst>
               <a:ext uri="{FF2B5EF4-FFF2-40B4-BE49-F238E27FC236}">
-                <a16:creationId xmlns:a16="http://schemas.microsoft.com/office/drawing/2014/main" id="{F6D94560-CDCC-433E-9834-5916B450239B}"/>
+                <a16:creationId xmlns:a16="http://schemas.microsoft.com/office/drawing/2014/main" xmlns="" id="{F6D94560-CDCC-433E-9834-5916B450239B}"/>
               </a:ext>
             </a:extLst>
           </p:cNvPr>
@@ -6054,7 +5840,7 @@
           <p:cNvPr id="11" name="Picture 10">
             <a:extLst>
               <a:ext uri="{FF2B5EF4-FFF2-40B4-BE49-F238E27FC236}">
-                <a16:creationId xmlns:a16="http://schemas.microsoft.com/office/drawing/2014/main" id="{CBF3A1EB-BA6B-484A-AA20-176F12D326FF}"/>
+                <a16:creationId xmlns:a16="http://schemas.microsoft.com/office/drawing/2014/main" xmlns="" id="{CBF3A1EB-BA6B-484A-AA20-176F12D326FF}"/>
               </a:ext>
             </a:extLst>
           </p:cNvPr>
@@ -6079,129 +5865,10 @@
           </a:prstGeom>
         </p:spPr>
       </p:pic>
-      <p:sp>
-        <p:nvSpPr>
-          <p:cNvPr id="12" name="Rectangle 11">
-            <a:extLst>
-              <a:ext uri="{FF2B5EF4-FFF2-40B4-BE49-F238E27FC236}">
-                <a16:creationId xmlns:a16="http://schemas.microsoft.com/office/drawing/2014/main" id="{30DBC704-3387-4A5D-A8E1-6CA6EEB5ADF6}"/>
-              </a:ext>
-            </a:extLst>
-          </p:cNvPr>
-          <p:cNvSpPr/>
-          <p:nvPr/>
-        </p:nvSpPr>
-        <p:spPr>
-          <a:xfrm>
-            <a:off x="182880" y="1450849"/>
-            <a:ext cx="8827008" cy="5035296"/>
-          </a:xfrm>
-          <a:prstGeom prst="rect">
-            <a:avLst/>
-          </a:prstGeom>
-          <a:solidFill>
-            <a:schemeClr val="accent6">
-              <a:lumMod val="40000"/>
-              <a:lumOff val="60000"/>
-              <a:alpha val="93000"/>
-            </a:schemeClr>
-          </a:solidFill>
-          <a:ln>
-            <a:noFill/>
-          </a:ln>
-        </p:spPr>
-        <p:style>
-          <a:lnRef idx="2">
-            <a:schemeClr val="accent1">
-              <a:shade val="50000"/>
-            </a:schemeClr>
-          </a:lnRef>
-          <a:fillRef idx="1">
-            <a:schemeClr val="accent1"/>
-          </a:fillRef>
-          <a:effectRef idx="0">
-            <a:schemeClr val="accent1"/>
-          </a:effectRef>
-          <a:fontRef idx="minor">
-            <a:schemeClr val="lt1"/>
-          </a:fontRef>
-        </p:style>
-        <p:txBody>
-          <a:bodyPr rtlCol="0" anchor="ctr"/>
-          <a:lstStyle/>
-          <a:p>
-            <a:pPr algn="ctr"/>
-            <a:endParaRPr lang="en-US"/>
-          </a:p>
-        </p:txBody>
-      </p:sp>
-      <p:sp>
-        <p:nvSpPr>
-          <p:cNvPr id="13" name="Title 1">
-            <a:extLst>
-              <a:ext uri="{FF2B5EF4-FFF2-40B4-BE49-F238E27FC236}">
-                <a16:creationId xmlns:a16="http://schemas.microsoft.com/office/drawing/2014/main" id="{95A38355-5A7F-4B61-8049-EB7D4C4B3DC5}"/>
-              </a:ext>
-            </a:extLst>
-          </p:cNvPr>
-          <p:cNvSpPr txBox="1">
-            <a:spLocks/>
-          </p:cNvSpPr>
-          <p:nvPr/>
-        </p:nvSpPr>
-        <p:spPr>
-          <a:xfrm>
-            <a:off x="1914144" y="3281046"/>
-            <a:ext cx="5669280" cy="2387600"/>
-          </a:xfrm>
-          <a:prstGeom prst="rect">
-            <a:avLst/>
-          </a:prstGeom>
-        </p:spPr>
-        <p:txBody>
-          <a:bodyPr vert="horz" lIns="91440" tIns="45720" rIns="91440" bIns="45720" rtlCol="0" anchor="ctr">
-            <a:normAutofit/>
-          </a:bodyPr>
-          <a:lstStyle>
-            <a:lvl1pPr algn="l" defTabSz="914400" rtl="0" eaLnBrk="1" latinLnBrk="0" hangingPunct="1">
-              <a:lnSpc>
-                <a:spcPct val="90000"/>
-              </a:lnSpc>
-              <a:spcBef>
-                <a:spcPct val="0"/>
-              </a:spcBef>
-              <a:buNone/>
-              <a:defRPr sz="4400" kern="1200">
-                <a:solidFill>
-                  <a:schemeClr val="tx1"/>
-                </a:solidFill>
-                <a:latin typeface="+mj-lt"/>
-                <a:ea typeface="+mj-ea"/>
-                <a:cs typeface="+mj-cs"/>
-              </a:defRPr>
-            </a:lvl1pPr>
-          </a:lstStyle>
-          <a:p>
-            <a:r>
-              <a:rPr lang="en-US" b="1">
-                <a:solidFill>
-                  <a:srgbClr val="002060"/>
-                </a:solidFill>
-              </a:rPr>
-              <a:t>Demonstration of SpaCy</a:t>
-            </a:r>
-            <a:endParaRPr lang="en-US" b="1" dirty="0">
-              <a:solidFill>
-                <a:srgbClr val="002060"/>
-              </a:solidFill>
-            </a:endParaRPr>
-          </a:p>
-        </p:txBody>
-      </p:sp>
     </p:spTree>
     <p:extLst>
       <p:ext uri="{BB962C8B-B14F-4D97-AF65-F5344CB8AC3E}">
-        <p14:creationId xmlns:p14="http://schemas.microsoft.com/office/powerpoint/2010/main" val="21837528"/>
+        <p14:creationId xmlns:p14="http://schemas.microsoft.com/office/powerpoint/2010/main" val="3794578787"/>
       </p:ext>
     </p:extLst>
   </p:cSld>
@@ -6230,24 +5897,24 @@
       </p:grpSpPr>
       <p:sp>
         <p:nvSpPr>
-          <p:cNvPr id="9" name="Content Placeholder 8">
-            <a:extLst>
-              <a:ext uri="{FF2B5EF4-FFF2-40B4-BE49-F238E27FC236}">
-                <a16:creationId xmlns:a16="http://schemas.microsoft.com/office/drawing/2014/main" id="{B1ED2A46-1714-4043-8859-0515A435A3E5}"/>
-              </a:ext>
-            </a:extLst>
-          </p:cNvPr>
-          <p:cNvSpPr>
-            <a:spLocks noGrp="1"/>
-          </p:cNvSpPr>
-          <p:nvPr>
-            <p:ph idx="1"/>
-          </p:nvPr>
-        </p:nvSpPr>
-        <p:spPr>
-          <a:xfrm>
-            <a:off x="609600" y="1825625"/>
-            <a:ext cx="7886700" cy="4351338"/>
+          <p:cNvPr id="2" name="Title 1">
+            <a:extLst>
+              <a:ext uri="{FF2B5EF4-FFF2-40B4-BE49-F238E27FC236}">
+                <a16:creationId xmlns:a16="http://schemas.microsoft.com/office/drawing/2014/main" xmlns="" id="{FECCCB1F-69D0-45C7-9A40-FAC731823900}"/>
+              </a:ext>
+            </a:extLst>
+          </p:cNvPr>
+          <p:cNvSpPr>
+            <a:spLocks noGrp="1"/>
+          </p:cNvSpPr>
+          <p:nvPr>
+            <p:ph type="title"/>
+          </p:nvPr>
+        </p:nvSpPr>
+        <p:spPr>
+          <a:xfrm>
+            <a:off x="238506" y="365126"/>
+            <a:ext cx="8771382" cy="1325563"/>
           </a:xfrm>
         </p:spPr>
         <p:txBody>
@@ -6255,68 +5922,65 @@
           <a:lstStyle/>
           <a:p>
             <a:r>
-              <a:rPr lang="en-US" b="1"/>
-              <a:t>Example:</a:t>
-            </a:r>
-            <a:r>
-              <a:rPr lang="en-US"/>
-              <a:t> Stanford NER (off-the-shelf) vs. T-SEG (a Twitter-specific NER tool)</a:t>
-            </a:r>
-          </a:p>
-          <a:p>
-            <a:r>
-              <a:rPr lang="en-US"/>
-              <a:t>P, R and F1 below stand for Precision, Recall and F1-Measure resp. </a:t>
-            </a:r>
-          </a:p>
-        </p:txBody>
-      </p:sp>
-      <p:sp>
-        <p:nvSpPr>
-          <p:cNvPr id="10" name="TextBox 9">
-            <a:extLst>
-              <a:ext uri="{FF2B5EF4-FFF2-40B4-BE49-F238E27FC236}">
-                <a16:creationId xmlns:a16="http://schemas.microsoft.com/office/drawing/2014/main" id="{56F30D90-CBA2-46EA-91F2-0573C998920B}"/>
-              </a:ext>
-            </a:extLst>
-          </p:cNvPr>
-          <p:cNvSpPr txBox="1"/>
+              <a:rPr lang="en-US"/>
+              <a:t>Powerful Tools Available</a:t>
+            </a:r>
+          </a:p>
+        </p:txBody>
+      </p:sp>
+      <p:pic>
+        <p:nvPicPr>
+          <p:cNvPr id="2050" name="Picture 2" descr="Image result for spacy ner">
+            <a:extLst>
+              <a:ext uri="{FF2B5EF4-FFF2-40B4-BE49-F238E27FC236}">
+                <a16:creationId xmlns:a16="http://schemas.microsoft.com/office/drawing/2014/main" xmlns="" id="{BF8CE563-B98B-4D8B-85DB-9319C6BB3BD6}"/>
+              </a:ext>
+            </a:extLst>
+          </p:cNvPr>
+          <p:cNvPicPr>
+            <a:picLocks noChangeAspect="1" noChangeArrowheads="1"/>
+          </p:cNvPicPr>
           <p:nvPr/>
-        </p:nvSpPr>
-        <p:spPr>
-          <a:xfrm>
-            <a:off x="6400800" y="6361629"/>
-            <a:ext cx="2668524" cy="369332"/>
+        </p:nvPicPr>
+        <p:blipFill>
+          <a:blip r:embed="rId2">
+            <a:extLst>
+              <a:ext uri="{28A0092B-C50C-407E-A947-70E740481C1C}">
+                <a14:useLocalDpi xmlns:a14="http://schemas.microsoft.com/office/drawing/2010/main" val="0"/>
+              </a:ext>
+            </a:extLst>
+          </a:blip>
+          <a:srcRect/>
+          <a:stretch>
+            <a:fillRect/>
+          </a:stretch>
+        </p:blipFill>
+        <p:spPr bwMode="auto">
+          <a:xfrm>
+            <a:off x="829056" y="2029447"/>
+            <a:ext cx="3962400" cy="2066330"/>
           </a:xfrm>
           <a:prstGeom prst="rect">
             <a:avLst/>
           </a:prstGeom>
           <a:noFill/>
-        </p:spPr>
-        <p:txBody>
-          <a:bodyPr wrap="square" rtlCol="0">
-            <a:spAutoFit/>
-          </a:bodyPr>
-          <a:lstStyle/>
-          <a:p>
-            <a:pPr algn="r"/>
-            <a:r>
-              <a:rPr lang="en-US">
+          <a:extLst>
+            <a:ext uri="{909E8E84-426E-40DD-AFC4-6F175D3DCCD1}">
+              <a14:hiddenFill xmlns:a14="http://schemas.microsoft.com/office/drawing/2010/main">
                 <a:solidFill>
-                  <a:srgbClr val="002060"/>
+                  <a:srgbClr val="FFFFFF"/>
                 </a:solidFill>
-              </a:rPr>
-              <a:t>(Ritter et al., 2011)</a:t>
-            </a:r>
-          </a:p>
-        </p:txBody>
-      </p:sp>
+              </a14:hiddenFill>
+            </a:ext>
+          </a:extLst>
+        </p:spPr>
+      </p:pic>
       <p:pic>
         <p:nvPicPr>
-          <p:cNvPr id="11" name="Picture 10">
-            <a:extLst>
-              <a:ext uri="{FF2B5EF4-FFF2-40B4-BE49-F238E27FC236}">
-                <a16:creationId xmlns:a16="http://schemas.microsoft.com/office/drawing/2014/main" id="{139CD10C-D795-43F9-9BE2-0158C5C25AF2}"/>
+          <p:cNvPr id="7" name="Picture 6">
+            <a:extLst>
+              <a:ext uri="{FF2B5EF4-FFF2-40B4-BE49-F238E27FC236}">
+                <a16:creationId xmlns:a16="http://schemas.microsoft.com/office/drawing/2014/main" xmlns="" id="{C9D1664F-3E2D-44D1-869B-2D54C62EACC8}"/>
               </a:ext>
             </a:extLst>
           </p:cNvPr>
@@ -6326,27 +5990,203 @@
           <p:nvPr/>
         </p:nvPicPr>
         <p:blipFill>
-          <a:blip r:embed="rId2"/>
+          <a:blip r:embed="rId3"/>
           <a:stretch>
             <a:fillRect/>
           </a:stretch>
         </p:blipFill>
         <p:spPr>
           <a:xfrm>
-            <a:off x="1523068" y="3761064"/>
-            <a:ext cx="5910665" cy="2030290"/>
+            <a:off x="4005262" y="4565120"/>
+            <a:ext cx="4090226" cy="2130600"/>
           </a:xfrm>
           <a:prstGeom prst="rect">
             <a:avLst/>
           </a:prstGeom>
         </p:spPr>
       </p:pic>
-      <p:sp>
-        <p:nvSpPr>
-          <p:cNvPr id="7" name="Title 1">
-            <a:extLst>
-              <a:ext uri="{FF2B5EF4-FFF2-40B4-BE49-F238E27FC236}">
-                <a16:creationId xmlns:a16="http://schemas.microsoft.com/office/drawing/2014/main" id="{D6B083CC-4209-47D3-8AFB-A755190E41BB}"/>
+      <p:pic>
+        <p:nvPicPr>
+          <p:cNvPr id="8" name="Picture 7">
+            <a:extLst>
+              <a:ext uri="{FF2B5EF4-FFF2-40B4-BE49-F238E27FC236}">
+                <a16:creationId xmlns:a16="http://schemas.microsoft.com/office/drawing/2014/main" xmlns="" id="{7DEDEEDD-DFDA-43E7-BDEF-132D6284F67E}"/>
+              </a:ext>
+            </a:extLst>
+          </p:cNvPr>
+          <p:cNvPicPr>
+            <a:picLocks noChangeAspect="1"/>
+          </p:cNvPicPr>
+          <p:nvPr/>
+        </p:nvPicPr>
+        <p:blipFill>
+          <a:blip r:embed="rId4"/>
+          <a:stretch>
+            <a:fillRect/>
+          </a:stretch>
+        </p:blipFill>
+        <p:spPr>
+          <a:xfrm>
+            <a:off x="505968" y="3730017"/>
+            <a:ext cx="3284692" cy="2463519"/>
+          </a:xfrm>
+          <a:prstGeom prst="rect">
+            <a:avLst/>
+          </a:prstGeom>
+        </p:spPr>
+      </p:pic>
+      <p:pic>
+        <p:nvPicPr>
+          <p:cNvPr id="9" name="Picture 8">
+            <a:extLst>
+              <a:ext uri="{FF2B5EF4-FFF2-40B4-BE49-F238E27FC236}">
+                <a16:creationId xmlns:a16="http://schemas.microsoft.com/office/drawing/2014/main" xmlns="" id="{5BF4D1C3-2098-4FA9-9AE9-B6310FFD0382}"/>
+              </a:ext>
+            </a:extLst>
+          </p:cNvPr>
+          <p:cNvPicPr>
+            <a:picLocks noChangeAspect="1"/>
+          </p:cNvPicPr>
+          <p:nvPr/>
+        </p:nvPicPr>
+        <p:blipFill>
+          <a:blip r:embed="rId5"/>
+          <a:stretch>
+            <a:fillRect/>
+          </a:stretch>
+        </p:blipFill>
+        <p:spPr>
+          <a:xfrm>
+            <a:off x="4274112" y="2602471"/>
+            <a:ext cx="1757118" cy="1757118"/>
+          </a:xfrm>
+          <a:prstGeom prst="rect">
+            <a:avLst/>
+          </a:prstGeom>
+        </p:spPr>
+      </p:pic>
+      <p:pic>
+        <p:nvPicPr>
+          <p:cNvPr id="10" name="Picture 9">
+            <a:extLst>
+              <a:ext uri="{FF2B5EF4-FFF2-40B4-BE49-F238E27FC236}">
+                <a16:creationId xmlns:a16="http://schemas.microsoft.com/office/drawing/2014/main" xmlns="" id="{F6D94560-CDCC-433E-9834-5916B450239B}"/>
+              </a:ext>
+            </a:extLst>
+          </p:cNvPr>
+          <p:cNvPicPr>
+            <a:picLocks noChangeAspect="1"/>
+          </p:cNvPicPr>
+          <p:nvPr/>
+        </p:nvPicPr>
+        <p:blipFill>
+          <a:blip r:embed="rId6"/>
+          <a:stretch>
+            <a:fillRect/>
+          </a:stretch>
+        </p:blipFill>
+        <p:spPr>
+          <a:xfrm>
+            <a:off x="6567678" y="3299670"/>
+            <a:ext cx="2442210" cy="1059919"/>
+          </a:xfrm>
+          <a:prstGeom prst="rect">
+            <a:avLst/>
+          </a:prstGeom>
+        </p:spPr>
+      </p:pic>
+      <p:pic>
+        <p:nvPicPr>
+          <p:cNvPr id="11" name="Picture 10">
+            <a:extLst>
+              <a:ext uri="{FF2B5EF4-FFF2-40B4-BE49-F238E27FC236}">
+                <a16:creationId xmlns:a16="http://schemas.microsoft.com/office/drawing/2014/main" xmlns="" id="{CBF3A1EB-BA6B-484A-AA20-176F12D326FF}"/>
+              </a:ext>
+            </a:extLst>
+          </p:cNvPr>
+          <p:cNvPicPr>
+            <a:picLocks noChangeAspect="1"/>
+          </p:cNvPicPr>
+          <p:nvPr/>
+        </p:nvPicPr>
+        <p:blipFill>
+          <a:blip r:embed="rId7"/>
+          <a:stretch>
+            <a:fillRect/>
+          </a:stretch>
+        </p:blipFill>
+        <p:spPr>
+          <a:xfrm>
+            <a:off x="5903770" y="1342696"/>
+            <a:ext cx="3106118" cy="1619960"/>
+          </a:xfrm>
+          <a:prstGeom prst="rect">
+            <a:avLst/>
+          </a:prstGeom>
+        </p:spPr>
+      </p:pic>
+      <p:sp>
+        <p:nvSpPr>
+          <p:cNvPr id="12" name="Rectangle 11">
+            <a:extLst>
+              <a:ext uri="{FF2B5EF4-FFF2-40B4-BE49-F238E27FC236}">
+                <a16:creationId xmlns:a16="http://schemas.microsoft.com/office/drawing/2014/main" xmlns="" id="{30DBC704-3387-4A5D-A8E1-6CA6EEB5ADF6}"/>
+              </a:ext>
+            </a:extLst>
+          </p:cNvPr>
+          <p:cNvSpPr/>
+          <p:nvPr/>
+        </p:nvSpPr>
+        <p:spPr>
+          <a:xfrm>
+            <a:off x="182880" y="1450849"/>
+            <a:ext cx="8827008" cy="5035296"/>
+          </a:xfrm>
+          <a:prstGeom prst="rect">
+            <a:avLst/>
+          </a:prstGeom>
+          <a:solidFill>
+            <a:schemeClr val="accent6">
+              <a:lumMod val="40000"/>
+              <a:lumOff val="60000"/>
+              <a:alpha val="93000"/>
+            </a:schemeClr>
+          </a:solidFill>
+          <a:ln>
+            <a:noFill/>
+          </a:ln>
+        </p:spPr>
+        <p:style>
+          <a:lnRef idx="2">
+            <a:schemeClr val="accent1">
+              <a:shade val="50000"/>
+            </a:schemeClr>
+          </a:lnRef>
+          <a:fillRef idx="1">
+            <a:schemeClr val="accent1"/>
+          </a:fillRef>
+          <a:effectRef idx="0">
+            <a:schemeClr val="accent1"/>
+          </a:effectRef>
+          <a:fontRef idx="minor">
+            <a:schemeClr val="lt1"/>
+          </a:fontRef>
+        </p:style>
+        <p:txBody>
+          <a:bodyPr rtlCol="0" anchor="ctr"/>
+          <a:lstStyle/>
+          <a:p>
+            <a:pPr algn="ctr"/>
+            <a:endParaRPr lang="en-US"/>
+          </a:p>
+        </p:txBody>
+      </p:sp>
+      <p:sp>
+        <p:nvSpPr>
+          <p:cNvPr id="13" name="Title 1">
+            <a:extLst>
+              <a:ext uri="{FF2B5EF4-FFF2-40B4-BE49-F238E27FC236}">
+                <a16:creationId xmlns:a16="http://schemas.microsoft.com/office/drawing/2014/main" xmlns="" id="{95A38355-5A7F-4B61-8049-EB7D4C4B3DC5}"/>
               </a:ext>
             </a:extLst>
           </p:cNvPr>
@@ -6357,8 +6197,8 @@
         </p:nvSpPr>
         <p:spPr>
           <a:xfrm>
-            <a:off x="781050" y="517526"/>
-            <a:ext cx="7886700" cy="1325563"/>
+            <a:off x="660399" y="3281046"/>
+            <a:ext cx="7509933" cy="2387600"/>
           </a:xfrm>
           <a:prstGeom prst="rect">
             <a:avLst/>
@@ -6389,16 +6229,25 @@
           </a:lstStyle>
           <a:p>
             <a:r>
-              <a:rPr lang="en-US" sz="4000"/>
-              <a:t>Are Off-the-shelf Tools Good Enough?</a:t>
-            </a:r>
+              <a:rPr lang="en-US" sz="4000" b="1">
+                <a:solidFill>
+                  <a:srgbClr val="002060"/>
+                </a:solidFill>
+              </a:rPr>
+              <a:t>Tools like SpaCy and Stanford NER can work directly with embeddings</a:t>
+            </a:r>
+            <a:endParaRPr lang="en-US" sz="4000" b="1" dirty="0">
+              <a:solidFill>
+                <a:srgbClr val="002060"/>
+              </a:solidFill>
+            </a:endParaRPr>
           </a:p>
         </p:txBody>
       </p:sp>
     </p:spTree>
     <p:extLst>
       <p:ext uri="{BB962C8B-B14F-4D97-AF65-F5344CB8AC3E}">
-        <p14:creationId xmlns:p14="http://schemas.microsoft.com/office/powerpoint/2010/main" val="1753429276"/>
+        <p14:creationId xmlns:p14="http://schemas.microsoft.com/office/powerpoint/2010/main" val="454712633"/>
       </p:ext>
     </p:extLst>
   </p:cSld>
@@ -6430,7 +6279,7 @@
           <p:cNvPr id="2" name="Title 1">
             <a:extLst>
               <a:ext uri="{FF2B5EF4-FFF2-40B4-BE49-F238E27FC236}">
-                <a16:creationId xmlns:a16="http://schemas.microsoft.com/office/drawing/2014/main" id="{D6B083CC-4209-47D3-8AFB-A755190E41BB}"/>
+                <a16:creationId xmlns:a16="http://schemas.microsoft.com/office/drawing/2014/main" xmlns="" id="{FECCCB1F-69D0-45C7-9A40-FAC731823900}"/>
               </a:ext>
             </a:extLst>
           </p:cNvPr>
@@ -6441,40 +6290,10 @@
             <p:ph type="title"/>
           </p:nvPr>
         </p:nvSpPr>
-        <p:spPr/>
-        <p:txBody>
-          <a:bodyPr>
-            <a:normAutofit/>
-          </a:bodyPr>
-          <a:lstStyle/>
-          <a:p>
-            <a:r>
-              <a:rPr lang="en-US" sz="4000"/>
-              <a:t>Are Off-the-shelf Tools Good Enough?</a:t>
-            </a:r>
-          </a:p>
-        </p:txBody>
-      </p:sp>
-      <p:sp>
-        <p:nvSpPr>
-          <p:cNvPr id="9" name="Content Placeholder 8">
-            <a:extLst>
-              <a:ext uri="{FF2B5EF4-FFF2-40B4-BE49-F238E27FC236}">
-                <a16:creationId xmlns:a16="http://schemas.microsoft.com/office/drawing/2014/main" id="{B1ED2A46-1714-4043-8859-0515A435A3E5}"/>
-              </a:ext>
-            </a:extLst>
-          </p:cNvPr>
-          <p:cNvSpPr>
-            <a:spLocks noGrp="1"/>
-          </p:cNvSpPr>
-          <p:nvPr>
-            <p:ph idx="1"/>
-          </p:nvPr>
-        </p:nvSpPr>
-        <p:spPr>
-          <a:xfrm>
-            <a:off x="609600" y="1825625"/>
-            <a:ext cx="7886700" cy="4351338"/>
+        <p:spPr>
+          <a:xfrm>
+            <a:off x="238506" y="365126"/>
+            <a:ext cx="8771382" cy="1325563"/>
           </a:xfrm>
         </p:spPr>
         <p:txBody>
@@ -6483,23 +6302,64 @@
           <a:p>
             <a:r>
               <a:rPr lang="en-US"/>
-              <a:t>Example: Stanford NER (off-the-shelf) vs. T-SEG (a Twitter-specific NER tool)</a:t>
-            </a:r>
-          </a:p>
-          <a:p>
-            <a:r>
-              <a:rPr lang="en-US"/>
-              <a:t>P, R and F1 below stand for Precision, Recall and F1-Measure resp. </a:t>
+              <a:t>Powerful Tools Available</a:t>
             </a:r>
           </a:p>
         </p:txBody>
       </p:sp>
       <p:pic>
         <p:nvPicPr>
-          <p:cNvPr id="11" name="Picture 10">
-            <a:extLst>
-              <a:ext uri="{FF2B5EF4-FFF2-40B4-BE49-F238E27FC236}">
-                <a16:creationId xmlns:a16="http://schemas.microsoft.com/office/drawing/2014/main" id="{139CD10C-D795-43F9-9BE2-0158C5C25AF2}"/>
+          <p:cNvPr id="2050" name="Picture 2" descr="Image result for spacy ner">
+            <a:extLst>
+              <a:ext uri="{FF2B5EF4-FFF2-40B4-BE49-F238E27FC236}">
+                <a16:creationId xmlns:a16="http://schemas.microsoft.com/office/drawing/2014/main" xmlns="" id="{BF8CE563-B98B-4D8B-85DB-9319C6BB3BD6}"/>
+              </a:ext>
+            </a:extLst>
+          </p:cNvPr>
+          <p:cNvPicPr>
+            <a:picLocks noChangeAspect="1" noChangeArrowheads="1"/>
+          </p:cNvPicPr>
+          <p:nvPr/>
+        </p:nvPicPr>
+        <p:blipFill>
+          <a:blip r:embed="rId2">
+            <a:extLst>
+              <a:ext uri="{28A0092B-C50C-407E-A947-70E740481C1C}">
+                <a14:useLocalDpi xmlns:a14="http://schemas.microsoft.com/office/drawing/2010/main" val="0"/>
+              </a:ext>
+            </a:extLst>
+          </a:blip>
+          <a:srcRect/>
+          <a:stretch>
+            <a:fillRect/>
+          </a:stretch>
+        </p:blipFill>
+        <p:spPr bwMode="auto">
+          <a:xfrm>
+            <a:off x="829056" y="2029447"/>
+            <a:ext cx="3962400" cy="2066330"/>
+          </a:xfrm>
+          <a:prstGeom prst="rect">
+            <a:avLst/>
+          </a:prstGeom>
+          <a:noFill/>
+          <a:extLst>
+            <a:ext uri="{909E8E84-426E-40DD-AFC4-6F175D3DCCD1}">
+              <a14:hiddenFill xmlns:a14="http://schemas.microsoft.com/office/drawing/2010/main">
+                <a:solidFill>
+                  <a:srgbClr val="FFFFFF"/>
+                </a:solidFill>
+              </a14:hiddenFill>
+            </a:ext>
+          </a:extLst>
+        </p:spPr>
+      </p:pic>
+      <p:pic>
+        <p:nvPicPr>
+          <p:cNvPr id="7" name="Picture 6">
+            <a:extLst>
+              <a:ext uri="{FF2B5EF4-FFF2-40B4-BE49-F238E27FC236}">
+                <a16:creationId xmlns:a16="http://schemas.microsoft.com/office/drawing/2014/main" xmlns="" id="{C9D1664F-3E2D-44D1-869B-2D54C62EACC8}"/>
               </a:ext>
             </a:extLst>
           </p:cNvPr>
@@ -6516,20 +6376,140 @@
         </p:blipFill>
         <p:spPr>
           <a:xfrm>
-            <a:off x="1006602" y="3473196"/>
-            <a:ext cx="7090456" cy="2435543"/>
+            <a:off x="4005262" y="4565120"/>
+            <a:ext cx="4090226" cy="2130600"/>
           </a:xfrm>
           <a:prstGeom prst="rect">
             <a:avLst/>
           </a:prstGeom>
         </p:spPr>
       </p:pic>
-      <p:sp>
-        <p:nvSpPr>
-          <p:cNvPr id="8" name="Rectangle 7">
-            <a:extLst>
-              <a:ext uri="{FF2B5EF4-FFF2-40B4-BE49-F238E27FC236}">
-                <a16:creationId xmlns:a16="http://schemas.microsoft.com/office/drawing/2014/main" id="{99016647-0CBA-4CDC-A66E-8FCBED8E4481}"/>
+      <p:pic>
+        <p:nvPicPr>
+          <p:cNvPr id="8" name="Picture 7">
+            <a:extLst>
+              <a:ext uri="{FF2B5EF4-FFF2-40B4-BE49-F238E27FC236}">
+                <a16:creationId xmlns:a16="http://schemas.microsoft.com/office/drawing/2014/main" xmlns="" id="{7DEDEEDD-DFDA-43E7-BDEF-132D6284F67E}"/>
+              </a:ext>
+            </a:extLst>
+          </p:cNvPr>
+          <p:cNvPicPr>
+            <a:picLocks noChangeAspect="1"/>
+          </p:cNvPicPr>
+          <p:nvPr/>
+        </p:nvPicPr>
+        <p:blipFill>
+          <a:blip r:embed="rId4"/>
+          <a:stretch>
+            <a:fillRect/>
+          </a:stretch>
+        </p:blipFill>
+        <p:spPr>
+          <a:xfrm>
+            <a:off x="505968" y="3730017"/>
+            <a:ext cx="3284692" cy="2463519"/>
+          </a:xfrm>
+          <a:prstGeom prst="rect">
+            <a:avLst/>
+          </a:prstGeom>
+        </p:spPr>
+      </p:pic>
+      <p:pic>
+        <p:nvPicPr>
+          <p:cNvPr id="9" name="Picture 8">
+            <a:extLst>
+              <a:ext uri="{FF2B5EF4-FFF2-40B4-BE49-F238E27FC236}">
+                <a16:creationId xmlns:a16="http://schemas.microsoft.com/office/drawing/2014/main" xmlns="" id="{5BF4D1C3-2098-4FA9-9AE9-B6310FFD0382}"/>
+              </a:ext>
+            </a:extLst>
+          </p:cNvPr>
+          <p:cNvPicPr>
+            <a:picLocks noChangeAspect="1"/>
+          </p:cNvPicPr>
+          <p:nvPr/>
+        </p:nvPicPr>
+        <p:blipFill>
+          <a:blip r:embed="rId5"/>
+          <a:stretch>
+            <a:fillRect/>
+          </a:stretch>
+        </p:blipFill>
+        <p:spPr>
+          <a:xfrm>
+            <a:off x="4274112" y="2602471"/>
+            <a:ext cx="1757118" cy="1757118"/>
+          </a:xfrm>
+          <a:prstGeom prst="rect">
+            <a:avLst/>
+          </a:prstGeom>
+        </p:spPr>
+      </p:pic>
+      <p:pic>
+        <p:nvPicPr>
+          <p:cNvPr id="10" name="Picture 9">
+            <a:extLst>
+              <a:ext uri="{FF2B5EF4-FFF2-40B4-BE49-F238E27FC236}">
+                <a16:creationId xmlns:a16="http://schemas.microsoft.com/office/drawing/2014/main" xmlns="" id="{F6D94560-CDCC-433E-9834-5916B450239B}"/>
+              </a:ext>
+            </a:extLst>
+          </p:cNvPr>
+          <p:cNvPicPr>
+            <a:picLocks noChangeAspect="1"/>
+          </p:cNvPicPr>
+          <p:nvPr/>
+        </p:nvPicPr>
+        <p:blipFill>
+          <a:blip r:embed="rId6"/>
+          <a:stretch>
+            <a:fillRect/>
+          </a:stretch>
+        </p:blipFill>
+        <p:spPr>
+          <a:xfrm>
+            <a:off x="6567678" y="3299670"/>
+            <a:ext cx="2442210" cy="1059919"/>
+          </a:xfrm>
+          <a:prstGeom prst="rect">
+            <a:avLst/>
+          </a:prstGeom>
+        </p:spPr>
+      </p:pic>
+      <p:pic>
+        <p:nvPicPr>
+          <p:cNvPr id="11" name="Picture 10">
+            <a:extLst>
+              <a:ext uri="{FF2B5EF4-FFF2-40B4-BE49-F238E27FC236}">
+                <a16:creationId xmlns:a16="http://schemas.microsoft.com/office/drawing/2014/main" xmlns="" id="{CBF3A1EB-BA6B-484A-AA20-176F12D326FF}"/>
+              </a:ext>
+            </a:extLst>
+          </p:cNvPr>
+          <p:cNvPicPr>
+            <a:picLocks noChangeAspect="1"/>
+          </p:cNvPicPr>
+          <p:nvPr/>
+        </p:nvPicPr>
+        <p:blipFill>
+          <a:blip r:embed="rId7"/>
+          <a:stretch>
+            <a:fillRect/>
+          </a:stretch>
+        </p:blipFill>
+        <p:spPr>
+          <a:xfrm>
+            <a:off x="5903770" y="1342696"/>
+            <a:ext cx="3106118" cy="1619960"/>
+          </a:xfrm>
+          <a:prstGeom prst="rect">
+            <a:avLst/>
+          </a:prstGeom>
+        </p:spPr>
+      </p:pic>
+      <p:sp>
+        <p:nvSpPr>
+          <p:cNvPr id="12" name="Rectangle 11">
+            <a:extLst>
+              <a:ext uri="{FF2B5EF4-FFF2-40B4-BE49-F238E27FC236}">
+                <a16:creationId xmlns:a16="http://schemas.microsoft.com/office/drawing/2014/main" xmlns="" id="{30DBC704-3387-4A5D-A8E1-6CA6EEB5ADF6}"/>
               </a:ext>
             </a:extLst>
           </p:cNvPr>
@@ -6538,8 +6518,8 @@
         </p:nvSpPr>
         <p:spPr>
           <a:xfrm>
-            <a:off x="304800" y="1690689"/>
-            <a:ext cx="8595360" cy="1930335"/>
+            <a:off x="182880" y="1450849"/>
+            <a:ext cx="8827008" cy="5035296"/>
           </a:xfrm>
           <a:prstGeom prst="rect">
             <a:avLst/>
@@ -6582,178 +6562,71 @@
       </p:sp>
       <p:sp>
         <p:nvSpPr>
-          <p:cNvPr id="4" name="TextBox 3">
-            <a:extLst>
-              <a:ext uri="{FF2B5EF4-FFF2-40B4-BE49-F238E27FC236}">
-                <a16:creationId xmlns:a16="http://schemas.microsoft.com/office/drawing/2014/main" id="{4B33F1C3-6003-4D94-915E-6A63B46DBE1C}"/>
-              </a:ext>
-            </a:extLst>
-          </p:cNvPr>
-          <p:cNvSpPr txBox="1"/>
+          <p:cNvPr id="13" name="Title 1">
+            <a:extLst>
+              <a:ext uri="{FF2B5EF4-FFF2-40B4-BE49-F238E27FC236}">
+                <a16:creationId xmlns:a16="http://schemas.microsoft.com/office/drawing/2014/main" xmlns="" id="{95A38355-5A7F-4B61-8049-EB7D4C4B3DC5}"/>
+              </a:ext>
+            </a:extLst>
+          </p:cNvPr>
+          <p:cNvSpPr txBox="1">
+            <a:spLocks/>
+          </p:cNvSpPr>
           <p:nvPr/>
         </p:nvSpPr>
         <p:spPr>
           <a:xfrm>
-            <a:off x="900685" y="2042602"/>
-            <a:ext cx="7595615" cy="1569660"/>
+            <a:off x="1914144" y="3281046"/>
+            <a:ext cx="5669280" cy="2387600"/>
           </a:xfrm>
           <a:prstGeom prst="rect">
             <a:avLst/>
           </a:prstGeom>
-          <a:noFill/>
-        </p:spPr>
-        <p:txBody>
-          <a:bodyPr wrap="square" rtlCol="0">
-            <a:spAutoFit/>
+        </p:spPr>
+        <p:txBody>
+          <a:bodyPr vert="horz" lIns="91440" tIns="45720" rIns="91440" bIns="45720" rtlCol="0" anchor="ctr">
+            <a:normAutofit/>
           </a:bodyPr>
-          <a:lstStyle/>
-          <a:p>
-            <a:pPr algn="ctr"/>
-            <a:r>
-              <a:rPr lang="en-US" sz="3200"/>
-              <a:t>Training Twitter-specific models and using Twitter-specific features offers significant performance advantages</a:t>
-            </a:r>
-          </a:p>
-        </p:txBody>
-      </p:sp>
-      <p:sp>
-        <p:nvSpPr>
-          <p:cNvPr id="3" name="Oval 2">
-            <a:extLst>
-              <a:ext uri="{FF2B5EF4-FFF2-40B4-BE49-F238E27FC236}">
-                <a16:creationId xmlns:a16="http://schemas.microsoft.com/office/drawing/2014/main" id="{A6AA111D-A7A9-4A20-AA18-6ABD3344B561}"/>
-              </a:ext>
-            </a:extLst>
-          </p:cNvPr>
-          <p:cNvSpPr/>
-          <p:nvPr/>
-        </p:nvSpPr>
-        <p:spPr>
-          <a:xfrm>
-            <a:off x="6693408" y="3473196"/>
-            <a:ext cx="1281730" cy="2574036"/>
-          </a:xfrm>
-          <a:prstGeom prst="ellipse">
-            <a:avLst/>
-          </a:prstGeom>
-          <a:noFill/>
-          <a:ln w="38100">
-            <a:solidFill>
-              <a:srgbClr val="FF0000"/>
-            </a:solidFill>
-          </a:ln>
-        </p:spPr>
-        <p:style>
-          <a:lnRef idx="2">
-            <a:schemeClr val="accent1">
-              <a:shade val="50000"/>
-            </a:schemeClr>
-          </a:lnRef>
-          <a:fillRef idx="1">
-            <a:schemeClr val="accent1"/>
-          </a:fillRef>
-          <a:effectRef idx="0">
-            <a:schemeClr val="accent1"/>
-          </a:effectRef>
-          <a:fontRef idx="minor">
-            <a:schemeClr val="lt1"/>
-          </a:fontRef>
-        </p:style>
-        <p:txBody>
-          <a:bodyPr rtlCol="0" anchor="ctr"/>
-          <a:lstStyle/>
-          <a:p>
-            <a:pPr algn="ctr"/>
-            <a:endParaRPr lang="en-US"/>
-          </a:p>
-        </p:txBody>
-      </p:sp>
-      <p:cxnSp>
-        <p:nvCxnSpPr>
-          <p:cNvPr id="6" name="Straight Arrow Connector 5">
-            <a:extLst>
-              <a:ext uri="{FF2B5EF4-FFF2-40B4-BE49-F238E27FC236}">
-                <a16:creationId xmlns:a16="http://schemas.microsoft.com/office/drawing/2014/main" id="{61BDA680-BA2B-49A7-BB1B-55390EF54BAA}"/>
-              </a:ext>
-            </a:extLst>
-          </p:cNvPr>
-          <p:cNvCxnSpPr/>
-          <p:nvPr/>
-        </p:nvCxnSpPr>
-        <p:spPr>
-          <a:xfrm>
-            <a:off x="4645152" y="3473196"/>
-            <a:ext cx="2170176" cy="428244"/>
-          </a:xfrm>
-          <a:prstGeom prst="straightConnector1">
-            <a:avLst/>
-          </a:prstGeom>
-          <a:ln>
-            <a:solidFill>
-              <a:srgbClr val="FF0000"/>
-            </a:solidFill>
-            <a:tailEnd type="triangle"/>
-          </a:ln>
-        </p:spPr>
-        <p:style>
-          <a:lnRef idx="1">
-            <a:schemeClr val="accent1"/>
-          </a:lnRef>
-          <a:fillRef idx="0">
-            <a:schemeClr val="accent1"/>
-          </a:fillRef>
-          <a:effectRef idx="0">
-            <a:schemeClr val="accent1"/>
-          </a:effectRef>
-          <a:fontRef idx="minor">
-            <a:schemeClr val="tx1"/>
-          </a:fontRef>
-        </p:style>
-      </p:cxnSp>
-      <p:sp>
-        <p:nvSpPr>
-          <p:cNvPr id="12" name="TextBox 11">
-            <a:extLst>
-              <a:ext uri="{FF2B5EF4-FFF2-40B4-BE49-F238E27FC236}">
-                <a16:creationId xmlns:a16="http://schemas.microsoft.com/office/drawing/2014/main" id="{A9662CE1-4096-4132-B041-42E280DDC82E}"/>
-              </a:ext>
-            </a:extLst>
-          </p:cNvPr>
-          <p:cNvSpPr txBox="1"/>
-          <p:nvPr/>
-        </p:nvSpPr>
-        <p:spPr>
-          <a:xfrm>
-            <a:off x="6400800" y="6361629"/>
-            <a:ext cx="2668524" cy="369332"/>
-          </a:xfrm>
-          <a:prstGeom prst="rect">
-            <a:avLst/>
-          </a:prstGeom>
-          <a:noFill/>
-        </p:spPr>
-        <p:txBody>
-          <a:bodyPr wrap="square" rtlCol="0">
-            <a:spAutoFit/>
-          </a:bodyPr>
-          <a:lstStyle/>
-          <a:p>
-            <a:pPr algn="r"/>
-            <a:r>
-              <a:rPr lang="en-US">
+          <a:lstStyle>
+            <a:lvl1pPr algn="l" defTabSz="914400" rtl="0" eaLnBrk="1" latinLnBrk="0" hangingPunct="1">
+              <a:lnSpc>
+                <a:spcPct val="90000"/>
+              </a:lnSpc>
+              <a:spcBef>
+                <a:spcPct val="0"/>
+              </a:spcBef>
+              <a:buNone/>
+              <a:defRPr sz="4400" kern="1200">
+                <a:solidFill>
+                  <a:schemeClr val="tx1"/>
+                </a:solidFill>
+                <a:latin typeface="+mj-lt"/>
+                <a:ea typeface="+mj-ea"/>
+                <a:cs typeface="+mj-cs"/>
+              </a:defRPr>
+            </a:lvl1pPr>
+          </a:lstStyle>
+          <a:p>
+            <a:r>
+              <a:rPr lang="en-US" b="1">
                 <a:solidFill>
                   <a:srgbClr val="002060"/>
                 </a:solidFill>
               </a:rPr>
-              <a:t>(Ritter et al., 2011)</a:t>
-            </a:r>
+              <a:t>Demonstration of SpaCy</a:t>
+            </a:r>
+            <a:endParaRPr lang="en-US" b="1" dirty="0">
+              <a:solidFill>
+                <a:srgbClr val="002060"/>
+              </a:solidFill>
+            </a:endParaRPr>
           </a:p>
         </p:txBody>
       </p:sp>
     </p:spTree>
     <p:extLst>
       <p:ext uri="{BB962C8B-B14F-4D97-AF65-F5344CB8AC3E}">
-        <p14:creationId xmlns:p14="http://schemas.microsoft.com/office/powerpoint/2010/main" val="155772102"/>
+        <p14:creationId xmlns:p14="http://schemas.microsoft.com/office/powerpoint/2010/main" val="21837528"/>
       </p:ext>
     </p:extLst>
   </p:cSld>
@@ -6782,10 +6655,207 @@
       </p:grpSpPr>
       <p:sp>
         <p:nvSpPr>
+          <p:cNvPr id="9" name="Content Placeholder 8">
+            <a:extLst>
+              <a:ext uri="{FF2B5EF4-FFF2-40B4-BE49-F238E27FC236}">
+                <a16:creationId xmlns:a16="http://schemas.microsoft.com/office/drawing/2014/main" xmlns="" id="{B1ED2A46-1714-4043-8859-0515A435A3E5}"/>
+              </a:ext>
+            </a:extLst>
+          </p:cNvPr>
+          <p:cNvSpPr>
+            <a:spLocks noGrp="1"/>
+          </p:cNvSpPr>
+          <p:nvPr>
+            <p:ph idx="1"/>
+          </p:nvPr>
+        </p:nvSpPr>
+        <p:spPr>
+          <a:xfrm>
+            <a:off x="609600" y="1825625"/>
+            <a:ext cx="7886700" cy="4351338"/>
+          </a:xfrm>
+        </p:spPr>
+        <p:txBody>
+          <a:bodyPr/>
+          <a:lstStyle/>
+          <a:p>
+            <a:r>
+              <a:rPr lang="en-US" b="1"/>
+              <a:t>Example:</a:t>
+            </a:r>
+            <a:r>
+              <a:rPr lang="en-US"/>
+              <a:t> Stanford NER (off-the-shelf) vs. T-SEG (a Twitter-specific NER tool)</a:t>
+            </a:r>
+          </a:p>
+          <a:p>
+            <a:r>
+              <a:rPr lang="en-US"/>
+              <a:t>P, R and F1 below stand for Precision, Recall and F1-Measure resp. </a:t>
+            </a:r>
+          </a:p>
+        </p:txBody>
+      </p:sp>
+      <p:sp>
+        <p:nvSpPr>
+          <p:cNvPr id="10" name="TextBox 9">
+            <a:extLst>
+              <a:ext uri="{FF2B5EF4-FFF2-40B4-BE49-F238E27FC236}">
+                <a16:creationId xmlns:a16="http://schemas.microsoft.com/office/drawing/2014/main" xmlns="" id="{56F30D90-CBA2-46EA-91F2-0573C998920B}"/>
+              </a:ext>
+            </a:extLst>
+          </p:cNvPr>
+          <p:cNvSpPr txBox="1"/>
+          <p:nvPr/>
+        </p:nvSpPr>
+        <p:spPr>
+          <a:xfrm>
+            <a:off x="6400800" y="6361629"/>
+            <a:ext cx="2668524" cy="369332"/>
+          </a:xfrm>
+          <a:prstGeom prst="rect">
+            <a:avLst/>
+          </a:prstGeom>
+          <a:noFill/>
+        </p:spPr>
+        <p:txBody>
+          <a:bodyPr wrap="square" rtlCol="0">
+            <a:spAutoFit/>
+          </a:bodyPr>
+          <a:lstStyle/>
+          <a:p>
+            <a:pPr algn="r"/>
+            <a:r>
+              <a:rPr lang="en-US">
+                <a:solidFill>
+                  <a:srgbClr val="002060"/>
+                </a:solidFill>
+              </a:rPr>
+              <a:t>(Ritter et al., 2011)</a:t>
+            </a:r>
+          </a:p>
+        </p:txBody>
+      </p:sp>
+      <p:pic>
+        <p:nvPicPr>
+          <p:cNvPr id="11" name="Picture 10">
+            <a:extLst>
+              <a:ext uri="{FF2B5EF4-FFF2-40B4-BE49-F238E27FC236}">
+                <a16:creationId xmlns:a16="http://schemas.microsoft.com/office/drawing/2014/main" xmlns="" id="{139CD10C-D795-43F9-9BE2-0158C5C25AF2}"/>
+              </a:ext>
+            </a:extLst>
+          </p:cNvPr>
+          <p:cNvPicPr>
+            <a:picLocks noChangeAspect="1"/>
+          </p:cNvPicPr>
+          <p:nvPr/>
+        </p:nvPicPr>
+        <p:blipFill>
+          <a:blip r:embed="rId2"/>
+          <a:stretch>
+            <a:fillRect/>
+          </a:stretch>
+        </p:blipFill>
+        <p:spPr>
+          <a:xfrm>
+            <a:off x="1523068" y="3761064"/>
+            <a:ext cx="5910665" cy="2030290"/>
+          </a:xfrm>
+          <a:prstGeom prst="rect">
+            <a:avLst/>
+          </a:prstGeom>
+        </p:spPr>
+      </p:pic>
+      <p:sp>
+        <p:nvSpPr>
+          <p:cNvPr id="7" name="Title 1">
+            <a:extLst>
+              <a:ext uri="{FF2B5EF4-FFF2-40B4-BE49-F238E27FC236}">
+                <a16:creationId xmlns:a16="http://schemas.microsoft.com/office/drawing/2014/main" xmlns="" id="{D6B083CC-4209-47D3-8AFB-A755190E41BB}"/>
+              </a:ext>
+            </a:extLst>
+          </p:cNvPr>
+          <p:cNvSpPr txBox="1">
+            <a:spLocks/>
+          </p:cNvSpPr>
+          <p:nvPr/>
+        </p:nvSpPr>
+        <p:spPr>
+          <a:xfrm>
+            <a:off x="781050" y="517526"/>
+            <a:ext cx="7886700" cy="1325563"/>
+          </a:xfrm>
+          <a:prstGeom prst="rect">
+            <a:avLst/>
+          </a:prstGeom>
+        </p:spPr>
+        <p:txBody>
+          <a:bodyPr vert="horz" lIns="91440" tIns="45720" rIns="91440" bIns="45720" rtlCol="0" anchor="ctr">
+            <a:normAutofit/>
+          </a:bodyPr>
+          <a:lstStyle>
+            <a:lvl1pPr algn="l" defTabSz="914400" rtl="0" eaLnBrk="1" latinLnBrk="0" hangingPunct="1">
+              <a:lnSpc>
+                <a:spcPct val="90000"/>
+              </a:lnSpc>
+              <a:spcBef>
+                <a:spcPct val="0"/>
+              </a:spcBef>
+              <a:buNone/>
+              <a:defRPr sz="4400" kern="1200">
+                <a:solidFill>
+                  <a:schemeClr val="tx1"/>
+                </a:solidFill>
+                <a:latin typeface="+mj-lt"/>
+                <a:ea typeface="+mj-ea"/>
+                <a:cs typeface="+mj-cs"/>
+              </a:defRPr>
+            </a:lvl1pPr>
+          </a:lstStyle>
+          <a:p>
+            <a:r>
+              <a:rPr lang="en-US" sz="4000"/>
+              <a:t>Are Off-the-shelf Tools Good Enough?</a:t>
+            </a:r>
+          </a:p>
+        </p:txBody>
+      </p:sp>
+    </p:spTree>
+    <p:extLst>
+      <p:ext uri="{BB962C8B-B14F-4D97-AF65-F5344CB8AC3E}">
+        <p14:creationId xmlns:p14="http://schemas.microsoft.com/office/powerpoint/2010/main" val="1753429276"/>
+      </p:ext>
+    </p:extLst>
+  </p:cSld>
+  <p:clrMapOvr>
+    <a:masterClrMapping/>
+  </p:clrMapOvr>
+</p:sld>
+</file>
+
+<file path=ppt/slides/slide17.xml><?xml version="1.0" encoding="utf-8"?>
+<p:sld xmlns:a="http://schemas.openxmlformats.org/drawingml/2006/main" xmlns:r="http://schemas.openxmlformats.org/officeDocument/2006/relationships" xmlns:p="http://schemas.openxmlformats.org/presentationml/2006/main">
+  <p:cSld>
+    <p:spTree>
+      <p:nvGrpSpPr>
+        <p:cNvPr id="1" name=""/>
+        <p:cNvGrpSpPr/>
+        <p:nvPr/>
+      </p:nvGrpSpPr>
+      <p:grpSpPr>
+        <a:xfrm>
+          <a:off x="0" y="0"/>
+          <a:ext cx="0" cy="0"/>
+          <a:chOff x="0" y="0"/>
+          <a:chExt cx="0" cy="0"/>
+        </a:xfrm>
+      </p:grpSpPr>
+      <p:sp>
+        <p:nvSpPr>
           <p:cNvPr id="2" name="Title 1">
             <a:extLst>
               <a:ext uri="{FF2B5EF4-FFF2-40B4-BE49-F238E27FC236}">
-                <a16:creationId xmlns:a16="http://schemas.microsoft.com/office/drawing/2014/main" id="{98EED3C8-49EA-4FD6-AA72-3757D4559438}"/>
+                <a16:creationId xmlns:a16="http://schemas.microsoft.com/office/drawing/2014/main" xmlns="" id="{D6B083CC-4209-47D3-8AFB-A755190E41BB}"/>
               </a:ext>
             </a:extLst>
           </p:cNvPr>
@@ -6798,11 +6868,366 @@
         </p:nvSpPr>
         <p:spPr/>
         <p:txBody>
+          <a:bodyPr>
+            <a:normAutofit/>
+          </a:bodyPr>
+          <a:lstStyle/>
+          <a:p>
+            <a:r>
+              <a:rPr lang="en-US" sz="4000"/>
+              <a:t>Are Off-the-shelf Tools Good Enough?</a:t>
+            </a:r>
+          </a:p>
+        </p:txBody>
+      </p:sp>
+      <p:sp>
+        <p:nvSpPr>
+          <p:cNvPr id="9" name="Content Placeholder 8">
+            <a:extLst>
+              <a:ext uri="{FF2B5EF4-FFF2-40B4-BE49-F238E27FC236}">
+                <a16:creationId xmlns:a16="http://schemas.microsoft.com/office/drawing/2014/main" xmlns="" id="{B1ED2A46-1714-4043-8859-0515A435A3E5}"/>
+              </a:ext>
+            </a:extLst>
+          </p:cNvPr>
+          <p:cNvSpPr>
+            <a:spLocks noGrp="1"/>
+          </p:cNvSpPr>
+          <p:nvPr>
+            <p:ph idx="1"/>
+          </p:nvPr>
+        </p:nvSpPr>
+        <p:spPr>
+          <a:xfrm>
+            <a:off x="609600" y="1825625"/>
+            <a:ext cx="7886700" cy="4351338"/>
+          </a:xfrm>
+        </p:spPr>
+        <p:txBody>
           <a:bodyPr/>
           <a:lstStyle/>
           <a:p>
             <a:r>
               <a:rPr lang="en-US"/>
+              <a:t>Example: Stanford NER (off-the-shelf) vs. T-SEG (a Twitter-specific NER tool)</a:t>
+            </a:r>
+          </a:p>
+          <a:p>
+            <a:r>
+              <a:rPr lang="en-US"/>
+              <a:t>P, R and F1 below stand for Precision, Recall and F1-Measure resp. </a:t>
+            </a:r>
+          </a:p>
+        </p:txBody>
+      </p:sp>
+      <p:pic>
+        <p:nvPicPr>
+          <p:cNvPr id="11" name="Picture 10">
+            <a:extLst>
+              <a:ext uri="{FF2B5EF4-FFF2-40B4-BE49-F238E27FC236}">
+                <a16:creationId xmlns:a16="http://schemas.microsoft.com/office/drawing/2014/main" xmlns="" id="{139CD10C-D795-43F9-9BE2-0158C5C25AF2}"/>
+              </a:ext>
+            </a:extLst>
+          </p:cNvPr>
+          <p:cNvPicPr>
+            <a:picLocks noChangeAspect="1"/>
+          </p:cNvPicPr>
+          <p:nvPr/>
+        </p:nvPicPr>
+        <p:blipFill>
+          <a:blip r:embed="rId3"/>
+          <a:stretch>
+            <a:fillRect/>
+          </a:stretch>
+        </p:blipFill>
+        <p:spPr>
+          <a:xfrm>
+            <a:off x="1006602" y="3473196"/>
+            <a:ext cx="7090456" cy="2435543"/>
+          </a:xfrm>
+          <a:prstGeom prst="rect">
+            <a:avLst/>
+          </a:prstGeom>
+        </p:spPr>
+      </p:pic>
+      <p:sp>
+        <p:nvSpPr>
+          <p:cNvPr id="8" name="Rectangle 7">
+            <a:extLst>
+              <a:ext uri="{FF2B5EF4-FFF2-40B4-BE49-F238E27FC236}">
+                <a16:creationId xmlns:a16="http://schemas.microsoft.com/office/drawing/2014/main" xmlns="" id="{99016647-0CBA-4CDC-A66E-8FCBED8E4481}"/>
+              </a:ext>
+            </a:extLst>
+          </p:cNvPr>
+          <p:cNvSpPr/>
+          <p:nvPr/>
+        </p:nvSpPr>
+        <p:spPr>
+          <a:xfrm>
+            <a:off x="304800" y="1690689"/>
+            <a:ext cx="8595360" cy="1930335"/>
+          </a:xfrm>
+          <a:prstGeom prst="rect">
+            <a:avLst/>
+          </a:prstGeom>
+          <a:solidFill>
+            <a:schemeClr val="accent6">
+              <a:lumMod val="40000"/>
+              <a:lumOff val="60000"/>
+              <a:alpha val="93000"/>
+            </a:schemeClr>
+          </a:solidFill>
+          <a:ln>
+            <a:noFill/>
+          </a:ln>
+        </p:spPr>
+        <p:style>
+          <a:lnRef idx="2">
+            <a:schemeClr val="accent1">
+              <a:shade val="50000"/>
+            </a:schemeClr>
+          </a:lnRef>
+          <a:fillRef idx="1">
+            <a:schemeClr val="accent1"/>
+          </a:fillRef>
+          <a:effectRef idx="0">
+            <a:schemeClr val="accent1"/>
+          </a:effectRef>
+          <a:fontRef idx="minor">
+            <a:schemeClr val="lt1"/>
+          </a:fontRef>
+        </p:style>
+        <p:txBody>
+          <a:bodyPr rtlCol="0" anchor="ctr"/>
+          <a:lstStyle/>
+          <a:p>
+            <a:pPr algn="ctr"/>
+            <a:endParaRPr lang="en-US"/>
+          </a:p>
+        </p:txBody>
+      </p:sp>
+      <p:sp>
+        <p:nvSpPr>
+          <p:cNvPr id="4" name="TextBox 3">
+            <a:extLst>
+              <a:ext uri="{FF2B5EF4-FFF2-40B4-BE49-F238E27FC236}">
+                <a16:creationId xmlns:a16="http://schemas.microsoft.com/office/drawing/2014/main" xmlns="" id="{4B33F1C3-6003-4D94-915E-6A63B46DBE1C}"/>
+              </a:ext>
+            </a:extLst>
+          </p:cNvPr>
+          <p:cNvSpPr txBox="1"/>
+          <p:nvPr/>
+        </p:nvSpPr>
+        <p:spPr>
+          <a:xfrm>
+            <a:off x="900685" y="2042602"/>
+            <a:ext cx="7595615" cy="1569660"/>
+          </a:xfrm>
+          <a:prstGeom prst="rect">
+            <a:avLst/>
+          </a:prstGeom>
+          <a:noFill/>
+        </p:spPr>
+        <p:txBody>
+          <a:bodyPr wrap="square" rtlCol="0">
+            <a:spAutoFit/>
+          </a:bodyPr>
+          <a:lstStyle/>
+          <a:p>
+            <a:pPr algn="ctr"/>
+            <a:r>
+              <a:rPr lang="en-US" sz="3200"/>
+              <a:t>Training Twitter-specific models and using Twitter-specific features offers significant performance advantages</a:t>
+            </a:r>
+          </a:p>
+        </p:txBody>
+      </p:sp>
+      <p:sp>
+        <p:nvSpPr>
+          <p:cNvPr id="3" name="Oval 2">
+            <a:extLst>
+              <a:ext uri="{FF2B5EF4-FFF2-40B4-BE49-F238E27FC236}">
+                <a16:creationId xmlns:a16="http://schemas.microsoft.com/office/drawing/2014/main" xmlns="" id="{A6AA111D-A7A9-4A20-AA18-6ABD3344B561}"/>
+              </a:ext>
+            </a:extLst>
+          </p:cNvPr>
+          <p:cNvSpPr/>
+          <p:nvPr/>
+        </p:nvSpPr>
+        <p:spPr>
+          <a:xfrm>
+            <a:off x="6693408" y="3473196"/>
+            <a:ext cx="1281730" cy="2574036"/>
+          </a:xfrm>
+          <a:prstGeom prst="ellipse">
+            <a:avLst/>
+          </a:prstGeom>
+          <a:noFill/>
+          <a:ln w="38100">
+            <a:solidFill>
+              <a:srgbClr val="FF0000"/>
+            </a:solidFill>
+          </a:ln>
+        </p:spPr>
+        <p:style>
+          <a:lnRef idx="2">
+            <a:schemeClr val="accent1">
+              <a:shade val="50000"/>
+            </a:schemeClr>
+          </a:lnRef>
+          <a:fillRef idx="1">
+            <a:schemeClr val="accent1"/>
+          </a:fillRef>
+          <a:effectRef idx="0">
+            <a:schemeClr val="accent1"/>
+          </a:effectRef>
+          <a:fontRef idx="minor">
+            <a:schemeClr val="lt1"/>
+          </a:fontRef>
+        </p:style>
+        <p:txBody>
+          <a:bodyPr rtlCol="0" anchor="ctr"/>
+          <a:lstStyle/>
+          <a:p>
+            <a:pPr algn="ctr"/>
+            <a:endParaRPr lang="en-US"/>
+          </a:p>
+        </p:txBody>
+      </p:sp>
+      <p:cxnSp>
+        <p:nvCxnSpPr>
+          <p:cNvPr id="6" name="Straight Arrow Connector 5">
+            <a:extLst>
+              <a:ext uri="{FF2B5EF4-FFF2-40B4-BE49-F238E27FC236}">
+                <a16:creationId xmlns:a16="http://schemas.microsoft.com/office/drawing/2014/main" xmlns="" id="{61BDA680-BA2B-49A7-BB1B-55390EF54BAA}"/>
+              </a:ext>
+            </a:extLst>
+          </p:cNvPr>
+          <p:cNvCxnSpPr/>
+          <p:nvPr/>
+        </p:nvCxnSpPr>
+        <p:spPr>
+          <a:xfrm>
+            <a:off x="4645152" y="3473196"/>
+            <a:ext cx="2170176" cy="428244"/>
+          </a:xfrm>
+          <a:prstGeom prst="straightConnector1">
+            <a:avLst/>
+          </a:prstGeom>
+          <a:ln>
+            <a:solidFill>
+              <a:srgbClr val="FF0000"/>
+            </a:solidFill>
+            <a:tailEnd type="triangle"/>
+          </a:ln>
+        </p:spPr>
+        <p:style>
+          <a:lnRef idx="1">
+            <a:schemeClr val="accent1"/>
+          </a:lnRef>
+          <a:fillRef idx="0">
+            <a:schemeClr val="accent1"/>
+          </a:fillRef>
+          <a:effectRef idx="0">
+            <a:schemeClr val="accent1"/>
+          </a:effectRef>
+          <a:fontRef idx="minor">
+            <a:schemeClr val="tx1"/>
+          </a:fontRef>
+        </p:style>
+      </p:cxnSp>
+      <p:sp>
+        <p:nvSpPr>
+          <p:cNvPr id="12" name="TextBox 11">
+            <a:extLst>
+              <a:ext uri="{FF2B5EF4-FFF2-40B4-BE49-F238E27FC236}">
+                <a16:creationId xmlns:a16="http://schemas.microsoft.com/office/drawing/2014/main" xmlns="" id="{A9662CE1-4096-4132-B041-42E280DDC82E}"/>
+              </a:ext>
+            </a:extLst>
+          </p:cNvPr>
+          <p:cNvSpPr txBox="1"/>
+          <p:nvPr/>
+        </p:nvSpPr>
+        <p:spPr>
+          <a:xfrm>
+            <a:off x="6400800" y="6361629"/>
+            <a:ext cx="2668524" cy="369332"/>
+          </a:xfrm>
+          <a:prstGeom prst="rect">
+            <a:avLst/>
+          </a:prstGeom>
+          <a:noFill/>
+        </p:spPr>
+        <p:txBody>
+          <a:bodyPr wrap="square" rtlCol="0">
+            <a:spAutoFit/>
+          </a:bodyPr>
+          <a:lstStyle/>
+          <a:p>
+            <a:pPr algn="r"/>
+            <a:r>
+              <a:rPr lang="en-US">
+                <a:solidFill>
+                  <a:srgbClr val="002060"/>
+                </a:solidFill>
+              </a:rPr>
+              <a:t>(Ritter et al., 2011)</a:t>
+            </a:r>
+          </a:p>
+        </p:txBody>
+      </p:sp>
+    </p:spTree>
+    <p:extLst>
+      <p:ext uri="{BB962C8B-B14F-4D97-AF65-F5344CB8AC3E}">
+        <p14:creationId xmlns:p14="http://schemas.microsoft.com/office/powerpoint/2010/main" val="155772102"/>
+      </p:ext>
+    </p:extLst>
+  </p:cSld>
+  <p:clrMapOvr>
+    <a:masterClrMapping/>
+  </p:clrMapOvr>
+</p:sld>
+</file>
+
+<file path=ppt/slides/slide18.xml><?xml version="1.0" encoding="utf-8"?>
+<p:sld xmlns:a="http://schemas.openxmlformats.org/drawingml/2006/main" xmlns:r="http://schemas.openxmlformats.org/officeDocument/2006/relationships" xmlns:p="http://schemas.openxmlformats.org/presentationml/2006/main">
+  <p:cSld>
+    <p:spTree>
+      <p:nvGrpSpPr>
+        <p:cNvPr id="1" name=""/>
+        <p:cNvGrpSpPr/>
+        <p:nvPr/>
+      </p:nvGrpSpPr>
+      <p:grpSpPr>
+        <a:xfrm>
+          <a:off x="0" y="0"/>
+          <a:ext cx="0" cy="0"/>
+          <a:chOff x="0" y="0"/>
+          <a:chExt cx="0" cy="0"/>
+        </a:xfrm>
+      </p:grpSpPr>
+      <p:sp>
+        <p:nvSpPr>
+          <p:cNvPr id="2" name="Title 1">
+            <a:extLst>
+              <a:ext uri="{FF2B5EF4-FFF2-40B4-BE49-F238E27FC236}">
+                <a16:creationId xmlns:a16="http://schemas.microsoft.com/office/drawing/2014/main" xmlns="" id="{98EED3C8-49EA-4FD6-AA72-3757D4559438}"/>
+              </a:ext>
+            </a:extLst>
+          </p:cNvPr>
+          <p:cNvSpPr>
+            <a:spLocks noGrp="1"/>
+          </p:cNvSpPr>
+          <p:nvPr>
+            <p:ph type="title"/>
+          </p:nvPr>
+        </p:nvSpPr>
+        <p:spPr/>
+        <p:txBody>
+          <a:bodyPr/>
+          <a:lstStyle/>
+          <a:p>
+            <a:r>
+              <a:rPr lang="en-US"/>
               <a:t>Twitter-specific NER Systems</a:t>
             </a:r>
           </a:p>
@@ -6813,7 +7238,7 @@
           <p:cNvPr id="3" name="Content Placeholder 2">
             <a:extLst>
               <a:ext uri="{FF2B5EF4-FFF2-40B4-BE49-F238E27FC236}">
-                <a16:creationId xmlns:a16="http://schemas.microsoft.com/office/drawing/2014/main" id="{CAB91084-3E46-400D-BE22-90BD771E168C}"/>
+                <a16:creationId xmlns:a16="http://schemas.microsoft.com/office/drawing/2014/main" xmlns="" id="{CAB91084-3E46-400D-BE22-90BD771E168C}"/>
               </a:ext>
             </a:extLst>
           </p:cNvPr>
@@ -6866,7 +7291,7 @@
           <p:cNvPr id="5" name="Content Placeholder 2">
             <a:extLst>
               <a:ext uri="{FF2B5EF4-FFF2-40B4-BE49-F238E27FC236}">
-                <a16:creationId xmlns:a16="http://schemas.microsoft.com/office/drawing/2014/main" id="{C4304FCA-E1F7-4952-AD14-0BCA8C5AD477}"/>
+                <a16:creationId xmlns:a16="http://schemas.microsoft.com/office/drawing/2014/main" xmlns="" id="{C4304FCA-E1F7-4952-AD14-0BCA8C5AD477}"/>
               </a:ext>
             </a:extLst>
           </p:cNvPr>
@@ -7080,7 +7505,7 @@
           <p:cNvPr id="6" name="TextBox 5">
             <a:extLst>
               <a:ext uri="{FF2B5EF4-FFF2-40B4-BE49-F238E27FC236}">
-                <a16:creationId xmlns:a16="http://schemas.microsoft.com/office/drawing/2014/main" id="{AC508DBB-8D56-4255-A54A-976A80CEAE97}"/>
+                <a16:creationId xmlns:a16="http://schemas.microsoft.com/office/drawing/2014/main" xmlns="" id="{AC508DBB-8D56-4255-A54A-976A80CEAE97}"/>
               </a:ext>
             </a:extLst>
           </p:cNvPr>
@@ -7119,7 +7544,7 @@
           <p:cNvPr id="7" name="TextBox 6">
             <a:extLst>
               <a:ext uri="{FF2B5EF4-FFF2-40B4-BE49-F238E27FC236}">
-                <a16:creationId xmlns:a16="http://schemas.microsoft.com/office/drawing/2014/main" id="{0DD8D7F7-ADAC-4080-A271-18B84408AA8B}"/>
+                <a16:creationId xmlns:a16="http://schemas.microsoft.com/office/drawing/2014/main" xmlns="" id="{0DD8D7F7-ADAC-4080-A271-18B84408AA8B}"/>
               </a:ext>
             </a:extLst>
           </p:cNvPr>
@@ -7157,349 +7582,6 @@
     <p:extLst>
       <p:ext uri="{BB962C8B-B14F-4D97-AF65-F5344CB8AC3E}">
         <p14:creationId xmlns:p14="http://schemas.microsoft.com/office/powerpoint/2010/main" val="1866214922"/>
-      </p:ext>
-    </p:extLst>
-  </p:cSld>
-  <p:clrMapOvr>
-    <a:masterClrMapping/>
-  </p:clrMapOvr>
-</p:sld>
-</file>
-
-<file path=ppt/slides/slide17.xml><?xml version="1.0" encoding="utf-8"?>
-<p:sld xmlns:a="http://schemas.openxmlformats.org/drawingml/2006/main" xmlns:r="http://schemas.openxmlformats.org/officeDocument/2006/relationships" xmlns:p="http://schemas.openxmlformats.org/presentationml/2006/main">
-  <p:cSld>
-    <p:spTree>
-      <p:nvGrpSpPr>
-        <p:cNvPr id="1" name=""/>
-        <p:cNvGrpSpPr/>
-        <p:nvPr/>
-      </p:nvGrpSpPr>
-      <p:grpSpPr>
-        <a:xfrm>
-          <a:off x="0" y="0"/>
-          <a:ext cx="0" cy="0"/>
-          <a:chOff x="0" y="0"/>
-          <a:chExt cx="0" cy="0"/>
-        </a:xfrm>
-      </p:grpSpPr>
-      <p:sp>
-        <p:nvSpPr>
-          <p:cNvPr id="2" name="Title 1">
-            <a:extLst>
-              <a:ext uri="{FF2B5EF4-FFF2-40B4-BE49-F238E27FC236}">
-                <a16:creationId xmlns:a16="http://schemas.microsoft.com/office/drawing/2014/main" id="{6EA66CEF-80A3-4CFD-A9BB-1C66D281398B}"/>
-              </a:ext>
-            </a:extLst>
-          </p:cNvPr>
-          <p:cNvSpPr>
-            <a:spLocks noGrp="1"/>
-          </p:cNvSpPr>
-          <p:nvPr>
-            <p:ph type="title"/>
-          </p:nvPr>
-        </p:nvSpPr>
-        <p:spPr/>
-        <p:txBody>
-          <a:bodyPr/>
-          <a:lstStyle/>
-          <a:p>
-            <a:r>
-              <a:rPr lang="en-US"/>
-              <a:t>Classic System: T-SEG</a:t>
-            </a:r>
-          </a:p>
-        </p:txBody>
-      </p:sp>
-      <p:sp>
-        <p:nvSpPr>
-          <p:cNvPr id="3" name="Content Placeholder 2">
-            <a:extLst>
-              <a:ext uri="{FF2B5EF4-FFF2-40B4-BE49-F238E27FC236}">
-                <a16:creationId xmlns:a16="http://schemas.microsoft.com/office/drawing/2014/main" id="{BB485482-83E4-4D7B-BC28-ED9C8462CEA9}"/>
-              </a:ext>
-            </a:extLst>
-          </p:cNvPr>
-          <p:cNvSpPr>
-            <a:spLocks noGrp="1"/>
-          </p:cNvSpPr>
-          <p:nvPr>
-            <p:ph idx="1"/>
-          </p:nvPr>
-        </p:nvSpPr>
-        <p:spPr>
-          <a:xfrm>
-            <a:off x="268224" y="1825624"/>
-            <a:ext cx="8825484" cy="4721479"/>
-          </a:xfrm>
-        </p:spPr>
-        <p:txBody>
-          <a:bodyPr>
-            <a:normAutofit fontScale="92500" lnSpcReduction="10000"/>
-          </a:bodyPr>
-          <a:lstStyle/>
-          <a:p>
-            <a:r>
-              <a:rPr lang="en-US"/>
-              <a:t>First system to (arguably) show that Twitter-specific NER far outperforms off-the-shelf state-of-the-art NERs </a:t>
-            </a:r>
-          </a:p>
-          <a:p>
-            <a:r>
-              <a:rPr lang="en-US"/>
-              <a:t>Standard features e.g., POS tags, with some optimized for Twitter</a:t>
-            </a:r>
-          </a:p>
-          <a:p>
-            <a:pPr lvl="1"/>
-            <a:r>
-              <a:rPr lang="en-US"/>
-              <a:t>Twitter-specific features include new tags for hashtags, retweets etc.</a:t>
-            </a:r>
-          </a:p>
-          <a:p>
-            <a:pPr lvl="1"/>
-            <a:r>
-              <a:rPr lang="en-US"/>
-              <a:t>Showed results earlier</a:t>
-            </a:r>
-          </a:p>
-          <a:p>
-            <a:r>
-              <a:rPr lang="en-US"/>
-              <a:t>In-domain training data i.e. </a:t>
-            </a:r>
-            <a:r>
-              <a:rPr lang="en-US" i="1"/>
-              <a:t>actual tweets</a:t>
-            </a:r>
-          </a:p>
-          <a:p>
-            <a:pPr lvl="1"/>
-            <a:r>
-              <a:rPr lang="en-US"/>
-              <a:t>Also used IRC chat data to supplement small training data</a:t>
-            </a:r>
-          </a:p>
-          <a:p>
-            <a:r>
-              <a:rPr lang="en-US"/>
-              <a:t>Used distributional similarity to account for spelling variations, </a:t>
-            </a:r>
-          </a:p>
-          <a:p>
-            <a:pPr lvl="1"/>
-            <a:r>
-              <a:rPr lang="en-US"/>
-              <a:t>Predated similar ‘word embedding’ techniques like fastText by many years (conceptually)!</a:t>
-            </a:r>
-          </a:p>
-          <a:p>
-            <a:pPr lvl="1"/>
-            <a:r>
-              <a:rPr lang="en-US"/>
-              <a:t>Clusters words like ‘tomarrow’, ‘tomm’, ‘tommarow’, ‘tommarrow’</a:t>
-            </a:r>
-          </a:p>
-        </p:txBody>
-      </p:sp>
-      <p:sp>
-        <p:nvSpPr>
-          <p:cNvPr id="5" name="TextBox 4">
-            <a:extLst>
-              <a:ext uri="{FF2B5EF4-FFF2-40B4-BE49-F238E27FC236}">
-                <a16:creationId xmlns:a16="http://schemas.microsoft.com/office/drawing/2014/main" id="{6170541E-0039-47AC-8A76-8ED40D7DA676}"/>
-              </a:ext>
-            </a:extLst>
-          </p:cNvPr>
-          <p:cNvSpPr txBox="1"/>
-          <p:nvPr/>
-        </p:nvSpPr>
-        <p:spPr>
-          <a:xfrm>
-            <a:off x="6425184" y="6468882"/>
-            <a:ext cx="2668524" cy="307777"/>
-          </a:xfrm>
-          <a:prstGeom prst="rect">
-            <a:avLst/>
-          </a:prstGeom>
-          <a:noFill/>
-        </p:spPr>
-        <p:txBody>
-          <a:bodyPr wrap="square" rtlCol="0">
-            <a:spAutoFit/>
-          </a:bodyPr>
-          <a:lstStyle/>
-          <a:p>
-            <a:pPr algn="r"/>
-            <a:r>
-              <a:rPr lang="en-US" sz="1400">
-                <a:solidFill>
-                  <a:srgbClr val="002060"/>
-                </a:solidFill>
-              </a:rPr>
-              <a:t>(Ritter et al., 2011)</a:t>
-            </a:r>
-          </a:p>
-        </p:txBody>
-      </p:sp>
-    </p:spTree>
-    <p:extLst>
-      <p:ext uri="{BB962C8B-B14F-4D97-AF65-F5344CB8AC3E}">
-        <p14:creationId xmlns:p14="http://schemas.microsoft.com/office/powerpoint/2010/main" val="1010299184"/>
-      </p:ext>
-    </p:extLst>
-  </p:cSld>
-  <p:clrMapOvr>
-    <a:masterClrMapping/>
-  </p:clrMapOvr>
-</p:sld>
-</file>
-
-<file path=ppt/slides/slide18.xml><?xml version="1.0" encoding="utf-8"?>
-<p:sld xmlns:a="http://schemas.openxmlformats.org/drawingml/2006/main" xmlns:r="http://schemas.openxmlformats.org/officeDocument/2006/relationships" xmlns:p="http://schemas.openxmlformats.org/presentationml/2006/main">
-  <p:cSld>
-    <p:spTree>
-      <p:nvGrpSpPr>
-        <p:cNvPr id="1" name=""/>
-        <p:cNvGrpSpPr/>
-        <p:nvPr/>
-      </p:nvGrpSpPr>
-      <p:grpSpPr>
-        <a:xfrm>
-          <a:off x="0" y="0"/>
-          <a:ext cx="0" cy="0"/>
-          <a:chOff x="0" y="0"/>
-          <a:chExt cx="0" cy="0"/>
-        </a:xfrm>
-      </p:grpSpPr>
-      <p:sp>
-        <p:nvSpPr>
-          <p:cNvPr id="2" name="Title 1">
-            <a:extLst>
-              <a:ext uri="{FF2B5EF4-FFF2-40B4-BE49-F238E27FC236}">
-                <a16:creationId xmlns:a16="http://schemas.microsoft.com/office/drawing/2014/main" id="{6EA66CEF-80A3-4CFD-A9BB-1C66D281398B}"/>
-              </a:ext>
-            </a:extLst>
-          </p:cNvPr>
-          <p:cNvSpPr>
-            <a:spLocks noGrp="1"/>
-          </p:cNvSpPr>
-          <p:nvPr>
-            <p:ph type="title"/>
-          </p:nvPr>
-        </p:nvSpPr>
-        <p:spPr/>
-        <p:txBody>
-          <a:bodyPr/>
-          <a:lstStyle/>
-          <a:p>
-            <a:r>
-              <a:rPr lang="en-US"/>
-              <a:t>More Recent System: TwitterNER</a:t>
-            </a:r>
-          </a:p>
-        </p:txBody>
-      </p:sp>
-      <p:sp>
-        <p:nvSpPr>
-          <p:cNvPr id="3" name="Content Placeholder 2">
-            <a:extLst>
-              <a:ext uri="{FF2B5EF4-FFF2-40B4-BE49-F238E27FC236}">
-                <a16:creationId xmlns:a16="http://schemas.microsoft.com/office/drawing/2014/main" id="{BB485482-83E4-4D7B-BC28-ED9C8462CEA9}"/>
-              </a:ext>
-            </a:extLst>
-          </p:cNvPr>
-          <p:cNvSpPr>
-            <a:spLocks noGrp="1"/>
-          </p:cNvSpPr>
-          <p:nvPr>
-            <p:ph idx="1"/>
-          </p:nvPr>
-        </p:nvSpPr>
-        <p:spPr/>
-        <p:txBody>
-          <a:bodyPr/>
-          <a:lstStyle/>
-          <a:p>
-            <a:endParaRPr lang="en-US"/>
-          </a:p>
-        </p:txBody>
-      </p:sp>
-      <p:sp>
-        <p:nvSpPr>
-          <p:cNvPr id="5" name="TextBox 4">
-            <a:extLst>
-              <a:ext uri="{FF2B5EF4-FFF2-40B4-BE49-F238E27FC236}">
-                <a16:creationId xmlns:a16="http://schemas.microsoft.com/office/drawing/2014/main" id="{D6BBBBCF-B341-4F96-8E03-7D7F78D47761}"/>
-              </a:ext>
-            </a:extLst>
-          </p:cNvPr>
-          <p:cNvSpPr txBox="1"/>
-          <p:nvPr/>
-        </p:nvSpPr>
-        <p:spPr>
-          <a:xfrm>
-            <a:off x="6107176" y="6471849"/>
-            <a:ext cx="2961132" cy="307777"/>
-          </a:xfrm>
-          <a:prstGeom prst="rect">
-            <a:avLst/>
-          </a:prstGeom>
-          <a:noFill/>
-        </p:spPr>
-        <p:txBody>
-          <a:bodyPr wrap="square" rtlCol="0">
-            <a:spAutoFit/>
-          </a:bodyPr>
-          <a:lstStyle/>
-          <a:p>
-            <a:pPr algn="r"/>
-            <a:r>
-              <a:rPr lang="en-US" sz="1400">
-                <a:solidFill>
-                  <a:srgbClr val="002060"/>
-                </a:solidFill>
-              </a:rPr>
-              <a:t>(Mishra and Diesner, 2013)</a:t>
-            </a:r>
-          </a:p>
-        </p:txBody>
-      </p:sp>
-      <p:pic>
-        <p:nvPicPr>
-          <p:cNvPr id="6" name="Picture 5">
-            <a:extLst>
-              <a:ext uri="{FF2B5EF4-FFF2-40B4-BE49-F238E27FC236}">
-                <a16:creationId xmlns:a16="http://schemas.microsoft.com/office/drawing/2014/main" id="{B2C808EF-D515-4A45-9CCD-07E40B1F20D9}"/>
-              </a:ext>
-            </a:extLst>
-          </p:cNvPr>
-          <p:cNvPicPr>
-            <a:picLocks noChangeAspect="1"/>
-          </p:cNvPicPr>
-          <p:nvPr/>
-        </p:nvPicPr>
-        <p:blipFill>
-          <a:blip r:embed="rId3"/>
-          <a:stretch>
-            <a:fillRect/>
-          </a:stretch>
-        </p:blipFill>
-        <p:spPr>
-          <a:xfrm>
-            <a:off x="304800" y="1588770"/>
-            <a:ext cx="8327136" cy="4684014"/>
-          </a:xfrm>
-          <a:prstGeom prst="rect">
-            <a:avLst/>
-          </a:prstGeom>
-        </p:spPr>
-      </p:pic>
-    </p:spTree>
-    <p:extLst>
-      <p:ext uri="{BB962C8B-B14F-4D97-AF65-F5344CB8AC3E}">
-        <p14:creationId xmlns:p14="http://schemas.microsoft.com/office/powerpoint/2010/main" val="3725798188"/>
       </p:ext>
     </p:extLst>
   </p:cSld>
@@ -7531,7 +7613,7 @@
           <p:cNvPr id="2" name="Title 1">
             <a:extLst>
               <a:ext uri="{FF2B5EF4-FFF2-40B4-BE49-F238E27FC236}">
-                <a16:creationId xmlns:a16="http://schemas.microsoft.com/office/drawing/2014/main" id="{F1EF15B1-1873-4C36-A684-2B8B25594A85}"/>
+                <a16:creationId xmlns:a16="http://schemas.microsoft.com/office/drawing/2014/main" xmlns="" id="{6EA66CEF-80A3-4CFD-A9BB-1C66D281398B}"/>
               </a:ext>
             </a:extLst>
           </p:cNvPr>
@@ -7549,7 +7631,7 @@
           <a:p>
             <a:r>
               <a:rPr lang="en-US"/>
-              <a:t>How to Further Improve?</a:t>
+              <a:t>Classic System: T-SEG</a:t>
             </a:r>
           </a:p>
         </p:txBody>
@@ -7559,7 +7641,7 @@
           <p:cNvPr id="3" name="Content Placeholder 2">
             <a:extLst>
               <a:ext uri="{FF2B5EF4-FFF2-40B4-BE49-F238E27FC236}">
-                <a16:creationId xmlns:a16="http://schemas.microsoft.com/office/drawing/2014/main" id="{2FA6422C-9FED-4D43-9DE4-F348D1C7DD04}"/>
+                <a16:creationId xmlns:a16="http://schemas.microsoft.com/office/drawing/2014/main" xmlns="" id="{BB485482-83E4-4D7B-BC28-ED9C8462CEA9}"/>
               </a:ext>
             </a:extLst>
           </p:cNvPr>
@@ -7572,73 +7654,86 @@
         </p:nvSpPr>
         <p:spPr>
           <a:xfrm>
-            <a:off x="628650" y="1699707"/>
-            <a:ext cx="7886700" cy="1250758"/>
+            <a:off x="268224" y="1825624"/>
+            <a:ext cx="8825484" cy="4721479"/>
           </a:xfrm>
         </p:spPr>
         <p:txBody>
           <a:bodyPr>
-            <a:normAutofit lnSpcReduction="10000"/>
+            <a:normAutofit fontScale="92500" lnSpcReduction="10000"/>
           </a:bodyPr>
           <a:lstStyle/>
           <a:p>
             <a:r>
-              <a:rPr lang="en-US" sz="2000"/>
-              <a:t>Models can be made more precise by treating each entity type (such as locations) individually i.e. train type-specific models</a:t>
-            </a:r>
-          </a:p>
-          <a:p>
-            <a:r>
-              <a:rPr lang="en-US" sz="2000"/>
-              <a:t>In some instances, entities can be </a:t>
-            </a:r>
-            <a:r>
-              <a:rPr lang="en-US" sz="2000" i="1"/>
-              <a:t>inferred</a:t>
-            </a:r>
-            <a:r>
-              <a:rPr lang="en-US" sz="2000"/>
-              <a:t> despite not being explicitly present in the text (e.g., geotagging)</a:t>
-            </a:r>
-          </a:p>
-        </p:txBody>
-      </p:sp>
-      <p:pic>
-        <p:nvPicPr>
-          <p:cNvPr id="5" name="Picture 4">
-            <a:extLst>
-              <a:ext uri="{FF2B5EF4-FFF2-40B4-BE49-F238E27FC236}">
-                <a16:creationId xmlns:a16="http://schemas.microsoft.com/office/drawing/2014/main" id="{81838BC7-3CD4-4E62-A18A-AA14B5C72AA1}"/>
-              </a:ext>
-            </a:extLst>
-          </p:cNvPr>
-          <p:cNvPicPr>
-            <a:picLocks noChangeAspect="1"/>
-          </p:cNvPicPr>
-          <p:nvPr/>
-        </p:nvPicPr>
-        <p:blipFill>
-          <a:blip r:embed="rId2"/>
-          <a:stretch>
-            <a:fillRect/>
-          </a:stretch>
-        </p:blipFill>
-        <p:spPr>
-          <a:xfrm>
-            <a:off x="238506" y="2957467"/>
-            <a:ext cx="6973824" cy="3812884"/>
-          </a:xfrm>
-          <a:prstGeom prst="rect">
-            <a:avLst/>
-          </a:prstGeom>
-        </p:spPr>
-      </p:pic>
-      <p:sp>
-        <p:nvSpPr>
-          <p:cNvPr id="7" name="TextBox 6">
-            <a:extLst>
-              <a:ext uri="{FF2B5EF4-FFF2-40B4-BE49-F238E27FC236}">
-                <a16:creationId xmlns:a16="http://schemas.microsoft.com/office/drawing/2014/main" id="{B68477D6-868B-4AB9-912E-B6282710D329}"/>
+              <a:rPr lang="en-US"/>
+              <a:t>First system to (arguably) show that Twitter-specific NER far outperforms off-the-shelf state-of-the-art NERs </a:t>
+            </a:r>
+          </a:p>
+          <a:p>
+            <a:r>
+              <a:rPr lang="en-US"/>
+              <a:t>Standard features e.g., POS tags, with some optimized for Twitter</a:t>
+            </a:r>
+          </a:p>
+          <a:p>
+            <a:pPr lvl="1"/>
+            <a:r>
+              <a:rPr lang="en-US"/>
+              <a:t>Twitter-specific features include new tags for hashtags, retweets etc.</a:t>
+            </a:r>
+          </a:p>
+          <a:p>
+            <a:pPr lvl="1"/>
+            <a:r>
+              <a:rPr lang="en-US"/>
+              <a:t>Showed results earlier</a:t>
+            </a:r>
+          </a:p>
+          <a:p>
+            <a:r>
+              <a:rPr lang="en-US"/>
+              <a:t>In-domain training data i.e. </a:t>
+            </a:r>
+            <a:r>
+              <a:rPr lang="en-US" i="1"/>
+              <a:t>actual tweets</a:t>
+            </a:r>
+          </a:p>
+          <a:p>
+            <a:pPr lvl="1"/>
+            <a:r>
+              <a:rPr lang="en-US"/>
+              <a:t>Also used IRC chat data to supplement small training data</a:t>
+            </a:r>
+          </a:p>
+          <a:p>
+            <a:r>
+              <a:rPr lang="en-US"/>
+              <a:t>Used distributional similarity to account for spelling variations, </a:t>
+            </a:r>
+          </a:p>
+          <a:p>
+            <a:pPr lvl="1"/>
+            <a:r>
+              <a:rPr lang="en-US"/>
+              <a:t>Predated similar ‘word embedding’ techniques like fastText by many years (conceptually)!</a:t>
+            </a:r>
+          </a:p>
+          <a:p>
+            <a:pPr lvl="1"/>
+            <a:r>
+              <a:rPr lang="en-US"/>
+              <a:t>Clusters words like ‘tomarrow’, ‘tomm’, ‘tommarow’, ‘tommarrow’</a:t>
+            </a:r>
+          </a:p>
+        </p:txBody>
+      </p:sp>
+      <p:sp>
+        <p:nvSpPr>
+          <p:cNvPr id="5" name="TextBox 4">
+            <a:extLst>
+              <a:ext uri="{FF2B5EF4-FFF2-40B4-BE49-F238E27FC236}">
+                <a16:creationId xmlns:a16="http://schemas.microsoft.com/office/drawing/2014/main" xmlns="" id="{6170541E-0039-47AC-8A76-8ED40D7DA676}"/>
               </a:ext>
             </a:extLst>
           </p:cNvPr>
@@ -7647,8 +7742,8 @@
         </p:nvSpPr>
         <p:spPr>
           <a:xfrm>
-            <a:off x="5071872" y="6462574"/>
-            <a:ext cx="4072128" cy="307777"/>
+            <a:off x="6425184" y="6468882"/>
+            <a:ext cx="2668524" cy="307777"/>
           </a:xfrm>
           <a:prstGeom prst="rect">
             <a:avLst/>
@@ -7668,7 +7763,7 @@
                   <a:srgbClr val="002060"/>
                 </a:solidFill>
               </a:rPr>
-              <a:t>(Middleton, Middleton and Modafferi, 2014)</a:t>
+              <a:t>(Ritter et al., 2011)</a:t>
             </a:r>
           </a:p>
         </p:txBody>
@@ -7676,7 +7771,7 @@
     </p:spTree>
     <p:extLst>
       <p:ext uri="{BB962C8B-B14F-4D97-AF65-F5344CB8AC3E}">
-        <p14:creationId xmlns:p14="http://schemas.microsoft.com/office/powerpoint/2010/main" val="4100392418"/>
+        <p14:creationId xmlns:p14="http://schemas.microsoft.com/office/powerpoint/2010/main" val="1010299184"/>
       </p:ext>
     </p:extLst>
   </p:cSld>
@@ -7708,7 +7803,7 @@
           <p:cNvPr id="2" name="Title 1">
             <a:extLst>
               <a:ext uri="{FF2B5EF4-FFF2-40B4-BE49-F238E27FC236}">
-                <a16:creationId xmlns:a16="http://schemas.microsoft.com/office/drawing/2014/main" id="{47E09107-4194-4BB3-9118-E9B9EDF2C558}"/>
+                <a16:creationId xmlns:a16="http://schemas.microsoft.com/office/drawing/2014/main" xmlns="" id="{47E09107-4194-4BB3-9118-E9B9EDF2C558}"/>
               </a:ext>
             </a:extLst>
           </p:cNvPr>
@@ -7726,7 +7821,7 @@
           <a:p>
             <a:r>
               <a:rPr lang="en-US"/>
-              <a:t>Entity Extraction</a:t>
+              <a:t>Named Entity Recognition (NER)</a:t>
             </a:r>
           </a:p>
         </p:txBody>
@@ -7736,7 +7831,7 @@
           <p:cNvPr id="7" name="Content Placeholder 6">
             <a:extLst>
               <a:ext uri="{FF2B5EF4-FFF2-40B4-BE49-F238E27FC236}">
-                <a16:creationId xmlns:a16="http://schemas.microsoft.com/office/drawing/2014/main" id="{55AA5913-BC8F-49AE-83AD-A535765E7CC1}"/>
+                <a16:creationId xmlns:a16="http://schemas.microsoft.com/office/drawing/2014/main" xmlns="" id="{55AA5913-BC8F-49AE-83AD-A535765E7CC1}"/>
               </a:ext>
             </a:extLst>
           </p:cNvPr>
@@ -7761,12 +7856,6 @@
           <a:p>
             <a:r>
               <a:rPr lang="en-US" sz="2400"/>
-              <a:t>More technically known as Named Entity Recognition (NER)</a:t>
-            </a:r>
-          </a:p>
-          <a:p>
-            <a:r>
-              <a:rPr lang="en-US" sz="2400"/>
               <a:t>NER is a classic problem in the NLP literature</a:t>
             </a:r>
           </a:p>
@@ -7784,7 +7873,7 @@
           <p:cNvPr id="3" name="Picture 2">
             <a:extLst>
               <a:ext uri="{FF2B5EF4-FFF2-40B4-BE49-F238E27FC236}">
-                <a16:creationId xmlns:a16="http://schemas.microsoft.com/office/drawing/2014/main" id="{890F1FE2-5119-40AB-8F6D-A56025346D75}"/>
+                <a16:creationId xmlns:a16="http://schemas.microsoft.com/office/drawing/2014/main" xmlns="" id="{890F1FE2-5119-40AB-8F6D-A56025346D75}"/>
               </a:ext>
             </a:extLst>
           </p:cNvPr>
@@ -7814,7 +7903,7 @@
           <p:cNvPr id="8" name="TextBox 7">
             <a:extLst>
               <a:ext uri="{FF2B5EF4-FFF2-40B4-BE49-F238E27FC236}">
-                <a16:creationId xmlns:a16="http://schemas.microsoft.com/office/drawing/2014/main" id="{138EE332-0527-44B9-8D26-43A95831B2A9}"/>
+                <a16:creationId xmlns:a16="http://schemas.microsoft.com/office/drawing/2014/main" xmlns="" id="{138EE332-0527-44B9-8D26-43A95831B2A9}"/>
               </a:ext>
             </a:extLst>
           </p:cNvPr>
@@ -7884,7 +7973,7 @@
           <p:cNvPr id="2" name="Title 1">
             <a:extLst>
               <a:ext uri="{FF2B5EF4-FFF2-40B4-BE49-F238E27FC236}">
-                <a16:creationId xmlns:a16="http://schemas.microsoft.com/office/drawing/2014/main" id="{4B9D2582-8475-4CBA-99BF-EE1B12182165}"/>
+                <a16:creationId xmlns:a16="http://schemas.microsoft.com/office/drawing/2014/main" xmlns="" id="{6EA66CEF-80A3-4CFD-A9BB-1C66D281398B}"/>
               </a:ext>
             </a:extLst>
           </p:cNvPr>
@@ -7895,29 +7984,89 @@
             <p:ph type="title"/>
           </p:nvPr>
         </p:nvSpPr>
-        <p:spPr>
-          <a:xfrm>
-            <a:off x="628650" y="194438"/>
-            <a:ext cx="7886700" cy="1325563"/>
-          </a:xfrm>
-        </p:spPr>
+        <p:spPr/>
         <p:txBody>
           <a:bodyPr/>
           <a:lstStyle/>
           <a:p>
             <a:r>
               <a:rPr lang="en-US"/>
-              <a:t>Example of crisis domain-specific geotagging system</a:t>
+              <a:t>More Recent System: TwitterNER</a:t>
+            </a:r>
+          </a:p>
+        </p:txBody>
+      </p:sp>
+      <p:sp>
+        <p:nvSpPr>
+          <p:cNvPr id="3" name="Content Placeholder 2">
+            <a:extLst>
+              <a:ext uri="{FF2B5EF4-FFF2-40B4-BE49-F238E27FC236}">
+                <a16:creationId xmlns:a16="http://schemas.microsoft.com/office/drawing/2014/main" xmlns="" id="{BB485482-83E4-4D7B-BC28-ED9C8462CEA9}"/>
+              </a:ext>
+            </a:extLst>
+          </p:cNvPr>
+          <p:cNvSpPr>
+            <a:spLocks noGrp="1"/>
+          </p:cNvSpPr>
+          <p:nvPr>
+            <p:ph idx="1"/>
+          </p:nvPr>
+        </p:nvSpPr>
+        <p:spPr/>
+        <p:txBody>
+          <a:bodyPr/>
+          <a:lstStyle/>
+          <a:p>
+            <a:endParaRPr lang="en-US"/>
+          </a:p>
+        </p:txBody>
+      </p:sp>
+      <p:sp>
+        <p:nvSpPr>
+          <p:cNvPr id="5" name="TextBox 4">
+            <a:extLst>
+              <a:ext uri="{FF2B5EF4-FFF2-40B4-BE49-F238E27FC236}">
+                <a16:creationId xmlns:a16="http://schemas.microsoft.com/office/drawing/2014/main" xmlns="" id="{D6BBBBCF-B341-4F96-8E03-7D7F78D47761}"/>
+              </a:ext>
+            </a:extLst>
+          </p:cNvPr>
+          <p:cNvSpPr txBox="1"/>
+          <p:nvPr/>
+        </p:nvSpPr>
+        <p:spPr>
+          <a:xfrm>
+            <a:off x="6107176" y="6471849"/>
+            <a:ext cx="2961132" cy="307777"/>
+          </a:xfrm>
+          <a:prstGeom prst="rect">
+            <a:avLst/>
+          </a:prstGeom>
+          <a:noFill/>
+        </p:spPr>
+        <p:txBody>
+          <a:bodyPr wrap="square" rtlCol="0">
+            <a:spAutoFit/>
+          </a:bodyPr>
+          <a:lstStyle/>
+          <a:p>
+            <a:pPr algn="r"/>
+            <a:r>
+              <a:rPr lang="en-US" sz="1400">
+                <a:solidFill>
+                  <a:srgbClr val="002060"/>
+                </a:solidFill>
+              </a:rPr>
+              <a:t>(Mishra and Diesner, 2013)</a:t>
             </a:r>
           </a:p>
         </p:txBody>
       </p:sp>
       <p:pic>
         <p:nvPicPr>
-          <p:cNvPr id="4" name="Picture 3">
-            <a:extLst>
-              <a:ext uri="{FF2B5EF4-FFF2-40B4-BE49-F238E27FC236}">
-                <a16:creationId xmlns:a16="http://schemas.microsoft.com/office/drawing/2014/main" id="{CE3B137C-E58F-4AC3-8CEF-EC596ECE28A3}"/>
+          <p:cNvPr id="6" name="Picture 5">
+            <a:extLst>
+              <a:ext uri="{FF2B5EF4-FFF2-40B4-BE49-F238E27FC236}">
+                <a16:creationId xmlns:a16="http://schemas.microsoft.com/office/drawing/2014/main" xmlns="" id="{B2C808EF-D515-4A45-9CCD-07E40B1F20D9}"/>
               </a:ext>
             </a:extLst>
           </p:cNvPr>
@@ -7927,234 +8076,25 @@
           <p:nvPr/>
         </p:nvPicPr>
         <p:blipFill>
-          <a:blip r:embed="rId2"/>
+          <a:blip r:embed="rId3"/>
           <a:stretch>
             <a:fillRect/>
           </a:stretch>
         </p:blipFill>
         <p:spPr>
           <a:xfrm>
-            <a:off x="146304" y="1589056"/>
-            <a:ext cx="5059174" cy="5039295"/>
+            <a:off x="304800" y="1588770"/>
+            <a:ext cx="8327136" cy="4684014"/>
           </a:xfrm>
           <a:prstGeom prst="rect">
             <a:avLst/>
           </a:prstGeom>
         </p:spPr>
       </p:pic>
-      <p:sp>
-        <p:nvSpPr>
-          <p:cNvPr id="5" name="TextBox 4">
-            <a:extLst>
-              <a:ext uri="{FF2B5EF4-FFF2-40B4-BE49-F238E27FC236}">
-                <a16:creationId xmlns:a16="http://schemas.microsoft.com/office/drawing/2014/main" id="{A33B7534-065D-4816-A9F0-9CCA32AC6182}"/>
-              </a:ext>
-            </a:extLst>
-          </p:cNvPr>
-          <p:cNvSpPr txBox="1"/>
-          <p:nvPr/>
-        </p:nvSpPr>
-        <p:spPr>
-          <a:xfrm>
-            <a:off x="5700613" y="6474462"/>
-            <a:ext cx="3412053" cy="307777"/>
-          </a:xfrm>
-          <a:prstGeom prst="rect">
-            <a:avLst/>
-          </a:prstGeom>
-          <a:noFill/>
-        </p:spPr>
-        <p:txBody>
-          <a:bodyPr wrap="square" rtlCol="0">
-            <a:spAutoFit/>
-          </a:bodyPr>
-          <a:lstStyle/>
-          <a:p>
-            <a:r>
-              <a:rPr lang="en-US" sz="1400">
-                <a:solidFill>
-                  <a:srgbClr val="002060"/>
-                </a:solidFill>
-              </a:rPr>
-              <a:t>(Middleton, Middleton and Modafferi, 2014)</a:t>
-            </a:r>
-          </a:p>
-        </p:txBody>
-      </p:sp>
-      <p:cxnSp>
-        <p:nvCxnSpPr>
-          <p:cNvPr id="7" name="Straight Arrow Connector 6">
-            <a:extLst>
-              <a:ext uri="{FF2B5EF4-FFF2-40B4-BE49-F238E27FC236}">
-                <a16:creationId xmlns:a16="http://schemas.microsoft.com/office/drawing/2014/main" id="{3129CEA3-A89E-4E57-A178-B5D793065B35}"/>
-              </a:ext>
-            </a:extLst>
-          </p:cNvPr>
-          <p:cNvCxnSpPr>
-            <a:cxnSpLocks/>
-          </p:cNvCxnSpPr>
-          <p:nvPr/>
-        </p:nvCxnSpPr>
-        <p:spPr>
-          <a:xfrm flipH="1">
-            <a:off x="1670304" y="2962656"/>
-            <a:ext cx="4523232" cy="1146048"/>
-          </a:xfrm>
-          <a:prstGeom prst="straightConnector1">
-            <a:avLst/>
-          </a:prstGeom>
-          <a:ln>
-            <a:solidFill>
-              <a:srgbClr val="FF0000"/>
-            </a:solidFill>
-            <a:prstDash val="dash"/>
-            <a:tailEnd type="triangle"/>
-          </a:ln>
-        </p:spPr>
-        <p:style>
-          <a:lnRef idx="1">
-            <a:schemeClr val="accent1"/>
-          </a:lnRef>
-          <a:fillRef idx="0">
-            <a:schemeClr val="accent1"/>
-          </a:fillRef>
-          <a:effectRef idx="0">
-            <a:schemeClr val="accent1"/>
-          </a:effectRef>
-          <a:fontRef idx="minor">
-            <a:schemeClr val="tx1"/>
-          </a:fontRef>
-        </p:style>
-      </p:cxnSp>
-      <p:cxnSp>
-        <p:nvCxnSpPr>
-          <p:cNvPr id="8" name="Straight Arrow Connector 7">
-            <a:extLst>
-              <a:ext uri="{FF2B5EF4-FFF2-40B4-BE49-F238E27FC236}">
-                <a16:creationId xmlns:a16="http://schemas.microsoft.com/office/drawing/2014/main" id="{DC6E134F-64B3-46A4-B49E-8DB2D3E500AE}"/>
-              </a:ext>
-            </a:extLst>
-          </p:cNvPr>
-          <p:cNvCxnSpPr>
-            <a:cxnSpLocks/>
-          </p:cNvCxnSpPr>
-          <p:nvPr/>
-        </p:nvCxnSpPr>
-        <p:spPr>
-          <a:xfrm flipH="1">
-            <a:off x="3974592" y="3157728"/>
-            <a:ext cx="2218944" cy="950976"/>
-          </a:xfrm>
-          <a:prstGeom prst="straightConnector1">
-            <a:avLst/>
-          </a:prstGeom>
-          <a:ln>
-            <a:solidFill>
-              <a:srgbClr val="FF0000"/>
-            </a:solidFill>
-            <a:prstDash val="dash"/>
-            <a:tailEnd type="triangle"/>
-          </a:ln>
-        </p:spPr>
-        <p:style>
-          <a:lnRef idx="1">
-            <a:schemeClr val="accent1"/>
-          </a:lnRef>
-          <a:fillRef idx="0">
-            <a:schemeClr val="accent1"/>
-          </a:fillRef>
-          <a:effectRef idx="0">
-            <a:schemeClr val="accent1"/>
-          </a:effectRef>
-          <a:fontRef idx="minor">
-            <a:schemeClr val="tx1"/>
-          </a:fontRef>
-        </p:style>
-      </p:cxnSp>
-      <p:cxnSp>
-        <p:nvCxnSpPr>
-          <p:cNvPr id="12" name="Straight Arrow Connector 11">
-            <a:extLst>
-              <a:ext uri="{FF2B5EF4-FFF2-40B4-BE49-F238E27FC236}">
-                <a16:creationId xmlns:a16="http://schemas.microsoft.com/office/drawing/2014/main" id="{B67DF206-C4E3-46B7-ABF9-506862DBEA57}"/>
-              </a:ext>
-            </a:extLst>
-          </p:cNvPr>
-          <p:cNvCxnSpPr>
-            <a:cxnSpLocks/>
-          </p:cNvCxnSpPr>
-          <p:nvPr/>
-        </p:nvCxnSpPr>
-        <p:spPr>
-          <a:xfrm flipH="1">
-            <a:off x="4096006" y="3352800"/>
-            <a:ext cx="2097530" cy="2212848"/>
-          </a:xfrm>
-          <a:prstGeom prst="straightConnector1">
-            <a:avLst/>
-          </a:prstGeom>
-          <a:ln>
-            <a:solidFill>
-              <a:srgbClr val="FF0000"/>
-            </a:solidFill>
-            <a:prstDash val="dash"/>
-            <a:tailEnd type="triangle"/>
-          </a:ln>
-        </p:spPr>
-        <p:style>
-          <a:lnRef idx="1">
-            <a:schemeClr val="accent1"/>
-          </a:lnRef>
-          <a:fillRef idx="0">
-            <a:schemeClr val="accent1"/>
-          </a:fillRef>
-          <a:effectRef idx="0">
-            <a:schemeClr val="accent1"/>
-          </a:effectRef>
-          <a:fontRef idx="minor">
-            <a:schemeClr val="tx1"/>
-          </a:fontRef>
-        </p:style>
-      </p:cxnSp>
-      <p:sp>
-        <p:nvSpPr>
-          <p:cNvPr id="14" name="TextBox 13">
-            <a:extLst>
-              <a:ext uri="{FF2B5EF4-FFF2-40B4-BE49-F238E27FC236}">
-                <a16:creationId xmlns:a16="http://schemas.microsoft.com/office/drawing/2014/main" id="{0B615D40-23A7-416E-9244-6D7350CAE14D}"/>
-              </a:ext>
-            </a:extLst>
-          </p:cNvPr>
-          <p:cNvSpPr txBox="1"/>
-          <p:nvPr/>
-        </p:nvSpPr>
-        <p:spPr>
-          <a:xfrm>
-            <a:off x="6193536" y="2639490"/>
-            <a:ext cx="2426208" cy="1200329"/>
-          </a:xfrm>
-          <a:prstGeom prst="rect">
-            <a:avLst/>
-          </a:prstGeom>
-          <a:noFill/>
-        </p:spPr>
-        <p:txBody>
-          <a:bodyPr wrap="square" rtlCol="0">
-            <a:spAutoFit/>
-          </a:bodyPr>
-          <a:lstStyle/>
-          <a:p>
-            <a:r>
-              <a:rPr lang="en-US" sz="2400"/>
-              <a:t>Examples of domain-specific components</a:t>
-            </a:r>
-          </a:p>
-        </p:txBody>
-      </p:sp>
     </p:spTree>
     <p:extLst>
       <p:ext uri="{BB962C8B-B14F-4D97-AF65-F5344CB8AC3E}">
-        <p14:creationId xmlns:p14="http://schemas.microsoft.com/office/powerpoint/2010/main" val="2192816161"/>
+        <p14:creationId xmlns:p14="http://schemas.microsoft.com/office/powerpoint/2010/main" val="3725798188"/>
       </p:ext>
     </p:extLst>
   </p:cSld>
@@ -8186,7 +8126,7 @@
           <p:cNvPr id="2" name="Title 1">
             <a:extLst>
               <a:ext uri="{FF2B5EF4-FFF2-40B4-BE49-F238E27FC236}">
-                <a16:creationId xmlns:a16="http://schemas.microsoft.com/office/drawing/2014/main" id="{EEB3131D-C39F-4462-9A46-61EBA763B50E}"/>
+                <a16:creationId xmlns:a16="http://schemas.microsoft.com/office/drawing/2014/main" xmlns="" id="{F1EF15B1-1873-4C36-A684-2B8B25594A85}"/>
               </a:ext>
             </a:extLst>
           </p:cNvPr>
@@ -8197,19 +8137,14 @@
             <p:ph type="title"/>
           </p:nvPr>
         </p:nvSpPr>
-        <p:spPr>
-          <a:xfrm>
-            <a:off x="628650" y="365126"/>
-            <a:ext cx="8095220" cy="1325563"/>
-          </a:xfrm>
-        </p:spPr>
+        <p:spPr/>
         <p:txBody>
           <a:bodyPr/>
           <a:lstStyle/>
           <a:p>
             <a:r>
               <a:rPr lang="en-US"/>
-              <a:t>Is NER enough for query/analytics? </a:t>
+              <a:t>How to Further Improve?</a:t>
             </a:r>
           </a:p>
         </p:txBody>
@@ -8219,7 +8154,7 @@
           <p:cNvPr id="3" name="Content Placeholder 2">
             <a:extLst>
               <a:ext uri="{FF2B5EF4-FFF2-40B4-BE49-F238E27FC236}">
-                <a16:creationId xmlns:a16="http://schemas.microsoft.com/office/drawing/2014/main" id="{1DFB0386-F317-4502-A835-CE7EA0408BE1}"/>
+                <a16:creationId xmlns:a16="http://schemas.microsoft.com/office/drawing/2014/main" xmlns="" id="{2FA6422C-9FED-4D43-9DE4-F348D1C7DD04}"/>
               </a:ext>
             </a:extLst>
           </p:cNvPr>
@@ -8230,105 +8165,113 @@
             <p:ph idx="1"/>
           </p:nvPr>
         </p:nvSpPr>
-        <p:spPr/>
-        <p:txBody>
-          <a:bodyPr/>
-          <a:lstStyle/>
-          <a:p>
-            <a:r>
-              <a:rPr lang="en-US"/>
-              <a:t>What if the same entity got extracted </a:t>
-            </a:r>
-            <a:r>
-              <a:rPr lang="en-US" b="1"/>
-              <a:t>multiple times</a:t>
-            </a:r>
-            <a:r>
-              <a:rPr lang="en-US"/>
-              <a:t> in the text?</a:t>
-            </a:r>
-          </a:p>
-          <a:p>
-            <a:r>
-              <a:rPr lang="en-US"/>
-              <a:t>What is the same entity got extracted </a:t>
-            </a:r>
-            <a:r>
-              <a:rPr lang="en-US" b="1"/>
-              <a:t>multiple times </a:t>
-            </a:r>
-            <a:r>
-              <a:rPr lang="en-US"/>
-              <a:t>in </a:t>
-            </a:r>
-            <a:r>
-              <a:rPr lang="en-US" b="1"/>
-              <a:t>multiple texts</a:t>
-            </a:r>
-            <a:r>
-              <a:rPr lang="en-US"/>
-              <a:t>?</a:t>
-            </a:r>
-          </a:p>
-          <a:p>
-            <a:r>
-              <a:rPr lang="en-US"/>
-              <a:t>How can the system tell that it is dealing with ‘one’ entity?</a:t>
+        <p:spPr>
+          <a:xfrm>
+            <a:off x="628650" y="1699707"/>
+            <a:ext cx="7886700" cy="1250758"/>
+          </a:xfrm>
+        </p:spPr>
+        <p:txBody>
+          <a:bodyPr>
+            <a:normAutofit lnSpcReduction="10000"/>
+          </a:bodyPr>
+          <a:lstStyle/>
+          <a:p>
+            <a:r>
+              <a:rPr lang="en-US" sz="2000"/>
+              <a:t>Models can be made more precise by treating each entity type (such as locations) individually i.e. train type-specific models</a:t>
+            </a:r>
+          </a:p>
+          <a:p>
+            <a:r>
+              <a:rPr lang="en-US" sz="2000"/>
+              <a:t>In some instances, entities can be </a:t>
+            </a:r>
+            <a:r>
+              <a:rPr lang="en-US" sz="2000" i="1"/>
+              <a:t>inferred</a:t>
+            </a:r>
+            <a:r>
+              <a:rPr lang="en-US" sz="2000"/>
+              <a:t> despite not being explicitly present in the text (e.g., geotagging)</a:t>
             </a:r>
           </a:p>
         </p:txBody>
       </p:sp>
       <p:pic>
         <p:nvPicPr>
-          <p:cNvPr id="1026" name="Picture 2" descr="Image result">
-            <a:extLst>
-              <a:ext uri="{FF2B5EF4-FFF2-40B4-BE49-F238E27FC236}">
-                <a16:creationId xmlns:a16="http://schemas.microsoft.com/office/drawing/2014/main" id="{9265D09B-7884-441B-89F7-381058F861A4}"/>
+          <p:cNvPr id="5" name="Picture 4">
+            <a:extLst>
+              <a:ext uri="{FF2B5EF4-FFF2-40B4-BE49-F238E27FC236}">
+                <a16:creationId xmlns:a16="http://schemas.microsoft.com/office/drawing/2014/main" xmlns="" id="{81838BC7-3CD4-4E62-A18A-AA14B5C72AA1}"/>
               </a:ext>
             </a:extLst>
           </p:cNvPr>
           <p:cNvPicPr>
-            <a:picLocks noChangeAspect="1" noChangeArrowheads="1"/>
+            <a:picLocks noChangeAspect="1"/>
           </p:cNvPicPr>
           <p:nvPr/>
         </p:nvPicPr>
         <p:blipFill>
-          <a:blip r:embed="rId3">
-            <a:extLst>
-              <a:ext uri="{28A0092B-C50C-407E-A947-70E740481C1C}">
-                <a14:useLocalDpi xmlns:a14="http://schemas.microsoft.com/office/drawing/2010/main" val="0"/>
-              </a:ext>
-            </a:extLst>
-          </a:blip>
-          <a:srcRect/>
+          <a:blip r:embed="rId2"/>
           <a:stretch>
             <a:fillRect/>
           </a:stretch>
         </p:blipFill>
-        <p:spPr bwMode="auto">
-          <a:xfrm>
-            <a:off x="1643448" y="4835010"/>
-            <a:ext cx="6413157" cy="1581021"/>
+        <p:spPr>
+          <a:xfrm>
+            <a:off x="238506" y="2957467"/>
+            <a:ext cx="6973824" cy="3812884"/>
+          </a:xfrm>
+          <a:prstGeom prst="rect">
+            <a:avLst/>
+          </a:prstGeom>
+        </p:spPr>
+      </p:pic>
+      <p:sp>
+        <p:nvSpPr>
+          <p:cNvPr id="7" name="TextBox 6">
+            <a:extLst>
+              <a:ext uri="{FF2B5EF4-FFF2-40B4-BE49-F238E27FC236}">
+                <a16:creationId xmlns:a16="http://schemas.microsoft.com/office/drawing/2014/main" xmlns="" id="{B68477D6-868B-4AB9-912E-B6282710D329}"/>
+              </a:ext>
+            </a:extLst>
+          </p:cNvPr>
+          <p:cNvSpPr txBox="1"/>
+          <p:nvPr/>
+        </p:nvSpPr>
+        <p:spPr>
+          <a:xfrm>
+            <a:off x="5071872" y="6462574"/>
+            <a:ext cx="4072128" cy="307777"/>
           </a:xfrm>
           <a:prstGeom prst="rect">
             <a:avLst/>
           </a:prstGeom>
           <a:noFill/>
-          <a:extLst>
-            <a:ext uri="{909E8E84-426E-40DD-AFC4-6F175D3DCCD1}">
-              <a14:hiddenFill xmlns:a14="http://schemas.microsoft.com/office/drawing/2010/main">
+        </p:spPr>
+        <p:txBody>
+          <a:bodyPr wrap="square" rtlCol="0">
+            <a:spAutoFit/>
+          </a:bodyPr>
+          <a:lstStyle/>
+          <a:p>
+            <a:pPr algn="r"/>
+            <a:r>
+              <a:rPr lang="en-US" sz="1400">
                 <a:solidFill>
-                  <a:srgbClr val="FFFFFF"/>
+                  <a:srgbClr val="002060"/>
                 </a:solidFill>
-              </a14:hiddenFill>
-            </a:ext>
-          </a:extLst>
-        </p:spPr>
-      </p:pic>
+              </a:rPr>
+              <a:t>(Middleton, Middleton and Modafferi, 2014)</a:t>
+            </a:r>
+          </a:p>
+        </p:txBody>
+      </p:sp>
     </p:spTree>
     <p:extLst>
       <p:ext uri="{BB962C8B-B14F-4D97-AF65-F5344CB8AC3E}">
-        <p14:creationId xmlns:p14="http://schemas.microsoft.com/office/powerpoint/2010/main" val="3628657943"/>
+        <p14:creationId xmlns:p14="http://schemas.microsoft.com/office/powerpoint/2010/main" val="4100392418"/>
       </p:ext>
     </p:extLst>
   </p:cSld>
@@ -8357,7 +8300,13 @@
       </p:grpSpPr>
       <p:sp>
         <p:nvSpPr>
-          <p:cNvPr id="2" name="Title 1"/>
+          <p:cNvPr id="2" name="Title 1">
+            <a:extLst>
+              <a:ext uri="{FF2B5EF4-FFF2-40B4-BE49-F238E27FC236}">
+                <a16:creationId xmlns:a16="http://schemas.microsoft.com/office/drawing/2014/main" xmlns="" id="{4B9D2582-8475-4CBA-99BF-EE1B12182165}"/>
+              </a:ext>
+            </a:extLst>
+          </p:cNvPr>
           <p:cNvSpPr>
             <a:spLocks noGrp="1"/>
           </p:cNvSpPr>
@@ -8365,244 +8314,266 @@
             <p:ph type="title"/>
           </p:nvPr>
         </p:nvSpPr>
-        <p:spPr/>
+        <p:spPr>
+          <a:xfrm>
+            <a:off x="628650" y="194438"/>
+            <a:ext cx="7886700" cy="1325563"/>
+          </a:xfrm>
+        </p:spPr>
         <p:txBody>
           <a:bodyPr/>
           <a:lstStyle/>
           <a:p>
             <a:r>
               <a:rPr lang="en-US"/>
-              <a:t>Entity Linking/Resolution</a:t>
-            </a:r>
-            <a:endParaRPr lang="en-US" dirty="0"/>
-          </a:p>
-        </p:txBody>
-      </p:sp>
-      <p:sp>
-        <p:nvSpPr>
-          <p:cNvPr id="3" name="Content Placeholder 2"/>
-          <p:cNvSpPr>
-            <a:spLocks noGrp="1"/>
-          </p:cNvSpPr>
-          <p:nvPr>
-            <p:ph idx="1"/>
-          </p:nvPr>
-        </p:nvSpPr>
-        <p:spPr>
-          <a:xfrm>
-            <a:off x="591580" y="2604100"/>
-            <a:ext cx="7886700" cy="3265359"/>
-          </a:xfrm>
-        </p:spPr>
-        <p:txBody>
-          <a:bodyPr/>
-          <a:lstStyle/>
-          <a:p>
-            <a:r>
-              <a:rPr lang="en-US"/>
-              <a:t>DBpedia </a:t>
-            </a:r>
-            <a:r>
-              <a:rPr lang="en-US" dirty="0"/>
-              <a:t>Spotlight</a:t>
-            </a:r>
-          </a:p>
-          <a:p>
-            <a:r>
-              <a:rPr lang="en-US" dirty="0"/>
-              <a:t>Alchemy (IBM)</a:t>
-            </a:r>
-          </a:p>
-          <a:p>
-            <a:r>
-              <a:rPr lang="en-US" dirty="0" err="1"/>
-              <a:t>Babelfy</a:t>
-            </a:r>
-            <a:r>
-              <a:rPr lang="en-US" dirty="0"/>
-              <a:t> (</a:t>
-            </a:r>
-            <a:r>
-              <a:rPr lang="en-US" dirty="0" err="1"/>
-              <a:t>BabelNet</a:t>
-            </a:r>
-            <a:r>
-              <a:rPr lang="en-US" dirty="0"/>
-              <a:t>)</a:t>
-            </a:r>
-          </a:p>
-          <a:p>
-            <a:r>
-              <a:rPr lang="en-US" dirty="0"/>
-              <a:t>Text Razor NLP API</a:t>
-            </a:r>
-          </a:p>
-          <a:p>
-            <a:r>
-              <a:rPr lang="en-US" dirty="0" err="1"/>
-              <a:t>Aylien</a:t>
-            </a:r>
-            <a:r>
-              <a:rPr lang="en-US" dirty="0"/>
-              <a:t> Text Analysis API</a:t>
+              <a:t>Example of crisis domain-specific geotagging system</a:t>
             </a:r>
           </a:p>
         </p:txBody>
       </p:sp>
       <p:pic>
         <p:nvPicPr>
-          <p:cNvPr id="4" name="Picture 3"/>
+          <p:cNvPr id="4" name="Picture 3">
+            <a:extLst>
+              <a:ext uri="{FF2B5EF4-FFF2-40B4-BE49-F238E27FC236}">
+                <a16:creationId xmlns:a16="http://schemas.microsoft.com/office/drawing/2014/main" xmlns="" id="{CE3B137C-E58F-4AC3-8CEF-EC596ECE28A3}"/>
+              </a:ext>
+            </a:extLst>
+          </p:cNvPr>
           <p:cNvPicPr>
             <a:picLocks noChangeAspect="1"/>
           </p:cNvPicPr>
           <p:nvPr/>
         </p:nvPicPr>
         <p:blipFill>
-          <a:blip r:embed="rId3" cstate="print">
-            <a:extLst>
-              <a:ext uri="{28A0092B-C50C-407E-A947-70E740481C1C}">
-                <a14:useLocalDpi xmlns:a14="http://schemas.microsoft.com/office/drawing/2010/main" val="0"/>
-              </a:ext>
-            </a:extLst>
-          </a:blip>
+          <a:blip r:embed="rId2"/>
           <a:stretch>
             <a:fillRect/>
           </a:stretch>
         </p:blipFill>
         <p:spPr>
           <a:xfrm>
-            <a:off x="7036170" y="3759655"/>
-            <a:ext cx="1813560" cy="450800"/>
+            <a:off x="146304" y="1589056"/>
+            <a:ext cx="5059174" cy="5039295"/>
           </a:xfrm>
           <a:prstGeom prst="rect">
             <a:avLst/>
           </a:prstGeom>
         </p:spPr>
       </p:pic>
-      <p:pic>
-        <p:nvPicPr>
-          <p:cNvPr id="5" name="Picture 4"/>
-          <p:cNvPicPr>
-            <a:picLocks noChangeAspect="1"/>
-          </p:cNvPicPr>
+      <p:sp>
+        <p:nvSpPr>
+          <p:cNvPr id="5" name="TextBox 4">
+            <a:extLst>
+              <a:ext uri="{FF2B5EF4-FFF2-40B4-BE49-F238E27FC236}">
+                <a16:creationId xmlns:a16="http://schemas.microsoft.com/office/drawing/2014/main" xmlns="" id="{A33B7534-065D-4816-A9F0-9CCA32AC6182}"/>
+              </a:ext>
+            </a:extLst>
+          </p:cNvPr>
+          <p:cNvSpPr txBox="1"/>
           <p:nvPr/>
-        </p:nvPicPr>
-        <p:blipFill>
-          <a:blip r:embed="rId4" cstate="print">
-            <a:extLst>
-              <a:ext uri="{28A0092B-C50C-407E-A947-70E740481C1C}">
-                <a14:useLocalDpi xmlns:a14="http://schemas.microsoft.com/office/drawing/2010/main" val="0"/>
-              </a:ext>
-            </a:extLst>
-          </a:blip>
-          <a:stretch>
-            <a:fillRect/>
-          </a:stretch>
-        </p:blipFill>
-        <p:spPr>
-          <a:xfrm>
-            <a:off x="4764457" y="3631951"/>
-            <a:ext cx="1933575" cy="706208"/>
+        </p:nvSpPr>
+        <p:spPr>
+          <a:xfrm>
+            <a:off x="5700613" y="6474462"/>
+            <a:ext cx="3412053" cy="307777"/>
           </a:xfrm>
           <a:prstGeom prst="rect">
             <a:avLst/>
           </a:prstGeom>
-        </p:spPr>
-      </p:pic>
-      <p:pic>
-        <p:nvPicPr>
-          <p:cNvPr id="6" name="Picture 5"/>
-          <p:cNvPicPr>
-            <a:picLocks noChangeAspect="1"/>
-          </p:cNvPicPr>
+          <a:noFill/>
+        </p:spPr>
+        <p:txBody>
+          <a:bodyPr wrap="square" rtlCol="0">
+            <a:spAutoFit/>
+          </a:bodyPr>
+          <a:lstStyle/>
+          <a:p>
+            <a:r>
+              <a:rPr lang="en-US" sz="1400">
+                <a:solidFill>
+                  <a:srgbClr val="002060"/>
+                </a:solidFill>
+              </a:rPr>
+              <a:t>(Middleton, Middleton and Modafferi, 2014)</a:t>
+            </a:r>
+          </a:p>
+        </p:txBody>
+      </p:sp>
+      <p:cxnSp>
+        <p:nvCxnSpPr>
+          <p:cNvPr id="7" name="Straight Arrow Connector 6">
+            <a:extLst>
+              <a:ext uri="{FF2B5EF4-FFF2-40B4-BE49-F238E27FC236}">
+                <a16:creationId xmlns:a16="http://schemas.microsoft.com/office/drawing/2014/main" xmlns="" id="{3129CEA3-A89E-4E57-A178-B5D793065B35}"/>
+              </a:ext>
+            </a:extLst>
+          </p:cNvPr>
+          <p:cNvCxnSpPr>
+            <a:cxnSpLocks/>
+          </p:cNvCxnSpPr>
           <p:nvPr/>
-        </p:nvPicPr>
-        <p:blipFill>
-          <a:blip r:embed="rId5">
-            <a:extLst>
-              <a:ext uri="{28A0092B-C50C-407E-A947-70E740481C1C}">
-                <a14:useLocalDpi xmlns:a14="http://schemas.microsoft.com/office/drawing/2010/main" val="0"/>
-              </a:ext>
-            </a:extLst>
-          </a:blip>
-          <a:stretch>
-            <a:fillRect/>
-          </a:stretch>
-        </p:blipFill>
-        <p:spPr>
-          <a:xfrm>
-            <a:off x="4577860" y="2738773"/>
-            <a:ext cx="1748697" cy="721337"/>
+        </p:nvCxnSpPr>
+        <p:spPr>
+          <a:xfrm flipH="1">
+            <a:off x="1670304" y="2962656"/>
+            <a:ext cx="4523232" cy="1146048"/>
+          </a:xfrm>
+          <a:prstGeom prst="straightConnector1">
+            <a:avLst/>
+          </a:prstGeom>
+          <a:ln>
+            <a:solidFill>
+              <a:srgbClr val="FF0000"/>
+            </a:solidFill>
+            <a:prstDash val="dash"/>
+            <a:tailEnd type="triangle"/>
+          </a:ln>
+        </p:spPr>
+        <p:style>
+          <a:lnRef idx="1">
+            <a:schemeClr val="accent1"/>
+          </a:lnRef>
+          <a:fillRef idx="0">
+            <a:schemeClr val="accent1"/>
+          </a:fillRef>
+          <a:effectRef idx="0">
+            <a:schemeClr val="accent1"/>
+          </a:effectRef>
+          <a:fontRef idx="minor">
+            <a:schemeClr val="tx1"/>
+          </a:fontRef>
+        </p:style>
+      </p:cxnSp>
+      <p:cxnSp>
+        <p:nvCxnSpPr>
+          <p:cNvPr id="8" name="Straight Arrow Connector 7">
+            <a:extLst>
+              <a:ext uri="{FF2B5EF4-FFF2-40B4-BE49-F238E27FC236}">
+                <a16:creationId xmlns:a16="http://schemas.microsoft.com/office/drawing/2014/main" xmlns="" id="{DC6E134F-64B3-46A4-B49E-8DB2D3E500AE}"/>
+              </a:ext>
+            </a:extLst>
+          </p:cNvPr>
+          <p:cNvCxnSpPr>
+            <a:cxnSpLocks/>
+          </p:cNvCxnSpPr>
+          <p:nvPr/>
+        </p:nvCxnSpPr>
+        <p:spPr>
+          <a:xfrm flipH="1">
+            <a:off x="3974592" y="3157728"/>
+            <a:ext cx="2218944" cy="950976"/>
+          </a:xfrm>
+          <a:prstGeom prst="straightConnector1">
+            <a:avLst/>
+          </a:prstGeom>
+          <a:ln>
+            <a:solidFill>
+              <a:srgbClr val="FF0000"/>
+            </a:solidFill>
+            <a:prstDash val="dash"/>
+            <a:tailEnd type="triangle"/>
+          </a:ln>
+        </p:spPr>
+        <p:style>
+          <a:lnRef idx="1">
+            <a:schemeClr val="accent1"/>
+          </a:lnRef>
+          <a:fillRef idx="0">
+            <a:schemeClr val="accent1"/>
+          </a:fillRef>
+          <a:effectRef idx="0">
+            <a:schemeClr val="accent1"/>
+          </a:effectRef>
+          <a:fontRef idx="minor">
+            <a:schemeClr val="tx1"/>
+          </a:fontRef>
+        </p:style>
+      </p:cxnSp>
+      <p:cxnSp>
+        <p:nvCxnSpPr>
+          <p:cNvPr id="12" name="Straight Arrow Connector 11">
+            <a:extLst>
+              <a:ext uri="{FF2B5EF4-FFF2-40B4-BE49-F238E27FC236}">
+                <a16:creationId xmlns:a16="http://schemas.microsoft.com/office/drawing/2014/main" xmlns="" id="{B67DF206-C4E3-46B7-ABF9-506862DBEA57}"/>
+              </a:ext>
+            </a:extLst>
+          </p:cNvPr>
+          <p:cNvCxnSpPr>
+            <a:cxnSpLocks/>
+          </p:cNvCxnSpPr>
+          <p:nvPr/>
+        </p:nvCxnSpPr>
+        <p:spPr>
+          <a:xfrm flipH="1">
+            <a:off x="4096006" y="3352800"/>
+            <a:ext cx="2097530" cy="2212848"/>
+          </a:xfrm>
+          <a:prstGeom prst="straightConnector1">
+            <a:avLst/>
+          </a:prstGeom>
+          <a:ln>
+            <a:solidFill>
+              <a:srgbClr val="FF0000"/>
+            </a:solidFill>
+            <a:prstDash val="dash"/>
+            <a:tailEnd type="triangle"/>
+          </a:ln>
+        </p:spPr>
+        <p:style>
+          <a:lnRef idx="1">
+            <a:schemeClr val="accent1"/>
+          </a:lnRef>
+          <a:fillRef idx="0">
+            <a:schemeClr val="accent1"/>
+          </a:fillRef>
+          <a:effectRef idx="0">
+            <a:schemeClr val="accent1"/>
+          </a:effectRef>
+          <a:fontRef idx="minor">
+            <a:schemeClr val="tx1"/>
+          </a:fontRef>
+        </p:style>
+      </p:cxnSp>
+      <p:sp>
+        <p:nvSpPr>
+          <p:cNvPr id="14" name="TextBox 13">
+            <a:extLst>
+              <a:ext uri="{FF2B5EF4-FFF2-40B4-BE49-F238E27FC236}">
+                <a16:creationId xmlns:a16="http://schemas.microsoft.com/office/drawing/2014/main" xmlns="" id="{0B615D40-23A7-416E-9244-6D7350CAE14D}"/>
+              </a:ext>
+            </a:extLst>
+          </p:cNvPr>
+          <p:cNvSpPr txBox="1"/>
+          <p:nvPr/>
+        </p:nvSpPr>
+        <p:spPr>
+          <a:xfrm>
+            <a:off x="6193536" y="2639490"/>
+            <a:ext cx="2426208" cy="1200329"/>
           </a:xfrm>
           <a:prstGeom prst="rect">
             <a:avLst/>
           </a:prstGeom>
-        </p:spPr>
-      </p:pic>
-      <p:pic>
-        <p:nvPicPr>
-          <p:cNvPr id="7" name="Picture 6"/>
-          <p:cNvPicPr>
-            <a:picLocks noChangeAspect="1"/>
-          </p:cNvPicPr>
-          <p:nvPr/>
-        </p:nvPicPr>
-        <p:blipFill>
-          <a:blip r:embed="rId6">
-            <a:extLst>
-              <a:ext uri="{28A0092B-C50C-407E-A947-70E740481C1C}">
-                <a14:useLocalDpi xmlns:a14="http://schemas.microsoft.com/office/drawing/2010/main" val="0"/>
-              </a:ext>
-            </a:extLst>
-          </a:blip>
-          <a:stretch>
-            <a:fillRect/>
-          </a:stretch>
-        </p:blipFill>
-        <p:spPr>
-          <a:xfrm>
-            <a:off x="6537059" y="2755062"/>
-            <a:ext cx="2056448" cy="639443"/>
-          </a:xfrm>
-          <a:prstGeom prst="rect">
-            <a:avLst/>
-          </a:prstGeom>
-        </p:spPr>
-      </p:pic>
-      <p:pic>
-        <p:nvPicPr>
-          <p:cNvPr id="8" name="Picture 7"/>
-          <p:cNvPicPr>
-            <a:picLocks noChangeAspect="1"/>
-          </p:cNvPicPr>
-          <p:nvPr/>
-        </p:nvPicPr>
-        <p:blipFill>
-          <a:blip r:embed="rId7">
-            <a:extLst>
-              <a:ext uri="{28A0092B-C50C-407E-A947-70E740481C1C}">
-                <a14:useLocalDpi xmlns:a14="http://schemas.microsoft.com/office/drawing/2010/main" val="0"/>
-              </a:ext>
-            </a:extLst>
-          </a:blip>
-          <a:stretch>
-            <a:fillRect/>
-          </a:stretch>
-        </p:blipFill>
-        <p:spPr>
-          <a:xfrm>
-            <a:off x="5462021" y="4533294"/>
-            <a:ext cx="2150077" cy="382236"/>
-          </a:xfrm>
-          <a:prstGeom prst="rect">
-            <a:avLst/>
-          </a:prstGeom>
-        </p:spPr>
-      </p:pic>
+          <a:noFill/>
+        </p:spPr>
+        <p:txBody>
+          <a:bodyPr wrap="square" rtlCol="0">
+            <a:spAutoFit/>
+          </a:bodyPr>
+          <a:lstStyle/>
+          <a:p>
+            <a:r>
+              <a:rPr lang="en-US" sz="2400"/>
+              <a:t>Examples of domain-specific components</a:t>
+            </a:r>
+          </a:p>
+        </p:txBody>
+      </p:sp>
     </p:spTree>
     <p:extLst>
       <p:ext uri="{BB962C8B-B14F-4D97-AF65-F5344CB8AC3E}">
-        <p14:creationId xmlns:p14="http://schemas.microsoft.com/office/powerpoint/2010/main" val="79417688"/>
+        <p14:creationId xmlns:p14="http://schemas.microsoft.com/office/powerpoint/2010/main" val="2192816161"/>
       </p:ext>
     </p:extLst>
   </p:cSld>
@@ -8634,7 +8605,7 @@
           <p:cNvPr id="2" name="Title 1">
             <a:extLst>
               <a:ext uri="{FF2B5EF4-FFF2-40B4-BE49-F238E27FC236}">
-                <a16:creationId xmlns:a16="http://schemas.microsoft.com/office/drawing/2014/main" id="{E1C3A720-E34E-4BB6-B515-B3C2EF039BC8}"/>
+                <a16:creationId xmlns:a16="http://schemas.microsoft.com/office/drawing/2014/main" xmlns="" id="{EEB3131D-C39F-4462-9A46-61EBA763B50E}"/>
               </a:ext>
             </a:extLst>
           </p:cNvPr>
@@ -8645,6 +8616,39 @@
             <p:ph type="title"/>
           </p:nvPr>
         </p:nvSpPr>
+        <p:spPr>
+          <a:xfrm>
+            <a:off x="628650" y="365126"/>
+            <a:ext cx="8095220" cy="1325563"/>
+          </a:xfrm>
+        </p:spPr>
+        <p:txBody>
+          <a:bodyPr/>
+          <a:lstStyle/>
+          <a:p>
+            <a:r>
+              <a:rPr lang="en-US"/>
+              <a:t>What happens after NER?</a:t>
+            </a:r>
+          </a:p>
+        </p:txBody>
+      </p:sp>
+      <p:sp>
+        <p:nvSpPr>
+          <p:cNvPr id="3" name="Content Placeholder 2">
+            <a:extLst>
+              <a:ext uri="{FF2B5EF4-FFF2-40B4-BE49-F238E27FC236}">
+                <a16:creationId xmlns:a16="http://schemas.microsoft.com/office/drawing/2014/main" xmlns="" id="{1DFB0386-F317-4502-A835-CE7EA0408BE1}"/>
+              </a:ext>
+            </a:extLst>
+          </p:cNvPr>
+          <p:cNvSpPr>
+            <a:spLocks noGrp="1"/>
+          </p:cNvSpPr>
+          <p:nvPr>
+            <p:ph idx="1"/>
+          </p:nvPr>
+        </p:nvSpPr>
         <p:spPr/>
         <p:txBody>
           <a:bodyPr/>
@@ -8652,76 +8656,130 @@
           <a:p>
             <a:r>
               <a:rPr lang="en-US"/>
-              <a:t>Open Research Issues</a:t>
-            </a:r>
-          </a:p>
-        </p:txBody>
-      </p:sp>
-      <p:sp>
-        <p:nvSpPr>
-          <p:cNvPr id="3" name="Content Placeholder 2">
-            <a:extLst>
-              <a:ext uri="{FF2B5EF4-FFF2-40B4-BE49-F238E27FC236}">
-                <a16:creationId xmlns:a16="http://schemas.microsoft.com/office/drawing/2014/main" id="{D16B1CA5-8025-464F-80E9-9942274912F8}"/>
-              </a:ext>
-            </a:extLst>
-          </p:cNvPr>
-          <p:cNvSpPr>
-            <a:spLocks noGrp="1"/>
-          </p:cNvSpPr>
-          <p:nvPr>
-            <p:ph idx="1"/>
-          </p:nvPr>
-        </p:nvSpPr>
-        <p:spPr>
-          <a:xfrm>
-            <a:off x="292608" y="1487424"/>
-            <a:ext cx="8222742" cy="5181600"/>
-          </a:xfrm>
-        </p:spPr>
-        <p:txBody>
-          <a:bodyPr>
-            <a:normAutofit/>
-          </a:bodyPr>
-          <a:lstStyle/>
-          <a:p>
-            <a:r>
-              <a:rPr lang="en-US"/>
-              <a:t>Accuracy still low for social media (SM) NER</a:t>
-            </a:r>
-          </a:p>
-          <a:p>
-            <a:pPr lvl="1"/>
-            <a:r>
-              <a:rPr lang="en-US"/>
-              <a:t>How to improve performance without increasing training annotations?</a:t>
-            </a:r>
-          </a:p>
-          <a:p>
-            <a:r>
-              <a:rPr lang="en-US"/>
-              <a:t>How to work directly with noisy inputs (e.g., machine translated texts) and consume noisy NER outputs?</a:t>
-            </a:r>
-          </a:p>
-          <a:p>
-            <a:r>
-              <a:rPr lang="en-US"/>
-              <a:t>NER for cross-domain and multi-lingual/non-English SM</a:t>
-            </a:r>
-          </a:p>
-          <a:p>
-            <a:pPr lvl="1"/>
-            <a:r>
-              <a:rPr lang="en-US"/>
-              <a:t>Chinese social media (He and Sun, AAAI’17)</a:t>
-            </a:r>
-          </a:p>
-        </p:txBody>
-      </p:sp>
+              <a:t>What if the </a:t>
+            </a:r>
+            <a:r>
+              <a:rPr lang="en-US">
+                <a:solidFill>
+                  <a:srgbClr val="FF0000"/>
+                </a:solidFill>
+              </a:rPr>
+              <a:t>same entity </a:t>
+            </a:r>
+            <a:r>
+              <a:rPr lang="en-US"/>
+              <a:t>got extracted </a:t>
+            </a:r>
+            <a:r>
+              <a:rPr lang="en-US" b="1"/>
+              <a:t>multiple times</a:t>
+            </a:r>
+            <a:r>
+              <a:rPr lang="en-US"/>
+              <a:t> in the text?</a:t>
+            </a:r>
+          </a:p>
+          <a:p>
+            <a:r>
+              <a:rPr lang="en-US"/>
+              <a:t>What is the </a:t>
+            </a:r>
+            <a:r>
+              <a:rPr lang="en-US">
+                <a:solidFill>
+                  <a:srgbClr val="FF0000"/>
+                </a:solidFill>
+              </a:rPr>
+              <a:t>same entity</a:t>
+            </a:r>
+            <a:r>
+              <a:rPr lang="en-US"/>
+              <a:t> got extracted </a:t>
+            </a:r>
+            <a:r>
+              <a:rPr lang="en-US" b="1"/>
+              <a:t>multiple times </a:t>
+            </a:r>
+            <a:r>
+              <a:rPr lang="en-US"/>
+              <a:t>in </a:t>
+            </a:r>
+            <a:r>
+              <a:rPr lang="en-US" b="1"/>
+              <a:t>multiple texts</a:t>
+            </a:r>
+            <a:r>
+              <a:rPr lang="en-US"/>
+              <a:t>?</a:t>
+            </a:r>
+          </a:p>
+          <a:p>
+            <a:r>
+              <a:rPr lang="en-US"/>
+              <a:t>NER system can’t tell that it is dealing with ‘one’ entity</a:t>
+            </a:r>
+            <a:r>
+              <a:rPr lang="mr-IN"/>
+              <a:t>…</a:t>
+            </a:r>
+            <a:r>
+              <a:rPr lang="en-US"/>
+              <a:t>treats every extraction as separate!</a:t>
+            </a:r>
+          </a:p>
+        </p:txBody>
+      </p:sp>
+      <p:pic>
+        <p:nvPicPr>
+          <p:cNvPr id="1026" name="Picture 2" descr="Image result">
+            <a:extLst>
+              <a:ext uri="{FF2B5EF4-FFF2-40B4-BE49-F238E27FC236}">
+                <a16:creationId xmlns:a16="http://schemas.microsoft.com/office/drawing/2014/main" xmlns="" id="{9265D09B-7884-441B-89F7-381058F861A4}"/>
+              </a:ext>
+            </a:extLst>
+          </p:cNvPr>
+          <p:cNvPicPr>
+            <a:picLocks noChangeAspect="1" noChangeArrowheads="1"/>
+          </p:cNvPicPr>
+          <p:nvPr/>
+        </p:nvPicPr>
+        <p:blipFill>
+          <a:blip r:embed="rId3">
+            <a:extLst>
+              <a:ext uri="{28A0092B-C50C-407E-A947-70E740481C1C}">
+                <a14:useLocalDpi xmlns:a14="http://schemas.microsoft.com/office/drawing/2010/main" val="0"/>
+              </a:ext>
+            </a:extLst>
+          </a:blip>
+          <a:srcRect/>
+          <a:stretch>
+            <a:fillRect/>
+          </a:stretch>
+        </p:blipFill>
+        <p:spPr bwMode="auto">
+          <a:xfrm>
+            <a:off x="1643448" y="4835010"/>
+            <a:ext cx="6413157" cy="1581021"/>
+          </a:xfrm>
+          <a:prstGeom prst="rect">
+            <a:avLst/>
+          </a:prstGeom>
+          <a:noFill/>
+          <a:extLst>
+            <a:ext uri="{909E8E84-426E-40DD-AFC4-6F175D3DCCD1}">
+              <a14:hiddenFill xmlns:a14="http://schemas.microsoft.com/office/drawing/2010/main">
+                <a:solidFill>
+                  <a:srgbClr val="FFFFFF"/>
+                </a:solidFill>
+              </a14:hiddenFill>
+            </a:ext>
+          </a:extLst>
+        </p:spPr>
+      </p:pic>
     </p:spTree>
     <p:extLst>
       <p:ext uri="{BB962C8B-B14F-4D97-AF65-F5344CB8AC3E}">
-        <p14:creationId xmlns:p14="http://schemas.microsoft.com/office/powerpoint/2010/main" val="3352456993"/>
+        <p14:creationId xmlns:p14="http://schemas.microsoft.com/office/powerpoint/2010/main" val="3628657943"/>
       </p:ext>
     </p:extLst>
   </p:cSld>
@@ -8750,13 +8808,7 @@
       </p:grpSpPr>
       <p:sp>
         <p:nvSpPr>
-          <p:cNvPr id="2" name="Title 1">
-            <a:extLst>
-              <a:ext uri="{FF2B5EF4-FFF2-40B4-BE49-F238E27FC236}">
-                <a16:creationId xmlns:a16="http://schemas.microsoft.com/office/drawing/2014/main" id="{E1C3A720-E34E-4BB6-B515-B3C2EF039BC8}"/>
-              </a:ext>
-            </a:extLst>
-          </p:cNvPr>
+          <p:cNvPr id="2" name="Title 1"/>
           <p:cNvSpPr>
             <a:spLocks noGrp="1"/>
           </p:cNvSpPr>
@@ -8771,20 +8823,15 @@
           <a:p>
             <a:r>
               <a:rPr lang="en-US"/>
-              <a:t>Open Research Issues</a:t>
-            </a:r>
-          </a:p>
-        </p:txBody>
-      </p:sp>
-      <p:sp>
-        <p:nvSpPr>
-          <p:cNvPr id="3" name="Content Placeholder 2">
-            <a:extLst>
-              <a:ext uri="{FF2B5EF4-FFF2-40B4-BE49-F238E27FC236}">
-                <a16:creationId xmlns:a16="http://schemas.microsoft.com/office/drawing/2014/main" id="{D16B1CA5-8025-464F-80E9-9942274912F8}"/>
-              </a:ext>
-            </a:extLst>
-          </p:cNvPr>
+              <a:t>Entity Linking/Resolution</a:t>
+            </a:r>
+            <a:endParaRPr lang="en-US" dirty="0"/>
+          </a:p>
+        </p:txBody>
+      </p:sp>
+      <p:sp>
+        <p:nvSpPr>
+          <p:cNvPr id="3" name="Content Placeholder 2"/>
           <p:cNvSpPr>
             <a:spLocks noGrp="1"/>
           </p:cNvSpPr>
@@ -8794,53 +8841,440 @@
         </p:nvSpPr>
         <p:spPr>
           <a:xfrm>
-            <a:off x="292608" y="1487424"/>
-            <a:ext cx="8222742" cy="5181600"/>
-          </a:xfrm>
-        </p:spPr>
-        <p:txBody>
-          <a:bodyPr>
+            <a:off x="591580" y="3394505"/>
+            <a:ext cx="7886700" cy="3265359"/>
+          </a:xfrm>
+        </p:spPr>
+        <p:txBody>
+          <a:bodyPr/>
+          <a:lstStyle/>
+          <a:p>
+            <a:pPr marL="0" indent="0">
+              <a:buNone/>
+            </a:pPr>
+            <a:r>
+              <a:rPr lang="en-US" i="1"/>
+              <a:t>DBpedia </a:t>
+            </a:r>
+            <a:r>
+              <a:rPr lang="en-US" i="1" dirty="0"/>
+              <a:t>Spotlight</a:t>
+            </a:r>
+          </a:p>
+          <a:p>
+            <a:pPr marL="0" indent="0">
+              <a:buNone/>
+            </a:pPr>
+            <a:r>
+              <a:rPr lang="en-US" i="1" dirty="0"/>
+              <a:t>Alchemy (IBM)</a:t>
+            </a:r>
+          </a:p>
+          <a:p>
+            <a:pPr marL="0" indent="0">
+              <a:buNone/>
+            </a:pPr>
+            <a:r>
+              <a:rPr lang="en-US" i="1" dirty="0" err="1"/>
+              <a:t>Babelfy</a:t>
+            </a:r>
+            <a:r>
+              <a:rPr lang="en-US" i="1" dirty="0"/>
+              <a:t> (</a:t>
+            </a:r>
+            <a:r>
+              <a:rPr lang="en-US" i="1" dirty="0" err="1"/>
+              <a:t>BabelNet</a:t>
+            </a:r>
+            <a:r>
+              <a:rPr lang="en-US" i="1" dirty="0"/>
+              <a:t>)</a:t>
+            </a:r>
+          </a:p>
+          <a:p>
+            <a:pPr marL="0" indent="0">
+              <a:buNone/>
+            </a:pPr>
+            <a:r>
+              <a:rPr lang="en-US" i="1" dirty="0"/>
+              <a:t>Text Razor NLP API</a:t>
+            </a:r>
+          </a:p>
+          <a:p>
+            <a:pPr marL="0" indent="0">
+              <a:buNone/>
+            </a:pPr>
+            <a:r>
+              <a:rPr lang="en-US" i="1" dirty="0" err="1"/>
+              <a:t>Aylien</a:t>
+            </a:r>
+            <a:r>
+              <a:rPr lang="en-US" i="1" dirty="0"/>
+              <a:t> Text Analysis API</a:t>
+            </a:r>
+          </a:p>
+        </p:txBody>
+      </p:sp>
+      <p:pic>
+        <p:nvPicPr>
+          <p:cNvPr id="4" name="Picture 3"/>
+          <p:cNvPicPr>
+            <a:picLocks noChangeAspect="1"/>
+          </p:cNvPicPr>
+          <p:nvPr/>
+        </p:nvPicPr>
+        <p:blipFill>
+          <a:blip r:embed="rId3" cstate="print">
+            <a:extLst>
+              <a:ext uri="{28A0092B-C50C-407E-A947-70E740481C1C}">
+                <a14:useLocalDpi xmlns:a14="http://schemas.microsoft.com/office/drawing/2010/main" val="0"/>
+              </a:ext>
+            </a:extLst>
+          </a:blip>
+          <a:stretch>
+            <a:fillRect/>
+          </a:stretch>
+        </p:blipFill>
+        <p:spPr>
+          <a:xfrm>
+            <a:off x="6958013" y="4532013"/>
+            <a:ext cx="1813560" cy="450800"/>
+          </a:xfrm>
+          <a:prstGeom prst="rect">
+            <a:avLst/>
+          </a:prstGeom>
+        </p:spPr>
+      </p:pic>
+      <p:pic>
+        <p:nvPicPr>
+          <p:cNvPr id="5" name="Picture 4"/>
+          <p:cNvPicPr>
+            <a:picLocks noChangeAspect="1"/>
+          </p:cNvPicPr>
+          <p:nvPr/>
+        </p:nvPicPr>
+        <p:blipFill>
+          <a:blip r:embed="rId4" cstate="print">
+            <a:extLst>
+              <a:ext uri="{28A0092B-C50C-407E-A947-70E740481C1C}">
+                <a14:useLocalDpi xmlns:a14="http://schemas.microsoft.com/office/drawing/2010/main" val="0"/>
+              </a:ext>
+            </a:extLst>
+          </a:blip>
+          <a:stretch>
+            <a:fillRect/>
+          </a:stretch>
+        </p:blipFill>
+        <p:spPr>
+          <a:xfrm>
+            <a:off x="4686300" y="4404309"/>
+            <a:ext cx="1933575" cy="706208"/>
+          </a:xfrm>
+          <a:prstGeom prst="rect">
+            <a:avLst/>
+          </a:prstGeom>
+        </p:spPr>
+      </p:pic>
+      <p:pic>
+        <p:nvPicPr>
+          <p:cNvPr id="6" name="Picture 5"/>
+          <p:cNvPicPr>
+            <a:picLocks noChangeAspect="1"/>
+          </p:cNvPicPr>
+          <p:nvPr/>
+        </p:nvPicPr>
+        <p:blipFill>
+          <a:blip r:embed="rId5">
+            <a:extLst>
+              <a:ext uri="{28A0092B-C50C-407E-A947-70E740481C1C}">
+                <a14:useLocalDpi xmlns:a14="http://schemas.microsoft.com/office/drawing/2010/main" val="0"/>
+              </a:ext>
+            </a:extLst>
+          </a:blip>
+          <a:stretch>
+            <a:fillRect/>
+          </a:stretch>
+        </p:blipFill>
+        <p:spPr>
+          <a:xfrm>
+            <a:off x="4499703" y="3511131"/>
+            <a:ext cx="1748697" cy="721337"/>
+          </a:xfrm>
+          <a:prstGeom prst="rect">
+            <a:avLst/>
+          </a:prstGeom>
+        </p:spPr>
+      </p:pic>
+      <p:pic>
+        <p:nvPicPr>
+          <p:cNvPr id="7" name="Picture 6"/>
+          <p:cNvPicPr>
+            <a:picLocks noChangeAspect="1"/>
+          </p:cNvPicPr>
+          <p:nvPr/>
+        </p:nvPicPr>
+        <p:blipFill>
+          <a:blip r:embed="rId6">
+            <a:extLst>
+              <a:ext uri="{28A0092B-C50C-407E-A947-70E740481C1C}">
+                <a14:useLocalDpi xmlns:a14="http://schemas.microsoft.com/office/drawing/2010/main" val="0"/>
+              </a:ext>
+            </a:extLst>
+          </a:blip>
+          <a:stretch>
+            <a:fillRect/>
+          </a:stretch>
+        </p:blipFill>
+        <p:spPr>
+          <a:xfrm>
+            <a:off x="6458902" y="3527420"/>
+            <a:ext cx="2056448" cy="639443"/>
+          </a:xfrm>
+          <a:prstGeom prst="rect">
+            <a:avLst/>
+          </a:prstGeom>
+        </p:spPr>
+      </p:pic>
+      <p:pic>
+        <p:nvPicPr>
+          <p:cNvPr id="8" name="Picture 7"/>
+          <p:cNvPicPr>
+            <a:picLocks noChangeAspect="1"/>
+          </p:cNvPicPr>
+          <p:nvPr/>
+        </p:nvPicPr>
+        <p:blipFill>
+          <a:blip r:embed="rId7">
+            <a:extLst>
+              <a:ext uri="{28A0092B-C50C-407E-A947-70E740481C1C}">
+                <a14:useLocalDpi xmlns:a14="http://schemas.microsoft.com/office/drawing/2010/main" val="0"/>
+              </a:ext>
+            </a:extLst>
+          </a:blip>
+          <a:stretch>
+            <a:fillRect/>
+          </a:stretch>
+        </p:blipFill>
+        <p:spPr>
+          <a:xfrm>
+            <a:off x="5383864" y="5305652"/>
+            <a:ext cx="2150077" cy="382236"/>
+          </a:xfrm>
+          <a:prstGeom prst="rect">
+            <a:avLst/>
+          </a:prstGeom>
+        </p:spPr>
+      </p:pic>
+      <p:sp>
+        <p:nvSpPr>
+          <p:cNvPr id="9" name="Content Placeholder 2"/>
+          <p:cNvSpPr txBox="1">
+            <a:spLocks/>
+          </p:cNvSpPr>
+          <p:nvPr/>
+        </p:nvSpPr>
+        <p:spPr>
+          <a:xfrm>
+            <a:off x="628650" y="1698294"/>
+            <a:ext cx="7973812" cy="1285353"/>
+          </a:xfrm>
+          <a:prstGeom prst="rect">
+            <a:avLst/>
+          </a:prstGeom>
+        </p:spPr>
+        <p:txBody>
+          <a:bodyPr vert="horz" lIns="91440" tIns="45720" rIns="91440" bIns="45720" rtlCol="0">
             <a:normAutofit/>
           </a:bodyPr>
-          <a:lstStyle/>
-          <a:p>
-            <a:r>
-              <a:rPr lang="en-US"/>
-              <a:t>How to leverage external contexts such as URLs in tweets, images, multi-modal signals, entity linking to sources like DBpedia...?</a:t>
-            </a:r>
-          </a:p>
-          <a:p>
-            <a:pPr lvl="1"/>
-            <a:r>
-              <a:rPr lang="en-US"/>
-              <a:t>Can significantly enhance the ‘signal’ in the data e.g., see (Gattani et al., VLDB’13)</a:t>
-            </a:r>
-          </a:p>
-          <a:p>
-            <a:r>
-              <a:rPr lang="en-US"/>
-              <a:t>How to combine NER and event identification/extraction models by leveraging joint context?</a:t>
-            </a:r>
-          </a:p>
-          <a:p>
-            <a:pPr lvl="1"/>
-            <a:r>
-              <a:rPr lang="en-US"/>
-              <a:t>Promising work in this area e.g., (Vavliakis et al., DKE, 13)</a:t>
-            </a:r>
-          </a:p>
-          <a:p>
-            <a:r>
-              <a:rPr lang="en-US"/>
-              <a:t>Novel applications and interfaces for crisis informatics pipelines</a:t>
-            </a:r>
+          <a:lstStyle>
+            <a:lvl1pPr marL="228600" indent="-228600" algn="l" defTabSz="914400" rtl="0" eaLnBrk="1" latinLnBrk="0" hangingPunct="1">
+              <a:lnSpc>
+                <a:spcPct val="90000"/>
+              </a:lnSpc>
+              <a:spcBef>
+                <a:spcPts val="1000"/>
+              </a:spcBef>
+              <a:buFont typeface="Arial" panose="020B0604020202020204" pitchFamily="34" charset="0"/>
+              <a:buChar char="•"/>
+              <a:defRPr sz="2800" kern="1200">
+                <a:solidFill>
+                  <a:schemeClr val="tx1"/>
+                </a:solidFill>
+                <a:latin typeface="+mn-lt"/>
+                <a:ea typeface="+mn-ea"/>
+                <a:cs typeface="+mn-cs"/>
+              </a:defRPr>
+            </a:lvl1pPr>
+            <a:lvl2pPr marL="685800" indent="-228600" algn="l" defTabSz="914400" rtl="0" eaLnBrk="1" latinLnBrk="0" hangingPunct="1">
+              <a:lnSpc>
+                <a:spcPct val="90000"/>
+              </a:lnSpc>
+              <a:spcBef>
+                <a:spcPts val="500"/>
+              </a:spcBef>
+              <a:buFont typeface="Arial" panose="020B0604020202020204" pitchFamily="34" charset="0"/>
+              <a:buChar char="•"/>
+              <a:defRPr sz="2400" kern="1200">
+                <a:solidFill>
+                  <a:schemeClr val="tx1"/>
+                </a:solidFill>
+                <a:latin typeface="+mn-lt"/>
+                <a:ea typeface="+mn-ea"/>
+                <a:cs typeface="+mn-cs"/>
+              </a:defRPr>
+            </a:lvl2pPr>
+            <a:lvl3pPr marL="1143000" indent="-228600" algn="l" defTabSz="914400" rtl="0" eaLnBrk="1" latinLnBrk="0" hangingPunct="1">
+              <a:lnSpc>
+                <a:spcPct val="90000"/>
+              </a:lnSpc>
+              <a:spcBef>
+                <a:spcPts val="500"/>
+              </a:spcBef>
+              <a:buFont typeface="Arial" panose="020B0604020202020204" pitchFamily="34" charset="0"/>
+              <a:buChar char="•"/>
+              <a:defRPr sz="2000" kern="1200">
+                <a:solidFill>
+                  <a:schemeClr val="tx1"/>
+                </a:solidFill>
+                <a:latin typeface="+mn-lt"/>
+                <a:ea typeface="+mn-ea"/>
+                <a:cs typeface="+mn-cs"/>
+              </a:defRPr>
+            </a:lvl3pPr>
+            <a:lvl4pPr marL="1600200" indent="-228600" algn="l" defTabSz="914400" rtl="0" eaLnBrk="1" latinLnBrk="0" hangingPunct="1">
+              <a:lnSpc>
+                <a:spcPct val="90000"/>
+              </a:lnSpc>
+              <a:spcBef>
+                <a:spcPts val="500"/>
+              </a:spcBef>
+              <a:buFont typeface="Arial" panose="020B0604020202020204" pitchFamily="34" charset="0"/>
+              <a:buChar char="•"/>
+              <a:defRPr sz="1800" kern="1200">
+                <a:solidFill>
+                  <a:schemeClr val="tx1"/>
+                </a:solidFill>
+                <a:latin typeface="+mn-lt"/>
+                <a:ea typeface="+mn-ea"/>
+                <a:cs typeface="+mn-cs"/>
+              </a:defRPr>
+            </a:lvl4pPr>
+            <a:lvl5pPr marL="2057400" indent="-228600" algn="l" defTabSz="914400" rtl="0" eaLnBrk="1" latinLnBrk="0" hangingPunct="1">
+              <a:lnSpc>
+                <a:spcPct val="90000"/>
+              </a:lnSpc>
+              <a:spcBef>
+                <a:spcPts val="500"/>
+              </a:spcBef>
+              <a:buFont typeface="Arial" panose="020B0604020202020204" pitchFamily="34" charset="0"/>
+              <a:buChar char="•"/>
+              <a:defRPr sz="1800" kern="1200">
+                <a:solidFill>
+                  <a:schemeClr val="tx1"/>
+                </a:solidFill>
+                <a:latin typeface="+mn-lt"/>
+                <a:ea typeface="+mn-ea"/>
+                <a:cs typeface="+mn-cs"/>
+              </a:defRPr>
+            </a:lvl5pPr>
+            <a:lvl6pPr marL="2514600" indent="-228600" algn="l" defTabSz="914400" rtl="0" eaLnBrk="1" latinLnBrk="0" hangingPunct="1">
+              <a:lnSpc>
+                <a:spcPct val="90000"/>
+              </a:lnSpc>
+              <a:spcBef>
+                <a:spcPts val="500"/>
+              </a:spcBef>
+              <a:buFont typeface="Arial" panose="020B0604020202020204" pitchFamily="34" charset="0"/>
+              <a:buChar char="•"/>
+              <a:defRPr sz="1800" kern="1200">
+                <a:solidFill>
+                  <a:schemeClr val="tx1"/>
+                </a:solidFill>
+                <a:latin typeface="+mn-lt"/>
+                <a:ea typeface="+mn-ea"/>
+                <a:cs typeface="+mn-cs"/>
+              </a:defRPr>
+            </a:lvl6pPr>
+            <a:lvl7pPr marL="2971800" indent="-228600" algn="l" defTabSz="914400" rtl="0" eaLnBrk="1" latinLnBrk="0" hangingPunct="1">
+              <a:lnSpc>
+                <a:spcPct val="90000"/>
+              </a:lnSpc>
+              <a:spcBef>
+                <a:spcPts val="500"/>
+              </a:spcBef>
+              <a:buFont typeface="Arial" panose="020B0604020202020204" pitchFamily="34" charset="0"/>
+              <a:buChar char="•"/>
+              <a:defRPr sz="1800" kern="1200">
+                <a:solidFill>
+                  <a:schemeClr val="tx1"/>
+                </a:solidFill>
+                <a:latin typeface="+mn-lt"/>
+                <a:ea typeface="+mn-ea"/>
+                <a:cs typeface="+mn-cs"/>
+              </a:defRPr>
+            </a:lvl7pPr>
+            <a:lvl8pPr marL="3429000" indent="-228600" algn="l" defTabSz="914400" rtl="0" eaLnBrk="1" latinLnBrk="0" hangingPunct="1">
+              <a:lnSpc>
+                <a:spcPct val="90000"/>
+              </a:lnSpc>
+              <a:spcBef>
+                <a:spcPts val="500"/>
+              </a:spcBef>
+              <a:buFont typeface="Arial" panose="020B0604020202020204" pitchFamily="34" charset="0"/>
+              <a:buChar char="•"/>
+              <a:defRPr sz="1800" kern="1200">
+                <a:solidFill>
+                  <a:schemeClr val="tx1"/>
+                </a:solidFill>
+                <a:latin typeface="+mn-lt"/>
+                <a:ea typeface="+mn-ea"/>
+                <a:cs typeface="+mn-cs"/>
+              </a:defRPr>
+            </a:lvl8pPr>
+            <a:lvl9pPr marL="3886200" indent="-228600" algn="l" defTabSz="914400" rtl="0" eaLnBrk="1" latinLnBrk="0" hangingPunct="1">
+              <a:lnSpc>
+                <a:spcPct val="90000"/>
+              </a:lnSpc>
+              <a:spcBef>
+                <a:spcPts val="500"/>
+              </a:spcBef>
+              <a:buFont typeface="Arial" panose="020B0604020202020204" pitchFamily="34" charset="0"/>
+              <a:buChar char="•"/>
+              <a:defRPr sz="1800" kern="1200">
+                <a:solidFill>
+                  <a:schemeClr val="tx1"/>
+                </a:solidFill>
+                <a:latin typeface="+mn-lt"/>
+                <a:ea typeface="+mn-ea"/>
+                <a:cs typeface="+mn-cs"/>
+              </a:defRPr>
+            </a:lvl9pPr>
+          </a:lstStyle>
+          <a:p>
+            <a:r>
+              <a:rPr lang="en-US" i="1"/>
+              <a:t>Entity Resolution </a:t>
+            </a:r>
+            <a:r>
+              <a:rPr lang="en-US"/>
+              <a:t>is the problem of automatically determining when a pair of entities (extracted or otherwise) refers to the </a:t>
+            </a:r>
+            <a:r>
+              <a:rPr lang="en-US" i="1"/>
+              <a:t>same </a:t>
+            </a:r>
+            <a:r>
+              <a:rPr lang="en-US"/>
+              <a:t>underlying entity</a:t>
+            </a:r>
+            <a:endParaRPr lang="en-US" dirty="0"/>
           </a:p>
         </p:txBody>
       </p:sp>
     </p:spTree>
     <p:extLst>
       <p:ext uri="{BB962C8B-B14F-4D97-AF65-F5344CB8AC3E}">
-        <p14:creationId xmlns:p14="http://schemas.microsoft.com/office/powerpoint/2010/main" val="615786252"/>
+        <p14:creationId xmlns:p14="http://schemas.microsoft.com/office/powerpoint/2010/main" val="79417688"/>
       </p:ext>
     </p:extLst>
   </p:cSld>
@@ -8872,7 +9306,7 @@
           <p:cNvPr id="2" name="Title 1">
             <a:extLst>
               <a:ext uri="{FF2B5EF4-FFF2-40B4-BE49-F238E27FC236}">
-                <a16:creationId xmlns:a16="http://schemas.microsoft.com/office/drawing/2014/main" id="{CFCE8D96-6E58-4983-981B-1D7B3A8AE099}"/>
+                <a16:creationId xmlns:a16="http://schemas.microsoft.com/office/drawing/2014/main" xmlns="" id="{E1C3A720-E34E-4BB6-B515-B3C2EF039BC8}"/>
               </a:ext>
             </a:extLst>
           </p:cNvPr>
@@ -8890,6 +9324,268 @@
           <a:p>
             <a:r>
               <a:rPr lang="en-US"/>
+              <a:t>Open Research Issues</a:t>
+            </a:r>
+          </a:p>
+        </p:txBody>
+      </p:sp>
+      <p:sp>
+        <p:nvSpPr>
+          <p:cNvPr id="3" name="Content Placeholder 2">
+            <a:extLst>
+              <a:ext uri="{FF2B5EF4-FFF2-40B4-BE49-F238E27FC236}">
+                <a16:creationId xmlns:a16="http://schemas.microsoft.com/office/drawing/2014/main" xmlns="" id="{D16B1CA5-8025-464F-80E9-9942274912F8}"/>
+              </a:ext>
+            </a:extLst>
+          </p:cNvPr>
+          <p:cNvSpPr>
+            <a:spLocks noGrp="1"/>
+          </p:cNvSpPr>
+          <p:nvPr>
+            <p:ph idx="1"/>
+          </p:nvPr>
+        </p:nvSpPr>
+        <p:spPr>
+          <a:xfrm>
+            <a:off x="292608" y="1487424"/>
+            <a:ext cx="8222742" cy="5181600"/>
+          </a:xfrm>
+        </p:spPr>
+        <p:txBody>
+          <a:bodyPr>
+            <a:normAutofit/>
+          </a:bodyPr>
+          <a:lstStyle/>
+          <a:p>
+            <a:r>
+              <a:rPr lang="en-US"/>
+              <a:t>Accuracy still low for social media (SM) NER</a:t>
+            </a:r>
+          </a:p>
+          <a:p>
+            <a:pPr lvl="1"/>
+            <a:r>
+              <a:rPr lang="en-US"/>
+              <a:t>How to improve performance without increasing training annotations?</a:t>
+            </a:r>
+          </a:p>
+          <a:p>
+            <a:r>
+              <a:rPr lang="en-US"/>
+              <a:t>How to work directly with noisy inputs (e.g., machine translated texts) and consume noisy NER outputs?</a:t>
+            </a:r>
+          </a:p>
+          <a:p>
+            <a:r>
+              <a:rPr lang="en-US"/>
+              <a:t>NER for cross-domain and multi-lingual/non-English SM</a:t>
+            </a:r>
+          </a:p>
+          <a:p>
+            <a:pPr lvl="1"/>
+            <a:r>
+              <a:rPr lang="en-US"/>
+              <a:t>Chinese social media </a:t>
+            </a:r>
+            <a:r>
+              <a:rPr lang="en-US">
+                <a:solidFill>
+                  <a:srgbClr val="0070C0"/>
+                </a:solidFill>
+              </a:rPr>
+              <a:t>(He and Sun, AAAI’17)</a:t>
+            </a:r>
+          </a:p>
+        </p:txBody>
+      </p:sp>
+    </p:spTree>
+    <p:extLst>
+      <p:ext uri="{BB962C8B-B14F-4D97-AF65-F5344CB8AC3E}">
+        <p14:creationId xmlns:p14="http://schemas.microsoft.com/office/powerpoint/2010/main" val="3352456993"/>
+      </p:ext>
+    </p:extLst>
+  </p:cSld>
+  <p:clrMapOvr>
+    <a:masterClrMapping/>
+  </p:clrMapOvr>
+</p:sld>
+</file>
+
+<file path=ppt/slides/slide26.xml><?xml version="1.0" encoding="utf-8"?>
+<p:sld xmlns:a="http://schemas.openxmlformats.org/drawingml/2006/main" xmlns:r="http://schemas.openxmlformats.org/officeDocument/2006/relationships" xmlns:p="http://schemas.openxmlformats.org/presentationml/2006/main">
+  <p:cSld>
+    <p:spTree>
+      <p:nvGrpSpPr>
+        <p:cNvPr id="1" name=""/>
+        <p:cNvGrpSpPr/>
+        <p:nvPr/>
+      </p:nvGrpSpPr>
+      <p:grpSpPr>
+        <a:xfrm>
+          <a:off x="0" y="0"/>
+          <a:ext cx="0" cy="0"/>
+          <a:chOff x="0" y="0"/>
+          <a:chExt cx="0" cy="0"/>
+        </a:xfrm>
+      </p:grpSpPr>
+      <p:sp>
+        <p:nvSpPr>
+          <p:cNvPr id="2" name="Title 1">
+            <a:extLst>
+              <a:ext uri="{FF2B5EF4-FFF2-40B4-BE49-F238E27FC236}">
+                <a16:creationId xmlns:a16="http://schemas.microsoft.com/office/drawing/2014/main" xmlns="" id="{E1C3A720-E34E-4BB6-B515-B3C2EF039BC8}"/>
+              </a:ext>
+            </a:extLst>
+          </p:cNvPr>
+          <p:cNvSpPr>
+            <a:spLocks noGrp="1"/>
+          </p:cNvSpPr>
+          <p:nvPr>
+            <p:ph type="title"/>
+          </p:nvPr>
+        </p:nvSpPr>
+        <p:spPr/>
+        <p:txBody>
+          <a:bodyPr/>
+          <a:lstStyle/>
+          <a:p>
+            <a:r>
+              <a:rPr lang="en-US"/>
+              <a:t>Open Research Issues</a:t>
+            </a:r>
+          </a:p>
+        </p:txBody>
+      </p:sp>
+      <p:sp>
+        <p:nvSpPr>
+          <p:cNvPr id="3" name="Content Placeholder 2">
+            <a:extLst>
+              <a:ext uri="{FF2B5EF4-FFF2-40B4-BE49-F238E27FC236}">
+                <a16:creationId xmlns:a16="http://schemas.microsoft.com/office/drawing/2014/main" xmlns="" id="{D16B1CA5-8025-464F-80E9-9942274912F8}"/>
+              </a:ext>
+            </a:extLst>
+          </p:cNvPr>
+          <p:cNvSpPr>
+            <a:spLocks noGrp="1"/>
+          </p:cNvSpPr>
+          <p:nvPr>
+            <p:ph idx="1"/>
+          </p:nvPr>
+        </p:nvSpPr>
+        <p:spPr>
+          <a:xfrm>
+            <a:off x="292608" y="1487424"/>
+            <a:ext cx="8222742" cy="5181600"/>
+          </a:xfrm>
+        </p:spPr>
+        <p:txBody>
+          <a:bodyPr>
+            <a:normAutofit/>
+          </a:bodyPr>
+          <a:lstStyle/>
+          <a:p>
+            <a:r>
+              <a:rPr lang="en-US"/>
+              <a:t>How to leverage external contexts such as URLs in tweets, images, multi-modal signals, entity linking to sources like DBpedia...?</a:t>
+            </a:r>
+          </a:p>
+          <a:p>
+            <a:pPr lvl="1"/>
+            <a:r>
+              <a:rPr lang="en-US"/>
+              <a:t>Can significantly enhance the ‘signal’ in the data e.g., see </a:t>
+            </a:r>
+            <a:r>
+              <a:rPr lang="en-US">
+                <a:solidFill>
+                  <a:srgbClr val="0070C0"/>
+                </a:solidFill>
+              </a:rPr>
+              <a:t>(Gattani et al., VLDB’13)</a:t>
+            </a:r>
+          </a:p>
+          <a:p>
+            <a:r>
+              <a:rPr lang="en-US"/>
+              <a:t>How to combine NER and event identification/extraction models by leveraging joint context?</a:t>
+            </a:r>
+          </a:p>
+          <a:p>
+            <a:pPr lvl="1"/>
+            <a:r>
+              <a:rPr lang="en-US"/>
+              <a:t>Promising work in this area e.g., </a:t>
+            </a:r>
+            <a:r>
+              <a:rPr lang="en-US">
+                <a:solidFill>
+                  <a:srgbClr val="0070C0"/>
+                </a:solidFill>
+              </a:rPr>
+              <a:t>(Vavliakis et al., DKE, 13)</a:t>
+            </a:r>
+          </a:p>
+          <a:p>
+            <a:r>
+              <a:rPr lang="en-US"/>
+              <a:t>Novel applications and interfaces for crisis informatics pipelines</a:t>
+            </a:r>
+          </a:p>
+        </p:txBody>
+      </p:sp>
+    </p:spTree>
+    <p:extLst>
+      <p:ext uri="{BB962C8B-B14F-4D97-AF65-F5344CB8AC3E}">
+        <p14:creationId xmlns:p14="http://schemas.microsoft.com/office/powerpoint/2010/main" val="615786252"/>
+      </p:ext>
+    </p:extLst>
+  </p:cSld>
+  <p:clrMapOvr>
+    <a:masterClrMapping/>
+  </p:clrMapOvr>
+</p:sld>
+</file>
+
+<file path=ppt/slides/slide27.xml><?xml version="1.0" encoding="utf-8"?>
+<p:sld xmlns:a="http://schemas.openxmlformats.org/drawingml/2006/main" xmlns:r="http://schemas.openxmlformats.org/officeDocument/2006/relationships" xmlns:p="http://schemas.openxmlformats.org/presentationml/2006/main">
+  <p:cSld>
+    <p:spTree>
+      <p:nvGrpSpPr>
+        <p:cNvPr id="1" name=""/>
+        <p:cNvGrpSpPr/>
+        <p:nvPr/>
+      </p:nvGrpSpPr>
+      <p:grpSpPr>
+        <a:xfrm>
+          <a:off x="0" y="0"/>
+          <a:ext cx="0" cy="0"/>
+          <a:chOff x="0" y="0"/>
+          <a:chExt cx="0" cy="0"/>
+        </a:xfrm>
+      </p:grpSpPr>
+      <p:sp>
+        <p:nvSpPr>
+          <p:cNvPr id="2" name="Title 1">
+            <a:extLst>
+              <a:ext uri="{FF2B5EF4-FFF2-40B4-BE49-F238E27FC236}">
+                <a16:creationId xmlns:a16="http://schemas.microsoft.com/office/drawing/2014/main" xmlns="" id="{CFCE8D96-6E58-4983-981B-1D7B3A8AE099}"/>
+              </a:ext>
+            </a:extLst>
+          </p:cNvPr>
+          <p:cNvSpPr>
+            <a:spLocks noGrp="1"/>
+          </p:cNvSpPr>
+          <p:nvPr>
+            <p:ph type="title"/>
+          </p:nvPr>
+        </p:nvSpPr>
+        <p:spPr/>
+        <p:txBody>
+          <a:bodyPr/>
+          <a:lstStyle/>
+          <a:p>
+            <a:r>
+              <a:rPr lang="en-US"/>
               <a:t>Summary</a:t>
             </a:r>
           </a:p>
@@ -8900,7 +9596,7 @@
           <p:cNvPr id="3" name="Content Placeholder 2">
             <a:extLst>
               <a:ext uri="{FF2B5EF4-FFF2-40B4-BE49-F238E27FC236}">
-                <a16:creationId xmlns:a16="http://schemas.microsoft.com/office/drawing/2014/main" id="{F23BAEE7-34A6-41E7-AC69-3175B3C4494B}"/>
+                <a16:creationId xmlns:a16="http://schemas.microsoft.com/office/drawing/2014/main" xmlns="" id="{F23BAEE7-34A6-41E7-AC69-3175B3C4494B}"/>
               </a:ext>
             </a:extLst>
           </p:cNvPr>
@@ -8911,9 +9607,16 @@
             <p:ph idx="1"/>
           </p:nvPr>
         </p:nvSpPr>
-        <p:spPr/>
-        <p:txBody>
-          <a:bodyPr/>
+        <p:spPr>
+          <a:xfrm>
+            <a:off x="628650" y="1825624"/>
+            <a:ext cx="7886700" cy="4584053"/>
+          </a:xfrm>
+        </p:spPr>
+        <p:txBody>
+          <a:bodyPr>
+            <a:normAutofit lnSpcReduction="10000"/>
+          </a:bodyPr>
           <a:lstStyle/>
           <a:p>
             <a:r>
@@ -8926,6 +9629,14 @@
               <a:rPr lang="en-US"/>
               <a:t>NER quality is much lower on Twitter data than ‘ordinary’ corpora like news or long text articles</a:t>
             </a:r>
+          </a:p>
+          <a:p>
+            <a:pPr lvl="1"/>
+            <a:r>
+              <a:rPr lang="en-US"/>
+              <a:t>Not known how tools currently perform on crisis-specific data</a:t>
+            </a:r>
+            <a:endParaRPr lang="en-US"/>
           </a:p>
           <a:p>
             <a:r>
@@ -8976,7 +9687,7 @@
           <p:cNvPr id="2" name="Title 1">
             <a:extLst>
               <a:ext uri="{FF2B5EF4-FFF2-40B4-BE49-F238E27FC236}">
-                <a16:creationId xmlns:a16="http://schemas.microsoft.com/office/drawing/2014/main" id="{47E09107-4194-4BB3-9118-E9B9EDF2C558}"/>
+                <a16:creationId xmlns:a16="http://schemas.microsoft.com/office/drawing/2014/main" xmlns="" id="{47E09107-4194-4BB3-9118-E9B9EDF2C558}"/>
               </a:ext>
             </a:extLst>
           </p:cNvPr>
@@ -9004,7 +9715,7 @@
           <p:cNvPr id="7" name="Content Placeholder 6">
             <a:extLst>
               <a:ext uri="{FF2B5EF4-FFF2-40B4-BE49-F238E27FC236}">
-                <a16:creationId xmlns:a16="http://schemas.microsoft.com/office/drawing/2014/main" id="{55AA5913-BC8F-49AE-83AD-A535765E7CC1}"/>
+                <a16:creationId xmlns:a16="http://schemas.microsoft.com/office/drawing/2014/main" xmlns="" id="{55AA5913-BC8F-49AE-83AD-A535765E7CC1}"/>
               </a:ext>
             </a:extLst>
           </p:cNvPr>
@@ -9036,7 +9747,7 @@
             <a:pPr lvl="1"/>
             <a:r>
               <a:rPr lang="en-US" sz="2000"/>
-              <a:t>Decades of research, with recent methods including deep </a:t>
+              <a:t>Decades of research, with recent methods including deep learning </a:t>
             </a:r>
           </a:p>
           <a:p>
@@ -9052,7 +9763,7 @@
           <p:cNvPr id="9" name="Picture 8">
             <a:extLst>
               <a:ext uri="{FF2B5EF4-FFF2-40B4-BE49-F238E27FC236}">
-                <a16:creationId xmlns:a16="http://schemas.microsoft.com/office/drawing/2014/main" id="{E1DD3FFF-CBA4-4672-8CFC-76ADC6C35748}"/>
+                <a16:creationId xmlns:a16="http://schemas.microsoft.com/office/drawing/2014/main" xmlns="" id="{E1DD3FFF-CBA4-4672-8CFC-76ADC6C35748}"/>
               </a:ext>
             </a:extLst>
           </p:cNvPr>
@@ -9069,7 +9780,7 @@
         </p:blipFill>
         <p:spPr>
           <a:xfrm>
-            <a:off x="1548378" y="3355169"/>
+            <a:off x="1708175" y="3445961"/>
             <a:ext cx="5529755" cy="2364617"/>
           </a:xfrm>
           <a:prstGeom prst="rect">
@@ -9082,7 +9793,7 @@
           <p:cNvPr id="11" name="TextBox 10">
             <a:extLst>
               <a:ext uri="{FF2B5EF4-FFF2-40B4-BE49-F238E27FC236}">
-                <a16:creationId xmlns:a16="http://schemas.microsoft.com/office/drawing/2014/main" id="{E85CB4B4-ABDB-482D-B80B-413EB31EB1B1}"/>
+                <a16:creationId xmlns:a16="http://schemas.microsoft.com/office/drawing/2014/main" xmlns="" id="{E85CB4B4-ABDB-482D-B80B-413EB31EB1B1}"/>
               </a:ext>
             </a:extLst>
           </p:cNvPr>
@@ -9152,7 +9863,7 @@
           <p:cNvPr id="2" name="Title 1">
             <a:extLst>
               <a:ext uri="{FF2B5EF4-FFF2-40B4-BE49-F238E27FC236}">
-                <a16:creationId xmlns:a16="http://schemas.microsoft.com/office/drawing/2014/main" id="{A0F21688-37C0-4FB8-98B9-6DD8554E0990}"/>
+                <a16:creationId xmlns:a16="http://schemas.microsoft.com/office/drawing/2014/main" xmlns="" id="{47E09107-4194-4BB3-9118-E9B9EDF2C558}"/>
               </a:ext>
             </a:extLst>
           </p:cNvPr>
@@ -9170,17 +9881,17 @@
           <a:p>
             <a:r>
               <a:rPr lang="en-US"/>
-              <a:t>Definition: NER</a:t>
-            </a:r>
-          </a:p>
-        </p:txBody>
-      </p:sp>
-      <p:sp>
-        <p:nvSpPr>
-          <p:cNvPr id="3" name="Content Placeholder 2">
-            <a:extLst>
-              <a:ext uri="{FF2B5EF4-FFF2-40B4-BE49-F238E27FC236}">
-                <a16:creationId xmlns:a16="http://schemas.microsoft.com/office/drawing/2014/main" id="{554089DA-C2AA-48DD-B415-45630612B511}"/>
+              <a:t>Named Entity Recognition (NER)</a:t>
+            </a:r>
+          </a:p>
+        </p:txBody>
+      </p:sp>
+      <p:sp>
+        <p:nvSpPr>
+          <p:cNvPr id="7" name="Content Placeholder 6">
+            <a:extLst>
+              <a:ext uri="{FF2B5EF4-FFF2-40B4-BE49-F238E27FC236}">
+                <a16:creationId xmlns:a16="http://schemas.microsoft.com/office/drawing/2014/main" xmlns="" id="{55AA5913-BC8F-49AE-83AD-A535765E7CC1}"/>
               </a:ext>
             </a:extLst>
           </p:cNvPr>
@@ -9191,37 +9902,214 @@
             <p:ph idx="1"/>
           </p:nvPr>
         </p:nvSpPr>
-        <p:spPr/>
-        <p:txBody>
-          <a:bodyPr/>
-          <a:lstStyle/>
-          <a:p>
-            <a:r>
-              <a:rPr lang="en-US"/>
-              <a:t>Given a set of </a:t>
-            </a:r>
-            <a:r>
-              <a:rPr lang="en-US" i="1"/>
-              <a:t>entity types </a:t>
-            </a:r>
-            <a:r>
-              <a:rPr lang="en-US"/>
-              <a:t>(e.g., PERSON, LOCATION, ORGANIZATION...) and a text corpus, automatically detect and extract type instances (entities) from the text </a:t>
+        <p:spPr>
+          <a:xfrm>
+            <a:off x="875785" y="1627916"/>
+            <a:ext cx="7563880" cy="4351338"/>
+          </a:xfrm>
+        </p:spPr>
+        <p:txBody>
+          <a:bodyPr>
+            <a:normAutofit/>
+          </a:bodyPr>
+          <a:lstStyle/>
+          <a:p>
+            <a:r>
+              <a:rPr lang="en-US" sz="2400"/>
+              <a:t>NER is a classic problem in the NLP literature</a:t>
             </a:r>
           </a:p>
           <a:p>
             <a:pPr lvl="1"/>
             <a:r>
-              <a:rPr lang="en-US"/>
-              <a:t>The finer-grained the types (or the ontology), the harder the problem!</a:t>
-            </a:r>
-          </a:p>
-        </p:txBody>
-      </p:sp>
+              <a:rPr lang="en-US" sz="2000"/>
+              <a:t>Decades of research, with recent methods including deep learning </a:t>
+            </a:r>
+          </a:p>
+          <a:p>
+            <a:r>
+              <a:rPr lang="en-US" sz="2400"/>
+              <a:t>Social media involves unique NER challenges due to irregular text</a:t>
+            </a:r>
+          </a:p>
+          <a:p>
+            <a:r>
+              <a:rPr lang="en-US" sz="2400"/>
+              <a:t>Crisis data is even more difficult due to presence of ‘uncommon’ entity types (e.g., weather warnings)</a:t>
+            </a:r>
+            <a:endParaRPr lang="en-US" sz="2400"/>
+          </a:p>
+        </p:txBody>
+      </p:sp>
+      <p:sp>
+        <p:nvSpPr>
+          <p:cNvPr id="11" name="TextBox 10">
+            <a:extLst>
+              <a:ext uri="{FF2B5EF4-FFF2-40B4-BE49-F238E27FC236}">
+                <a16:creationId xmlns:a16="http://schemas.microsoft.com/office/drawing/2014/main" xmlns="" id="{E85CB4B4-ABDB-482D-B80B-413EB31EB1B1}"/>
+              </a:ext>
+            </a:extLst>
+          </p:cNvPr>
+          <p:cNvSpPr txBox="1"/>
+          <p:nvPr/>
+        </p:nvSpPr>
+        <p:spPr>
+          <a:xfrm>
+            <a:off x="6475476" y="6484358"/>
+            <a:ext cx="2668524" cy="307777"/>
+          </a:xfrm>
+          <a:prstGeom prst="rect">
+            <a:avLst/>
+          </a:prstGeom>
+          <a:noFill/>
+        </p:spPr>
+        <p:txBody>
+          <a:bodyPr wrap="square" rtlCol="0">
+            <a:spAutoFit/>
+          </a:bodyPr>
+          <a:lstStyle/>
+          <a:p>
+            <a:pPr algn="r"/>
+            <a:r>
+              <a:rPr lang="en-US" sz="1400">
+                <a:solidFill>
+                  <a:srgbClr val="002060"/>
+                </a:solidFill>
+              </a:rPr>
+              <a:t>(Ritter et al., 2011)</a:t>
+            </a:r>
+          </a:p>
+        </p:txBody>
+      </p:sp>
+      <p:pic>
+        <p:nvPicPr>
+          <p:cNvPr id="6" name="Picture 5">
+            <a:extLst>
+              <a:ext uri="{FF2B5EF4-FFF2-40B4-BE49-F238E27FC236}">
+                <a16:creationId xmlns:a16="http://schemas.microsoft.com/office/drawing/2014/main" xmlns="" id="{D8CFBEAF-7F86-415F-A421-630C06315EF5}"/>
+              </a:ext>
+            </a:extLst>
+          </p:cNvPr>
+          <p:cNvPicPr>
+            <a:picLocks noChangeAspect="1"/>
+          </p:cNvPicPr>
+          <p:nvPr/>
+        </p:nvPicPr>
+        <p:blipFill>
+          <a:blip r:embed="rId2"/>
+          <a:stretch>
+            <a:fillRect/>
+          </a:stretch>
+        </p:blipFill>
+        <p:spPr>
+          <a:xfrm>
+            <a:off x="206502" y="4613148"/>
+            <a:ext cx="8628126" cy="1287780"/>
+          </a:xfrm>
+          <a:prstGeom prst="rect">
+            <a:avLst/>
+          </a:prstGeom>
+        </p:spPr>
+      </p:pic>
+      <p:sp>
+        <p:nvSpPr>
+          <p:cNvPr id="8" name="Rectangle 7">
+            <a:extLst>
+              <a:ext uri="{FF2B5EF4-FFF2-40B4-BE49-F238E27FC236}">
+                <a16:creationId xmlns:a16="http://schemas.microsoft.com/office/drawing/2014/main" xmlns="" id="{3A3D486C-EB90-481F-A0F5-6971C9707494}"/>
+              </a:ext>
+            </a:extLst>
+          </p:cNvPr>
+          <p:cNvSpPr/>
+          <p:nvPr/>
+        </p:nvSpPr>
+        <p:spPr>
+          <a:xfrm>
+            <a:off x="1719072" y="5254752"/>
+            <a:ext cx="1780032" cy="304800"/>
+          </a:xfrm>
+          <a:prstGeom prst="rect">
+            <a:avLst/>
+          </a:prstGeom>
+          <a:noFill/>
+          <a:ln w="38100">
+            <a:solidFill>
+              <a:srgbClr val="FF0000"/>
+            </a:solidFill>
+          </a:ln>
+        </p:spPr>
+        <p:style>
+          <a:lnRef idx="2">
+            <a:schemeClr val="accent1">
+              <a:shade val="50000"/>
+            </a:schemeClr>
+          </a:lnRef>
+          <a:fillRef idx="1">
+            <a:schemeClr val="accent1"/>
+          </a:fillRef>
+          <a:effectRef idx="0">
+            <a:schemeClr val="accent1"/>
+          </a:effectRef>
+          <a:fontRef idx="minor">
+            <a:schemeClr val="lt1"/>
+          </a:fontRef>
+        </p:style>
+        <p:txBody>
+          <a:bodyPr rtlCol="0" anchor="ctr"/>
+          <a:lstStyle/>
+          <a:p>
+            <a:pPr algn="ctr"/>
+            <a:endParaRPr lang="en-US"/>
+          </a:p>
+        </p:txBody>
+      </p:sp>
+      <p:cxnSp>
+        <p:nvCxnSpPr>
+          <p:cNvPr id="10" name="Straight Arrow Connector 9">
+            <a:extLst>
+              <a:ext uri="{FF2B5EF4-FFF2-40B4-BE49-F238E27FC236}">
+                <a16:creationId xmlns:a16="http://schemas.microsoft.com/office/drawing/2014/main" xmlns="" id="{6B5C1F01-6FC6-41B6-986B-614A7417DC21}"/>
+              </a:ext>
+            </a:extLst>
+          </p:cNvPr>
+          <p:cNvCxnSpPr/>
+          <p:nvPr/>
+        </p:nvCxnSpPr>
+        <p:spPr>
+          <a:xfrm flipH="1">
+            <a:off x="2816352" y="4101483"/>
+            <a:ext cx="3309240" cy="1153269"/>
+          </a:xfrm>
+          <a:prstGeom prst="straightConnector1">
+            <a:avLst/>
+          </a:prstGeom>
+          <a:ln w="28575">
+            <a:solidFill>
+              <a:srgbClr val="FF0000"/>
+            </a:solidFill>
+            <a:prstDash val="dash"/>
+            <a:tailEnd type="triangle"/>
+          </a:ln>
+        </p:spPr>
+        <p:style>
+          <a:lnRef idx="1">
+            <a:schemeClr val="accent1"/>
+          </a:lnRef>
+          <a:fillRef idx="0">
+            <a:schemeClr val="accent1"/>
+          </a:fillRef>
+          <a:effectRef idx="0">
+            <a:schemeClr val="accent1"/>
+          </a:effectRef>
+          <a:fontRef idx="minor">
+            <a:schemeClr val="tx1"/>
+          </a:fontRef>
+        </p:style>
+      </p:cxnSp>
     </p:spTree>
     <p:extLst>
       <p:ext uri="{BB962C8B-B14F-4D97-AF65-F5344CB8AC3E}">
-        <p14:creationId xmlns:p14="http://schemas.microsoft.com/office/powerpoint/2010/main" val="2072869368"/>
+        <p14:creationId xmlns:p14="http://schemas.microsoft.com/office/powerpoint/2010/main" val="1362129928"/>
       </p:ext>
     </p:extLst>
   </p:cSld>
@@ -9253,7 +10141,7 @@
           <p:cNvPr id="2" name="Title 1">
             <a:extLst>
               <a:ext uri="{FF2B5EF4-FFF2-40B4-BE49-F238E27FC236}">
-                <a16:creationId xmlns:a16="http://schemas.microsoft.com/office/drawing/2014/main" id="{A686F44C-1A70-4DDC-B6C1-F78384CF90BF}"/>
+                <a16:creationId xmlns:a16="http://schemas.microsoft.com/office/drawing/2014/main" xmlns="" id="{A0F21688-37C0-4FB8-98B9-6DD8554E0990}"/>
               </a:ext>
             </a:extLst>
           </p:cNvPr>
@@ -9271,7 +10159,7 @@
           <a:p>
             <a:r>
               <a:rPr lang="en-US"/>
-              <a:t>Motivation for NER</a:t>
+              <a:t>Definition: NER</a:t>
             </a:r>
           </a:p>
         </p:txBody>
@@ -9281,7 +10169,7 @@
           <p:cNvPr id="3" name="Content Placeholder 2">
             <a:extLst>
               <a:ext uri="{FF2B5EF4-FFF2-40B4-BE49-F238E27FC236}">
-                <a16:creationId xmlns:a16="http://schemas.microsoft.com/office/drawing/2014/main" id="{0E3B6853-3F6F-4F58-A37E-45DAEC469477}"/>
+                <a16:creationId xmlns:a16="http://schemas.microsoft.com/office/drawing/2014/main" xmlns="" id="{554089DA-C2AA-48DD-B415-45630612B511}"/>
               </a:ext>
             </a:extLst>
           </p:cNvPr>
@@ -9299,651 +10187,30 @@
           <a:p>
             <a:r>
               <a:rPr lang="en-US"/>
-              <a:t>Many named entities in tweets and social media</a:t>
+              <a:t>Given a set of </a:t>
+            </a:r>
+            <a:r>
+              <a:rPr lang="en-US" i="1"/>
+              <a:t>entity types </a:t>
+            </a:r>
+            <a:r>
+              <a:rPr lang="en-US"/>
+              <a:t>(e.g., PERSON, LOCATION, ORGANIZATION...) and a text corpus, automatically detect and extract typed instances (entities) from the text </a:t>
             </a:r>
           </a:p>
           <a:p>
             <a:pPr lvl="1"/>
-            <a:endParaRPr lang="en-US"/>
-          </a:p>
-        </p:txBody>
-      </p:sp>
-      <p:pic>
-        <p:nvPicPr>
-          <p:cNvPr id="5" name="Picture 4">
-            <a:extLst>
-              <a:ext uri="{FF2B5EF4-FFF2-40B4-BE49-F238E27FC236}">
-                <a16:creationId xmlns:a16="http://schemas.microsoft.com/office/drawing/2014/main" id="{F6A73548-AD6F-4936-98C2-4C8F902EFAF3}"/>
-              </a:ext>
-            </a:extLst>
-          </p:cNvPr>
-          <p:cNvPicPr>
-            <a:picLocks noChangeAspect="1"/>
-          </p:cNvPicPr>
-          <p:nvPr/>
-        </p:nvPicPr>
-        <p:blipFill>
-          <a:blip r:embed="rId2"/>
-          <a:stretch>
-            <a:fillRect/>
-          </a:stretch>
-        </p:blipFill>
-        <p:spPr>
-          <a:xfrm>
-            <a:off x="316230" y="2979420"/>
-            <a:ext cx="8628126" cy="1287780"/>
-          </a:xfrm>
-          <a:prstGeom prst="rect">
-            <a:avLst/>
-          </a:prstGeom>
-        </p:spPr>
-      </p:pic>
-      <p:pic>
-        <p:nvPicPr>
-          <p:cNvPr id="6" name="Picture 5">
-            <a:extLst>
-              <a:ext uri="{FF2B5EF4-FFF2-40B4-BE49-F238E27FC236}">
-                <a16:creationId xmlns:a16="http://schemas.microsoft.com/office/drawing/2014/main" id="{816EC7DE-502D-4D73-9E1E-0919F80BA181}"/>
-              </a:ext>
-            </a:extLst>
-          </p:cNvPr>
-          <p:cNvPicPr>
-            <a:picLocks noChangeAspect="1"/>
-          </p:cNvPicPr>
-          <p:nvPr/>
-        </p:nvPicPr>
-        <p:blipFill>
-          <a:blip r:embed="rId3"/>
-          <a:stretch>
-            <a:fillRect/>
-          </a:stretch>
-        </p:blipFill>
-        <p:spPr>
-          <a:xfrm>
-            <a:off x="565149" y="4801298"/>
-            <a:ext cx="8045451" cy="1034260"/>
-          </a:xfrm>
-          <a:prstGeom prst="rect">
-            <a:avLst/>
-          </a:prstGeom>
-        </p:spPr>
-      </p:pic>
-      <p:sp>
-        <p:nvSpPr>
-          <p:cNvPr id="7" name="Rectangle 6">
-            <a:extLst>
-              <a:ext uri="{FF2B5EF4-FFF2-40B4-BE49-F238E27FC236}">
-                <a16:creationId xmlns:a16="http://schemas.microsoft.com/office/drawing/2014/main" id="{D5E7CCDA-0121-422A-A1C4-E09689454311}"/>
-              </a:ext>
-            </a:extLst>
-          </p:cNvPr>
-          <p:cNvSpPr/>
-          <p:nvPr/>
-        </p:nvSpPr>
-        <p:spPr>
-          <a:xfrm>
-            <a:off x="97536" y="2730500"/>
-            <a:ext cx="639064" cy="3446463"/>
-          </a:xfrm>
-          <a:prstGeom prst="rect">
-            <a:avLst/>
-          </a:prstGeom>
-          <a:solidFill>
-            <a:schemeClr val="bg1"/>
-          </a:solidFill>
-          <a:ln>
-            <a:noFill/>
-          </a:ln>
-        </p:spPr>
-        <p:style>
-          <a:lnRef idx="2">
-            <a:schemeClr val="accent1">
-              <a:shade val="50000"/>
-            </a:schemeClr>
-          </a:lnRef>
-          <a:fillRef idx="1">
-            <a:schemeClr val="accent1"/>
-          </a:fillRef>
-          <a:effectRef idx="0">
-            <a:schemeClr val="accent1"/>
-          </a:effectRef>
-          <a:fontRef idx="minor">
-            <a:schemeClr val="lt1"/>
-          </a:fontRef>
-        </p:style>
-        <p:txBody>
-          <a:bodyPr rtlCol="0" anchor="ctr"/>
-          <a:lstStyle/>
-          <a:p>
-            <a:pPr algn="ctr"/>
-            <a:endParaRPr lang="en-US"/>
-          </a:p>
-        </p:txBody>
-      </p:sp>
-      <p:sp>
-        <p:nvSpPr>
-          <p:cNvPr id="8" name="Rectangle 7">
-            <a:extLst>
-              <a:ext uri="{FF2B5EF4-FFF2-40B4-BE49-F238E27FC236}">
-                <a16:creationId xmlns:a16="http://schemas.microsoft.com/office/drawing/2014/main" id="{5A1D2F74-D1A6-4348-BEE6-51AADC969511}"/>
-              </a:ext>
-            </a:extLst>
-          </p:cNvPr>
-          <p:cNvSpPr/>
-          <p:nvPr/>
-        </p:nvSpPr>
-        <p:spPr>
-          <a:xfrm>
-            <a:off x="8515350" y="2730500"/>
-            <a:ext cx="533400" cy="3446463"/>
-          </a:xfrm>
-          <a:prstGeom prst="rect">
-            <a:avLst/>
-          </a:prstGeom>
-          <a:solidFill>
-            <a:schemeClr val="bg1"/>
-          </a:solidFill>
-          <a:ln>
-            <a:noFill/>
-          </a:ln>
-        </p:spPr>
-        <p:style>
-          <a:lnRef idx="2">
-            <a:schemeClr val="accent1">
-              <a:shade val="50000"/>
-            </a:schemeClr>
-          </a:lnRef>
-          <a:fillRef idx="1">
-            <a:schemeClr val="accent1"/>
-          </a:fillRef>
-          <a:effectRef idx="0">
-            <a:schemeClr val="accent1"/>
-          </a:effectRef>
-          <a:fontRef idx="minor">
-            <a:schemeClr val="lt1"/>
-          </a:fontRef>
-        </p:style>
-        <p:txBody>
-          <a:bodyPr rtlCol="0" anchor="ctr"/>
-          <a:lstStyle/>
-          <a:p>
-            <a:pPr algn="ctr"/>
-            <a:endParaRPr lang="en-US"/>
-          </a:p>
-        </p:txBody>
-      </p:sp>
-      <p:sp>
-        <p:nvSpPr>
-          <p:cNvPr id="9" name="Rectangle 8">
-            <a:extLst>
-              <a:ext uri="{FF2B5EF4-FFF2-40B4-BE49-F238E27FC236}">
-                <a16:creationId xmlns:a16="http://schemas.microsoft.com/office/drawing/2014/main" id="{F3E9BCA7-2E67-459E-BD66-6F6B6967B217}"/>
-              </a:ext>
-            </a:extLst>
-          </p:cNvPr>
-          <p:cNvSpPr/>
-          <p:nvPr/>
-        </p:nvSpPr>
-        <p:spPr>
-          <a:xfrm rot="5400000">
-            <a:off x="4417830" y="-1267053"/>
-            <a:ext cx="362858" cy="8357967"/>
-          </a:xfrm>
-          <a:prstGeom prst="rect">
-            <a:avLst/>
-          </a:prstGeom>
-          <a:solidFill>
-            <a:schemeClr val="bg1"/>
-          </a:solidFill>
-          <a:ln>
-            <a:noFill/>
-          </a:ln>
-        </p:spPr>
-        <p:style>
-          <a:lnRef idx="2">
-            <a:schemeClr val="accent1">
-              <a:shade val="50000"/>
-            </a:schemeClr>
-          </a:lnRef>
-          <a:fillRef idx="1">
-            <a:schemeClr val="accent1"/>
-          </a:fillRef>
-          <a:effectRef idx="0">
-            <a:schemeClr val="accent1"/>
-          </a:effectRef>
-          <a:fontRef idx="minor">
-            <a:schemeClr val="lt1"/>
-          </a:fontRef>
-        </p:style>
-        <p:txBody>
-          <a:bodyPr rtlCol="0" anchor="ctr"/>
-          <a:lstStyle/>
-          <a:p>
-            <a:pPr algn="ctr"/>
-            <a:endParaRPr lang="en-US"/>
-          </a:p>
-        </p:txBody>
-      </p:sp>
-      <p:sp>
-        <p:nvSpPr>
-          <p:cNvPr id="10" name="Rectangle 9">
-            <a:extLst>
-              <a:ext uri="{FF2B5EF4-FFF2-40B4-BE49-F238E27FC236}">
-                <a16:creationId xmlns:a16="http://schemas.microsoft.com/office/drawing/2014/main" id="{D5A862B6-C16B-47F8-9F98-8F8A4A4AD4AC}"/>
-              </a:ext>
-            </a:extLst>
-          </p:cNvPr>
-          <p:cNvSpPr/>
-          <p:nvPr/>
-        </p:nvSpPr>
-        <p:spPr>
-          <a:xfrm>
-            <a:off x="5425440" y="3633216"/>
-            <a:ext cx="1914144" cy="274320"/>
-          </a:xfrm>
-          <a:prstGeom prst="rect">
-            <a:avLst/>
-          </a:prstGeom>
-          <a:noFill/>
-          <a:ln w="38100">
-            <a:solidFill>
-              <a:srgbClr val="FF0000"/>
-            </a:solidFill>
-          </a:ln>
-        </p:spPr>
-        <p:style>
-          <a:lnRef idx="2">
-            <a:schemeClr val="accent1">
-              <a:shade val="50000"/>
-            </a:schemeClr>
-          </a:lnRef>
-          <a:fillRef idx="1">
-            <a:schemeClr val="accent1"/>
-          </a:fillRef>
-          <a:effectRef idx="0">
-            <a:schemeClr val="accent1"/>
-          </a:effectRef>
-          <a:fontRef idx="minor">
-            <a:schemeClr val="lt1"/>
-          </a:fontRef>
-        </p:style>
-        <p:txBody>
-          <a:bodyPr rtlCol="0" anchor="ctr"/>
-          <a:lstStyle/>
-          <a:p>
-            <a:pPr algn="ctr"/>
-            <a:endParaRPr lang="en-US"/>
-          </a:p>
-        </p:txBody>
-      </p:sp>
-      <p:sp>
-        <p:nvSpPr>
-          <p:cNvPr id="11" name="Rectangle 10">
-            <a:extLst>
-              <a:ext uri="{FF2B5EF4-FFF2-40B4-BE49-F238E27FC236}">
-                <a16:creationId xmlns:a16="http://schemas.microsoft.com/office/drawing/2014/main" id="{FE63E471-40E4-41B6-978E-01DC7E7378BD}"/>
-              </a:ext>
-            </a:extLst>
-          </p:cNvPr>
-          <p:cNvSpPr/>
-          <p:nvPr/>
-        </p:nvSpPr>
-        <p:spPr>
-          <a:xfrm>
-            <a:off x="1932432" y="3907536"/>
-            <a:ext cx="1432560" cy="304800"/>
-          </a:xfrm>
-          <a:prstGeom prst="rect">
-            <a:avLst/>
-          </a:prstGeom>
-          <a:noFill/>
-          <a:ln w="38100">
-            <a:solidFill>
-              <a:srgbClr val="FF0000"/>
-            </a:solidFill>
-          </a:ln>
-        </p:spPr>
-        <p:style>
-          <a:lnRef idx="2">
-            <a:schemeClr val="accent1">
-              <a:shade val="50000"/>
-            </a:schemeClr>
-          </a:lnRef>
-          <a:fillRef idx="1">
-            <a:schemeClr val="accent1"/>
-          </a:fillRef>
-          <a:effectRef idx="0">
-            <a:schemeClr val="accent1"/>
-          </a:effectRef>
-          <a:fontRef idx="minor">
-            <a:schemeClr val="lt1"/>
-          </a:fontRef>
-        </p:style>
-        <p:txBody>
-          <a:bodyPr rtlCol="0" anchor="ctr"/>
-          <a:lstStyle/>
-          <a:p>
-            <a:pPr algn="ctr"/>
-            <a:endParaRPr lang="en-US"/>
-          </a:p>
-        </p:txBody>
-      </p:sp>
-      <p:sp>
-        <p:nvSpPr>
-          <p:cNvPr id="12" name="Rectangle 11">
-            <a:extLst>
-              <a:ext uri="{FF2B5EF4-FFF2-40B4-BE49-F238E27FC236}">
-                <a16:creationId xmlns:a16="http://schemas.microsoft.com/office/drawing/2014/main" id="{2D17F17B-A4FB-4D72-A311-593B770633CD}"/>
-              </a:ext>
-            </a:extLst>
-          </p:cNvPr>
-          <p:cNvSpPr/>
-          <p:nvPr/>
-        </p:nvSpPr>
-        <p:spPr>
-          <a:xfrm>
-            <a:off x="4279392" y="3895344"/>
-            <a:ext cx="573024" cy="304800"/>
-          </a:xfrm>
-          <a:prstGeom prst="rect">
-            <a:avLst/>
-          </a:prstGeom>
-          <a:noFill/>
-          <a:ln w="38100">
-            <a:solidFill>
-              <a:srgbClr val="FF0000"/>
-            </a:solidFill>
-          </a:ln>
-        </p:spPr>
-        <p:style>
-          <a:lnRef idx="2">
-            <a:schemeClr val="accent1">
-              <a:shade val="50000"/>
-            </a:schemeClr>
-          </a:lnRef>
-          <a:fillRef idx="1">
-            <a:schemeClr val="accent1"/>
-          </a:fillRef>
-          <a:effectRef idx="0">
-            <a:schemeClr val="accent1"/>
-          </a:effectRef>
-          <a:fontRef idx="minor">
-            <a:schemeClr val="lt1"/>
-          </a:fontRef>
-        </p:style>
-        <p:txBody>
-          <a:bodyPr rtlCol="0" anchor="ctr"/>
-          <a:lstStyle/>
-          <a:p>
-            <a:pPr algn="ctr"/>
-            <a:endParaRPr lang="en-US"/>
-          </a:p>
-        </p:txBody>
-      </p:sp>
-      <p:sp>
-        <p:nvSpPr>
-          <p:cNvPr id="13" name="Rectangle 12">
-            <a:extLst>
-              <a:ext uri="{FF2B5EF4-FFF2-40B4-BE49-F238E27FC236}">
-                <a16:creationId xmlns:a16="http://schemas.microsoft.com/office/drawing/2014/main" id="{124121EA-6AD7-4BA9-8A91-CD68E3806E19}"/>
-              </a:ext>
-            </a:extLst>
-          </p:cNvPr>
-          <p:cNvSpPr/>
-          <p:nvPr/>
-        </p:nvSpPr>
-        <p:spPr>
-          <a:xfrm>
-            <a:off x="4852416" y="3938016"/>
-            <a:ext cx="1341120" cy="262128"/>
-          </a:xfrm>
-          <a:prstGeom prst="rect">
-            <a:avLst/>
-          </a:prstGeom>
-          <a:noFill/>
-          <a:ln w="38100">
-            <a:solidFill>
-              <a:srgbClr val="FF0000"/>
-            </a:solidFill>
-          </a:ln>
-        </p:spPr>
-        <p:style>
-          <a:lnRef idx="2">
-            <a:schemeClr val="accent1">
-              <a:shade val="50000"/>
-            </a:schemeClr>
-          </a:lnRef>
-          <a:fillRef idx="1">
-            <a:schemeClr val="accent1"/>
-          </a:fillRef>
-          <a:effectRef idx="0">
-            <a:schemeClr val="accent1"/>
-          </a:effectRef>
-          <a:fontRef idx="minor">
-            <a:schemeClr val="lt1"/>
-          </a:fontRef>
-        </p:style>
-        <p:txBody>
-          <a:bodyPr rtlCol="0" anchor="ctr"/>
-          <a:lstStyle/>
-          <a:p>
-            <a:pPr algn="ctr"/>
-            <a:endParaRPr lang="en-US"/>
-          </a:p>
-        </p:txBody>
-      </p:sp>
-      <p:sp>
-        <p:nvSpPr>
-          <p:cNvPr id="14" name="Rectangle 13">
-            <a:extLst>
-              <a:ext uri="{FF2B5EF4-FFF2-40B4-BE49-F238E27FC236}">
-                <a16:creationId xmlns:a16="http://schemas.microsoft.com/office/drawing/2014/main" id="{47862579-EB7B-4D1D-BA56-6F323EDBA8AC}"/>
-              </a:ext>
-            </a:extLst>
-          </p:cNvPr>
-          <p:cNvSpPr/>
-          <p:nvPr/>
-        </p:nvSpPr>
-        <p:spPr>
-          <a:xfrm>
-            <a:off x="1499616" y="5181600"/>
-            <a:ext cx="1524000" cy="304800"/>
-          </a:xfrm>
-          <a:prstGeom prst="rect">
-            <a:avLst/>
-          </a:prstGeom>
-          <a:noFill/>
-          <a:ln w="38100">
-            <a:solidFill>
-              <a:srgbClr val="FF0000"/>
-            </a:solidFill>
-          </a:ln>
-        </p:spPr>
-        <p:style>
-          <a:lnRef idx="2">
-            <a:schemeClr val="accent1">
-              <a:shade val="50000"/>
-            </a:schemeClr>
-          </a:lnRef>
-          <a:fillRef idx="1">
-            <a:schemeClr val="accent1"/>
-          </a:fillRef>
-          <a:effectRef idx="0">
-            <a:schemeClr val="accent1"/>
-          </a:effectRef>
-          <a:fontRef idx="minor">
-            <a:schemeClr val="lt1"/>
-          </a:fontRef>
-        </p:style>
-        <p:txBody>
-          <a:bodyPr rtlCol="0" anchor="ctr"/>
-          <a:lstStyle/>
-          <a:p>
-            <a:pPr algn="ctr"/>
-            <a:endParaRPr lang="en-US"/>
-          </a:p>
-        </p:txBody>
-      </p:sp>
-      <p:sp>
-        <p:nvSpPr>
-          <p:cNvPr id="15" name="Rectangle 14">
-            <a:extLst>
-              <a:ext uri="{FF2B5EF4-FFF2-40B4-BE49-F238E27FC236}">
-                <a16:creationId xmlns:a16="http://schemas.microsoft.com/office/drawing/2014/main" id="{22BFF930-DFB6-4A85-A24D-4531F112F1E0}"/>
-              </a:ext>
-            </a:extLst>
-          </p:cNvPr>
-          <p:cNvSpPr/>
-          <p:nvPr/>
-        </p:nvSpPr>
-        <p:spPr>
-          <a:xfrm>
-            <a:off x="4419600" y="5468112"/>
-            <a:ext cx="1773936" cy="304800"/>
-          </a:xfrm>
-          <a:prstGeom prst="rect">
-            <a:avLst/>
-          </a:prstGeom>
-          <a:noFill/>
-          <a:ln w="38100">
-            <a:solidFill>
-              <a:srgbClr val="FF0000"/>
-            </a:solidFill>
-          </a:ln>
-        </p:spPr>
-        <p:style>
-          <a:lnRef idx="2">
-            <a:schemeClr val="accent1">
-              <a:shade val="50000"/>
-            </a:schemeClr>
-          </a:lnRef>
-          <a:fillRef idx="1">
-            <a:schemeClr val="accent1"/>
-          </a:fillRef>
-          <a:effectRef idx="0">
-            <a:schemeClr val="accent1"/>
-          </a:effectRef>
-          <a:fontRef idx="minor">
-            <a:schemeClr val="lt1"/>
-          </a:fontRef>
-        </p:style>
-        <p:txBody>
-          <a:bodyPr rtlCol="0" anchor="ctr"/>
-          <a:lstStyle/>
-          <a:p>
-            <a:pPr algn="ctr"/>
-            <a:endParaRPr lang="en-US"/>
-          </a:p>
-        </p:txBody>
-      </p:sp>
-      <p:sp>
-        <p:nvSpPr>
-          <p:cNvPr id="16" name="Rectangle 15">
-            <a:extLst>
-              <a:ext uri="{FF2B5EF4-FFF2-40B4-BE49-F238E27FC236}">
-                <a16:creationId xmlns:a16="http://schemas.microsoft.com/office/drawing/2014/main" id="{B91AD430-A92C-40AB-8EF1-E27C29877604}"/>
-              </a:ext>
-            </a:extLst>
-          </p:cNvPr>
-          <p:cNvSpPr/>
-          <p:nvPr/>
-        </p:nvSpPr>
-        <p:spPr>
-          <a:xfrm>
-            <a:off x="4538472" y="5181600"/>
-            <a:ext cx="1935480" cy="286512"/>
-          </a:xfrm>
-          <a:prstGeom prst="rect">
-            <a:avLst/>
-          </a:prstGeom>
-          <a:noFill/>
-          <a:ln w="38100">
-            <a:solidFill>
-              <a:srgbClr val="FF0000"/>
-            </a:solidFill>
-          </a:ln>
-        </p:spPr>
-        <p:style>
-          <a:lnRef idx="2">
-            <a:schemeClr val="accent1">
-              <a:shade val="50000"/>
-            </a:schemeClr>
-          </a:lnRef>
-          <a:fillRef idx="1">
-            <a:schemeClr val="accent1"/>
-          </a:fillRef>
-          <a:effectRef idx="0">
-            <a:schemeClr val="accent1"/>
-          </a:effectRef>
-          <a:fontRef idx="minor">
-            <a:schemeClr val="lt1"/>
-          </a:fontRef>
-        </p:style>
-        <p:txBody>
-          <a:bodyPr rtlCol="0" anchor="ctr"/>
-          <a:lstStyle/>
-          <a:p>
-            <a:pPr algn="ctr"/>
-            <a:endParaRPr lang="en-US"/>
-          </a:p>
-        </p:txBody>
-      </p:sp>
-      <p:sp>
-        <p:nvSpPr>
-          <p:cNvPr id="17" name="Rectangle 16">
-            <a:extLst>
-              <a:ext uri="{FF2B5EF4-FFF2-40B4-BE49-F238E27FC236}">
-                <a16:creationId xmlns:a16="http://schemas.microsoft.com/office/drawing/2014/main" id="{830C085B-1FAB-49A8-9D06-919097FB53D1}"/>
-              </a:ext>
-            </a:extLst>
-          </p:cNvPr>
-          <p:cNvSpPr/>
-          <p:nvPr/>
-        </p:nvSpPr>
-        <p:spPr>
-          <a:xfrm>
-            <a:off x="7113270" y="5199888"/>
-            <a:ext cx="1402080" cy="286512"/>
-          </a:xfrm>
-          <a:prstGeom prst="rect">
-            <a:avLst/>
-          </a:prstGeom>
-          <a:noFill/>
-          <a:ln w="38100">
-            <a:solidFill>
-              <a:srgbClr val="FF0000"/>
-            </a:solidFill>
-          </a:ln>
-        </p:spPr>
-        <p:style>
-          <a:lnRef idx="2">
-            <a:schemeClr val="accent1">
-              <a:shade val="50000"/>
-            </a:schemeClr>
-          </a:lnRef>
-          <a:fillRef idx="1">
-            <a:schemeClr val="accent1"/>
-          </a:fillRef>
-          <a:effectRef idx="0">
-            <a:schemeClr val="accent1"/>
-          </a:effectRef>
-          <a:fontRef idx="minor">
-            <a:schemeClr val="lt1"/>
-          </a:fontRef>
-        </p:style>
-        <p:txBody>
-          <a:bodyPr rtlCol="0" anchor="ctr"/>
-          <a:lstStyle/>
-          <a:p>
-            <a:pPr algn="ctr"/>
-            <a:endParaRPr lang="en-US"/>
+            <a:r>
+              <a:rPr lang="en-US"/>
+              <a:t>The finer-grained the types (or the ontology), the harder the problem!</a:t>
+            </a:r>
           </a:p>
         </p:txBody>
       </p:sp>
     </p:spTree>
     <p:extLst>
       <p:ext uri="{BB962C8B-B14F-4D97-AF65-F5344CB8AC3E}">
-        <p14:creationId xmlns:p14="http://schemas.microsoft.com/office/powerpoint/2010/main" val="3888360834"/>
+        <p14:creationId xmlns:p14="http://schemas.microsoft.com/office/powerpoint/2010/main" val="2072869368"/>
       </p:ext>
     </p:extLst>
   </p:cSld>
@@ -9975,7 +10242,7 @@
           <p:cNvPr id="2" name="Title 1">
             <a:extLst>
               <a:ext uri="{FF2B5EF4-FFF2-40B4-BE49-F238E27FC236}">
-                <a16:creationId xmlns:a16="http://schemas.microsoft.com/office/drawing/2014/main" id="{A686F44C-1A70-4DDC-B6C1-F78384CF90BF}"/>
+                <a16:creationId xmlns:a16="http://schemas.microsoft.com/office/drawing/2014/main" xmlns="" id="{A686F44C-1A70-4DDC-B6C1-F78384CF90BF}"/>
               </a:ext>
             </a:extLst>
           </p:cNvPr>
@@ -10003,7 +10270,7 @@
           <p:cNvPr id="3" name="Content Placeholder 2">
             <a:extLst>
               <a:ext uri="{FF2B5EF4-FFF2-40B4-BE49-F238E27FC236}">
-                <a16:creationId xmlns:a16="http://schemas.microsoft.com/office/drawing/2014/main" id="{0E3B6853-3F6F-4F58-A37E-45DAEC469477}"/>
+                <a16:creationId xmlns:a16="http://schemas.microsoft.com/office/drawing/2014/main" xmlns="" id="{0E3B6853-3F6F-4F58-A37E-45DAEC469477}"/>
               </a:ext>
             </a:extLst>
           </p:cNvPr>
@@ -10021,31 +10288,643 @@
           <a:p>
             <a:r>
               <a:rPr lang="en-US"/>
-              <a:t>Many named entities mentioned in tweets and other social media</a:t>
-            </a:r>
-          </a:p>
-          <a:p>
-            <a:r>
-              <a:rPr lang="en-US"/>
-              <a:t>Extracting such entities (and also relations) enables us to pose interesting queries</a:t>
+              <a:t>Many named entities in tweets and social media</a:t>
             </a:r>
           </a:p>
           <a:p>
             <a:pPr lvl="1"/>
-            <a:r>
-              <a:rPr lang="en-US"/>
-              <a:t>What locations have received ‘Storm Surge Warnings’ from the NHC in the last 10 days?</a:t>
-            </a:r>
-          </a:p>
-          <a:p>
-            <a:pPr lvl="1"/>
-            <a:r>
-              <a:rPr lang="en-US"/>
-              <a:t>What organizations were involved in relief efforts for Hurricane Irma?</a:t>
-            </a:r>
-          </a:p>
-          <a:p>
-            <a:pPr lvl="1"/>
+            <a:endParaRPr lang="en-US"/>
+          </a:p>
+        </p:txBody>
+      </p:sp>
+      <p:pic>
+        <p:nvPicPr>
+          <p:cNvPr id="5" name="Picture 4">
+            <a:extLst>
+              <a:ext uri="{FF2B5EF4-FFF2-40B4-BE49-F238E27FC236}">
+                <a16:creationId xmlns:a16="http://schemas.microsoft.com/office/drawing/2014/main" xmlns="" id="{F6A73548-AD6F-4936-98C2-4C8F902EFAF3}"/>
+              </a:ext>
+            </a:extLst>
+          </p:cNvPr>
+          <p:cNvPicPr>
+            <a:picLocks noChangeAspect="1"/>
+          </p:cNvPicPr>
+          <p:nvPr/>
+        </p:nvPicPr>
+        <p:blipFill>
+          <a:blip r:embed="rId2"/>
+          <a:stretch>
+            <a:fillRect/>
+          </a:stretch>
+        </p:blipFill>
+        <p:spPr>
+          <a:xfrm>
+            <a:off x="316230" y="2979420"/>
+            <a:ext cx="8628126" cy="1287780"/>
+          </a:xfrm>
+          <a:prstGeom prst="rect">
+            <a:avLst/>
+          </a:prstGeom>
+        </p:spPr>
+      </p:pic>
+      <p:pic>
+        <p:nvPicPr>
+          <p:cNvPr id="6" name="Picture 5">
+            <a:extLst>
+              <a:ext uri="{FF2B5EF4-FFF2-40B4-BE49-F238E27FC236}">
+                <a16:creationId xmlns:a16="http://schemas.microsoft.com/office/drawing/2014/main" xmlns="" id="{816EC7DE-502D-4D73-9E1E-0919F80BA181}"/>
+              </a:ext>
+            </a:extLst>
+          </p:cNvPr>
+          <p:cNvPicPr>
+            <a:picLocks noChangeAspect="1"/>
+          </p:cNvPicPr>
+          <p:nvPr/>
+        </p:nvPicPr>
+        <p:blipFill>
+          <a:blip r:embed="rId3"/>
+          <a:stretch>
+            <a:fillRect/>
+          </a:stretch>
+        </p:blipFill>
+        <p:spPr>
+          <a:xfrm>
+            <a:off x="565149" y="4801298"/>
+            <a:ext cx="8045451" cy="1034260"/>
+          </a:xfrm>
+          <a:prstGeom prst="rect">
+            <a:avLst/>
+          </a:prstGeom>
+        </p:spPr>
+      </p:pic>
+      <p:sp>
+        <p:nvSpPr>
+          <p:cNvPr id="7" name="Rectangle 6">
+            <a:extLst>
+              <a:ext uri="{FF2B5EF4-FFF2-40B4-BE49-F238E27FC236}">
+                <a16:creationId xmlns:a16="http://schemas.microsoft.com/office/drawing/2014/main" xmlns="" id="{D5E7CCDA-0121-422A-A1C4-E09689454311}"/>
+              </a:ext>
+            </a:extLst>
+          </p:cNvPr>
+          <p:cNvSpPr/>
+          <p:nvPr/>
+        </p:nvSpPr>
+        <p:spPr>
+          <a:xfrm>
+            <a:off x="97536" y="2730500"/>
+            <a:ext cx="639064" cy="3446463"/>
+          </a:xfrm>
+          <a:prstGeom prst="rect">
+            <a:avLst/>
+          </a:prstGeom>
+          <a:solidFill>
+            <a:schemeClr val="bg1"/>
+          </a:solidFill>
+          <a:ln>
+            <a:noFill/>
+          </a:ln>
+        </p:spPr>
+        <p:style>
+          <a:lnRef idx="2">
+            <a:schemeClr val="accent1">
+              <a:shade val="50000"/>
+            </a:schemeClr>
+          </a:lnRef>
+          <a:fillRef idx="1">
+            <a:schemeClr val="accent1"/>
+          </a:fillRef>
+          <a:effectRef idx="0">
+            <a:schemeClr val="accent1"/>
+          </a:effectRef>
+          <a:fontRef idx="minor">
+            <a:schemeClr val="lt1"/>
+          </a:fontRef>
+        </p:style>
+        <p:txBody>
+          <a:bodyPr rtlCol="0" anchor="ctr"/>
+          <a:lstStyle/>
+          <a:p>
+            <a:pPr algn="ctr"/>
+            <a:endParaRPr lang="en-US"/>
+          </a:p>
+        </p:txBody>
+      </p:sp>
+      <p:sp>
+        <p:nvSpPr>
+          <p:cNvPr id="8" name="Rectangle 7">
+            <a:extLst>
+              <a:ext uri="{FF2B5EF4-FFF2-40B4-BE49-F238E27FC236}">
+                <a16:creationId xmlns:a16="http://schemas.microsoft.com/office/drawing/2014/main" xmlns="" id="{5A1D2F74-D1A6-4348-BEE6-51AADC969511}"/>
+              </a:ext>
+            </a:extLst>
+          </p:cNvPr>
+          <p:cNvSpPr/>
+          <p:nvPr/>
+        </p:nvSpPr>
+        <p:spPr>
+          <a:xfrm>
+            <a:off x="8515350" y="2730500"/>
+            <a:ext cx="533400" cy="3446463"/>
+          </a:xfrm>
+          <a:prstGeom prst="rect">
+            <a:avLst/>
+          </a:prstGeom>
+          <a:solidFill>
+            <a:schemeClr val="bg1"/>
+          </a:solidFill>
+          <a:ln>
+            <a:noFill/>
+          </a:ln>
+        </p:spPr>
+        <p:style>
+          <a:lnRef idx="2">
+            <a:schemeClr val="accent1">
+              <a:shade val="50000"/>
+            </a:schemeClr>
+          </a:lnRef>
+          <a:fillRef idx="1">
+            <a:schemeClr val="accent1"/>
+          </a:fillRef>
+          <a:effectRef idx="0">
+            <a:schemeClr val="accent1"/>
+          </a:effectRef>
+          <a:fontRef idx="minor">
+            <a:schemeClr val="lt1"/>
+          </a:fontRef>
+        </p:style>
+        <p:txBody>
+          <a:bodyPr rtlCol="0" anchor="ctr"/>
+          <a:lstStyle/>
+          <a:p>
+            <a:pPr algn="ctr"/>
+            <a:endParaRPr lang="en-US"/>
+          </a:p>
+        </p:txBody>
+      </p:sp>
+      <p:sp>
+        <p:nvSpPr>
+          <p:cNvPr id="9" name="Rectangle 8">
+            <a:extLst>
+              <a:ext uri="{FF2B5EF4-FFF2-40B4-BE49-F238E27FC236}">
+                <a16:creationId xmlns:a16="http://schemas.microsoft.com/office/drawing/2014/main" xmlns="" id="{F3E9BCA7-2E67-459E-BD66-6F6B6967B217}"/>
+              </a:ext>
+            </a:extLst>
+          </p:cNvPr>
+          <p:cNvSpPr/>
+          <p:nvPr/>
+        </p:nvSpPr>
+        <p:spPr>
+          <a:xfrm rot="5400000">
+            <a:off x="4417830" y="-1267053"/>
+            <a:ext cx="362858" cy="8357967"/>
+          </a:xfrm>
+          <a:prstGeom prst="rect">
+            <a:avLst/>
+          </a:prstGeom>
+          <a:solidFill>
+            <a:schemeClr val="bg1"/>
+          </a:solidFill>
+          <a:ln>
+            <a:noFill/>
+          </a:ln>
+        </p:spPr>
+        <p:style>
+          <a:lnRef idx="2">
+            <a:schemeClr val="accent1">
+              <a:shade val="50000"/>
+            </a:schemeClr>
+          </a:lnRef>
+          <a:fillRef idx="1">
+            <a:schemeClr val="accent1"/>
+          </a:fillRef>
+          <a:effectRef idx="0">
+            <a:schemeClr val="accent1"/>
+          </a:effectRef>
+          <a:fontRef idx="minor">
+            <a:schemeClr val="lt1"/>
+          </a:fontRef>
+        </p:style>
+        <p:txBody>
+          <a:bodyPr rtlCol="0" anchor="ctr"/>
+          <a:lstStyle/>
+          <a:p>
+            <a:pPr algn="ctr"/>
+            <a:endParaRPr lang="en-US"/>
+          </a:p>
+        </p:txBody>
+      </p:sp>
+      <p:sp>
+        <p:nvSpPr>
+          <p:cNvPr id="10" name="Rectangle 9">
+            <a:extLst>
+              <a:ext uri="{FF2B5EF4-FFF2-40B4-BE49-F238E27FC236}">
+                <a16:creationId xmlns:a16="http://schemas.microsoft.com/office/drawing/2014/main" xmlns="" id="{D5A862B6-C16B-47F8-9F98-8F8A4A4AD4AC}"/>
+              </a:ext>
+            </a:extLst>
+          </p:cNvPr>
+          <p:cNvSpPr/>
+          <p:nvPr/>
+        </p:nvSpPr>
+        <p:spPr>
+          <a:xfrm>
+            <a:off x="5425440" y="3633216"/>
+            <a:ext cx="1914144" cy="274320"/>
+          </a:xfrm>
+          <a:prstGeom prst="rect">
+            <a:avLst/>
+          </a:prstGeom>
+          <a:noFill/>
+          <a:ln w="38100">
+            <a:solidFill>
+              <a:srgbClr val="FF0000"/>
+            </a:solidFill>
+          </a:ln>
+        </p:spPr>
+        <p:style>
+          <a:lnRef idx="2">
+            <a:schemeClr val="accent1">
+              <a:shade val="50000"/>
+            </a:schemeClr>
+          </a:lnRef>
+          <a:fillRef idx="1">
+            <a:schemeClr val="accent1"/>
+          </a:fillRef>
+          <a:effectRef idx="0">
+            <a:schemeClr val="accent1"/>
+          </a:effectRef>
+          <a:fontRef idx="minor">
+            <a:schemeClr val="lt1"/>
+          </a:fontRef>
+        </p:style>
+        <p:txBody>
+          <a:bodyPr rtlCol="0" anchor="ctr"/>
+          <a:lstStyle/>
+          <a:p>
+            <a:pPr algn="ctr"/>
+            <a:endParaRPr lang="en-US"/>
+          </a:p>
+        </p:txBody>
+      </p:sp>
+      <p:sp>
+        <p:nvSpPr>
+          <p:cNvPr id="11" name="Rectangle 10">
+            <a:extLst>
+              <a:ext uri="{FF2B5EF4-FFF2-40B4-BE49-F238E27FC236}">
+                <a16:creationId xmlns:a16="http://schemas.microsoft.com/office/drawing/2014/main" xmlns="" id="{FE63E471-40E4-41B6-978E-01DC7E7378BD}"/>
+              </a:ext>
+            </a:extLst>
+          </p:cNvPr>
+          <p:cNvSpPr/>
+          <p:nvPr/>
+        </p:nvSpPr>
+        <p:spPr>
+          <a:xfrm>
+            <a:off x="1932432" y="3907536"/>
+            <a:ext cx="1432560" cy="304800"/>
+          </a:xfrm>
+          <a:prstGeom prst="rect">
+            <a:avLst/>
+          </a:prstGeom>
+          <a:noFill/>
+          <a:ln w="38100">
+            <a:solidFill>
+              <a:srgbClr val="FF0000"/>
+            </a:solidFill>
+          </a:ln>
+        </p:spPr>
+        <p:style>
+          <a:lnRef idx="2">
+            <a:schemeClr val="accent1">
+              <a:shade val="50000"/>
+            </a:schemeClr>
+          </a:lnRef>
+          <a:fillRef idx="1">
+            <a:schemeClr val="accent1"/>
+          </a:fillRef>
+          <a:effectRef idx="0">
+            <a:schemeClr val="accent1"/>
+          </a:effectRef>
+          <a:fontRef idx="minor">
+            <a:schemeClr val="lt1"/>
+          </a:fontRef>
+        </p:style>
+        <p:txBody>
+          <a:bodyPr rtlCol="0" anchor="ctr"/>
+          <a:lstStyle/>
+          <a:p>
+            <a:pPr algn="ctr"/>
+            <a:endParaRPr lang="en-US"/>
+          </a:p>
+        </p:txBody>
+      </p:sp>
+      <p:sp>
+        <p:nvSpPr>
+          <p:cNvPr id="12" name="Rectangle 11">
+            <a:extLst>
+              <a:ext uri="{FF2B5EF4-FFF2-40B4-BE49-F238E27FC236}">
+                <a16:creationId xmlns:a16="http://schemas.microsoft.com/office/drawing/2014/main" xmlns="" id="{2D17F17B-A4FB-4D72-A311-593B770633CD}"/>
+              </a:ext>
+            </a:extLst>
+          </p:cNvPr>
+          <p:cNvSpPr/>
+          <p:nvPr/>
+        </p:nvSpPr>
+        <p:spPr>
+          <a:xfrm>
+            <a:off x="4279392" y="3895344"/>
+            <a:ext cx="573024" cy="304800"/>
+          </a:xfrm>
+          <a:prstGeom prst="rect">
+            <a:avLst/>
+          </a:prstGeom>
+          <a:noFill/>
+          <a:ln w="38100">
+            <a:solidFill>
+              <a:srgbClr val="FF0000"/>
+            </a:solidFill>
+          </a:ln>
+        </p:spPr>
+        <p:style>
+          <a:lnRef idx="2">
+            <a:schemeClr val="accent1">
+              <a:shade val="50000"/>
+            </a:schemeClr>
+          </a:lnRef>
+          <a:fillRef idx="1">
+            <a:schemeClr val="accent1"/>
+          </a:fillRef>
+          <a:effectRef idx="0">
+            <a:schemeClr val="accent1"/>
+          </a:effectRef>
+          <a:fontRef idx="minor">
+            <a:schemeClr val="lt1"/>
+          </a:fontRef>
+        </p:style>
+        <p:txBody>
+          <a:bodyPr rtlCol="0" anchor="ctr"/>
+          <a:lstStyle/>
+          <a:p>
+            <a:pPr algn="ctr"/>
+            <a:endParaRPr lang="en-US"/>
+          </a:p>
+        </p:txBody>
+      </p:sp>
+      <p:sp>
+        <p:nvSpPr>
+          <p:cNvPr id="13" name="Rectangle 12">
+            <a:extLst>
+              <a:ext uri="{FF2B5EF4-FFF2-40B4-BE49-F238E27FC236}">
+                <a16:creationId xmlns:a16="http://schemas.microsoft.com/office/drawing/2014/main" xmlns="" id="{124121EA-6AD7-4BA9-8A91-CD68E3806E19}"/>
+              </a:ext>
+            </a:extLst>
+          </p:cNvPr>
+          <p:cNvSpPr/>
+          <p:nvPr/>
+        </p:nvSpPr>
+        <p:spPr>
+          <a:xfrm>
+            <a:off x="4852416" y="3938016"/>
+            <a:ext cx="1341120" cy="262128"/>
+          </a:xfrm>
+          <a:prstGeom prst="rect">
+            <a:avLst/>
+          </a:prstGeom>
+          <a:noFill/>
+          <a:ln w="38100">
+            <a:solidFill>
+              <a:srgbClr val="FF0000"/>
+            </a:solidFill>
+          </a:ln>
+        </p:spPr>
+        <p:style>
+          <a:lnRef idx="2">
+            <a:schemeClr val="accent1">
+              <a:shade val="50000"/>
+            </a:schemeClr>
+          </a:lnRef>
+          <a:fillRef idx="1">
+            <a:schemeClr val="accent1"/>
+          </a:fillRef>
+          <a:effectRef idx="0">
+            <a:schemeClr val="accent1"/>
+          </a:effectRef>
+          <a:fontRef idx="minor">
+            <a:schemeClr val="lt1"/>
+          </a:fontRef>
+        </p:style>
+        <p:txBody>
+          <a:bodyPr rtlCol="0" anchor="ctr"/>
+          <a:lstStyle/>
+          <a:p>
+            <a:pPr algn="ctr"/>
+            <a:endParaRPr lang="en-US"/>
+          </a:p>
+        </p:txBody>
+      </p:sp>
+      <p:sp>
+        <p:nvSpPr>
+          <p:cNvPr id="14" name="Rectangle 13">
+            <a:extLst>
+              <a:ext uri="{FF2B5EF4-FFF2-40B4-BE49-F238E27FC236}">
+                <a16:creationId xmlns:a16="http://schemas.microsoft.com/office/drawing/2014/main" xmlns="" id="{47862579-EB7B-4D1D-BA56-6F323EDBA8AC}"/>
+              </a:ext>
+            </a:extLst>
+          </p:cNvPr>
+          <p:cNvSpPr/>
+          <p:nvPr/>
+        </p:nvSpPr>
+        <p:spPr>
+          <a:xfrm>
+            <a:off x="1499616" y="5181600"/>
+            <a:ext cx="1524000" cy="304800"/>
+          </a:xfrm>
+          <a:prstGeom prst="rect">
+            <a:avLst/>
+          </a:prstGeom>
+          <a:noFill/>
+          <a:ln w="38100">
+            <a:solidFill>
+              <a:srgbClr val="FF0000"/>
+            </a:solidFill>
+          </a:ln>
+        </p:spPr>
+        <p:style>
+          <a:lnRef idx="2">
+            <a:schemeClr val="accent1">
+              <a:shade val="50000"/>
+            </a:schemeClr>
+          </a:lnRef>
+          <a:fillRef idx="1">
+            <a:schemeClr val="accent1"/>
+          </a:fillRef>
+          <a:effectRef idx="0">
+            <a:schemeClr val="accent1"/>
+          </a:effectRef>
+          <a:fontRef idx="minor">
+            <a:schemeClr val="lt1"/>
+          </a:fontRef>
+        </p:style>
+        <p:txBody>
+          <a:bodyPr rtlCol="0" anchor="ctr"/>
+          <a:lstStyle/>
+          <a:p>
+            <a:pPr algn="ctr"/>
+            <a:endParaRPr lang="en-US"/>
+          </a:p>
+        </p:txBody>
+      </p:sp>
+      <p:sp>
+        <p:nvSpPr>
+          <p:cNvPr id="15" name="Rectangle 14">
+            <a:extLst>
+              <a:ext uri="{FF2B5EF4-FFF2-40B4-BE49-F238E27FC236}">
+                <a16:creationId xmlns:a16="http://schemas.microsoft.com/office/drawing/2014/main" xmlns="" id="{22BFF930-DFB6-4A85-A24D-4531F112F1E0}"/>
+              </a:ext>
+            </a:extLst>
+          </p:cNvPr>
+          <p:cNvSpPr/>
+          <p:nvPr/>
+        </p:nvSpPr>
+        <p:spPr>
+          <a:xfrm>
+            <a:off x="4419600" y="5468112"/>
+            <a:ext cx="1773936" cy="304800"/>
+          </a:xfrm>
+          <a:prstGeom prst="rect">
+            <a:avLst/>
+          </a:prstGeom>
+          <a:noFill/>
+          <a:ln w="38100">
+            <a:solidFill>
+              <a:srgbClr val="FF0000"/>
+            </a:solidFill>
+          </a:ln>
+        </p:spPr>
+        <p:style>
+          <a:lnRef idx="2">
+            <a:schemeClr val="accent1">
+              <a:shade val="50000"/>
+            </a:schemeClr>
+          </a:lnRef>
+          <a:fillRef idx="1">
+            <a:schemeClr val="accent1"/>
+          </a:fillRef>
+          <a:effectRef idx="0">
+            <a:schemeClr val="accent1"/>
+          </a:effectRef>
+          <a:fontRef idx="minor">
+            <a:schemeClr val="lt1"/>
+          </a:fontRef>
+        </p:style>
+        <p:txBody>
+          <a:bodyPr rtlCol="0" anchor="ctr"/>
+          <a:lstStyle/>
+          <a:p>
+            <a:pPr algn="ctr"/>
+            <a:endParaRPr lang="en-US"/>
+          </a:p>
+        </p:txBody>
+      </p:sp>
+      <p:sp>
+        <p:nvSpPr>
+          <p:cNvPr id="16" name="Rectangle 15">
+            <a:extLst>
+              <a:ext uri="{FF2B5EF4-FFF2-40B4-BE49-F238E27FC236}">
+                <a16:creationId xmlns:a16="http://schemas.microsoft.com/office/drawing/2014/main" xmlns="" id="{B91AD430-A92C-40AB-8EF1-E27C29877604}"/>
+              </a:ext>
+            </a:extLst>
+          </p:cNvPr>
+          <p:cNvSpPr/>
+          <p:nvPr/>
+        </p:nvSpPr>
+        <p:spPr>
+          <a:xfrm>
+            <a:off x="4538472" y="5181600"/>
+            <a:ext cx="1935480" cy="286512"/>
+          </a:xfrm>
+          <a:prstGeom prst="rect">
+            <a:avLst/>
+          </a:prstGeom>
+          <a:noFill/>
+          <a:ln w="38100">
+            <a:solidFill>
+              <a:srgbClr val="FF0000"/>
+            </a:solidFill>
+          </a:ln>
+        </p:spPr>
+        <p:style>
+          <a:lnRef idx="2">
+            <a:schemeClr val="accent1">
+              <a:shade val="50000"/>
+            </a:schemeClr>
+          </a:lnRef>
+          <a:fillRef idx="1">
+            <a:schemeClr val="accent1"/>
+          </a:fillRef>
+          <a:effectRef idx="0">
+            <a:schemeClr val="accent1"/>
+          </a:effectRef>
+          <a:fontRef idx="minor">
+            <a:schemeClr val="lt1"/>
+          </a:fontRef>
+        </p:style>
+        <p:txBody>
+          <a:bodyPr rtlCol="0" anchor="ctr"/>
+          <a:lstStyle/>
+          <a:p>
+            <a:pPr algn="ctr"/>
+            <a:endParaRPr lang="en-US"/>
+          </a:p>
+        </p:txBody>
+      </p:sp>
+      <p:sp>
+        <p:nvSpPr>
+          <p:cNvPr id="17" name="Rectangle 16">
+            <a:extLst>
+              <a:ext uri="{FF2B5EF4-FFF2-40B4-BE49-F238E27FC236}">
+                <a16:creationId xmlns:a16="http://schemas.microsoft.com/office/drawing/2014/main" xmlns="" id="{830C085B-1FAB-49A8-9D06-919097FB53D1}"/>
+              </a:ext>
+            </a:extLst>
+          </p:cNvPr>
+          <p:cNvSpPr/>
+          <p:nvPr/>
+        </p:nvSpPr>
+        <p:spPr>
+          <a:xfrm>
+            <a:off x="7113270" y="5199888"/>
+            <a:ext cx="1402080" cy="286512"/>
+          </a:xfrm>
+          <a:prstGeom prst="rect">
+            <a:avLst/>
+          </a:prstGeom>
+          <a:noFill/>
+          <a:ln w="38100">
+            <a:solidFill>
+              <a:srgbClr val="FF0000"/>
+            </a:solidFill>
+          </a:ln>
+        </p:spPr>
+        <p:style>
+          <a:lnRef idx="2">
+            <a:schemeClr val="accent1">
+              <a:shade val="50000"/>
+            </a:schemeClr>
+          </a:lnRef>
+          <a:fillRef idx="1">
+            <a:schemeClr val="accent1"/>
+          </a:fillRef>
+          <a:effectRef idx="0">
+            <a:schemeClr val="accent1"/>
+          </a:effectRef>
+          <a:fontRef idx="minor">
+            <a:schemeClr val="lt1"/>
+          </a:fontRef>
+        </p:style>
+        <p:txBody>
+          <a:bodyPr rtlCol="0" anchor="ctr"/>
+          <a:lstStyle/>
+          <a:p>
+            <a:pPr algn="ctr"/>
             <a:endParaRPr lang="en-US"/>
           </a:p>
         </p:txBody>
@@ -10053,7 +10932,7 @@
     </p:spTree>
     <p:extLst>
       <p:ext uri="{BB962C8B-B14F-4D97-AF65-F5344CB8AC3E}">
-        <p14:creationId xmlns:p14="http://schemas.microsoft.com/office/powerpoint/2010/main" val="1842263554"/>
+        <p14:creationId xmlns:p14="http://schemas.microsoft.com/office/powerpoint/2010/main" val="3888360834"/>
       </p:ext>
     </p:extLst>
   </p:cSld>
@@ -10085,7 +10964,7 @@
           <p:cNvPr id="2" name="Title 1">
             <a:extLst>
               <a:ext uri="{FF2B5EF4-FFF2-40B4-BE49-F238E27FC236}">
-                <a16:creationId xmlns:a16="http://schemas.microsoft.com/office/drawing/2014/main" id="{A686F44C-1A70-4DDC-B6C1-F78384CF90BF}"/>
+                <a16:creationId xmlns:a16="http://schemas.microsoft.com/office/drawing/2014/main" xmlns="" id="{A686F44C-1A70-4DDC-B6C1-F78384CF90BF}"/>
               </a:ext>
             </a:extLst>
           </p:cNvPr>
@@ -10113,7 +10992,125 @@
           <p:cNvPr id="3" name="Content Placeholder 2">
             <a:extLst>
               <a:ext uri="{FF2B5EF4-FFF2-40B4-BE49-F238E27FC236}">
-                <a16:creationId xmlns:a16="http://schemas.microsoft.com/office/drawing/2014/main" id="{0E3B6853-3F6F-4F58-A37E-45DAEC469477}"/>
+                <a16:creationId xmlns:a16="http://schemas.microsoft.com/office/drawing/2014/main" xmlns="" id="{0E3B6853-3F6F-4F58-A37E-45DAEC469477}"/>
+              </a:ext>
+            </a:extLst>
+          </p:cNvPr>
+          <p:cNvSpPr>
+            <a:spLocks noGrp="1"/>
+          </p:cNvSpPr>
+          <p:nvPr>
+            <p:ph idx="1"/>
+          </p:nvPr>
+        </p:nvSpPr>
+        <p:spPr/>
+        <p:txBody>
+          <a:bodyPr/>
+          <a:lstStyle/>
+          <a:p>
+            <a:r>
+              <a:rPr lang="en-US"/>
+              <a:t>Many named entities mentioned in tweets and other social media</a:t>
+            </a:r>
+          </a:p>
+          <a:p>
+            <a:r>
+              <a:rPr lang="en-US"/>
+              <a:t>Extracting such entities (and also relations) enables </a:t>
+            </a:r>
+            <a:r>
+              <a:rPr lang="en-US" i="1"/>
+              <a:t>semantic search </a:t>
+            </a:r>
+            <a:r>
+              <a:rPr lang="en-US"/>
+              <a:t>and analytics applications</a:t>
+            </a:r>
+          </a:p>
+          <a:p>
+            <a:pPr lvl="1"/>
+            <a:r>
+              <a:rPr lang="en-US"/>
+              <a:t>What locations have received ‘Storm Surge Warnings’ from the NHC in the last 10 days?</a:t>
+            </a:r>
+          </a:p>
+          <a:p>
+            <a:pPr lvl="1"/>
+            <a:r>
+              <a:rPr lang="en-US"/>
+              <a:t>What organizations were involved in relief efforts for Hurricane Irma?</a:t>
+            </a:r>
+          </a:p>
+          <a:p>
+            <a:pPr lvl="1"/>
+            <a:endParaRPr lang="en-US"/>
+          </a:p>
+        </p:txBody>
+      </p:sp>
+    </p:spTree>
+    <p:extLst>
+      <p:ext uri="{BB962C8B-B14F-4D97-AF65-F5344CB8AC3E}">
+        <p14:creationId xmlns:p14="http://schemas.microsoft.com/office/powerpoint/2010/main" val="1842263554"/>
+      </p:ext>
+    </p:extLst>
+  </p:cSld>
+  <p:clrMapOvr>
+    <a:masterClrMapping/>
+  </p:clrMapOvr>
+</p:sld>
+</file>
+
+<file path=ppt/slides/slide8.xml><?xml version="1.0" encoding="utf-8"?>
+<p:sld xmlns:a="http://schemas.openxmlformats.org/drawingml/2006/main" xmlns:r="http://schemas.openxmlformats.org/officeDocument/2006/relationships" xmlns:p="http://schemas.openxmlformats.org/presentationml/2006/main">
+  <p:cSld>
+    <p:spTree>
+      <p:nvGrpSpPr>
+        <p:cNvPr id="1" name=""/>
+        <p:cNvGrpSpPr/>
+        <p:nvPr/>
+      </p:nvGrpSpPr>
+      <p:grpSpPr>
+        <a:xfrm>
+          <a:off x="0" y="0"/>
+          <a:ext cx="0" cy="0"/>
+          <a:chOff x="0" y="0"/>
+          <a:chExt cx="0" cy="0"/>
+        </a:xfrm>
+      </p:grpSpPr>
+      <p:sp>
+        <p:nvSpPr>
+          <p:cNvPr id="2" name="Title 1">
+            <a:extLst>
+              <a:ext uri="{FF2B5EF4-FFF2-40B4-BE49-F238E27FC236}">
+                <a16:creationId xmlns:a16="http://schemas.microsoft.com/office/drawing/2014/main" xmlns="" id="{A686F44C-1A70-4DDC-B6C1-F78384CF90BF}"/>
+              </a:ext>
+            </a:extLst>
+          </p:cNvPr>
+          <p:cNvSpPr>
+            <a:spLocks noGrp="1"/>
+          </p:cNvSpPr>
+          <p:nvPr>
+            <p:ph type="title"/>
+          </p:nvPr>
+        </p:nvSpPr>
+        <p:spPr/>
+        <p:txBody>
+          <a:bodyPr/>
+          <a:lstStyle/>
+          <a:p>
+            <a:r>
+              <a:rPr lang="en-US"/>
+              <a:t>Motivation for NER</a:t>
+            </a:r>
+          </a:p>
+        </p:txBody>
+      </p:sp>
+      <p:sp>
+        <p:nvSpPr>
+          <p:cNvPr id="3" name="Content Placeholder 2">
+            <a:extLst>
+              <a:ext uri="{FF2B5EF4-FFF2-40B4-BE49-F238E27FC236}">
+                <a16:creationId xmlns:a16="http://schemas.microsoft.com/office/drawing/2014/main" xmlns="" id="{0E3B6853-3F6F-4F58-A37E-45DAEC469477}"/>
               </a:ext>
             </a:extLst>
           </p:cNvPr>
@@ -10152,6 +11149,21 @@
             <a:r>
               <a:rPr lang="en-US"/>
               <a:t> an entity?</a:t>
+            </a:r>
+          </a:p>
+          <a:p>
+            <a:pPr lvl="1"/>
+            <a:r>
+              <a:rPr lang="en-US"/>
+              <a:t>Weather warnings, disaster types, wind speeds</a:t>
+            </a:r>
+            <a:r>
+              <a:rPr lang="mr-IN"/>
+              <a:t>…</a:t>
+            </a:r>
+            <a:r>
+              <a:rPr lang="en-US"/>
+              <a:t> </a:t>
             </a:r>
           </a:p>
           <a:p>
@@ -10165,7 +11177,7 @@
           <p:cNvPr id="4" name="Picture 3">
             <a:extLst>
               <a:ext uri="{FF2B5EF4-FFF2-40B4-BE49-F238E27FC236}">
-                <a16:creationId xmlns:a16="http://schemas.microsoft.com/office/drawing/2014/main" id="{D8CFBEAF-7F86-415F-A421-630C06315EF5}"/>
+                <a16:creationId xmlns:a16="http://schemas.microsoft.com/office/drawing/2014/main" xmlns="" id="{D8CFBEAF-7F86-415F-A421-630C06315EF5}"/>
               </a:ext>
             </a:extLst>
           </p:cNvPr>
@@ -10195,7 +11207,7 @@
           <p:cNvPr id="5" name="Rectangle 4">
             <a:extLst>
               <a:ext uri="{FF2B5EF4-FFF2-40B4-BE49-F238E27FC236}">
-                <a16:creationId xmlns:a16="http://schemas.microsoft.com/office/drawing/2014/main" id="{3A3D486C-EB90-481F-A0F5-6971C9707494}"/>
+                <a16:creationId xmlns:a16="http://schemas.microsoft.com/office/drawing/2014/main" xmlns="" id="{3A3D486C-EB90-481F-A0F5-6971C9707494}"/>
               </a:ext>
             </a:extLst>
           </p:cNvPr>
@@ -10247,7 +11259,7 @@
           <p:cNvPr id="7" name="Straight Arrow Connector 6">
             <a:extLst>
               <a:ext uri="{FF2B5EF4-FFF2-40B4-BE49-F238E27FC236}">
-                <a16:creationId xmlns:a16="http://schemas.microsoft.com/office/drawing/2014/main" id="{6B5C1F01-6FC6-41B6-986B-614A7417DC21}"/>
+                <a16:creationId xmlns:a16="http://schemas.microsoft.com/office/drawing/2014/main" xmlns="" id="{6B5C1F01-6FC6-41B6-986B-614A7417DC21}"/>
               </a:ext>
             </a:extLst>
           </p:cNvPr>
@@ -10255,9 +11267,9 @@
           <p:nvPr/>
         </p:nvCxnSpPr>
         <p:spPr>
-          <a:xfrm flipH="1">
-            <a:off x="2816352" y="3962400"/>
-            <a:ext cx="3377184" cy="1292352"/>
+          <a:xfrm>
+            <a:off x="2192784" y="4385569"/>
+            <a:ext cx="623568" cy="869183"/>
           </a:xfrm>
           <a:prstGeom prst="straightConnector1">
             <a:avLst/>
@@ -10298,184 +11310,6 @@
 </p:sld>
 </file>
 
-<file path=ppt/slides/slide8.xml><?xml version="1.0" encoding="utf-8"?>
-<p:sld xmlns:a="http://schemas.openxmlformats.org/drawingml/2006/main" xmlns:r="http://schemas.openxmlformats.org/officeDocument/2006/relationships" xmlns:p="http://schemas.openxmlformats.org/presentationml/2006/main">
-  <p:cSld>
-    <p:spTree>
-      <p:nvGrpSpPr>
-        <p:cNvPr id="1" name=""/>
-        <p:cNvGrpSpPr/>
-        <p:nvPr/>
-      </p:nvGrpSpPr>
-      <p:grpSpPr>
-        <a:xfrm>
-          <a:off x="0" y="0"/>
-          <a:ext cx="0" cy="0"/>
-          <a:chOff x="0" y="0"/>
-          <a:chExt cx="0" cy="0"/>
-        </a:xfrm>
-      </p:grpSpPr>
-      <p:sp>
-        <p:nvSpPr>
-          <p:cNvPr id="2" name="Title 1"/>
-          <p:cNvSpPr>
-            <a:spLocks noGrp="1"/>
-          </p:cNvSpPr>
-          <p:nvPr>
-            <p:ph type="title"/>
-          </p:nvPr>
-        </p:nvSpPr>
-        <p:spPr>
-          <a:xfrm>
-            <a:off x="400050" y="365126"/>
-            <a:ext cx="8515350" cy="1325563"/>
-          </a:xfrm>
-        </p:spPr>
-        <p:txBody>
-          <a:bodyPr/>
-          <a:lstStyle/>
-          <a:p>
-            <a:r>
-              <a:rPr lang="en-US"/>
-              <a:t>Classic NER Approach</a:t>
-            </a:r>
-            <a:endParaRPr lang="en-US" dirty="0"/>
-          </a:p>
-        </p:txBody>
-      </p:sp>
-      <p:sp>
-        <p:nvSpPr>
-          <p:cNvPr id="7" name="Content Placeholder 6">
-            <a:extLst>
-              <a:ext uri="{FF2B5EF4-FFF2-40B4-BE49-F238E27FC236}">
-                <a16:creationId xmlns:a16="http://schemas.microsoft.com/office/drawing/2014/main" id="{13D3C029-F9AA-4E5C-8627-46A9ED1284E6}"/>
-              </a:ext>
-            </a:extLst>
-          </p:cNvPr>
-          <p:cNvSpPr>
-            <a:spLocks noGrp="1"/>
-          </p:cNvSpPr>
-          <p:nvPr>
-            <p:ph idx="1"/>
-          </p:nvPr>
-        </p:nvSpPr>
-        <p:spPr>
-          <a:xfrm>
-            <a:off x="494538" y="1690689"/>
-            <a:ext cx="8198358" cy="4351338"/>
-          </a:xfrm>
-        </p:spPr>
-        <p:txBody>
-          <a:bodyPr/>
-          <a:lstStyle/>
-          <a:p>
-            <a:r>
-              <a:rPr lang="en-US"/>
-              <a:t>Till recently, most models framed the problem as ‘sequence labeling’ using techniques like Conditional Random Fields or (earlier) Hidden Markov Models</a:t>
-            </a:r>
-          </a:p>
-        </p:txBody>
-      </p:sp>
-      <p:pic>
-        <p:nvPicPr>
-          <p:cNvPr id="1026" name="Picture 2" descr="Related image">
-            <a:extLst>
-              <a:ext uri="{FF2B5EF4-FFF2-40B4-BE49-F238E27FC236}">
-                <a16:creationId xmlns:a16="http://schemas.microsoft.com/office/drawing/2014/main" id="{10228010-65D9-4664-9A19-50D2A115129D}"/>
-              </a:ext>
-            </a:extLst>
-          </p:cNvPr>
-          <p:cNvPicPr>
-            <a:picLocks noChangeAspect="1" noChangeArrowheads="1"/>
-          </p:cNvPicPr>
-          <p:nvPr/>
-        </p:nvPicPr>
-        <p:blipFill>
-          <a:blip r:embed="rId2">
-            <a:extLst>
-              <a:ext uri="{28A0092B-C50C-407E-A947-70E740481C1C}">
-                <a14:useLocalDpi xmlns:a14="http://schemas.microsoft.com/office/drawing/2010/main" val="0"/>
-              </a:ext>
-            </a:extLst>
-          </a:blip>
-          <a:srcRect/>
-          <a:stretch>
-            <a:fillRect/>
-          </a:stretch>
-        </p:blipFill>
-        <p:spPr bwMode="auto">
-          <a:xfrm>
-            <a:off x="741426" y="3013939"/>
-            <a:ext cx="8058912" cy="3506186"/>
-          </a:xfrm>
-          <a:prstGeom prst="rect">
-            <a:avLst/>
-          </a:prstGeom>
-          <a:noFill/>
-          <a:extLst>
-            <a:ext uri="{909E8E84-426E-40DD-AFC4-6F175D3DCCD1}">
-              <a14:hiddenFill xmlns:a14="http://schemas.microsoft.com/office/drawing/2010/main">
-                <a:solidFill>
-                  <a:srgbClr val="FFFFFF"/>
-                </a:solidFill>
-              </a14:hiddenFill>
-            </a:ext>
-          </a:extLst>
-        </p:spPr>
-      </p:pic>
-      <p:sp>
-        <p:nvSpPr>
-          <p:cNvPr id="14" name="TextBox 13">
-            <a:extLst>
-              <a:ext uri="{FF2B5EF4-FFF2-40B4-BE49-F238E27FC236}">
-                <a16:creationId xmlns:a16="http://schemas.microsoft.com/office/drawing/2014/main" id="{6DFB3C83-0C7A-4535-96AA-E84D929A4E6A}"/>
-              </a:ext>
-            </a:extLst>
-          </p:cNvPr>
-          <p:cNvSpPr txBox="1"/>
-          <p:nvPr/>
-        </p:nvSpPr>
-        <p:spPr>
-          <a:xfrm>
-            <a:off x="6475476" y="6484358"/>
-            <a:ext cx="2668524" cy="369332"/>
-          </a:xfrm>
-          <a:prstGeom prst="rect">
-            <a:avLst/>
-          </a:prstGeom>
-          <a:noFill/>
-        </p:spPr>
-        <p:txBody>
-          <a:bodyPr wrap="square" rtlCol="0">
-            <a:spAutoFit/>
-          </a:bodyPr>
-          <a:lstStyle/>
-          <a:p>
-            <a:pPr algn="r"/>
-            <a:r>
-              <a:rPr lang="en-US">
-                <a:solidFill>
-                  <a:srgbClr val="002060"/>
-                </a:solidFill>
-              </a:rPr>
-              <a:t>(Lafferty et al., 2001)</a:t>
-            </a:r>
-          </a:p>
-        </p:txBody>
-      </p:sp>
-    </p:spTree>
-    <p:extLst>
-      <p:ext uri="{BB962C8B-B14F-4D97-AF65-F5344CB8AC3E}">
-        <p14:creationId xmlns:p14="http://schemas.microsoft.com/office/powerpoint/2010/main" val="4233008521"/>
-      </p:ext>
-    </p:extLst>
-  </p:cSld>
-  <p:clrMapOvr>
-    <a:masterClrMapping/>
-  </p:clrMapOvr>
-</p:sld>
-</file>
-
 <file path=ppt/slides/slide9.xml><?xml version="1.0" encoding="utf-8"?>
 <p:sld xmlns:a="http://schemas.openxmlformats.org/drawingml/2006/main" xmlns:r="http://schemas.openxmlformats.org/officeDocument/2006/relationships" xmlns:p="http://schemas.openxmlformats.org/presentationml/2006/main">
   <p:cSld>
@@ -10498,7 +11332,7 @@
           <p:cNvPr id="2" name="Title 1">
             <a:extLst>
               <a:ext uri="{FF2B5EF4-FFF2-40B4-BE49-F238E27FC236}">
-                <a16:creationId xmlns:a16="http://schemas.microsoft.com/office/drawing/2014/main" id="{5F44972C-1277-45AF-857F-5C44DCAA94E2}"/>
+                <a16:creationId xmlns:a16="http://schemas.microsoft.com/office/drawing/2014/main" xmlns="" id="{A686F44C-1A70-4DDC-B6C1-F78384CF90BF}"/>
               </a:ext>
             </a:extLst>
           </p:cNvPr>
@@ -10516,7 +11350,7 @@
           <a:p>
             <a:r>
               <a:rPr lang="en-US"/>
-              <a:t>Embedding-based Models</a:t>
+              <a:t>Motivation for NER</a:t>
             </a:r>
           </a:p>
         </p:txBody>
@@ -10526,7 +11360,7 @@
           <p:cNvPr id="3" name="Content Placeholder 2">
             <a:extLst>
               <a:ext uri="{FF2B5EF4-FFF2-40B4-BE49-F238E27FC236}">
-                <a16:creationId xmlns:a16="http://schemas.microsoft.com/office/drawing/2014/main" id="{AD4D6E95-FB39-4A81-BE0C-47FCB77127E2}"/>
+                <a16:creationId xmlns:a16="http://schemas.microsoft.com/office/drawing/2014/main" xmlns="" id="{0E3B6853-3F6F-4F58-A37E-45DAEC469477}"/>
               </a:ext>
             </a:extLst>
           </p:cNvPr>
@@ -10537,297 +11371,49 @@
             <p:ph idx="1"/>
           </p:nvPr>
         </p:nvSpPr>
-        <p:spPr>
-          <a:xfrm>
-            <a:off x="4949952" y="1825625"/>
-            <a:ext cx="3565398" cy="4351338"/>
-          </a:xfrm>
-        </p:spPr>
+        <p:spPr/>
         <p:txBody>
           <a:bodyPr/>
           <a:lstStyle/>
           <a:p>
             <a:r>
               <a:rPr lang="en-US"/>
-              <a:t>Feature engineering was an impediment to training robust and powerful CRFs</a:t>
-            </a:r>
-          </a:p>
-          <a:p>
-            <a:r>
-              <a:rPr lang="en-US"/>
-              <a:t>Recently, word embeddings (and more complex sense-aware variants) have been used to address the problem</a:t>
-            </a:r>
-          </a:p>
-        </p:txBody>
-      </p:sp>
-      <p:pic>
-        <p:nvPicPr>
-          <p:cNvPr id="5" name="Picture 4">
-            <a:extLst>
-              <a:ext uri="{FF2B5EF4-FFF2-40B4-BE49-F238E27FC236}">
-                <a16:creationId xmlns:a16="http://schemas.microsoft.com/office/drawing/2014/main" id="{E31F759C-413A-4273-876B-1CA3A9286686}"/>
-              </a:ext>
-            </a:extLst>
-          </p:cNvPr>
-          <p:cNvPicPr>
-            <a:picLocks noChangeAspect="1"/>
-          </p:cNvPicPr>
-          <p:nvPr/>
-        </p:nvPicPr>
-        <p:blipFill>
-          <a:blip r:embed="rId2"/>
-          <a:stretch>
-            <a:fillRect/>
-          </a:stretch>
-        </p:blipFill>
-        <p:spPr>
-          <a:xfrm>
-            <a:off x="987932" y="1945005"/>
-            <a:ext cx="1682115" cy="1437444"/>
-          </a:xfrm>
-          <a:prstGeom prst="rect">
-            <a:avLst/>
-          </a:prstGeom>
-        </p:spPr>
-      </p:pic>
-      <p:cxnSp>
-        <p:nvCxnSpPr>
-          <p:cNvPr id="7" name="Straight Arrow Connector 6">
-            <a:extLst>
-              <a:ext uri="{FF2B5EF4-FFF2-40B4-BE49-F238E27FC236}">
-                <a16:creationId xmlns:a16="http://schemas.microsoft.com/office/drawing/2014/main" id="{482D490B-F863-49BB-82B1-21ED41AC47F8}"/>
-              </a:ext>
-            </a:extLst>
-          </p:cNvPr>
-          <p:cNvCxnSpPr>
-            <a:cxnSpLocks/>
-          </p:cNvCxnSpPr>
-          <p:nvPr/>
-        </p:nvCxnSpPr>
-        <p:spPr>
-          <a:xfrm flipV="1">
-            <a:off x="628650" y="1566669"/>
-            <a:ext cx="0" cy="4231956"/>
-          </a:xfrm>
-          <a:prstGeom prst="straightConnector1">
-            <a:avLst/>
-          </a:prstGeom>
-          <a:ln>
-            <a:tailEnd type="triangle"/>
-          </a:ln>
-        </p:spPr>
-        <p:style>
-          <a:lnRef idx="1">
-            <a:schemeClr val="accent1"/>
-          </a:lnRef>
-          <a:fillRef idx="0">
-            <a:schemeClr val="accent1"/>
-          </a:fillRef>
-          <a:effectRef idx="0">
-            <a:schemeClr val="accent1"/>
-          </a:effectRef>
-          <a:fontRef idx="minor">
-            <a:schemeClr val="tx1"/>
-          </a:fontRef>
-        </p:style>
-      </p:cxnSp>
-      <p:cxnSp>
-        <p:nvCxnSpPr>
-          <p:cNvPr id="9" name="Straight Arrow Connector 8">
-            <a:extLst>
-              <a:ext uri="{FF2B5EF4-FFF2-40B4-BE49-F238E27FC236}">
-                <a16:creationId xmlns:a16="http://schemas.microsoft.com/office/drawing/2014/main" id="{188D38CF-57BF-4AE7-A5CD-D7AB3F163338}"/>
-              </a:ext>
-            </a:extLst>
-          </p:cNvPr>
-          <p:cNvCxnSpPr>
-            <a:cxnSpLocks/>
-          </p:cNvCxnSpPr>
-          <p:nvPr/>
-        </p:nvCxnSpPr>
-        <p:spPr>
-          <a:xfrm>
-            <a:off x="628650" y="5796785"/>
-            <a:ext cx="4321302" cy="0"/>
-          </a:xfrm>
-          <a:prstGeom prst="straightConnector1">
-            <a:avLst/>
-          </a:prstGeom>
-          <a:ln>
-            <a:tailEnd type="triangle"/>
-          </a:ln>
-        </p:spPr>
-        <p:style>
-          <a:lnRef idx="1">
-            <a:schemeClr val="accent1"/>
-          </a:lnRef>
-          <a:fillRef idx="0">
-            <a:schemeClr val="accent1"/>
-          </a:fillRef>
-          <a:effectRef idx="0">
-            <a:schemeClr val="accent1"/>
-          </a:effectRef>
-          <a:fontRef idx="minor">
-            <a:schemeClr val="tx1"/>
-          </a:fontRef>
-        </p:style>
-      </p:cxnSp>
-      <p:pic>
-        <p:nvPicPr>
-          <p:cNvPr id="19" name="Picture 18">
-            <a:extLst>
-              <a:ext uri="{FF2B5EF4-FFF2-40B4-BE49-F238E27FC236}">
-                <a16:creationId xmlns:a16="http://schemas.microsoft.com/office/drawing/2014/main" id="{0D7BFADC-AEDA-4227-BD9E-21855850E785}"/>
-              </a:ext>
-            </a:extLst>
-          </p:cNvPr>
-          <p:cNvPicPr>
-            <a:picLocks noChangeAspect="1"/>
-          </p:cNvPicPr>
-          <p:nvPr/>
-        </p:nvPicPr>
-        <p:blipFill>
-          <a:blip r:embed="rId3"/>
-          <a:stretch>
-            <a:fillRect/>
-          </a:stretch>
-        </p:blipFill>
-        <p:spPr>
-          <a:xfrm>
-            <a:off x="2665297" y="2386678"/>
-            <a:ext cx="2284655" cy="1557719"/>
-          </a:xfrm>
-          <a:prstGeom prst="rect">
-            <a:avLst/>
-          </a:prstGeom>
-        </p:spPr>
-      </p:pic>
-      <p:pic>
-        <p:nvPicPr>
-          <p:cNvPr id="18" name="Picture 17">
-            <a:extLst>
-              <a:ext uri="{FF2B5EF4-FFF2-40B4-BE49-F238E27FC236}">
-                <a16:creationId xmlns:a16="http://schemas.microsoft.com/office/drawing/2014/main" id="{F17571D6-AE91-4354-BED2-D90B6DFEE185}"/>
-              </a:ext>
-            </a:extLst>
-          </p:cNvPr>
-          <p:cNvPicPr>
-            <a:picLocks noChangeAspect="1"/>
-          </p:cNvPicPr>
-          <p:nvPr/>
-        </p:nvPicPr>
-        <p:blipFill>
-          <a:blip r:embed="rId4"/>
-          <a:stretch>
-            <a:fillRect/>
-          </a:stretch>
-        </p:blipFill>
-        <p:spPr>
-          <a:xfrm>
-            <a:off x="2401823" y="3876670"/>
-            <a:ext cx="2109217" cy="1920115"/>
-          </a:xfrm>
-          <a:prstGeom prst="rect">
-            <a:avLst/>
-          </a:prstGeom>
-        </p:spPr>
-      </p:pic>
-      <p:pic>
-        <p:nvPicPr>
-          <p:cNvPr id="20" name="Picture 19">
-            <a:extLst>
-              <a:ext uri="{FF2B5EF4-FFF2-40B4-BE49-F238E27FC236}">
-                <a16:creationId xmlns:a16="http://schemas.microsoft.com/office/drawing/2014/main" id="{6CFE4D04-D2D0-40F7-BA00-7F0C0CCD624D}"/>
-              </a:ext>
-            </a:extLst>
-          </p:cNvPr>
-          <p:cNvPicPr>
-            <a:picLocks noChangeAspect="1"/>
-          </p:cNvPicPr>
-          <p:nvPr/>
-        </p:nvPicPr>
-        <p:blipFill>
-          <a:blip r:embed="rId5"/>
-          <a:stretch>
-            <a:fillRect/>
-          </a:stretch>
-        </p:blipFill>
-        <p:spPr>
-          <a:xfrm>
-            <a:off x="987932" y="4246037"/>
-            <a:ext cx="1502474" cy="918989"/>
-          </a:xfrm>
-          <a:prstGeom prst="rect">
-            <a:avLst/>
-          </a:prstGeom>
-        </p:spPr>
-      </p:pic>
-      <p:pic>
-        <p:nvPicPr>
-          <p:cNvPr id="21" name="Picture 20">
-            <a:extLst>
-              <a:ext uri="{FF2B5EF4-FFF2-40B4-BE49-F238E27FC236}">
-                <a16:creationId xmlns:a16="http://schemas.microsoft.com/office/drawing/2014/main" id="{189FF996-CE2C-4DDA-95B7-85B9DFD7CBED}"/>
-              </a:ext>
-            </a:extLst>
-          </p:cNvPr>
-          <p:cNvPicPr>
-            <a:picLocks noChangeAspect="1"/>
-          </p:cNvPicPr>
-          <p:nvPr/>
-        </p:nvPicPr>
-        <p:blipFill>
-          <a:blip r:embed="rId6"/>
-          <a:stretch>
-            <a:fillRect/>
-          </a:stretch>
-        </p:blipFill>
-        <p:spPr>
-          <a:xfrm>
-            <a:off x="784922" y="3165538"/>
-            <a:ext cx="2056739" cy="869628"/>
-          </a:xfrm>
-          <a:prstGeom prst="rect">
-            <a:avLst/>
-          </a:prstGeom>
-        </p:spPr>
-      </p:pic>
-      <p:sp>
-        <p:nvSpPr>
-          <p:cNvPr id="11" name="TextBox 10">
-            <a:extLst>
-              <a:ext uri="{FF2B5EF4-FFF2-40B4-BE49-F238E27FC236}">
-                <a16:creationId xmlns:a16="http://schemas.microsoft.com/office/drawing/2014/main" id="{035C8D01-6480-45BB-8A5C-D4D82BEB4E5E}"/>
-              </a:ext>
-            </a:extLst>
-          </p:cNvPr>
-          <p:cNvSpPr txBox="1"/>
-          <p:nvPr/>
-        </p:nvSpPr>
-        <p:spPr>
-          <a:xfrm>
-            <a:off x="6475476" y="6484358"/>
-            <a:ext cx="2668524" cy="369332"/>
-          </a:xfrm>
-          <a:prstGeom prst="rect">
-            <a:avLst/>
-          </a:prstGeom>
-          <a:noFill/>
-        </p:spPr>
-        <p:txBody>
-          <a:bodyPr wrap="square" rtlCol="0">
-            <a:spAutoFit/>
-          </a:bodyPr>
-          <a:lstStyle/>
-          <a:p>
-            <a:pPr algn="r"/>
-            <a:r>
-              <a:rPr lang="en-US">
-                <a:solidFill>
-                  <a:srgbClr val="002060"/>
-                </a:solidFill>
-              </a:rPr>
-              <a:t>(Mikolov et al., 2013)</a:t>
+              <a:t>Many named entities mentioned in tweets and other social media</a:t>
+            </a:r>
+          </a:p>
+          <a:p>
+            <a:r>
+              <a:rPr lang="en-US"/>
+              <a:t>Extracting such entities (and also relations) enables us to pose interesting queries</a:t>
+            </a:r>
+          </a:p>
+          <a:p>
+            <a:r>
+              <a:rPr lang="en-US"/>
+              <a:t>Interesting research question: what </a:t>
+            </a:r>
+            <a:r>
+              <a:rPr lang="en-US" i="1"/>
+              <a:t>is</a:t>
+            </a:r>
+            <a:r>
+              <a:rPr lang="en-US"/>
+              <a:t> an entity?</a:t>
+            </a:r>
+            <a:endParaRPr lang="en-US"/>
+          </a:p>
+          <a:p>
+            <a:r>
+              <a:rPr lang="en-US"/>
+              <a:t>Good entity extraction proves crucial in </a:t>
+            </a:r>
+            <a:r>
+              <a:rPr lang="en-US" i="1"/>
+              <a:t>event extraction</a:t>
+            </a:r>
+            <a:r>
+              <a:rPr lang="en-US"/>
+              <a:t>, a much harder problem (covered later)</a:t>
             </a:r>
           </a:p>
         </p:txBody>
@@ -10835,7 +11421,7 @@
     </p:spTree>
     <p:extLst>
       <p:ext uri="{BB962C8B-B14F-4D97-AF65-F5344CB8AC3E}">
-        <p14:creationId xmlns:p14="http://schemas.microsoft.com/office/powerpoint/2010/main" val="3764569061"/>
+        <p14:creationId xmlns:p14="http://schemas.microsoft.com/office/powerpoint/2010/main" val="345453414"/>
       </p:ext>
     </p:extLst>
   </p:cSld>

--- a/slides/pptx/3-entity-extraction.pptx
+++ b/slides/pptx/3-entity-extraction.pptx
@@ -1,6 +1,6 @@
 
 <file path=ppt/presentation.xml><?xml version="1.0" encoding="utf-8"?>
-<p:presentation xmlns:a="http://schemas.openxmlformats.org/drawingml/2006/main" xmlns:r="http://schemas.openxmlformats.org/officeDocument/2006/relationships" xmlns:p="http://schemas.openxmlformats.org/presentationml/2006/main" saveSubsetFonts="1">
+<p:presentation xmlns:a="http://schemas.openxmlformats.org/drawingml/2006/main" xmlns:r="http://schemas.openxmlformats.org/officeDocument/2006/relationships" xmlns:p="http://schemas.openxmlformats.org/presentationml/2006/main" showSpecialPlsOnTitleSld="0" saveSubsetFonts="1">
   <p:sldMasterIdLst>
     <p:sldMasterId id="2147483660" r:id="rId1"/>
   </p:sldMasterIdLst>
@@ -223,7 +223,7 @@
           <a:p>
             <a:fld id="{BE1256C8-1BA4-4200-90F3-9413893DDEA5}" type="datetimeFigureOut">
               <a:rPr lang="en-US" smtClean="0"/>
-              <a:t>4/19/18</a:t>
+              <a:t>4/20/2018</a:t>
             </a:fld>
             <a:endParaRPr lang="en-US"/>
           </a:p>
@@ -1151,9 +1151,9 @@
           <a:bodyPr/>
           <a:lstStyle/>
           <a:p>
-            <a:fld id="{7CC7A2F6-2F19-4AE6-AE33-E09CFF174DCA}" type="datetimeFigureOut">
+            <a:fld id="{C962FD33-4488-48C5-B1C5-1E0754251B11}" type="datetime1">
               <a:rPr lang="en-GB" smtClean="0"/>
-              <a:t>19/04/2018</a:t>
+              <a:t>20/04/2018</a:t>
             </a:fld>
             <a:endParaRPr lang="en-GB"/>
           </a:p>
@@ -1321,9 +1321,9 @@
           <a:bodyPr/>
           <a:lstStyle/>
           <a:p>
-            <a:fld id="{7CC7A2F6-2F19-4AE6-AE33-E09CFF174DCA}" type="datetimeFigureOut">
+            <a:fld id="{2C8C71DC-8214-42CE-8992-7ABF498B6A33}" type="datetime1">
               <a:rPr lang="en-GB" smtClean="0"/>
-              <a:t>19/04/2018</a:t>
+              <a:t>20/04/2018</a:t>
             </a:fld>
             <a:endParaRPr lang="en-GB"/>
           </a:p>
@@ -1501,9 +1501,9 @@
           <a:bodyPr/>
           <a:lstStyle/>
           <a:p>
-            <a:fld id="{7CC7A2F6-2F19-4AE6-AE33-E09CFF174DCA}" type="datetimeFigureOut">
+            <a:fld id="{46DD5109-525D-4175-A399-139E6B595733}" type="datetime1">
               <a:rPr lang="en-GB" smtClean="0"/>
-              <a:t>19/04/2018</a:t>
+              <a:t>20/04/2018</a:t>
             </a:fld>
             <a:endParaRPr lang="en-GB"/>
           </a:p>
@@ -1671,9 +1671,9 @@
           <a:bodyPr/>
           <a:lstStyle/>
           <a:p>
-            <a:fld id="{7CC7A2F6-2F19-4AE6-AE33-E09CFF174DCA}" type="datetimeFigureOut">
+            <a:fld id="{841B3782-6578-4EB3-AA89-216212E2D1D7}" type="datetime1">
               <a:rPr lang="en-GB" smtClean="0"/>
-              <a:t>19/04/2018</a:t>
+              <a:t>20/04/2018</a:t>
             </a:fld>
             <a:endParaRPr lang="en-GB"/>
           </a:p>
@@ -1915,9 +1915,9 @@
           <a:bodyPr/>
           <a:lstStyle/>
           <a:p>
-            <a:fld id="{7CC7A2F6-2F19-4AE6-AE33-E09CFF174DCA}" type="datetimeFigureOut">
+            <a:fld id="{185AA983-5F9F-45C5-94D2-5E76E6823250}" type="datetime1">
               <a:rPr lang="en-GB" smtClean="0"/>
-              <a:t>19/04/2018</a:t>
+              <a:t>20/04/2018</a:t>
             </a:fld>
             <a:endParaRPr lang="en-GB"/>
           </a:p>
@@ -2147,9 +2147,9 @@
           <a:bodyPr/>
           <a:lstStyle/>
           <a:p>
-            <a:fld id="{7CC7A2F6-2F19-4AE6-AE33-E09CFF174DCA}" type="datetimeFigureOut">
+            <a:fld id="{6B809E49-4FAA-4342-A02D-9552B4451451}" type="datetime1">
               <a:rPr lang="en-GB" smtClean="0"/>
-              <a:t>19/04/2018</a:t>
+              <a:t>20/04/2018</a:t>
             </a:fld>
             <a:endParaRPr lang="en-GB"/>
           </a:p>
@@ -2514,9 +2514,9 @@
           <a:bodyPr/>
           <a:lstStyle/>
           <a:p>
-            <a:fld id="{7CC7A2F6-2F19-4AE6-AE33-E09CFF174DCA}" type="datetimeFigureOut">
+            <a:fld id="{2BCEBDE9-D8FC-49B0-9A8D-F9D50DF9DDC0}" type="datetime1">
               <a:rPr lang="en-GB" smtClean="0"/>
-              <a:t>19/04/2018</a:t>
+              <a:t>20/04/2018</a:t>
             </a:fld>
             <a:endParaRPr lang="en-GB"/>
           </a:p>
@@ -2632,9 +2632,9 @@
           <a:bodyPr/>
           <a:lstStyle/>
           <a:p>
-            <a:fld id="{7CC7A2F6-2F19-4AE6-AE33-E09CFF174DCA}" type="datetimeFigureOut">
+            <a:fld id="{A9A6C328-30EC-414D-B0ED-6D73AD8BAABB}" type="datetime1">
               <a:rPr lang="en-GB" smtClean="0"/>
-              <a:t>19/04/2018</a:t>
+              <a:t>20/04/2018</a:t>
             </a:fld>
             <a:endParaRPr lang="en-GB"/>
           </a:p>
@@ -2727,9 +2727,9 @@
           <a:bodyPr/>
           <a:lstStyle/>
           <a:p>
-            <a:fld id="{7CC7A2F6-2F19-4AE6-AE33-E09CFF174DCA}" type="datetimeFigureOut">
+            <a:fld id="{076D0D56-C497-48B0-B655-E05170267679}" type="datetime1">
               <a:rPr lang="en-GB" smtClean="0"/>
-              <a:t>19/04/2018</a:t>
+              <a:t>20/04/2018</a:t>
             </a:fld>
             <a:endParaRPr lang="en-GB"/>
           </a:p>
@@ -3004,9 +3004,9 @@
           <a:bodyPr/>
           <a:lstStyle/>
           <a:p>
-            <a:fld id="{7CC7A2F6-2F19-4AE6-AE33-E09CFF174DCA}" type="datetimeFigureOut">
+            <a:fld id="{66F7EB2B-9C38-4F0E-B806-1D9583FB183F}" type="datetime1">
               <a:rPr lang="en-GB" smtClean="0"/>
-              <a:t>19/04/2018</a:t>
+              <a:t>20/04/2018</a:t>
             </a:fld>
             <a:endParaRPr lang="en-GB"/>
           </a:p>
@@ -3261,9 +3261,9 @@
           <a:bodyPr/>
           <a:lstStyle/>
           <a:p>
-            <a:fld id="{7CC7A2F6-2F19-4AE6-AE33-E09CFF174DCA}" type="datetimeFigureOut">
+            <a:fld id="{DEED7F80-EBF9-45BF-A050-D31472D7ECD3}" type="datetime1">
               <a:rPr lang="en-GB" smtClean="0"/>
-              <a:t>19/04/2018</a:t>
+              <a:t>20/04/2018</a:t>
             </a:fld>
             <a:endParaRPr lang="en-GB"/>
           </a:p>
@@ -3474,9 +3474,9 @@
             </a:lvl1pPr>
           </a:lstStyle>
           <a:p>
-            <a:fld id="{7CC7A2F6-2F19-4AE6-AE33-E09CFF174DCA}" type="datetimeFigureOut">
+            <a:fld id="{00951F4E-D55C-4B86-86D0-29F203F0D17F}" type="datetime1">
               <a:rPr lang="en-GB" smtClean="0"/>
-              <a:t>19/04/2018</a:t>
+              <a:t>20/04/2018</a:t>
             </a:fld>
             <a:endParaRPr lang="en-GB"/>
           </a:p>
@@ -3581,6 +3581,7 @@
     <p:sldLayoutId id="2147483670" r:id="rId10"/>
     <p:sldLayoutId id="2147483671" r:id="rId11"/>
   </p:sldLayoutIdLst>
+  <p:hf hdr="0" ftr="0" dt="0"/>
   <p:txStyles>
     <p:titleStyle>
       <a:lvl1pPr algn="l" defTabSz="914400" rtl="0" eaLnBrk="1" latinLnBrk="0" hangingPunct="1">
@@ -3893,14 +3894,19 @@
         </p:nvSpPr>
         <p:spPr/>
         <p:txBody>
-          <a:bodyPr/>
-          <a:lstStyle/>
-          <a:p>
-            <a:r>
-              <a:rPr lang="en-US"/>
-              <a:t>Entity Extraction/Named Entity Recognition (NER)</a:t>
-            </a:r>
-            <a:endParaRPr lang="en-US" dirty="0"/>
+          <a:bodyPr>
+            <a:normAutofit fontScale="90000"/>
+          </a:bodyPr>
+          <a:lstStyle/>
+          <a:p>
+            <a:r>
+              <a:rPr lang="en-US" dirty="0" smtClean="0"/>
+              <a:t>SMASAC - Entity </a:t>
+            </a:r>
+            <a:r>
+              <a:rPr lang="en-US" dirty="0"/>
+              <a:t>Extraction/Named Entity Recognition (NER)</a:t>
+            </a:r>
           </a:p>
         </p:txBody>
       </p:sp>
@@ -4805,6 +4811,48 @@
           </a:p>
         </p:txBody>
       </p:sp>
+      <p:sp>
+        <p:nvSpPr>
+          <p:cNvPr id="13" name="Subtitle 2"/>
+          <p:cNvSpPr>
+            <a:spLocks noGrp="1"/>
+          </p:cNvSpPr>
+          <p:nvPr>
+            <p:ph type="subTitle" idx="1"/>
+          </p:nvPr>
+        </p:nvSpPr>
+        <p:spPr>
+          <a:xfrm>
+            <a:off x="1143000" y="3602038"/>
+            <a:ext cx="6858000" cy="1655762"/>
+          </a:xfrm>
+        </p:spPr>
+        <p:txBody>
+          <a:bodyPr/>
+          <a:lstStyle/>
+          <a:p>
+            <a:r>
+              <a:rPr lang="en-GB" dirty="0" smtClean="0"/>
+              <a:t>GRÉGOIRE BUREL, MAYANK KEJRIWAL (</a:t>
+            </a:r>
+            <a:r>
+              <a:rPr lang="en-GB" u="sng" dirty="0"/>
+              <a:t>PEDRO </a:t>
+            </a:r>
+            <a:r>
+              <a:rPr lang="en-GB" u="sng" dirty="0" smtClean="0"/>
+              <a:t>SZEKELY</a:t>
+            </a:r>
+            <a:r>
+              <a:rPr lang="en-GB" dirty="0" smtClean="0"/>
+              <a:t>) AND PRASHANT KHARE</a:t>
+            </a:r>
+          </a:p>
+          <a:p>
+            <a:endParaRPr lang="en-GB" dirty="0"/>
+          </a:p>
+        </p:txBody>
+      </p:sp>
     </p:spTree>
     <p:extLst>
       <p:ext uri="{BB962C8B-B14F-4D97-AF65-F5344CB8AC3E}">
@@ -4868,7 +4916,7 @@
           <p:cNvPr id="7" name="Content Placeholder 6">
             <a:extLst>
               <a:ext uri="{FF2B5EF4-FFF2-40B4-BE49-F238E27FC236}">
-                <a16:creationId xmlns:a16="http://schemas.microsoft.com/office/drawing/2014/main" xmlns="" id="{13D3C029-F9AA-4E5C-8627-46A9ED1284E6}"/>
+                <a16:creationId xmlns="" xmlns:a16="http://schemas.microsoft.com/office/drawing/2014/main" id="{13D3C029-F9AA-4E5C-8627-46A9ED1284E6}"/>
               </a:ext>
             </a:extLst>
           </p:cNvPr>
@@ -4901,7 +4949,7 @@
           <p:cNvPr id="1026" name="Picture 2" descr="Related image">
             <a:extLst>
               <a:ext uri="{FF2B5EF4-FFF2-40B4-BE49-F238E27FC236}">
-                <a16:creationId xmlns:a16="http://schemas.microsoft.com/office/drawing/2014/main" xmlns="" id="{10228010-65D9-4664-9A19-50D2A115129D}"/>
+                <a16:creationId xmlns="" xmlns:a16="http://schemas.microsoft.com/office/drawing/2014/main" id="{10228010-65D9-4664-9A19-50D2A115129D}"/>
               </a:ext>
             </a:extLst>
           </p:cNvPr>
@@ -4948,7 +4996,7 @@
           <p:cNvPr id="14" name="TextBox 13">
             <a:extLst>
               <a:ext uri="{FF2B5EF4-FFF2-40B4-BE49-F238E27FC236}">
-                <a16:creationId xmlns:a16="http://schemas.microsoft.com/office/drawing/2014/main" xmlns="" id="{6DFB3C83-0C7A-4535-96AA-E84D929A4E6A}"/>
+                <a16:creationId xmlns="" xmlns:a16="http://schemas.microsoft.com/office/drawing/2014/main" id="{6DFB3C83-0C7A-4535-96AA-E84D929A4E6A}"/>
               </a:ext>
             </a:extLst>
           </p:cNvPr>
@@ -4980,6 +5028,29 @@
               </a:rPr>
               <a:t>(Lafferty et al., 2001)</a:t>
             </a:r>
+          </a:p>
+        </p:txBody>
+      </p:sp>
+      <p:sp>
+        <p:nvSpPr>
+          <p:cNvPr id="3" name="Slide Number Placeholder 2"/>
+          <p:cNvSpPr>
+            <a:spLocks noGrp="1"/>
+          </p:cNvSpPr>
+          <p:nvPr>
+            <p:ph type="sldNum" sz="quarter" idx="12"/>
+          </p:nvPr>
+        </p:nvSpPr>
+        <p:spPr/>
+        <p:txBody>
+          <a:bodyPr/>
+          <a:lstStyle/>
+          <a:p>
+            <a:fld id="{D63D4D68-E5E1-497F-B018-33FA9D88ECA8}" type="slidenum">
+              <a:rPr lang="en-GB" smtClean="0"/>
+              <a:t>10</a:t>
+            </a:fld>
+            <a:endParaRPr lang="en-GB"/>
           </a:p>
         </p:txBody>
       </p:sp>
@@ -5018,7 +5089,7 @@
           <p:cNvPr id="2" name="Title 1">
             <a:extLst>
               <a:ext uri="{FF2B5EF4-FFF2-40B4-BE49-F238E27FC236}">
-                <a16:creationId xmlns:a16="http://schemas.microsoft.com/office/drawing/2014/main" xmlns="" id="{5F44972C-1277-45AF-857F-5C44DCAA94E2}"/>
+                <a16:creationId xmlns="" xmlns:a16="http://schemas.microsoft.com/office/drawing/2014/main" id="{5F44972C-1277-45AF-857F-5C44DCAA94E2}"/>
               </a:ext>
             </a:extLst>
           </p:cNvPr>
@@ -5046,7 +5117,7 @@
           <p:cNvPr id="3" name="Content Placeholder 2">
             <a:extLst>
               <a:ext uri="{FF2B5EF4-FFF2-40B4-BE49-F238E27FC236}">
-                <a16:creationId xmlns:a16="http://schemas.microsoft.com/office/drawing/2014/main" xmlns="" id="{AD4D6E95-FB39-4A81-BE0C-47FCB77127E2}"/>
+                <a16:creationId xmlns="" xmlns:a16="http://schemas.microsoft.com/office/drawing/2014/main" id="{AD4D6E95-FB39-4A81-BE0C-47FCB77127E2}"/>
               </a:ext>
             </a:extLst>
           </p:cNvPr>
@@ -5085,7 +5156,7 @@
           <p:cNvPr id="11" name="TextBox 10">
             <a:extLst>
               <a:ext uri="{FF2B5EF4-FFF2-40B4-BE49-F238E27FC236}">
-                <a16:creationId xmlns:a16="http://schemas.microsoft.com/office/drawing/2014/main" xmlns="" id="{035C8D01-6480-45BB-8A5C-D4D82BEB4E5E}"/>
+                <a16:creationId xmlns="" xmlns:a16="http://schemas.microsoft.com/office/drawing/2014/main" id="{035C8D01-6480-45BB-8A5C-D4D82BEB4E5E}"/>
               </a:ext>
             </a:extLst>
           </p:cNvPr>
@@ -5144,6 +5215,29 @@
           </a:prstGeom>
         </p:spPr>
       </p:pic>
+      <p:sp>
+        <p:nvSpPr>
+          <p:cNvPr id="5" name="Slide Number Placeholder 4"/>
+          <p:cNvSpPr>
+            <a:spLocks noGrp="1"/>
+          </p:cNvSpPr>
+          <p:nvPr>
+            <p:ph type="sldNum" sz="quarter" idx="12"/>
+          </p:nvPr>
+        </p:nvSpPr>
+        <p:spPr/>
+        <p:txBody>
+          <a:bodyPr/>
+          <a:lstStyle/>
+          <a:p>
+            <a:fld id="{D63D4D68-E5E1-497F-B018-33FA9D88ECA8}" type="slidenum">
+              <a:rPr lang="en-GB" smtClean="0"/>
+              <a:t>11</a:t>
+            </a:fld>
+            <a:endParaRPr lang="en-GB"/>
+          </a:p>
+        </p:txBody>
+      </p:sp>
     </p:spTree>
     <p:extLst>
       <p:ext uri="{BB962C8B-B14F-4D97-AF65-F5344CB8AC3E}">
@@ -5179,7 +5273,7 @@
           <p:cNvPr id="2" name="Title 1">
             <a:extLst>
               <a:ext uri="{FF2B5EF4-FFF2-40B4-BE49-F238E27FC236}">
-                <a16:creationId xmlns:a16="http://schemas.microsoft.com/office/drawing/2014/main" xmlns="" id="{5F44972C-1277-45AF-857F-5C44DCAA94E2}"/>
+                <a16:creationId xmlns="" xmlns:a16="http://schemas.microsoft.com/office/drawing/2014/main" id="{5F44972C-1277-45AF-857F-5C44DCAA94E2}"/>
               </a:ext>
             </a:extLst>
           </p:cNvPr>
@@ -5207,7 +5301,7 @@
           <p:cNvPr id="3" name="Content Placeholder 2">
             <a:extLst>
               <a:ext uri="{FF2B5EF4-FFF2-40B4-BE49-F238E27FC236}">
-                <a16:creationId xmlns:a16="http://schemas.microsoft.com/office/drawing/2014/main" xmlns="" id="{AD4D6E95-FB39-4A81-BE0C-47FCB77127E2}"/>
+                <a16:creationId xmlns="" xmlns:a16="http://schemas.microsoft.com/office/drawing/2014/main" id="{AD4D6E95-FB39-4A81-BE0C-47FCB77127E2}"/>
               </a:ext>
             </a:extLst>
           </p:cNvPr>
@@ -5258,7 +5352,7 @@
           <p:cNvPr id="5" name="Picture 4">
             <a:extLst>
               <a:ext uri="{FF2B5EF4-FFF2-40B4-BE49-F238E27FC236}">
-                <a16:creationId xmlns:a16="http://schemas.microsoft.com/office/drawing/2014/main" xmlns="" id="{E31F759C-413A-4273-876B-1CA3A9286686}"/>
+                <a16:creationId xmlns="" xmlns:a16="http://schemas.microsoft.com/office/drawing/2014/main" id="{E31F759C-413A-4273-876B-1CA3A9286686}"/>
               </a:ext>
             </a:extLst>
           </p:cNvPr>
@@ -5288,7 +5382,7 @@
           <p:cNvPr id="7" name="Straight Arrow Connector 6">
             <a:extLst>
               <a:ext uri="{FF2B5EF4-FFF2-40B4-BE49-F238E27FC236}">
-                <a16:creationId xmlns:a16="http://schemas.microsoft.com/office/drawing/2014/main" xmlns="" id="{482D490B-F863-49BB-82B1-21ED41AC47F8}"/>
+                <a16:creationId xmlns="" xmlns:a16="http://schemas.microsoft.com/office/drawing/2014/main" id="{482D490B-F863-49BB-82B1-21ED41AC47F8}"/>
               </a:ext>
             </a:extLst>
           </p:cNvPr>
@@ -5329,7 +5423,7 @@
           <p:cNvPr id="9" name="Straight Arrow Connector 8">
             <a:extLst>
               <a:ext uri="{FF2B5EF4-FFF2-40B4-BE49-F238E27FC236}">
-                <a16:creationId xmlns:a16="http://schemas.microsoft.com/office/drawing/2014/main" xmlns="" id="{188D38CF-57BF-4AE7-A5CD-D7AB3F163338}"/>
+                <a16:creationId xmlns="" xmlns:a16="http://schemas.microsoft.com/office/drawing/2014/main" id="{188D38CF-57BF-4AE7-A5CD-D7AB3F163338}"/>
               </a:ext>
             </a:extLst>
           </p:cNvPr>
@@ -5370,7 +5464,7 @@
           <p:cNvPr id="19" name="Picture 18">
             <a:extLst>
               <a:ext uri="{FF2B5EF4-FFF2-40B4-BE49-F238E27FC236}">
-                <a16:creationId xmlns:a16="http://schemas.microsoft.com/office/drawing/2014/main" xmlns="" id="{0D7BFADC-AEDA-4227-BD9E-21855850E785}"/>
+                <a16:creationId xmlns="" xmlns:a16="http://schemas.microsoft.com/office/drawing/2014/main" id="{0D7BFADC-AEDA-4227-BD9E-21855850E785}"/>
               </a:ext>
             </a:extLst>
           </p:cNvPr>
@@ -5400,7 +5494,7 @@
           <p:cNvPr id="18" name="Picture 17">
             <a:extLst>
               <a:ext uri="{FF2B5EF4-FFF2-40B4-BE49-F238E27FC236}">
-                <a16:creationId xmlns:a16="http://schemas.microsoft.com/office/drawing/2014/main" xmlns="" id="{F17571D6-AE91-4354-BED2-D90B6DFEE185}"/>
+                <a16:creationId xmlns="" xmlns:a16="http://schemas.microsoft.com/office/drawing/2014/main" id="{F17571D6-AE91-4354-BED2-D90B6DFEE185}"/>
               </a:ext>
             </a:extLst>
           </p:cNvPr>
@@ -5430,7 +5524,7 @@
           <p:cNvPr id="20" name="Picture 19">
             <a:extLst>
               <a:ext uri="{FF2B5EF4-FFF2-40B4-BE49-F238E27FC236}">
-                <a16:creationId xmlns:a16="http://schemas.microsoft.com/office/drawing/2014/main" xmlns="" id="{6CFE4D04-D2D0-40F7-BA00-7F0C0CCD624D}"/>
+                <a16:creationId xmlns="" xmlns:a16="http://schemas.microsoft.com/office/drawing/2014/main" id="{6CFE4D04-D2D0-40F7-BA00-7F0C0CCD624D}"/>
               </a:ext>
             </a:extLst>
           </p:cNvPr>
@@ -5460,7 +5554,7 @@
           <p:cNvPr id="21" name="Picture 20">
             <a:extLst>
               <a:ext uri="{FF2B5EF4-FFF2-40B4-BE49-F238E27FC236}">
-                <a16:creationId xmlns:a16="http://schemas.microsoft.com/office/drawing/2014/main" xmlns="" id="{189FF996-CE2C-4DDA-95B7-85B9DFD7CBED}"/>
+                <a16:creationId xmlns="" xmlns:a16="http://schemas.microsoft.com/office/drawing/2014/main" id="{189FF996-CE2C-4DDA-95B7-85B9DFD7CBED}"/>
               </a:ext>
             </a:extLst>
           </p:cNvPr>
@@ -5490,7 +5584,7 @@
           <p:cNvPr id="11" name="Rectangle 10">
             <a:extLst>
               <a:ext uri="{FF2B5EF4-FFF2-40B4-BE49-F238E27FC236}">
-                <a16:creationId xmlns:a16="http://schemas.microsoft.com/office/drawing/2014/main" xmlns="" id="{30DBC704-3387-4A5D-A8E1-6CA6EEB5ADF6}"/>
+                <a16:creationId xmlns="" xmlns:a16="http://schemas.microsoft.com/office/drawing/2014/main" id="{30DBC704-3387-4A5D-A8E1-6CA6EEB5ADF6}"/>
               </a:ext>
             </a:extLst>
           </p:cNvPr>
@@ -5546,7 +5640,7 @@
           <p:cNvPr id="12" name="Title 1">
             <a:extLst>
               <a:ext uri="{FF2B5EF4-FFF2-40B4-BE49-F238E27FC236}">
-                <a16:creationId xmlns:a16="http://schemas.microsoft.com/office/drawing/2014/main" xmlns="" id="{95A38355-5A7F-4B61-8049-EB7D4C4B3DC5}"/>
+                <a16:creationId xmlns="" xmlns:a16="http://schemas.microsoft.com/office/drawing/2014/main" id="{95A38355-5A7F-4B61-8049-EB7D4C4B3DC5}"/>
               </a:ext>
             </a:extLst>
           </p:cNvPr>
@@ -5602,6 +5696,29 @@
                 <a:srgbClr val="002060"/>
               </a:solidFill>
             </a:endParaRPr>
+          </a:p>
+        </p:txBody>
+      </p:sp>
+      <p:sp>
+        <p:nvSpPr>
+          <p:cNvPr id="4" name="Slide Number Placeholder 3"/>
+          <p:cNvSpPr>
+            <a:spLocks noGrp="1"/>
+          </p:cNvSpPr>
+          <p:nvPr>
+            <p:ph type="sldNum" sz="quarter" idx="12"/>
+          </p:nvPr>
+        </p:nvSpPr>
+        <p:spPr/>
+        <p:txBody>
+          <a:bodyPr/>
+          <a:lstStyle/>
+          <a:p>
+            <a:fld id="{D63D4D68-E5E1-497F-B018-33FA9D88ECA8}" type="slidenum">
+              <a:rPr lang="en-GB" smtClean="0"/>
+              <a:t>12</a:t>
+            </a:fld>
+            <a:endParaRPr lang="en-GB"/>
           </a:p>
         </p:txBody>
       </p:sp>
@@ -5640,7 +5757,7 @@
           <p:cNvPr id="2" name="Title 1">
             <a:extLst>
               <a:ext uri="{FF2B5EF4-FFF2-40B4-BE49-F238E27FC236}">
-                <a16:creationId xmlns:a16="http://schemas.microsoft.com/office/drawing/2014/main" xmlns="" id="{FECCCB1F-69D0-45C7-9A40-FAC731823900}"/>
+                <a16:creationId xmlns="" xmlns:a16="http://schemas.microsoft.com/office/drawing/2014/main" id="{FECCCB1F-69D0-45C7-9A40-FAC731823900}"/>
               </a:ext>
             </a:extLst>
           </p:cNvPr>
@@ -5673,7 +5790,7 @@
           <p:cNvPr id="2050" name="Picture 2" descr="Image result for spacy ner">
             <a:extLst>
               <a:ext uri="{FF2B5EF4-FFF2-40B4-BE49-F238E27FC236}">
-                <a16:creationId xmlns:a16="http://schemas.microsoft.com/office/drawing/2014/main" xmlns="" id="{BF8CE563-B98B-4D8B-85DB-9319C6BB3BD6}"/>
+                <a16:creationId xmlns="" xmlns:a16="http://schemas.microsoft.com/office/drawing/2014/main" id="{BF8CE563-B98B-4D8B-85DB-9319C6BB3BD6}"/>
               </a:ext>
             </a:extLst>
           </p:cNvPr>
@@ -5720,7 +5837,7 @@
           <p:cNvPr id="7" name="Picture 6">
             <a:extLst>
               <a:ext uri="{FF2B5EF4-FFF2-40B4-BE49-F238E27FC236}">
-                <a16:creationId xmlns:a16="http://schemas.microsoft.com/office/drawing/2014/main" xmlns="" id="{C9D1664F-3E2D-44D1-869B-2D54C62EACC8}"/>
+                <a16:creationId xmlns="" xmlns:a16="http://schemas.microsoft.com/office/drawing/2014/main" id="{C9D1664F-3E2D-44D1-869B-2D54C62EACC8}"/>
               </a:ext>
             </a:extLst>
           </p:cNvPr>
@@ -5750,7 +5867,7 @@
           <p:cNvPr id="8" name="Picture 7">
             <a:extLst>
               <a:ext uri="{FF2B5EF4-FFF2-40B4-BE49-F238E27FC236}">
-                <a16:creationId xmlns:a16="http://schemas.microsoft.com/office/drawing/2014/main" xmlns="" id="{7DEDEEDD-DFDA-43E7-BDEF-132D6284F67E}"/>
+                <a16:creationId xmlns="" xmlns:a16="http://schemas.microsoft.com/office/drawing/2014/main" id="{7DEDEEDD-DFDA-43E7-BDEF-132D6284F67E}"/>
               </a:ext>
             </a:extLst>
           </p:cNvPr>
@@ -5780,7 +5897,7 @@
           <p:cNvPr id="9" name="Picture 8">
             <a:extLst>
               <a:ext uri="{FF2B5EF4-FFF2-40B4-BE49-F238E27FC236}">
-                <a16:creationId xmlns:a16="http://schemas.microsoft.com/office/drawing/2014/main" xmlns="" id="{5BF4D1C3-2098-4FA9-9AE9-B6310FFD0382}"/>
+                <a16:creationId xmlns="" xmlns:a16="http://schemas.microsoft.com/office/drawing/2014/main" id="{5BF4D1C3-2098-4FA9-9AE9-B6310FFD0382}"/>
               </a:ext>
             </a:extLst>
           </p:cNvPr>
@@ -5810,7 +5927,7 @@
           <p:cNvPr id="10" name="Picture 9">
             <a:extLst>
               <a:ext uri="{FF2B5EF4-FFF2-40B4-BE49-F238E27FC236}">
-                <a16:creationId xmlns:a16="http://schemas.microsoft.com/office/drawing/2014/main" xmlns="" id="{F6D94560-CDCC-433E-9834-5916B450239B}"/>
+                <a16:creationId xmlns="" xmlns:a16="http://schemas.microsoft.com/office/drawing/2014/main" id="{F6D94560-CDCC-433E-9834-5916B450239B}"/>
               </a:ext>
             </a:extLst>
           </p:cNvPr>
@@ -5840,7 +5957,7 @@
           <p:cNvPr id="11" name="Picture 10">
             <a:extLst>
               <a:ext uri="{FF2B5EF4-FFF2-40B4-BE49-F238E27FC236}">
-                <a16:creationId xmlns:a16="http://schemas.microsoft.com/office/drawing/2014/main" xmlns="" id="{CBF3A1EB-BA6B-484A-AA20-176F12D326FF}"/>
+                <a16:creationId xmlns="" xmlns:a16="http://schemas.microsoft.com/office/drawing/2014/main" id="{CBF3A1EB-BA6B-484A-AA20-176F12D326FF}"/>
               </a:ext>
             </a:extLst>
           </p:cNvPr>
@@ -5865,6 +5982,29 @@
           </a:prstGeom>
         </p:spPr>
       </p:pic>
+      <p:sp>
+        <p:nvSpPr>
+          <p:cNvPr id="3" name="Slide Number Placeholder 2"/>
+          <p:cNvSpPr>
+            <a:spLocks noGrp="1"/>
+          </p:cNvSpPr>
+          <p:nvPr>
+            <p:ph type="sldNum" sz="quarter" idx="12"/>
+          </p:nvPr>
+        </p:nvSpPr>
+        <p:spPr/>
+        <p:txBody>
+          <a:bodyPr/>
+          <a:lstStyle/>
+          <a:p>
+            <a:fld id="{D63D4D68-E5E1-497F-B018-33FA9D88ECA8}" type="slidenum">
+              <a:rPr lang="en-GB" smtClean="0"/>
+              <a:t>13</a:t>
+            </a:fld>
+            <a:endParaRPr lang="en-GB"/>
+          </a:p>
+        </p:txBody>
+      </p:sp>
     </p:spTree>
     <p:extLst>
       <p:ext uri="{BB962C8B-B14F-4D97-AF65-F5344CB8AC3E}">
@@ -5900,7 +6040,7 @@
           <p:cNvPr id="2" name="Title 1">
             <a:extLst>
               <a:ext uri="{FF2B5EF4-FFF2-40B4-BE49-F238E27FC236}">
-                <a16:creationId xmlns:a16="http://schemas.microsoft.com/office/drawing/2014/main" xmlns="" id="{FECCCB1F-69D0-45C7-9A40-FAC731823900}"/>
+                <a16:creationId xmlns="" xmlns:a16="http://schemas.microsoft.com/office/drawing/2014/main" id="{FECCCB1F-69D0-45C7-9A40-FAC731823900}"/>
               </a:ext>
             </a:extLst>
           </p:cNvPr>
@@ -5933,7 +6073,7 @@
           <p:cNvPr id="2050" name="Picture 2" descr="Image result for spacy ner">
             <a:extLst>
               <a:ext uri="{FF2B5EF4-FFF2-40B4-BE49-F238E27FC236}">
-                <a16:creationId xmlns:a16="http://schemas.microsoft.com/office/drawing/2014/main" xmlns="" id="{BF8CE563-B98B-4D8B-85DB-9319C6BB3BD6}"/>
+                <a16:creationId xmlns="" xmlns:a16="http://schemas.microsoft.com/office/drawing/2014/main" id="{BF8CE563-B98B-4D8B-85DB-9319C6BB3BD6}"/>
               </a:ext>
             </a:extLst>
           </p:cNvPr>
@@ -5980,7 +6120,7 @@
           <p:cNvPr id="7" name="Picture 6">
             <a:extLst>
               <a:ext uri="{FF2B5EF4-FFF2-40B4-BE49-F238E27FC236}">
-                <a16:creationId xmlns:a16="http://schemas.microsoft.com/office/drawing/2014/main" xmlns="" id="{C9D1664F-3E2D-44D1-869B-2D54C62EACC8}"/>
+                <a16:creationId xmlns="" xmlns:a16="http://schemas.microsoft.com/office/drawing/2014/main" id="{C9D1664F-3E2D-44D1-869B-2D54C62EACC8}"/>
               </a:ext>
             </a:extLst>
           </p:cNvPr>
@@ -6010,7 +6150,7 @@
           <p:cNvPr id="8" name="Picture 7">
             <a:extLst>
               <a:ext uri="{FF2B5EF4-FFF2-40B4-BE49-F238E27FC236}">
-                <a16:creationId xmlns:a16="http://schemas.microsoft.com/office/drawing/2014/main" xmlns="" id="{7DEDEEDD-DFDA-43E7-BDEF-132D6284F67E}"/>
+                <a16:creationId xmlns="" xmlns:a16="http://schemas.microsoft.com/office/drawing/2014/main" id="{7DEDEEDD-DFDA-43E7-BDEF-132D6284F67E}"/>
               </a:ext>
             </a:extLst>
           </p:cNvPr>
@@ -6040,7 +6180,7 @@
           <p:cNvPr id="9" name="Picture 8">
             <a:extLst>
               <a:ext uri="{FF2B5EF4-FFF2-40B4-BE49-F238E27FC236}">
-                <a16:creationId xmlns:a16="http://schemas.microsoft.com/office/drawing/2014/main" xmlns="" id="{5BF4D1C3-2098-4FA9-9AE9-B6310FFD0382}"/>
+                <a16:creationId xmlns="" xmlns:a16="http://schemas.microsoft.com/office/drawing/2014/main" id="{5BF4D1C3-2098-4FA9-9AE9-B6310FFD0382}"/>
               </a:ext>
             </a:extLst>
           </p:cNvPr>
@@ -6070,7 +6210,7 @@
           <p:cNvPr id="10" name="Picture 9">
             <a:extLst>
               <a:ext uri="{FF2B5EF4-FFF2-40B4-BE49-F238E27FC236}">
-                <a16:creationId xmlns:a16="http://schemas.microsoft.com/office/drawing/2014/main" xmlns="" id="{F6D94560-CDCC-433E-9834-5916B450239B}"/>
+                <a16:creationId xmlns="" xmlns:a16="http://schemas.microsoft.com/office/drawing/2014/main" id="{F6D94560-CDCC-433E-9834-5916B450239B}"/>
               </a:ext>
             </a:extLst>
           </p:cNvPr>
@@ -6100,7 +6240,7 @@
           <p:cNvPr id="11" name="Picture 10">
             <a:extLst>
               <a:ext uri="{FF2B5EF4-FFF2-40B4-BE49-F238E27FC236}">
-                <a16:creationId xmlns:a16="http://schemas.microsoft.com/office/drawing/2014/main" xmlns="" id="{CBF3A1EB-BA6B-484A-AA20-176F12D326FF}"/>
+                <a16:creationId xmlns="" xmlns:a16="http://schemas.microsoft.com/office/drawing/2014/main" id="{CBF3A1EB-BA6B-484A-AA20-176F12D326FF}"/>
               </a:ext>
             </a:extLst>
           </p:cNvPr>
@@ -6130,7 +6270,7 @@
           <p:cNvPr id="12" name="Rectangle 11">
             <a:extLst>
               <a:ext uri="{FF2B5EF4-FFF2-40B4-BE49-F238E27FC236}">
-                <a16:creationId xmlns:a16="http://schemas.microsoft.com/office/drawing/2014/main" xmlns="" id="{30DBC704-3387-4A5D-A8E1-6CA6EEB5ADF6}"/>
+                <a16:creationId xmlns="" xmlns:a16="http://schemas.microsoft.com/office/drawing/2014/main" id="{30DBC704-3387-4A5D-A8E1-6CA6EEB5ADF6}"/>
               </a:ext>
             </a:extLst>
           </p:cNvPr>
@@ -6186,7 +6326,7 @@
           <p:cNvPr id="13" name="Title 1">
             <a:extLst>
               <a:ext uri="{FF2B5EF4-FFF2-40B4-BE49-F238E27FC236}">
-                <a16:creationId xmlns:a16="http://schemas.microsoft.com/office/drawing/2014/main" xmlns="" id="{95A38355-5A7F-4B61-8049-EB7D4C4B3DC5}"/>
+                <a16:creationId xmlns="" xmlns:a16="http://schemas.microsoft.com/office/drawing/2014/main" id="{95A38355-5A7F-4B61-8049-EB7D4C4B3DC5}"/>
               </a:ext>
             </a:extLst>
           </p:cNvPr>
@@ -6241,6 +6381,29 @@
                 <a:srgbClr val="002060"/>
               </a:solidFill>
             </a:endParaRPr>
+          </a:p>
+        </p:txBody>
+      </p:sp>
+      <p:sp>
+        <p:nvSpPr>
+          <p:cNvPr id="3" name="Slide Number Placeholder 2"/>
+          <p:cNvSpPr>
+            <a:spLocks noGrp="1"/>
+          </p:cNvSpPr>
+          <p:nvPr>
+            <p:ph type="sldNum" sz="quarter" idx="12"/>
+          </p:nvPr>
+        </p:nvSpPr>
+        <p:spPr/>
+        <p:txBody>
+          <a:bodyPr/>
+          <a:lstStyle/>
+          <a:p>
+            <a:fld id="{D63D4D68-E5E1-497F-B018-33FA9D88ECA8}" type="slidenum">
+              <a:rPr lang="en-GB" smtClean="0"/>
+              <a:t>14</a:t>
+            </a:fld>
+            <a:endParaRPr lang="en-GB"/>
           </a:p>
         </p:txBody>
       </p:sp>
@@ -6279,7 +6442,7 @@
           <p:cNvPr id="2" name="Title 1">
             <a:extLst>
               <a:ext uri="{FF2B5EF4-FFF2-40B4-BE49-F238E27FC236}">
-                <a16:creationId xmlns:a16="http://schemas.microsoft.com/office/drawing/2014/main" xmlns="" id="{FECCCB1F-69D0-45C7-9A40-FAC731823900}"/>
+                <a16:creationId xmlns="" xmlns:a16="http://schemas.microsoft.com/office/drawing/2014/main" id="{FECCCB1F-69D0-45C7-9A40-FAC731823900}"/>
               </a:ext>
             </a:extLst>
           </p:cNvPr>
@@ -6312,7 +6475,7 @@
           <p:cNvPr id="2050" name="Picture 2" descr="Image result for spacy ner">
             <a:extLst>
               <a:ext uri="{FF2B5EF4-FFF2-40B4-BE49-F238E27FC236}">
-                <a16:creationId xmlns:a16="http://schemas.microsoft.com/office/drawing/2014/main" xmlns="" id="{BF8CE563-B98B-4D8B-85DB-9319C6BB3BD6}"/>
+                <a16:creationId xmlns="" xmlns:a16="http://schemas.microsoft.com/office/drawing/2014/main" id="{BF8CE563-B98B-4D8B-85DB-9319C6BB3BD6}"/>
               </a:ext>
             </a:extLst>
           </p:cNvPr>
@@ -6359,7 +6522,7 @@
           <p:cNvPr id="7" name="Picture 6">
             <a:extLst>
               <a:ext uri="{FF2B5EF4-FFF2-40B4-BE49-F238E27FC236}">
-                <a16:creationId xmlns:a16="http://schemas.microsoft.com/office/drawing/2014/main" xmlns="" id="{C9D1664F-3E2D-44D1-869B-2D54C62EACC8}"/>
+                <a16:creationId xmlns="" xmlns:a16="http://schemas.microsoft.com/office/drawing/2014/main" id="{C9D1664F-3E2D-44D1-869B-2D54C62EACC8}"/>
               </a:ext>
             </a:extLst>
           </p:cNvPr>
@@ -6389,7 +6552,7 @@
           <p:cNvPr id="8" name="Picture 7">
             <a:extLst>
               <a:ext uri="{FF2B5EF4-FFF2-40B4-BE49-F238E27FC236}">
-                <a16:creationId xmlns:a16="http://schemas.microsoft.com/office/drawing/2014/main" xmlns="" id="{7DEDEEDD-DFDA-43E7-BDEF-132D6284F67E}"/>
+                <a16:creationId xmlns="" xmlns:a16="http://schemas.microsoft.com/office/drawing/2014/main" id="{7DEDEEDD-DFDA-43E7-BDEF-132D6284F67E}"/>
               </a:ext>
             </a:extLst>
           </p:cNvPr>
@@ -6419,7 +6582,7 @@
           <p:cNvPr id="9" name="Picture 8">
             <a:extLst>
               <a:ext uri="{FF2B5EF4-FFF2-40B4-BE49-F238E27FC236}">
-                <a16:creationId xmlns:a16="http://schemas.microsoft.com/office/drawing/2014/main" xmlns="" id="{5BF4D1C3-2098-4FA9-9AE9-B6310FFD0382}"/>
+                <a16:creationId xmlns="" xmlns:a16="http://schemas.microsoft.com/office/drawing/2014/main" id="{5BF4D1C3-2098-4FA9-9AE9-B6310FFD0382}"/>
               </a:ext>
             </a:extLst>
           </p:cNvPr>
@@ -6449,7 +6612,7 @@
           <p:cNvPr id="10" name="Picture 9">
             <a:extLst>
               <a:ext uri="{FF2B5EF4-FFF2-40B4-BE49-F238E27FC236}">
-                <a16:creationId xmlns:a16="http://schemas.microsoft.com/office/drawing/2014/main" xmlns="" id="{F6D94560-CDCC-433E-9834-5916B450239B}"/>
+                <a16:creationId xmlns="" xmlns:a16="http://schemas.microsoft.com/office/drawing/2014/main" id="{F6D94560-CDCC-433E-9834-5916B450239B}"/>
               </a:ext>
             </a:extLst>
           </p:cNvPr>
@@ -6479,7 +6642,7 @@
           <p:cNvPr id="11" name="Picture 10">
             <a:extLst>
               <a:ext uri="{FF2B5EF4-FFF2-40B4-BE49-F238E27FC236}">
-                <a16:creationId xmlns:a16="http://schemas.microsoft.com/office/drawing/2014/main" xmlns="" id="{CBF3A1EB-BA6B-484A-AA20-176F12D326FF}"/>
+                <a16:creationId xmlns="" xmlns:a16="http://schemas.microsoft.com/office/drawing/2014/main" id="{CBF3A1EB-BA6B-484A-AA20-176F12D326FF}"/>
               </a:ext>
             </a:extLst>
           </p:cNvPr>
@@ -6509,7 +6672,7 @@
           <p:cNvPr id="12" name="Rectangle 11">
             <a:extLst>
               <a:ext uri="{FF2B5EF4-FFF2-40B4-BE49-F238E27FC236}">
-                <a16:creationId xmlns:a16="http://schemas.microsoft.com/office/drawing/2014/main" xmlns="" id="{30DBC704-3387-4A5D-A8E1-6CA6EEB5ADF6}"/>
+                <a16:creationId xmlns="" xmlns:a16="http://schemas.microsoft.com/office/drawing/2014/main" id="{30DBC704-3387-4A5D-A8E1-6CA6EEB5ADF6}"/>
               </a:ext>
             </a:extLst>
           </p:cNvPr>
@@ -6565,7 +6728,7 @@
           <p:cNvPr id="13" name="Title 1">
             <a:extLst>
               <a:ext uri="{FF2B5EF4-FFF2-40B4-BE49-F238E27FC236}">
-                <a16:creationId xmlns:a16="http://schemas.microsoft.com/office/drawing/2014/main" xmlns="" id="{95A38355-5A7F-4B61-8049-EB7D4C4B3DC5}"/>
+                <a16:creationId xmlns="" xmlns:a16="http://schemas.microsoft.com/office/drawing/2014/main" id="{95A38355-5A7F-4B61-8049-EB7D4C4B3DC5}"/>
               </a:ext>
             </a:extLst>
           </p:cNvPr>
@@ -6620,6 +6783,29 @@
                 <a:srgbClr val="002060"/>
               </a:solidFill>
             </a:endParaRPr>
+          </a:p>
+        </p:txBody>
+      </p:sp>
+      <p:sp>
+        <p:nvSpPr>
+          <p:cNvPr id="3" name="Slide Number Placeholder 2"/>
+          <p:cNvSpPr>
+            <a:spLocks noGrp="1"/>
+          </p:cNvSpPr>
+          <p:nvPr>
+            <p:ph type="sldNum" sz="quarter" idx="12"/>
+          </p:nvPr>
+        </p:nvSpPr>
+        <p:spPr/>
+        <p:txBody>
+          <a:bodyPr/>
+          <a:lstStyle/>
+          <a:p>
+            <a:fld id="{D63D4D68-E5E1-497F-B018-33FA9D88ECA8}" type="slidenum">
+              <a:rPr lang="en-GB" smtClean="0"/>
+              <a:t>15</a:t>
+            </a:fld>
+            <a:endParaRPr lang="en-GB"/>
           </a:p>
         </p:txBody>
       </p:sp>
@@ -6658,7 +6844,7 @@
           <p:cNvPr id="9" name="Content Placeholder 8">
             <a:extLst>
               <a:ext uri="{FF2B5EF4-FFF2-40B4-BE49-F238E27FC236}">
-                <a16:creationId xmlns:a16="http://schemas.microsoft.com/office/drawing/2014/main" xmlns="" id="{B1ED2A46-1714-4043-8859-0515A435A3E5}"/>
+                <a16:creationId xmlns="" xmlns:a16="http://schemas.microsoft.com/office/drawing/2014/main" id="{B1ED2A46-1714-4043-8859-0515A435A3E5}"/>
               </a:ext>
             </a:extLst>
           </p:cNvPr>
@@ -6701,7 +6887,7 @@
           <p:cNvPr id="10" name="TextBox 9">
             <a:extLst>
               <a:ext uri="{FF2B5EF4-FFF2-40B4-BE49-F238E27FC236}">
-                <a16:creationId xmlns:a16="http://schemas.microsoft.com/office/drawing/2014/main" xmlns="" id="{56F30D90-CBA2-46EA-91F2-0573C998920B}"/>
+                <a16:creationId xmlns="" xmlns:a16="http://schemas.microsoft.com/office/drawing/2014/main" id="{56F30D90-CBA2-46EA-91F2-0573C998920B}"/>
               </a:ext>
             </a:extLst>
           </p:cNvPr>
@@ -6741,7 +6927,7 @@
           <p:cNvPr id="11" name="Picture 10">
             <a:extLst>
               <a:ext uri="{FF2B5EF4-FFF2-40B4-BE49-F238E27FC236}">
-                <a16:creationId xmlns:a16="http://schemas.microsoft.com/office/drawing/2014/main" xmlns="" id="{139CD10C-D795-43F9-9BE2-0158C5C25AF2}"/>
+                <a16:creationId xmlns="" xmlns:a16="http://schemas.microsoft.com/office/drawing/2014/main" id="{139CD10C-D795-43F9-9BE2-0158C5C25AF2}"/>
               </a:ext>
             </a:extLst>
           </p:cNvPr>
@@ -6771,7 +6957,7 @@
           <p:cNvPr id="7" name="Title 1">
             <a:extLst>
               <a:ext uri="{FF2B5EF4-FFF2-40B4-BE49-F238E27FC236}">
-                <a16:creationId xmlns:a16="http://schemas.microsoft.com/office/drawing/2014/main" xmlns="" id="{D6B083CC-4209-47D3-8AFB-A755190E41BB}"/>
+                <a16:creationId xmlns="" xmlns:a16="http://schemas.microsoft.com/office/drawing/2014/main" id="{D6B083CC-4209-47D3-8AFB-A755190E41BB}"/>
               </a:ext>
             </a:extLst>
           </p:cNvPr>
@@ -6817,6 +7003,29 @@
               <a:rPr lang="en-US" sz="4000"/>
               <a:t>Are Off-the-shelf Tools Good Enough?</a:t>
             </a:r>
+          </a:p>
+        </p:txBody>
+      </p:sp>
+      <p:sp>
+        <p:nvSpPr>
+          <p:cNvPr id="2" name="Slide Number Placeholder 1"/>
+          <p:cNvSpPr>
+            <a:spLocks noGrp="1"/>
+          </p:cNvSpPr>
+          <p:nvPr>
+            <p:ph type="sldNum" sz="quarter" idx="12"/>
+          </p:nvPr>
+        </p:nvSpPr>
+        <p:spPr/>
+        <p:txBody>
+          <a:bodyPr/>
+          <a:lstStyle/>
+          <a:p>
+            <a:fld id="{D63D4D68-E5E1-497F-B018-33FA9D88ECA8}" type="slidenum">
+              <a:rPr lang="en-GB" smtClean="0"/>
+              <a:t>16</a:t>
+            </a:fld>
+            <a:endParaRPr lang="en-GB"/>
           </a:p>
         </p:txBody>
       </p:sp>
@@ -6855,7 +7064,7 @@
           <p:cNvPr id="2" name="Title 1">
             <a:extLst>
               <a:ext uri="{FF2B5EF4-FFF2-40B4-BE49-F238E27FC236}">
-                <a16:creationId xmlns:a16="http://schemas.microsoft.com/office/drawing/2014/main" xmlns="" id="{D6B083CC-4209-47D3-8AFB-A755190E41BB}"/>
+                <a16:creationId xmlns="" xmlns:a16="http://schemas.microsoft.com/office/drawing/2014/main" id="{D6B083CC-4209-47D3-8AFB-A755190E41BB}"/>
               </a:ext>
             </a:extLst>
           </p:cNvPr>
@@ -6885,7 +7094,7 @@
           <p:cNvPr id="9" name="Content Placeholder 8">
             <a:extLst>
               <a:ext uri="{FF2B5EF4-FFF2-40B4-BE49-F238E27FC236}">
-                <a16:creationId xmlns:a16="http://schemas.microsoft.com/office/drawing/2014/main" xmlns="" id="{B1ED2A46-1714-4043-8859-0515A435A3E5}"/>
+                <a16:creationId xmlns="" xmlns:a16="http://schemas.microsoft.com/office/drawing/2014/main" id="{B1ED2A46-1714-4043-8859-0515A435A3E5}"/>
               </a:ext>
             </a:extLst>
           </p:cNvPr>
@@ -6924,7 +7133,7 @@
           <p:cNvPr id="11" name="Picture 10">
             <a:extLst>
               <a:ext uri="{FF2B5EF4-FFF2-40B4-BE49-F238E27FC236}">
-                <a16:creationId xmlns:a16="http://schemas.microsoft.com/office/drawing/2014/main" xmlns="" id="{139CD10C-D795-43F9-9BE2-0158C5C25AF2}"/>
+                <a16:creationId xmlns="" xmlns:a16="http://schemas.microsoft.com/office/drawing/2014/main" id="{139CD10C-D795-43F9-9BE2-0158C5C25AF2}"/>
               </a:ext>
             </a:extLst>
           </p:cNvPr>
@@ -6954,7 +7163,7 @@
           <p:cNvPr id="8" name="Rectangle 7">
             <a:extLst>
               <a:ext uri="{FF2B5EF4-FFF2-40B4-BE49-F238E27FC236}">
-                <a16:creationId xmlns:a16="http://schemas.microsoft.com/office/drawing/2014/main" xmlns="" id="{99016647-0CBA-4CDC-A66E-8FCBED8E4481}"/>
+                <a16:creationId xmlns="" xmlns:a16="http://schemas.microsoft.com/office/drawing/2014/main" id="{99016647-0CBA-4CDC-A66E-8FCBED8E4481}"/>
               </a:ext>
             </a:extLst>
           </p:cNvPr>
@@ -7010,7 +7219,7 @@
           <p:cNvPr id="4" name="TextBox 3">
             <a:extLst>
               <a:ext uri="{FF2B5EF4-FFF2-40B4-BE49-F238E27FC236}">
-                <a16:creationId xmlns:a16="http://schemas.microsoft.com/office/drawing/2014/main" xmlns="" id="{4B33F1C3-6003-4D94-915E-6A63B46DBE1C}"/>
+                <a16:creationId xmlns="" xmlns:a16="http://schemas.microsoft.com/office/drawing/2014/main" id="{4B33F1C3-6003-4D94-915E-6A63B46DBE1C}"/>
               </a:ext>
             </a:extLst>
           </p:cNvPr>
@@ -7046,7 +7255,7 @@
           <p:cNvPr id="3" name="Oval 2">
             <a:extLst>
               <a:ext uri="{FF2B5EF4-FFF2-40B4-BE49-F238E27FC236}">
-                <a16:creationId xmlns:a16="http://schemas.microsoft.com/office/drawing/2014/main" xmlns="" id="{A6AA111D-A7A9-4A20-AA18-6ABD3344B561}"/>
+                <a16:creationId xmlns="" xmlns:a16="http://schemas.microsoft.com/office/drawing/2014/main" id="{A6AA111D-A7A9-4A20-AA18-6ABD3344B561}"/>
               </a:ext>
             </a:extLst>
           </p:cNvPr>
@@ -7098,7 +7307,7 @@
           <p:cNvPr id="6" name="Straight Arrow Connector 5">
             <a:extLst>
               <a:ext uri="{FF2B5EF4-FFF2-40B4-BE49-F238E27FC236}">
-                <a16:creationId xmlns:a16="http://schemas.microsoft.com/office/drawing/2014/main" xmlns="" id="{61BDA680-BA2B-49A7-BB1B-55390EF54BAA}"/>
+                <a16:creationId xmlns="" xmlns:a16="http://schemas.microsoft.com/office/drawing/2014/main" id="{61BDA680-BA2B-49A7-BB1B-55390EF54BAA}"/>
               </a:ext>
             </a:extLst>
           </p:cNvPr>
@@ -7140,7 +7349,7 @@
           <p:cNvPr id="12" name="TextBox 11">
             <a:extLst>
               <a:ext uri="{FF2B5EF4-FFF2-40B4-BE49-F238E27FC236}">
-                <a16:creationId xmlns:a16="http://schemas.microsoft.com/office/drawing/2014/main" xmlns="" id="{A9662CE1-4096-4132-B041-42E280DDC82E}"/>
+                <a16:creationId xmlns="" xmlns:a16="http://schemas.microsoft.com/office/drawing/2014/main" id="{A9662CE1-4096-4132-B041-42E280DDC82E}"/>
               </a:ext>
             </a:extLst>
           </p:cNvPr>
@@ -7172,6 +7381,29 @@
               </a:rPr>
               <a:t>(Ritter et al., 2011)</a:t>
             </a:r>
+          </a:p>
+        </p:txBody>
+      </p:sp>
+      <p:sp>
+        <p:nvSpPr>
+          <p:cNvPr id="5" name="Slide Number Placeholder 4"/>
+          <p:cNvSpPr>
+            <a:spLocks noGrp="1"/>
+          </p:cNvSpPr>
+          <p:nvPr>
+            <p:ph type="sldNum" sz="quarter" idx="12"/>
+          </p:nvPr>
+        </p:nvSpPr>
+        <p:spPr/>
+        <p:txBody>
+          <a:bodyPr/>
+          <a:lstStyle/>
+          <a:p>
+            <a:fld id="{D63D4D68-E5E1-497F-B018-33FA9D88ECA8}" type="slidenum">
+              <a:rPr lang="en-GB" smtClean="0"/>
+              <a:t>17</a:t>
+            </a:fld>
+            <a:endParaRPr lang="en-GB"/>
           </a:p>
         </p:txBody>
       </p:sp>
@@ -7210,7 +7442,7 @@
           <p:cNvPr id="2" name="Title 1">
             <a:extLst>
               <a:ext uri="{FF2B5EF4-FFF2-40B4-BE49-F238E27FC236}">
-                <a16:creationId xmlns:a16="http://schemas.microsoft.com/office/drawing/2014/main" xmlns="" id="{98EED3C8-49EA-4FD6-AA72-3757D4559438}"/>
+                <a16:creationId xmlns="" xmlns:a16="http://schemas.microsoft.com/office/drawing/2014/main" id="{98EED3C8-49EA-4FD6-AA72-3757D4559438}"/>
               </a:ext>
             </a:extLst>
           </p:cNvPr>
@@ -7238,7 +7470,7 @@
           <p:cNvPr id="3" name="Content Placeholder 2">
             <a:extLst>
               <a:ext uri="{FF2B5EF4-FFF2-40B4-BE49-F238E27FC236}">
-                <a16:creationId xmlns:a16="http://schemas.microsoft.com/office/drawing/2014/main" xmlns="" id="{CAB91084-3E46-400D-BE22-90BD771E168C}"/>
+                <a16:creationId xmlns="" xmlns:a16="http://schemas.microsoft.com/office/drawing/2014/main" id="{CAB91084-3E46-400D-BE22-90BD771E168C}"/>
               </a:ext>
             </a:extLst>
           </p:cNvPr>
@@ -7291,7 +7523,7 @@
           <p:cNvPr id="5" name="Content Placeholder 2">
             <a:extLst>
               <a:ext uri="{FF2B5EF4-FFF2-40B4-BE49-F238E27FC236}">
-                <a16:creationId xmlns:a16="http://schemas.microsoft.com/office/drawing/2014/main" xmlns="" id="{C4304FCA-E1F7-4952-AD14-0BCA8C5AD477}"/>
+                <a16:creationId xmlns="" xmlns:a16="http://schemas.microsoft.com/office/drawing/2014/main" id="{C4304FCA-E1F7-4952-AD14-0BCA8C5AD477}"/>
               </a:ext>
             </a:extLst>
           </p:cNvPr>
@@ -7505,7 +7737,7 @@
           <p:cNvPr id="6" name="TextBox 5">
             <a:extLst>
               <a:ext uri="{FF2B5EF4-FFF2-40B4-BE49-F238E27FC236}">
-                <a16:creationId xmlns:a16="http://schemas.microsoft.com/office/drawing/2014/main" xmlns="" id="{AC508DBB-8D56-4255-A54A-976A80CEAE97}"/>
+                <a16:creationId xmlns="" xmlns:a16="http://schemas.microsoft.com/office/drawing/2014/main" id="{AC508DBB-8D56-4255-A54A-976A80CEAE97}"/>
               </a:ext>
             </a:extLst>
           </p:cNvPr>
@@ -7544,7 +7776,7 @@
           <p:cNvPr id="7" name="TextBox 6">
             <a:extLst>
               <a:ext uri="{FF2B5EF4-FFF2-40B4-BE49-F238E27FC236}">
-                <a16:creationId xmlns:a16="http://schemas.microsoft.com/office/drawing/2014/main" xmlns="" id="{0DD8D7F7-ADAC-4080-A271-18B84408AA8B}"/>
+                <a16:creationId xmlns="" xmlns:a16="http://schemas.microsoft.com/office/drawing/2014/main" id="{0DD8D7F7-ADAC-4080-A271-18B84408AA8B}"/>
               </a:ext>
             </a:extLst>
           </p:cNvPr>
@@ -7575,6 +7807,29 @@
               </a:rPr>
               <a:t>Common Themes</a:t>
             </a:r>
+          </a:p>
+        </p:txBody>
+      </p:sp>
+      <p:sp>
+        <p:nvSpPr>
+          <p:cNvPr id="4" name="Slide Number Placeholder 3"/>
+          <p:cNvSpPr>
+            <a:spLocks noGrp="1"/>
+          </p:cNvSpPr>
+          <p:nvPr>
+            <p:ph type="sldNum" sz="quarter" idx="12"/>
+          </p:nvPr>
+        </p:nvSpPr>
+        <p:spPr/>
+        <p:txBody>
+          <a:bodyPr/>
+          <a:lstStyle/>
+          <a:p>
+            <a:fld id="{D63D4D68-E5E1-497F-B018-33FA9D88ECA8}" type="slidenum">
+              <a:rPr lang="en-GB" smtClean="0"/>
+              <a:t>18</a:t>
+            </a:fld>
+            <a:endParaRPr lang="en-GB"/>
           </a:p>
         </p:txBody>
       </p:sp>
@@ -7613,7 +7868,7 @@
           <p:cNvPr id="2" name="Title 1">
             <a:extLst>
               <a:ext uri="{FF2B5EF4-FFF2-40B4-BE49-F238E27FC236}">
-                <a16:creationId xmlns:a16="http://schemas.microsoft.com/office/drawing/2014/main" xmlns="" id="{6EA66CEF-80A3-4CFD-A9BB-1C66D281398B}"/>
+                <a16:creationId xmlns="" xmlns:a16="http://schemas.microsoft.com/office/drawing/2014/main" id="{6EA66CEF-80A3-4CFD-A9BB-1C66D281398B}"/>
               </a:ext>
             </a:extLst>
           </p:cNvPr>
@@ -7641,7 +7896,7 @@
           <p:cNvPr id="3" name="Content Placeholder 2">
             <a:extLst>
               <a:ext uri="{FF2B5EF4-FFF2-40B4-BE49-F238E27FC236}">
-                <a16:creationId xmlns:a16="http://schemas.microsoft.com/office/drawing/2014/main" xmlns="" id="{BB485482-83E4-4D7B-BC28-ED9C8462CEA9}"/>
+                <a16:creationId xmlns="" xmlns:a16="http://schemas.microsoft.com/office/drawing/2014/main" id="{BB485482-83E4-4D7B-BC28-ED9C8462CEA9}"/>
               </a:ext>
             </a:extLst>
           </p:cNvPr>
@@ -7733,7 +7988,7 @@
           <p:cNvPr id="5" name="TextBox 4">
             <a:extLst>
               <a:ext uri="{FF2B5EF4-FFF2-40B4-BE49-F238E27FC236}">
-                <a16:creationId xmlns:a16="http://schemas.microsoft.com/office/drawing/2014/main" xmlns="" id="{6170541E-0039-47AC-8A76-8ED40D7DA676}"/>
+                <a16:creationId xmlns="" xmlns:a16="http://schemas.microsoft.com/office/drawing/2014/main" id="{6170541E-0039-47AC-8A76-8ED40D7DA676}"/>
               </a:ext>
             </a:extLst>
           </p:cNvPr>
@@ -7765,6 +8020,29 @@
               </a:rPr>
               <a:t>(Ritter et al., 2011)</a:t>
             </a:r>
+          </a:p>
+        </p:txBody>
+      </p:sp>
+      <p:sp>
+        <p:nvSpPr>
+          <p:cNvPr id="4" name="Slide Number Placeholder 3"/>
+          <p:cNvSpPr>
+            <a:spLocks noGrp="1"/>
+          </p:cNvSpPr>
+          <p:nvPr>
+            <p:ph type="sldNum" sz="quarter" idx="12"/>
+          </p:nvPr>
+        </p:nvSpPr>
+        <p:spPr/>
+        <p:txBody>
+          <a:bodyPr/>
+          <a:lstStyle/>
+          <a:p>
+            <a:fld id="{D63D4D68-E5E1-497F-B018-33FA9D88ECA8}" type="slidenum">
+              <a:rPr lang="en-GB" smtClean="0"/>
+              <a:t>19</a:t>
+            </a:fld>
+            <a:endParaRPr lang="en-GB"/>
           </a:p>
         </p:txBody>
       </p:sp>
@@ -7803,7 +8081,7 @@
           <p:cNvPr id="2" name="Title 1">
             <a:extLst>
               <a:ext uri="{FF2B5EF4-FFF2-40B4-BE49-F238E27FC236}">
-                <a16:creationId xmlns:a16="http://schemas.microsoft.com/office/drawing/2014/main" xmlns="" id="{47E09107-4194-4BB3-9118-E9B9EDF2C558}"/>
+                <a16:creationId xmlns="" xmlns:a16="http://schemas.microsoft.com/office/drawing/2014/main" id="{47E09107-4194-4BB3-9118-E9B9EDF2C558}"/>
               </a:ext>
             </a:extLst>
           </p:cNvPr>
@@ -7831,7 +8109,7 @@
           <p:cNvPr id="7" name="Content Placeholder 6">
             <a:extLst>
               <a:ext uri="{FF2B5EF4-FFF2-40B4-BE49-F238E27FC236}">
-                <a16:creationId xmlns:a16="http://schemas.microsoft.com/office/drawing/2014/main" xmlns="" id="{55AA5913-BC8F-49AE-83AD-A535765E7CC1}"/>
+                <a16:creationId xmlns="" xmlns:a16="http://schemas.microsoft.com/office/drawing/2014/main" id="{55AA5913-BC8F-49AE-83AD-A535765E7CC1}"/>
               </a:ext>
             </a:extLst>
           </p:cNvPr>
@@ -7873,7 +8151,7 @@
           <p:cNvPr id="3" name="Picture 2">
             <a:extLst>
               <a:ext uri="{FF2B5EF4-FFF2-40B4-BE49-F238E27FC236}">
-                <a16:creationId xmlns:a16="http://schemas.microsoft.com/office/drawing/2014/main" xmlns="" id="{890F1FE2-5119-40AB-8F6D-A56025346D75}"/>
+                <a16:creationId xmlns="" xmlns:a16="http://schemas.microsoft.com/office/drawing/2014/main" id="{890F1FE2-5119-40AB-8F6D-A56025346D75}"/>
               </a:ext>
             </a:extLst>
           </p:cNvPr>
@@ -7903,7 +8181,7 @@
           <p:cNvPr id="8" name="TextBox 7">
             <a:extLst>
               <a:ext uri="{FF2B5EF4-FFF2-40B4-BE49-F238E27FC236}">
-                <a16:creationId xmlns:a16="http://schemas.microsoft.com/office/drawing/2014/main" xmlns="" id="{138EE332-0527-44B9-8D26-43A95831B2A9}"/>
+                <a16:creationId xmlns="" xmlns:a16="http://schemas.microsoft.com/office/drawing/2014/main" id="{138EE332-0527-44B9-8D26-43A95831B2A9}"/>
               </a:ext>
             </a:extLst>
           </p:cNvPr>
@@ -7935,6 +8213,29 @@
               </a:rPr>
               <a:t>(Nadeau and Sakine, 2007)</a:t>
             </a:r>
+          </a:p>
+        </p:txBody>
+      </p:sp>
+      <p:sp>
+        <p:nvSpPr>
+          <p:cNvPr id="4" name="Slide Number Placeholder 3"/>
+          <p:cNvSpPr>
+            <a:spLocks noGrp="1"/>
+          </p:cNvSpPr>
+          <p:nvPr>
+            <p:ph type="sldNum" sz="quarter" idx="12"/>
+          </p:nvPr>
+        </p:nvSpPr>
+        <p:spPr/>
+        <p:txBody>
+          <a:bodyPr/>
+          <a:lstStyle/>
+          <a:p>
+            <a:fld id="{D63D4D68-E5E1-497F-B018-33FA9D88ECA8}" type="slidenum">
+              <a:rPr lang="en-GB" smtClean="0"/>
+              <a:t>2</a:t>
+            </a:fld>
+            <a:endParaRPr lang="en-GB"/>
           </a:p>
         </p:txBody>
       </p:sp>
@@ -7973,7 +8274,7 @@
           <p:cNvPr id="2" name="Title 1">
             <a:extLst>
               <a:ext uri="{FF2B5EF4-FFF2-40B4-BE49-F238E27FC236}">
-                <a16:creationId xmlns:a16="http://schemas.microsoft.com/office/drawing/2014/main" xmlns="" id="{6EA66CEF-80A3-4CFD-A9BB-1C66D281398B}"/>
+                <a16:creationId xmlns="" xmlns:a16="http://schemas.microsoft.com/office/drawing/2014/main" id="{6EA66CEF-80A3-4CFD-A9BB-1C66D281398B}"/>
               </a:ext>
             </a:extLst>
           </p:cNvPr>
@@ -8001,7 +8302,7 @@
           <p:cNvPr id="3" name="Content Placeholder 2">
             <a:extLst>
               <a:ext uri="{FF2B5EF4-FFF2-40B4-BE49-F238E27FC236}">
-                <a16:creationId xmlns:a16="http://schemas.microsoft.com/office/drawing/2014/main" xmlns="" id="{BB485482-83E4-4D7B-BC28-ED9C8462CEA9}"/>
+                <a16:creationId xmlns="" xmlns:a16="http://schemas.microsoft.com/office/drawing/2014/main" id="{BB485482-83E4-4D7B-BC28-ED9C8462CEA9}"/>
               </a:ext>
             </a:extLst>
           </p:cNvPr>
@@ -8026,7 +8327,7 @@
           <p:cNvPr id="5" name="TextBox 4">
             <a:extLst>
               <a:ext uri="{FF2B5EF4-FFF2-40B4-BE49-F238E27FC236}">
-                <a16:creationId xmlns:a16="http://schemas.microsoft.com/office/drawing/2014/main" xmlns="" id="{D6BBBBCF-B341-4F96-8E03-7D7F78D47761}"/>
+                <a16:creationId xmlns="" xmlns:a16="http://schemas.microsoft.com/office/drawing/2014/main" id="{D6BBBBCF-B341-4F96-8E03-7D7F78D47761}"/>
               </a:ext>
             </a:extLst>
           </p:cNvPr>
@@ -8066,7 +8367,7 @@
           <p:cNvPr id="6" name="Picture 5">
             <a:extLst>
               <a:ext uri="{FF2B5EF4-FFF2-40B4-BE49-F238E27FC236}">
-                <a16:creationId xmlns:a16="http://schemas.microsoft.com/office/drawing/2014/main" xmlns="" id="{B2C808EF-D515-4A45-9CCD-07E40B1F20D9}"/>
+                <a16:creationId xmlns="" xmlns:a16="http://schemas.microsoft.com/office/drawing/2014/main" id="{B2C808EF-D515-4A45-9CCD-07E40B1F20D9}"/>
               </a:ext>
             </a:extLst>
           </p:cNvPr>
@@ -8091,6 +8392,29 @@
           </a:prstGeom>
         </p:spPr>
       </p:pic>
+      <p:sp>
+        <p:nvSpPr>
+          <p:cNvPr id="4" name="Slide Number Placeholder 3"/>
+          <p:cNvSpPr>
+            <a:spLocks noGrp="1"/>
+          </p:cNvSpPr>
+          <p:nvPr>
+            <p:ph type="sldNum" sz="quarter" idx="12"/>
+          </p:nvPr>
+        </p:nvSpPr>
+        <p:spPr/>
+        <p:txBody>
+          <a:bodyPr/>
+          <a:lstStyle/>
+          <a:p>
+            <a:fld id="{D63D4D68-E5E1-497F-B018-33FA9D88ECA8}" type="slidenum">
+              <a:rPr lang="en-GB" smtClean="0"/>
+              <a:t>20</a:t>
+            </a:fld>
+            <a:endParaRPr lang="en-GB"/>
+          </a:p>
+        </p:txBody>
+      </p:sp>
     </p:spTree>
     <p:extLst>
       <p:ext uri="{BB962C8B-B14F-4D97-AF65-F5344CB8AC3E}">
@@ -8126,7 +8450,7 @@
           <p:cNvPr id="2" name="Title 1">
             <a:extLst>
               <a:ext uri="{FF2B5EF4-FFF2-40B4-BE49-F238E27FC236}">
-                <a16:creationId xmlns:a16="http://schemas.microsoft.com/office/drawing/2014/main" xmlns="" id="{F1EF15B1-1873-4C36-A684-2B8B25594A85}"/>
+                <a16:creationId xmlns="" xmlns:a16="http://schemas.microsoft.com/office/drawing/2014/main" id="{F1EF15B1-1873-4C36-A684-2B8B25594A85}"/>
               </a:ext>
             </a:extLst>
           </p:cNvPr>
@@ -8154,7 +8478,7 @@
           <p:cNvPr id="3" name="Content Placeholder 2">
             <a:extLst>
               <a:ext uri="{FF2B5EF4-FFF2-40B4-BE49-F238E27FC236}">
-                <a16:creationId xmlns:a16="http://schemas.microsoft.com/office/drawing/2014/main" xmlns="" id="{2FA6422C-9FED-4D43-9DE4-F348D1C7DD04}"/>
+                <a16:creationId xmlns="" xmlns:a16="http://schemas.microsoft.com/office/drawing/2014/main" id="{2FA6422C-9FED-4D43-9DE4-F348D1C7DD04}"/>
               </a:ext>
             </a:extLst>
           </p:cNvPr>
@@ -8203,7 +8527,7 @@
           <p:cNvPr id="5" name="Picture 4">
             <a:extLst>
               <a:ext uri="{FF2B5EF4-FFF2-40B4-BE49-F238E27FC236}">
-                <a16:creationId xmlns:a16="http://schemas.microsoft.com/office/drawing/2014/main" xmlns="" id="{81838BC7-3CD4-4E62-A18A-AA14B5C72AA1}"/>
+                <a16:creationId xmlns="" xmlns:a16="http://schemas.microsoft.com/office/drawing/2014/main" id="{81838BC7-3CD4-4E62-A18A-AA14B5C72AA1}"/>
               </a:ext>
             </a:extLst>
           </p:cNvPr>
@@ -8233,7 +8557,7 @@
           <p:cNvPr id="7" name="TextBox 6">
             <a:extLst>
               <a:ext uri="{FF2B5EF4-FFF2-40B4-BE49-F238E27FC236}">
-                <a16:creationId xmlns:a16="http://schemas.microsoft.com/office/drawing/2014/main" xmlns="" id="{B68477D6-868B-4AB9-912E-B6282710D329}"/>
+                <a16:creationId xmlns="" xmlns:a16="http://schemas.microsoft.com/office/drawing/2014/main" id="{B68477D6-868B-4AB9-912E-B6282710D329}"/>
               </a:ext>
             </a:extLst>
           </p:cNvPr>
@@ -8265,6 +8589,29 @@
               </a:rPr>
               <a:t>(Middleton, Middleton and Modafferi, 2014)</a:t>
             </a:r>
+          </a:p>
+        </p:txBody>
+      </p:sp>
+      <p:sp>
+        <p:nvSpPr>
+          <p:cNvPr id="4" name="Slide Number Placeholder 3"/>
+          <p:cNvSpPr>
+            <a:spLocks noGrp="1"/>
+          </p:cNvSpPr>
+          <p:nvPr>
+            <p:ph type="sldNum" sz="quarter" idx="12"/>
+          </p:nvPr>
+        </p:nvSpPr>
+        <p:spPr/>
+        <p:txBody>
+          <a:bodyPr/>
+          <a:lstStyle/>
+          <a:p>
+            <a:fld id="{D63D4D68-E5E1-497F-B018-33FA9D88ECA8}" type="slidenum">
+              <a:rPr lang="en-GB" smtClean="0"/>
+              <a:t>21</a:t>
+            </a:fld>
+            <a:endParaRPr lang="en-GB"/>
           </a:p>
         </p:txBody>
       </p:sp>
@@ -8303,7 +8650,7 @@
           <p:cNvPr id="2" name="Title 1">
             <a:extLst>
               <a:ext uri="{FF2B5EF4-FFF2-40B4-BE49-F238E27FC236}">
-                <a16:creationId xmlns:a16="http://schemas.microsoft.com/office/drawing/2014/main" xmlns="" id="{4B9D2582-8475-4CBA-99BF-EE1B12182165}"/>
+                <a16:creationId xmlns="" xmlns:a16="http://schemas.microsoft.com/office/drawing/2014/main" id="{4B9D2582-8475-4CBA-99BF-EE1B12182165}"/>
               </a:ext>
             </a:extLst>
           </p:cNvPr>
@@ -8336,7 +8683,7 @@
           <p:cNvPr id="4" name="Picture 3">
             <a:extLst>
               <a:ext uri="{FF2B5EF4-FFF2-40B4-BE49-F238E27FC236}">
-                <a16:creationId xmlns:a16="http://schemas.microsoft.com/office/drawing/2014/main" xmlns="" id="{CE3B137C-E58F-4AC3-8CEF-EC596ECE28A3}"/>
+                <a16:creationId xmlns="" xmlns:a16="http://schemas.microsoft.com/office/drawing/2014/main" id="{CE3B137C-E58F-4AC3-8CEF-EC596ECE28A3}"/>
               </a:ext>
             </a:extLst>
           </p:cNvPr>
@@ -8366,7 +8713,7 @@
           <p:cNvPr id="5" name="TextBox 4">
             <a:extLst>
               <a:ext uri="{FF2B5EF4-FFF2-40B4-BE49-F238E27FC236}">
-                <a16:creationId xmlns:a16="http://schemas.microsoft.com/office/drawing/2014/main" xmlns="" id="{A33B7534-065D-4816-A9F0-9CCA32AC6182}"/>
+                <a16:creationId xmlns="" xmlns:a16="http://schemas.microsoft.com/office/drawing/2014/main" id="{A33B7534-065D-4816-A9F0-9CCA32AC6182}"/>
               </a:ext>
             </a:extLst>
           </p:cNvPr>
@@ -8405,7 +8752,7 @@
           <p:cNvPr id="7" name="Straight Arrow Connector 6">
             <a:extLst>
               <a:ext uri="{FF2B5EF4-FFF2-40B4-BE49-F238E27FC236}">
-                <a16:creationId xmlns:a16="http://schemas.microsoft.com/office/drawing/2014/main" xmlns="" id="{3129CEA3-A89E-4E57-A178-B5D793065B35}"/>
+                <a16:creationId xmlns="" xmlns:a16="http://schemas.microsoft.com/office/drawing/2014/main" id="{3129CEA3-A89E-4E57-A178-B5D793065B35}"/>
               </a:ext>
             </a:extLst>
           </p:cNvPr>
@@ -8450,7 +8797,7 @@
           <p:cNvPr id="8" name="Straight Arrow Connector 7">
             <a:extLst>
               <a:ext uri="{FF2B5EF4-FFF2-40B4-BE49-F238E27FC236}">
-                <a16:creationId xmlns:a16="http://schemas.microsoft.com/office/drawing/2014/main" xmlns="" id="{DC6E134F-64B3-46A4-B49E-8DB2D3E500AE}"/>
+                <a16:creationId xmlns="" xmlns:a16="http://schemas.microsoft.com/office/drawing/2014/main" id="{DC6E134F-64B3-46A4-B49E-8DB2D3E500AE}"/>
               </a:ext>
             </a:extLst>
           </p:cNvPr>
@@ -8495,7 +8842,7 @@
           <p:cNvPr id="12" name="Straight Arrow Connector 11">
             <a:extLst>
               <a:ext uri="{FF2B5EF4-FFF2-40B4-BE49-F238E27FC236}">
-                <a16:creationId xmlns:a16="http://schemas.microsoft.com/office/drawing/2014/main" xmlns="" id="{B67DF206-C4E3-46B7-ABF9-506862DBEA57}"/>
+                <a16:creationId xmlns="" xmlns:a16="http://schemas.microsoft.com/office/drawing/2014/main" id="{B67DF206-C4E3-46B7-ABF9-506862DBEA57}"/>
               </a:ext>
             </a:extLst>
           </p:cNvPr>
@@ -8540,7 +8887,7 @@
           <p:cNvPr id="14" name="TextBox 13">
             <a:extLst>
               <a:ext uri="{FF2B5EF4-FFF2-40B4-BE49-F238E27FC236}">
-                <a16:creationId xmlns:a16="http://schemas.microsoft.com/office/drawing/2014/main" xmlns="" id="{0B615D40-23A7-416E-9244-6D7350CAE14D}"/>
+                <a16:creationId xmlns="" xmlns:a16="http://schemas.microsoft.com/office/drawing/2014/main" id="{0B615D40-23A7-416E-9244-6D7350CAE14D}"/>
               </a:ext>
             </a:extLst>
           </p:cNvPr>
@@ -8567,6 +8914,29 @@
               <a:rPr lang="en-US" sz="2400"/>
               <a:t>Examples of domain-specific components</a:t>
             </a:r>
+          </a:p>
+        </p:txBody>
+      </p:sp>
+      <p:sp>
+        <p:nvSpPr>
+          <p:cNvPr id="3" name="Slide Number Placeholder 2"/>
+          <p:cNvSpPr>
+            <a:spLocks noGrp="1"/>
+          </p:cNvSpPr>
+          <p:nvPr>
+            <p:ph type="sldNum" sz="quarter" idx="12"/>
+          </p:nvPr>
+        </p:nvSpPr>
+        <p:spPr/>
+        <p:txBody>
+          <a:bodyPr/>
+          <a:lstStyle/>
+          <a:p>
+            <a:fld id="{D63D4D68-E5E1-497F-B018-33FA9D88ECA8}" type="slidenum">
+              <a:rPr lang="en-GB" smtClean="0"/>
+              <a:t>22</a:t>
+            </a:fld>
+            <a:endParaRPr lang="en-GB"/>
           </a:p>
         </p:txBody>
       </p:sp>
@@ -8605,7 +8975,7 @@
           <p:cNvPr id="2" name="Title 1">
             <a:extLst>
               <a:ext uri="{FF2B5EF4-FFF2-40B4-BE49-F238E27FC236}">
-                <a16:creationId xmlns:a16="http://schemas.microsoft.com/office/drawing/2014/main" xmlns="" id="{EEB3131D-C39F-4462-9A46-61EBA763B50E}"/>
+                <a16:creationId xmlns="" xmlns:a16="http://schemas.microsoft.com/office/drawing/2014/main" id="{EEB3131D-C39F-4462-9A46-61EBA763B50E}"/>
               </a:ext>
             </a:extLst>
           </p:cNvPr>
@@ -8638,7 +9008,7 @@
           <p:cNvPr id="3" name="Content Placeholder 2">
             <a:extLst>
               <a:ext uri="{FF2B5EF4-FFF2-40B4-BE49-F238E27FC236}">
-                <a16:creationId xmlns:a16="http://schemas.microsoft.com/office/drawing/2014/main" xmlns="" id="{1DFB0386-F317-4502-A835-CE7EA0408BE1}"/>
+                <a16:creationId xmlns="" xmlns:a16="http://schemas.microsoft.com/office/drawing/2014/main" id="{1DFB0386-F317-4502-A835-CE7EA0408BE1}"/>
               </a:ext>
             </a:extLst>
           </p:cNvPr>
@@ -8734,7 +9104,7 @@
           <p:cNvPr id="1026" name="Picture 2" descr="Image result">
             <a:extLst>
               <a:ext uri="{FF2B5EF4-FFF2-40B4-BE49-F238E27FC236}">
-                <a16:creationId xmlns:a16="http://schemas.microsoft.com/office/drawing/2014/main" xmlns="" id="{9265D09B-7884-441B-89F7-381058F861A4}"/>
+                <a16:creationId xmlns="" xmlns:a16="http://schemas.microsoft.com/office/drawing/2014/main" id="{9265D09B-7884-441B-89F7-381058F861A4}"/>
               </a:ext>
             </a:extLst>
           </p:cNvPr>
@@ -8776,6 +9146,29 @@
           </a:extLst>
         </p:spPr>
       </p:pic>
+      <p:sp>
+        <p:nvSpPr>
+          <p:cNvPr id="4" name="Slide Number Placeholder 3"/>
+          <p:cNvSpPr>
+            <a:spLocks noGrp="1"/>
+          </p:cNvSpPr>
+          <p:nvPr>
+            <p:ph type="sldNum" sz="quarter" idx="12"/>
+          </p:nvPr>
+        </p:nvSpPr>
+        <p:spPr/>
+        <p:txBody>
+          <a:bodyPr/>
+          <a:lstStyle/>
+          <a:p>
+            <a:fld id="{D63D4D68-E5E1-497F-B018-33FA9D88ECA8}" type="slidenum">
+              <a:rPr lang="en-GB" smtClean="0"/>
+              <a:t>23</a:t>
+            </a:fld>
+            <a:endParaRPr lang="en-GB"/>
+          </a:p>
+        </p:txBody>
+      </p:sp>
     </p:spTree>
     <p:extLst>
       <p:ext uri="{BB962C8B-B14F-4D97-AF65-F5344CB8AC3E}">
@@ -9271,6 +9664,29 @@
           </a:p>
         </p:txBody>
       </p:sp>
+      <p:sp>
+        <p:nvSpPr>
+          <p:cNvPr id="10" name="Slide Number Placeholder 9"/>
+          <p:cNvSpPr>
+            <a:spLocks noGrp="1"/>
+          </p:cNvSpPr>
+          <p:nvPr>
+            <p:ph type="sldNum" sz="quarter" idx="12"/>
+          </p:nvPr>
+        </p:nvSpPr>
+        <p:spPr/>
+        <p:txBody>
+          <a:bodyPr/>
+          <a:lstStyle/>
+          <a:p>
+            <a:fld id="{D63D4D68-E5E1-497F-B018-33FA9D88ECA8}" type="slidenum">
+              <a:rPr lang="en-GB" smtClean="0"/>
+              <a:t>24</a:t>
+            </a:fld>
+            <a:endParaRPr lang="en-GB"/>
+          </a:p>
+        </p:txBody>
+      </p:sp>
     </p:spTree>
     <p:extLst>
       <p:ext uri="{BB962C8B-B14F-4D97-AF65-F5344CB8AC3E}">
@@ -9306,7 +9722,7 @@
           <p:cNvPr id="2" name="Title 1">
             <a:extLst>
               <a:ext uri="{FF2B5EF4-FFF2-40B4-BE49-F238E27FC236}">
-                <a16:creationId xmlns:a16="http://schemas.microsoft.com/office/drawing/2014/main" xmlns="" id="{E1C3A720-E34E-4BB6-B515-B3C2EF039BC8}"/>
+                <a16:creationId xmlns="" xmlns:a16="http://schemas.microsoft.com/office/drawing/2014/main" id="{E1C3A720-E34E-4BB6-B515-B3C2EF039BC8}"/>
               </a:ext>
             </a:extLst>
           </p:cNvPr>
@@ -9334,7 +9750,7 @@
           <p:cNvPr id="3" name="Content Placeholder 2">
             <a:extLst>
               <a:ext uri="{FF2B5EF4-FFF2-40B4-BE49-F238E27FC236}">
-                <a16:creationId xmlns:a16="http://schemas.microsoft.com/office/drawing/2014/main" xmlns="" id="{D16B1CA5-8025-464F-80E9-9942274912F8}"/>
+                <a16:creationId xmlns="" xmlns:a16="http://schemas.microsoft.com/office/drawing/2014/main" id="{D16B1CA5-8025-464F-80E9-9942274912F8}"/>
               </a:ext>
             </a:extLst>
           </p:cNvPr>
@@ -9395,6 +9811,29 @@
               </a:rPr>
               <a:t>(He and Sun, AAAI’17)</a:t>
             </a:r>
+          </a:p>
+        </p:txBody>
+      </p:sp>
+      <p:sp>
+        <p:nvSpPr>
+          <p:cNvPr id="4" name="Slide Number Placeholder 3"/>
+          <p:cNvSpPr>
+            <a:spLocks noGrp="1"/>
+          </p:cNvSpPr>
+          <p:nvPr>
+            <p:ph type="sldNum" sz="quarter" idx="12"/>
+          </p:nvPr>
+        </p:nvSpPr>
+        <p:spPr/>
+        <p:txBody>
+          <a:bodyPr/>
+          <a:lstStyle/>
+          <a:p>
+            <a:fld id="{D63D4D68-E5E1-497F-B018-33FA9D88ECA8}" type="slidenum">
+              <a:rPr lang="en-GB" smtClean="0"/>
+              <a:t>25</a:t>
+            </a:fld>
+            <a:endParaRPr lang="en-GB"/>
           </a:p>
         </p:txBody>
       </p:sp>
@@ -9433,7 +9872,7 @@
           <p:cNvPr id="2" name="Title 1">
             <a:extLst>
               <a:ext uri="{FF2B5EF4-FFF2-40B4-BE49-F238E27FC236}">
-                <a16:creationId xmlns:a16="http://schemas.microsoft.com/office/drawing/2014/main" xmlns="" id="{E1C3A720-E34E-4BB6-B515-B3C2EF039BC8}"/>
+                <a16:creationId xmlns="" xmlns:a16="http://schemas.microsoft.com/office/drawing/2014/main" id="{E1C3A720-E34E-4BB6-B515-B3C2EF039BC8}"/>
               </a:ext>
             </a:extLst>
           </p:cNvPr>
@@ -9461,7 +9900,7 @@
           <p:cNvPr id="3" name="Content Placeholder 2">
             <a:extLst>
               <a:ext uri="{FF2B5EF4-FFF2-40B4-BE49-F238E27FC236}">
-                <a16:creationId xmlns:a16="http://schemas.microsoft.com/office/drawing/2014/main" xmlns="" id="{D16B1CA5-8025-464F-80E9-9942274912F8}"/>
+                <a16:creationId xmlns="" xmlns:a16="http://schemas.microsoft.com/office/drawing/2014/main" id="{D16B1CA5-8025-464F-80E9-9942274912F8}"/>
               </a:ext>
             </a:extLst>
           </p:cNvPr>
@@ -9530,6 +9969,29 @@
               <a:rPr lang="en-US"/>
               <a:t>Novel applications and interfaces for crisis informatics pipelines</a:t>
             </a:r>
+          </a:p>
+        </p:txBody>
+      </p:sp>
+      <p:sp>
+        <p:nvSpPr>
+          <p:cNvPr id="4" name="Slide Number Placeholder 3"/>
+          <p:cNvSpPr>
+            <a:spLocks noGrp="1"/>
+          </p:cNvSpPr>
+          <p:nvPr>
+            <p:ph type="sldNum" sz="quarter" idx="12"/>
+          </p:nvPr>
+        </p:nvSpPr>
+        <p:spPr/>
+        <p:txBody>
+          <a:bodyPr/>
+          <a:lstStyle/>
+          <a:p>
+            <a:fld id="{D63D4D68-E5E1-497F-B018-33FA9D88ECA8}" type="slidenum">
+              <a:rPr lang="en-GB" smtClean="0"/>
+              <a:t>26</a:t>
+            </a:fld>
+            <a:endParaRPr lang="en-GB"/>
           </a:p>
         </p:txBody>
       </p:sp>
@@ -9568,7 +10030,7 @@
           <p:cNvPr id="2" name="Title 1">
             <a:extLst>
               <a:ext uri="{FF2B5EF4-FFF2-40B4-BE49-F238E27FC236}">
-                <a16:creationId xmlns:a16="http://schemas.microsoft.com/office/drawing/2014/main" xmlns="" id="{CFCE8D96-6E58-4983-981B-1D7B3A8AE099}"/>
+                <a16:creationId xmlns="" xmlns:a16="http://schemas.microsoft.com/office/drawing/2014/main" id="{CFCE8D96-6E58-4983-981B-1D7B3A8AE099}"/>
               </a:ext>
             </a:extLst>
           </p:cNvPr>
@@ -9596,7 +10058,7 @@
           <p:cNvPr id="3" name="Content Placeholder 2">
             <a:extLst>
               <a:ext uri="{FF2B5EF4-FFF2-40B4-BE49-F238E27FC236}">
-                <a16:creationId xmlns:a16="http://schemas.microsoft.com/office/drawing/2014/main" xmlns="" id="{F23BAEE7-34A6-41E7-AC69-3175B3C4494B}"/>
+                <a16:creationId xmlns="" xmlns:a16="http://schemas.microsoft.com/office/drawing/2014/main" id="{F23BAEE7-34A6-41E7-AC69-3175B3C4494B}"/>
               </a:ext>
             </a:extLst>
           </p:cNvPr>
@@ -9636,7 +10098,6 @@
               <a:rPr lang="en-US"/>
               <a:t>Not known how tools currently perform on crisis-specific data</a:t>
             </a:r>
-            <a:endParaRPr lang="en-US"/>
           </a:p>
           <a:p>
             <a:r>
@@ -9649,6 +10110,29 @@
               <a:rPr lang="en-US"/>
               <a:t>NER is only the first step, one must also perform co-reference resolution and entity linking! </a:t>
             </a:r>
+          </a:p>
+        </p:txBody>
+      </p:sp>
+      <p:sp>
+        <p:nvSpPr>
+          <p:cNvPr id="4" name="Slide Number Placeholder 3"/>
+          <p:cNvSpPr>
+            <a:spLocks noGrp="1"/>
+          </p:cNvSpPr>
+          <p:nvPr>
+            <p:ph type="sldNum" sz="quarter" idx="12"/>
+          </p:nvPr>
+        </p:nvSpPr>
+        <p:spPr/>
+        <p:txBody>
+          <a:bodyPr/>
+          <a:lstStyle/>
+          <a:p>
+            <a:fld id="{D63D4D68-E5E1-497F-B018-33FA9D88ECA8}" type="slidenum">
+              <a:rPr lang="en-GB" smtClean="0"/>
+              <a:t>27</a:t>
+            </a:fld>
+            <a:endParaRPr lang="en-GB"/>
           </a:p>
         </p:txBody>
       </p:sp>
@@ -9687,7 +10171,7 @@
           <p:cNvPr id="2" name="Title 1">
             <a:extLst>
               <a:ext uri="{FF2B5EF4-FFF2-40B4-BE49-F238E27FC236}">
-                <a16:creationId xmlns:a16="http://schemas.microsoft.com/office/drawing/2014/main" xmlns="" id="{47E09107-4194-4BB3-9118-E9B9EDF2C558}"/>
+                <a16:creationId xmlns="" xmlns:a16="http://schemas.microsoft.com/office/drawing/2014/main" id="{47E09107-4194-4BB3-9118-E9B9EDF2C558}"/>
               </a:ext>
             </a:extLst>
           </p:cNvPr>
@@ -9715,7 +10199,7 @@
           <p:cNvPr id="7" name="Content Placeholder 6">
             <a:extLst>
               <a:ext uri="{FF2B5EF4-FFF2-40B4-BE49-F238E27FC236}">
-                <a16:creationId xmlns:a16="http://schemas.microsoft.com/office/drawing/2014/main" xmlns="" id="{55AA5913-BC8F-49AE-83AD-A535765E7CC1}"/>
+                <a16:creationId xmlns="" xmlns:a16="http://schemas.microsoft.com/office/drawing/2014/main" id="{55AA5913-BC8F-49AE-83AD-A535765E7CC1}"/>
               </a:ext>
             </a:extLst>
           </p:cNvPr>
@@ -9763,7 +10247,7 @@
           <p:cNvPr id="9" name="Picture 8">
             <a:extLst>
               <a:ext uri="{FF2B5EF4-FFF2-40B4-BE49-F238E27FC236}">
-                <a16:creationId xmlns:a16="http://schemas.microsoft.com/office/drawing/2014/main" xmlns="" id="{E1DD3FFF-CBA4-4672-8CFC-76ADC6C35748}"/>
+                <a16:creationId xmlns="" xmlns:a16="http://schemas.microsoft.com/office/drawing/2014/main" id="{E1DD3FFF-CBA4-4672-8CFC-76ADC6C35748}"/>
               </a:ext>
             </a:extLst>
           </p:cNvPr>
@@ -9793,7 +10277,7 @@
           <p:cNvPr id="11" name="TextBox 10">
             <a:extLst>
               <a:ext uri="{FF2B5EF4-FFF2-40B4-BE49-F238E27FC236}">
-                <a16:creationId xmlns:a16="http://schemas.microsoft.com/office/drawing/2014/main" xmlns="" id="{E85CB4B4-ABDB-482D-B80B-413EB31EB1B1}"/>
+                <a16:creationId xmlns="" xmlns:a16="http://schemas.microsoft.com/office/drawing/2014/main" id="{E85CB4B4-ABDB-482D-B80B-413EB31EB1B1}"/>
               </a:ext>
             </a:extLst>
           </p:cNvPr>
@@ -9825,6 +10309,29 @@
               </a:rPr>
               <a:t>(Ritter et al., 2011)</a:t>
             </a:r>
+          </a:p>
+        </p:txBody>
+      </p:sp>
+      <p:sp>
+        <p:nvSpPr>
+          <p:cNvPr id="3" name="Slide Number Placeholder 2"/>
+          <p:cNvSpPr>
+            <a:spLocks noGrp="1"/>
+          </p:cNvSpPr>
+          <p:nvPr>
+            <p:ph type="sldNum" sz="quarter" idx="12"/>
+          </p:nvPr>
+        </p:nvSpPr>
+        <p:spPr/>
+        <p:txBody>
+          <a:bodyPr/>
+          <a:lstStyle/>
+          <a:p>
+            <a:fld id="{D63D4D68-E5E1-497F-B018-33FA9D88ECA8}" type="slidenum">
+              <a:rPr lang="en-GB" smtClean="0"/>
+              <a:t>3</a:t>
+            </a:fld>
+            <a:endParaRPr lang="en-GB"/>
           </a:p>
         </p:txBody>
       </p:sp>
@@ -9863,7 +10370,7 @@
           <p:cNvPr id="2" name="Title 1">
             <a:extLst>
               <a:ext uri="{FF2B5EF4-FFF2-40B4-BE49-F238E27FC236}">
-                <a16:creationId xmlns:a16="http://schemas.microsoft.com/office/drawing/2014/main" xmlns="" id="{47E09107-4194-4BB3-9118-E9B9EDF2C558}"/>
+                <a16:creationId xmlns="" xmlns:a16="http://schemas.microsoft.com/office/drawing/2014/main" id="{47E09107-4194-4BB3-9118-E9B9EDF2C558}"/>
               </a:ext>
             </a:extLst>
           </p:cNvPr>
@@ -9891,7 +10398,7 @@
           <p:cNvPr id="7" name="Content Placeholder 6">
             <a:extLst>
               <a:ext uri="{FF2B5EF4-FFF2-40B4-BE49-F238E27FC236}">
-                <a16:creationId xmlns:a16="http://schemas.microsoft.com/office/drawing/2014/main" xmlns="" id="{55AA5913-BC8F-49AE-83AD-A535765E7CC1}"/>
+                <a16:creationId xmlns="" xmlns:a16="http://schemas.microsoft.com/office/drawing/2014/main" id="{55AA5913-BC8F-49AE-83AD-A535765E7CC1}"/>
               </a:ext>
             </a:extLst>
           </p:cNvPr>
@@ -9937,7 +10444,6 @@
               <a:rPr lang="en-US" sz="2400"/>
               <a:t>Crisis data is even more difficult due to presence of ‘uncommon’ entity types (e.g., weather warnings)</a:t>
             </a:r>
-            <a:endParaRPr lang="en-US" sz="2400"/>
           </a:p>
         </p:txBody>
       </p:sp>
@@ -9946,7 +10452,7 @@
           <p:cNvPr id="11" name="TextBox 10">
             <a:extLst>
               <a:ext uri="{FF2B5EF4-FFF2-40B4-BE49-F238E27FC236}">
-                <a16:creationId xmlns:a16="http://schemas.microsoft.com/office/drawing/2014/main" xmlns="" id="{E85CB4B4-ABDB-482D-B80B-413EB31EB1B1}"/>
+                <a16:creationId xmlns="" xmlns:a16="http://schemas.microsoft.com/office/drawing/2014/main" id="{E85CB4B4-ABDB-482D-B80B-413EB31EB1B1}"/>
               </a:ext>
             </a:extLst>
           </p:cNvPr>
@@ -9986,7 +10492,7 @@
           <p:cNvPr id="6" name="Picture 5">
             <a:extLst>
               <a:ext uri="{FF2B5EF4-FFF2-40B4-BE49-F238E27FC236}">
-                <a16:creationId xmlns:a16="http://schemas.microsoft.com/office/drawing/2014/main" xmlns="" id="{D8CFBEAF-7F86-415F-A421-630C06315EF5}"/>
+                <a16:creationId xmlns="" xmlns:a16="http://schemas.microsoft.com/office/drawing/2014/main" id="{D8CFBEAF-7F86-415F-A421-630C06315EF5}"/>
               </a:ext>
             </a:extLst>
           </p:cNvPr>
@@ -10016,7 +10522,7 @@
           <p:cNvPr id="8" name="Rectangle 7">
             <a:extLst>
               <a:ext uri="{FF2B5EF4-FFF2-40B4-BE49-F238E27FC236}">
-                <a16:creationId xmlns:a16="http://schemas.microsoft.com/office/drawing/2014/main" xmlns="" id="{3A3D486C-EB90-481F-A0F5-6971C9707494}"/>
+                <a16:creationId xmlns="" xmlns:a16="http://schemas.microsoft.com/office/drawing/2014/main" id="{3A3D486C-EB90-481F-A0F5-6971C9707494}"/>
               </a:ext>
             </a:extLst>
           </p:cNvPr>
@@ -10068,7 +10574,7 @@
           <p:cNvPr id="10" name="Straight Arrow Connector 9">
             <a:extLst>
               <a:ext uri="{FF2B5EF4-FFF2-40B4-BE49-F238E27FC236}">
-                <a16:creationId xmlns:a16="http://schemas.microsoft.com/office/drawing/2014/main" xmlns="" id="{6B5C1F01-6FC6-41B6-986B-614A7417DC21}"/>
+                <a16:creationId xmlns="" xmlns:a16="http://schemas.microsoft.com/office/drawing/2014/main" id="{6B5C1F01-6FC6-41B6-986B-614A7417DC21}"/>
               </a:ext>
             </a:extLst>
           </p:cNvPr>
@@ -10106,6 +10612,29 @@
           </a:fontRef>
         </p:style>
       </p:cxnSp>
+      <p:sp>
+        <p:nvSpPr>
+          <p:cNvPr id="3" name="Slide Number Placeholder 2"/>
+          <p:cNvSpPr>
+            <a:spLocks noGrp="1"/>
+          </p:cNvSpPr>
+          <p:nvPr>
+            <p:ph type="sldNum" sz="quarter" idx="12"/>
+          </p:nvPr>
+        </p:nvSpPr>
+        <p:spPr/>
+        <p:txBody>
+          <a:bodyPr/>
+          <a:lstStyle/>
+          <a:p>
+            <a:fld id="{D63D4D68-E5E1-497F-B018-33FA9D88ECA8}" type="slidenum">
+              <a:rPr lang="en-GB" smtClean="0"/>
+              <a:t>4</a:t>
+            </a:fld>
+            <a:endParaRPr lang="en-GB"/>
+          </a:p>
+        </p:txBody>
+      </p:sp>
     </p:spTree>
     <p:extLst>
       <p:ext uri="{BB962C8B-B14F-4D97-AF65-F5344CB8AC3E}">
@@ -10141,7 +10670,7 @@
           <p:cNvPr id="2" name="Title 1">
             <a:extLst>
               <a:ext uri="{FF2B5EF4-FFF2-40B4-BE49-F238E27FC236}">
-                <a16:creationId xmlns:a16="http://schemas.microsoft.com/office/drawing/2014/main" xmlns="" id="{A0F21688-37C0-4FB8-98B9-6DD8554E0990}"/>
+                <a16:creationId xmlns="" xmlns:a16="http://schemas.microsoft.com/office/drawing/2014/main" id="{A0F21688-37C0-4FB8-98B9-6DD8554E0990}"/>
               </a:ext>
             </a:extLst>
           </p:cNvPr>
@@ -10169,7 +10698,7 @@
           <p:cNvPr id="3" name="Content Placeholder 2">
             <a:extLst>
               <a:ext uri="{FF2B5EF4-FFF2-40B4-BE49-F238E27FC236}">
-                <a16:creationId xmlns:a16="http://schemas.microsoft.com/office/drawing/2014/main" xmlns="" id="{554089DA-C2AA-48DD-B415-45630612B511}"/>
+                <a16:creationId xmlns="" xmlns:a16="http://schemas.microsoft.com/office/drawing/2014/main" id="{554089DA-C2AA-48DD-B415-45630612B511}"/>
               </a:ext>
             </a:extLst>
           </p:cNvPr>
@@ -10204,6 +10733,29 @@
               <a:rPr lang="en-US"/>
               <a:t>The finer-grained the types (or the ontology), the harder the problem!</a:t>
             </a:r>
+          </a:p>
+        </p:txBody>
+      </p:sp>
+      <p:sp>
+        <p:nvSpPr>
+          <p:cNvPr id="4" name="Slide Number Placeholder 3"/>
+          <p:cNvSpPr>
+            <a:spLocks noGrp="1"/>
+          </p:cNvSpPr>
+          <p:nvPr>
+            <p:ph type="sldNum" sz="quarter" idx="12"/>
+          </p:nvPr>
+        </p:nvSpPr>
+        <p:spPr/>
+        <p:txBody>
+          <a:bodyPr/>
+          <a:lstStyle/>
+          <a:p>
+            <a:fld id="{D63D4D68-E5E1-497F-B018-33FA9D88ECA8}" type="slidenum">
+              <a:rPr lang="en-GB" smtClean="0"/>
+              <a:t>5</a:t>
+            </a:fld>
+            <a:endParaRPr lang="en-GB"/>
           </a:p>
         </p:txBody>
       </p:sp>
@@ -10242,7 +10794,7 @@
           <p:cNvPr id="2" name="Title 1">
             <a:extLst>
               <a:ext uri="{FF2B5EF4-FFF2-40B4-BE49-F238E27FC236}">
-                <a16:creationId xmlns:a16="http://schemas.microsoft.com/office/drawing/2014/main" xmlns="" id="{A686F44C-1A70-4DDC-B6C1-F78384CF90BF}"/>
+                <a16:creationId xmlns="" xmlns:a16="http://schemas.microsoft.com/office/drawing/2014/main" id="{A686F44C-1A70-4DDC-B6C1-F78384CF90BF}"/>
               </a:ext>
             </a:extLst>
           </p:cNvPr>
@@ -10270,7 +10822,7 @@
           <p:cNvPr id="3" name="Content Placeholder 2">
             <a:extLst>
               <a:ext uri="{FF2B5EF4-FFF2-40B4-BE49-F238E27FC236}">
-                <a16:creationId xmlns:a16="http://schemas.microsoft.com/office/drawing/2014/main" xmlns="" id="{0E3B6853-3F6F-4F58-A37E-45DAEC469477}"/>
+                <a16:creationId xmlns="" xmlns:a16="http://schemas.microsoft.com/office/drawing/2014/main" id="{0E3B6853-3F6F-4F58-A37E-45DAEC469477}"/>
               </a:ext>
             </a:extLst>
           </p:cNvPr>
@@ -10302,7 +10854,7 @@
           <p:cNvPr id="5" name="Picture 4">
             <a:extLst>
               <a:ext uri="{FF2B5EF4-FFF2-40B4-BE49-F238E27FC236}">
-                <a16:creationId xmlns:a16="http://schemas.microsoft.com/office/drawing/2014/main" xmlns="" id="{F6A73548-AD6F-4936-98C2-4C8F902EFAF3}"/>
+                <a16:creationId xmlns="" xmlns:a16="http://schemas.microsoft.com/office/drawing/2014/main" id="{F6A73548-AD6F-4936-98C2-4C8F902EFAF3}"/>
               </a:ext>
             </a:extLst>
           </p:cNvPr>
@@ -10332,7 +10884,7 @@
           <p:cNvPr id="6" name="Picture 5">
             <a:extLst>
               <a:ext uri="{FF2B5EF4-FFF2-40B4-BE49-F238E27FC236}">
-                <a16:creationId xmlns:a16="http://schemas.microsoft.com/office/drawing/2014/main" xmlns="" id="{816EC7DE-502D-4D73-9E1E-0919F80BA181}"/>
+                <a16:creationId xmlns="" xmlns:a16="http://schemas.microsoft.com/office/drawing/2014/main" id="{816EC7DE-502D-4D73-9E1E-0919F80BA181}"/>
               </a:ext>
             </a:extLst>
           </p:cNvPr>
@@ -10362,7 +10914,7 @@
           <p:cNvPr id="7" name="Rectangle 6">
             <a:extLst>
               <a:ext uri="{FF2B5EF4-FFF2-40B4-BE49-F238E27FC236}">
-                <a16:creationId xmlns:a16="http://schemas.microsoft.com/office/drawing/2014/main" xmlns="" id="{D5E7CCDA-0121-422A-A1C4-E09689454311}"/>
+                <a16:creationId xmlns="" xmlns:a16="http://schemas.microsoft.com/office/drawing/2014/main" id="{D5E7CCDA-0121-422A-A1C4-E09689454311}"/>
               </a:ext>
             </a:extLst>
           </p:cNvPr>
@@ -10414,7 +10966,7 @@
           <p:cNvPr id="8" name="Rectangle 7">
             <a:extLst>
               <a:ext uri="{FF2B5EF4-FFF2-40B4-BE49-F238E27FC236}">
-                <a16:creationId xmlns:a16="http://schemas.microsoft.com/office/drawing/2014/main" xmlns="" id="{5A1D2F74-D1A6-4348-BEE6-51AADC969511}"/>
+                <a16:creationId xmlns="" xmlns:a16="http://schemas.microsoft.com/office/drawing/2014/main" id="{5A1D2F74-D1A6-4348-BEE6-51AADC969511}"/>
               </a:ext>
             </a:extLst>
           </p:cNvPr>
@@ -10466,7 +11018,7 @@
           <p:cNvPr id="9" name="Rectangle 8">
             <a:extLst>
               <a:ext uri="{FF2B5EF4-FFF2-40B4-BE49-F238E27FC236}">
-                <a16:creationId xmlns:a16="http://schemas.microsoft.com/office/drawing/2014/main" xmlns="" id="{F3E9BCA7-2E67-459E-BD66-6F6B6967B217}"/>
+                <a16:creationId xmlns="" xmlns:a16="http://schemas.microsoft.com/office/drawing/2014/main" id="{F3E9BCA7-2E67-459E-BD66-6F6B6967B217}"/>
               </a:ext>
             </a:extLst>
           </p:cNvPr>
@@ -10518,7 +11070,7 @@
           <p:cNvPr id="10" name="Rectangle 9">
             <a:extLst>
               <a:ext uri="{FF2B5EF4-FFF2-40B4-BE49-F238E27FC236}">
-                <a16:creationId xmlns:a16="http://schemas.microsoft.com/office/drawing/2014/main" xmlns="" id="{D5A862B6-C16B-47F8-9F98-8F8A4A4AD4AC}"/>
+                <a16:creationId xmlns="" xmlns:a16="http://schemas.microsoft.com/office/drawing/2014/main" id="{D5A862B6-C16B-47F8-9F98-8F8A4A4AD4AC}"/>
               </a:ext>
             </a:extLst>
           </p:cNvPr>
@@ -10570,7 +11122,7 @@
           <p:cNvPr id="11" name="Rectangle 10">
             <a:extLst>
               <a:ext uri="{FF2B5EF4-FFF2-40B4-BE49-F238E27FC236}">
-                <a16:creationId xmlns:a16="http://schemas.microsoft.com/office/drawing/2014/main" xmlns="" id="{FE63E471-40E4-41B6-978E-01DC7E7378BD}"/>
+                <a16:creationId xmlns="" xmlns:a16="http://schemas.microsoft.com/office/drawing/2014/main" id="{FE63E471-40E4-41B6-978E-01DC7E7378BD}"/>
               </a:ext>
             </a:extLst>
           </p:cNvPr>
@@ -10622,7 +11174,7 @@
           <p:cNvPr id="12" name="Rectangle 11">
             <a:extLst>
               <a:ext uri="{FF2B5EF4-FFF2-40B4-BE49-F238E27FC236}">
-                <a16:creationId xmlns:a16="http://schemas.microsoft.com/office/drawing/2014/main" xmlns="" id="{2D17F17B-A4FB-4D72-A311-593B770633CD}"/>
+                <a16:creationId xmlns="" xmlns:a16="http://schemas.microsoft.com/office/drawing/2014/main" id="{2D17F17B-A4FB-4D72-A311-593B770633CD}"/>
               </a:ext>
             </a:extLst>
           </p:cNvPr>
@@ -10674,7 +11226,7 @@
           <p:cNvPr id="13" name="Rectangle 12">
             <a:extLst>
               <a:ext uri="{FF2B5EF4-FFF2-40B4-BE49-F238E27FC236}">
-                <a16:creationId xmlns:a16="http://schemas.microsoft.com/office/drawing/2014/main" xmlns="" id="{124121EA-6AD7-4BA9-8A91-CD68E3806E19}"/>
+                <a16:creationId xmlns="" xmlns:a16="http://schemas.microsoft.com/office/drawing/2014/main" id="{124121EA-6AD7-4BA9-8A91-CD68E3806E19}"/>
               </a:ext>
             </a:extLst>
           </p:cNvPr>
@@ -10726,7 +11278,7 @@
           <p:cNvPr id="14" name="Rectangle 13">
             <a:extLst>
               <a:ext uri="{FF2B5EF4-FFF2-40B4-BE49-F238E27FC236}">
-                <a16:creationId xmlns:a16="http://schemas.microsoft.com/office/drawing/2014/main" xmlns="" id="{47862579-EB7B-4D1D-BA56-6F323EDBA8AC}"/>
+                <a16:creationId xmlns="" xmlns:a16="http://schemas.microsoft.com/office/drawing/2014/main" id="{47862579-EB7B-4D1D-BA56-6F323EDBA8AC}"/>
               </a:ext>
             </a:extLst>
           </p:cNvPr>
@@ -10778,7 +11330,7 @@
           <p:cNvPr id="15" name="Rectangle 14">
             <a:extLst>
               <a:ext uri="{FF2B5EF4-FFF2-40B4-BE49-F238E27FC236}">
-                <a16:creationId xmlns:a16="http://schemas.microsoft.com/office/drawing/2014/main" xmlns="" id="{22BFF930-DFB6-4A85-A24D-4531F112F1E0}"/>
+                <a16:creationId xmlns="" xmlns:a16="http://schemas.microsoft.com/office/drawing/2014/main" id="{22BFF930-DFB6-4A85-A24D-4531F112F1E0}"/>
               </a:ext>
             </a:extLst>
           </p:cNvPr>
@@ -10830,7 +11382,7 @@
           <p:cNvPr id="16" name="Rectangle 15">
             <a:extLst>
               <a:ext uri="{FF2B5EF4-FFF2-40B4-BE49-F238E27FC236}">
-                <a16:creationId xmlns:a16="http://schemas.microsoft.com/office/drawing/2014/main" xmlns="" id="{B91AD430-A92C-40AB-8EF1-E27C29877604}"/>
+                <a16:creationId xmlns="" xmlns:a16="http://schemas.microsoft.com/office/drawing/2014/main" id="{B91AD430-A92C-40AB-8EF1-E27C29877604}"/>
               </a:ext>
             </a:extLst>
           </p:cNvPr>
@@ -10882,7 +11434,7 @@
           <p:cNvPr id="17" name="Rectangle 16">
             <a:extLst>
               <a:ext uri="{FF2B5EF4-FFF2-40B4-BE49-F238E27FC236}">
-                <a16:creationId xmlns:a16="http://schemas.microsoft.com/office/drawing/2014/main" xmlns="" id="{830C085B-1FAB-49A8-9D06-919097FB53D1}"/>
+                <a16:creationId xmlns="" xmlns:a16="http://schemas.microsoft.com/office/drawing/2014/main" id="{830C085B-1FAB-49A8-9D06-919097FB53D1}"/>
               </a:ext>
             </a:extLst>
           </p:cNvPr>
@@ -10926,6 +11478,29 @@
           <a:p>
             <a:pPr algn="ctr"/>
             <a:endParaRPr lang="en-US"/>
+          </a:p>
+        </p:txBody>
+      </p:sp>
+      <p:sp>
+        <p:nvSpPr>
+          <p:cNvPr id="4" name="Slide Number Placeholder 3"/>
+          <p:cNvSpPr>
+            <a:spLocks noGrp="1"/>
+          </p:cNvSpPr>
+          <p:nvPr>
+            <p:ph type="sldNum" sz="quarter" idx="12"/>
+          </p:nvPr>
+        </p:nvSpPr>
+        <p:spPr/>
+        <p:txBody>
+          <a:bodyPr/>
+          <a:lstStyle/>
+          <a:p>
+            <a:fld id="{D63D4D68-E5E1-497F-B018-33FA9D88ECA8}" type="slidenum">
+              <a:rPr lang="en-GB" smtClean="0"/>
+              <a:t>6</a:t>
+            </a:fld>
+            <a:endParaRPr lang="en-GB"/>
           </a:p>
         </p:txBody>
       </p:sp>
@@ -10964,7 +11539,7 @@
           <p:cNvPr id="2" name="Title 1">
             <a:extLst>
               <a:ext uri="{FF2B5EF4-FFF2-40B4-BE49-F238E27FC236}">
-                <a16:creationId xmlns:a16="http://schemas.microsoft.com/office/drawing/2014/main" xmlns="" id="{A686F44C-1A70-4DDC-B6C1-F78384CF90BF}"/>
+                <a16:creationId xmlns="" xmlns:a16="http://schemas.microsoft.com/office/drawing/2014/main" id="{A686F44C-1A70-4DDC-B6C1-F78384CF90BF}"/>
               </a:ext>
             </a:extLst>
           </p:cNvPr>
@@ -10992,7 +11567,7 @@
           <p:cNvPr id="3" name="Content Placeholder 2">
             <a:extLst>
               <a:ext uri="{FF2B5EF4-FFF2-40B4-BE49-F238E27FC236}">
-                <a16:creationId xmlns:a16="http://schemas.microsoft.com/office/drawing/2014/main" xmlns="" id="{0E3B6853-3F6F-4F58-A37E-45DAEC469477}"/>
+                <a16:creationId xmlns="" xmlns:a16="http://schemas.microsoft.com/office/drawing/2014/main" id="{0E3B6853-3F6F-4F58-A37E-45DAEC469477}"/>
               </a:ext>
             </a:extLst>
           </p:cNvPr>
@@ -11044,6 +11619,29 @@
           <a:p>
             <a:pPr lvl="1"/>
             <a:endParaRPr lang="en-US"/>
+          </a:p>
+        </p:txBody>
+      </p:sp>
+      <p:sp>
+        <p:nvSpPr>
+          <p:cNvPr id="4" name="Slide Number Placeholder 3"/>
+          <p:cNvSpPr>
+            <a:spLocks noGrp="1"/>
+          </p:cNvSpPr>
+          <p:nvPr>
+            <p:ph type="sldNum" sz="quarter" idx="12"/>
+          </p:nvPr>
+        </p:nvSpPr>
+        <p:spPr/>
+        <p:txBody>
+          <a:bodyPr/>
+          <a:lstStyle/>
+          <a:p>
+            <a:fld id="{D63D4D68-E5E1-497F-B018-33FA9D88ECA8}" type="slidenum">
+              <a:rPr lang="en-GB" smtClean="0"/>
+              <a:t>7</a:t>
+            </a:fld>
+            <a:endParaRPr lang="en-GB"/>
           </a:p>
         </p:txBody>
       </p:sp>
@@ -11082,7 +11680,7 @@
           <p:cNvPr id="2" name="Title 1">
             <a:extLst>
               <a:ext uri="{FF2B5EF4-FFF2-40B4-BE49-F238E27FC236}">
-                <a16:creationId xmlns:a16="http://schemas.microsoft.com/office/drawing/2014/main" xmlns="" id="{A686F44C-1A70-4DDC-B6C1-F78384CF90BF}"/>
+                <a16:creationId xmlns="" xmlns:a16="http://schemas.microsoft.com/office/drawing/2014/main" id="{A686F44C-1A70-4DDC-B6C1-F78384CF90BF}"/>
               </a:ext>
             </a:extLst>
           </p:cNvPr>
@@ -11110,7 +11708,7 @@
           <p:cNvPr id="3" name="Content Placeholder 2">
             <a:extLst>
               <a:ext uri="{FF2B5EF4-FFF2-40B4-BE49-F238E27FC236}">
-                <a16:creationId xmlns:a16="http://schemas.microsoft.com/office/drawing/2014/main" xmlns="" id="{0E3B6853-3F6F-4F58-A37E-45DAEC469477}"/>
+                <a16:creationId xmlns="" xmlns:a16="http://schemas.microsoft.com/office/drawing/2014/main" id="{0E3B6853-3F6F-4F58-A37E-45DAEC469477}"/>
               </a:ext>
             </a:extLst>
           </p:cNvPr>
@@ -11177,7 +11775,7 @@
           <p:cNvPr id="4" name="Picture 3">
             <a:extLst>
               <a:ext uri="{FF2B5EF4-FFF2-40B4-BE49-F238E27FC236}">
-                <a16:creationId xmlns:a16="http://schemas.microsoft.com/office/drawing/2014/main" xmlns="" id="{D8CFBEAF-7F86-415F-A421-630C06315EF5}"/>
+                <a16:creationId xmlns="" xmlns:a16="http://schemas.microsoft.com/office/drawing/2014/main" id="{D8CFBEAF-7F86-415F-A421-630C06315EF5}"/>
               </a:ext>
             </a:extLst>
           </p:cNvPr>
@@ -11207,7 +11805,7 @@
           <p:cNvPr id="5" name="Rectangle 4">
             <a:extLst>
               <a:ext uri="{FF2B5EF4-FFF2-40B4-BE49-F238E27FC236}">
-                <a16:creationId xmlns:a16="http://schemas.microsoft.com/office/drawing/2014/main" xmlns="" id="{3A3D486C-EB90-481F-A0F5-6971C9707494}"/>
+                <a16:creationId xmlns="" xmlns:a16="http://schemas.microsoft.com/office/drawing/2014/main" id="{3A3D486C-EB90-481F-A0F5-6971C9707494}"/>
               </a:ext>
             </a:extLst>
           </p:cNvPr>
@@ -11259,7 +11857,7 @@
           <p:cNvPr id="7" name="Straight Arrow Connector 6">
             <a:extLst>
               <a:ext uri="{FF2B5EF4-FFF2-40B4-BE49-F238E27FC236}">
-                <a16:creationId xmlns:a16="http://schemas.microsoft.com/office/drawing/2014/main" xmlns="" id="{6B5C1F01-6FC6-41B6-986B-614A7417DC21}"/>
+                <a16:creationId xmlns="" xmlns:a16="http://schemas.microsoft.com/office/drawing/2014/main" id="{6B5C1F01-6FC6-41B6-986B-614A7417DC21}"/>
               </a:ext>
             </a:extLst>
           </p:cNvPr>
@@ -11297,6 +11895,29 @@
           </a:fontRef>
         </p:style>
       </p:cxnSp>
+      <p:sp>
+        <p:nvSpPr>
+          <p:cNvPr id="6" name="Slide Number Placeholder 5"/>
+          <p:cNvSpPr>
+            <a:spLocks noGrp="1"/>
+          </p:cNvSpPr>
+          <p:nvPr>
+            <p:ph type="sldNum" sz="quarter" idx="12"/>
+          </p:nvPr>
+        </p:nvSpPr>
+        <p:spPr/>
+        <p:txBody>
+          <a:bodyPr/>
+          <a:lstStyle/>
+          <a:p>
+            <a:fld id="{D63D4D68-E5E1-497F-B018-33FA9D88ECA8}" type="slidenum">
+              <a:rPr lang="en-GB" smtClean="0"/>
+              <a:t>8</a:t>
+            </a:fld>
+            <a:endParaRPr lang="en-GB"/>
+          </a:p>
+        </p:txBody>
+      </p:sp>
     </p:spTree>
     <p:extLst>
       <p:ext uri="{BB962C8B-B14F-4D97-AF65-F5344CB8AC3E}">
@@ -11332,7 +11953,7 @@
           <p:cNvPr id="2" name="Title 1">
             <a:extLst>
               <a:ext uri="{FF2B5EF4-FFF2-40B4-BE49-F238E27FC236}">
-                <a16:creationId xmlns:a16="http://schemas.microsoft.com/office/drawing/2014/main" xmlns="" id="{A686F44C-1A70-4DDC-B6C1-F78384CF90BF}"/>
+                <a16:creationId xmlns="" xmlns:a16="http://schemas.microsoft.com/office/drawing/2014/main" id="{A686F44C-1A70-4DDC-B6C1-F78384CF90BF}"/>
               </a:ext>
             </a:extLst>
           </p:cNvPr>
@@ -11360,7 +11981,7 @@
           <p:cNvPr id="3" name="Content Placeholder 2">
             <a:extLst>
               <a:ext uri="{FF2B5EF4-FFF2-40B4-BE49-F238E27FC236}">
-                <a16:creationId xmlns:a16="http://schemas.microsoft.com/office/drawing/2014/main" xmlns="" id="{0E3B6853-3F6F-4F58-A37E-45DAEC469477}"/>
+                <a16:creationId xmlns="" xmlns:a16="http://schemas.microsoft.com/office/drawing/2014/main" id="{0E3B6853-3F6F-4F58-A37E-45DAEC469477}"/>
               </a:ext>
             </a:extLst>
           </p:cNvPr>
@@ -11400,7 +12021,6 @@
               <a:rPr lang="en-US"/>
               <a:t> an entity?</a:t>
             </a:r>
-            <a:endParaRPr lang="en-US"/>
           </a:p>
           <a:p>
             <a:r>
@@ -11415,6 +12035,29 @@
               <a:rPr lang="en-US"/>
               <a:t>, a much harder problem (covered later)</a:t>
             </a:r>
+          </a:p>
+        </p:txBody>
+      </p:sp>
+      <p:sp>
+        <p:nvSpPr>
+          <p:cNvPr id="4" name="Slide Number Placeholder 3"/>
+          <p:cNvSpPr>
+            <a:spLocks noGrp="1"/>
+          </p:cNvSpPr>
+          <p:nvPr>
+            <p:ph type="sldNum" sz="quarter" idx="12"/>
+          </p:nvPr>
+        </p:nvSpPr>
+        <p:spPr/>
+        <p:txBody>
+          <a:bodyPr/>
+          <a:lstStyle/>
+          <a:p>
+            <a:fld id="{D63D4D68-E5E1-497F-B018-33FA9D88ECA8}" type="slidenum">
+              <a:rPr lang="en-GB" smtClean="0"/>
+              <a:t>9</a:t>
+            </a:fld>
+            <a:endParaRPr lang="en-GB"/>
           </a:p>
         </p:txBody>
       </p:sp>
